--- a/mbaspnetcore6/MB_Training_Images.pptx
+++ b/mbaspnetcore6/MB_Training_Images.pptx
@@ -20,6 +20,9 @@
     <p:sldId id="268" r:id="rId14"/>
     <p:sldId id="269" r:id="rId15"/>
     <p:sldId id="270" r:id="rId16"/>
+    <p:sldId id="271" r:id="rId17"/>
+    <p:sldId id="273" r:id="rId18"/>
+    <p:sldId id="272" r:id="rId19"/>
   </p:sldIdLst>
   <p:sldSz cx="12192000" cy="6858000"/>
   <p:notesSz cx="6858000" cy="9144000"/>
@@ -273,7 +276,7 @@
           <a:p>
             <a:fld id="{7EAE8DEA-61CA-412C-9D6E-50DA161E193E}" type="datetimeFigureOut">
               <a:rPr lang="en-US" smtClean="0"/>
-              <a:t>8/17/22</a:t>
+              <a:t>8/18/22</a:t>
             </a:fld>
             <a:endParaRPr lang="en-US"/>
           </a:p>
@@ -471,7 +474,7 @@
           <a:p>
             <a:fld id="{7EAE8DEA-61CA-412C-9D6E-50DA161E193E}" type="datetimeFigureOut">
               <a:rPr lang="en-US" smtClean="0"/>
-              <a:t>8/17/22</a:t>
+              <a:t>8/18/22</a:t>
             </a:fld>
             <a:endParaRPr lang="en-US"/>
           </a:p>
@@ -679,7 +682,7 @@
           <a:p>
             <a:fld id="{7EAE8DEA-61CA-412C-9D6E-50DA161E193E}" type="datetimeFigureOut">
               <a:rPr lang="en-US" smtClean="0"/>
-              <a:t>8/17/22</a:t>
+              <a:t>8/18/22</a:t>
             </a:fld>
             <a:endParaRPr lang="en-US"/>
           </a:p>
@@ -877,7 +880,7 @@
           <a:p>
             <a:fld id="{7EAE8DEA-61CA-412C-9D6E-50DA161E193E}" type="datetimeFigureOut">
               <a:rPr lang="en-US" smtClean="0"/>
-              <a:t>8/17/22</a:t>
+              <a:t>8/18/22</a:t>
             </a:fld>
             <a:endParaRPr lang="en-US"/>
           </a:p>
@@ -1152,7 +1155,7 @@
           <a:p>
             <a:fld id="{7EAE8DEA-61CA-412C-9D6E-50DA161E193E}" type="datetimeFigureOut">
               <a:rPr lang="en-US" smtClean="0"/>
-              <a:t>8/17/22</a:t>
+              <a:t>8/18/22</a:t>
             </a:fld>
             <a:endParaRPr lang="en-US"/>
           </a:p>
@@ -1417,7 +1420,7 @@
           <a:p>
             <a:fld id="{7EAE8DEA-61CA-412C-9D6E-50DA161E193E}" type="datetimeFigureOut">
               <a:rPr lang="en-US" smtClean="0"/>
-              <a:t>8/17/22</a:t>
+              <a:t>8/18/22</a:t>
             </a:fld>
             <a:endParaRPr lang="en-US"/>
           </a:p>
@@ -1829,7 +1832,7 @@
           <a:p>
             <a:fld id="{7EAE8DEA-61CA-412C-9D6E-50DA161E193E}" type="datetimeFigureOut">
               <a:rPr lang="en-US" smtClean="0"/>
-              <a:t>8/17/22</a:t>
+              <a:t>8/18/22</a:t>
             </a:fld>
             <a:endParaRPr lang="en-US"/>
           </a:p>
@@ -1970,7 +1973,7 @@
           <a:p>
             <a:fld id="{7EAE8DEA-61CA-412C-9D6E-50DA161E193E}" type="datetimeFigureOut">
               <a:rPr lang="en-US" smtClean="0"/>
-              <a:t>8/17/22</a:t>
+              <a:t>8/18/22</a:t>
             </a:fld>
             <a:endParaRPr lang="en-US"/>
           </a:p>
@@ -2083,7 +2086,7 @@
           <a:p>
             <a:fld id="{7EAE8DEA-61CA-412C-9D6E-50DA161E193E}" type="datetimeFigureOut">
               <a:rPr lang="en-US" smtClean="0"/>
-              <a:t>8/17/22</a:t>
+              <a:t>8/18/22</a:t>
             </a:fld>
             <a:endParaRPr lang="en-US"/>
           </a:p>
@@ -2394,7 +2397,7 @@
           <a:p>
             <a:fld id="{7EAE8DEA-61CA-412C-9D6E-50DA161E193E}" type="datetimeFigureOut">
               <a:rPr lang="en-US" smtClean="0"/>
-              <a:t>8/17/22</a:t>
+              <a:t>8/18/22</a:t>
             </a:fld>
             <a:endParaRPr lang="en-US"/>
           </a:p>
@@ -2682,7 +2685,7 @@
           <a:p>
             <a:fld id="{7EAE8DEA-61CA-412C-9D6E-50DA161E193E}" type="datetimeFigureOut">
               <a:rPr lang="en-US" smtClean="0"/>
-              <a:t>8/17/22</a:t>
+              <a:t>8/18/22</a:t>
             </a:fld>
             <a:endParaRPr lang="en-US"/>
           </a:p>
@@ -2923,7 +2926,7 @@
           <a:p>
             <a:fld id="{7EAE8DEA-61CA-412C-9D6E-50DA161E193E}" type="datetimeFigureOut">
               <a:rPr lang="en-US" smtClean="0"/>
-              <a:t>8/17/22</a:t>
+              <a:t>8/18/22</a:t>
             </a:fld>
             <a:endParaRPr lang="en-US"/>
           </a:p>
@@ -7963,6 +7966,2087 @@
 </p:sld>
 </file>
 
+<file path=ppt/slides/slide16.xml><?xml version="1.0" encoding="utf-8"?>
+<p:sld xmlns:a="http://schemas.openxmlformats.org/drawingml/2006/main" xmlns:r="http://schemas.openxmlformats.org/officeDocument/2006/relationships" xmlns:p="http://schemas.openxmlformats.org/presentationml/2006/main">
+  <p:cSld>
+    <p:spTree>
+      <p:nvGrpSpPr>
+        <p:cNvPr id="1" name=""/>
+        <p:cNvGrpSpPr/>
+        <p:nvPr/>
+      </p:nvGrpSpPr>
+      <p:grpSpPr>
+        <a:xfrm>
+          <a:off x="0" y="0"/>
+          <a:ext cx="0" cy="0"/>
+          <a:chOff x="0" y="0"/>
+          <a:chExt cx="0" cy="0"/>
+        </a:xfrm>
+      </p:grpSpPr>
+      <p:sp>
+        <p:nvSpPr>
+          <p:cNvPr id="2" name="Can 1">
+            <a:extLst>
+              <a:ext uri="{FF2B5EF4-FFF2-40B4-BE49-F238E27FC236}">
+                <a16:creationId xmlns:a16="http://schemas.microsoft.com/office/drawing/2014/main" id="{CEF4D652-FFE2-763A-00DE-3C0062733FF0}"/>
+              </a:ext>
+            </a:extLst>
+          </p:cNvPr>
+          <p:cNvSpPr/>
+          <p:nvPr/>
+        </p:nvSpPr>
+        <p:spPr>
+          <a:xfrm>
+            <a:off x="6726620" y="273269"/>
+            <a:ext cx="5129049" cy="6495394"/>
+          </a:xfrm>
+          <a:prstGeom prst="can">
+            <a:avLst/>
+          </a:prstGeom>
+        </p:spPr>
+        <p:style>
+          <a:lnRef idx="2">
+            <a:schemeClr val="accent1">
+              <a:shade val="50000"/>
+            </a:schemeClr>
+          </a:lnRef>
+          <a:fillRef idx="1">
+            <a:schemeClr val="accent1"/>
+          </a:fillRef>
+          <a:effectRef idx="0">
+            <a:schemeClr val="accent1"/>
+          </a:effectRef>
+          <a:fontRef idx="minor">
+            <a:schemeClr val="lt1"/>
+          </a:fontRef>
+        </p:style>
+        <p:txBody>
+          <a:bodyPr rtlCol="0" anchor="ctr"/>
+          <a:lstStyle/>
+          <a:p>
+            <a:pPr algn="ctr"/>
+            <a:endParaRPr lang="en-US"/>
+          </a:p>
+        </p:txBody>
+      </p:sp>
+      <p:graphicFrame>
+        <p:nvGraphicFramePr>
+          <p:cNvPr id="3" name="Table 3">
+            <a:extLst>
+              <a:ext uri="{FF2B5EF4-FFF2-40B4-BE49-F238E27FC236}">
+                <a16:creationId xmlns:a16="http://schemas.microsoft.com/office/drawing/2014/main" id="{8779007D-BA64-FDD7-05FE-223E80716543}"/>
+              </a:ext>
+            </a:extLst>
+          </p:cNvPr>
+          <p:cNvGraphicFramePr>
+            <a:graphicFrameLocks noGrp="1"/>
+          </p:cNvGraphicFramePr>
+          <p:nvPr>
+            <p:extLst>
+              <p:ext uri="{D42A27DB-BD31-4B8C-83A1-F6EECF244321}">
+                <p14:modId xmlns:p14="http://schemas.microsoft.com/office/powerpoint/2010/main" val="1372898466"/>
+              </p:ext>
+            </p:extLst>
+          </p:nvPr>
+        </p:nvGraphicFramePr>
+        <p:xfrm>
+          <a:off x="7213600" y="2495914"/>
+          <a:ext cx="4295228" cy="741680"/>
+        </p:xfrm>
+        <a:graphic>
+          <a:graphicData uri="http://schemas.openxmlformats.org/drawingml/2006/table">
+            <a:tbl>
+              <a:tblPr firstRow="1" bandRow="1">
+                <a:tableStyleId>{5C22544A-7EE6-4342-B048-85BDC9FD1C3A}</a:tableStyleId>
+              </a:tblPr>
+              <a:tblGrid>
+                <a:gridCol w="1073807">
+                  <a:extLst>
+                    <a:ext uri="{9D8B030D-6E8A-4147-A177-3AD203B41FA5}">
+                      <a16:colId xmlns:a16="http://schemas.microsoft.com/office/drawing/2014/main" val="3801557474"/>
+                    </a:ext>
+                  </a:extLst>
+                </a:gridCol>
+                <a:gridCol w="1073807">
+                  <a:extLst>
+                    <a:ext uri="{9D8B030D-6E8A-4147-A177-3AD203B41FA5}">
+                      <a16:colId xmlns:a16="http://schemas.microsoft.com/office/drawing/2014/main" val="2203078697"/>
+                    </a:ext>
+                  </a:extLst>
+                </a:gridCol>
+                <a:gridCol w="1073807">
+                  <a:extLst>
+                    <a:ext uri="{9D8B030D-6E8A-4147-A177-3AD203B41FA5}">
+                      <a16:colId xmlns:a16="http://schemas.microsoft.com/office/drawing/2014/main" val="1286410939"/>
+                    </a:ext>
+                  </a:extLst>
+                </a:gridCol>
+                <a:gridCol w="1073807">
+                  <a:extLst>
+                    <a:ext uri="{9D8B030D-6E8A-4147-A177-3AD203B41FA5}">
+                      <a16:colId xmlns:a16="http://schemas.microsoft.com/office/drawing/2014/main" val="2392405004"/>
+                    </a:ext>
+                  </a:extLst>
+                </a:gridCol>
+              </a:tblGrid>
+              <a:tr h="370840">
+                <a:tc>
+                  <a:txBody>
+                    <a:bodyPr/>
+                    <a:lstStyle/>
+                    <a:p>
+                      <a:r>
+                        <a:rPr lang="en-US" dirty="0" err="1"/>
+                        <a:t>Dno</a:t>
+                      </a:r>
+                      <a:endParaRPr lang="en-US" dirty="0"/>
+                    </a:p>
+                  </a:txBody>
+                  <a:tcPr/>
+                </a:tc>
+                <a:tc>
+                  <a:txBody>
+                    <a:bodyPr/>
+                    <a:lstStyle/>
+                    <a:p>
+                      <a:r>
+                        <a:rPr lang="en-US" dirty="0" err="1"/>
+                        <a:t>Dname</a:t>
+                      </a:r>
+                      <a:endParaRPr lang="en-US" dirty="0"/>
+                    </a:p>
+                  </a:txBody>
+                  <a:tcPr/>
+                </a:tc>
+                <a:tc>
+                  <a:txBody>
+                    <a:bodyPr/>
+                    <a:lstStyle/>
+                    <a:p>
+                      <a:r>
+                        <a:rPr lang="en-US" dirty="0"/>
+                        <a:t>Location</a:t>
+                      </a:r>
+                    </a:p>
+                  </a:txBody>
+                  <a:tcPr/>
+                </a:tc>
+                <a:tc>
+                  <a:txBody>
+                    <a:bodyPr/>
+                    <a:lstStyle/>
+                    <a:p>
+                      <a:r>
+                        <a:rPr lang="en-US" dirty="0"/>
+                        <a:t>Capacity</a:t>
+                      </a:r>
+                    </a:p>
+                  </a:txBody>
+                  <a:tcPr/>
+                </a:tc>
+                <a:extLst>
+                  <a:ext uri="{0D108BD9-81ED-4DB2-BD59-A6C34878D82A}">
+                    <a16:rowId xmlns:a16="http://schemas.microsoft.com/office/drawing/2014/main" val="1358162330"/>
+                  </a:ext>
+                </a:extLst>
+              </a:tr>
+              <a:tr h="370840">
+                <a:tc>
+                  <a:txBody>
+                    <a:bodyPr/>
+                    <a:lstStyle/>
+                    <a:p>
+                      <a:endParaRPr lang="en-US"/>
+                    </a:p>
+                  </a:txBody>
+                  <a:tcPr/>
+                </a:tc>
+                <a:tc>
+                  <a:txBody>
+                    <a:bodyPr/>
+                    <a:lstStyle/>
+                    <a:p>
+                      <a:endParaRPr lang="en-US"/>
+                    </a:p>
+                  </a:txBody>
+                  <a:tcPr/>
+                </a:tc>
+                <a:tc>
+                  <a:txBody>
+                    <a:bodyPr/>
+                    <a:lstStyle/>
+                    <a:p>
+                      <a:endParaRPr lang="en-US"/>
+                    </a:p>
+                  </a:txBody>
+                  <a:tcPr/>
+                </a:tc>
+                <a:tc>
+                  <a:txBody>
+                    <a:bodyPr/>
+                    <a:lstStyle/>
+                    <a:p>
+                      <a:endParaRPr lang="en-US" dirty="0"/>
+                    </a:p>
+                  </a:txBody>
+                  <a:tcPr/>
+                </a:tc>
+                <a:extLst>
+                  <a:ext uri="{0D108BD9-81ED-4DB2-BD59-A6C34878D82A}">
+                    <a16:rowId xmlns:a16="http://schemas.microsoft.com/office/drawing/2014/main" val="3986363115"/>
+                  </a:ext>
+                </a:extLst>
+              </a:tr>
+            </a:tbl>
+          </a:graphicData>
+        </a:graphic>
+      </p:graphicFrame>
+      <p:graphicFrame>
+        <p:nvGraphicFramePr>
+          <p:cNvPr id="4" name="Table 4">
+            <a:extLst>
+              <a:ext uri="{FF2B5EF4-FFF2-40B4-BE49-F238E27FC236}">
+                <a16:creationId xmlns:a16="http://schemas.microsoft.com/office/drawing/2014/main" id="{D8B4538C-A48E-7890-7C87-D104C83F4F4D}"/>
+              </a:ext>
+            </a:extLst>
+          </p:cNvPr>
+          <p:cNvGraphicFramePr>
+            <a:graphicFrameLocks noGrp="1"/>
+          </p:cNvGraphicFramePr>
+          <p:nvPr>
+            <p:extLst>
+              <p:ext uri="{D42A27DB-BD31-4B8C-83A1-F6EECF244321}">
+                <p14:modId xmlns:p14="http://schemas.microsoft.com/office/powerpoint/2010/main" val="2693688614"/>
+              </p:ext>
+            </p:extLst>
+          </p:nvPr>
+        </p:nvGraphicFramePr>
+        <p:xfrm>
+          <a:off x="6828219" y="3767462"/>
+          <a:ext cx="4925850" cy="741680"/>
+        </p:xfrm>
+        <a:graphic>
+          <a:graphicData uri="http://schemas.openxmlformats.org/drawingml/2006/table">
+            <a:tbl>
+              <a:tblPr firstRow="1" bandRow="1">
+                <a:tableStyleId>{5C22544A-7EE6-4342-B048-85BDC9FD1C3A}</a:tableStyleId>
+              </a:tblPr>
+              <a:tblGrid>
+                <a:gridCol w="985170">
+                  <a:extLst>
+                    <a:ext uri="{9D8B030D-6E8A-4147-A177-3AD203B41FA5}">
+                      <a16:colId xmlns:a16="http://schemas.microsoft.com/office/drawing/2014/main" val="3042825426"/>
+                    </a:ext>
+                  </a:extLst>
+                </a:gridCol>
+                <a:gridCol w="985170">
+                  <a:extLst>
+                    <a:ext uri="{9D8B030D-6E8A-4147-A177-3AD203B41FA5}">
+                      <a16:colId xmlns:a16="http://schemas.microsoft.com/office/drawing/2014/main" val="3371498969"/>
+                    </a:ext>
+                  </a:extLst>
+                </a:gridCol>
+                <a:gridCol w="985170">
+                  <a:extLst>
+                    <a:ext uri="{9D8B030D-6E8A-4147-A177-3AD203B41FA5}">
+                      <a16:colId xmlns:a16="http://schemas.microsoft.com/office/drawing/2014/main" val="272958370"/>
+                    </a:ext>
+                  </a:extLst>
+                </a:gridCol>
+                <a:gridCol w="985170">
+                  <a:extLst>
+                    <a:ext uri="{9D8B030D-6E8A-4147-A177-3AD203B41FA5}">
+                      <a16:colId xmlns:a16="http://schemas.microsoft.com/office/drawing/2014/main" val="4092068706"/>
+                    </a:ext>
+                  </a:extLst>
+                </a:gridCol>
+                <a:gridCol w="985170">
+                  <a:extLst>
+                    <a:ext uri="{9D8B030D-6E8A-4147-A177-3AD203B41FA5}">
+                      <a16:colId xmlns:a16="http://schemas.microsoft.com/office/drawing/2014/main" val="1620676786"/>
+                    </a:ext>
+                  </a:extLst>
+                </a:gridCol>
+              </a:tblGrid>
+              <a:tr h="370840">
+                <a:tc>
+                  <a:txBody>
+                    <a:bodyPr/>
+                    <a:lstStyle/>
+                    <a:p>
+                      <a:r>
+                        <a:rPr lang="en-US" dirty="0"/>
+                        <a:t>Eno</a:t>
+                      </a:r>
+                    </a:p>
+                  </a:txBody>
+                  <a:tcPr/>
+                </a:tc>
+                <a:tc>
+                  <a:txBody>
+                    <a:bodyPr/>
+                    <a:lstStyle/>
+                    <a:p>
+                      <a:r>
+                        <a:rPr lang="en-US" dirty="0" err="1"/>
+                        <a:t>Ename</a:t>
+                      </a:r>
+                      <a:endParaRPr lang="en-US" dirty="0"/>
+                    </a:p>
+                  </a:txBody>
+                  <a:tcPr/>
+                </a:tc>
+                <a:tc>
+                  <a:txBody>
+                    <a:bodyPr/>
+                    <a:lstStyle/>
+                    <a:p>
+                      <a:r>
+                        <a:rPr lang="en-US" dirty="0" err="1"/>
+                        <a:t>Desig</a:t>
+                      </a:r>
+                      <a:endParaRPr lang="en-US" dirty="0"/>
+                    </a:p>
+                  </a:txBody>
+                  <a:tcPr/>
+                </a:tc>
+                <a:tc>
+                  <a:txBody>
+                    <a:bodyPr/>
+                    <a:lstStyle/>
+                    <a:p>
+                      <a:r>
+                        <a:rPr lang="en-US" dirty="0"/>
+                        <a:t>Sal</a:t>
+                      </a:r>
+                    </a:p>
+                  </a:txBody>
+                  <a:tcPr/>
+                </a:tc>
+                <a:tc>
+                  <a:txBody>
+                    <a:bodyPr/>
+                    <a:lstStyle/>
+                    <a:p>
+                      <a:r>
+                        <a:rPr lang="en-US" dirty="0" err="1"/>
+                        <a:t>Dno</a:t>
+                      </a:r>
+                      <a:endParaRPr lang="en-US" dirty="0"/>
+                    </a:p>
+                  </a:txBody>
+                  <a:tcPr/>
+                </a:tc>
+                <a:extLst>
+                  <a:ext uri="{0D108BD9-81ED-4DB2-BD59-A6C34878D82A}">
+                    <a16:rowId xmlns:a16="http://schemas.microsoft.com/office/drawing/2014/main" val="41151076"/>
+                  </a:ext>
+                </a:extLst>
+              </a:tr>
+              <a:tr h="370840">
+                <a:tc>
+                  <a:txBody>
+                    <a:bodyPr/>
+                    <a:lstStyle/>
+                    <a:p>
+                      <a:endParaRPr lang="en-US"/>
+                    </a:p>
+                  </a:txBody>
+                  <a:tcPr/>
+                </a:tc>
+                <a:tc>
+                  <a:txBody>
+                    <a:bodyPr/>
+                    <a:lstStyle/>
+                    <a:p>
+                      <a:endParaRPr lang="en-US"/>
+                    </a:p>
+                  </a:txBody>
+                  <a:tcPr/>
+                </a:tc>
+                <a:tc>
+                  <a:txBody>
+                    <a:bodyPr/>
+                    <a:lstStyle/>
+                    <a:p>
+                      <a:endParaRPr lang="en-US"/>
+                    </a:p>
+                  </a:txBody>
+                  <a:tcPr/>
+                </a:tc>
+                <a:tc>
+                  <a:txBody>
+                    <a:bodyPr/>
+                    <a:lstStyle/>
+                    <a:p>
+                      <a:endParaRPr lang="en-US"/>
+                    </a:p>
+                  </a:txBody>
+                  <a:tcPr/>
+                </a:tc>
+                <a:tc>
+                  <a:txBody>
+                    <a:bodyPr/>
+                    <a:lstStyle/>
+                    <a:p>
+                      <a:endParaRPr lang="en-US" dirty="0"/>
+                    </a:p>
+                  </a:txBody>
+                  <a:tcPr/>
+                </a:tc>
+                <a:extLst>
+                  <a:ext uri="{0D108BD9-81ED-4DB2-BD59-A6C34878D82A}">
+                    <a16:rowId xmlns:a16="http://schemas.microsoft.com/office/drawing/2014/main" val="704599501"/>
+                  </a:ext>
+                </a:extLst>
+              </a:tr>
+            </a:tbl>
+          </a:graphicData>
+        </a:graphic>
+      </p:graphicFrame>
+      <p:sp>
+        <p:nvSpPr>
+          <p:cNvPr id="5" name="Rounded Rectangle 4">
+            <a:extLst>
+              <a:ext uri="{FF2B5EF4-FFF2-40B4-BE49-F238E27FC236}">
+                <a16:creationId xmlns:a16="http://schemas.microsoft.com/office/drawing/2014/main" id="{5BF35649-95EB-38EC-52F3-6AAB38109D4B}"/>
+              </a:ext>
+            </a:extLst>
+          </p:cNvPr>
+          <p:cNvSpPr/>
+          <p:nvPr/>
+        </p:nvSpPr>
+        <p:spPr>
+          <a:xfrm>
+            <a:off x="262759" y="273269"/>
+            <a:ext cx="2490951" cy="6295697"/>
+          </a:xfrm>
+          <a:prstGeom prst="roundRect">
+            <a:avLst/>
+          </a:prstGeom>
+          <a:solidFill>
+            <a:schemeClr val="accent4">
+              <a:lumMod val="60000"/>
+              <a:lumOff val="40000"/>
+            </a:schemeClr>
+          </a:solidFill>
+        </p:spPr>
+        <p:style>
+          <a:lnRef idx="2">
+            <a:schemeClr val="accent1">
+              <a:shade val="50000"/>
+            </a:schemeClr>
+          </a:lnRef>
+          <a:fillRef idx="1">
+            <a:schemeClr val="accent1"/>
+          </a:fillRef>
+          <a:effectRef idx="0">
+            <a:schemeClr val="accent1"/>
+          </a:effectRef>
+          <a:fontRef idx="minor">
+            <a:schemeClr val="lt1"/>
+          </a:fontRef>
+        </p:style>
+        <p:txBody>
+          <a:bodyPr rtlCol="0" anchor="ctr"/>
+          <a:lstStyle/>
+          <a:p>
+            <a:pPr algn="ctr"/>
+            <a:r>
+              <a:rPr lang="en-US" b="1" dirty="0"/>
+              <a:t>Client App</a:t>
+            </a:r>
+          </a:p>
+        </p:txBody>
+      </p:sp>
+      <p:sp>
+        <p:nvSpPr>
+          <p:cNvPr id="6" name="Right Arrow 5">
+            <a:extLst>
+              <a:ext uri="{FF2B5EF4-FFF2-40B4-BE49-F238E27FC236}">
+                <a16:creationId xmlns:a16="http://schemas.microsoft.com/office/drawing/2014/main" id="{54F50DFE-110C-7331-CE06-C272F8D5EB7B}"/>
+              </a:ext>
+            </a:extLst>
+          </p:cNvPr>
+          <p:cNvSpPr/>
+          <p:nvPr/>
+        </p:nvSpPr>
+        <p:spPr>
+          <a:xfrm>
+            <a:off x="2764221" y="1051034"/>
+            <a:ext cx="1730963" cy="903890"/>
+          </a:xfrm>
+          <a:prstGeom prst="rightArrow">
+            <a:avLst/>
+          </a:prstGeom>
+        </p:spPr>
+        <p:style>
+          <a:lnRef idx="2">
+            <a:schemeClr val="accent1">
+              <a:shade val="50000"/>
+            </a:schemeClr>
+          </a:lnRef>
+          <a:fillRef idx="1">
+            <a:schemeClr val="accent1"/>
+          </a:fillRef>
+          <a:effectRef idx="0">
+            <a:schemeClr val="accent1"/>
+          </a:effectRef>
+          <a:fontRef idx="minor">
+            <a:schemeClr val="lt1"/>
+          </a:fontRef>
+        </p:style>
+        <p:txBody>
+          <a:bodyPr rtlCol="0" anchor="ctr"/>
+          <a:lstStyle/>
+          <a:p>
+            <a:pPr algn="ctr"/>
+            <a:r>
+              <a:rPr lang="en-US" sz="1400" b="1" dirty="0"/>
+              <a:t>Connection Open</a:t>
+            </a:r>
+          </a:p>
+        </p:txBody>
+      </p:sp>
+      <p:sp>
+        <p:nvSpPr>
+          <p:cNvPr id="7" name="Right Arrow 6">
+            <a:extLst>
+              <a:ext uri="{FF2B5EF4-FFF2-40B4-BE49-F238E27FC236}">
+                <a16:creationId xmlns:a16="http://schemas.microsoft.com/office/drawing/2014/main" id="{884C2837-B5D5-9A0B-95C2-C4720E577619}"/>
+              </a:ext>
+            </a:extLst>
+          </p:cNvPr>
+          <p:cNvSpPr/>
+          <p:nvPr/>
+        </p:nvSpPr>
+        <p:spPr>
+          <a:xfrm>
+            <a:off x="2753711" y="2343807"/>
+            <a:ext cx="1730962" cy="893787"/>
+          </a:xfrm>
+          <a:prstGeom prst="rightArrow">
+            <a:avLst/>
+          </a:prstGeom>
+        </p:spPr>
+        <p:style>
+          <a:lnRef idx="2">
+            <a:schemeClr val="accent1">
+              <a:shade val="50000"/>
+            </a:schemeClr>
+          </a:lnRef>
+          <a:fillRef idx="1">
+            <a:schemeClr val="accent1"/>
+          </a:fillRef>
+          <a:effectRef idx="0">
+            <a:schemeClr val="accent1"/>
+          </a:effectRef>
+          <a:fontRef idx="minor">
+            <a:schemeClr val="lt1"/>
+          </a:fontRef>
+        </p:style>
+        <p:txBody>
+          <a:bodyPr rtlCol="0" anchor="ctr"/>
+          <a:lstStyle/>
+          <a:p>
+            <a:pPr algn="ctr"/>
+            <a:r>
+              <a:rPr lang="en-US" sz="1400" b="1" dirty="0"/>
+              <a:t>Commands for CRUD</a:t>
+            </a:r>
+          </a:p>
+        </p:txBody>
+      </p:sp>
+      <p:sp>
+        <p:nvSpPr>
+          <p:cNvPr id="8" name="Right Arrow 7">
+            <a:extLst>
+              <a:ext uri="{FF2B5EF4-FFF2-40B4-BE49-F238E27FC236}">
+                <a16:creationId xmlns:a16="http://schemas.microsoft.com/office/drawing/2014/main" id="{2EE7500F-D716-C7C7-A5BE-5888C75C12D1}"/>
+              </a:ext>
+            </a:extLst>
+          </p:cNvPr>
+          <p:cNvSpPr/>
+          <p:nvPr/>
+        </p:nvSpPr>
+        <p:spPr>
+          <a:xfrm>
+            <a:off x="2753710" y="4551183"/>
+            <a:ext cx="1730963" cy="903890"/>
+          </a:xfrm>
+          <a:prstGeom prst="rightArrow">
+            <a:avLst/>
+          </a:prstGeom>
+        </p:spPr>
+        <p:style>
+          <a:lnRef idx="2">
+            <a:schemeClr val="accent1">
+              <a:shade val="50000"/>
+            </a:schemeClr>
+          </a:lnRef>
+          <a:fillRef idx="1">
+            <a:schemeClr val="accent1"/>
+          </a:fillRef>
+          <a:effectRef idx="0">
+            <a:schemeClr val="accent1"/>
+          </a:effectRef>
+          <a:fontRef idx="minor">
+            <a:schemeClr val="lt1"/>
+          </a:fontRef>
+        </p:style>
+        <p:txBody>
+          <a:bodyPr rtlCol="0" anchor="ctr"/>
+          <a:lstStyle/>
+          <a:p>
+            <a:pPr algn="ctr"/>
+            <a:r>
+              <a:rPr lang="en-US" sz="1400" b="1" dirty="0"/>
+              <a:t>Connection Close</a:t>
+            </a:r>
+          </a:p>
+        </p:txBody>
+      </p:sp>
+      <p:sp>
+        <p:nvSpPr>
+          <p:cNvPr id="9" name="Rounded Rectangle 8">
+            <a:extLst>
+              <a:ext uri="{FF2B5EF4-FFF2-40B4-BE49-F238E27FC236}">
+                <a16:creationId xmlns:a16="http://schemas.microsoft.com/office/drawing/2014/main" id="{2A2D399B-F7B9-1E01-5AD6-ED7DDAF4D2BA}"/>
+              </a:ext>
+            </a:extLst>
+          </p:cNvPr>
+          <p:cNvSpPr/>
+          <p:nvPr/>
+        </p:nvSpPr>
+        <p:spPr>
+          <a:xfrm>
+            <a:off x="4495184" y="746642"/>
+            <a:ext cx="1713187" cy="4981903"/>
+          </a:xfrm>
+          <a:prstGeom prst="roundRect">
+            <a:avLst/>
+          </a:prstGeom>
+          <a:solidFill>
+            <a:schemeClr val="accent2"/>
+          </a:solidFill>
+        </p:spPr>
+        <p:style>
+          <a:lnRef idx="2">
+            <a:schemeClr val="accent1">
+              <a:shade val="50000"/>
+            </a:schemeClr>
+          </a:lnRef>
+          <a:fillRef idx="1">
+            <a:schemeClr val="accent1"/>
+          </a:fillRef>
+          <a:effectRef idx="0">
+            <a:schemeClr val="accent1"/>
+          </a:effectRef>
+          <a:fontRef idx="minor">
+            <a:schemeClr val="lt1"/>
+          </a:fontRef>
+        </p:style>
+        <p:txBody>
+          <a:bodyPr rtlCol="0" anchor="ctr"/>
+          <a:lstStyle/>
+          <a:p>
+            <a:pPr algn="ctr"/>
+            <a:r>
+              <a:rPr lang="en-US" b="1" dirty="0"/>
+              <a:t>Data </a:t>
+            </a:r>
+          </a:p>
+          <a:p>
+            <a:pPr algn="ctr"/>
+            <a:r>
+              <a:rPr lang="en-US" b="1" dirty="0"/>
+              <a:t>Access </a:t>
+            </a:r>
+          </a:p>
+          <a:p>
+            <a:pPr algn="ctr"/>
+            <a:r>
+              <a:rPr lang="en-US" b="1" dirty="0"/>
+              <a:t>Layer</a:t>
+            </a:r>
+          </a:p>
+          <a:p>
+            <a:pPr algn="ctr"/>
+            <a:r>
+              <a:rPr lang="en-US" b="1" dirty="0"/>
+              <a:t>Common For</a:t>
+            </a:r>
+          </a:p>
+          <a:p>
+            <a:pPr algn="ctr"/>
+            <a:r>
+              <a:rPr lang="en-US" b="1" dirty="0"/>
+              <a:t>All</a:t>
+            </a:r>
+          </a:p>
+          <a:p>
+            <a:pPr algn="ctr"/>
+            <a:r>
+              <a:rPr lang="en-US" b="1" dirty="0"/>
+              <a:t>Tables</a:t>
+            </a:r>
+          </a:p>
+          <a:p>
+            <a:pPr algn="ctr"/>
+            <a:endParaRPr lang="en-US" b="1" dirty="0"/>
+          </a:p>
+          <a:p>
+            <a:pPr algn="ctr"/>
+            <a:r>
+              <a:rPr lang="en-US" b="1" dirty="0"/>
+              <a:t>CRUD</a:t>
+            </a:r>
+          </a:p>
+        </p:txBody>
+      </p:sp>
+      <p:sp>
+        <p:nvSpPr>
+          <p:cNvPr id="10" name="Left-right Arrow 9">
+            <a:extLst>
+              <a:ext uri="{FF2B5EF4-FFF2-40B4-BE49-F238E27FC236}">
+                <a16:creationId xmlns:a16="http://schemas.microsoft.com/office/drawing/2014/main" id="{73CD4FCB-1D0C-694F-626D-EBBCA8B5B16A}"/>
+              </a:ext>
+            </a:extLst>
+          </p:cNvPr>
+          <p:cNvSpPr/>
+          <p:nvPr/>
+        </p:nvSpPr>
+        <p:spPr>
+          <a:xfrm>
+            <a:off x="6226146" y="3005959"/>
+            <a:ext cx="510985" cy="231635"/>
+          </a:xfrm>
+          <a:prstGeom prst="leftRightArrow">
+            <a:avLst/>
+          </a:prstGeom>
+        </p:spPr>
+        <p:style>
+          <a:lnRef idx="2">
+            <a:schemeClr val="accent1">
+              <a:shade val="50000"/>
+            </a:schemeClr>
+          </a:lnRef>
+          <a:fillRef idx="1">
+            <a:schemeClr val="accent1"/>
+          </a:fillRef>
+          <a:effectRef idx="0">
+            <a:schemeClr val="accent1"/>
+          </a:effectRef>
+          <a:fontRef idx="minor">
+            <a:schemeClr val="lt1"/>
+          </a:fontRef>
+        </p:style>
+        <p:txBody>
+          <a:bodyPr rtlCol="0" anchor="ctr"/>
+          <a:lstStyle/>
+          <a:p>
+            <a:pPr algn="ctr"/>
+            <a:endParaRPr lang="en-US"/>
+          </a:p>
+        </p:txBody>
+      </p:sp>
+    </p:spTree>
+    <p:extLst>
+      <p:ext uri="{BB962C8B-B14F-4D97-AF65-F5344CB8AC3E}">
+        <p14:creationId xmlns:p14="http://schemas.microsoft.com/office/powerpoint/2010/main" val="4232111574"/>
+      </p:ext>
+    </p:extLst>
+  </p:cSld>
+  <p:clrMapOvr>
+    <a:masterClrMapping/>
+  </p:clrMapOvr>
+</p:sld>
+</file>
+
+<file path=ppt/slides/slide17.xml><?xml version="1.0" encoding="utf-8"?>
+<p:sld xmlns:a="http://schemas.openxmlformats.org/drawingml/2006/main" xmlns:r="http://schemas.openxmlformats.org/officeDocument/2006/relationships" xmlns:p="http://schemas.openxmlformats.org/presentationml/2006/main">
+  <p:cSld>
+    <p:spTree>
+      <p:nvGrpSpPr>
+        <p:cNvPr id="1" name=""/>
+        <p:cNvGrpSpPr/>
+        <p:nvPr/>
+      </p:nvGrpSpPr>
+      <p:grpSpPr>
+        <a:xfrm>
+          <a:off x="0" y="0"/>
+          <a:ext cx="0" cy="0"/>
+          <a:chOff x="0" y="0"/>
+          <a:chExt cx="0" cy="0"/>
+        </a:xfrm>
+      </p:grpSpPr>
+      <p:sp>
+        <p:nvSpPr>
+          <p:cNvPr id="2" name="Rectangle 1">
+            <a:extLst>
+              <a:ext uri="{FF2B5EF4-FFF2-40B4-BE49-F238E27FC236}">
+                <a16:creationId xmlns:a16="http://schemas.microsoft.com/office/drawing/2014/main" id="{528D3255-1785-A212-304A-3F6BCAE9B00F}"/>
+              </a:ext>
+            </a:extLst>
+          </p:cNvPr>
+          <p:cNvSpPr/>
+          <p:nvPr/>
+        </p:nvSpPr>
+        <p:spPr>
+          <a:xfrm>
+            <a:off x="546538" y="1240221"/>
+            <a:ext cx="11098924" cy="1765738"/>
+          </a:xfrm>
+          <a:prstGeom prst="rect">
+            <a:avLst/>
+          </a:prstGeom>
+        </p:spPr>
+        <p:style>
+          <a:lnRef idx="1">
+            <a:schemeClr val="accent4"/>
+          </a:lnRef>
+          <a:fillRef idx="2">
+            <a:schemeClr val="accent4"/>
+          </a:fillRef>
+          <a:effectRef idx="1">
+            <a:schemeClr val="accent4"/>
+          </a:effectRef>
+          <a:fontRef idx="minor">
+            <a:schemeClr val="dk1"/>
+          </a:fontRef>
+        </p:style>
+        <p:txBody>
+          <a:bodyPr rtlCol="0" anchor="ctr"/>
+          <a:lstStyle/>
+          <a:p>
+            <a:pPr algn="ctr"/>
+            <a:endParaRPr lang="en-US"/>
+          </a:p>
+        </p:txBody>
+      </p:sp>
+      <p:sp>
+        <p:nvSpPr>
+          <p:cNvPr id="3" name="TextBox 2">
+            <a:extLst>
+              <a:ext uri="{FF2B5EF4-FFF2-40B4-BE49-F238E27FC236}">
+                <a16:creationId xmlns:a16="http://schemas.microsoft.com/office/drawing/2014/main" id="{EBE992A7-F9E2-33FD-E419-CE295CF2735A}"/>
+              </a:ext>
+            </a:extLst>
+          </p:cNvPr>
+          <p:cNvSpPr txBox="1"/>
+          <p:nvPr/>
+        </p:nvSpPr>
+        <p:spPr>
+          <a:xfrm>
+            <a:off x="3352800" y="210207"/>
+            <a:ext cx="4708634" cy="369332"/>
+          </a:xfrm>
+          <a:prstGeom prst="rect">
+            <a:avLst/>
+          </a:prstGeom>
+          <a:noFill/>
+        </p:spPr>
+        <p:txBody>
+          <a:bodyPr wrap="square" rtlCol="0">
+            <a:spAutoFit/>
+          </a:bodyPr>
+          <a:lstStyle/>
+          <a:p>
+            <a:pPr algn="ctr"/>
+            <a:r>
+              <a:rPr lang="en-US" b="1" dirty="0"/>
+              <a:t>HTTP Request Message</a:t>
+            </a:r>
+          </a:p>
+        </p:txBody>
+      </p:sp>
+      <p:sp>
+        <p:nvSpPr>
+          <p:cNvPr id="4" name="Rectangle 3">
+            <a:extLst>
+              <a:ext uri="{FF2B5EF4-FFF2-40B4-BE49-F238E27FC236}">
+                <a16:creationId xmlns:a16="http://schemas.microsoft.com/office/drawing/2014/main" id="{8E13C76B-F8DA-8291-883C-43047A920A09}"/>
+              </a:ext>
+            </a:extLst>
+          </p:cNvPr>
+          <p:cNvSpPr/>
+          <p:nvPr/>
+        </p:nvSpPr>
+        <p:spPr>
+          <a:xfrm>
+            <a:off x="3731172" y="1250731"/>
+            <a:ext cx="325821" cy="1775439"/>
+          </a:xfrm>
+          <a:prstGeom prst="rect">
+            <a:avLst/>
+          </a:prstGeom>
+        </p:spPr>
+        <p:style>
+          <a:lnRef idx="2">
+            <a:schemeClr val="accent1">
+              <a:shade val="50000"/>
+            </a:schemeClr>
+          </a:lnRef>
+          <a:fillRef idx="1">
+            <a:schemeClr val="accent1"/>
+          </a:fillRef>
+          <a:effectRef idx="0">
+            <a:schemeClr val="accent1"/>
+          </a:effectRef>
+          <a:fontRef idx="minor">
+            <a:schemeClr val="lt1"/>
+          </a:fontRef>
+        </p:style>
+        <p:txBody>
+          <a:bodyPr rtlCol="0" anchor="ctr"/>
+          <a:lstStyle/>
+          <a:p>
+            <a:pPr algn="ctr"/>
+            <a:endParaRPr lang="en-US"/>
+          </a:p>
+        </p:txBody>
+      </p:sp>
+      <p:sp>
+        <p:nvSpPr>
+          <p:cNvPr id="5" name="Rectangle 4">
+            <a:extLst>
+              <a:ext uri="{FF2B5EF4-FFF2-40B4-BE49-F238E27FC236}">
+                <a16:creationId xmlns:a16="http://schemas.microsoft.com/office/drawing/2014/main" id="{C3FE7E61-FAF4-7965-D340-9F6BB0BAA9E2}"/>
+              </a:ext>
+            </a:extLst>
+          </p:cNvPr>
+          <p:cNvSpPr/>
+          <p:nvPr/>
+        </p:nvSpPr>
+        <p:spPr>
+          <a:xfrm>
+            <a:off x="8371489" y="1250731"/>
+            <a:ext cx="325821" cy="1775439"/>
+          </a:xfrm>
+          <a:prstGeom prst="rect">
+            <a:avLst/>
+          </a:prstGeom>
+        </p:spPr>
+        <p:style>
+          <a:lnRef idx="2">
+            <a:schemeClr val="accent1">
+              <a:shade val="50000"/>
+            </a:schemeClr>
+          </a:lnRef>
+          <a:fillRef idx="1">
+            <a:schemeClr val="accent1"/>
+          </a:fillRef>
+          <a:effectRef idx="0">
+            <a:schemeClr val="accent1"/>
+          </a:effectRef>
+          <a:fontRef idx="minor">
+            <a:schemeClr val="lt1"/>
+          </a:fontRef>
+        </p:style>
+        <p:txBody>
+          <a:bodyPr rtlCol="0" anchor="ctr"/>
+          <a:lstStyle/>
+          <a:p>
+            <a:pPr algn="ctr"/>
+            <a:endParaRPr lang="en-US"/>
+          </a:p>
+        </p:txBody>
+      </p:sp>
+      <p:sp>
+        <p:nvSpPr>
+          <p:cNvPr id="6" name="TextBox 5">
+            <a:extLst>
+              <a:ext uri="{FF2B5EF4-FFF2-40B4-BE49-F238E27FC236}">
+                <a16:creationId xmlns:a16="http://schemas.microsoft.com/office/drawing/2014/main" id="{28267CF9-109E-4FE7-4CF0-1ED1425700F1}"/>
+              </a:ext>
+            </a:extLst>
+          </p:cNvPr>
+          <p:cNvSpPr txBox="1"/>
+          <p:nvPr/>
+        </p:nvSpPr>
+        <p:spPr>
+          <a:xfrm>
+            <a:off x="693683" y="1345324"/>
+            <a:ext cx="2848303" cy="369332"/>
+          </a:xfrm>
+          <a:prstGeom prst="rect">
+            <a:avLst/>
+          </a:prstGeom>
+          <a:noFill/>
+        </p:spPr>
+        <p:txBody>
+          <a:bodyPr wrap="square" rtlCol="0">
+            <a:spAutoFit/>
+          </a:bodyPr>
+          <a:lstStyle/>
+          <a:p>
+            <a:r>
+              <a:rPr lang="en-US" dirty="0"/>
+              <a:t>HTTP request Header</a:t>
+            </a:r>
+          </a:p>
+        </p:txBody>
+      </p:sp>
+      <p:sp>
+        <p:nvSpPr>
+          <p:cNvPr id="7" name="TextBox 6">
+            <a:extLst>
+              <a:ext uri="{FF2B5EF4-FFF2-40B4-BE49-F238E27FC236}">
+                <a16:creationId xmlns:a16="http://schemas.microsoft.com/office/drawing/2014/main" id="{54E1FA00-0FD6-472E-B4AF-426569D8256E}"/>
+              </a:ext>
+            </a:extLst>
+          </p:cNvPr>
+          <p:cNvSpPr txBox="1"/>
+          <p:nvPr/>
+        </p:nvSpPr>
+        <p:spPr>
+          <a:xfrm>
+            <a:off x="4246177" y="1345324"/>
+            <a:ext cx="3888832" cy="738664"/>
+          </a:xfrm>
+          <a:prstGeom prst="rect">
+            <a:avLst/>
+          </a:prstGeom>
+          <a:noFill/>
+        </p:spPr>
+        <p:txBody>
+          <a:bodyPr wrap="square" rtlCol="0">
+            <a:spAutoFit/>
+          </a:bodyPr>
+          <a:lstStyle/>
+          <a:p>
+            <a:r>
+              <a:rPr lang="en-US" dirty="0"/>
+              <a:t>HTTP request Body</a:t>
+            </a:r>
+          </a:p>
+          <a:p>
+            <a:r>
+              <a:rPr lang="en-US" sz="1200" dirty="0"/>
+              <a:t> </a:t>
+            </a:r>
+            <a:r>
+              <a:rPr lang="en-US" sz="1200" b="1" dirty="0"/>
+              <a:t>Used In case of POST and PUT the Data to be sent to the server</a:t>
+            </a:r>
+            <a:endParaRPr lang="en-US" sz="1200" dirty="0"/>
+          </a:p>
+        </p:txBody>
+      </p:sp>
+      <p:sp>
+        <p:nvSpPr>
+          <p:cNvPr id="8" name="TextBox 7">
+            <a:extLst>
+              <a:ext uri="{FF2B5EF4-FFF2-40B4-BE49-F238E27FC236}">
+                <a16:creationId xmlns:a16="http://schemas.microsoft.com/office/drawing/2014/main" id="{5E518807-A75D-14EC-C2C5-DBEC1163B884}"/>
+              </a:ext>
+            </a:extLst>
+          </p:cNvPr>
+          <p:cNvSpPr txBox="1"/>
+          <p:nvPr/>
+        </p:nvSpPr>
+        <p:spPr>
+          <a:xfrm>
+            <a:off x="8728841" y="1351314"/>
+            <a:ext cx="2848303" cy="369332"/>
+          </a:xfrm>
+          <a:prstGeom prst="rect">
+            <a:avLst/>
+          </a:prstGeom>
+          <a:noFill/>
+        </p:spPr>
+        <p:txBody>
+          <a:bodyPr wrap="square" rtlCol="0">
+            <a:spAutoFit/>
+          </a:bodyPr>
+          <a:lstStyle/>
+          <a:p>
+            <a:r>
+              <a:rPr lang="en-US" dirty="0"/>
+              <a:t>HTTP Error Codes</a:t>
+            </a:r>
+          </a:p>
+        </p:txBody>
+      </p:sp>
+      <p:sp>
+        <p:nvSpPr>
+          <p:cNvPr id="9" name="Rectangle 8">
+            <a:extLst>
+              <a:ext uri="{FF2B5EF4-FFF2-40B4-BE49-F238E27FC236}">
+                <a16:creationId xmlns:a16="http://schemas.microsoft.com/office/drawing/2014/main" id="{C1B6199F-48F7-974A-A324-4A0B40B2E8A2}"/>
+              </a:ext>
+            </a:extLst>
+          </p:cNvPr>
+          <p:cNvSpPr/>
+          <p:nvPr/>
+        </p:nvSpPr>
+        <p:spPr>
+          <a:xfrm>
+            <a:off x="546538" y="4141076"/>
+            <a:ext cx="10899228" cy="1545021"/>
+          </a:xfrm>
+          <a:prstGeom prst="rect">
+            <a:avLst/>
+          </a:prstGeom>
+          <a:gradFill flip="none" rotWithShape="1">
+            <a:gsLst>
+              <a:gs pos="0">
+                <a:schemeClr val="accent1">
+                  <a:tint val="66000"/>
+                  <a:satMod val="160000"/>
+                </a:schemeClr>
+              </a:gs>
+              <a:gs pos="50000">
+                <a:schemeClr val="accent1">
+                  <a:tint val="44500"/>
+                  <a:satMod val="160000"/>
+                </a:schemeClr>
+              </a:gs>
+              <a:gs pos="100000">
+                <a:schemeClr val="accent1">
+                  <a:tint val="23500"/>
+                  <a:satMod val="160000"/>
+                </a:schemeClr>
+              </a:gs>
+            </a:gsLst>
+            <a:lin ang="10800000" scaled="1"/>
+            <a:tileRect/>
+          </a:gradFill>
+        </p:spPr>
+        <p:style>
+          <a:lnRef idx="2">
+            <a:schemeClr val="accent1">
+              <a:shade val="50000"/>
+            </a:schemeClr>
+          </a:lnRef>
+          <a:fillRef idx="1">
+            <a:schemeClr val="accent1"/>
+          </a:fillRef>
+          <a:effectRef idx="0">
+            <a:schemeClr val="accent1"/>
+          </a:effectRef>
+          <a:fontRef idx="minor">
+            <a:schemeClr val="lt1"/>
+          </a:fontRef>
+        </p:style>
+        <p:txBody>
+          <a:bodyPr rtlCol="0" anchor="ctr"/>
+          <a:lstStyle/>
+          <a:p>
+            <a:pPr algn="ctr"/>
+            <a:endParaRPr lang="en-US"/>
+          </a:p>
+        </p:txBody>
+      </p:sp>
+      <p:sp>
+        <p:nvSpPr>
+          <p:cNvPr id="10" name="TextBox 9">
+            <a:extLst>
+              <a:ext uri="{FF2B5EF4-FFF2-40B4-BE49-F238E27FC236}">
+                <a16:creationId xmlns:a16="http://schemas.microsoft.com/office/drawing/2014/main" id="{0499EF93-4BA4-96C4-E793-F046C8A444A5}"/>
+              </a:ext>
+            </a:extLst>
+          </p:cNvPr>
+          <p:cNvSpPr txBox="1"/>
+          <p:nvPr/>
+        </p:nvSpPr>
+        <p:spPr>
+          <a:xfrm>
+            <a:off x="3237186" y="5896303"/>
+            <a:ext cx="5491655" cy="369332"/>
+          </a:xfrm>
+          <a:prstGeom prst="rect">
+            <a:avLst/>
+          </a:prstGeom>
+          <a:noFill/>
+        </p:spPr>
+        <p:txBody>
+          <a:bodyPr wrap="square" rtlCol="0">
+            <a:spAutoFit/>
+          </a:bodyPr>
+          <a:lstStyle/>
+          <a:p>
+            <a:pPr algn="ctr"/>
+            <a:r>
+              <a:rPr lang="en-US" b="1" dirty="0"/>
+              <a:t>HTTP Header</a:t>
+            </a:r>
+          </a:p>
+        </p:txBody>
+      </p:sp>
+      <p:sp>
+        <p:nvSpPr>
+          <p:cNvPr id="15" name="Rectangle 14">
+            <a:extLst>
+              <a:ext uri="{FF2B5EF4-FFF2-40B4-BE49-F238E27FC236}">
+                <a16:creationId xmlns:a16="http://schemas.microsoft.com/office/drawing/2014/main" id="{69DE5F7E-6E06-BD6E-B241-6B28BB4536E7}"/>
+              </a:ext>
+            </a:extLst>
+          </p:cNvPr>
+          <p:cNvSpPr/>
+          <p:nvPr/>
+        </p:nvSpPr>
+        <p:spPr>
+          <a:xfrm>
+            <a:off x="3405351" y="4131547"/>
+            <a:ext cx="325821" cy="1554549"/>
+          </a:xfrm>
+          <a:prstGeom prst="rect">
+            <a:avLst/>
+          </a:prstGeom>
+        </p:spPr>
+        <p:style>
+          <a:lnRef idx="2">
+            <a:schemeClr val="accent1">
+              <a:shade val="50000"/>
+            </a:schemeClr>
+          </a:lnRef>
+          <a:fillRef idx="1">
+            <a:schemeClr val="accent1"/>
+          </a:fillRef>
+          <a:effectRef idx="0">
+            <a:schemeClr val="accent1"/>
+          </a:effectRef>
+          <a:fontRef idx="minor">
+            <a:schemeClr val="lt1"/>
+          </a:fontRef>
+        </p:style>
+        <p:txBody>
+          <a:bodyPr rtlCol="0" anchor="ctr"/>
+          <a:lstStyle/>
+          <a:p>
+            <a:pPr algn="ctr"/>
+            <a:endParaRPr lang="en-US"/>
+          </a:p>
+        </p:txBody>
+      </p:sp>
+      <p:sp>
+        <p:nvSpPr>
+          <p:cNvPr id="16" name="TextBox 15">
+            <a:extLst>
+              <a:ext uri="{FF2B5EF4-FFF2-40B4-BE49-F238E27FC236}">
+                <a16:creationId xmlns:a16="http://schemas.microsoft.com/office/drawing/2014/main" id="{97F13239-E54A-F6CC-C653-BE26E49D55C7}"/>
+              </a:ext>
+            </a:extLst>
+          </p:cNvPr>
+          <p:cNvSpPr txBox="1"/>
+          <p:nvPr/>
+        </p:nvSpPr>
+        <p:spPr>
+          <a:xfrm>
+            <a:off x="746234" y="4276241"/>
+            <a:ext cx="2490952" cy="1200329"/>
+          </a:xfrm>
+          <a:prstGeom prst="rect">
+            <a:avLst/>
+          </a:prstGeom>
+          <a:noFill/>
+        </p:spPr>
+        <p:txBody>
+          <a:bodyPr wrap="square" rtlCol="0">
+            <a:spAutoFit/>
+          </a:bodyPr>
+          <a:lstStyle/>
+          <a:p>
+            <a:r>
+              <a:rPr lang="en-US" dirty="0"/>
+              <a:t>The Target URL Address</a:t>
+            </a:r>
+          </a:p>
+          <a:p>
+            <a:endParaRPr lang="en-US" dirty="0"/>
+          </a:p>
+          <a:p>
+            <a:r>
+              <a:rPr lang="en-US" dirty="0"/>
+              <a:t>e.g. http://</a:t>
+            </a:r>
+            <a:r>
+              <a:rPr lang="en-US" dirty="0" err="1"/>
+              <a:t>www.myapp.com</a:t>
+            </a:r>
+            <a:endParaRPr lang="en-US" dirty="0"/>
+          </a:p>
+        </p:txBody>
+      </p:sp>
+      <p:sp>
+        <p:nvSpPr>
+          <p:cNvPr id="17" name="Rectangle 16">
+            <a:extLst>
+              <a:ext uri="{FF2B5EF4-FFF2-40B4-BE49-F238E27FC236}">
+                <a16:creationId xmlns:a16="http://schemas.microsoft.com/office/drawing/2014/main" id="{CAAE9CAD-2135-B129-5573-54C04193E48F}"/>
+              </a:ext>
+            </a:extLst>
+          </p:cNvPr>
+          <p:cNvSpPr/>
+          <p:nvPr/>
+        </p:nvSpPr>
+        <p:spPr>
+          <a:xfrm>
+            <a:off x="7349757" y="4141076"/>
+            <a:ext cx="325821" cy="1554549"/>
+          </a:xfrm>
+          <a:prstGeom prst="rect">
+            <a:avLst/>
+          </a:prstGeom>
+        </p:spPr>
+        <p:style>
+          <a:lnRef idx="2">
+            <a:schemeClr val="accent1">
+              <a:shade val="50000"/>
+            </a:schemeClr>
+          </a:lnRef>
+          <a:fillRef idx="1">
+            <a:schemeClr val="accent1"/>
+          </a:fillRef>
+          <a:effectRef idx="0">
+            <a:schemeClr val="accent1"/>
+          </a:effectRef>
+          <a:fontRef idx="minor">
+            <a:schemeClr val="lt1"/>
+          </a:fontRef>
+        </p:style>
+        <p:txBody>
+          <a:bodyPr rtlCol="0" anchor="ctr"/>
+          <a:lstStyle/>
+          <a:p>
+            <a:pPr algn="ctr"/>
+            <a:endParaRPr lang="en-US"/>
+          </a:p>
+        </p:txBody>
+      </p:sp>
+      <p:sp>
+        <p:nvSpPr>
+          <p:cNvPr id="18" name="TextBox 17">
+            <a:extLst>
+              <a:ext uri="{FF2B5EF4-FFF2-40B4-BE49-F238E27FC236}">
+                <a16:creationId xmlns:a16="http://schemas.microsoft.com/office/drawing/2014/main" id="{CF0F5B90-0C11-DC7C-F218-D317805BF5B7}"/>
+              </a:ext>
+            </a:extLst>
+          </p:cNvPr>
+          <p:cNvSpPr txBox="1"/>
+          <p:nvPr/>
+        </p:nvSpPr>
+        <p:spPr>
+          <a:xfrm>
+            <a:off x="3786351" y="4163567"/>
+            <a:ext cx="3476297" cy="1384995"/>
+          </a:xfrm>
+          <a:prstGeom prst="rect">
+            <a:avLst/>
+          </a:prstGeom>
+          <a:noFill/>
+        </p:spPr>
+        <p:txBody>
+          <a:bodyPr wrap="square" rtlCol="0">
+            <a:spAutoFit/>
+          </a:bodyPr>
+          <a:lstStyle/>
+          <a:p>
+            <a:r>
+              <a:rPr lang="en-US" sz="1200" b="1" dirty="0"/>
+              <a:t>Header Information</a:t>
+            </a:r>
+          </a:p>
+          <a:p>
+            <a:pPr marL="228600" indent="-228600">
+              <a:buFont typeface="+mj-lt"/>
+              <a:buAutoNum type="arabicPeriod"/>
+            </a:pPr>
+            <a:r>
+              <a:rPr lang="en-US" sz="1200" b="1" dirty="0"/>
+              <a:t>Request Type: GET / POST / PUT / DELETE</a:t>
+            </a:r>
+          </a:p>
+          <a:p>
+            <a:pPr marL="228600" indent="-228600">
+              <a:buFont typeface="+mj-lt"/>
+              <a:buAutoNum type="arabicPeriod"/>
+            </a:pPr>
+            <a:r>
+              <a:rPr lang="en-US" sz="1200" b="1" dirty="0"/>
+              <a:t>MIME- TYPE aka Media-Formatter aka Content-Type: Used in case of POST and PUT Request to Post Data to Server</a:t>
+            </a:r>
+          </a:p>
+          <a:p>
+            <a:pPr marL="228600" indent="-228600">
+              <a:buFont typeface="+mj-lt"/>
+              <a:buAutoNum type="arabicPeriod"/>
+            </a:pPr>
+            <a:r>
+              <a:rPr lang="en-US" sz="1200" b="1" dirty="0" err="1"/>
+              <a:t>DataType</a:t>
+            </a:r>
+            <a:r>
+              <a:rPr lang="en-US" sz="1200" b="1" dirty="0"/>
+              <a:t>: Used in Case of POST and PUT</a:t>
+            </a:r>
+          </a:p>
+          <a:p>
+            <a:pPr marL="228600" indent="-228600">
+              <a:buFont typeface="+mj-lt"/>
+              <a:buAutoNum type="arabicPeriod"/>
+            </a:pPr>
+            <a:r>
+              <a:rPr lang="en-US" sz="1200" b="1" dirty="0"/>
+              <a:t> AUTHORIZATION: User Name Password / Token </a:t>
+            </a:r>
+          </a:p>
+        </p:txBody>
+      </p:sp>
+      <p:sp>
+        <p:nvSpPr>
+          <p:cNvPr id="19" name="TextBox 18">
+            <a:extLst>
+              <a:ext uri="{FF2B5EF4-FFF2-40B4-BE49-F238E27FC236}">
+                <a16:creationId xmlns:a16="http://schemas.microsoft.com/office/drawing/2014/main" id="{D8FD957A-E372-1105-BB2F-19C8F512D0A0}"/>
+              </a:ext>
+            </a:extLst>
+          </p:cNvPr>
+          <p:cNvSpPr txBox="1"/>
+          <p:nvPr/>
+        </p:nvSpPr>
+        <p:spPr>
+          <a:xfrm>
+            <a:off x="7675578" y="4206589"/>
+            <a:ext cx="3675594" cy="769441"/>
+          </a:xfrm>
+          <a:prstGeom prst="rect">
+            <a:avLst/>
+          </a:prstGeom>
+          <a:noFill/>
+        </p:spPr>
+        <p:txBody>
+          <a:bodyPr wrap="square" rtlCol="0">
+            <a:spAutoFit/>
+          </a:bodyPr>
+          <a:lstStyle/>
+          <a:p>
+            <a:r>
+              <a:rPr lang="en-US" sz="1100" b="1" dirty="0"/>
+              <a:t>Custom Header Parameters</a:t>
+            </a:r>
+          </a:p>
+          <a:p>
+            <a:endParaRPr lang="en-US" sz="1100" b="1" dirty="0"/>
+          </a:p>
+          <a:p>
+            <a:pPr marL="228600" indent="-228600">
+              <a:buFont typeface="+mj-lt"/>
+              <a:buAutoNum type="arabicPeriod"/>
+            </a:pPr>
+            <a:r>
+              <a:rPr lang="en-US" sz="1100" b="1" dirty="0"/>
+              <a:t>User Defined Parameters to be passed to the Server using HTTP Request</a:t>
+            </a:r>
+          </a:p>
+        </p:txBody>
+      </p:sp>
+      <p:cxnSp>
+        <p:nvCxnSpPr>
+          <p:cNvPr id="21" name="Elbow Connector 20">
+            <a:extLst>
+              <a:ext uri="{FF2B5EF4-FFF2-40B4-BE49-F238E27FC236}">
+                <a16:creationId xmlns:a16="http://schemas.microsoft.com/office/drawing/2014/main" id="{A573B0C6-EFD3-83C9-8C7C-1296767026DA}"/>
+              </a:ext>
+            </a:extLst>
+          </p:cNvPr>
+          <p:cNvCxnSpPr>
+            <a:cxnSpLocks/>
+            <a:stCxn id="6" idx="1"/>
+            <a:endCxn id="9" idx="1"/>
+          </p:cNvCxnSpPr>
+          <p:nvPr/>
+        </p:nvCxnSpPr>
+        <p:spPr>
+          <a:xfrm rot="10800000" flipV="1">
+            <a:off x="546539" y="1529989"/>
+            <a:ext cx="147145" cy="3383597"/>
+          </a:xfrm>
+          <a:prstGeom prst="bentConnector3">
+            <a:avLst>
+              <a:gd name="adj1" fmla="val 255357"/>
+            </a:avLst>
+          </a:prstGeom>
+          <a:ln>
+            <a:tailEnd type="triangle"/>
+          </a:ln>
+        </p:spPr>
+        <p:style>
+          <a:lnRef idx="1">
+            <a:schemeClr val="accent1"/>
+          </a:lnRef>
+          <a:fillRef idx="0">
+            <a:schemeClr val="accent1"/>
+          </a:fillRef>
+          <a:effectRef idx="0">
+            <a:schemeClr val="accent1"/>
+          </a:effectRef>
+          <a:fontRef idx="minor">
+            <a:schemeClr val="tx1"/>
+          </a:fontRef>
+        </p:style>
+      </p:cxnSp>
+    </p:spTree>
+    <p:extLst>
+      <p:ext uri="{BB962C8B-B14F-4D97-AF65-F5344CB8AC3E}">
+        <p14:creationId xmlns:p14="http://schemas.microsoft.com/office/powerpoint/2010/main" val="2558480655"/>
+      </p:ext>
+    </p:extLst>
+  </p:cSld>
+  <p:clrMapOvr>
+    <a:masterClrMapping/>
+  </p:clrMapOvr>
+</p:sld>
+</file>
+
+<file path=ppt/slides/slide18.xml><?xml version="1.0" encoding="utf-8"?>
+<p:sld xmlns:a="http://schemas.openxmlformats.org/drawingml/2006/main" xmlns:r="http://schemas.openxmlformats.org/officeDocument/2006/relationships" xmlns:p="http://schemas.openxmlformats.org/presentationml/2006/main">
+  <p:cSld>
+    <p:spTree>
+      <p:nvGrpSpPr>
+        <p:cNvPr id="1" name=""/>
+        <p:cNvGrpSpPr/>
+        <p:nvPr/>
+      </p:nvGrpSpPr>
+      <p:grpSpPr>
+        <a:xfrm>
+          <a:off x="0" y="0"/>
+          <a:ext cx="0" cy="0"/>
+          <a:chOff x="0" y="0"/>
+          <a:chExt cx="0" cy="0"/>
+        </a:xfrm>
+      </p:grpSpPr>
+      <p:sp>
+        <p:nvSpPr>
+          <p:cNvPr id="2" name="TextBox 1">
+            <a:extLst>
+              <a:ext uri="{FF2B5EF4-FFF2-40B4-BE49-F238E27FC236}">
+                <a16:creationId xmlns:a16="http://schemas.microsoft.com/office/drawing/2014/main" id="{CAF0C2A5-45AF-4270-29AC-AA6741F1D29D}"/>
+              </a:ext>
+            </a:extLst>
+          </p:cNvPr>
+          <p:cNvSpPr txBox="1"/>
+          <p:nvPr/>
+        </p:nvSpPr>
+        <p:spPr>
+          <a:xfrm>
+            <a:off x="3615559" y="231228"/>
+            <a:ext cx="4845269" cy="369332"/>
+          </a:xfrm>
+          <a:prstGeom prst="rect">
+            <a:avLst/>
+          </a:prstGeom>
+          <a:noFill/>
+        </p:spPr>
+        <p:txBody>
+          <a:bodyPr wrap="square" rtlCol="0">
+            <a:spAutoFit/>
+          </a:bodyPr>
+          <a:lstStyle/>
+          <a:p>
+            <a:pPr algn="ctr"/>
+            <a:r>
+              <a:rPr lang="en-US" b="1" dirty="0"/>
+              <a:t>Conceptualization Of MVC</a:t>
+            </a:r>
+          </a:p>
+        </p:txBody>
+      </p:sp>
+      <p:sp>
+        <p:nvSpPr>
+          <p:cNvPr id="3" name="Rounded Rectangle 2">
+            <a:extLst>
+              <a:ext uri="{FF2B5EF4-FFF2-40B4-BE49-F238E27FC236}">
+                <a16:creationId xmlns:a16="http://schemas.microsoft.com/office/drawing/2014/main" id="{25CE0E0D-5174-8DE6-E524-1241F08DCA2A}"/>
+              </a:ext>
+            </a:extLst>
+          </p:cNvPr>
+          <p:cNvSpPr/>
+          <p:nvPr/>
+        </p:nvSpPr>
+        <p:spPr>
+          <a:xfrm>
+            <a:off x="3389586" y="756744"/>
+            <a:ext cx="5412828" cy="1135118"/>
+          </a:xfrm>
+          <a:prstGeom prst="roundRect">
+            <a:avLst/>
+          </a:prstGeom>
+          <a:solidFill>
+            <a:srgbClr val="92D050"/>
+          </a:solidFill>
+        </p:spPr>
+        <p:style>
+          <a:lnRef idx="2">
+            <a:schemeClr val="accent1">
+              <a:shade val="50000"/>
+            </a:schemeClr>
+          </a:lnRef>
+          <a:fillRef idx="1">
+            <a:schemeClr val="accent1"/>
+          </a:fillRef>
+          <a:effectRef idx="0">
+            <a:schemeClr val="accent1"/>
+          </a:effectRef>
+          <a:fontRef idx="minor">
+            <a:schemeClr val="lt1"/>
+          </a:fontRef>
+        </p:style>
+        <p:txBody>
+          <a:bodyPr rtlCol="0" anchor="ctr"/>
+          <a:lstStyle/>
+          <a:p>
+            <a:pPr algn="ctr"/>
+            <a:r>
+              <a:rPr lang="en-US" b="1" dirty="0"/>
+              <a:t>Models</a:t>
+            </a:r>
+          </a:p>
+          <a:p>
+            <a:pPr algn="ctr"/>
+            <a:r>
+              <a:rPr lang="en-US" b="1" dirty="0"/>
+              <a:t>Data Access, Entities,  Business Services (aka Repositories) , and Utilities</a:t>
+            </a:r>
+          </a:p>
+        </p:txBody>
+      </p:sp>
+      <p:sp>
+        <p:nvSpPr>
+          <p:cNvPr id="5" name="Rounded Rectangle 4">
+            <a:extLst>
+              <a:ext uri="{FF2B5EF4-FFF2-40B4-BE49-F238E27FC236}">
+                <a16:creationId xmlns:a16="http://schemas.microsoft.com/office/drawing/2014/main" id="{CAD9733E-9806-3BED-64FA-FEB882329E00}"/>
+              </a:ext>
+            </a:extLst>
+          </p:cNvPr>
+          <p:cNvSpPr/>
+          <p:nvPr/>
+        </p:nvSpPr>
+        <p:spPr>
+          <a:xfrm>
+            <a:off x="8019392" y="3531475"/>
+            <a:ext cx="3205655" cy="1135118"/>
+          </a:xfrm>
+          <a:prstGeom prst="roundRect">
+            <a:avLst/>
+          </a:prstGeom>
+          <a:solidFill>
+            <a:srgbClr val="C00000"/>
+          </a:solidFill>
+        </p:spPr>
+        <p:style>
+          <a:lnRef idx="2">
+            <a:schemeClr val="accent1">
+              <a:shade val="50000"/>
+            </a:schemeClr>
+          </a:lnRef>
+          <a:fillRef idx="1">
+            <a:schemeClr val="accent1"/>
+          </a:fillRef>
+          <a:effectRef idx="0">
+            <a:schemeClr val="accent1"/>
+          </a:effectRef>
+          <a:fontRef idx="minor">
+            <a:schemeClr val="lt1"/>
+          </a:fontRef>
+        </p:style>
+        <p:txBody>
+          <a:bodyPr rtlCol="0" anchor="ctr"/>
+          <a:lstStyle/>
+          <a:p>
+            <a:pPr algn="ctr"/>
+            <a:r>
+              <a:rPr lang="en-US" b="1" dirty="0"/>
+              <a:t>Controllers</a:t>
+            </a:r>
+          </a:p>
+        </p:txBody>
+      </p:sp>
+      <p:sp>
+        <p:nvSpPr>
+          <p:cNvPr id="6" name="Rounded Rectangle 5">
+            <a:extLst>
+              <a:ext uri="{FF2B5EF4-FFF2-40B4-BE49-F238E27FC236}">
+                <a16:creationId xmlns:a16="http://schemas.microsoft.com/office/drawing/2014/main" id="{64F1753E-43D8-FA17-5810-F0367D4A4B6F}"/>
+              </a:ext>
+            </a:extLst>
+          </p:cNvPr>
+          <p:cNvSpPr/>
+          <p:nvPr/>
+        </p:nvSpPr>
+        <p:spPr>
+          <a:xfrm>
+            <a:off x="893379" y="3531475"/>
+            <a:ext cx="2832538" cy="1135118"/>
+          </a:xfrm>
+          <a:prstGeom prst="roundRect">
+            <a:avLst/>
+          </a:prstGeom>
+          <a:solidFill>
+            <a:srgbClr val="7030A0"/>
+          </a:solidFill>
+        </p:spPr>
+        <p:style>
+          <a:lnRef idx="2">
+            <a:schemeClr val="accent1">
+              <a:shade val="50000"/>
+            </a:schemeClr>
+          </a:lnRef>
+          <a:fillRef idx="1">
+            <a:schemeClr val="accent1"/>
+          </a:fillRef>
+          <a:effectRef idx="0">
+            <a:schemeClr val="accent1"/>
+          </a:effectRef>
+          <a:fontRef idx="minor">
+            <a:schemeClr val="lt1"/>
+          </a:fontRef>
+        </p:style>
+        <p:txBody>
+          <a:bodyPr rtlCol="0" anchor="ctr"/>
+          <a:lstStyle/>
+          <a:p>
+            <a:pPr algn="ctr"/>
+            <a:r>
+              <a:rPr lang="en-US" b="1" dirty="0"/>
+              <a:t>Views</a:t>
+            </a:r>
+          </a:p>
+        </p:txBody>
+      </p:sp>
+      <p:sp>
+        <p:nvSpPr>
+          <p:cNvPr id="7" name="Up Arrow 6">
+            <a:extLst>
+              <a:ext uri="{FF2B5EF4-FFF2-40B4-BE49-F238E27FC236}">
+                <a16:creationId xmlns:a16="http://schemas.microsoft.com/office/drawing/2014/main" id="{138A075A-2CE0-EAD6-71AF-86386A042355}"/>
+              </a:ext>
+            </a:extLst>
+          </p:cNvPr>
+          <p:cNvSpPr/>
+          <p:nvPr/>
+        </p:nvSpPr>
+        <p:spPr>
+          <a:xfrm>
+            <a:off x="8460828" y="4666593"/>
+            <a:ext cx="683172" cy="1960179"/>
+          </a:xfrm>
+          <a:prstGeom prst="upArrow">
+            <a:avLst/>
+          </a:prstGeom>
+        </p:spPr>
+        <p:style>
+          <a:lnRef idx="2">
+            <a:schemeClr val="accent1">
+              <a:shade val="50000"/>
+            </a:schemeClr>
+          </a:lnRef>
+          <a:fillRef idx="1">
+            <a:schemeClr val="accent1"/>
+          </a:fillRef>
+          <a:effectRef idx="0">
+            <a:schemeClr val="accent1"/>
+          </a:effectRef>
+          <a:fontRef idx="minor">
+            <a:schemeClr val="lt1"/>
+          </a:fontRef>
+        </p:style>
+        <p:txBody>
+          <a:bodyPr rtlCol="0" anchor="ctr"/>
+          <a:lstStyle/>
+          <a:p>
+            <a:pPr algn="ctr"/>
+            <a:r>
+              <a:rPr lang="en-US" sz="1200" b="1" dirty="0"/>
+              <a:t>R</a:t>
+            </a:r>
+          </a:p>
+          <a:p>
+            <a:pPr algn="ctr"/>
+            <a:r>
+              <a:rPr lang="en-US" sz="1200" b="1" dirty="0"/>
+              <a:t>E</a:t>
+            </a:r>
+          </a:p>
+          <a:p>
+            <a:pPr algn="ctr"/>
+            <a:r>
+              <a:rPr lang="en-US" sz="1200" b="1" dirty="0"/>
+              <a:t>Q</a:t>
+            </a:r>
+          </a:p>
+          <a:p>
+            <a:pPr algn="ctr"/>
+            <a:r>
+              <a:rPr lang="en-US" sz="1200" b="1" dirty="0"/>
+              <a:t>U</a:t>
+            </a:r>
+          </a:p>
+          <a:p>
+            <a:pPr algn="ctr"/>
+            <a:r>
+              <a:rPr lang="en-US" sz="1200" b="1" dirty="0"/>
+              <a:t>E</a:t>
+            </a:r>
+          </a:p>
+          <a:p>
+            <a:pPr algn="ctr"/>
+            <a:r>
+              <a:rPr lang="en-US" sz="1200" b="1" dirty="0"/>
+              <a:t>S</a:t>
+            </a:r>
+          </a:p>
+          <a:p>
+            <a:pPr algn="ctr"/>
+            <a:r>
+              <a:rPr lang="en-US" sz="1200" b="1" dirty="0"/>
+              <a:t>T</a:t>
+            </a:r>
+          </a:p>
+        </p:txBody>
+      </p:sp>
+      <p:cxnSp>
+        <p:nvCxnSpPr>
+          <p:cNvPr id="9" name="Elbow Connector 8">
+            <a:extLst>
+              <a:ext uri="{FF2B5EF4-FFF2-40B4-BE49-F238E27FC236}">
+                <a16:creationId xmlns:a16="http://schemas.microsoft.com/office/drawing/2014/main" id="{3AD52A7E-1DA3-7E05-8CFE-CC8D1138347F}"/>
+              </a:ext>
+            </a:extLst>
+          </p:cNvPr>
+          <p:cNvCxnSpPr>
+            <a:stCxn id="5" idx="0"/>
+            <a:endCxn id="3" idx="3"/>
+          </p:cNvCxnSpPr>
+          <p:nvPr/>
+        </p:nvCxnSpPr>
+        <p:spPr>
+          <a:xfrm rot="16200000" flipV="1">
+            <a:off x="8108731" y="2017986"/>
+            <a:ext cx="2207172" cy="819806"/>
+          </a:xfrm>
+          <a:prstGeom prst="bentConnector2">
+            <a:avLst/>
+          </a:prstGeom>
+          <a:ln w="76200">
+            <a:solidFill>
+              <a:srgbClr val="C00000"/>
+            </a:solidFill>
+            <a:tailEnd type="triangle"/>
+          </a:ln>
+        </p:spPr>
+        <p:style>
+          <a:lnRef idx="1">
+            <a:schemeClr val="accent1"/>
+          </a:lnRef>
+          <a:fillRef idx="0">
+            <a:schemeClr val="accent1"/>
+          </a:fillRef>
+          <a:effectRef idx="0">
+            <a:schemeClr val="accent1"/>
+          </a:effectRef>
+          <a:fontRef idx="minor">
+            <a:schemeClr val="tx1"/>
+          </a:fontRef>
+        </p:style>
+      </p:cxnSp>
+      <p:sp>
+        <p:nvSpPr>
+          <p:cNvPr id="10" name="TextBox 9">
+            <a:extLst>
+              <a:ext uri="{FF2B5EF4-FFF2-40B4-BE49-F238E27FC236}">
+                <a16:creationId xmlns:a16="http://schemas.microsoft.com/office/drawing/2014/main" id="{DEF29D7D-6257-D765-7988-FB3B017D8334}"/>
+              </a:ext>
+            </a:extLst>
+          </p:cNvPr>
+          <p:cNvSpPr txBox="1"/>
+          <p:nvPr/>
+        </p:nvSpPr>
+        <p:spPr>
+          <a:xfrm>
+            <a:off x="9827172" y="1324303"/>
+            <a:ext cx="1923394" cy="369332"/>
+          </a:xfrm>
+          <a:prstGeom prst="rect">
+            <a:avLst/>
+          </a:prstGeom>
+          <a:noFill/>
+        </p:spPr>
+        <p:txBody>
+          <a:bodyPr wrap="square" rtlCol="0">
+            <a:spAutoFit/>
+          </a:bodyPr>
+          <a:lstStyle/>
+          <a:p>
+            <a:r>
+              <a:rPr lang="en-US" dirty="0"/>
+              <a:t>Update Model</a:t>
+            </a:r>
+          </a:p>
+        </p:txBody>
+      </p:sp>
+      <p:sp>
+        <p:nvSpPr>
+          <p:cNvPr id="11" name="Left Arrow 10">
+            <a:extLst>
+              <a:ext uri="{FF2B5EF4-FFF2-40B4-BE49-F238E27FC236}">
+                <a16:creationId xmlns:a16="http://schemas.microsoft.com/office/drawing/2014/main" id="{5DF8F76C-E6B3-73AE-58DA-DFBAC9E663B2}"/>
+              </a:ext>
+            </a:extLst>
+          </p:cNvPr>
+          <p:cNvSpPr/>
+          <p:nvPr/>
+        </p:nvSpPr>
+        <p:spPr>
+          <a:xfrm>
+            <a:off x="3725917" y="3941379"/>
+            <a:ext cx="4293475" cy="462455"/>
+          </a:xfrm>
+          <a:prstGeom prst="leftArrow">
+            <a:avLst/>
+          </a:prstGeom>
+        </p:spPr>
+        <p:style>
+          <a:lnRef idx="2">
+            <a:schemeClr val="accent1">
+              <a:shade val="50000"/>
+            </a:schemeClr>
+          </a:lnRef>
+          <a:fillRef idx="1">
+            <a:schemeClr val="accent1"/>
+          </a:fillRef>
+          <a:effectRef idx="0">
+            <a:schemeClr val="accent1"/>
+          </a:effectRef>
+          <a:fontRef idx="minor">
+            <a:schemeClr val="lt1"/>
+          </a:fontRef>
+        </p:style>
+        <p:txBody>
+          <a:bodyPr rtlCol="0" anchor="ctr"/>
+          <a:lstStyle/>
+          <a:p>
+            <a:pPr algn="ctr"/>
+            <a:r>
+              <a:rPr lang="en-US" b="1" dirty="0"/>
+              <a:t>Return a View as a Response</a:t>
+            </a:r>
+          </a:p>
+        </p:txBody>
+      </p:sp>
+      <p:sp>
+        <p:nvSpPr>
+          <p:cNvPr id="12" name="Down Arrow 11">
+            <a:extLst>
+              <a:ext uri="{FF2B5EF4-FFF2-40B4-BE49-F238E27FC236}">
+                <a16:creationId xmlns:a16="http://schemas.microsoft.com/office/drawing/2014/main" id="{429B237E-ECB8-4530-0EDF-7305A67F0AA7}"/>
+              </a:ext>
+            </a:extLst>
+          </p:cNvPr>
+          <p:cNvSpPr/>
+          <p:nvPr/>
+        </p:nvSpPr>
+        <p:spPr>
+          <a:xfrm>
+            <a:off x="2081048" y="4666593"/>
+            <a:ext cx="641131" cy="1960179"/>
+          </a:xfrm>
+          <a:prstGeom prst="downArrow">
+            <a:avLst/>
+          </a:prstGeom>
+        </p:spPr>
+        <p:style>
+          <a:lnRef idx="2">
+            <a:schemeClr val="accent1">
+              <a:shade val="50000"/>
+            </a:schemeClr>
+          </a:lnRef>
+          <a:fillRef idx="1">
+            <a:schemeClr val="accent1"/>
+          </a:fillRef>
+          <a:effectRef idx="0">
+            <a:schemeClr val="accent1"/>
+          </a:effectRef>
+          <a:fontRef idx="minor">
+            <a:schemeClr val="lt1"/>
+          </a:fontRef>
+        </p:style>
+        <p:txBody>
+          <a:bodyPr rtlCol="0" anchor="ctr"/>
+          <a:lstStyle/>
+          <a:p>
+            <a:pPr algn="ctr"/>
+            <a:r>
+              <a:rPr lang="en-US" sz="1200" b="1" dirty="0"/>
+              <a:t>R</a:t>
+            </a:r>
+          </a:p>
+          <a:p>
+            <a:pPr algn="ctr"/>
+            <a:r>
+              <a:rPr lang="en-US" sz="1200" b="1" dirty="0"/>
+              <a:t>E</a:t>
+            </a:r>
+          </a:p>
+          <a:p>
+            <a:pPr algn="ctr"/>
+            <a:r>
+              <a:rPr lang="en-US" sz="1200" b="1" dirty="0"/>
+              <a:t>S</a:t>
+            </a:r>
+          </a:p>
+          <a:p>
+            <a:pPr algn="ctr"/>
+            <a:r>
+              <a:rPr lang="en-US" sz="1200" b="1" dirty="0"/>
+              <a:t>P</a:t>
+            </a:r>
+          </a:p>
+          <a:p>
+            <a:pPr algn="ctr"/>
+            <a:r>
+              <a:rPr lang="en-US" sz="1200" b="1" dirty="0"/>
+              <a:t>O</a:t>
+            </a:r>
+          </a:p>
+          <a:p>
+            <a:pPr algn="ctr"/>
+            <a:r>
+              <a:rPr lang="en-US" sz="1200" b="1" dirty="0"/>
+              <a:t>N</a:t>
+            </a:r>
+          </a:p>
+          <a:p>
+            <a:pPr algn="ctr"/>
+            <a:r>
+              <a:rPr lang="en-US" sz="1200" b="1" dirty="0"/>
+              <a:t>S</a:t>
+            </a:r>
+          </a:p>
+          <a:p>
+            <a:pPr algn="ctr"/>
+            <a:r>
+              <a:rPr lang="en-US" sz="1200" b="1" dirty="0"/>
+              <a:t>E</a:t>
+            </a:r>
+          </a:p>
+        </p:txBody>
+      </p:sp>
+    </p:spTree>
+    <p:extLst>
+      <p:ext uri="{BB962C8B-B14F-4D97-AF65-F5344CB8AC3E}">
+        <p14:creationId xmlns:p14="http://schemas.microsoft.com/office/powerpoint/2010/main" val="83763274"/>
+      </p:ext>
+    </p:extLst>
+  </p:cSld>
+  <p:clrMapOvr>
+    <a:masterClrMapping/>
+  </p:clrMapOvr>
+</p:sld>
+</file>
+
 <file path=ppt/slides/slide2.xml><?xml version="1.0" encoding="utf-8"?>
 <p:sld xmlns:a="http://schemas.openxmlformats.org/drawingml/2006/main" xmlns:r="http://schemas.openxmlformats.org/officeDocument/2006/relationships" xmlns:p="http://schemas.openxmlformats.org/presentationml/2006/main">
   <p:cSld>

--- a/mbaspnetcore6/MB_Training_Images.pptx
+++ b/mbaspnetcore6/MB_Training_Images.pptx
@@ -9817,18 +9817,21 @@
             </a:extLst>
           </p:cNvPr>
           <p:cNvCxnSpPr>
-            <a:stCxn id="5" idx="0"/>
+            <a:cxnSpLocks/>
+            <a:stCxn id="5" idx="3"/>
             <a:endCxn id="3" idx="3"/>
           </p:cNvCxnSpPr>
           <p:nvPr/>
         </p:nvCxnSpPr>
         <p:spPr>
-          <a:xfrm rot="16200000" flipV="1">
-            <a:off x="8108731" y="2017986"/>
-            <a:ext cx="2207172" cy="819806"/>
-          </a:xfrm>
-          <a:prstGeom prst="bentConnector2">
-            <a:avLst/>
+          <a:xfrm flipH="1" flipV="1">
+            <a:off x="8802414" y="1324303"/>
+            <a:ext cx="2422633" cy="2774731"/>
+          </a:xfrm>
+          <a:prstGeom prst="bentConnector3">
+            <a:avLst>
+              <a:gd name="adj1" fmla="val -9436"/>
+            </a:avLst>
           </a:prstGeom>
           <a:ln w="76200">
             <a:solidFill>
@@ -10030,6 +10033,87 @@
             <a:r>
               <a:rPr lang="en-US" sz="1200" b="1" dirty="0"/>
               <a:t>E</a:t>
+            </a:r>
+          </a:p>
+        </p:txBody>
+      </p:sp>
+      <p:cxnSp>
+        <p:nvCxnSpPr>
+          <p:cNvPr id="14" name="Elbow Connector 13">
+            <a:extLst>
+              <a:ext uri="{FF2B5EF4-FFF2-40B4-BE49-F238E27FC236}">
+                <a16:creationId xmlns:a16="http://schemas.microsoft.com/office/drawing/2014/main" id="{5FC992F6-C021-EDDD-099D-361C80CBBB70}"/>
+              </a:ext>
+            </a:extLst>
+          </p:cNvPr>
+          <p:cNvCxnSpPr>
+            <a:stCxn id="3" idx="2"/>
+            <a:endCxn id="5" idx="0"/>
+          </p:cNvCxnSpPr>
+          <p:nvPr/>
+        </p:nvCxnSpPr>
+        <p:spPr>
+          <a:xfrm rot="16200000" flipH="1">
+            <a:off x="7039304" y="948558"/>
+            <a:ext cx="1639613" cy="3526220"/>
+          </a:xfrm>
+          <a:prstGeom prst="bentConnector3">
+            <a:avLst/>
+          </a:prstGeom>
+          <a:ln w="76200">
+            <a:solidFill>
+              <a:srgbClr val="002060"/>
+            </a:solidFill>
+            <a:prstDash val="sysDash"/>
+            <a:tailEnd type="triangle"/>
+          </a:ln>
+        </p:spPr>
+        <p:style>
+          <a:lnRef idx="1">
+            <a:schemeClr val="accent1"/>
+          </a:lnRef>
+          <a:fillRef idx="0">
+            <a:schemeClr val="accent1"/>
+          </a:fillRef>
+          <a:effectRef idx="0">
+            <a:schemeClr val="accent1"/>
+          </a:effectRef>
+          <a:fontRef idx="minor">
+            <a:schemeClr val="tx1"/>
+          </a:fontRef>
+        </p:style>
+      </p:cxnSp>
+      <p:sp>
+        <p:nvSpPr>
+          <p:cNvPr id="16" name="TextBox 15">
+            <a:extLst>
+              <a:ext uri="{FF2B5EF4-FFF2-40B4-BE49-F238E27FC236}">
+                <a16:creationId xmlns:a16="http://schemas.microsoft.com/office/drawing/2014/main" id="{2668FB2B-BE7F-2C1E-9F72-265DFAE1E4C4}"/>
+              </a:ext>
+            </a:extLst>
+          </p:cNvPr>
+          <p:cNvSpPr txBox="1"/>
+          <p:nvPr/>
+        </p:nvSpPr>
+        <p:spPr>
+          <a:xfrm>
+            <a:off x="6408682" y="1891860"/>
+            <a:ext cx="2900855" cy="830997"/>
+          </a:xfrm>
+          <a:prstGeom prst="rect">
+            <a:avLst/>
+          </a:prstGeom>
+          <a:noFill/>
+        </p:spPr>
+        <p:txBody>
+          <a:bodyPr wrap="square" rtlCol="0">
+            <a:spAutoFit/>
+          </a:bodyPr>
+          <a:lstStyle/>
+          <a:p>
+            <a:r>
+              <a:rPr lang="en-US" sz="1600" dirty="0"/>
+              <a:t>Get Updated Values from the Model so that they can be Passed to View</a:t>
             </a:r>
           </a:p>
         </p:txBody>

--- a/mbaspnetcore6/MB_Training_Images.pptx
+++ b/mbaspnetcore6/MB_Training_Images.pptx
@@ -23,6 +23,10 @@
     <p:sldId id="271" r:id="rId17"/>
     <p:sldId id="273" r:id="rId18"/>
     <p:sldId id="272" r:id="rId19"/>
+    <p:sldId id="274" r:id="rId20"/>
+    <p:sldId id="275" r:id="rId21"/>
+    <p:sldId id="276" r:id="rId22"/>
+    <p:sldId id="277" r:id="rId23"/>
   </p:sldIdLst>
   <p:sldSz cx="12192000" cy="6858000"/>
   <p:notesSz cx="6858000" cy="9144000"/>
@@ -276,7 +280,7 @@
           <a:p>
             <a:fld id="{7EAE8DEA-61CA-412C-9D6E-50DA161E193E}" type="datetimeFigureOut">
               <a:rPr lang="en-US" smtClean="0"/>
-              <a:t>8/18/22</a:t>
+              <a:t>8/22/22</a:t>
             </a:fld>
             <a:endParaRPr lang="en-US"/>
           </a:p>
@@ -474,7 +478,7 @@
           <a:p>
             <a:fld id="{7EAE8DEA-61CA-412C-9D6E-50DA161E193E}" type="datetimeFigureOut">
               <a:rPr lang="en-US" smtClean="0"/>
-              <a:t>8/18/22</a:t>
+              <a:t>8/22/22</a:t>
             </a:fld>
             <a:endParaRPr lang="en-US"/>
           </a:p>
@@ -682,7 +686,7 @@
           <a:p>
             <a:fld id="{7EAE8DEA-61CA-412C-9D6E-50DA161E193E}" type="datetimeFigureOut">
               <a:rPr lang="en-US" smtClean="0"/>
-              <a:t>8/18/22</a:t>
+              <a:t>8/22/22</a:t>
             </a:fld>
             <a:endParaRPr lang="en-US"/>
           </a:p>
@@ -880,7 +884,7 @@
           <a:p>
             <a:fld id="{7EAE8DEA-61CA-412C-9D6E-50DA161E193E}" type="datetimeFigureOut">
               <a:rPr lang="en-US" smtClean="0"/>
-              <a:t>8/18/22</a:t>
+              <a:t>8/22/22</a:t>
             </a:fld>
             <a:endParaRPr lang="en-US"/>
           </a:p>
@@ -1155,7 +1159,7 @@
           <a:p>
             <a:fld id="{7EAE8DEA-61CA-412C-9D6E-50DA161E193E}" type="datetimeFigureOut">
               <a:rPr lang="en-US" smtClean="0"/>
-              <a:t>8/18/22</a:t>
+              <a:t>8/22/22</a:t>
             </a:fld>
             <a:endParaRPr lang="en-US"/>
           </a:p>
@@ -1420,7 +1424,7 @@
           <a:p>
             <a:fld id="{7EAE8DEA-61CA-412C-9D6E-50DA161E193E}" type="datetimeFigureOut">
               <a:rPr lang="en-US" smtClean="0"/>
-              <a:t>8/18/22</a:t>
+              <a:t>8/22/22</a:t>
             </a:fld>
             <a:endParaRPr lang="en-US"/>
           </a:p>
@@ -1832,7 +1836,7 @@
           <a:p>
             <a:fld id="{7EAE8DEA-61CA-412C-9D6E-50DA161E193E}" type="datetimeFigureOut">
               <a:rPr lang="en-US" smtClean="0"/>
-              <a:t>8/18/22</a:t>
+              <a:t>8/22/22</a:t>
             </a:fld>
             <a:endParaRPr lang="en-US"/>
           </a:p>
@@ -1973,7 +1977,7 @@
           <a:p>
             <a:fld id="{7EAE8DEA-61CA-412C-9D6E-50DA161E193E}" type="datetimeFigureOut">
               <a:rPr lang="en-US" smtClean="0"/>
-              <a:t>8/18/22</a:t>
+              <a:t>8/22/22</a:t>
             </a:fld>
             <a:endParaRPr lang="en-US"/>
           </a:p>
@@ -2086,7 +2090,7 @@
           <a:p>
             <a:fld id="{7EAE8DEA-61CA-412C-9D6E-50DA161E193E}" type="datetimeFigureOut">
               <a:rPr lang="en-US" smtClean="0"/>
-              <a:t>8/18/22</a:t>
+              <a:t>8/22/22</a:t>
             </a:fld>
             <a:endParaRPr lang="en-US"/>
           </a:p>
@@ -2397,7 +2401,7 @@
           <a:p>
             <a:fld id="{7EAE8DEA-61CA-412C-9D6E-50DA161E193E}" type="datetimeFigureOut">
               <a:rPr lang="en-US" smtClean="0"/>
-              <a:t>8/18/22</a:t>
+              <a:t>8/22/22</a:t>
             </a:fld>
             <a:endParaRPr lang="en-US"/>
           </a:p>
@@ -2685,7 +2689,7 @@
           <a:p>
             <a:fld id="{7EAE8DEA-61CA-412C-9D6E-50DA161E193E}" type="datetimeFigureOut">
               <a:rPr lang="en-US" smtClean="0"/>
-              <a:t>8/18/22</a:t>
+              <a:t>8/22/22</a:t>
             </a:fld>
             <a:endParaRPr lang="en-US"/>
           </a:p>
@@ -2926,7 +2930,7 @@
           <a:p>
             <a:fld id="{7EAE8DEA-61CA-412C-9D6E-50DA161E193E}" type="datetimeFigureOut">
               <a:rPr lang="en-US" smtClean="0"/>
-              <a:t>8/18/22</a:t>
+              <a:t>8/22/22</a:t>
             </a:fld>
             <a:endParaRPr lang="en-US"/>
           </a:p>
@@ -10118,10 +10122,656 @@
           </a:p>
         </p:txBody>
       </p:sp>
+      <p:cxnSp>
+        <p:nvCxnSpPr>
+          <p:cNvPr id="8" name="Elbow Connector 7">
+            <a:extLst>
+              <a:ext uri="{FF2B5EF4-FFF2-40B4-BE49-F238E27FC236}">
+                <a16:creationId xmlns:a16="http://schemas.microsoft.com/office/drawing/2014/main" id="{65E93FEF-BFC5-B4FF-F09A-131D7E092383}"/>
+              </a:ext>
+            </a:extLst>
+          </p:cNvPr>
+          <p:cNvCxnSpPr>
+            <a:stCxn id="6" idx="1"/>
+            <a:endCxn id="3" idx="1"/>
+          </p:cNvCxnSpPr>
+          <p:nvPr/>
+        </p:nvCxnSpPr>
+        <p:spPr>
+          <a:xfrm rot="10800000" flipH="1">
+            <a:off x="893378" y="1324304"/>
+            <a:ext cx="2496207" cy="2774731"/>
+          </a:xfrm>
+          <a:prstGeom prst="bentConnector3">
+            <a:avLst>
+              <a:gd name="adj1" fmla="val -9158"/>
+            </a:avLst>
+          </a:prstGeom>
+          <a:ln w="76200">
+            <a:solidFill>
+              <a:srgbClr val="C00000"/>
+            </a:solidFill>
+            <a:tailEnd type="triangle"/>
+          </a:ln>
+        </p:spPr>
+        <p:style>
+          <a:lnRef idx="1">
+            <a:schemeClr val="accent1"/>
+          </a:lnRef>
+          <a:fillRef idx="0">
+            <a:schemeClr val="accent1"/>
+          </a:fillRef>
+          <a:effectRef idx="0">
+            <a:schemeClr val="accent1"/>
+          </a:effectRef>
+          <a:fontRef idx="minor">
+            <a:schemeClr val="tx1"/>
+          </a:fontRef>
+        </p:style>
+      </p:cxnSp>
+      <p:sp>
+        <p:nvSpPr>
+          <p:cNvPr id="13" name="TextBox 12">
+            <a:extLst>
+              <a:ext uri="{FF2B5EF4-FFF2-40B4-BE49-F238E27FC236}">
+                <a16:creationId xmlns:a16="http://schemas.microsoft.com/office/drawing/2014/main" id="{F39F7EA0-51EB-B20D-AE53-8CEF2617CA56}"/>
+              </a:ext>
+            </a:extLst>
+          </p:cNvPr>
+          <p:cNvSpPr txBox="1"/>
+          <p:nvPr/>
+        </p:nvSpPr>
+        <p:spPr>
+          <a:xfrm>
+            <a:off x="784335" y="1412227"/>
+            <a:ext cx="2448910" cy="1600438"/>
+          </a:xfrm>
+          <a:prstGeom prst="rect">
+            <a:avLst/>
+          </a:prstGeom>
+          <a:noFill/>
+        </p:spPr>
+        <p:txBody>
+          <a:bodyPr wrap="square" rtlCol="0">
+            <a:spAutoFit/>
+          </a:bodyPr>
+          <a:lstStyle/>
+          <a:p>
+            <a:r>
+              <a:rPr lang="en-US" sz="1400" dirty="0"/>
+              <a:t>Based on Model Schema, the View Contains UI and it shows data to End-User as well as accept Data from End-User. When the User accepts data from end-user, the Model Object is created. </a:t>
+            </a:r>
+          </a:p>
+        </p:txBody>
+      </p:sp>
     </p:spTree>
     <p:extLst>
       <p:ext uri="{BB962C8B-B14F-4D97-AF65-F5344CB8AC3E}">
         <p14:creationId xmlns:p14="http://schemas.microsoft.com/office/powerpoint/2010/main" val="83763274"/>
+      </p:ext>
+    </p:extLst>
+  </p:cSld>
+  <p:clrMapOvr>
+    <a:masterClrMapping/>
+  </p:clrMapOvr>
+</p:sld>
+</file>
+
+<file path=ppt/slides/slide19.xml><?xml version="1.0" encoding="utf-8"?>
+<p:sld xmlns:a="http://schemas.openxmlformats.org/drawingml/2006/main" xmlns:r="http://schemas.openxmlformats.org/officeDocument/2006/relationships" xmlns:p="http://schemas.openxmlformats.org/presentationml/2006/main">
+  <p:cSld>
+    <p:spTree>
+      <p:nvGrpSpPr>
+        <p:cNvPr id="1" name=""/>
+        <p:cNvGrpSpPr/>
+        <p:nvPr/>
+      </p:nvGrpSpPr>
+      <p:grpSpPr>
+        <a:xfrm>
+          <a:off x="0" y="0"/>
+          <a:ext cx="0" cy="0"/>
+          <a:chOff x="0" y="0"/>
+          <a:chExt cx="0" cy="0"/>
+        </a:xfrm>
+      </p:grpSpPr>
+      <p:sp>
+        <p:nvSpPr>
+          <p:cNvPr id="2" name="TextBox 1">
+            <a:extLst>
+              <a:ext uri="{FF2B5EF4-FFF2-40B4-BE49-F238E27FC236}">
+                <a16:creationId xmlns:a16="http://schemas.microsoft.com/office/drawing/2014/main" id="{6BF65790-80E5-3DF7-BBCF-D1CAC7530E12}"/>
+              </a:ext>
+            </a:extLst>
+          </p:cNvPr>
+          <p:cNvSpPr txBox="1"/>
+          <p:nvPr/>
+        </p:nvSpPr>
+        <p:spPr>
+          <a:xfrm>
+            <a:off x="3426372" y="105103"/>
+            <a:ext cx="4824249" cy="369332"/>
+          </a:xfrm>
+          <a:prstGeom prst="rect">
+            <a:avLst/>
+          </a:prstGeom>
+          <a:noFill/>
+        </p:spPr>
+        <p:txBody>
+          <a:bodyPr wrap="square" rtlCol="0">
+            <a:spAutoFit/>
+          </a:bodyPr>
+          <a:lstStyle/>
+          <a:p>
+            <a:pPr algn="ctr"/>
+            <a:r>
+              <a:rPr lang="en-US" dirty="0"/>
+              <a:t>ASP.NET Core MVC Apps Execution, Top Level</a:t>
+            </a:r>
+          </a:p>
+        </p:txBody>
+      </p:sp>
+      <p:sp>
+        <p:nvSpPr>
+          <p:cNvPr id="3" name="Rectangle 2">
+            <a:extLst>
+              <a:ext uri="{FF2B5EF4-FFF2-40B4-BE49-F238E27FC236}">
+                <a16:creationId xmlns:a16="http://schemas.microsoft.com/office/drawing/2014/main" id="{D064726E-F4CD-F9EF-2BB8-9101B5E4E400}"/>
+              </a:ext>
+            </a:extLst>
+          </p:cNvPr>
+          <p:cNvSpPr/>
+          <p:nvPr/>
+        </p:nvSpPr>
+        <p:spPr>
+          <a:xfrm>
+            <a:off x="1650124" y="872359"/>
+            <a:ext cx="10237076" cy="5749158"/>
+          </a:xfrm>
+          <a:prstGeom prst="rect">
+            <a:avLst/>
+          </a:prstGeom>
+        </p:spPr>
+        <p:style>
+          <a:lnRef idx="2">
+            <a:schemeClr val="accent6"/>
+          </a:lnRef>
+          <a:fillRef idx="1">
+            <a:schemeClr val="lt1"/>
+          </a:fillRef>
+          <a:effectRef idx="0">
+            <a:schemeClr val="accent6"/>
+          </a:effectRef>
+          <a:fontRef idx="minor">
+            <a:schemeClr val="dk1"/>
+          </a:fontRef>
+        </p:style>
+        <p:txBody>
+          <a:bodyPr rtlCol="0" anchor="ctr"/>
+          <a:lstStyle/>
+          <a:p>
+            <a:pPr algn="ctr"/>
+            <a:endParaRPr lang="en-US"/>
+          </a:p>
+        </p:txBody>
+      </p:sp>
+      <p:sp>
+        <p:nvSpPr>
+          <p:cNvPr id="4" name="TextBox 3">
+            <a:extLst>
+              <a:ext uri="{FF2B5EF4-FFF2-40B4-BE49-F238E27FC236}">
+                <a16:creationId xmlns:a16="http://schemas.microsoft.com/office/drawing/2014/main" id="{3AF1740F-D3BE-5219-0F3B-92E543521C58}"/>
+              </a:ext>
+            </a:extLst>
+          </p:cNvPr>
+          <p:cNvSpPr txBox="1"/>
+          <p:nvPr/>
+        </p:nvSpPr>
+        <p:spPr>
+          <a:xfrm>
+            <a:off x="9669517" y="474435"/>
+            <a:ext cx="2112580" cy="369332"/>
+          </a:xfrm>
+          <a:prstGeom prst="rect">
+            <a:avLst/>
+          </a:prstGeom>
+          <a:noFill/>
+        </p:spPr>
+        <p:txBody>
+          <a:bodyPr wrap="square" rtlCol="0">
+            <a:spAutoFit/>
+          </a:bodyPr>
+          <a:lstStyle/>
+          <a:p>
+            <a:r>
+              <a:rPr lang="en-US" dirty="0"/>
+              <a:t>Hosting Env.</a:t>
+            </a:r>
+          </a:p>
+        </p:txBody>
+      </p:sp>
+      <p:sp>
+        <p:nvSpPr>
+          <p:cNvPr id="5" name="Right Arrow 4">
+            <a:extLst>
+              <a:ext uri="{FF2B5EF4-FFF2-40B4-BE49-F238E27FC236}">
+                <a16:creationId xmlns:a16="http://schemas.microsoft.com/office/drawing/2014/main" id="{053551D8-336E-5A6D-178F-219EE008476F}"/>
+              </a:ext>
+            </a:extLst>
+          </p:cNvPr>
+          <p:cNvSpPr/>
+          <p:nvPr/>
+        </p:nvSpPr>
+        <p:spPr>
+          <a:xfrm>
+            <a:off x="0" y="1019503"/>
+            <a:ext cx="1650124" cy="462456"/>
+          </a:xfrm>
+          <a:prstGeom prst="rightArrow">
+            <a:avLst/>
+          </a:prstGeom>
+        </p:spPr>
+        <p:style>
+          <a:lnRef idx="2">
+            <a:schemeClr val="accent1">
+              <a:shade val="50000"/>
+            </a:schemeClr>
+          </a:lnRef>
+          <a:fillRef idx="1">
+            <a:schemeClr val="accent1"/>
+          </a:fillRef>
+          <a:effectRef idx="0">
+            <a:schemeClr val="accent1"/>
+          </a:effectRef>
+          <a:fontRef idx="minor">
+            <a:schemeClr val="lt1"/>
+          </a:fontRef>
+        </p:style>
+        <p:txBody>
+          <a:bodyPr rtlCol="0" anchor="ctr"/>
+          <a:lstStyle/>
+          <a:p>
+            <a:pPr algn="ctr"/>
+            <a:r>
+              <a:rPr lang="en-US" dirty="0"/>
+              <a:t>Request</a:t>
+            </a:r>
+          </a:p>
+        </p:txBody>
+      </p:sp>
+      <p:sp>
+        <p:nvSpPr>
+          <p:cNvPr id="6" name="Rectangle 5">
+            <a:extLst>
+              <a:ext uri="{FF2B5EF4-FFF2-40B4-BE49-F238E27FC236}">
+                <a16:creationId xmlns:a16="http://schemas.microsoft.com/office/drawing/2014/main" id="{4734225C-1FF9-C1E3-D4D8-BA468F9720FF}"/>
+              </a:ext>
+            </a:extLst>
+          </p:cNvPr>
+          <p:cNvSpPr/>
+          <p:nvPr/>
+        </p:nvSpPr>
+        <p:spPr>
+          <a:xfrm>
+            <a:off x="1933903" y="1019503"/>
+            <a:ext cx="3563007" cy="1292773"/>
+          </a:xfrm>
+          <a:prstGeom prst="rect">
+            <a:avLst/>
+          </a:prstGeom>
+        </p:spPr>
+        <p:style>
+          <a:lnRef idx="3">
+            <a:schemeClr val="lt1"/>
+          </a:lnRef>
+          <a:fillRef idx="1">
+            <a:schemeClr val="accent6"/>
+          </a:fillRef>
+          <a:effectRef idx="1">
+            <a:schemeClr val="accent6"/>
+          </a:effectRef>
+          <a:fontRef idx="minor">
+            <a:schemeClr val="lt1"/>
+          </a:fontRef>
+        </p:style>
+        <p:txBody>
+          <a:bodyPr rtlCol="0" anchor="ctr"/>
+          <a:lstStyle/>
+          <a:p>
+            <a:pPr algn="ctr"/>
+            <a:r>
+              <a:rPr lang="en-US" b="1" dirty="0"/>
+              <a:t>Services those are Registered into the Dependency Container</a:t>
+            </a:r>
+          </a:p>
+          <a:p>
+            <a:pPr algn="ctr"/>
+            <a:r>
+              <a:rPr lang="en-US" b="1" dirty="0"/>
+              <a:t>Service Instances Activation (Scoped, Singleton, and Transient)</a:t>
+            </a:r>
+          </a:p>
+        </p:txBody>
+      </p:sp>
+      <p:sp>
+        <p:nvSpPr>
+          <p:cNvPr id="7" name="Rectangle 6">
+            <a:extLst>
+              <a:ext uri="{FF2B5EF4-FFF2-40B4-BE49-F238E27FC236}">
+                <a16:creationId xmlns:a16="http://schemas.microsoft.com/office/drawing/2014/main" id="{D8ED4051-5114-44AC-0968-E3F0C71600D3}"/>
+              </a:ext>
+            </a:extLst>
+          </p:cNvPr>
+          <p:cNvSpPr/>
+          <p:nvPr/>
+        </p:nvSpPr>
+        <p:spPr>
+          <a:xfrm>
+            <a:off x="7614744" y="1019503"/>
+            <a:ext cx="3563007" cy="1292773"/>
+          </a:xfrm>
+          <a:prstGeom prst="rect">
+            <a:avLst/>
+          </a:prstGeom>
+        </p:spPr>
+        <p:style>
+          <a:lnRef idx="0">
+            <a:schemeClr val="accent2"/>
+          </a:lnRef>
+          <a:fillRef idx="3">
+            <a:schemeClr val="accent2"/>
+          </a:fillRef>
+          <a:effectRef idx="3">
+            <a:schemeClr val="accent2"/>
+          </a:effectRef>
+          <a:fontRef idx="minor">
+            <a:schemeClr val="lt1"/>
+          </a:fontRef>
+        </p:style>
+        <p:txBody>
+          <a:bodyPr rtlCol="0" anchor="ctr"/>
+          <a:lstStyle/>
+          <a:p>
+            <a:pPr algn="ctr"/>
+            <a:r>
+              <a:rPr lang="en-US" b="1" dirty="0"/>
+              <a:t>Middleware to start a HTTP Pipeline</a:t>
+            </a:r>
+          </a:p>
+        </p:txBody>
+      </p:sp>
+      <p:cxnSp>
+        <p:nvCxnSpPr>
+          <p:cNvPr id="9" name="Straight Arrow Connector 8">
+            <a:extLst>
+              <a:ext uri="{FF2B5EF4-FFF2-40B4-BE49-F238E27FC236}">
+                <a16:creationId xmlns:a16="http://schemas.microsoft.com/office/drawing/2014/main" id="{C025932B-3DBD-426C-6191-A9926BABB9D2}"/>
+              </a:ext>
+            </a:extLst>
+          </p:cNvPr>
+          <p:cNvCxnSpPr>
+            <a:stCxn id="6" idx="3"/>
+          </p:cNvCxnSpPr>
+          <p:nvPr/>
+        </p:nvCxnSpPr>
+        <p:spPr>
+          <a:xfrm flipV="1">
+            <a:off x="5496910" y="1665889"/>
+            <a:ext cx="2091559" cy="1"/>
+          </a:xfrm>
+          <a:prstGeom prst="straightConnector1">
+            <a:avLst/>
+          </a:prstGeom>
+          <a:ln w="76200">
+            <a:tailEnd type="triangle"/>
+          </a:ln>
+        </p:spPr>
+        <p:style>
+          <a:lnRef idx="1">
+            <a:schemeClr val="accent1"/>
+          </a:lnRef>
+          <a:fillRef idx="0">
+            <a:schemeClr val="accent1"/>
+          </a:fillRef>
+          <a:effectRef idx="0">
+            <a:schemeClr val="accent1"/>
+          </a:effectRef>
+          <a:fontRef idx="minor">
+            <a:schemeClr val="tx1"/>
+          </a:fontRef>
+        </p:style>
+      </p:cxnSp>
+      <p:sp>
+        <p:nvSpPr>
+          <p:cNvPr id="10" name="Rounded Rectangle 9">
+            <a:extLst>
+              <a:ext uri="{FF2B5EF4-FFF2-40B4-BE49-F238E27FC236}">
+                <a16:creationId xmlns:a16="http://schemas.microsoft.com/office/drawing/2014/main" id="{2C796001-77BB-A715-775F-8CA98314C5C6}"/>
+              </a:ext>
+            </a:extLst>
+          </p:cNvPr>
+          <p:cNvSpPr/>
+          <p:nvPr/>
+        </p:nvSpPr>
+        <p:spPr>
+          <a:xfrm>
+            <a:off x="7746123" y="2843048"/>
+            <a:ext cx="3300248" cy="903890"/>
+          </a:xfrm>
+          <a:prstGeom prst="roundRect">
+            <a:avLst/>
+          </a:prstGeom>
+        </p:spPr>
+        <p:style>
+          <a:lnRef idx="1">
+            <a:schemeClr val="dk1"/>
+          </a:lnRef>
+          <a:fillRef idx="2">
+            <a:schemeClr val="dk1"/>
+          </a:fillRef>
+          <a:effectRef idx="1">
+            <a:schemeClr val="dk1"/>
+          </a:effectRef>
+          <a:fontRef idx="minor">
+            <a:schemeClr val="dk1"/>
+          </a:fontRef>
+        </p:style>
+        <p:txBody>
+          <a:bodyPr rtlCol="0" anchor="ctr"/>
+          <a:lstStyle/>
+          <a:p>
+            <a:pPr algn="ctr"/>
+            <a:r>
+              <a:rPr lang="en-US" b="1" dirty="0"/>
+              <a:t>Mapping Of the Request With MVC / API Controllers</a:t>
+            </a:r>
+          </a:p>
+        </p:txBody>
+      </p:sp>
+      <p:cxnSp>
+        <p:nvCxnSpPr>
+          <p:cNvPr id="12" name="Straight Arrow Connector 11">
+            <a:extLst>
+              <a:ext uri="{FF2B5EF4-FFF2-40B4-BE49-F238E27FC236}">
+                <a16:creationId xmlns:a16="http://schemas.microsoft.com/office/drawing/2014/main" id="{50300199-BBED-4A6C-FDE4-9D28BC5D9019}"/>
+              </a:ext>
+            </a:extLst>
+          </p:cNvPr>
+          <p:cNvCxnSpPr>
+            <a:stCxn id="7" idx="2"/>
+            <a:endCxn id="10" idx="0"/>
+          </p:cNvCxnSpPr>
+          <p:nvPr/>
+        </p:nvCxnSpPr>
+        <p:spPr>
+          <a:xfrm flipH="1">
+            <a:off x="9396247" y="2312276"/>
+            <a:ext cx="1" cy="530772"/>
+          </a:xfrm>
+          <a:prstGeom prst="straightConnector1">
+            <a:avLst/>
+          </a:prstGeom>
+          <a:ln w="76200">
+            <a:tailEnd type="triangle"/>
+          </a:ln>
+        </p:spPr>
+        <p:style>
+          <a:lnRef idx="1">
+            <a:schemeClr val="accent1"/>
+          </a:lnRef>
+          <a:fillRef idx="0">
+            <a:schemeClr val="accent1"/>
+          </a:fillRef>
+          <a:effectRef idx="0">
+            <a:schemeClr val="accent1"/>
+          </a:effectRef>
+          <a:fontRef idx="minor">
+            <a:schemeClr val="tx1"/>
+          </a:fontRef>
+        </p:style>
+      </p:cxnSp>
+      <p:sp>
+        <p:nvSpPr>
+          <p:cNvPr id="13" name="Rounded Rectangle 12">
+            <a:extLst>
+              <a:ext uri="{FF2B5EF4-FFF2-40B4-BE49-F238E27FC236}">
+                <a16:creationId xmlns:a16="http://schemas.microsoft.com/office/drawing/2014/main" id="{2235F670-73F5-0D0C-F666-A29AE4187534}"/>
+              </a:ext>
+            </a:extLst>
+          </p:cNvPr>
+          <p:cNvSpPr/>
+          <p:nvPr/>
+        </p:nvSpPr>
+        <p:spPr>
+          <a:xfrm>
+            <a:off x="1933903" y="4093780"/>
+            <a:ext cx="3300248" cy="903890"/>
+          </a:xfrm>
+          <a:prstGeom prst="roundRect">
+            <a:avLst/>
+          </a:prstGeom>
+        </p:spPr>
+        <p:style>
+          <a:lnRef idx="0">
+            <a:schemeClr val="accent4"/>
+          </a:lnRef>
+          <a:fillRef idx="3">
+            <a:schemeClr val="accent4"/>
+          </a:fillRef>
+          <a:effectRef idx="3">
+            <a:schemeClr val="accent4"/>
+          </a:effectRef>
+          <a:fontRef idx="minor">
+            <a:schemeClr val="lt1"/>
+          </a:fontRef>
+        </p:style>
+        <p:txBody>
+          <a:bodyPr rtlCol="0" anchor="ctr"/>
+          <a:lstStyle/>
+          <a:p>
+            <a:pPr algn="ctr"/>
+            <a:r>
+              <a:rPr lang="en-US" b="1" dirty="0"/>
+              <a:t>Execution of the Action Method </a:t>
+            </a:r>
+          </a:p>
+        </p:txBody>
+      </p:sp>
+      <p:cxnSp>
+        <p:nvCxnSpPr>
+          <p:cNvPr id="15" name="Elbow Connector 14">
+            <a:extLst>
+              <a:ext uri="{FF2B5EF4-FFF2-40B4-BE49-F238E27FC236}">
+                <a16:creationId xmlns:a16="http://schemas.microsoft.com/office/drawing/2014/main" id="{06B7FBAA-76AB-BBA7-B615-2BECAB3E94EB}"/>
+              </a:ext>
+            </a:extLst>
+          </p:cNvPr>
+          <p:cNvCxnSpPr>
+            <a:cxnSpLocks/>
+            <a:stCxn id="10" idx="1"/>
+            <a:endCxn id="13" idx="3"/>
+          </p:cNvCxnSpPr>
+          <p:nvPr/>
+        </p:nvCxnSpPr>
+        <p:spPr>
+          <a:xfrm rot="10800000" flipV="1">
+            <a:off x="5234151" y="3294993"/>
+            <a:ext cx="2511972" cy="1250732"/>
+          </a:xfrm>
+          <a:prstGeom prst="bentConnector3">
+            <a:avLst/>
+          </a:prstGeom>
+          <a:ln w="76200">
+            <a:tailEnd type="triangle"/>
+          </a:ln>
+        </p:spPr>
+        <p:style>
+          <a:lnRef idx="1">
+            <a:schemeClr val="accent1"/>
+          </a:lnRef>
+          <a:fillRef idx="0">
+            <a:schemeClr val="accent1"/>
+          </a:fillRef>
+          <a:effectRef idx="0">
+            <a:schemeClr val="accent1"/>
+          </a:effectRef>
+          <a:fontRef idx="minor">
+            <a:schemeClr val="tx1"/>
+          </a:fontRef>
+        </p:style>
+      </p:cxnSp>
+      <p:sp>
+        <p:nvSpPr>
+          <p:cNvPr id="17" name="Left Arrow 16">
+            <a:extLst>
+              <a:ext uri="{FF2B5EF4-FFF2-40B4-BE49-F238E27FC236}">
+                <a16:creationId xmlns:a16="http://schemas.microsoft.com/office/drawing/2014/main" id="{88B0D5C1-798C-B7F9-77FA-92FF1596934E}"/>
+              </a:ext>
+            </a:extLst>
+          </p:cNvPr>
+          <p:cNvSpPr/>
+          <p:nvPr/>
+        </p:nvSpPr>
+        <p:spPr>
+          <a:xfrm>
+            <a:off x="0" y="4277710"/>
+            <a:ext cx="1650124" cy="493987"/>
+          </a:xfrm>
+          <a:prstGeom prst="leftArrow">
+            <a:avLst/>
+          </a:prstGeom>
+        </p:spPr>
+        <p:style>
+          <a:lnRef idx="2">
+            <a:schemeClr val="accent1">
+              <a:shade val="50000"/>
+            </a:schemeClr>
+          </a:lnRef>
+          <a:fillRef idx="1">
+            <a:schemeClr val="accent1"/>
+          </a:fillRef>
+          <a:effectRef idx="0">
+            <a:schemeClr val="accent1"/>
+          </a:effectRef>
+          <a:fontRef idx="minor">
+            <a:schemeClr val="lt1"/>
+          </a:fontRef>
+        </p:style>
+        <p:txBody>
+          <a:bodyPr rtlCol="0" anchor="ctr"/>
+          <a:lstStyle/>
+          <a:p>
+            <a:pPr algn="ctr"/>
+            <a:r>
+              <a:rPr lang="en-US" dirty="0"/>
+              <a:t>Response</a:t>
+            </a:r>
+          </a:p>
+        </p:txBody>
+      </p:sp>
+    </p:spTree>
+    <p:extLst>
+      <p:ext uri="{BB962C8B-B14F-4D97-AF65-F5344CB8AC3E}">
+        <p14:creationId xmlns:p14="http://schemas.microsoft.com/office/powerpoint/2010/main" val="3656969869"/>
       </p:ext>
     </p:extLst>
   </p:cSld>
@@ -11197,6 +11847,3766 @@
     <p:extLst>
       <p:ext uri="{BB962C8B-B14F-4D97-AF65-F5344CB8AC3E}">
         <p14:creationId xmlns:p14="http://schemas.microsoft.com/office/powerpoint/2010/main" val="156400967"/>
+      </p:ext>
+    </p:extLst>
+  </p:cSld>
+  <p:clrMapOvr>
+    <a:masterClrMapping/>
+  </p:clrMapOvr>
+</p:sld>
+</file>
+
+<file path=ppt/slides/slide20.xml><?xml version="1.0" encoding="utf-8"?>
+<p:sld xmlns:a="http://schemas.openxmlformats.org/drawingml/2006/main" xmlns:r="http://schemas.openxmlformats.org/officeDocument/2006/relationships" xmlns:p="http://schemas.openxmlformats.org/presentationml/2006/main">
+  <p:cSld>
+    <p:spTree>
+      <p:nvGrpSpPr>
+        <p:cNvPr id="1" name=""/>
+        <p:cNvGrpSpPr/>
+        <p:nvPr/>
+      </p:nvGrpSpPr>
+      <p:grpSpPr>
+        <a:xfrm>
+          <a:off x="0" y="0"/>
+          <a:ext cx="0" cy="0"/>
+          <a:chOff x="0" y="0"/>
+          <a:chExt cx="0" cy="0"/>
+        </a:xfrm>
+      </p:grpSpPr>
+      <p:sp>
+        <p:nvSpPr>
+          <p:cNvPr id="2" name="TextBox 1">
+            <a:extLst>
+              <a:ext uri="{FF2B5EF4-FFF2-40B4-BE49-F238E27FC236}">
+                <a16:creationId xmlns:a16="http://schemas.microsoft.com/office/drawing/2014/main" id="{6BF65790-80E5-3DF7-BBCF-D1CAC7530E12}"/>
+              </a:ext>
+            </a:extLst>
+          </p:cNvPr>
+          <p:cNvSpPr txBox="1"/>
+          <p:nvPr/>
+        </p:nvSpPr>
+        <p:spPr>
+          <a:xfrm>
+            <a:off x="3426372" y="105103"/>
+            <a:ext cx="4824249" cy="369332"/>
+          </a:xfrm>
+          <a:prstGeom prst="rect">
+            <a:avLst/>
+          </a:prstGeom>
+          <a:noFill/>
+        </p:spPr>
+        <p:txBody>
+          <a:bodyPr wrap="square" rtlCol="0">
+            <a:spAutoFit/>
+          </a:bodyPr>
+          <a:lstStyle/>
+          <a:p>
+            <a:pPr algn="ctr"/>
+            <a:r>
+              <a:rPr lang="en-US" dirty="0"/>
+              <a:t>ASP.NET Core MVC Apps Execution, Deeper Level</a:t>
+            </a:r>
+          </a:p>
+        </p:txBody>
+      </p:sp>
+      <p:sp>
+        <p:nvSpPr>
+          <p:cNvPr id="3" name="Rectangle 2">
+            <a:extLst>
+              <a:ext uri="{FF2B5EF4-FFF2-40B4-BE49-F238E27FC236}">
+                <a16:creationId xmlns:a16="http://schemas.microsoft.com/office/drawing/2014/main" id="{D064726E-F4CD-F9EF-2BB8-9101B5E4E400}"/>
+              </a:ext>
+            </a:extLst>
+          </p:cNvPr>
+          <p:cNvSpPr/>
+          <p:nvPr/>
+        </p:nvSpPr>
+        <p:spPr>
+          <a:xfrm>
+            <a:off x="1650124" y="634407"/>
+            <a:ext cx="10237076" cy="6118490"/>
+          </a:xfrm>
+          <a:prstGeom prst="rect">
+            <a:avLst/>
+          </a:prstGeom>
+        </p:spPr>
+        <p:style>
+          <a:lnRef idx="2">
+            <a:schemeClr val="accent6"/>
+          </a:lnRef>
+          <a:fillRef idx="1">
+            <a:schemeClr val="lt1"/>
+          </a:fillRef>
+          <a:effectRef idx="0">
+            <a:schemeClr val="accent6"/>
+          </a:effectRef>
+          <a:fontRef idx="minor">
+            <a:schemeClr val="dk1"/>
+          </a:fontRef>
+        </p:style>
+        <p:txBody>
+          <a:bodyPr rtlCol="0" anchor="ctr"/>
+          <a:lstStyle/>
+          <a:p>
+            <a:pPr algn="ctr"/>
+            <a:endParaRPr lang="en-US"/>
+          </a:p>
+        </p:txBody>
+      </p:sp>
+      <p:sp>
+        <p:nvSpPr>
+          <p:cNvPr id="4" name="TextBox 3">
+            <a:extLst>
+              <a:ext uri="{FF2B5EF4-FFF2-40B4-BE49-F238E27FC236}">
+                <a16:creationId xmlns:a16="http://schemas.microsoft.com/office/drawing/2014/main" id="{3AF1740F-D3BE-5219-0F3B-92E543521C58}"/>
+              </a:ext>
+            </a:extLst>
+          </p:cNvPr>
+          <p:cNvSpPr txBox="1"/>
+          <p:nvPr/>
+        </p:nvSpPr>
+        <p:spPr>
+          <a:xfrm>
+            <a:off x="9606455" y="257193"/>
+            <a:ext cx="2112580" cy="369332"/>
+          </a:xfrm>
+          <a:prstGeom prst="rect">
+            <a:avLst/>
+          </a:prstGeom>
+          <a:noFill/>
+        </p:spPr>
+        <p:txBody>
+          <a:bodyPr wrap="square" rtlCol="0">
+            <a:spAutoFit/>
+          </a:bodyPr>
+          <a:lstStyle/>
+          <a:p>
+            <a:r>
+              <a:rPr lang="en-US" dirty="0"/>
+              <a:t>Hosting Env.</a:t>
+            </a:r>
+          </a:p>
+        </p:txBody>
+      </p:sp>
+      <p:sp>
+        <p:nvSpPr>
+          <p:cNvPr id="5" name="Right Arrow 4">
+            <a:extLst>
+              <a:ext uri="{FF2B5EF4-FFF2-40B4-BE49-F238E27FC236}">
+                <a16:creationId xmlns:a16="http://schemas.microsoft.com/office/drawing/2014/main" id="{053551D8-336E-5A6D-178F-219EE008476F}"/>
+              </a:ext>
+            </a:extLst>
+          </p:cNvPr>
+          <p:cNvSpPr/>
+          <p:nvPr/>
+        </p:nvSpPr>
+        <p:spPr>
+          <a:xfrm>
+            <a:off x="0" y="1019503"/>
+            <a:ext cx="1650124" cy="462456"/>
+          </a:xfrm>
+          <a:prstGeom prst="rightArrow">
+            <a:avLst/>
+          </a:prstGeom>
+        </p:spPr>
+        <p:style>
+          <a:lnRef idx="2">
+            <a:schemeClr val="accent1">
+              <a:shade val="50000"/>
+            </a:schemeClr>
+          </a:lnRef>
+          <a:fillRef idx="1">
+            <a:schemeClr val="accent1"/>
+          </a:fillRef>
+          <a:effectRef idx="0">
+            <a:schemeClr val="accent1"/>
+          </a:effectRef>
+          <a:fontRef idx="minor">
+            <a:schemeClr val="lt1"/>
+          </a:fontRef>
+        </p:style>
+        <p:txBody>
+          <a:bodyPr rtlCol="0" anchor="ctr"/>
+          <a:lstStyle/>
+          <a:p>
+            <a:pPr algn="ctr"/>
+            <a:r>
+              <a:rPr lang="en-US" dirty="0"/>
+              <a:t>Request</a:t>
+            </a:r>
+          </a:p>
+        </p:txBody>
+      </p:sp>
+      <p:sp>
+        <p:nvSpPr>
+          <p:cNvPr id="6" name="Rectangle 5">
+            <a:extLst>
+              <a:ext uri="{FF2B5EF4-FFF2-40B4-BE49-F238E27FC236}">
+                <a16:creationId xmlns:a16="http://schemas.microsoft.com/office/drawing/2014/main" id="{4734225C-1FF9-C1E3-D4D8-BA468F9720FF}"/>
+              </a:ext>
+            </a:extLst>
+          </p:cNvPr>
+          <p:cNvSpPr/>
+          <p:nvPr/>
+        </p:nvSpPr>
+        <p:spPr>
+          <a:xfrm>
+            <a:off x="1933903" y="746233"/>
+            <a:ext cx="4382807" cy="2388787"/>
+          </a:xfrm>
+          <a:prstGeom prst="rect">
+            <a:avLst/>
+          </a:prstGeom>
+        </p:spPr>
+        <p:style>
+          <a:lnRef idx="3">
+            <a:schemeClr val="lt1"/>
+          </a:lnRef>
+          <a:fillRef idx="1">
+            <a:schemeClr val="accent6"/>
+          </a:fillRef>
+          <a:effectRef idx="1">
+            <a:schemeClr val="accent6"/>
+          </a:effectRef>
+          <a:fontRef idx="minor">
+            <a:schemeClr val="lt1"/>
+          </a:fontRef>
+        </p:style>
+        <p:txBody>
+          <a:bodyPr rtlCol="0" anchor="ctr"/>
+          <a:lstStyle/>
+          <a:p>
+            <a:pPr algn="ctr"/>
+            <a:endParaRPr lang="en-US" b="1" dirty="0"/>
+          </a:p>
+        </p:txBody>
+      </p:sp>
+      <p:sp>
+        <p:nvSpPr>
+          <p:cNvPr id="7" name="Rectangle 6">
+            <a:extLst>
+              <a:ext uri="{FF2B5EF4-FFF2-40B4-BE49-F238E27FC236}">
+                <a16:creationId xmlns:a16="http://schemas.microsoft.com/office/drawing/2014/main" id="{D8ED4051-5114-44AC-0968-E3F0C71600D3}"/>
+              </a:ext>
+            </a:extLst>
+          </p:cNvPr>
+          <p:cNvSpPr/>
+          <p:nvPr/>
+        </p:nvSpPr>
+        <p:spPr>
+          <a:xfrm>
+            <a:off x="7052442" y="746233"/>
+            <a:ext cx="4572000" cy="2388787"/>
+          </a:xfrm>
+          <a:prstGeom prst="rect">
+            <a:avLst/>
+          </a:prstGeom>
+        </p:spPr>
+        <p:style>
+          <a:lnRef idx="0">
+            <a:schemeClr val="accent2"/>
+          </a:lnRef>
+          <a:fillRef idx="3">
+            <a:schemeClr val="accent2"/>
+          </a:fillRef>
+          <a:effectRef idx="3">
+            <a:schemeClr val="accent2"/>
+          </a:effectRef>
+          <a:fontRef idx="minor">
+            <a:schemeClr val="lt1"/>
+          </a:fontRef>
+        </p:style>
+        <p:txBody>
+          <a:bodyPr rtlCol="0" anchor="ctr"/>
+          <a:lstStyle/>
+          <a:p>
+            <a:pPr algn="ctr"/>
+            <a:endParaRPr lang="en-US" b="1" dirty="0"/>
+          </a:p>
+        </p:txBody>
+      </p:sp>
+      <p:cxnSp>
+        <p:nvCxnSpPr>
+          <p:cNvPr id="9" name="Straight Arrow Connector 8">
+            <a:extLst>
+              <a:ext uri="{FF2B5EF4-FFF2-40B4-BE49-F238E27FC236}">
+                <a16:creationId xmlns:a16="http://schemas.microsoft.com/office/drawing/2014/main" id="{C025932B-3DBD-426C-6191-A9926BABB9D2}"/>
+              </a:ext>
+            </a:extLst>
+          </p:cNvPr>
+          <p:cNvCxnSpPr>
+            <a:cxnSpLocks/>
+            <a:stCxn id="6" idx="3"/>
+            <a:endCxn id="7" idx="1"/>
+          </p:cNvCxnSpPr>
+          <p:nvPr/>
+        </p:nvCxnSpPr>
+        <p:spPr>
+          <a:xfrm>
+            <a:off x="6316710" y="1940627"/>
+            <a:ext cx="735732" cy="0"/>
+          </a:xfrm>
+          <a:prstGeom prst="straightConnector1">
+            <a:avLst/>
+          </a:prstGeom>
+          <a:ln w="76200">
+            <a:tailEnd type="triangle"/>
+          </a:ln>
+        </p:spPr>
+        <p:style>
+          <a:lnRef idx="1">
+            <a:schemeClr val="accent1"/>
+          </a:lnRef>
+          <a:fillRef idx="0">
+            <a:schemeClr val="accent1"/>
+          </a:fillRef>
+          <a:effectRef idx="0">
+            <a:schemeClr val="accent1"/>
+          </a:effectRef>
+          <a:fontRef idx="minor">
+            <a:schemeClr val="tx1"/>
+          </a:fontRef>
+        </p:style>
+      </p:cxnSp>
+      <p:sp>
+        <p:nvSpPr>
+          <p:cNvPr id="10" name="Rounded Rectangle 9">
+            <a:extLst>
+              <a:ext uri="{FF2B5EF4-FFF2-40B4-BE49-F238E27FC236}">
+                <a16:creationId xmlns:a16="http://schemas.microsoft.com/office/drawing/2014/main" id="{2C796001-77BB-A715-775F-8CA98314C5C6}"/>
+              </a:ext>
+            </a:extLst>
+          </p:cNvPr>
+          <p:cNvSpPr/>
+          <p:nvPr/>
+        </p:nvSpPr>
+        <p:spPr>
+          <a:xfrm>
+            <a:off x="1933903" y="3701021"/>
+            <a:ext cx="9785133" cy="2899780"/>
+          </a:xfrm>
+          <a:prstGeom prst="roundRect">
+            <a:avLst>
+              <a:gd name="adj" fmla="val 2315"/>
+            </a:avLst>
+          </a:prstGeom>
+        </p:spPr>
+        <p:style>
+          <a:lnRef idx="1">
+            <a:schemeClr val="dk1"/>
+          </a:lnRef>
+          <a:fillRef idx="2">
+            <a:schemeClr val="dk1"/>
+          </a:fillRef>
+          <a:effectRef idx="1">
+            <a:schemeClr val="dk1"/>
+          </a:effectRef>
+          <a:fontRef idx="minor">
+            <a:schemeClr val="dk1"/>
+          </a:fontRef>
+        </p:style>
+        <p:txBody>
+          <a:bodyPr rtlCol="0" anchor="ctr"/>
+          <a:lstStyle/>
+          <a:p>
+            <a:pPr algn="ctr"/>
+            <a:endParaRPr lang="en-US" b="1" dirty="0"/>
+          </a:p>
+        </p:txBody>
+      </p:sp>
+      <p:sp>
+        <p:nvSpPr>
+          <p:cNvPr id="17" name="Left Arrow 16">
+            <a:extLst>
+              <a:ext uri="{FF2B5EF4-FFF2-40B4-BE49-F238E27FC236}">
+                <a16:creationId xmlns:a16="http://schemas.microsoft.com/office/drawing/2014/main" id="{88B0D5C1-798C-B7F9-77FA-92FF1596934E}"/>
+              </a:ext>
+            </a:extLst>
+          </p:cNvPr>
+          <p:cNvSpPr/>
+          <p:nvPr/>
+        </p:nvSpPr>
+        <p:spPr>
+          <a:xfrm>
+            <a:off x="0" y="5838497"/>
+            <a:ext cx="1650124" cy="493987"/>
+          </a:xfrm>
+          <a:prstGeom prst="leftArrow">
+            <a:avLst/>
+          </a:prstGeom>
+        </p:spPr>
+        <p:style>
+          <a:lnRef idx="2">
+            <a:schemeClr val="accent1">
+              <a:shade val="50000"/>
+            </a:schemeClr>
+          </a:lnRef>
+          <a:fillRef idx="1">
+            <a:schemeClr val="accent1"/>
+          </a:fillRef>
+          <a:effectRef idx="0">
+            <a:schemeClr val="accent1"/>
+          </a:effectRef>
+          <a:fontRef idx="minor">
+            <a:schemeClr val="lt1"/>
+          </a:fontRef>
+        </p:style>
+        <p:txBody>
+          <a:bodyPr rtlCol="0" anchor="ctr"/>
+          <a:lstStyle/>
+          <a:p>
+            <a:pPr algn="ctr"/>
+            <a:r>
+              <a:rPr lang="en-US" dirty="0"/>
+              <a:t>Response</a:t>
+            </a:r>
+          </a:p>
+        </p:txBody>
+      </p:sp>
+      <p:sp>
+        <p:nvSpPr>
+          <p:cNvPr id="18" name="TextBox 17">
+            <a:extLst>
+              <a:ext uri="{FF2B5EF4-FFF2-40B4-BE49-F238E27FC236}">
+                <a16:creationId xmlns:a16="http://schemas.microsoft.com/office/drawing/2014/main" id="{91F68FD6-7B07-6F11-5B67-5A04456FB99B}"/>
+              </a:ext>
+            </a:extLst>
+          </p:cNvPr>
+          <p:cNvSpPr txBox="1"/>
+          <p:nvPr/>
+        </p:nvSpPr>
+        <p:spPr>
+          <a:xfrm>
+            <a:off x="1933903" y="843767"/>
+            <a:ext cx="4382806" cy="261610"/>
+          </a:xfrm>
+          <a:prstGeom prst="rect">
+            <a:avLst/>
+          </a:prstGeom>
+          <a:noFill/>
+        </p:spPr>
+        <p:txBody>
+          <a:bodyPr wrap="square" rtlCol="0">
+            <a:spAutoFit/>
+          </a:bodyPr>
+          <a:lstStyle/>
+          <a:p>
+            <a:pPr algn="ctr"/>
+            <a:r>
+              <a:rPr lang="en-US" sz="1100" b="1" dirty="0"/>
+              <a:t>Dependency Container</a:t>
+            </a:r>
+          </a:p>
+        </p:txBody>
+      </p:sp>
+      <p:sp>
+        <p:nvSpPr>
+          <p:cNvPr id="19" name="Rounded Rectangle 18">
+            <a:extLst>
+              <a:ext uri="{FF2B5EF4-FFF2-40B4-BE49-F238E27FC236}">
+                <a16:creationId xmlns:a16="http://schemas.microsoft.com/office/drawing/2014/main" id="{9A4AC800-99A5-C4C8-B6B3-FC6C2153F98B}"/>
+              </a:ext>
+            </a:extLst>
+          </p:cNvPr>
+          <p:cNvSpPr/>
+          <p:nvPr/>
+        </p:nvSpPr>
+        <p:spPr>
+          <a:xfrm>
+            <a:off x="2017986" y="1096863"/>
+            <a:ext cx="1082566" cy="385096"/>
+          </a:xfrm>
+          <a:prstGeom prst="roundRect">
+            <a:avLst/>
+          </a:prstGeom>
+        </p:spPr>
+        <p:style>
+          <a:lnRef idx="2">
+            <a:schemeClr val="accent1">
+              <a:shade val="50000"/>
+            </a:schemeClr>
+          </a:lnRef>
+          <a:fillRef idx="1">
+            <a:schemeClr val="accent1"/>
+          </a:fillRef>
+          <a:effectRef idx="0">
+            <a:schemeClr val="accent1"/>
+          </a:effectRef>
+          <a:fontRef idx="minor">
+            <a:schemeClr val="lt1"/>
+          </a:fontRef>
+        </p:style>
+        <p:txBody>
+          <a:bodyPr rtlCol="0" anchor="ctr"/>
+          <a:lstStyle/>
+          <a:p>
+            <a:pPr algn="ctr"/>
+            <a:r>
+              <a:rPr lang="en-US" sz="1400" b="1" dirty="0"/>
+              <a:t>Data Access</a:t>
+            </a:r>
+          </a:p>
+        </p:txBody>
+      </p:sp>
+      <p:sp>
+        <p:nvSpPr>
+          <p:cNvPr id="20" name="Rounded Rectangle 19">
+            <a:extLst>
+              <a:ext uri="{FF2B5EF4-FFF2-40B4-BE49-F238E27FC236}">
+                <a16:creationId xmlns:a16="http://schemas.microsoft.com/office/drawing/2014/main" id="{A7C0DFC0-6AEF-E098-E381-216FDDB617AA}"/>
+              </a:ext>
+            </a:extLst>
+          </p:cNvPr>
+          <p:cNvSpPr/>
+          <p:nvPr/>
+        </p:nvSpPr>
+        <p:spPr>
+          <a:xfrm>
+            <a:off x="3208287" y="1105377"/>
+            <a:ext cx="1082566" cy="385096"/>
+          </a:xfrm>
+          <a:prstGeom prst="roundRect">
+            <a:avLst/>
+          </a:prstGeom>
+        </p:spPr>
+        <p:style>
+          <a:lnRef idx="2">
+            <a:schemeClr val="accent1">
+              <a:shade val="50000"/>
+            </a:schemeClr>
+          </a:lnRef>
+          <a:fillRef idx="1">
+            <a:schemeClr val="accent1"/>
+          </a:fillRef>
+          <a:effectRef idx="0">
+            <a:schemeClr val="accent1"/>
+          </a:effectRef>
+          <a:fontRef idx="minor">
+            <a:schemeClr val="lt1"/>
+          </a:fontRef>
+        </p:style>
+        <p:txBody>
+          <a:bodyPr rtlCol="0" anchor="ctr"/>
+          <a:lstStyle/>
+          <a:p>
+            <a:pPr algn="ctr"/>
+            <a:r>
+              <a:rPr lang="en-US" sz="1400" b="1" dirty="0"/>
+              <a:t>Identity</a:t>
+            </a:r>
+          </a:p>
+        </p:txBody>
+      </p:sp>
+      <p:sp>
+        <p:nvSpPr>
+          <p:cNvPr id="21" name="Rounded Rectangle 20">
+            <a:extLst>
+              <a:ext uri="{FF2B5EF4-FFF2-40B4-BE49-F238E27FC236}">
+                <a16:creationId xmlns:a16="http://schemas.microsoft.com/office/drawing/2014/main" id="{EA4EF116-A1C3-55A3-C413-1EE601F07120}"/>
+              </a:ext>
+            </a:extLst>
+          </p:cNvPr>
+          <p:cNvSpPr/>
+          <p:nvPr/>
+        </p:nvSpPr>
+        <p:spPr>
+          <a:xfrm>
+            <a:off x="4398586" y="1112526"/>
+            <a:ext cx="1082566" cy="385096"/>
+          </a:xfrm>
+          <a:prstGeom prst="roundRect">
+            <a:avLst/>
+          </a:prstGeom>
+        </p:spPr>
+        <p:style>
+          <a:lnRef idx="2">
+            <a:schemeClr val="accent1">
+              <a:shade val="50000"/>
+            </a:schemeClr>
+          </a:lnRef>
+          <a:fillRef idx="1">
+            <a:schemeClr val="accent1"/>
+          </a:fillRef>
+          <a:effectRef idx="0">
+            <a:schemeClr val="accent1"/>
+          </a:effectRef>
+          <a:fontRef idx="minor">
+            <a:schemeClr val="lt1"/>
+          </a:fontRef>
+        </p:style>
+        <p:txBody>
+          <a:bodyPr rtlCol="0" anchor="ctr"/>
+          <a:lstStyle/>
+          <a:p>
+            <a:pPr algn="ctr"/>
+            <a:r>
+              <a:rPr lang="en-US" sz="1400" b="1" dirty="0"/>
+              <a:t>Sessions***</a:t>
+            </a:r>
+          </a:p>
+        </p:txBody>
+      </p:sp>
+      <p:sp>
+        <p:nvSpPr>
+          <p:cNvPr id="22" name="Rounded Rectangle 21">
+            <a:extLst>
+              <a:ext uri="{FF2B5EF4-FFF2-40B4-BE49-F238E27FC236}">
+                <a16:creationId xmlns:a16="http://schemas.microsoft.com/office/drawing/2014/main" id="{0A598606-34D4-D3AD-5264-37130F53B267}"/>
+              </a:ext>
+            </a:extLst>
+          </p:cNvPr>
+          <p:cNvSpPr/>
+          <p:nvPr/>
+        </p:nvSpPr>
+        <p:spPr>
+          <a:xfrm>
+            <a:off x="2017986" y="1641931"/>
+            <a:ext cx="1082566" cy="385096"/>
+          </a:xfrm>
+          <a:prstGeom prst="roundRect">
+            <a:avLst/>
+          </a:prstGeom>
+        </p:spPr>
+        <p:style>
+          <a:lnRef idx="2">
+            <a:schemeClr val="accent1">
+              <a:shade val="50000"/>
+            </a:schemeClr>
+          </a:lnRef>
+          <a:fillRef idx="1">
+            <a:schemeClr val="accent1"/>
+          </a:fillRef>
+          <a:effectRef idx="0">
+            <a:schemeClr val="accent1"/>
+          </a:effectRef>
+          <a:fontRef idx="minor">
+            <a:schemeClr val="lt1"/>
+          </a:fontRef>
+        </p:style>
+        <p:txBody>
+          <a:bodyPr rtlCol="0" anchor="ctr"/>
+          <a:lstStyle/>
+          <a:p>
+            <a:pPr algn="ctr"/>
+            <a:r>
+              <a:rPr lang="en-US" sz="1400" b="1" dirty="0"/>
+              <a:t>Caching</a:t>
+            </a:r>
+          </a:p>
+        </p:txBody>
+      </p:sp>
+      <p:sp>
+        <p:nvSpPr>
+          <p:cNvPr id="23" name="Rounded Rectangle 22">
+            <a:extLst>
+              <a:ext uri="{FF2B5EF4-FFF2-40B4-BE49-F238E27FC236}">
+                <a16:creationId xmlns:a16="http://schemas.microsoft.com/office/drawing/2014/main" id="{C0BF6C59-3F0C-A42D-7684-C8B3F214E8F5}"/>
+              </a:ext>
+            </a:extLst>
+          </p:cNvPr>
+          <p:cNvSpPr/>
+          <p:nvPr/>
+        </p:nvSpPr>
+        <p:spPr>
+          <a:xfrm>
+            <a:off x="3184635" y="1664743"/>
+            <a:ext cx="1082566" cy="385096"/>
+          </a:xfrm>
+          <a:prstGeom prst="roundRect">
+            <a:avLst/>
+          </a:prstGeom>
+        </p:spPr>
+        <p:style>
+          <a:lnRef idx="2">
+            <a:schemeClr val="accent1">
+              <a:shade val="50000"/>
+            </a:schemeClr>
+          </a:lnRef>
+          <a:fillRef idx="1">
+            <a:schemeClr val="accent1"/>
+          </a:fillRef>
+          <a:effectRef idx="0">
+            <a:schemeClr val="accent1"/>
+          </a:effectRef>
+          <a:fontRef idx="minor">
+            <a:schemeClr val="lt1"/>
+          </a:fontRef>
+        </p:style>
+        <p:txBody>
+          <a:bodyPr rtlCol="0" anchor="ctr"/>
+          <a:lstStyle/>
+          <a:p>
+            <a:pPr algn="ctr"/>
+            <a:r>
+              <a:rPr lang="en-US" sz="1400" b="1" dirty="0"/>
+              <a:t>CORS **</a:t>
+            </a:r>
+          </a:p>
+        </p:txBody>
+      </p:sp>
+      <p:sp>
+        <p:nvSpPr>
+          <p:cNvPr id="24" name="Rounded Rectangle 23">
+            <a:extLst>
+              <a:ext uri="{FF2B5EF4-FFF2-40B4-BE49-F238E27FC236}">
+                <a16:creationId xmlns:a16="http://schemas.microsoft.com/office/drawing/2014/main" id="{9058B2D2-5E4C-B120-47DF-E23DB8AC5517}"/>
+              </a:ext>
+            </a:extLst>
+          </p:cNvPr>
+          <p:cNvSpPr/>
+          <p:nvPr/>
+        </p:nvSpPr>
+        <p:spPr>
+          <a:xfrm>
+            <a:off x="4361797" y="1657594"/>
+            <a:ext cx="1818285" cy="385096"/>
+          </a:xfrm>
+          <a:prstGeom prst="roundRect">
+            <a:avLst/>
+          </a:prstGeom>
+        </p:spPr>
+        <p:style>
+          <a:lnRef idx="2">
+            <a:schemeClr val="accent1">
+              <a:shade val="50000"/>
+            </a:schemeClr>
+          </a:lnRef>
+          <a:fillRef idx="1">
+            <a:schemeClr val="accent1"/>
+          </a:fillRef>
+          <a:effectRef idx="0">
+            <a:schemeClr val="accent1"/>
+          </a:effectRef>
+          <a:fontRef idx="minor">
+            <a:schemeClr val="lt1"/>
+          </a:fontRef>
+        </p:style>
+        <p:txBody>
+          <a:bodyPr rtlCol="0" anchor="ctr"/>
+          <a:lstStyle/>
+          <a:p>
+            <a:pPr algn="ctr"/>
+            <a:r>
+              <a:rPr lang="en-US" sz="1400" b="1" dirty="0"/>
+              <a:t>Custom Services OR Repositories</a:t>
+            </a:r>
+          </a:p>
+        </p:txBody>
+      </p:sp>
+      <p:sp>
+        <p:nvSpPr>
+          <p:cNvPr id="25" name="Rounded Rectangle 24">
+            <a:extLst>
+              <a:ext uri="{FF2B5EF4-FFF2-40B4-BE49-F238E27FC236}">
+                <a16:creationId xmlns:a16="http://schemas.microsoft.com/office/drawing/2014/main" id="{292DFC0C-B3D6-1FD3-AF1F-955C8885ED83}"/>
+              </a:ext>
+            </a:extLst>
+          </p:cNvPr>
+          <p:cNvSpPr/>
+          <p:nvPr/>
+        </p:nvSpPr>
+        <p:spPr>
+          <a:xfrm>
+            <a:off x="2028498" y="2151156"/>
+            <a:ext cx="1397873" cy="385096"/>
+          </a:xfrm>
+          <a:prstGeom prst="roundRect">
+            <a:avLst/>
+          </a:prstGeom>
+        </p:spPr>
+        <p:style>
+          <a:lnRef idx="2">
+            <a:schemeClr val="accent1">
+              <a:shade val="50000"/>
+            </a:schemeClr>
+          </a:lnRef>
+          <a:fillRef idx="1">
+            <a:schemeClr val="accent1"/>
+          </a:fillRef>
+          <a:effectRef idx="0">
+            <a:schemeClr val="accent1"/>
+          </a:effectRef>
+          <a:fontRef idx="minor">
+            <a:schemeClr val="lt1"/>
+          </a:fontRef>
+        </p:style>
+        <p:txBody>
+          <a:bodyPr rtlCol="0" anchor="ctr"/>
+          <a:lstStyle/>
+          <a:p>
+            <a:pPr algn="ctr"/>
+            <a:r>
+              <a:rPr lang="en-US" sz="1400" b="1" dirty="0"/>
+              <a:t>External OR Third Party</a:t>
+            </a:r>
+          </a:p>
+        </p:txBody>
+      </p:sp>
+      <p:sp>
+        <p:nvSpPr>
+          <p:cNvPr id="26" name="Rounded Rectangle 25">
+            <a:extLst>
+              <a:ext uri="{FF2B5EF4-FFF2-40B4-BE49-F238E27FC236}">
+                <a16:creationId xmlns:a16="http://schemas.microsoft.com/office/drawing/2014/main" id="{CB495BA0-82BB-8944-94EC-64CF551EAFE8}"/>
+              </a:ext>
+            </a:extLst>
+          </p:cNvPr>
+          <p:cNvSpPr/>
+          <p:nvPr/>
+        </p:nvSpPr>
+        <p:spPr>
+          <a:xfrm>
+            <a:off x="3494688" y="2136975"/>
+            <a:ext cx="2601312" cy="385096"/>
+          </a:xfrm>
+          <a:prstGeom prst="roundRect">
+            <a:avLst/>
+          </a:prstGeom>
+        </p:spPr>
+        <p:style>
+          <a:lnRef idx="2">
+            <a:schemeClr val="accent1">
+              <a:shade val="50000"/>
+            </a:schemeClr>
+          </a:lnRef>
+          <a:fillRef idx="1">
+            <a:schemeClr val="accent1"/>
+          </a:fillRef>
+          <a:effectRef idx="0">
+            <a:schemeClr val="accent1"/>
+          </a:effectRef>
+          <a:fontRef idx="minor">
+            <a:schemeClr val="lt1"/>
+          </a:fontRef>
+        </p:style>
+        <p:txBody>
+          <a:bodyPr rtlCol="0" anchor="ctr"/>
+          <a:lstStyle/>
+          <a:p>
+            <a:pPr algn="ctr"/>
+            <a:r>
+              <a:rPr lang="en-US" sz="1400" b="1" dirty="0"/>
+              <a:t>MVC Controllers with View, API Controllers, Razor Views</a:t>
+            </a:r>
+          </a:p>
+        </p:txBody>
+      </p:sp>
+      <p:sp>
+        <p:nvSpPr>
+          <p:cNvPr id="28" name="Rounded Rectangle 27">
+            <a:extLst>
+              <a:ext uri="{FF2B5EF4-FFF2-40B4-BE49-F238E27FC236}">
+                <a16:creationId xmlns:a16="http://schemas.microsoft.com/office/drawing/2014/main" id="{A4B4C317-411E-46D7-6E22-B97C71DE63AA}"/>
+              </a:ext>
+            </a:extLst>
+          </p:cNvPr>
+          <p:cNvSpPr/>
+          <p:nvPr/>
+        </p:nvSpPr>
+        <p:spPr>
+          <a:xfrm>
+            <a:off x="1996966" y="2660909"/>
+            <a:ext cx="4099034" cy="385096"/>
+          </a:xfrm>
+          <a:prstGeom prst="roundRect">
+            <a:avLst/>
+          </a:prstGeom>
+        </p:spPr>
+        <p:style>
+          <a:lnRef idx="2">
+            <a:schemeClr val="accent1">
+              <a:shade val="50000"/>
+            </a:schemeClr>
+          </a:lnRef>
+          <a:fillRef idx="1">
+            <a:schemeClr val="accent1"/>
+          </a:fillRef>
+          <a:effectRef idx="0">
+            <a:schemeClr val="accent1"/>
+          </a:effectRef>
+          <a:fontRef idx="minor">
+            <a:schemeClr val="lt1"/>
+          </a:fontRef>
+        </p:style>
+        <p:txBody>
+          <a:bodyPr rtlCol="0" anchor="ctr"/>
+          <a:lstStyle/>
+          <a:p>
+            <a:pPr algn="ctr"/>
+            <a:r>
+              <a:rPr lang="en-US" sz="1400" b="1" dirty="0"/>
+              <a:t>…. And many more as per the need</a:t>
+            </a:r>
+          </a:p>
+        </p:txBody>
+      </p:sp>
+      <p:sp>
+        <p:nvSpPr>
+          <p:cNvPr id="35" name="TextBox 34">
+            <a:extLst>
+              <a:ext uri="{FF2B5EF4-FFF2-40B4-BE49-F238E27FC236}">
+                <a16:creationId xmlns:a16="http://schemas.microsoft.com/office/drawing/2014/main" id="{6EDF09F6-FBF3-D87E-52EF-D2376F17AFD5}"/>
+              </a:ext>
+            </a:extLst>
+          </p:cNvPr>
+          <p:cNvSpPr txBox="1"/>
+          <p:nvPr/>
+        </p:nvSpPr>
+        <p:spPr>
+          <a:xfrm>
+            <a:off x="7062951" y="843767"/>
+            <a:ext cx="4477408" cy="261610"/>
+          </a:xfrm>
+          <a:prstGeom prst="rect">
+            <a:avLst/>
+          </a:prstGeom>
+          <a:noFill/>
+        </p:spPr>
+        <p:txBody>
+          <a:bodyPr wrap="square" rtlCol="0">
+            <a:spAutoFit/>
+          </a:bodyPr>
+          <a:lstStyle/>
+          <a:p>
+            <a:pPr algn="ctr"/>
+            <a:r>
+              <a:rPr lang="en-US" sz="1100" b="1" dirty="0"/>
+              <a:t>Middleware’s  HTTP Pipeline Object Models</a:t>
+            </a:r>
+          </a:p>
+        </p:txBody>
+      </p:sp>
+      <p:sp>
+        <p:nvSpPr>
+          <p:cNvPr id="36" name="Rounded Rectangle 35">
+            <a:extLst>
+              <a:ext uri="{FF2B5EF4-FFF2-40B4-BE49-F238E27FC236}">
+                <a16:creationId xmlns:a16="http://schemas.microsoft.com/office/drawing/2014/main" id="{F0F5C811-0D07-FF1F-63ED-5A6586A350A7}"/>
+              </a:ext>
+            </a:extLst>
+          </p:cNvPr>
+          <p:cNvSpPr/>
+          <p:nvPr/>
+        </p:nvSpPr>
+        <p:spPr>
+          <a:xfrm>
+            <a:off x="7062951" y="1058183"/>
+            <a:ext cx="1082566" cy="385096"/>
+          </a:xfrm>
+          <a:prstGeom prst="roundRect">
+            <a:avLst/>
+          </a:prstGeom>
+          <a:solidFill>
+            <a:srgbClr val="FFFF00"/>
+          </a:solidFill>
+        </p:spPr>
+        <p:style>
+          <a:lnRef idx="2">
+            <a:schemeClr val="accent1">
+              <a:shade val="50000"/>
+            </a:schemeClr>
+          </a:lnRef>
+          <a:fillRef idx="1">
+            <a:schemeClr val="accent1"/>
+          </a:fillRef>
+          <a:effectRef idx="0">
+            <a:schemeClr val="accent1"/>
+          </a:effectRef>
+          <a:fontRef idx="minor">
+            <a:schemeClr val="lt1"/>
+          </a:fontRef>
+        </p:style>
+        <p:txBody>
+          <a:bodyPr rtlCol="0" anchor="ctr"/>
+          <a:lstStyle/>
+          <a:p>
+            <a:pPr algn="ctr"/>
+            <a:r>
+              <a:rPr lang="en-US" sz="1400" b="1" dirty="0">
+                <a:solidFill>
+                  <a:srgbClr val="FF0000"/>
+                </a:solidFill>
+              </a:rPr>
+              <a:t>Exception</a:t>
+            </a:r>
+          </a:p>
+        </p:txBody>
+      </p:sp>
+      <p:sp>
+        <p:nvSpPr>
+          <p:cNvPr id="37" name="Rounded Rectangle 36">
+            <a:extLst>
+              <a:ext uri="{FF2B5EF4-FFF2-40B4-BE49-F238E27FC236}">
+                <a16:creationId xmlns:a16="http://schemas.microsoft.com/office/drawing/2014/main" id="{9C3EA190-C33F-708F-E805-DA6C38295D40}"/>
+              </a:ext>
+            </a:extLst>
+          </p:cNvPr>
+          <p:cNvSpPr/>
+          <p:nvPr/>
+        </p:nvSpPr>
+        <p:spPr>
+          <a:xfrm>
+            <a:off x="8240109" y="1058183"/>
+            <a:ext cx="1082566" cy="385096"/>
+          </a:xfrm>
+          <a:prstGeom prst="roundRect">
+            <a:avLst/>
+          </a:prstGeom>
+          <a:solidFill>
+            <a:srgbClr val="FFFF00"/>
+          </a:solidFill>
+        </p:spPr>
+        <p:style>
+          <a:lnRef idx="2">
+            <a:schemeClr val="accent1">
+              <a:shade val="50000"/>
+            </a:schemeClr>
+          </a:lnRef>
+          <a:fillRef idx="1">
+            <a:schemeClr val="accent1"/>
+          </a:fillRef>
+          <a:effectRef idx="0">
+            <a:schemeClr val="accent1"/>
+          </a:effectRef>
+          <a:fontRef idx="minor">
+            <a:schemeClr val="lt1"/>
+          </a:fontRef>
+        </p:style>
+        <p:txBody>
+          <a:bodyPr rtlCol="0" anchor="ctr"/>
+          <a:lstStyle/>
+          <a:p>
+            <a:pPr algn="ctr"/>
+            <a:r>
+              <a:rPr lang="en-US" sz="1400" b="1" dirty="0">
+                <a:solidFill>
+                  <a:srgbClr val="FF0000"/>
+                </a:solidFill>
+              </a:rPr>
+              <a:t>HSTS</a:t>
+            </a:r>
+          </a:p>
+        </p:txBody>
+      </p:sp>
+      <p:sp>
+        <p:nvSpPr>
+          <p:cNvPr id="38" name="Rounded Rectangle 37">
+            <a:extLst>
+              <a:ext uri="{FF2B5EF4-FFF2-40B4-BE49-F238E27FC236}">
+                <a16:creationId xmlns:a16="http://schemas.microsoft.com/office/drawing/2014/main" id="{56C4ADCD-BDDB-0F79-DC66-2558E9A7EE6B}"/>
+              </a:ext>
+            </a:extLst>
+          </p:cNvPr>
+          <p:cNvSpPr/>
+          <p:nvPr/>
+        </p:nvSpPr>
+        <p:spPr>
+          <a:xfrm>
+            <a:off x="9427777" y="1053251"/>
+            <a:ext cx="1618594" cy="385096"/>
+          </a:xfrm>
+          <a:prstGeom prst="roundRect">
+            <a:avLst/>
+          </a:prstGeom>
+          <a:solidFill>
+            <a:srgbClr val="FFFF00"/>
+          </a:solidFill>
+        </p:spPr>
+        <p:style>
+          <a:lnRef idx="2">
+            <a:schemeClr val="accent1">
+              <a:shade val="50000"/>
+            </a:schemeClr>
+          </a:lnRef>
+          <a:fillRef idx="1">
+            <a:schemeClr val="accent1"/>
+          </a:fillRef>
+          <a:effectRef idx="0">
+            <a:schemeClr val="accent1"/>
+          </a:effectRef>
+          <a:fontRef idx="minor">
+            <a:schemeClr val="lt1"/>
+          </a:fontRef>
+        </p:style>
+        <p:txBody>
+          <a:bodyPr rtlCol="0" anchor="ctr"/>
+          <a:lstStyle/>
+          <a:p>
+            <a:pPr algn="ctr"/>
+            <a:r>
+              <a:rPr lang="en-US" sz="1400" b="1" dirty="0" err="1">
+                <a:solidFill>
+                  <a:srgbClr val="FF0000"/>
+                </a:solidFill>
+              </a:rPr>
+              <a:t>HttpsRedirection</a:t>
+            </a:r>
+            <a:endParaRPr lang="en-US" sz="1400" b="1" dirty="0">
+              <a:solidFill>
+                <a:srgbClr val="FF0000"/>
+              </a:solidFill>
+            </a:endParaRPr>
+          </a:p>
+        </p:txBody>
+      </p:sp>
+      <p:sp>
+        <p:nvSpPr>
+          <p:cNvPr id="39" name="Rounded Rectangle 38">
+            <a:extLst>
+              <a:ext uri="{FF2B5EF4-FFF2-40B4-BE49-F238E27FC236}">
+                <a16:creationId xmlns:a16="http://schemas.microsoft.com/office/drawing/2014/main" id="{533A9ED9-DC8B-DC30-6DFF-B6B1C21EB9EE}"/>
+              </a:ext>
+            </a:extLst>
+          </p:cNvPr>
+          <p:cNvSpPr/>
+          <p:nvPr/>
+        </p:nvSpPr>
+        <p:spPr>
+          <a:xfrm>
+            <a:off x="7115500" y="1570874"/>
+            <a:ext cx="1030017" cy="385096"/>
+          </a:xfrm>
+          <a:prstGeom prst="roundRect">
+            <a:avLst/>
+          </a:prstGeom>
+          <a:solidFill>
+            <a:srgbClr val="FFFF00"/>
+          </a:solidFill>
+        </p:spPr>
+        <p:style>
+          <a:lnRef idx="2">
+            <a:schemeClr val="accent1">
+              <a:shade val="50000"/>
+            </a:schemeClr>
+          </a:lnRef>
+          <a:fillRef idx="1">
+            <a:schemeClr val="accent1"/>
+          </a:fillRef>
+          <a:effectRef idx="0">
+            <a:schemeClr val="accent1"/>
+          </a:effectRef>
+          <a:fontRef idx="minor">
+            <a:schemeClr val="lt1"/>
+          </a:fontRef>
+        </p:style>
+        <p:txBody>
+          <a:bodyPr rtlCol="0" anchor="ctr"/>
+          <a:lstStyle/>
+          <a:p>
+            <a:pPr algn="ctr"/>
+            <a:r>
+              <a:rPr lang="en-US" sz="1400" b="1" dirty="0">
+                <a:solidFill>
+                  <a:srgbClr val="FF0000"/>
+                </a:solidFill>
+              </a:rPr>
+              <a:t>CORS **</a:t>
+            </a:r>
+          </a:p>
+        </p:txBody>
+      </p:sp>
+      <p:sp>
+        <p:nvSpPr>
+          <p:cNvPr id="40" name="Rounded Rectangle 39">
+            <a:extLst>
+              <a:ext uri="{FF2B5EF4-FFF2-40B4-BE49-F238E27FC236}">
+                <a16:creationId xmlns:a16="http://schemas.microsoft.com/office/drawing/2014/main" id="{C117D28D-4A1E-FDA3-CABE-6A3EE40A10B5}"/>
+              </a:ext>
+            </a:extLst>
+          </p:cNvPr>
+          <p:cNvSpPr/>
+          <p:nvPr/>
+        </p:nvSpPr>
+        <p:spPr>
+          <a:xfrm>
+            <a:off x="8250621" y="1570874"/>
+            <a:ext cx="1030017" cy="385096"/>
+          </a:xfrm>
+          <a:prstGeom prst="roundRect">
+            <a:avLst/>
+          </a:prstGeom>
+          <a:solidFill>
+            <a:srgbClr val="FFFF00"/>
+          </a:solidFill>
+        </p:spPr>
+        <p:style>
+          <a:lnRef idx="2">
+            <a:schemeClr val="accent1">
+              <a:shade val="50000"/>
+            </a:schemeClr>
+          </a:lnRef>
+          <a:fillRef idx="1">
+            <a:schemeClr val="accent1"/>
+          </a:fillRef>
+          <a:effectRef idx="0">
+            <a:schemeClr val="accent1"/>
+          </a:effectRef>
+          <a:fontRef idx="minor">
+            <a:schemeClr val="lt1"/>
+          </a:fontRef>
+        </p:style>
+        <p:txBody>
+          <a:bodyPr rtlCol="0" anchor="ctr"/>
+          <a:lstStyle/>
+          <a:p>
+            <a:pPr algn="ctr"/>
+            <a:r>
+              <a:rPr lang="en-US" sz="1400" b="1" dirty="0">
+                <a:solidFill>
+                  <a:srgbClr val="FF0000"/>
+                </a:solidFill>
+              </a:rPr>
+              <a:t>Routing</a:t>
+            </a:r>
+          </a:p>
+        </p:txBody>
+      </p:sp>
+      <p:sp>
+        <p:nvSpPr>
+          <p:cNvPr id="41" name="Rounded Rectangle 40">
+            <a:extLst>
+              <a:ext uri="{FF2B5EF4-FFF2-40B4-BE49-F238E27FC236}">
+                <a16:creationId xmlns:a16="http://schemas.microsoft.com/office/drawing/2014/main" id="{49BACB6E-52B5-00B4-8A7A-2813519FED38}"/>
+              </a:ext>
+            </a:extLst>
+          </p:cNvPr>
+          <p:cNvSpPr/>
+          <p:nvPr/>
+        </p:nvSpPr>
+        <p:spPr>
+          <a:xfrm>
+            <a:off x="9427777" y="1530737"/>
+            <a:ext cx="1030017" cy="385096"/>
+          </a:xfrm>
+          <a:prstGeom prst="roundRect">
+            <a:avLst/>
+          </a:prstGeom>
+          <a:solidFill>
+            <a:srgbClr val="FFFF00"/>
+          </a:solidFill>
+        </p:spPr>
+        <p:style>
+          <a:lnRef idx="2">
+            <a:schemeClr val="accent1">
+              <a:shade val="50000"/>
+            </a:schemeClr>
+          </a:lnRef>
+          <a:fillRef idx="1">
+            <a:schemeClr val="accent1"/>
+          </a:fillRef>
+          <a:effectRef idx="0">
+            <a:schemeClr val="accent1"/>
+          </a:effectRef>
+          <a:fontRef idx="minor">
+            <a:schemeClr val="lt1"/>
+          </a:fontRef>
+        </p:style>
+        <p:txBody>
+          <a:bodyPr rtlCol="0" anchor="ctr"/>
+          <a:lstStyle/>
+          <a:p>
+            <a:pPr algn="ctr"/>
+            <a:r>
+              <a:rPr lang="en-US" sz="1400" b="1" dirty="0">
+                <a:solidFill>
+                  <a:srgbClr val="FF0000"/>
+                </a:solidFill>
+              </a:rPr>
+              <a:t>Sessions***</a:t>
+            </a:r>
+          </a:p>
+        </p:txBody>
+      </p:sp>
+      <p:sp>
+        <p:nvSpPr>
+          <p:cNvPr id="42" name="Rounded Rectangle 41">
+            <a:extLst>
+              <a:ext uri="{FF2B5EF4-FFF2-40B4-BE49-F238E27FC236}">
+                <a16:creationId xmlns:a16="http://schemas.microsoft.com/office/drawing/2014/main" id="{C96C9562-71BF-F598-413B-D5E2C60B3259}"/>
+              </a:ext>
+            </a:extLst>
+          </p:cNvPr>
+          <p:cNvSpPr/>
+          <p:nvPr/>
+        </p:nvSpPr>
+        <p:spPr>
+          <a:xfrm>
+            <a:off x="7126010" y="2123425"/>
+            <a:ext cx="1502983" cy="385096"/>
+          </a:xfrm>
+          <a:prstGeom prst="roundRect">
+            <a:avLst/>
+          </a:prstGeom>
+          <a:solidFill>
+            <a:srgbClr val="FFFF00"/>
+          </a:solidFill>
+        </p:spPr>
+        <p:style>
+          <a:lnRef idx="2">
+            <a:schemeClr val="accent1">
+              <a:shade val="50000"/>
+            </a:schemeClr>
+          </a:lnRef>
+          <a:fillRef idx="1">
+            <a:schemeClr val="accent1"/>
+          </a:fillRef>
+          <a:effectRef idx="0">
+            <a:schemeClr val="accent1"/>
+          </a:effectRef>
+          <a:fontRef idx="minor">
+            <a:schemeClr val="lt1"/>
+          </a:fontRef>
+        </p:style>
+        <p:txBody>
+          <a:bodyPr rtlCol="0" anchor="ctr"/>
+          <a:lstStyle/>
+          <a:p>
+            <a:pPr algn="ctr"/>
+            <a:r>
+              <a:rPr lang="en-US" sz="1400" b="1" dirty="0">
+                <a:solidFill>
+                  <a:srgbClr val="FF0000"/>
+                </a:solidFill>
+              </a:rPr>
+              <a:t>Authentication</a:t>
+            </a:r>
+          </a:p>
+        </p:txBody>
+      </p:sp>
+      <p:sp>
+        <p:nvSpPr>
+          <p:cNvPr id="43" name="Rounded Rectangle 42">
+            <a:extLst>
+              <a:ext uri="{FF2B5EF4-FFF2-40B4-BE49-F238E27FC236}">
+                <a16:creationId xmlns:a16="http://schemas.microsoft.com/office/drawing/2014/main" id="{99F05CD6-7E49-576F-16D1-277E9C65F842}"/>
+              </a:ext>
+            </a:extLst>
+          </p:cNvPr>
+          <p:cNvSpPr/>
+          <p:nvPr/>
+        </p:nvSpPr>
+        <p:spPr>
+          <a:xfrm>
+            <a:off x="8723577" y="2123425"/>
+            <a:ext cx="1502983" cy="385096"/>
+          </a:xfrm>
+          <a:prstGeom prst="roundRect">
+            <a:avLst/>
+          </a:prstGeom>
+          <a:solidFill>
+            <a:srgbClr val="FFFF00"/>
+          </a:solidFill>
+        </p:spPr>
+        <p:style>
+          <a:lnRef idx="2">
+            <a:schemeClr val="accent1">
+              <a:shade val="50000"/>
+            </a:schemeClr>
+          </a:lnRef>
+          <a:fillRef idx="1">
+            <a:schemeClr val="accent1"/>
+          </a:fillRef>
+          <a:effectRef idx="0">
+            <a:schemeClr val="accent1"/>
+          </a:effectRef>
+          <a:fontRef idx="minor">
+            <a:schemeClr val="lt1"/>
+          </a:fontRef>
+        </p:style>
+        <p:txBody>
+          <a:bodyPr rtlCol="0" anchor="ctr"/>
+          <a:lstStyle/>
+          <a:p>
+            <a:pPr algn="ctr"/>
+            <a:r>
+              <a:rPr lang="en-US" sz="1400" b="1" dirty="0">
+                <a:solidFill>
+                  <a:srgbClr val="FF0000"/>
+                </a:solidFill>
+              </a:rPr>
+              <a:t>Authorization</a:t>
+            </a:r>
+          </a:p>
+        </p:txBody>
+      </p:sp>
+      <p:sp>
+        <p:nvSpPr>
+          <p:cNvPr id="44" name="Rounded Rectangle 43">
+            <a:extLst>
+              <a:ext uri="{FF2B5EF4-FFF2-40B4-BE49-F238E27FC236}">
+                <a16:creationId xmlns:a16="http://schemas.microsoft.com/office/drawing/2014/main" id="{2967E6B1-0F54-1359-F1EA-3F10314C05A6}"/>
+              </a:ext>
+            </a:extLst>
+          </p:cNvPr>
+          <p:cNvSpPr/>
+          <p:nvPr/>
+        </p:nvSpPr>
+        <p:spPr>
+          <a:xfrm>
+            <a:off x="7136521" y="2664095"/>
+            <a:ext cx="4403838" cy="385096"/>
+          </a:xfrm>
+          <a:prstGeom prst="roundRect">
+            <a:avLst/>
+          </a:prstGeom>
+          <a:solidFill>
+            <a:srgbClr val="FFFF00"/>
+          </a:solidFill>
+        </p:spPr>
+        <p:style>
+          <a:lnRef idx="2">
+            <a:schemeClr val="accent1">
+              <a:shade val="50000"/>
+            </a:schemeClr>
+          </a:lnRef>
+          <a:fillRef idx="1">
+            <a:schemeClr val="accent1"/>
+          </a:fillRef>
+          <a:effectRef idx="0">
+            <a:schemeClr val="accent1"/>
+          </a:effectRef>
+          <a:fontRef idx="minor">
+            <a:schemeClr val="lt1"/>
+          </a:fontRef>
+        </p:style>
+        <p:txBody>
+          <a:bodyPr rtlCol="0" anchor="ctr"/>
+          <a:lstStyle/>
+          <a:p>
+            <a:pPr algn="ctr"/>
+            <a:r>
+              <a:rPr lang="en-US" sz="1400" b="1" dirty="0">
+                <a:solidFill>
+                  <a:srgbClr val="FF0000"/>
+                </a:solidFill>
+              </a:rPr>
+              <a:t>Endpoint Mapping to Execute MVC Controller, API Controller </a:t>
+            </a:r>
+            <a:r>
+              <a:rPr lang="en-US" sz="1400" b="1" dirty="0" err="1">
+                <a:solidFill>
+                  <a:srgbClr val="FF0000"/>
+                </a:solidFill>
+              </a:rPr>
+              <a:t>otr</a:t>
+            </a:r>
+            <a:r>
+              <a:rPr lang="en-US" sz="1400" b="1" dirty="0">
+                <a:solidFill>
+                  <a:srgbClr val="FF0000"/>
+                </a:solidFill>
+              </a:rPr>
+              <a:t> Razor View</a:t>
+            </a:r>
+          </a:p>
+        </p:txBody>
+      </p:sp>
+      <p:sp>
+        <p:nvSpPr>
+          <p:cNvPr id="66" name="TextBox 65">
+            <a:extLst>
+              <a:ext uri="{FF2B5EF4-FFF2-40B4-BE49-F238E27FC236}">
+                <a16:creationId xmlns:a16="http://schemas.microsoft.com/office/drawing/2014/main" id="{B68E1E0A-5146-A16D-C486-D3E507235C97}"/>
+              </a:ext>
+            </a:extLst>
+          </p:cNvPr>
+          <p:cNvSpPr txBox="1"/>
+          <p:nvPr/>
+        </p:nvSpPr>
+        <p:spPr>
+          <a:xfrm>
+            <a:off x="2554014" y="3687237"/>
+            <a:ext cx="8807669" cy="261610"/>
+          </a:xfrm>
+          <a:prstGeom prst="rect">
+            <a:avLst/>
+          </a:prstGeom>
+          <a:noFill/>
+        </p:spPr>
+        <p:txBody>
+          <a:bodyPr wrap="square" rtlCol="0">
+            <a:spAutoFit/>
+          </a:bodyPr>
+          <a:lstStyle/>
+          <a:p>
+            <a:pPr algn="ctr"/>
+            <a:r>
+              <a:rPr lang="en-US" sz="1100" b="1" dirty="0">
+                <a:highlight>
+                  <a:srgbClr val="FFFF00"/>
+                </a:highlight>
+              </a:rPr>
+              <a:t>Controller Execution</a:t>
+            </a:r>
+          </a:p>
+        </p:txBody>
+      </p:sp>
+      <p:sp>
+        <p:nvSpPr>
+          <p:cNvPr id="67" name="Rounded Rectangle 66">
+            <a:extLst>
+              <a:ext uri="{FF2B5EF4-FFF2-40B4-BE49-F238E27FC236}">
+                <a16:creationId xmlns:a16="http://schemas.microsoft.com/office/drawing/2014/main" id="{1B38496C-7A1F-1EB4-C065-B028670EA69F}"/>
+              </a:ext>
+            </a:extLst>
+          </p:cNvPr>
+          <p:cNvSpPr/>
+          <p:nvPr/>
+        </p:nvSpPr>
+        <p:spPr>
+          <a:xfrm>
+            <a:off x="1960182" y="3956951"/>
+            <a:ext cx="1597572" cy="268960"/>
+          </a:xfrm>
+          <a:prstGeom prst="roundRect">
+            <a:avLst/>
+          </a:prstGeom>
+        </p:spPr>
+        <p:style>
+          <a:lnRef idx="0">
+            <a:schemeClr val="accent2"/>
+          </a:lnRef>
+          <a:fillRef idx="3">
+            <a:schemeClr val="accent2"/>
+          </a:fillRef>
+          <a:effectRef idx="3">
+            <a:schemeClr val="accent2"/>
+          </a:effectRef>
+          <a:fontRef idx="minor">
+            <a:schemeClr val="lt1"/>
+          </a:fontRef>
+        </p:style>
+        <p:txBody>
+          <a:bodyPr rtlCol="0" anchor="ctr"/>
+          <a:lstStyle/>
+          <a:p>
+            <a:pPr algn="ctr"/>
+            <a:r>
+              <a:rPr lang="en-US" sz="1100" b="1" dirty="0"/>
+              <a:t>Check for Security</a:t>
+            </a:r>
+          </a:p>
+        </p:txBody>
+      </p:sp>
+      <p:sp>
+        <p:nvSpPr>
+          <p:cNvPr id="70" name="Rounded Rectangle 69">
+            <a:extLst>
+              <a:ext uri="{FF2B5EF4-FFF2-40B4-BE49-F238E27FC236}">
+                <a16:creationId xmlns:a16="http://schemas.microsoft.com/office/drawing/2014/main" id="{A456D1BC-958E-22D7-B1E8-5643F43B64D8}"/>
+              </a:ext>
+            </a:extLst>
+          </p:cNvPr>
+          <p:cNvSpPr/>
+          <p:nvPr/>
+        </p:nvSpPr>
+        <p:spPr>
+          <a:xfrm>
+            <a:off x="1933903" y="4433175"/>
+            <a:ext cx="1760486" cy="919535"/>
+          </a:xfrm>
+          <a:prstGeom prst="roundRect">
+            <a:avLst/>
+          </a:prstGeom>
+        </p:spPr>
+        <p:style>
+          <a:lnRef idx="0">
+            <a:schemeClr val="accent2"/>
+          </a:lnRef>
+          <a:fillRef idx="3">
+            <a:schemeClr val="accent2"/>
+          </a:fillRef>
+          <a:effectRef idx="3">
+            <a:schemeClr val="accent2"/>
+          </a:effectRef>
+          <a:fontRef idx="minor">
+            <a:schemeClr val="lt1"/>
+          </a:fontRef>
+        </p:style>
+        <p:txBody>
+          <a:bodyPr rtlCol="0" anchor="ctr"/>
+          <a:lstStyle/>
+          <a:p>
+            <a:pPr algn="ctr"/>
+            <a:r>
+              <a:rPr lang="en-US" sz="1100" b="1" dirty="0"/>
+              <a:t>Create an Instance of the Controller and Inject Dependencies in it. Load the ActionFilter if applied at Controller Level</a:t>
+            </a:r>
+          </a:p>
+        </p:txBody>
+      </p:sp>
+      <p:sp>
+        <p:nvSpPr>
+          <p:cNvPr id="71" name="Down Arrow 70">
+            <a:extLst>
+              <a:ext uri="{FF2B5EF4-FFF2-40B4-BE49-F238E27FC236}">
+                <a16:creationId xmlns:a16="http://schemas.microsoft.com/office/drawing/2014/main" id="{8EC76D3B-BA69-C8FE-3A59-C501ED52C8F3}"/>
+              </a:ext>
+            </a:extLst>
+          </p:cNvPr>
+          <p:cNvSpPr/>
+          <p:nvPr/>
+        </p:nvSpPr>
+        <p:spPr>
+          <a:xfrm>
+            <a:off x="2653872" y="4225910"/>
+            <a:ext cx="178668" cy="231952"/>
+          </a:xfrm>
+          <a:prstGeom prst="downArrow">
+            <a:avLst/>
+          </a:prstGeom>
+        </p:spPr>
+        <p:style>
+          <a:lnRef idx="2">
+            <a:schemeClr val="accent1">
+              <a:shade val="50000"/>
+            </a:schemeClr>
+          </a:lnRef>
+          <a:fillRef idx="1">
+            <a:schemeClr val="accent1"/>
+          </a:fillRef>
+          <a:effectRef idx="0">
+            <a:schemeClr val="accent1"/>
+          </a:effectRef>
+          <a:fontRef idx="minor">
+            <a:schemeClr val="lt1"/>
+          </a:fontRef>
+        </p:style>
+        <p:txBody>
+          <a:bodyPr rtlCol="0" anchor="ctr"/>
+          <a:lstStyle/>
+          <a:p>
+            <a:pPr algn="ctr"/>
+            <a:endParaRPr lang="en-US"/>
+          </a:p>
+        </p:txBody>
+      </p:sp>
+      <p:sp>
+        <p:nvSpPr>
+          <p:cNvPr id="72" name="Rectangle 71">
+            <a:extLst>
+              <a:ext uri="{FF2B5EF4-FFF2-40B4-BE49-F238E27FC236}">
+                <a16:creationId xmlns:a16="http://schemas.microsoft.com/office/drawing/2014/main" id="{2FBA0697-20B2-8ECB-3470-911B3A0F850F}"/>
+              </a:ext>
+            </a:extLst>
+          </p:cNvPr>
+          <p:cNvSpPr/>
+          <p:nvPr/>
+        </p:nvSpPr>
+        <p:spPr>
+          <a:xfrm>
+            <a:off x="3846786" y="3135020"/>
+            <a:ext cx="4876791" cy="463202"/>
+          </a:xfrm>
+          <a:prstGeom prst="rect">
+            <a:avLst/>
+          </a:prstGeom>
+          <a:solidFill>
+            <a:srgbClr val="FFFF00"/>
+          </a:solidFill>
+        </p:spPr>
+        <p:style>
+          <a:lnRef idx="2">
+            <a:schemeClr val="accent1">
+              <a:shade val="50000"/>
+            </a:schemeClr>
+          </a:lnRef>
+          <a:fillRef idx="1">
+            <a:schemeClr val="accent1"/>
+          </a:fillRef>
+          <a:effectRef idx="0">
+            <a:schemeClr val="accent1"/>
+          </a:effectRef>
+          <a:fontRef idx="minor">
+            <a:schemeClr val="lt1"/>
+          </a:fontRef>
+        </p:style>
+        <p:txBody>
+          <a:bodyPr rtlCol="0" anchor="ctr"/>
+          <a:lstStyle/>
+          <a:p>
+            <a:pPr algn="ctr"/>
+            <a:r>
+              <a:rPr lang="en-US" sz="1100" dirty="0">
+                <a:ln w="0"/>
+                <a:solidFill>
+                  <a:schemeClr val="tx1"/>
+                </a:solidFill>
+                <a:effectLst>
+                  <a:outerShdw blurRad="38100" dist="19050" dir="2700000" algn="tl" rotWithShape="0">
+                    <a:schemeClr val="dk1">
+                      <a:alpha val="40000"/>
+                    </a:schemeClr>
+                  </a:outerShdw>
+                </a:effectLst>
+              </a:rPr>
+              <a:t>Read the URL and Get HTTP Request Type (Get/Post/Put/Delete) and with Controller Name (</a:t>
+            </a:r>
+            <a:r>
+              <a:rPr lang="en-US" sz="1100" dirty="0" err="1">
+                <a:ln w="0"/>
+                <a:solidFill>
+                  <a:schemeClr val="tx1"/>
+                </a:solidFill>
+                <a:effectLst>
+                  <a:outerShdw blurRad="38100" dist="19050" dir="2700000" algn="tl" rotWithShape="0">
+                    <a:schemeClr val="dk1">
+                      <a:alpha val="40000"/>
+                    </a:schemeClr>
+                  </a:outerShdw>
+                </a:effectLst>
+              </a:rPr>
+              <a:t>MyController</a:t>
+            </a:r>
+            <a:r>
+              <a:rPr lang="en-US" sz="1100" dirty="0">
+                <a:ln w="0"/>
+                <a:solidFill>
+                  <a:schemeClr val="tx1"/>
+                </a:solidFill>
+                <a:effectLst>
+                  <a:outerShdw blurRad="38100" dist="19050" dir="2700000" algn="tl" rotWithShape="0">
+                    <a:schemeClr val="dk1">
+                      <a:alpha val="40000"/>
+                    </a:schemeClr>
+                  </a:outerShdw>
+                </a:effectLst>
+              </a:rPr>
+              <a:t>)  and its Action Method (</a:t>
+            </a:r>
+            <a:r>
+              <a:rPr lang="en-US" sz="1100" dirty="0" err="1">
+                <a:ln w="0"/>
+                <a:solidFill>
+                  <a:schemeClr val="tx1"/>
+                </a:solidFill>
+                <a:effectLst>
+                  <a:outerShdw blurRad="38100" dist="19050" dir="2700000" algn="tl" rotWithShape="0">
+                    <a:schemeClr val="dk1">
+                      <a:alpha val="40000"/>
+                    </a:schemeClr>
+                  </a:outerShdw>
+                </a:effectLst>
+              </a:rPr>
+              <a:t>MyAc`tion</a:t>
+            </a:r>
+            <a:r>
+              <a:rPr lang="en-US" sz="1100" dirty="0">
+                <a:ln w="0"/>
+                <a:solidFill>
+                  <a:schemeClr val="tx1"/>
+                </a:solidFill>
+                <a:effectLst>
+                  <a:outerShdw blurRad="38100" dist="19050" dir="2700000" algn="tl" rotWithShape="0">
+                    <a:schemeClr val="dk1">
+                      <a:alpha val="40000"/>
+                    </a:schemeClr>
+                  </a:outerShdw>
+                </a:effectLst>
+              </a:rPr>
+              <a:t>) </a:t>
+            </a:r>
+          </a:p>
+        </p:txBody>
+      </p:sp>
+      <p:sp>
+        <p:nvSpPr>
+          <p:cNvPr id="73" name="TextBox 72">
+            <a:extLst>
+              <a:ext uri="{FF2B5EF4-FFF2-40B4-BE49-F238E27FC236}">
+                <a16:creationId xmlns:a16="http://schemas.microsoft.com/office/drawing/2014/main" id="{D35DBC72-3D6B-B977-3543-DC134F0B3C1A}"/>
+              </a:ext>
+            </a:extLst>
+          </p:cNvPr>
+          <p:cNvSpPr txBox="1"/>
+          <p:nvPr/>
+        </p:nvSpPr>
+        <p:spPr>
+          <a:xfrm>
+            <a:off x="1" y="1534929"/>
+            <a:ext cx="1933902" cy="430887"/>
+          </a:xfrm>
+          <a:prstGeom prst="rect">
+            <a:avLst/>
+          </a:prstGeom>
+          <a:noFill/>
+        </p:spPr>
+        <p:txBody>
+          <a:bodyPr wrap="square" rtlCol="0">
+            <a:spAutoFit/>
+          </a:bodyPr>
+          <a:lstStyle/>
+          <a:p>
+            <a:r>
+              <a:rPr lang="en-US" sz="1100" dirty="0"/>
+              <a:t>http://</a:t>
+            </a:r>
+            <a:r>
+              <a:rPr lang="en-US" sz="1100" dirty="0" err="1"/>
+              <a:t>myserver</a:t>
+            </a:r>
+            <a:r>
+              <a:rPr lang="en-US" sz="1100" dirty="0"/>
+              <a:t>/</a:t>
+            </a:r>
+            <a:r>
+              <a:rPr lang="en-US" sz="1100" dirty="0" err="1"/>
+              <a:t>MyController</a:t>
+            </a:r>
+            <a:r>
+              <a:rPr lang="en-US" sz="1100" dirty="0"/>
+              <a:t>/</a:t>
+            </a:r>
+            <a:r>
+              <a:rPr lang="en-US" sz="1100" dirty="0" err="1"/>
+              <a:t>MyAction</a:t>
+            </a:r>
+            <a:endParaRPr lang="en-US" sz="1100" dirty="0"/>
+          </a:p>
+        </p:txBody>
+      </p:sp>
+      <p:cxnSp>
+        <p:nvCxnSpPr>
+          <p:cNvPr id="75" name="Elbow Connector 74">
+            <a:extLst>
+              <a:ext uri="{FF2B5EF4-FFF2-40B4-BE49-F238E27FC236}">
+                <a16:creationId xmlns:a16="http://schemas.microsoft.com/office/drawing/2014/main" id="{A1BBC45C-9A3C-5813-2232-F9CC748798F6}"/>
+              </a:ext>
+            </a:extLst>
+          </p:cNvPr>
+          <p:cNvCxnSpPr>
+            <a:stCxn id="7" idx="2"/>
+            <a:endCxn id="72" idx="3"/>
+          </p:cNvCxnSpPr>
+          <p:nvPr/>
+        </p:nvCxnSpPr>
+        <p:spPr>
+          <a:xfrm rot="5400000">
+            <a:off x="8915210" y="2943388"/>
+            <a:ext cx="231601" cy="614865"/>
+          </a:xfrm>
+          <a:prstGeom prst="bentConnector2">
+            <a:avLst/>
+          </a:prstGeom>
+          <a:ln w="76200">
+            <a:tailEnd type="triangle"/>
+          </a:ln>
+        </p:spPr>
+        <p:style>
+          <a:lnRef idx="1">
+            <a:schemeClr val="accent1"/>
+          </a:lnRef>
+          <a:fillRef idx="0">
+            <a:schemeClr val="accent1"/>
+          </a:fillRef>
+          <a:effectRef idx="0">
+            <a:schemeClr val="accent1"/>
+          </a:effectRef>
+          <a:fontRef idx="minor">
+            <a:schemeClr val="tx1"/>
+          </a:fontRef>
+        </p:style>
+      </p:cxnSp>
+      <p:cxnSp>
+        <p:nvCxnSpPr>
+          <p:cNvPr id="77" name="Elbow Connector 76">
+            <a:extLst>
+              <a:ext uri="{FF2B5EF4-FFF2-40B4-BE49-F238E27FC236}">
+                <a16:creationId xmlns:a16="http://schemas.microsoft.com/office/drawing/2014/main" id="{90035D19-85CB-D29C-5579-082CD065CC85}"/>
+              </a:ext>
+            </a:extLst>
+          </p:cNvPr>
+          <p:cNvCxnSpPr>
+            <a:stCxn id="72" idx="1"/>
+            <a:endCxn id="70" idx="1"/>
+          </p:cNvCxnSpPr>
+          <p:nvPr/>
+        </p:nvCxnSpPr>
+        <p:spPr>
+          <a:xfrm rot="10800000" flipV="1">
+            <a:off x="1933904" y="3366621"/>
+            <a:ext cx="1912883" cy="1526322"/>
+          </a:xfrm>
+          <a:prstGeom prst="bentConnector3">
+            <a:avLst>
+              <a:gd name="adj1" fmla="val 111951"/>
+            </a:avLst>
+          </a:prstGeom>
+          <a:ln w="57150">
+            <a:solidFill>
+              <a:srgbClr val="C00000"/>
+            </a:solidFill>
+            <a:tailEnd type="triangle"/>
+          </a:ln>
+        </p:spPr>
+        <p:style>
+          <a:lnRef idx="1">
+            <a:schemeClr val="accent1"/>
+          </a:lnRef>
+          <a:fillRef idx="0">
+            <a:schemeClr val="accent1"/>
+          </a:fillRef>
+          <a:effectRef idx="0">
+            <a:schemeClr val="accent1"/>
+          </a:effectRef>
+          <a:fontRef idx="minor">
+            <a:schemeClr val="tx1"/>
+          </a:fontRef>
+        </p:style>
+      </p:cxnSp>
+      <p:sp>
+        <p:nvSpPr>
+          <p:cNvPr id="78" name="Rounded Rectangle 77">
+            <a:extLst>
+              <a:ext uri="{FF2B5EF4-FFF2-40B4-BE49-F238E27FC236}">
+                <a16:creationId xmlns:a16="http://schemas.microsoft.com/office/drawing/2014/main" id="{B4BCB92D-316F-61A8-0DC9-A1636AD34043}"/>
+              </a:ext>
+            </a:extLst>
+          </p:cNvPr>
+          <p:cNvSpPr/>
+          <p:nvPr/>
+        </p:nvSpPr>
+        <p:spPr>
+          <a:xfrm>
+            <a:off x="4177865" y="3854202"/>
+            <a:ext cx="1760486" cy="836349"/>
+          </a:xfrm>
+          <a:prstGeom prst="roundRect">
+            <a:avLst/>
+          </a:prstGeom>
+        </p:spPr>
+        <p:style>
+          <a:lnRef idx="0">
+            <a:schemeClr val="accent2"/>
+          </a:lnRef>
+          <a:fillRef idx="3">
+            <a:schemeClr val="accent2"/>
+          </a:fillRef>
+          <a:effectRef idx="3">
+            <a:schemeClr val="accent2"/>
+          </a:effectRef>
+          <a:fontRef idx="minor">
+            <a:schemeClr val="lt1"/>
+          </a:fontRef>
+        </p:style>
+        <p:txBody>
+          <a:bodyPr rtlCol="0" anchor="ctr"/>
+          <a:lstStyle/>
+          <a:p>
+            <a:pPr algn="ctr"/>
+            <a:r>
+              <a:rPr lang="en-US" sz="1100" dirty="0"/>
+              <a:t>Check of the HTTP Request Type and Look for the Action Method and map the Request to Action Method</a:t>
+            </a:r>
+          </a:p>
+        </p:txBody>
+      </p:sp>
+      <p:cxnSp>
+        <p:nvCxnSpPr>
+          <p:cNvPr id="82" name="Elbow Connector 81">
+            <a:extLst>
+              <a:ext uri="{FF2B5EF4-FFF2-40B4-BE49-F238E27FC236}">
+                <a16:creationId xmlns:a16="http://schemas.microsoft.com/office/drawing/2014/main" id="{1451B627-C243-C9B1-0954-DDF053D8027F}"/>
+              </a:ext>
+            </a:extLst>
+          </p:cNvPr>
+          <p:cNvCxnSpPr>
+            <a:cxnSpLocks/>
+            <a:endCxn id="78" idx="1"/>
+          </p:cNvCxnSpPr>
+          <p:nvPr/>
+        </p:nvCxnSpPr>
+        <p:spPr>
+          <a:xfrm rot="5400000" flipH="1" flipV="1">
+            <a:off x="3625843" y="4340923"/>
+            <a:ext cx="620568" cy="483476"/>
+          </a:xfrm>
+          <a:prstGeom prst="bentConnector2">
+            <a:avLst/>
+          </a:prstGeom>
+          <a:ln w="38100">
+            <a:solidFill>
+              <a:srgbClr val="FFFF00"/>
+            </a:solidFill>
+            <a:tailEnd type="triangle"/>
+          </a:ln>
+        </p:spPr>
+        <p:style>
+          <a:lnRef idx="1">
+            <a:schemeClr val="accent1"/>
+          </a:lnRef>
+          <a:fillRef idx="0">
+            <a:schemeClr val="accent1"/>
+          </a:fillRef>
+          <a:effectRef idx="0">
+            <a:schemeClr val="accent1"/>
+          </a:effectRef>
+          <a:fontRef idx="minor">
+            <a:schemeClr val="tx1"/>
+          </a:fontRef>
+        </p:style>
+      </p:cxnSp>
+      <p:sp>
+        <p:nvSpPr>
+          <p:cNvPr id="83" name="Rounded Rectangle 82">
+            <a:extLst>
+              <a:ext uri="{FF2B5EF4-FFF2-40B4-BE49-F238E27FC236}">
+                <a16:creationId xmlns:a16="http://schemas.microsoft.com/office/drawing/2014/main" id="{96B09502-89BE-51B4-A714-CF1BF7F743FB}"/>
+              </a:ext>
+            </a:extLst>
+          </p:cNvPr>
+          <p:cNvSpPr/>
+          <p:nvPr/>
+        </p:nvSpPr>
+        <p:spPr>
+          <a:xfrm>
+            <a:off x="6571594" y="3854202"/>
+            <a:ext cx="1760486" cy="1101311"/>
+          </a:xfrm>
+          <a:prstGeom prst="roundRect">
+            <a:avLst/>
+          </a:prstGeom>
+          <a:solidFill>
+            <a:srgbClr val="92D050"/>
+          </a:solidFill>
+        </p:spPr>
+        <p:style>
+          <a:lnRef idx="0">
+            <a:schemeClr val="accent2"/>
+          </a:lnRef>
+          <a:fillRef idx="3">
+            <a:schemeClr val="accent2"/>
+          </a:fillRef>
+          <a:effectRef idx="3">
+            <a:schemeClr val="accent2"/>
+          </a:effectRef>
+          <a:fontRef idx="minor">
+            <a:schemeClr val="lt1"/>
+          </a:fontRef>
+        </p:style>
+        <p:txBody>
+          <a:bodyPr rtlCol="0" anchor="ctr"/>
+          <a:lstStyle/>
+          <a:p>
+            <a:pPr algn="ctr"/>
+            <a:r>
+              <a:rPr lang="en-US" sz="1100" dirty="0"/>
+              <a:t>ActionExecutingContenxt</a:t>
+            </a:r>
+          </a:p>
+          <a:p>
+            <a:pPr algn="ctr"/>
+            <a:r>
+              <a:rPr lang="en-US" sz="1100" dirty="0">
+                <a:solidFill>
+                  <a:srgbClr val="FFC000"/>
+                </a:solidFill>
+                <a:highlight>
+                  <a:srgbClr val="800000"/>
+                </a:highlight>
+              </a:rPr>
+              <a:t>Check for Security</a:t>
+            </a:r>
+          </a:p>
+          <a:p>
+            <a:pPr algn="ctr"/>
+            <a:r>
+              <a:rPr lang="en-US" sz="1100" dirty="0"/>
+              <a:t>Load and Execute Action Filters if applied on the Action</a:t>
+            </a:r>
+          </a:p>
+          <a:p>
+            <a:pPr algn="ctr"/>
+            <a:endParaRPr lang="en-US" sz="1100" dirty="0"/>
+          </a:p>
+        </p:txBody>
+      </p:sp>
+      <p:cxnSp>
+        <p:nvCxnSpPr>
+          <p:cNvPr id="86" name="Elbow Connector 85">
+            <a:extLst>
+              <a:ext uri="{FF2B5EF4-FFF2-40B4-BE49-F238E27FC236}">
+                <a16:creationId xmlns:a16="http://schemas.microsoft.com/office/drawing/2014/main" id="{6C8BDE25-42CE-6482-5F0D-C4C76E52D4A3}"/>
+              </a:ext>
+            </a:extLst>
+          </p:cNvPr>
+          <p:cNvCxnSpPr>
+            <a:cxnSpLocks/>
+            <a:endCxn id="83" idx="1"/>
+          </p:cNvCxnSpPr>
+          <p:nvPr/>
+        </p:nvCxnSpPr>
+        <p:spPr>
+          <a:xfrm>
+            <a:off x="5938351" y="4269463"/>
+            <a:ext cx="633243" cy="135395"/>
+          </a:xfrm>
+          <a:prstGeom prst="bentConnector3">
+            <a:avLst/>
+          </a:prstGeom>
+          <a:ln w="38100">
+            <a:solidFill>
+              <a:srgbClr val="FFFF00"/>
+            </a:solidFill>
+            <a:tailEnd type="triangle"/>
+          </a:ln>
+        </p:spPr>
+        <p:style>
+          <a:lnRef idx="1">
+            <a:schemeClr val="accent1"/>
+          </a:lnRef>
+          <a:fillRef idx="0">
+            <a:schemeClr val="accent1"/>
+          </a:fillRef>
+          <a:effectRef idx="0">
+            <a:schemeClr val="accent1"/>
+          </a:effectRef>
+          <a:fontRef idx="minor">
+            <a:schemeClr val="tx1"/>
+          </a:fontRef>
+        </p:style>
+      </p:cxnSp>
+      <p:sp>
+        <p:nvSpPr>
+          <p:cNvPr id="87" name="Rounded Rectangle 86">
+            <a:extLst>
+              <a:ext uri="{FF2B5EF4-FFF2-40B4-BE49-F238E27FC236}">
+                <a16:creationId xmlns:a16="http://schemas.microsoft.com/office/drawing/2014/main" id="{11C14E57-39EE-E3BE-3340-3ADF293A5F9A}"/>
+              </a:ext>
+            </a:extLst>
+          </p:cNvPr>
+          <p:cNvSpPr/>
+          <p:nvPr/>
+        </p:nvSpPr>
+        <p:spPr>
+          <a:xfrm>
+            <a:off x="8765628" y="3734268"/>
+            <a:ext cx="2617075" cy="1613065"/>
+          </a:xfrm>
+          <a:prstGeom prst="roundRect">
+            <a:avLst/>
+          </a:prstGeom>
+          <a:solidFill>
+            <a:srgbClr val="7030A0"/>
+          </a:solidFill>
+        </p:spPr>
+        <p:style>
+          <a:lnRef idx="0">
+            <a:schemeClr val="accent2"/>
+          </a:lnRef>
+          <a:fillRef idx="3">
+            <a:schemeClr val="accent2"/>
+          </a:fillRef>
+          <a:effectRef idx="3">
+            <a:schemeClr val="accent2"/>
+          </a:effectRef>
+          <a:fontRef idx="minor">
+            <a:schemeClr val="lt1"/>
+          </a:fontRef>
+        </p:style>
+        <p:txBody>
+          <a:bodyPr rtlCol="0" anchor="ctr"/>
+          <a:lstStyle/>
+          <a:p>
+            <a:pPr algn="ctr"/>
+            <a:r>
+              <a:rPr lang="en-US" sz="1100" dirty="0"/>
+              <a:t>Execute Action Method, </a:t>
+            </a:r>
+            <a:r>
+              <a:rPr lang="en-US" sz="1100" b="1" dirty="0">
+                <a:highlight>
+                  <a:srgbClr val="800000"/>
+                </a:highlight>
+              </a:rPr>
+              <a:t>Validate the Model,</a:t>
+            </a:r>
+            <a:r>
+              <a:rPr lang="en-US" sz="1100" dirty="0"/>
+              <a:t> Call the Repository and Update Model as well as if exception occurs handle it and redirect to Error Page </a:t>
+            </a:r>
+            <a:r>
+              <a:rPr lang="en-US" sz="1100" b="1" dirty="0"/>
+              <a:t>(A)</a:t>
+            </a:r>
+            <a:r>
+              <a:rPr lang="en-US" sz="1100" dirty="0"/>
+              <a:t> or Respond </a:t>
+            </a:r>
+            <a:r>
+              <a:rPr lang="en-US" sz="1100" b="1" dirty="0"/>
+              <a:t>A</a:t>
+            </a:r>
+            <a:r>
+              <a:rPr lang="en-US" sz="1100" dirty="0"/>
+              <a:t> </a:t>
+            </a:r>
+            <a:r>
+              <a:rPr lang="en-US" sz="1100" b="1" dirty="0">
+                <a:highlight>
+                  <a:srgbClr val="00FFFF"/>
+                </a:highlight>
+              </a:rPr>
+              <a:t>View</a:t>
+            </a:r>
+            <a:r>
+              <a:rPr lang="en-US" sz="1100" dirty="0"/>
+              <a:t> or </a:t>
+            </a:r>
+            <a:r>
+              <a:rPr lang="en-US" sz="1100" b="1" dirty="0">
+                <a:highlight>
+                  <a:srgbClr val="800000"/>
+                </a:highlight>
+              </a:rPr>
+              <a:t>Redirect to Action for Same Controller</a:t>
+            </a:r>
+            <a:r>
+              <a:rPr lang="en-US" sz="1100" dirty="0"/>
+              <a:t> or </a:t>
+            </a:r>
+            <a:r>
+              <a:rPr lang="en-US" sz="1100" b="1" dirty="0">
+                <a:highlight>
+                  <a:srgbClr val="FF00FF"/>
+                </a:highlight>
+              </a:rPr>
+              <a:t>Redirect to Action of Different Controller</a:t>
+            </a:r>
+            <a:r>
+              <a:rPr lang="en-US" sz="1100" dirty="0">
+                <a:highlight>
+                  <a:srgbClr val="FF00FF"/>
+                </a:highlight>
+              </a:rPr>
+              <a:t> . </a:t>
+            </a:r>
+          </a:p>
+          <a:p>
+            <a:pPr algn="ctr"/>
+            <a:endParaRPr lang="en-US" sz="1100" dirty="0"/>
+          </a:p>
+          <a:p>
+            <a:pPr algn="ctr"/>
+            <a:r>
+              <a:rPr lang="en-US" sz="1100" dirty="0" err="1"/>
+              <a:t>ActionExecutedContext</a:t>
+            </a:r>
+            <a:endParaRPr lang="en-US" sz="1100" dirty="0"/>
+          </a:p>
+        </p:txBody>
+      </p:sp>
+      <p:cxnSp>
+        <p:nvCxnSpPr>
+          <p:cNvPr id="89" name="Elbow Connector 88">
+            <a:extLst>
+              <a:ext uri="{FF2B5EF4-FFF2-40B4-BE49-F238E27FC236}">
+                <a16:creationId xmlns:a16="http://schemas.microsoft.com/office/drawing/2014/main" id="{2898EF5B-9F7D-D0C9-8865-946B3FEBE2F2}"/>
+              </a:ext>
+            </a:extLst>
+          </p:cNvPr>
+          <p:cNvCxnSpPr>
+            <a:cxnSpLocks/>
+            <a:stCxn id="83" idx="3"/>
+            <a:endCxn id="87" idx="1"/>
+          </p:cNvCxnSpPr>
+          <p:nvPr/>
+        </p:nvCxnSpPr>
+        <p:spPr>
+          <a:xfrm>
+            <a:off x="8332080" y="4404858"/>
+            <a:ext cx="433548" cy="135943"/>
+          </a:xfrm>
+          <a:prstGeom prst="bentConnector3">
+            <a:avLst/>
+          </a:prstGeom>
+          <a:ln w="38100">
+            <a:solidFill>
+              <a:srgbClr val="FFFF00"/>
+            </a:solidFill>
+            <a:tailEnd type="triangle"/>
+          </a:ln>
+        </p:spPr>
+        <p:style>
+          <a:lnRef idx="1">
+            <a:schemeClr val="accent1"/>
+          </a:lnRef>
+          <a:fillRef idx="0">
+            <a:schemeClr val="accent1"/>
+          </a:fillRef>
+          <a:effectRef idx="0">
+            <a:schemeClr val="accent1"/>
+          </a:effectRef>
+          <a:fontRef idx="minor">
+            <a:schemeClr val="tx1"/>
+          </a:fontRef>
+        </p:style>
+      </p:cxnSp>
+      <p:cxnSp>
+        <p:nvCxnSpPr>
+          <p:cNvPr id="91" name="Elbow Connector 90">
+            <a:extLst>
+              <a:ext uri="{FF2B5EF4-FFF2-40B4-BE49-F238E27FC236}">
+                <a16:creationId xmlns:a16="http://schemas.microsoft.com/office/drawing/2014/main" id="{76CB4013-E034-F97D-31ED-FDA6893614F6}"/>
+              </a:ext>
+            </a:extLst>
+          </p:cNvPr>
+          <p:cNvCxnSpPr>
+            <a:cxnSpLocks/>
+            <a:stCxn id="87" idx="2"/>
+          </p:cNvCxnSpPr>
+          <p:nvPr/>
+        </p:nvCxnSpPr>
+        <p:spPr>
+          <a:xfrm rot="16200000" flipH="1">
+            <a:off x="10460169" y="4961330"/>
+            <a:ext cx="200198" cy="972204"/>
+          </a:xfrm>
+          <a:prstGeom prst="bentConnector2">
+            <a:avLst/>
+          </a:prstGeom>
+          <a:ln w="76200">
+            <a:solidFill>
+              <a:srgbClr val="FFFF00"/>
+            </a:solidFill>
+            <a:tailEnd type="triangle"/>
+          </a:ln>
+        </p:spPr>
+        <p:style>
+          <a:lnRef idx="1">
+            <a:schemeClr val="accent1"/>
+          </a:lnRef>
+          <a:fillRef idx="0">
+            <a:schemeClr val="accent1"/>
+          </a:fillRef>
+          <a:effectRef idx="0">
+            <a:schemeClr val="accent1"/>
+          </a:effectRef>
+          <a:fontRef idx="minor">
+            <a:schemeClr val="tx1"/>
+          </a:fontRef>
+        </p:style>
+      </p:cxnSp>
+      <p:sp>
+        <p:nvSpPr>
+          <p:cNvPr id="93" name="Oval 92">
+            <a:extLst>
+              <a:ext uri="{FF2B5EF4-FFF2-40B4-BE49-F238E27FC236}">
+                <a16:creationId xmlns:a16="http://schemas.microsoft.com/office/drawing/2014/main" id="{DB22CC69-F3BB-6DCC-11D5-74250E9FB5E6}"/>
+              </a:ext>
+            </a:extLst>
+          </p:cNvPr>
+          <p:cNvSpPr/>
+          <p:nvPr/>
+        </p:nvSpPr>
+        <p:spPr>
+          <a:xfrm>
+            <a:off x="11067392" y="5347334"/>
+            <a:ext cx="315312" cy="406029"/>
+          </a:xfrm>
+          <a:prstGeom prst="ellipse">
+            <a:avLst/>
+          </a:prstGeom>
+        </p:spPr>
+        <p:style>
+          <a:lnRef idx="2">
+            <a:schemeClr val="accent1">
+              <a:shade val="50000"/>
+            </a:schemeClr>
+          </a:lnRef>
+          <a:fillRef idx="1">
+            <a:schemeClr val="accent1"/>
+          </a:fillRef>
+          <a:effectRef idx="0">
+            <a:schemeClr val="accent1"/>
+          </a:effectRef>
+          <a:fontRef idx="minor">
+            <a:schemeClr val="lt1"/>
+          </a:fontRef>
+        </p:style>
+        <p:txBody>
+          <a:bodyPr rtlCol="0" anchor="ctr"/>
+          <a:lstStyle/>
+          <a:p>
+            <a:pPr algn="ctr"/>
+            <a:r>
+              <a:rPr lang="en-US" b="1" dirty="0"/>
+              <a:t>A</a:t>
+            </a:r>
+          </a:p>
+        </p:txBody>
+      </p:sp>
+      <p:sp>
+        <p:nvSpPr>
+          <p:cNvPr id="94" name="TextBox 93">
+            <a:extLst>
+              <a:ext uri="{FF2B5EF4-FFF2-40B4-BE49-F238E27FC236}">
+                <a16:creationId xmlns:a16="http://schemas.microsoft.com/office/drawing/2014/main" id="{2BAB30B7-3A6E-9416-B2CD-5AB3287AF27E}"/>
+              </a:ext>
+            </a:extLst>
+          </p:cNvPr>
+          <p:cNvSpPr txBox="1"/>
+          <p:nvPr/>
+        </p:nvSpPr>
+        <p:spPr>
+          <a:xfrm>
+            <a:off x="0" y="105103"/>
+            <a:ext cx="1471448" cy="1015663"/>
+          </a:xfrm>
+          <a:prstGeom prst="rect">
+            <a:avLst/>
+          </a:prstGeom>
+          <a:noFill/>
+        </p:spPr>
+        <p:txBody>
+          <a:bodyPr wrap="square" rtlCol="0">
+            <a:spAutoFit/>
+          </a:bodyPr>
+          <a:lstStyle/>
+          <a:p>
+            <a:r>
+              <a:rPr lang="en-US" sz="1000" dirty="0"/>
+              <a:t>A: Error Response</a:t>
+            </a:r>
+          </a:p>
+          <a:p>
+            <a:r>
+              <a:rPr lang="en-US" sz="1000" dirty="0"/>
+              <a:t>D: File Response, JSON, any other Custom Response (Directly Resources are executed e.g. Download File) </a:t>
+            </a:r>
+          </a:p>
+        </p:txBody>
+      </p:sp>
+      <p:sp>
+        <p:nvSpPr>
+          <p:cNvPr id="102" name="Rounded Rectangle 101">
+            <a:extLst>
+              <a:ext uri="{FF2B5EF4-FFF2-40B4-BE49-F238E27FC236}">
+                <a16:creationId xmlns:a16="http://schemas.microsoft.com/office/drawing/2014/main" id="{3EEE5188-B3BC-D380-34F9-0DC89B177D62}"/>
+              </a:ext>
+            </a:extLst>
+          </p:cNvPr>
+          <p:cNvSpPr/>
+          <p:nvPr/>
+        </p:nvSpPr>
+        <p:spPr>
+          <a:xfrm>
+            <a:off x="6434959" y="4955514"/>
+            <a:ext cx="2194034" cy="928901"/>
+          </a:xfrm>
+          <a:prstGeom prst="roundRect">
+            <a:avLst/>
+          </a:prstGeom>
+        </p:spPr>
+        <p:style>
+          <a:lnRef idx="2">
+            <a:schemeClr val="accent1">
+              <a:shade val="50000"/>
+            </a:schemeClr>
+          </a:lnRef>
+          <a:fillRef idx="1">
+            <a:schemeClr val="accent1"/>
+          </a:fillRef>
+          <a:effectRef idx="0">
+            <a:schemeClr val="accent1"/>
+          </a:effectRef>
+          <a:fontRef idx="minor">
+            <a:schemeClr val="lt1"/>
+          </a:fontRef>
+        </p:style>
+        <p:txBody>
+          <a:bodyPr rtlCol="0" anchor="ctr"/>
+          <a:lstStyle/>
+          <a:p>
+            <a:pPr algn="ctr"/>
+            <a:r>
+              <a:rPr lang="en-US" sz="1100" b="1" dirty="0"/>
+              <a:t>If Action of Same Controller Then Go To B</a:t>
+            </a:r>
+          </a:p>
+          <a:p>
+            <a:pPr algn="ctr"/>
+            <a:endParaRPr lang="en-US" sz="1100" b="1" dirty="0"/>
+          </a:p>
+          <a:p>
+            <a:pPr algn="ctr"/>
+            <a:r>
+              <a:rPr lang="en-US" sz="1100" b="1" dirty="0"/>
+              <a:t>If Action from Different Controller then Go To C</a:t>
+            </a:r>
+          </a:p>
+          <a:p>
+            <a:pPr algn="ctr"/>
+            <a:endParaRPr lang="en-US" sz="1100" b="1" dirty="0"/>
+          </a:p>
+        </p:txBody>
+      </p:sp>
+      <p:sp>
+        <p:nvSpPr>
+          <p:cNvPr id="104" name="Oval 103">
+            <a:extLst>
+              <a:ext uri="{FF2B5EF4-FFF2-40B4-BE49-F238E27FC236}">
+                <a16:creationId xmlns:a16="http://schemas.microsoft.com/office/drawing/2014/main" id="{B565C200-FA93-8009-D86D-ACA86FAED923}"/>
+              </a:ext>
+            </a:extLst>
+          </p:cNvPr>
+          <p:cNvSpPr/>
+          <p:nvPr/>
+        </p:nvSpPr>
+        <p:spPr>
+          <a:xfrm>
+            <a:off x="8016769" y="4461529"/>
+            <a:ext cx="315312" cy="406029"/>
+          </a:xfrm>
+          <a:prstGeom prst="ellipse">
+            <a:avLst/>
+          </a:prstGeom>
+        </p:spPr>
+        <p:style>
+          <a:lnRef idx="2">
+            <a:schemeClr val="accent1">
+              <a:shade val="50000"/>
+            </a:schemeClr>
+          </a:lnRef>
+          <a:fillRef idx="1">
+            <a:schemeClr val="accent1"/>
+          </a:fillRef>
+          <a:effectRef idx="0">
+            <a:schemeClr val="accent1"/>
+          </a:effectRef>
+          <a:fontRef idx="minor">
+            <a:schemeClr val="lt1"/>
+          </a:fontRef>
+        </p:style>
+        <p:txBody>
+          <a:bodyPr rtlCol="0" anchor="ctr"/>
+          <a:lstStyle/>
+          <a:p>
+            <a:pPr algn="ctr"/>
+            <a:r>
+              <a:rPr lang="en-US" b="1" dirty="0"/>
+              <a:t>B</a:t>
+            </a:r>
+          </a:p>
+        </p:txBody>
+      </p:sp>
+      <p:sp>
+        <p:nvSpPr>
+          <p:cNvPr id="105" name="Oval 104">
+            <a:extLst>
+              <a:ext uri="{FF2B5EF4-FFF2-40B4-BE49-F238E27FC236}">
+                <a16:creationId xmlns:a16="http://schemas.microsoft.com/office/drawing/2014/main" id="{F8752AE3-7091-A08E-3C2C-B2F92F6D8E67}"/>
+              </a:ext>
+            </a:extLst>
+          </p:cNvPr>
+          <p:cNvSpPr/>
+          <p:nvPr/>
+        </p:nvSpPr>
+        <p:spPr>
+          <a:xfrm>
+            <a:off x="1928647" y="3859946"/>
+            <a:ext cx="315312" cy="406029"/>
+          </a:xfrm>
+          <a:prstGeom prst="ellipse">
+            <a:avLst/>
+          </a:prstGeom>
+        </p:spPr>
+        <p:style>
+          <a:lnRef idx="2">
+            <a:schemeClr val="accent1">
+              <a:shade val="50000"/>
+            </a:schemeClr>
+          </a:lnRef>
+          <a:fillRef idx="1">
+            <a:schemeClr val="accent1"/>
+          </a:fillRef>
+          <a:effectRef idx="0">
+            <a:schemeClr val="accent1"/>
+          </a:effectRef>
+          <a:fontRef idx="minor">
+            <a:schemeClr val="lt1"/>
+          </a:fontRef>
+        </p:style>
+        <p:txBody>
+          <a:bodyPr rtlCol="0" anchor="ctr"/>
+          <a:lstStyle/>
+          <a:p>
+            <a:pPr algn="ctr"/>
+            <a:r>
+              <a:rPr lang="en-US" b="1" dirty="0"/>
+              <a:t>C</a:t>
+            </a:r>
+          </a:p>
+        </p:txBody>
+      </p:sp>
+      <p:sp>
+        <p:nvSpPr>
+          <p:cNvPr id="106" name="Rounded Rectangle 105">
+            <a:extLst>
+              <a:ext uri="{FF2B5EF4-FFF2-40B4-BE49-F238E27FC236}">
+                <a16:creationId xmlns:a16="http://schemas.microsoft.com/office/drawing/2014/main" id="{B8F5A5CF-92BD-95F7-B5BA-29C5794A0D8B}"/>
+              </a:ext>
+            </a:extLst>
+          </p:cNvPr>
+          <p:cNvSpPr/>
+          <p:nvPr/>
+        </p:nvSpPr>
+        <p:spPr>
+          <a:xfrm>
+            <a:off x="3314694" y="5618205"/>
+            <a:ext cx="3025652" cy="928901"/>
+          </a:xfrm>
+          <a:prstGeom prst="roundRect">
+            <a:avLst/>
+          </a:prstGeom>
+          <a:solidFill>
+            <a:srgbClr val="92D050"/>
+          </a:solidFill>
+        </p:spPr>
+        <p:style>
+          <a:lnRef idx="0">
+            <a:schemeClr val="accent2"/>
+          </a:lnRef>
+          <a:fillRef idx="3">
+            <a:schemeClr val="accent2"/>
+          </a:fillRef>
+          <a:effectRef idx="3">
+            <a:schemeClr val="accent2"/>
+          </a:effectRef>
+          <a:fontRef idx="minor">
+            <a:schemeClr val="lt1"/>
+          </a:fontRef>
+        </p:style>
+        <p:txBody>
+          <a:bodyPr rtlCol="0" anchor="ctr"/>
+          <a:lstStyle/>
+          <a:p>
+            <a:pPr algn="ctr"/>
+            <a:r>
+              <a:rPr lang="en-US" sz="1100" dirty="0"/>
+              <a:t>If Response is View Then Look for View, If found, then Instantiate and Evaluate a Model Object Passed to View, then execute all </a:t>
+            </a:r>
+            <a:r>
+              <a:rPr lang="en-US" sz="1100" b="1" dirty="0"/>
+              <a:t>TAG-HELPER, </a:t>
+            </a:r>
+            <a:r>
+              <a:rPr lang="en-US" sz="1100" dirty="0"/>
+              <a:t>then generate a HTML Response</a:t>
+            </a:r>
+          </a:p>
+        </p:txBody>
+      </p:sp>
+      <p:cxnSp>
+        <p:nvCxnSpPr>
+          <p:cNvPr id="108" name="Straight Arrow Connector 107">
+            <a:extLst>
+              <a:ext uri="{FF2B5EF4-FFF2-40B4-BE49-F238E27FC236}">
+                <a16:creationId xmlns:a16="http://schemas.microsoft.com/office/drawing/2014/main" id="{5D9BD2F5-F4EE-A645-8767-B65FD457710B}"/>
+              </a:ext>
+            </a:extLst>
+          </p:cNvPr>
+          <p:cNvCxnSpPr>
+            <a:stCxn id="106" idx="1"/>
+            <a:endCxn id="17" idx="3"/>
+          </p:cNvCxnSpPr>
+          <p:nvPr/>
+        </p:nvCxnSpPr>
+        <p:spPr>
+          <a:xfrm flipH="1">
+            <a:off x="1650124" y="6082656"/>
+            <a:ext cx="1664570" cy="2835"/>
+          </a:xfrm>
+          <a:prstGeom prst="straightConnector1">
+            <a:avLst/>
+          </a:prstGeom>
+          <a:ln w="76200">
+            <a:solidFill>
+              <a:srgbClr val="C00000"/>
+            </a:solidFill>
+            <a:tailEnd type="triangle"/>
+          </a:ln>
+        </p:spPr>
+        <p:style>
+          <a:lnRef idx="1">
+            <a:schemeClr val="accent1"/>
+          </a:lnRef>
+          <a:fillRef idx="0">
+            <a:schemeClr val="accent1"/>
+          </a:fillRef>
+          <a:effectRef idx="0">
+            <a:schemeClr val="accent1"/>
+          </a:effectRef>
+          <a:fontRef idx="minor">
+            <a:schemeClr val="tx1"/>
+          </a:fontRef>
+        </p:style>
+      </p:cxnSp>
+      <p:cxnSp>
+        <p:nvCxnSpPr>
+          <p:cNvPr id="110" name="Elbow Connector 109">
+            <a:extLst>
+              <a:ext uri="{FF2B5EF4-FFF2-40B4-BE49-F238E27FC236}">
+                <a16:creationId xmlns:a16="http://schemas.microsoft.com/office/drawing/2014/main" id="{846E7311-411B-EE20-7C61-BD2904684942}"/>
+              </a:ext>
+            </a:extLst>
+          </p:cNvPr>
+          <p:cNvCxnSpPr>
+            <a:stCxn id="87" idx="2"/>
+          </p:cNvCxnSpPr>
+          <p:nvPr/>
+        </p:nvCxnSpPr>
+        <p:spPr>
+          <a:xfrm rot="5400000">
+            <a:off x="7825039" y="3862640"/>
+            <a:ext cx="764434" cy="3733820"/>
+          </a:xfrm>
+          <a:prstGeom prst="bentConnector2">
+            <a:avLst/>
+          </a:prstGeom>
+          <a:ln w="76200">
+            <a:solidFill>
+              <a:srgbClr val="FFFF00"/>
+            </a:solidFill>
+            <a:tailEnd type="triangle"/>
+          </a:ln>
+        </p:spPr>
+        <p:style>
+          <a:lnRef idx="1">
+            <a:schemeClr val="accent1"/>
+          </a:lnRef>
+          <a:fillRef idx="0">
+            <a:schemeClr val="accent1"/>
+          </a:fillRef>
+          <a:effectRef idx="0">
+            <a:schemeClr val="accent1"/>
+          </a:effectRef>
+          <a:fontRef idx="minor">
+            <a:schemeClr val="tx1"/>
+          </a:fontRef>
+        </p:style>
+      </p:cxnSp>
+      <p:cxnSp>
+        <p:nvCxnSpPr>
+          <p:cNvPr id="112" name="Elbow Connector 111">
+            <a:extLst>
+              <a:ext uri="{FF2B5EF4-FFF2-40B4-BE49-F238E27FC236}">
+                <a16:creationId xmlns:a16="http://schemas.microsoft.com/office/drawing/2014/main" id="{F782A31E-1487-9354-C43C-DC2244A38122}"/>
+              </a:ext>
+            </a:extLst>
+          </p:cNvPr>
+          <p:cNvCxnSpPr>
+            <a:stCxn id="87" idx="2"/>
+          </p:cNvCxnSpPr>
+          <p:nvPr/>
+        </p:nvCxnSpPr>
+        <p:spPr>
+          <a:xfrm rot="16200000" flipH="1">
+            <a:off x="10174110" y="5247389"/>
+            <a:ext cx="772316" cy="972204"/>
+          </a:xfrm>
+          <a:prstGeom prst="bentConnector2">
+            <a:avLst/>
+          </a:prstGeom>
+          <a:ln w="76200">
+            <a:solidFill>
+              <a:srgbClr val="FFFF00"/>
+            </a:solidFill>
+            <a:tailEnd type="triangle"/>
+          </a:ln>
+        </p:spPr>
+        <p:style>
+          <a:lnRef idx="1">
+            <a:schemeClr val="accent1"/>
+          </a:lnRef>
+          <a:fillRef idx="0">
+            <a:schemeClr val="accent1"/>
+          </a:fillRef>
+          <a:effectRef idx="0">
+            <a:schemeClr val="accent1"/>
+          </a:effectRef>
+          <a:fontRef idx="minor">
+            <a:schemeClr val="tx1"/>
+          </a:fontRef>
+        </p:style>
+      </p:cxnSp>
+      <p:sp>
+        <p:nvSpPr>
+          <p:cNvPr id="113" name="Oval 112">
+            <a:extLst>
+              <a:ext uri="{FF2B5EF4-FFF2-40B4-BE49-F238E27FC236}">
+                <a16:creationId xmlns:a16="http://schemas.microsoft.com/office/drawing/2014/main" id="{17EF037F-CE74-780B-CCF5-0078D1DC313D}"/>
+              </a:ext>
+            </a:extLst>
+          </p:cNvPr>
+          <p:cNvSpPr/>
+          <p:nvPr/>
+        </p:nvSpPr>
+        <p:spPr>
+          <a:xfrm>
+            <a:off x="11046370" y="5891834"/>
+            <a:ext cx="578072" cy="439527"/>
+          </a:xfrm>
+          <a:prstGeom prst="ellipse">
+            <a:avLst/>
+          </a:prstGeom>
+        </p:spPr>
+        <p:style>
+          <a:lnRef idx="2">
+            <a:schemeClr val="accent1">
+              <a:shade val="50000"/>
+            </a:schemeClr>
+          </a:lnRef>
+          <a:fillRef idx="1">
+            <a:schemeClr val="accent1"/>
+          </a:fillRef>
+          <a:effectRef idx="0">
+            <a:schemeClr val="accent1"/>
+          </a:effectRef>
+          <a:fontRef idx="minor">
+            <a:schemeClr val="lt1"/>
+          </a:fontRef>
+        </p:style>
+        <p:txBody>
+          <a:bodyPr rtlCol="0" anchor="ctr"/>
+          <a:lstStyle/>
+          <a:p>
+            <a:pPr algn="ctr"/>
+            <a:r>
+              <a:rPr lang="en-US" b="1" dirty="0"/>
+              <a:t>D</a:t>
+            </a:r>
+          </a:p>
+        </p:txBody>
+      </p:sp>
+    </p:spTree>
+    <p:extLst>
+      <p:ext uri="{BB962C8B-B14F-4D97-AF65-F5344CB8AC3E}">
+        <p14:creationId xmlns:p14="http://schemas.microsoft.com/office/powerpoint/2010/main" val="582538604"/>
+      </p:ext>
+    </p:extLst>
+  </p:cSld>
+  <p:clrMapOvr>
+    <a:masterClrMapping/>
+  </p:clrMapOvr>
+</p:sld>
+</file>
+
+<file path=ppt/slides/slide21.xml><?xml version="1.0" encoding="utf-8"?>
+<p:sld xmlns:a="http://schemas.openxmlformats.org/drawingml/2006/main" xmlns:r="http://schemas.openxmlformats.org/officeDocument/2006/relationships" xmlns:p="http://schemas.openxmlformats.org/presentationml/2006/main">
+  <p:cSld>
+    <p:spTree>
+      <p:nvGrpSpPr>
+        <p:cNvPr id="1" name=""/>
+        <p:cNvGrpSpPr/>
+        <p:nvPr/>
+      </p:nvGrpSpPr>
+      <p:grpSpPr>
+        <a:xfrm>
+          <a:off x="0" y="0"/>
+          <a:ext cx="0" cy="0"/>
+          <a:chOff x="0" y="0"/>
+          <a:chExt cx="0" cy="0"/>
+        </a:xfrm>
+      </p:grpSpPr>
+      <p:sp>
+        <p:nvSpPr>
+          <p:cNvPr id="8" name="Rectangle 7">
+            <a:extLst>
+              <a:ext uri="{FF2B5EF4-FFF2-40B4-BE49-F238E27FC236}">
+                <a16:creationId xmlns:a16="http://schemas.microsoft.com/office/drawing/2014/main" id="{634C55C1-8751-8844-881A-18C9AC9A7909}"/>
+              </a:ext>
+            </a:extLst>
+          </p:cNvPr>
+          <p:cNvSpPr/>
+          <p:nvPr/>
+        </p:nvSpPr>
+        <p:spPr>
+          <a:xfrm>
+            <a:off x="4813738" y="578069"/>
+            <a:ext cx="6011917" cy="5270937"/>
+          </a:xfrm>
+          <a:prstGeom prst="rect">
+            <a:avLst/>
+          </a:prstGeom>
+        </p:spPr>
+        <p:style>
+          <a:lnRef idx="2">
+            <a:schemeClr val="accent6"/>
+          </a:lnRef>
+          <a:fillRef idx="1">
+            <a:schemeClr val="lt1"/>
+          </a:fillRef>
+          <a:effectRef idx="0">
+            <a:schemeClr val="accent6"/>
+          </a:effectRef>
+          <a:fontRef idx="minor">
+            <a:schemeClr val="dk1"/>
+          </a:fontRef>
+        </p:style>
+        <p:txBody>
+          <a:bodyPr rtlCol="0" anchor="ctr"/>
+          <a:lstStyle/>
+          <a:p>
+            <a:pPr algn="ctr"/>
+            <a:endParaRPr lang="en-US"/>
+          </a:p>
+        </p:txBody>
+      </p:sp>
+      <p:sp>
+        <p:nvSpPr>
+          <p:cNvPr id="2" name="Rectangle 1">
+            <a:extLst>
+              <a:ext uri="{FF2B5EF4-FFF2-40B4-BE49-F238E27FC236}">
+                <a16:creationId xmlns:a16="http://schemas.microsoft.com/office/drawing/2014/main" id="{B243A2BA-19B6-D6C2-FE40-C573DD21877A}"/>
+              </a:ext>
+            </a:extLst>
+          </p:cNvPr>
+          <p:cNvSpPr/>
+          <p:nvPr/>
+        </p:nvSpPr>
+        <p:spPr>
+          <a:xfrm>
+            <a:off x="4908332" y="1008994"/>
+            <a:ext cx="4214648" cy="1502979"/>
+          </a:xfrm>
+          <a:prstGeom prst="rect">
+            <a:avLst/>
+          </a:prstGeom>
+        </p:spPr>
+        <p:style>
+          <a:lnRef idx="2">
+            <a:schemeClr val="accent1">
+              <a:shade val="50000"/>
+            </a:schemeClr>
+          </a:lnRef>
+          <a:fillRef idx="1">
+            <a:schemeClr val="accent1"/>
+          </a:fillRef>
+          <a:effectRef idx="0">
+            <a:schemeClr val="accent1"/>
+          </a:effectRef>
+          <a:fontRef idx="minor">
+            <a:schemeClr val="lt1"/>
+          </a:fontRef>
+        </p:style>
+        <p:txBody>
+          <a:bodyPr rtlCol="0" anchor="ctr"/>
+          <a:lstStyle/>
+          <a:p>
+            <a:pPr algn="ctr"/>
+            <a:r>
+              <a:rPr lang="en-US" b="1" dirty="0"/>
+              <a:t>Controller 1</a:t>
+            </a:r>
+          </a:p>
+          <a:p>
+            <a:pPr algn="ctr"/>
+            <a:endParaRPr lang="en-US" b="1" dirty="0"/>
+          </a:p>
+          <a:p>
+            <a:pPr algn="ctr"/>
+            <a:r>
+              <a:rPr lang="en-US" b="1" dirty="0"/>
+              <a:t>Action1()</a:t>
+            </a:r>
+          </a:p>
+        </p:txBody>
+      </p:sp>
+      <p:sp>
+        <p:nvSpPr>
+          <p:cNvPr id="3" name="Rectangle 2">
+            <a:extLst>
+              <a:ext uri="{FF2B5EF4-FFF2-40B4-BE49-F238E27FC236}">
+                <a16:creationId xmlns:a16="http://schemas.microsoft.com/office/drawing/2014/main" id="{90ED86B9-2947-8BD8-CEC9-9B44C0508CBC}"/>
+              </a:ext>
+            </a:extLst>
+          </p:cNvPr>
+          <p:cNvSpPr/>
+          <p:nvPr/>
+        </p:nvSpPr>
+        <p:spPr>
+          <a:xfrm>
+            <a:off x="4908332" y="3683877"/>
+            <a:ext cx="4214648" cy="1502979"/>
+          </a:xfrm>
+          <a:prstGeom prst="rect">
+            <a:avLst/>
+          </a:prstGeom>
+        </p:spPr>
+        <p:style>
+          <a:lnRef idx="2">
+            <a:schemeClr val="accent1">
+              <a:shade val="50000"/>
+            </a:schemeClr>
+          </a:lnRef>
+          <a:fillRef idx="1">
+            <a:schemeClr val="accent1"/>
+          </a:fillRef>
+          <a:effectRef idx="0">
+            <a:schemeClr val="accent1"/>
+          </a:effectRef>
+          <a:fontRef idx="minor">
+            <a:schemeClr val="lt1"/>
+          </a:fontRef>
+        </p:style>
+        <p:txBody>
+          <a:bodyPr rtlCol="0" anchor="ctr"/>
+          <a:lstStyle/>
+          <a:p>
+            <a:pPr algn="ctr"/>
+            <a:r>
+              <a:rPr lang="en-US" b="1" dirty="0"/>
+              <a:t>Controller 2</a:t>
+            </a:r>
+          </a:p>
+          <a:p>
+            <a:pPr algn="ctr"/>
+            <a:endParaRPr lang="en-US" b="1" dirty="0"/>
+          </a:p>
+          <a:p>
+            <a:pPr algn="ctr"/>
+            <a:r>
+              <a:rPr lang="en-US" b="1" dirty="0"/>
+              <a:t>Action1()</a:t>
+            </a:r>
+          </a:p>
+        </p:txBody>
+      </p:sp>
+      <p:sp>
+        <p:nvSpPr>
+          <p:cNvPr id="4" name="Right Arrow 3">
+            <a:extLst>
+              <a:ext uri="{FF2B5EF4-FFF2-40B4-BE49-F238E27FC236}">
+                <a16:creationId xmlns:a16="http://schemas.microsoft.com/office/drawing/2014/main" id="{EB8291D2-F22E-E9B1-7304-D13405CBC83D}"/>
+              </a:ext>
+            </a:extLst>
+          </p:cNvPr>
+          <p:cNvSpPr/>
+          <p:nvPr/>
+        </p:nvSpPr>
+        <p:spPr>
+          <a:xfrm>
+            <a:off x="357352" y="1124607"/>
+            <a:ext cx="4550980" cy="1061545"/>
+          </a:xfrm>
+          <a:prstGeom prst="rightArrow">
+            <a:avLst/>
+          </a:prstGeom>
+        </p:spPr>
+        <p:style>
+          <a:lnRef idx="2">
+            <a:schemeClr val="accent1">
+              <a:shade val="50000"/>
+            </a:schemeClr>
+          </a:lnRef>
+          <a:fillRef idx="1">
+            <a:schemeClr val="accent1"/>
+          </a:fillRef>
+          <a:effectRef idx="0">
+            <a:schemeClr val="accent1"/>
+          </a:effectRef>
+          <a:fontRef idx="minor">
+            <a:schemeClr val="lt1"/>
+          </a:fontRef>
+        </p:style>
+        <p:txBody>
+          <a:bodyPr rtlCol="0" anchor="ctr"/>
+          <a:lstStyle/>
+          <a:p>
+            <a:pPr algn="ctr"/>
+            <a:r>
+              <a:rPr lang="en-US" b="1" dirty="0"/>
+              <a:t>Request</a:t>
+            </a:r>
+          </a:p>
+        </p:txBody>
+      </p:sp>
+      <p:sp>
+        <p:nvSpPr>
+          <p:cNvPr id="5" name="Curved Left Arrow 4">
+            <a:extLst>
+              <a:ext uri="{FF2B5EF4-FFF2-40B4-BE49-F238E27FC236}">
+                <a16:creationId xmlns:a16="http://schemas.microsoft.com/office/drawing/2014/main" id="{8BA849BF-838C-CF85-368D-875DEEA4B28D}"/>
+              </a:ext>
+            </a:extLst>
+          </p:cNvPr>
+          <p:cNvSpPr/>
+          <p:nvPr/>
+        </p:nvSpPr>
+        <p:spPr>
+          <a:xfrm>
+            <a:off x="9122980" y="1849821"/>
+            <a:ext cx="1555530" cy="3163613"/>
+          </a:xfrm>
+          <a:prstGeom prst="curvedLeftArrow">
+            <a:avLst/>
+          </a:prstGeom>
+          <a:solidFill>
+            <a:srgbClr val="7030A0"/>
+          </a:solidFill>
+        </p:spPr>
+        <p:style>
+          <a:lnRef idx="2">
+            <a:schemeClr val="accent1">
+              <a:shade val="50000"/>
+            </a:schemeClr>
+          </a:lnRef>
+          <a:fillRef idx="1">
+            <a:schemeClr val="accent1"/>
+          </a:fillRef>
+          <a:effectRef idx="0">
+            <a:schemeClr val="accent1"/>
+          </a:effectRef>
+          <a:fontRef idx="minor">
+            <a:schemeClr val="lt1"/>
+          </a:fontRef>
+        </p:style>
+        <p:txBody>
+          <a:bodyPr rtlCol="0" anchor="ctr"/>
+          <a:lstStyle/>
+          <a:p>
+            <a:pPr algn="ctr"/>
+            <a:endParaRPr lang="en-US">
+              <a:solidFill>
+                <a:schemeClr val="tx1"/>
+              </a:solidFill>
+            </a:endParaRPr>
+          </a:p>
+        </p:txBody>
+      </p:sp>
+      <p:sp>
+        <p:nvSpPr>
+          <p:cNvPr id="6" name="TextBox 5">
+            <a:extLst>
+              <a:ext uri="{FF2B5EF4-FFF2-40B4-BE49-F238E27FC236}">
+                <a16:creationId xmlns:a16="http://schemas.microsoft.com/office/drawing/2014/main" id="{998B72D0-E2E4-C9B6-127F-B1804BAD94BF}"/>
+              </a:ext>
+            </a:extLst>
+          </p:cNvPr>
+          <p:cNvSpPr txBox="1"/>
+          <p:nvPr/>
+        </p:nvSpPr>
+        <p:spPr>
+          <a:xfrm>
+            <a:off x="6096000" y="2511973"/>
+            <a:ext cx="2270233" cy="1200329"/>
+          </a:xfrm>
+          <a:prstGeom prst="rect">
+            <a:avLst/>
+          </a:prstGeom>
+          <a:noFill/>
+        </p:spPr>
+        <p:txBody>
+          <a:bodyPr wrap="square" rtlCol="0">
+            <a:spAutoFit/>
+          </a:bodyPr>
+          <a:lstStyle/>
+          <a:p>
+            <a:r>
+              <a:rPr lang="en-US" dirty="0"/>
+              <a:t>Action1() from Controller1 will return Action1() from Controller2</a:t>
+            </a:r>
+          </a:p>
+        </p:txBody>
+      </p:sp>
+      <p:sp>
+        <p:nvSpPr>
+          <p:cNvPr id="7" name="Left Arrow 6">
+            <a:extLst>
+              <a:ext uri="{FF2B5EF4-FFF2-40B4-BE49-F238E27FC236}">
+                <a16:creationId xmlns:a16="http://schemas.microsoft.com/office/drawing/2014/main" id="{88616AF4-4409-606C-439B-9F464652D6D5}"/>
+              </a:ext>
+            </a:extLst>
+          </p:cNvPr>
+          <p:cNvSpPr/>
+          <p:nvPr/>
+        </p:nvSpPr>
+        <p:spPr>
+          <a:xfrm>
+            <a:off x="357352" y="3962400"/>
+            <a:ext cx="4550980" cy="1124607"/>
+          </a:xfrm>
+          <a:prstGeom prst="leftArrow">
+            <a:avLst/>
+          </a:prstGeom>
+        </p:spPr>
+        <p:style>
+          <a:lnRef idx="2">
+            <a:schemeClr val="accent1">
+              <a:shade val="50000"/>
+            </a:schemeClr>
+          </a:lnRef>
+          <a:fillRef idx="1">
+            <a:schemeClr val="accent1"/>
+          </a:fillRef>
+          <a:effectRef idx="0">
+            <a:schemeClr val="accent1"/>
+          </a:effectRef>
+          <a:fontRef idx="minor">
+            <a:schemeClr val="lt1"/>
+          </a:fontRef>
+        </p:style>
+        <p:txBody>
+          <a:bodyPr rtlCol="0" anchor="ctr"/>
+          <a:lstStyle/>
+          <a:p>
+            <a:pPr algn="ctr"/>
+            <a:r>
+              <a:rPr lang="en-US" b="1" dirty="0"/>
+              <a:t>Response</a:t>
+            </a:r>
+          </a:p>
+        </p:txBody>
+      </p:sp>
+      <p:sp>
+        <p:nvSpPr>
+          <p:cNvPr id="9" name="TextBox 8">
+            <a:extLst>
+              <a:ext uri="{FF2B5EF4-FFF2-40B4-BE49-F238E27FC236}">
+                <a16:creationId xmlns:a16="http://schemas.microsoft.com/office/drawing/2014/main" id="{BE36BFB5-0C48-DA40-EE75-3682F099B074}"/>
+              </a:ext>
+            </a:extLst>
+          </p:cNvPr>
+          <p:cNvSpPr txBox="1"/>
+          <p:nvPr/>
+        </p:nvSpPr>
+        <p:spPr>
+          <a:xfrm>
+            <a:off x="8492359" y="126124"/>
+            <a:ext cx="1408386" cy="369332"/>
+          </a:xfrm>
+          <a:prstGeom prst="rect">
+            <a:avLst/>
+          </a:prstGeom>
+          <a:noFill/>
+        </p:spPr>
+        <p:txBody>
+          <a:bodyPr wrap="square" rtlCol="0">
+            <a:spAutoFit/>
+          </a:bodyPr>
+          <a:lstStyle/>
+          <a:p>
+            <a:r>
+              <a:rPr lang="en-US" dirty="0"/>
+              <a:t>Hosting Env.</a:t>
+            </a:r>
+          </a:p>
+        </p:txBody>
+      </p:sp>
+      <p:sp>
+        <p:nvSpPr>
+          <p:cNvPr id="10" name="TextBox 9">
+            <a:extLst>
+              <a:ext uri="{FF2B5EF4-FFF2-40B4-BE49-F238E27FC236}">
+                <a16:creationId xmlns:a16="http://schemas.microsoft.com/office/drawing/2014/main" id="{0B0D00E3-1053-4D86-EEAD-297C296AAD34}"/>
+              </a:ext>
+            </a:extLst>
+          </p:cNvPr>
+          <p:cNvSpPr txBox="1"/>
+          <p:nvPr/>
+        </p:nvSpPr>
+        <p:spPr>
+          <a:xfrm>
+            <a:off x="115614" y="126124"/>
+            <a:ext cx="3647089" cy="369332"/>
+          </a:xfrm>
+          <a:prstGeom prst="rect">
+            <a:avLst/>
+          </a:prstGeom>
+          <a:noFill/>
+        </p:spPr>
+        <p:txBody>
+          <a:bodyPr wrap="square" rtlCol="0">
+            <a:spAutoFit/>
+          </a:bodyPr>
+          <a:lstStyle/>
+          <a:p>
+            <a:r>
+              <a:rPr lang="en-US" dirty="0"/>
+              <a:t>Sharing Data Across Controllers</a:t>
+            </a:r>
+          </a:p>
+        </p:txBody>
+      </p:sp>
+    </p:spTree>
+    <p:extLst>
+      <p:ext uri="{BB962C8B-B14F-4D97-AF65-F5344CB8AC3E}">
+        <p14:creationId xmlns:p14="http://schemas.microsoft.com/office/powerpoint/2010/main" val="2582892546"/>
+      </p:ext>
+    </p:extLst>
+  </p:cSld>
+  <p:clrMapOvr>
+    <a:masterClrMapping/>
+  </p:clrMapOvr>
+</p:sld>
+</file>
+
+<file path=ppt/slides/slide22.xml><?xml version="1.0" encoding="utf-8"?>
+<p:sld xmlns:a="http://schemas.openxmlformats.org/drawingml/2006/main" xmlns:r="http://schemas.openxmlformats.org/officeDocument/2006/relationships" xmlns:p="http://schemas.openxmlformats.org/presentationml/2006/main">
+  <p:cSld>
+    <p:spTree>
+      <p:nvGrpSpPr>
+        <p:cNvPr id="1" name=""/>
+        <p:cNvGrpSpPr/>
+        <p:nvPr/>
+      </p:nvGrpSpPr>
+      <p:grpSpPr>
+        <a:xfrm>
+          <a:off x="0" y="0"/>
+          <a:ext cx="0" cy="0"/>
+          <a:chOff x="0" y="0"/>
+          <a:chExt cx="0" cy="0"/>
+        </a:xfrm>
+      </p:grpSpPr>
+      <p:sp>
+        <p:nvSpPr>
+          <p:cNvPr id="8" name="Rectangle 7">
+            <a:extLst>
+              <a:ext uri="{FF2B5EF4-FFF2-40B4-BE49-F238E27FC236}">
+                <a16:creationId xmlns:a16="http://schemas.microsoft.com/office/drawing/2014/main" id="{634C55C1-8751-8844-881A-18C9AC9A7909}"/>
+              </a:ext>
+            </a:extLst>
+          </p:cNvPr>
+          <p:cNvSpPr/>
+          <p:nvPr/>
+        </p:nvSpPr>
+        <p:spPr>
+          <a:xfrm>
+            <a:off x="4813738" y="578069"/>
+            <a:ext cx="6011917" cy="5270937"/>
+          </a:xfrm>
+          <a:prstGeom prst="rect">
+            <a:avLst/>
+          </a:prstGeom>
+        </p:spPr>
+        <p:style>
+          <a:lnRef idx="2">
+            <a:schemeClr val="accent6"/>
+          </a:lnRef>
+          <a:fillRef idx="1">
+            <a:schemeClr val="lt1"/>
+          </a:fillRef>
+          <a:effectRef idx="0">
+            <a:schemeClr val="accent6"/>
+          </a:effectRef>
+          <a:fontRef idx="minor">
+            <a:schemeClr val="dk1"/>
+          </a:fontRef>
+        </p:style>
+        <p:txBody>
+          <a:bodyPr rtlCol="0" anchor="ctr"/>
+          <a:lstStyle/>
+          <a:p>
+            <a:pPr algn="ctr"/>
+            <a:endParaRPr lang="en-US"/>
+          </a:p>
+        </p:txBody>
+      </p:sp>
+      <p:sp>
+        <p:nvSpPr>
+          <p:cNvPr id="2" name="Rectangle 1">
+            <a:extLst>
+              <a:ext uri="{FF2B5EF4-FFF2-40B4-BE49-F238E27FC236}">
+                <a16:creationId xmlns:a16="http://schemas.microsoft.com/office/drawing/2014/main" id="{B243A2BA-19B6-D6C2-FE40-C573DD21877A}"/>
+              </a:ext>
+            </a:extLst>
+          </p:cNvPr>
+          <p:cNvSpPr/>
+          <p:nvPr/>
+        </p:nvSpPr>
+        <p:spPr>
+          <a:xfrm>
+            <a:off x="4908332" y="1008994"/>
+            <a:ext cx="4214648" cy="1502979"/>
+          </a:xfrm>
+          <a:prstGeom prst="rect">
+            <a:avLst/>
+          </a:prstGeom>
+        </p:spPr>
+        <p:style>
+          <a:lnRef idx="2">
+            <a:schemeClr val="accent1">
+              <a:shade val="50000"/>
+            </a:schemeClr>
+          </a:lnRef>
+          <a:fillRef idx="1">
+            <a:schemeClr val="accent1"/>
+          </a:fillRef>
+          <a:effectRef idx="0">
+            <a:schemeClr val="accent1"/>
+          </a:effectRef>
+          <a:fontRef idx="minor">
+            <a:schemeClr val="lt1"/>
+          </a:fontRef>
+        </p:style>
+        <p:txBody>
+          <a:bodyPr rtlCol="0" anchor="ctr"/>
+          <a:lstStyle/>
+          <a:p>
+            <a:pPr algn="ctr"/>
+            <a:r>
+              <a:rPr lang="en-US" b="1" dirty="0"/>
+              <a:t>Controller 1</a:t>
+            </a:r>
+          </a:p>
+          <a:p>
+            <a:pPr algn="ctr"/>
+            <a:endParaRPr lang="en-US" b="1" dirty="0"/>
+          </a:p>
+          <a:p>
+            <a:pPr algn="ctr"/>
+            <a:r>
+              <a:rPr lang="en-US" b="1" dirty="0"/>
+              <a:t>Action1()</a:t>
+            </a:r>
+          </a:p>
+        </p:txBody>
+      </p:sp>
+      <p:sp>
+        <p:nvSpPr>
+          <p:cNvPr id="3" name="Rectangle 2">
+            <a:extLst>
+              <a:ext uri="{FF2B5EF4-FFF2-40B4-BE49-F238E27FC236}">
+                <a16:creationId xmlns:a16="http://schemas.microsoft.com/office/drawing/2014/main" id="{90ED86B9-2947-8BD8-CEC9-9B44C0508CBC}"/>
+              </a:ext>
+            </a:extLst>
+          </p:cNvPr>
+          <p:cNvSpPr/>
+          <p:nvPr/>
+        </p:nvSpPr>
+        <p:spPr>
+          <a:xfrm>
+            <a:off x="4908332" y="3683877"/>
+            <a:ext cx="4214648" cy="1502979"/>
+          </a:xfrm>
+          <a:prstGeom prst="rect">
+            <a:avLst/>
+          </a:prstGeom>
+        </p:spPr>
+        <p:style>
+          <a:lnRef idx="2">
+            <a:schemeClr val="accent1">
+              <a:shade val="50000"/>
+            </a:schemeClr>
+          </a:lnRef>
+          <a:fillRef idx="1">
+            <a:schemeClr val="accent1"/>
+          </a:fillRef>
+          <a:effectRef idx="0">
+            <a:schemeClr val="accent1"/>
+          </a:effectRef>
+          <a:fontRef idx="minor">
+            <a:schemeClr val="lt1"/>
+          </a:fontRef>
+        </p:style>
+        <p:txBody>
+          <a:bodyPr rtlCol="0" anchor="ctr"/>
+          <a:lstStyle/>
+          <a:p>
+            <a:pPr algn="ctr"/>
+            <a:r>
+              <a:rPr lang="en-US" b="1" dirty="0"/>
+              <a:t>Controller 2</a:t>
+            </a:r>
+          </a:p>
+          <a:p>
+            <a:pPr algn="ctr"/>
+            <a:endParaRPr lang="en-US" b="1" dirty="0"/>
+          </a:p>
+          <a:p>
+            <a:pPr algn="ctr"/>
+            <a:r>
+              <a:rPr lang="en-US" b="1" dirty="0"/>
+              <a:t>Action1()</a:t>
+            </a:r>
+          </a:p>
+        </p:txBody>
+      </p:sp>
+      <p:sp>
+        <p:nvSpPr>
+          <p:cNvPr id="4" name="Right Arrow 3">
+            <a:extLst>
+              <a:ext uri="{FF2B5EF4-FFF2-40B4-BE49-F238E27FC236}">
+                <a16:creationId xmlns:a16="http://schemas.microsoft.com/office/drawing/2014/main" id="{EB8291D2-F22E-E9B1-7304-D13405CBC83D}"/>
+              </a:ext>
+            </a:extLst>
+          </p:cNvPr>
+          <p:cNvSpPr/>
+          <p:nvPr/>
+        </p:nvSpPr>
+        <p:spPr>
+          <a:xfrm>
+            <a:off x="357352" y="1124607"/>
+            <a:ext cx="4550980" cy="1061545"/>
+          </a:xfrm>
+          <a:prstGeom prst="rightArrow">
+            <a:avLst/>
+          </a:prstGeom>
+        </p:spPr>
+        <p:style>
+          <a:lnRef idx="2">
+            <a:schemeClr val="accent1">
+              <a:shade val="50000"/>
+            </a:schemeClr>
+          </a:lnRef>
+          <a:fillRef idx="1">
+            <a:schemeClr val="accent1"/>
+          </a:fillRef>
+          <a:effectRef idx="0">
+            <a:schemeClr val="accent1"/>
+          </a:effectRef>
+          <a:fontRef idx="minor">
+            <a:schemeClr val="lt1"/>
+          </a:fontRef>
+        </p:style>
+        <p:txBody>
+          <a:bodyPr rtlCol="0" anchor="ctr"/>
+          <a:lstStyle/>
+          <a:p>
+            <a:pPr algn="ctr"/>
+            <a:r>
+              <a:rPr lang="en-US" b="1" dirty="0"/>
+              <a:t>Request</a:t>
+            </a:r>
+          </a:p>
+        </p:txBody>
+      </p:sp>
+      <p:sp>
+        <p:nvSpPr>
+          <p:cNvPr id="6" name="TextBox 5">
+            <a:extLst>
+              <a:ext uri="{FF2B5EF4-FFF2-40B4-BE49-F238E27FC236}">
+                <a16:creationId xmlns:a16="http://schemas.microsoft.com/office/drawing/2014/main" id="{998B72D0-E2E4-C9B6-127F-B1804BAD94BF}"/>
+              </a:ext>
+            </a:extLst>
+          </p:cNvPr>
+          <p:cNvSpPr txBox="1"/>
+          <p:nvPr/>
+        </p:nvSpPr>
+        <p:spPr>
+          <a:xfrm>
+            <a:off x="6096000" y="2511973"/>
+            <a:ext cx="2270233" cy="1200329"/>
+          </a:xfrm>
+          <a:prstGeom prst="rect">
+            <a:avLst/>
+          </a:prstGeom>
+          <a:noFill/>
+        </p:spPr>
+        <p:txBody>
+          <a:bodyPr wrap="square" rtlCol="0">
+            <a:spAutoFit/>
+          </a:bodyPr>
+          <a:lstStyle/>
+          <a:p>
+            <a:r>
+              <a:rPr lang="en-US" dirty="0"/>
+              <a:t>Action1() from Controller1 will return Action1() from Controller2</a:t>
+            </a:r>
+          </a:p>
+        </p:txBody>
+      </p:sp>
+      <p:sp>
+        <p:nvSpPr>
+          <p:cNvPr id="7" name="Left Arrow 6">
+            <a:extLst>
+              <a:ext uri="{FF2B5EF4-FFF2-40B4-BE49-F238E27FC236}">
+                <a16:creationId xmlns:a16="http://schemas.microsoft.com/office/drawing/2014/main" id="{88616AF4-4409-606C-439B-9F464652D6D5}"/>
+              </a:ext>
+            </a:extLst>
+          </p:cNvPr>
+          <p:cNvSpPr/>
+          <p:nvPr/>
+        </p:nvSpPr>
+        <p:spPr>
+          <a:xfrm>
+            <a:off x="357352" y="3962400"/>
+            <a:ext cx="4550980" cy="1124607"/>
+          </a:xfrm>
+          <a:prstGeom prst="leftArrow">
+            <a:avLst/>
+          </a:prstGeom>
+        </p:spPr>
+        <p:style>
+          <a:lnRef idx="2">
+            <a:schemeClr val="accent1">
+              <a:shade val="50000"/>
+            </a:schemeClr>
+          </a:lnRef>
+          <a:fillRef idx="1">
+            <a:schemeClr val="accent1"/>
+          </a:fillRef>
+          <a:effectRef idx="0">
+            <a:schemeClr val="accent1"/>
+          </a:effectRef>
+          <a:fontRef idx="minor">
+            <a:schemeClr val="lt1"/>
+          </a:fontRef>
+        </p:style>
+        <p:txBody>
+          <a:bodyPr rtlCol="0" anchor="ctr"/>
+          <a:lstStyle/>
+          <a:p>
+            <a:pPr algn="ctr"/>
+            <a:r>
+              <a:rPr lang="en-US" b="1" dirty="0"/>
+              <a:t>Response</a:t>
+            </a:r>
+          </a:p>
+        </p:txBody>
+      </p:sp>
+      <p:sp>
+        <p:nvSpPr>
+          <p:cNvPr id="9" name="TextBox 8">
+            <a:extLst>
+              <a:ext uri="{FF2B5EF4-FFF2-40B4-BE49-F238E27FC236}">
+                <a16:creationId xmlns:a16="http://schemas.microsoft.com/office/drawing/2014/main" id="{BE36BFB5-0C48-DA40-EE75-3682F099B074}"/>
+              </a:ext>
+            </a:extLst>
+          </p:cNvPr>
+          <p:cNvSpPr txBox="1"/>
+          <p:nvPr/>
+        </p:nvSpPr>
+        <p:spPr>
+          <a:xfrm>
+            <a:off x="8492359" y="126124"/>
+            <a:ext cx="1408386" cy="369332"/>
+          </a:xfrm>
+          <a:prstGeom prst="rect">
+            <a:avLst/>
+          </a:prstGeom>
+          <a:noFill/>
+        </p:spPr>
+        <p:txBody>
+          <a:bodyPr wrap="square" rtlCol="0">
+            <a:spAutoFit/>
+          </a:bodyPr>
+          <a:lstStyle/>
+          <a:p>
+            <a:r>
+              <a:rPr lang="en-US" dirty="0"/>
+              <a:t>Hosting Env.</a:t>
+            </a:r>
+          </a:p>
+        </p:txBody>
+      </p:sp>
+      <p:sp>
+        <p:nvSpPr>
+          <p:cNvPr id="10" name="TextBox 9">
+            <a:extLst>
+              <a:ext uri="{FF2B5EF4-FFF2-40B4-BE49-F238E27FC236}">
+                <a16:creationId xmlns:a16="http://schemas.microsoft.com/office/drawing/2014/main" id="{0B0D00E3-1053-4D86-EEAD-297C296AAD34}"/>
+              </a:ext>
+            </a:extLst>
+          </p:cNvPr>
+          <p:cNvSpPr txBox="1"/>
+          <p:nvPr/>
+        </p:nvSpPr>
+        <p:spPr>
+          <a:xfrm>
+            <a:off x="115614" y="126124"/>
+            <a:ext cx="3647089" cy="923330"/>
+          </a:xfrm>
+          <a:prstGeom prst="rect">
+            <a:avLst/>
+          </a:prstGeom>
+          <a:noFill/>
+        </p:spPr>
+        <p:txBody>
+          <a:bodyPr wrap="square" rtlCol="0">
+            <a:spAutoFit/>
+          </a:bodyPr>
+          <a:lstStyle/>
+          <a:p>
+            <a:r>
+              <a:rPr lang="en-US" dirty="0"/>
+              <a:t>Sharing Data Across Controllers</a:t>
+            </a:r>
+          </a:p>
+          <a:p>
+            <a:endParaRPr lang="en-US" dirty="0"/>
+          </a:p>
+          <a:p>
+            <a:r>
+              <a:rPr lang="en-US" dirty="0"/>
+              <a:t>Using </a:t>
+            </a:r>
+            <a:r>
+              <a:rPr lang="en-US" dirty="0" err="1"/>
+              <a:t>TempData</a:t>
+            </a:r>
+            <a:endParaRPr lang="en-US" dirty="0"/>
+          </a:p>
+        </p:txBody>
+      </p:sp>
+      <p:sp>
+        <p:nvSpPr>
+          <p:cNvPr id="11" name="Can 10">
+            <a:extLst>
+              <a:ext uri="{FF2B5EF4-FFF2-40B4-BE49-F238E27FC236}">
+                <a16:creationId xmlns:a16="http://schemas.microsoft.com/office/drawing/2014/main" id="{EF796633-A976-D987-A7B1-17AF35265B54}"/>
+              </a:ext>
+            </a:extLst>
+          </p:cNvPr>
+          <p:cNvSpPr/>
+          <p:nvPr/>
+        </p:nvSpPr>
+        <p:spPr>
+          <a:xfrm>
+            <a:off x="9364717" y="2406869"/>
+            <a:ext cx="1387366" cy="1277008"/>
+          </a:xfrm>
+          <a:prstGeom prst="can">
+            <a:avLst/>
+          </a:prstGeom>
+        </p:spPr>
+        <p:style>
+          <a:lnRef idx="2">
+            <a:schemeClr val="accent1">
+              <a:shade val="50000"/>
+            </a:schemeClr>
+          </a:lnRef>
+          <a:fillRef idx="1">
+            <a:schemeClr val="accent1"/>
+          </a:fillRef>
+          <a:effectRef idx="0">
+            <a:schemeClr val="accent1"/>
+          </a:effectRef>
+          <a:fontRef idx="minor">
+            <a:schemeClr val="lt1"/>
+          </a:fontRef>
+        </p:style>
+        <p:txBody>
+          <a:bodyPr rtlCol="0" anchor="ctr"/>
+          <a:lstStyle/>
+          <a:p>
+            <a:pPr algn="ctr"/>
+            <a:r>
+              <a:rPr lang="en-US" b="1" dirty="0"/>
+              <a:t>Temp</a:t>
+            </a:r>
+          </a:p>
+          <a:p>
+            <a:pPr algn="ctr"/>
+            <a:r>
+              <a:rPr lang="en-US" b="1" dirty="0"/>
+              <a:t>Data </a:t>
+            </a:r>
+          </a:p>
+          <a:p>
+            <a:pPr algn="ctr"/>
+            <a:r>
+              <a:rPr lang="en-US" b="1"/>
+              <a:t>Storage</a:t>
+            </a:r>
+          </a:p>
+        </p:txBody>
+      </p:sp>
+    </p:spTree>
+    <p:extLst>
+      <p:ext uri="{BB962C8B-B14F-4D97-AF65-F5344CB8AC3E}">
+        <p14:creationId xmlns:p14="http://schemas.microsoft.com/office/powerpoint/2010/main" val="2678548419"/>
       </p:ext>
     </p:extLst>
   </p:cSld>

--- a/mbaspnetcore6/MB_Training_Images.pptx
+++ b/mbaspnetcore6/MB_Training_Images.pptx
@@ -27,6 +27,15 @@
     <p:sldId id="275" r:id="rId21"/>
     <p:sldId id="276" r:id="rId22"/>
     <p:sldId id="277" r:id="rId23"/>
+    <p:sldId id="280" r:id="rId24"/>
+    <p:sldId id="278" r:id="rId25"/>
+    <p:sldId id="279" r:id="rId26"/>
+    <p:sldId id="281" r:id="rId27"/>
+    <p:sldId id="282" r:id="rId28"/>
+    <p:sldId id="283" r:id="rId29"/>
+    <p:sldId id="284" r:id="rId30"/>
+    <p:sldId id="285" r:id="rId31"/>
+    <p:sldId id="286" r:id="rId32"/>
   </p:sldIdLst>
   <p:sldSz cx="12192000" cy="6858000"/>
   <p:notesSz cx="6858000" cy="9144000"/>
@@ -280,7 +289,7 @@
           <a:p>
             <a:fld id="{7EAE8DEA-61CA-412C-9D6E-50DA161E193E}" type="datetimeFigureOut">
               <a:rPr lang="en-US" smtClean="0"/>
-              <a:t>8/22/22</a:t>
+              <a:t>8/23/22</a:t>
             </a:fld>
             <a:endParaRPr lang="en-US"/>
           </a:p>
@@ -478,7 +487,7 @@
           <a:p>
             <a:fld id="{7EAE8DEA-61CA-412C-9D6E-50DA161E193E}" type="datetimeFigureOut">
               <a:rPr lang="en-US" smtClean="0"/>
-              <a:t>8/22/22</a:t>
+              <a:t>8/23/22</a:t>
             </a:fld>
             <a:endParaRPr lang="en-US"/>
           </a:p>
@@ -686,7 +695,7 @@
           <a:p>
             <a:fld id="{7EAE8DEA-61CA-412C-9D6E-50DA161E193E}" type="datetimeFigureOut">
               <a:rPr lang="en-US" smtClean="0"/>
-              <a:t>8/22/22</a:t>
+              <a:t>8/23/22</a:t>
             </a:fld>
             <a:endParaRPr lang="en-US"/>
           </a:p>
@@ -884,7 +893,7 @@
           <a:p>
             <a:fld id="{7EAE8DEA-61CA-412C-9D6E-50DA161E193E}" type="datetimeFigureOut">
               <a:rPr lang="en-US" smtClean="0"/>
-              <a:t>8/22/22</a:t>
+              <a:t>8/23/22</a:t>
             </a:fld>
             <a:endParaRPr lang="en-US"/>
           </a:p>
@@ -1159,7 +1168,7 @@
           <a:p>
             <a:fld id="{7EAE8DEA-61CA-412C-9D6E-50DA161E193E}" type="datetimeFigureOut">
               <a:rPr lang="en-US" smtClean="0"/>
-              <a:t>8/22/22</a:t>
+              <a:t>8/23/22</a:t>
             </a:fld>
             <a:endParaRPr lang="en-US"/>
           </a:p>
@@ -1424,7 +1433,7 @@
           <a:p>
             <a:fld id="{7EAE8DEA-61CA-412C-9D6E-50DA161E193E}" type="datetimeFigureOut">
               <a:rPr lang="en-US" smtClean="0"/>
-              <a:t>8/22/22</a:t>
+              <a:t>8/23/22</a:t>
             </a:fld>
             <a:endParaRPr lang="en-US"/>
           </a:p>
@@ -1836,7 +1845,7 @@
           <a:p>
             <a:fld id="{7EAE8DEA-61CA-412C-9D6E-50DA161E193E}" type="datetimeFigureOut">
               <a:rPr lang="en-US" smtClean="0"/>
-              <a:t>8/22/22</a:t>
+              <a:t>8/23/22</a:t>
             </a:fld>
             <a:endParaRPr lang="en-US"/>
           </a:p>
@@ -1977,7 +1986,7 @@
           <a:p>
             <a:fld id="{7EAE8DEA-61CA-412C-9D6E-50DA161E193E}" type="datetimeFigureOut">
               <a:rPr lang="en-US" smtClean="0"/>
-              <a:t>8/22/22</a:t>
+              <a:t>8/23/22</a:t>
             </a:fld>
             <a:endParaRPr lang="en-US"/>
           </a:p>
@@ -2090,7 +2099,7 @@
           <a:p>
             <a:fld id="{7EAE8DEA-61CA-412C-9D6E-50DA161E193E}" type="datetimeFigureOut">
               <a:rPr lang="en-US" smtClean="0"/>
-              <a:t>8/22/22</a:t>
+              <a:t>8/23/22</a:t>
             </a:fld>
             <a:endParaRPr lang="en-US"/>
           </a:p>
@@ -2401,7 +2410,7 @@
           <a:p>
             <a:fld id="{7EAE8DEA-61CA-412C-9D6E-50DA161E193E}" type="datetimeFigureOut">
               <a:rPr lang="en-US" smtClean="0"/>
-              <a:t>8/22/22</a:t>
+              <a:t>8/23/22</a:t>
             </a:fld>
             <a:endParaRPr lang="en-US"/>
           </a:p>
@@ -2689,7 +2698,7 @@
           <a:p>
             <a:fld id="{7EAE8DEA-61CA-412C-9D6E-50DA161E193E}" type="datetimeFigureOut">
               <a:rPr lang="en-US" smtClean="0"/>
-              <a:t>8/22/22</a:t>
+              <a:t>8/23/22</a:t>
             </a:fld>
             <a:endParaRPr lang="en-US"/>
           </a:p>
@@ -2930,7 +2939,7 @@
           <a:p>
             <a:fld id="{7EAE8DEA-61CA-412C-9D6E-50DA161E193E}" type="datetimeFigureOut">
               <a:rPr lang="en-US" smtClean="0"/>
-              <a:t>8/22/22</a:t>
+              <a:t>8/23/22</a:t>
             </a:fld>
             <a:endParaRPr lang="en-US"/>
           </a:p>
@@ -15582,31 +15591,4679 @@
           <a:lstStyle/>
           <a:p>
             <a:pPr algn="ctr"/>
-            <a:r>
-              <a:rPr lang="en-US" b="1" dirty="0"/>
+            <a:endParaRPr lang="en-US" sz="1400" b="1"/>
+          </a:p>
+          <a:p>
+            <a:pPr algn="ctr"/>
+            <a:r>
+              <a:rPr lang="en-US" sz="1400" b="1"/>
               <a:t>Temp</a:t>
             </a:r>
-          </a:p>
-          <a:p>
-            <a:pPr algn="ctr"/>
-            <a:r>
-              <a:rPr lang="en-US" b="1" dirty="0"/>
+            <a:endParaRPr lang="en-US" sz="1400" b="1" dirty="0"/>
+          </a:p>
+          <a:p>
+            <a:pPr algn="ctr"/>
+            <a:r>
+              <a:rPr lang="en-US" sz="1400" b="1" dirty="0"/>
               <a:t>Data </a:t>
             </a:r>
           </a:p>
           <a:p>
             <a:pPr algn="ctr"/>
             <a:r>
-              <a:rPr lang="en-US" b="1"/>
+              <a:rPr lang="en-US" sz="1400" b="1" dirty="0"/>
               <a:t>Storage</a:t>
             </a:r>
           </a:p>
-        </p:txBody>
-      </p:sp>
+          <a:p>
+            <a:pPr algn="ctr"/>
+            <a:r>
+              <a:rPr lang="en-US" sz="1400" b="1" dirty="0" err="1"/>
+              <a:t>Key:Value</a:t>
+            </a:r>
+            <a:endParaRPr lang="en-US" sz="1400" b="1" dirty="0"/>
+          </a:p>
+        </p:txBody>
+      </p:sp>
+      <p:cxnSp>
+        <p:nvCxnSpPr>
+          <p:cNvPr id="13" name="Elbow Connector 12">
+            <a:extLst>
+              <a:ext uri="{FF2B5EF4-FFF2-40B4-BE49-F238E27FC236}">
+                <a16:creationId xmlns:a16="http://schemas.microsoft.com/office/drawing/2014/main" id="{B68C70CB-C218-68CB-EF53-25119C0C18CE}"/>
+              </a:ext>
+            </a:extLst>
+          </p:cNvPr>
+          <p:cNvCxnSpPr>
+            <a:stCxn id="2" idx="3"/>
+            <a:endCxn id="11" idx="1"/>
+          </p:cNvCxnSpPr>
+          <p:nvPr/>
+        </p:nvCxnSpPr>
+        <p:spPr>
+          <a:xfrm>
+            <a:off x="9122980" y="1760484"/>
+            <a:ext cx="935420" cy="646385"/>
+          </a:xfrm>
+          <a:prstGeom prst="bentConnector2">
+            <a:avLst/>
+          </a:prstGeom>
+          <a:ln w="76200">
+            <a:solidFill>
+              <a:srgbClr val="7030A0"/>
+            </a:solidFill>
+            <a:tailEnd type="triangle"/>
+          </a:ln>
+        </p:spPr>
+        <p:style>
+          <a:lnRef idx="1">
+            <a:schemeClr val="accent1"/>
+          </a:lnRef>
+          <a:fillRef idx="0">
+            <a:schemeClr val="accent1"/>
+          </a:fillRef>
+          <a:effectRef idx="0">
+            <a:schemeClr val="accent1"/>
+          </a:effectRef>
+          <a:fontRef idx="minor">
+            <a:schemeClr val="tx1"/>
+          </a:fontRef>
+        </p:style>
+      </p:cxnSp>
+      <p:cxnSp>
+        <p:nvCxnSpPr>
+          <p:cNvPr id="17" name="Elbow Connector 16">
+            <a:extLst>
+              <a:ext uri="{FF2B5EF4-FFF2-40B4-BE49-F238E27FC236}">
+                <a16:creationId xmlns:a16="http://schemas.microsoft.com/office/drawing/2014/main" id="{2D1B6494-FFFC-132F-B8CC-3AF85BBD0DD6}"/>
+              </a:ext>
+            </a:extLst>
+          </p:cNvPr>
+          <p:cNvCxnSpPr>
+            <a:endCxn id="3" idx="3"/>
+          </p:cNvCxnSpPr>
+          <p:nvPr/>
+        </p:nvCxnSpPr>
+        <p:spPr>
+          <a:xfrm rot="10800000" flipV="1">
+            <a:off x="9122981" y="3683877"/>
+            <a:ext cx="966951" cy="751490"/>
+          </a:xfrm>
+          <a:prstGeom prst="bentConnector3">
+            <a:avLst>
+              <a:gd name="adj1" fmla="val 0"/>
+            </a:avLst>
+          </a:prstGeom>
+          <a:ln w="76200">
+            <a:solidFill>
+              <a:srgbClr val="7030A0"/>
+            </a:solidFill>
+            <a:tailEnd type="triangle"/>
+          </a:ln>
+        </p:spPr>
+        <p:style>
+          <a:lnRef idx="1">
+            <a:schemeClr val="accent1"/>
+          </a:lnRef>
+          <a:fillRef idx="0">
+            <a:schemeClr val="accent1"/>
+          </a:fillRef>
+          <a:effectRef idx="0">
+            <a:schemeClr val="accent1"/>
+          </a:effectRef>
+          <a:fontRef idx="minor">
+            <a:schemeClr val="tx1"/>
+          </a:fontRef>
+        </p:style>
+      </p:cxnSp>
     </p:spTree>
     <p:extLst>
       <p:ext uri="{BB962C8B-B14F-4D97-AF65-F5344CB8AC3E}">
         <p14:creationId xmlns:p14="http://schemas.microsoft.com/office/powerpoint/2010/main" val="2678548419"/>
+      </p:ext>
+    </p:extLst>
+  </p:cSld>
+  <p:clrMapOvr>
+    <a:masterClrMapping/>
+  </p:clrMapOvr>
+</p:sld>
+</file>
+
+<file path=ppt/slides/slide23.xml><?xml version="1.0" encoding="utf-8"?>
+<p:sld xmlns:a="http://schemas.openxmlformats.org/drawingml/2006/main" xmlns:r="http://schemas.openxmlformats.org/officeDocument/2006/relationships" xmlns:p="http://schemas.openxmlformats.org/presentationml/2006/main">
+  <p:cSld>
+    <p:spTree>
+      <p:nvGrpSpPr>
+        <p:cNvPr id="1" name=""/>
+        <p:cNvGrpSpPr/>
+        <p:nvPr/>
+      </p:nvGrpSpPr>
+      <p:grpSpPr>
+        <a:xfrm>
+          <a:off x="0" y="0"/>
+          <a:ext cx="0" cy="0"/>
+          <a:chOff x="0" y="0"/>
+          <a:chExt cx="0" cy="0"/>
+        </a:xfrm>
+      </p:grpSpPr>
+      <p:sp>
+        <p:nvSpPr>
+          <p:cNvPr id="2" name="Cube 1">
+            <a:extLst>
+              <a:ext uri="{FF2B5EF4-FFF2-40B4-BE49-F238E27FC236}">
+                <a16:creationId xmlns:a16="http://schemas.microsoft.com/office/drawing/2014/main" id="{EE1DDE2D-DC17-2DD3-EAFE-1385D4552BF0}"/>
+              </a:ext>
+            </a:extLst>
+          </p:cNvPr>
+          <p:cNvSpPr/>
+          <p:nvPr/>
+        </p:nvSpPr>
+        <p:spPr>
+          <a:xfrm>
+            <a:off x="5749159" y="325820"/>
+            <a:ext cx="4025462" cy="6264166"/>
+          </a:xfrm>
+          <a:prstGeom prst="cube">
+            <a:avLst>
+              <a:gd name="adj" fmla="val 14034"/>
+            </a:avLst>
+          </a:prstGeom>
+        </p:spPr>
+        <p:style>
+          <a:lnRef idx="2">
+            <a:schemeClr val="accent6"/>
+          </a:lnRef>
+          <a:fillRef idx="1">
+            <a:schemeClr val="lt1"/>
+          </a:fillRef>
+          <a:effectRef idx="0">
+            <a:schemeClr val="accent6"/>
+          </a:effectRef>
+          <a:fontRef idx="minor">
+            <a:schemeClr val="dk1"/>
+          </a:fontRef>
+        </p:style>
+        <p:txBody>
+          <a:bodyPr rtlCol="0" anchor="ctr"/>
+          <a:lstStyle/>
+          <a:p>
+            <a:pPr algn="ctr"/>
+            <a:endParaRPr lang="en-US"/>
+          </a:p>
+        </p:txBody>
+      </p:sp>
+      <p:sp>
+        <p:nvSpPr>
+          <p:cNvPr id="3" name="Rectangle 2">
+            <a:extLst>
+              <a:ext uri="{FF2B5EF4-FFF2-40B4-BE49-F238E27FC236}">
+                <a16:creationId xmlns:a16="http://schemas.microsoft.com/office/drawing/2014/main" id="{30E8D086-E1C2-8D01-CD78-3E54377391F0}"/>
+              </a:ext>
+            </a:extLst>
+          </p:cNvPr>
+          <p:cNvSpPr/>
+          <p:nvPr/>
+        </p:nvSpPr>
+        <p:spPr>
+          <a:xfrm>
+            <a:off x="5854262" y="1376855"/>
+            <a:ext cx="3205655" cy="1534511"/>
+          </a:xfrm>
+          <a:prstGeom prst="rect">
+            <a:avLst/>
+          </a:prstGeom>
+          <a:solidFill>
+            <a:schemeClr val="accent2"/>
+          </a:solidFill>
+        </p:spPr>
+        <p:style>
+          <a:lnRef idx="2">
+            <a:schemeClr val="accent1">
+              <a:shade val="50000"/>
+            </a:schemeClr>
+          </a:lnRef>
+          <a:fillRef idx="1">
+            <a:schemeClr val="accent1"/>
+          </a:fillRef>
+          <a:effectRef idx="0">
+            <a:schemeClr val="accent1"/>
+          </a:effectRef>
+          <a:fontRef idx="minor">
+            <a:schemeClr val="lt1"/>
+          </a:fontRef>
+        </p:style>
+        <p:txBody>
+          <a:bodyPr rtlCol="0" anchor="ctr"/>
+          <a:lstStyle/>
+          <a:p>
+            <a:pPr algn="ctr"/>
+            <a:r>
+              <a:rPr lang="en-US" b="1" dirty="0"/>
+              <a:t>Host 1 with Web App and its Memory for Session State</a:t>
+            </a:r>
+          </a:p>
+        </p:txBody>
+      </p:sp>
+      <p:sp>
+        <p:nvSpPr>
+          <p:cNvPr id="4" name="Rectangle 3">
+            <a:extLst>
+              <a:ext uri="{FF2B5EF4-FFF2-40B4-BE49-F238E27FC236}">
+                <a16:creationId xmlns:a16="http://schemas.microsoft.com/office/drawing/2014/main" id="{EF4FB913-3EC4-4C46-D471-308DF02A5536}"/>
+              </a:ext>
+            </a:extLst>
+          </p:cNvPr>
+          <p:cNvSpPr/>
+          <p:nvPr/>
+        </p:nvSpPr>
+        <p:spPr>
+          <a:xfrm>
+            <a:off x="5854261" y="3983420"/>
+            <a:ext cx="3205655" cy="1534511"/>
+          </a:xfrm>
+          <a:prstGeom prst="rect">
+            <a:avLst/>
+          </a:prstGeom>
+          <a:solidFill>
+            <a:schemeClr val="accent2"/>
+          </a:solidFill>
+        </p:spPr>
+        <p:style>
+          <a:lnRef idx="2">
+            <a:schemeClr val="accent1">
+              <a:shade val="50000"/>
+            </a:schemeClr>
+          </a:lnRef>
+          <a:fillRef idx="1">
+            <a:schemeClr val="accent1"/>
+          </a:fillRef>
+          <a:effectRef idx="0">
+            <a:schemeClr val="accent1"/>
+          </a:effectRef>
+          <a:fontRef idx="minor">
+            <a:schemeClr val="lt1"/>
+          </a:fontRef>
+        </p:style>
+        <p:txBody>
+          <a:bodyPr rtlCol="0" anchor="ctr"/>
+          <a:lstStyle/>
+          <a:p>
+            <a:pPr algn="ctr"/>
+            <a:r>
+              <a:rPr lang="en-US" b="1" dirty="0"/>
+              <a:t>Host 2 with Web App and its Memory for Session State</a:t>
+            </a:r>
+          </a:p>
+        </p:txBody>
+      </p:sp>
+      <p:sp>
+        <p:nvSpPr>
+          <p:cNvPr id="5" name="Rectangle 4">
+            <a:extLst>
+              <a:ext uri="{FF2B5EF4-FFF2-40B4-BE49-F238E27FC236}">
+                <a16:creationId xmlns:a16="http://schemas.microsoft.com/office/drawing/2014/main" id="{A89BA344-347F-7494-1799-9590231C44D3}"/>
+              </a:ext>
+            </a:extLst>
+          </p:cNvPr>
+          <p:cNvSpPr/>
+          <p:nvPr/>
+        </p:nvSpPr>
+        <p:spPr>
+          <a:xfrm>
+            <a:off x="1282261" y="1481960"/>
+            <a:ext cx="4099035" cy="4109544"/>
+          </a:xfrm>
+          <a:prstGeom prst="rect">
+            <a:avLst/>
+          </a:prstGeom>
+        </p:spPr>
+        <p:style>
+          <a:lnRef idx="1">
+            <a:schemeClr val="accent3"/>
+          </a:lnRef>
+          <a:fillRef idx="2">
+            <a:schemeClr val="accent3"/>
+          </a:fillRef>
+          <a:effectRef idx="1">
+            <a:schemeClr val="accent3"/>
+          </a:effectRef>
+          <a:fontRef idx="minor">
+            <a:schemeClr val="dk1"/>
+          </a:fontRef>
+        </p:style>
+        <p:txBody>
+          <a:bodyPr rtlCol="0" anchor="ctr"/>
+          <a:lstStyle/>
+          <a:p>
+            <a:pPr algn="ctr"/>
+            <a:endParaRPr lang="en-US"/>
+          </a:p>
+        </p:txBody>
+      </p:sp>
+      <p:sp>
+        <p:nvSpPr>
+          <p:cNvPr id="6" name="TextBox 5">
+            <a:extLst>
+              <a:ext uri="{FF2B5EF4-FFF2-40B4-BE49-F238E27FC236}">
+                <a16:creationId xmlns:a16="http://schemas.microsoft.com/office/drawing/2014/main" id="{32A71A67-D4D0-3530-860E-4D19E7AA25EE}"/>
+              </a:ext>
+            </a:extLst>
+          </p:cNvPr>
+          <p:cNvSpPr txBox="1"/>
+          <p:nvPr/>
+        </p:nvSpPr>
+        <p:spPr>
+          <a:xfrm>
+            <a:off x="1355834" y="1513490"/>
+            <a:ext cx="3857297" cy="369332"/>
+          </a:xfrm>
+          <a:prstGeom prst="rect">
+            <a:avLst/>
+          </a:prstGeom>
+          <a:noFill/>
+        </p:spPr>
+        <p:txBody>
+          <a:bodyPr wrap="square" rtlCol="0">
+            <a:spAutoFit/>
+          </a:bodyPr>
+          <a:lstStyle/>
+          <a:p>
+            <a:pPr algn="ctr"/>
+            <a:r>
+              <a:rPr lang="en-US" b="1" dirty="0"/>
+              <a:t>A Session in HTTP Channel</a:t>
+            </a:r>
+          </a:p>
+        </p:txBody>
+      </p:sp>
+      <p:sp>
+        <p:nvSpPr>
+          <p:cNvPr id="7" name="Right Arrow 6">
+            <a:extLst>
+              <a:ext uri="{FF2B5EF4-FFF2-40B4-BE49-F238E27FC236}">
+                <a16:creationId xmlns:a16="http://schemas.microsoft.com/office/drawing/2014/main" id="{CC4D3243-5B39-1A71-BD3B-003BCAFC6E61}"/>
+              </a:ext>
+            </a:extLst>
+          </p:cNvPr>
+          <p:cNvSpPr/>
+          <p:nvPr/>
+        </p:nvSpPr>
+        <p:spPr>
+          <a:xfrm>
+            <a:off x="767255" y="2165131"/>
+            <a:ext cx="5087006" cy="588579"/>
+          </a:xfrm>
+          <a:prstGeom prst="rightArrow">
+            <a:avLst/>
+          </a:prstGeom>
+        </p:spPr>
+        <p:style>
+          <a:lnRef idx="2">
+            <a:schemeClr val="accent1">
+              <a:shade val="50000"/>
+            </a:schemeClr>
+          </a:lnRef>
+          <a:fillRef idx="1">
+            <a:schemeClr val="accent1"/>
+          </a:fillRef>
+          <a:effectRef idx="0">
+            <a:schemeClr val="accent1"/>
+          </a:effectRef>
+          <a:fontRef idx="minor">
+            <a:schemeClr val="lt1"/>
+          </a:fontRef>
+        </p:style>
+        <p:txBody>
+          <a:bodyPr rtlCol="0" anchor="ctr"/>
+          <a:lstStyle/>
+          <a:p>
+            <a:pPr algn="ctr"/>
+            <a:r>
+              <a:rPr lang="en-US" b="1" dirty="0"/>
+              <a:t>Request 1 Processed by Server 1</a:t>
+            </a:r>
+          </a:p>
+        </p:txBody>
+      </p:sp>
+      <p:sp>
+        <p:nvSpPr>
+          <p:cNvPr id="8" name="Right Arrow 7">
+            <a:extLst>
+              <a:ext uri="{FF2B5EF4-FFF2-40B4-BE49-F238E27FC236}">
+                <a16:creationId xmlns:a16="http://schemas.microsoft.com/office/drawing/2014/main" id="{947B007E-F956-115E-0F52-396421469ED3}"/>
+              </a:ext>
+            </a:extLst>
+          </p:cNvPr>
+          <p:cNvSpPr/>
+          <p:nvPr/>
+        </p:nvSpPr>
+        <p:spPr>
+          <a:xfrm>
+            <a:off x="798786" y="4456385"/>
+            <a:ext cx="5087006" cy="588579"/>
+          </a:xfrm>
+          <a:prstGeom prst="rightArrow">
+            <a:avLst/>
+          </a:prstGeom>
+        </p:spPr>
+        <p:style>
+          <a:lnRef idx="2">
+            <a:schemeClr val="accent1">
+              <a:shade val="50000"/>
+            </a:schemeClr>
+          </a:lnRef>
+          <a:fillRef idx="1">
+            <a:schemeClr val="accent1"/>
+          </a:fillRef>
+          <a:effectRef idx="0">
+            <a:schemeClr val="accent1"/>
+          </a:effectRef>
+          <a:fontRef idx="minor">
+            <a:schemeClr val="lt1"/>
+          </a:fontRef>
+        </p:style>
+        <p:txBody>
+          <a:bodyPr rtlCol="0" anchor="ctr"/>
+          <a:lstStyle/>
+          <a:p>
+            <a:pPr algn="ctr"/>
+            <a:r>
+              <a:rPr lang="en-US" b="1" dirty="0"/>
+              <a:t>Request 2 Processed by Server 2</a:t>
+            </a:r>
+          </a:p>
+        </p:txBody>
+      </p:sp>
+      <p:sp>
+        <p:nvSpPr>
+          <p:cNvPr id="9" name="TextBox 8">
+            <a:extLst>
+              <a:ext uri="{FF2B5EF4-FFF2-40B4-BE49-F238E27FC236}">
+                <a16:creationId xmlns:a16="http://schemas.microsoft.com/office/drawing/2014/main" id="{D47DB842-6BE9-BAEE-5C92-3BE65F12D569}"/>
+              </a:ext>
+            </a:extLst>
+          </p:cNvPr>
+          <p:cNvSpPr txBox="1"/>
+          <p:nvPr/>
+        </p:nvSpPr>
+        <p:spPr>
+          <a:xfrm>
+            <a:off x="6516414" y="2438398"/>
+            <a:ext cx="1387365" cy="369332"/>
+          </a:xfrm>
+          <a:prstGeom prst="rect">
+            <a:avLst/>
+          </a:prstGeom>
+          <a:noFill/>
+        </p:spPr>
+        <p:txBody>
+          <a:bodyPr wrap="square" rtlCol="0">
+            <a:spAutoFit/>
+          </a:bodyPr>
+          <a:lstStyle/>
+          <a:p>
+            <a:r>
+              <a:rPr lang="en-US" dirty="0"/>
+              <a:t>X:10</a:t>
+            </a:r>
+          </a:p>
+        </p:txBody>
+      </p:sp>
+      <p:sp>
+        <p:nvSpPr>
+          <p:cNvPr id="10" name="Can 9">
+            <a:extLst>
+              <a:ext uri="{FF2B5EF4-FFF2-40B4-BE49-F238E27FC236}">
+                <a16:creationId xmlns:a16="http://schemas.microsoft.com/office/drawing/2014/main" id="{9C947982-E544-49C6-DD54-0DD23DC2EEF2}"/>
+              </a:ext>
+            </a:extLst>
+          </p:cNvPr>
+          <p:cNvSpPr/>
+          <p:nvPr/>
+        </p:nvSpPr>
+        <p:spPr>
+          <a:xfrm>
+            <a:off x="9879723" y="2459420"/>
+            <a:ext cx="1975947" cy="1996965"/>
+          </a:xfrm>
+          <a:prstGeom prst="can">
+            <a:avLst/>
+          </a:prstGeom>
+        </p:spPr>
+        <p:style>
+          <a:lnRef idx="2">
+            <a:schemeClr val="accent1">
+              <a:shade val="50000"/>
+            </a:schemeClr>
+          </a:lnRef>
+          <a:fillRef idx="1">
+            <a:schemeClr val="accent1"/>
+          </a:fillRef>
+          <a:effectRef idx="0">
+            <a:schemeClr val="accent1"/>
+          </a:effectRef>
+          <a:fontRef idx="minor">
+            <a:schemeClr val="lt1"/>
+          </a:fontRef>
+        </p:style>
+        <p:txBody>
+          <a:bodyPr rtlCol="0" anchor="ctr"/>
+          <a:lstStyle/>
+          <a:p>
+            <a:pPr algn="ctr"/>
+            <a:r>
+              <a:rPr lang="en-US" b="1" dirty="0"/>
+              <a:t>Out-Of-Process Session Storage</a:t>
+            </a:r>
+          </a:p>
+          <a:p>
+            <a:pPr algn="ctr"/>
+            <a:r>
+              <a:rPr lang="en-US" b="1" dirty="0"/>
+              <a:t>ASP.NET State Server and SQL Server</a:t>
+            </a:r>
+          </a:p>
+        </p:txBody>
+      </p:sp>
+      <p:cxnSp>
+        <p:nvCxnSpPr>
+          <p:cNvPr id="12" name="Elbow Connector 11">
+            <a:extLst>
+              <a:ext uri="{FF2B5EF4-FFF2-40B4-BE49-F238E27FC236}">
+                <a16:creationId xmlns:a16="http://schemas.microsoft.com/office/drawing/2014/main" id="{7E236CC8-B190-90EB-C5B2-B1E99082A8B5}"/>
+              </a:ext>
+            </a:extLst>
+          </p:cNvPr>
+          <p:cNvCxnSpPr>
+            <a:endCxn id="10" idx="1"/>
+          </p:cNvCxnSpPr>
+          <p:nvPr/>
+        </p:nvCxnSpPr>
+        <p:spPr>
+          <a:xfrm>
+            <a:off x="9059916" y="2165131"/>
+            <a:ext cx="1807781" cy="294289"/>
+          </a:xfrm>
+          <a:prstGeom prst="bentConnector2">
+            <a:avLst/>
+          </a:prstGeom>
+          <a:ln w="76200">
+            <a:solidFill>
+              <a:srgbClr val="FF0000"/>
+            </a:solidFill>
+            <a:headEnd type="triangle"/>
+            <a:tailEnd type="triangle"/>
+          </a:ln>
+        </p:spPr>
+        <p:style>
+          <a:lnRef idx="1">
+            <a:schemeClr val="accent1"/>
+          </a:lnRef>
+          <a:fillRef idx="0">
+            <a:schemeClr val="accent1"/>
+          </a:fillRef>
+          <a:effectRef idx="0">
+            <a:schemeClr val="accent1"/>
+          </a:effectRef>
+          <a:fontRef idx="minor">
+            <a:schemeClr val="tx1"/>
+          </a:fontRef>
+        </p:style>
+      </p:cxnSp>
+      <p:cxnSp>
+        <p:nvCxnSpPr>
+          <p:cNvPr id="14" name="Elbow Connector 13">
+            <a:extLst>
+              <a:ext uri="{FF2B5EF4-FFF2-40B4-BE49-F238E27FC236}">
+                <a16:creationId xmlns:a16="http://schemas.microsoft.com/office/drawing/2014/main" id="{FB4ACBDB-39A3-DF45-5661-902E987A186B}"/>
+              </a:ext>
+            </a:extLst>
+          </p:cNvPr>
+          <p:cNvCxnSpPr>
+            <a:stCxn id="4" idx="3"/>
+            <a:endCxn id="10" idx="3"/>
+          </p:cNvCxnSpPr>
+          <p:nvPr/>
+        </p:nvCxnSpPr>
+        <p:spPr>
+          <a:xfrm flipV="1">
+            <a:off x="9059916" y="4456385"/>
+            <a:ext cx="1807781" cy="294291"/>
+          </a:xfrm>
+          <a:prstGeom prst="bentConnector2">
+            <a:avLst/>
+          </a:prstGeom>
+          <a:ln w="76200">
+            <a:solidFill>
+              <a:srgbClr val="FF0000"/>
+            </a:solidFill>
+            <a:headEnd type="triangle"/>
+            <a:tailEnd type="triangle"/>
+          </a:ln>
+        </p:spPr>
+        <p:style>
+          <a:lnRef idx="1">
+            <a:schemeClr val="accent1"/>
+          </a:lnRef>
+          <a:fillRef idx="0">
+            <a:schemeClr val="accent1"/>
+          </a:fillRef>
+          <a:effectRef idx="0">
+            <a:schemeClr val="accent1"/>
+          </a:effectRef>
+          <a:fontRef idx="minor">
+            <a:schemeClr val="tx1"/>
+          </a:fontRef>
+        </p:style>
+      </p:cxnSp>
+    </p:spTree>
+    <p:extLst>
+      <p:ext uri="{BB962C8B-B14F-4D97-AF65-F5344CB8AC3E}">
+        <p14:creationId xmlns:p14="http://schemas.microsoft.com/office/powerpoint/2010/main" val="1966792519"/>
+      </p:ext>
+    </p:extLst>
+  </p:cSld>
+  <p:clrMapOvr>
+    <a:masterClrMapping/>
+  </p:clrMapOvr>
+</p:sld>
+</file>
+
+<file path=ppt/slides/slide24.xml><?xml version="1.0" encoding="utf-8"?>
+<p:sld xmlns:a="http://schemas.openxmlformats.org/drawingml/2006/main" xmlns:r="http://schemas.openxmlformats.org/officeDocument/2006/relationships" xmlns:p="http://schemas.openxmlformats.org/presentationml/2006/main">
+  <p:cSld>
+    <p:spTree>
+      <p:nvGrpSpPr>
+        <p:cNvPr id="1" name=""/>
+        <p:cNvGrpSpPr/>
+        <p:nvPr/>
+      </p:nvGrpSpPr>
+      <p:grpSpPr>
+        <a:xfrm>
+          <a:off x="0" y="0"/>
+          <a:ext cx="0" cy="0"/>
+          <a:chOff x="0" y="0"/>
+          <a:chExt cx="0" cy="0"/>
+        </a:xfrm>
+      </p:grpSpPr>
+      <p:sp>
+        <p:nvSpPr>
+          <p:cNvPr id="2" name="Rectangle 1">
+            <a:extLst>
+              <a:ext uri="{FF2B5EF4-FFF2-40B4-BE49-F238E27FC236}">
+                <a16:creationId xmlns:a16="http://schemas.microsoft.com/office/drawing/2014/main" id="{867D5613-E2C3-67BB-B8C3-84053B2D82C7}"/>
+              </a:ext>
+            </a:extLst>
+          </p:cNvPr>
+          <p:cNvSpPr/>
+          <p:nvPr/>
+        </p:nvSpPr>
+        <p:spPr>
+          <a:xfrm>
+            <a:off x="4771697" y="325821"/>
+            <a:ext cx="5360276" cy="6119648"/>
+          </a:xfrm>
+          <a:prstGeom prst="rect">
+            <a:avLst/>
+          </a:prstGeom>
+        </p:spPr>
+        <p:style>
+          <a:lnRef idx="2">
+            <a:schemeClr val="accent6"/>
+          </a:lnRef>
+          <a:fillRef idx="1">
+            <a:schemeClr val="lt1"/>
+          </a:fillRef>
+          <a:effectRef idx="0">
+            <a:schemeClr val="accent6"/>
+          </a:effectRef>
+          <a:fontRef idx="minor">
+            <a:schemeClr val="dk1"/>
+          </a:fontRef>
+        </p:style>
+        <p:txBody>
+          <a:bodyPr rtlCol="0" anchor="ctr"/>
+          <a:lstStyle/>
+          <a:p>
+            <a:pPr algn="ctr"/>
+            <a:endParaRPr lang="en-US"/>
+          </a:p>
+        </p:txBody>
+      </p:sp>
+      <p:sp>
+        <p:nvSpPr>
+          <p:cNvPr id="3" name="TextBox 2">
+            <a:extLst>
+              <a:ext uri="{FF2B5EF4-FFF2-40B4-BE49-F238E27FC236}">
+                <a16:creationId xmlns:a16="http://schemas.microsoft.com/office/drawing/2014/main" id="{7C62DBC5-AFDA-8ACD-0E2D-477D46F03863}"/>
+              </a:ext>
+            </a:extLst>
+          </p:cNvPr>
+          <p:cNvSpPr txBox="1"/>
+          <p:nvPr/>
+        </p:nvSpPr>
+        <p:spPr>
+          <a:xfrm>
+            <a:off x="4939862" y="325821"/>
+            <a:ext cx="4845269" cy="369332"/>
+          </a:xfrm>
+          <a:prstGeom prst="rect">
+            <a:avLst/>
+          </a:prstGeom>
+          <a:noFill/>
+        </p:spPr>
+        <p:txBody>
+          <a:bodyPr wrap="square" rtlCol="0">
+            <a:spAutoFit/>
+          </a:bodyPr>
+          <a:lstStyle/>
+          <a:p>
+            <a:pPr algn="ctr"/>
+            <a:r>
+              <a:rPr lang="en-US" dirty="0"/>
+              <a:t>ASP.NET Core MVC Hosting Env.</a:t>
+            </a:r>
+          </a:p>
+        </p:txBody>
+      </p:sp>
+      <p:sp>
+        <p:nvSpPr>
+          <p:cNvPr id="4" name="Rounded Rectangle 3">
+            <a:extLst>
+              <a:ext uri="{FF2B5EF4-FFF2-40B4-BE49-F238E27FC236}">
+                <a16:creationId xmlns:a16="http://schemas.microsoft.com/office/drawing/2014/main" id="{656BC613-3339-84C6-12A7-FDEA35740CBF}"/>
+              </a:ext>
+            </a:extLst>
+          </p:cNvPr>
+          <p:cNvSpPr/>
+          <p:nvPr/>
+        </p:nvSpPr>
+        <p:spPr>
+          <a:xfrm>
+            <a:off x="5181600" y="1177159"/>
+            <a:ext cx="1776248" cy="966951"/>
+          </a:xfrm>
+          <a:prstGeom prst="roundRect">
+            <a:avLst/>
+          </a:prstGeom>
+          <a:scene3d>
+            <a:camera prst="orthographicFront"/>
+            <a:lightRig rig="threePt" dir="t"/>
+          </a:scene3d>
+          <a:sp3d>
+            <a:bevelT w="152400" h="50800" prst="softRound"/>
+          </a:sp3d>
+        </p:spPr>
+        <p:style>
+          <a:lnRef idx="2">
+            <a:schemeClr val="accent1">
+              <a:shade val="50000"/>
+            </a:schemeClr>
+          </a:lnRef>
+          <a:fillRef idx="1">
+            <a:schemeClr val="accent1"/>
+          </a:fillRef>
+          <a:effectRef idx="0">
+            <a:schemeClr val="accent1"/>
+          </a:effectRef>
+          <a:fontRef idx="minor">
+            <a:schemeClr val="lt1"/>
+          </a:fontRef>
+        </p:style>
+        <p:txBody>
+          <a:bodyPr rtlCol="0" anchor="ctr"/>
+          <a:lstStyle/>
+          <a:p>
+            <a:pPr algn="ctr"/>
+            <a:r>
+              <a:rPr lang="en-US" dirty="0"/>
+              <a:t>Controller 1</a:t>
+            </a:r>
+          </a:p>
+        </p:txBody>
+      </p:sp>
+      <p:sp>
+        <p:nvSpPr>
+          <p:cNvPr id="5" name="Rounded Rectangle 4">
+            <a:extLst>
+              <a:ext uri="{FF2B5EF4-FFF2-40B4-BE49-F238E27FC236}">
+                <a16:creationId xmlns:a16="http://schemas.microsoft.com/office/drawing/2014/main" id="{658F9D6B-F395-3F91-A8CD-20CE95AC5079}"/>
+              </a:ext>
+            </a:extLst>
+          </p:cNvPr>
+          <p:cNvSpPr/>
+          <p:nvPr/>
+        </p:nvSpPr>
+        <p:spPr>
+          <a:xfrm>
+            <a:off x="7803931" y="2275490"/>
+            <a:ext cx="1776248" cy="966951"/>
+          </a:xfrm>
+          <a:prstGeom prst="roundRect">
+            <a:avLst/>
+          </a:prstGeom>
+          <a:scene3d>
+            <a:camera prst="orthographicFront"/>
+            <a:lightRig rig="threePt" dir="t"/>
+          </a:scene3d>
+          <a:sp3d>
+            <a:bevelT w="152400" h="50800" prst="softRound"/>
+          </a:sp3d>
+        </p:spPr>
+        <p:style>
+          <a:lnRef idx="2">
+            <a:schemeClr val="accent1">
+              <a:shade val="50000"/>
+            </a:schemeClr>
+          </a:lnRef>
+          <a:fillRef idx="1">
+            <a:schemeClr val="accent1"/>
+          </a:fillRef>
+          <a:effectRef idx="0">
+            <a:schemeClr val="accent1"/>
+          </a:effectRef>
+          <a:fontRef idx="minor">
+            <a:schemeClr val="lt1"/>
+          </a:fontRef>
+        </p:style>
+        <p:txBody>
+          <a:bodyPr rtlCol="0" anchor="ctr"/>
+          <a:lstStyle/>
+          <a:p>
+            <a:pPr algn="ctr"/>
+            <a:r>
+              <a:rPr lang="en-US" dirty="0"/>
+              <a:t>Controller 2</a:t>
+            </a:r>
+          </a:p>
+        </p:txBody>
+      </p:sp>
+      <p:sp>
+        <p:nvSpPr>
+          <p:cNvPr id="6" name="Rounded Rectangle 5">
+            <a:extLst>
+              <a:ext uri="{FF2B5EF4-FFF2-40B4-BE49-F238E27FC236}">
+                <a16:creationId xmlns:a16="http://schemas.microsoft.com/office/drawing/2014/main" id="{8AC5153B-449A-7E4A-F59B-E33B9B8FDEBB}"/>
+              </a:ext>
+            </a:extLst>
+          </p:cNvPr>
+          <p:cNvSpPr/>
+          <p:nvPr/>
+        </p:nvSpPr>
+        <p:spPr>
+          <a:xfrm>
+            <a:off x="7803931" y="3715407"/>
+            <a:ext cx="1776248" cy="966951"/>
+          </a:xfrm>
+          <a:prstGeom prst="roundRect">
+            <a:avLst/>
+          </a:prstGeom>
+          <a:scene3d>
+            <a:camera prst="orthographicFront"/>
+            <a:lightRig rig="threePt" dir="t"/>
+          </a:scene3d>
+          <a:sp3d>
+            <a:bevelT w="152400" h="50800" prst="softRound"/>
+          </a:sp3d>
+        </p:spPr>
+        <p:style>
+          <a:lnRef idx="2">
+            <a:schemeClr val="accent1">
+              <a:shade val="50000"/>
+            </a:schemeClr>
+          </a:lnRef>
+          <a:fillRef idx="1">
+            <a:schemeClr val="accent1"/>
+          </a:fillRef>
+          <a:effectRef idx="0">
+            <a:schemeClr val="accent1"/>
+          </a:effectRef>
+          <a:fontRef idx="minor">
+            <a:schemeClr val="lt1"/>
+          </a:fontRef>
+        </p:style>
+        <p:txBody>
+          <a:bodyPr rtlCol="0" anchor="ctr"/>
+          <a:lstStyle/>
+          <a:p>
+            <a:pPr algn="ctr"/>
+            <a:r>
+              <a:rPr lang="en-US" dirty="0"/>
+              <a:t>Controller 3</a:t>
+            </a:r>
+          </a:p>
+        </p:txBody>
+      </p:sp>
+      <p:sp>
+        <p:nvSpPr>
+          <p:cNvPr id="7" name="Rounded Rectangle 6">
+            <a:extLst>
+              <a:ext uri="{FF2B5EF4-FFF2-40B4-BE49-F238E27FC236}">
+                <a16:creationId xmlns:a16="http://schemas.microsoft.com/office/drawing/2014/main" id="{A5E869B5-2803-2BA9-3561-82334B88CC93}"/>
+              </a:ext>
+            </a:extLst>
+          </p:cNvPr>
+          <p:cNvSpPr/>
+          <p:nvPr/>
+        </p:nvSpPr>
+        <p:spPr>
+          <a:xfrm>
+            <a:off x="5281448" y="4461642"/>
+            <a:ext cx="1776248" cy="966951"/>
+          </a:xfrm>
+          <a:prstGeom prst="roundRect">
+            <a:avLst/>
+          </a:prstGeom>
+          <a:scene3d>
+            <a:camera prst="orthographicFront"/>
+            <a:lightRig rig="threePt" dir="t"/>
+          </a:scene3d>
+          <a:sp3d>
+            <a:bevelT w="152400" h="50800" prst="softRound"/>
+          </a:sp3d>
+        </p:spPr>
+        <p:style>
+          <a:lnRef idx="2">
+            <a:schemeClr val="accent1">
+              <a:shade val="50000"/>
+            </a:schemeClr>
+          </a:lnRef>
+          <a:fillRef idx="1">
+            <a:schemeClr val="accent1"/>
+          </a:fillRef>
+          <a:effectRef idx="0">
+            <a:schemeClr val="accent1"/>
+          </a:effectRef>
+          <a:fontRef idx="minor">
+            <a:schemeClr val="lt1"/>
+          </a:fontRef>
+        </p:style>
+        <p:txBody>
+          <a:bodyPr rtlCol="0" anchor="ctr"/>
+          <a:lstStyle/>
+          <a:p>
+            <a:pPr algn="ctr"/>
+            <a:r>
+              <a:rPr lang="en-US" dirty="0"/>
+              <a:t>Controller 4</a:t>
+            </a:r>
+          </a:p>
+        </p:txBody>
+      </p:sp>
+      <p:sp>
+        <p:nvSpPr>
+          <p:cNvPr id="8" name="Right Arrow 7">
+            <a:extLst>
+              <a:ext uri="{FF2B5EF4-FFF2-40B4-BE49-F238E27FC236}">
+                <a16:creationId xmlns:a16="http://schemas.microsoft.com/office/drawing/2014/main" id="{AE7547F5-2855-BE61-8C8F-B9573EB68D5F}"/>
+              </a:ext>
+            </a:extLst>
+          </p:cNvPr>
+          <p:cNvSpPr/>
+          <p:nvPr/>
+        </p:nvSpPr>
+        <p:spPr>
+          <a:xfrm>
+            <a:off x="483476" y="1177159"/>
+            <a:ext cx="4298731" cy="714703"/>
+          </a:xfrm>
+          <a:prstGeom prst="rightArrow">
+            <a:avLst/>
+          </a:prstGeom>
+        </p:spPr>
+        <p:style>
+          <a:lnRef idx="2">
+            <a:schemeClr val="accent1">
+              <a:shade val="50000"/>
+            </a:schemeClr>
+          </a:lnRef>
+          <a:fillRef idx="1">
+            <a:schemeClr val="accent1"/>
+          </a:fillRef>
+          <a:effectRef idx="0">
+            <a:schemeClr val="accent1"/>
+          </a:effectRef>
+          <a:fontRef idx="minor">
+            <a:schemeClr val="lt1"/>
+          </a:fontRef>
+        </p:style>
+        <p:txBody>
+          <a:bodyPr rtlCol="0" anchor="ctr"/>
+          <a:lstStyle/>
+          <a:p>
+            <a:pPr algn="ctr"/>
+            <a:r>
+              <a:rPr lang="en-US" b="1" dirty="0"/>
+              <a:t>Request</a:t>
+            </a:r>
+          </a:p>
+        </p:txBody>
+      </p:sp>
+      <p:cxnSp>
+        <p:nvCxnSpPr>
+          <p:cNvPr id="10" name="Elbow Connector 9">
+            <a:extLst>
+              <a:ext uri="{FF2B5EF4-FFF2-40B4-BE49-F238E27FC236}">
+                <a16:creationId xmlns:a16="http://schemas.microsoft.com/office/drawing/2014/main" id="{6F24A377-30D4-1628-7639-3E9DA2109F9B}"/>
+              </a:ext>
+            </a:extLst>
+          </p:cNvPr>
+          <p:cNvCxnSpPr>
+            <a:stCxn id="8" idx="3"/>
+            <a:endCxn id="4" idx="1"/>
+          </p:cNvCxnSpPr>
+          <p:nvPr/>
+        </p:nvCxnSpPr>
+        <p:spPr>
+          <a:xfrm>
+            <a:off x="4782207" y="1534511"/>
+            <a:ext cx="399393" cy="126124"/>
+          </a:xfrm>
+          <a:prstGeom prst="bentConnector3">
+            <a:avLst/>
+          </a:prstGeom>
+          <a:ln w="57150">
+            <a:solidFill>
+              <a:srgbClr val="FF0000"/>
+            </a:solidFill>
+            <a:tailEnd type="triangle"/>
+          </a:ln>
+        </p:spPr>
+        <p:style>
+          <a:lnRef idx="1">
+            <a:schemeClr val="accent1"/>
+          </a:lnRef>
+          <a:fillRef idx="0">
+            <a:schemeClr val="accent1"/>
+          </a:fillRef>
+          <a:effectRef idx="0">
+            <a:schemeClr val="accent1"/>
+          </a:effectRef>
+          <a:fontRef idx="minor">
+            <a:schemeClr val="tx1"/>
+          </a:fontRef>
+        </p:style>
+      </p:cxnSp>
+      <p:cxnSp>
+        <p:nvCxnSpPr>
+          <p:cNvPr id="12" name="Elbow Connector 11">
+            <a:extLst>
+              <a:ext uri="{FF2B5EF4-FFF2-40B4-BE49-F238E27FC236}">
+                <a16:creationId xmlns:a16="http://schemas.microsoft.com/office/drawing/2014/main" id="{C243E60A-4DFA-5BAE-7EA4-0671E83F83E0}"/>
+              </a:ext>
+            </a:extLst>
+          </p:cNvPr>
+          <p:cNvCxnSpPr>
+            <a:stCxn id="4" idx="2"/>
+          </p:cNvCxnSpPr>
+          <p:nvPr/>
+        </p:nvCxnSpPr>
+        <p:spPr>
+          <a:xfrm rot="16200000" flipH="1">
+            <a:off x="6629400" y="1584433"/>
+            <a:ext cx="614855" cy="1734207"/>
+          </a:xfrm>
+          <a:prstGeom prst="bentConnector2">
+            <a:avLst/>
+          </a:prstGeom>
+          <a:ln w="57150">
+            <a:solidFill>
+              <a:srgbClr val="FF0000"/>
+            </a:solidFill>
+            <a:tailEnd type="triangle"/>
+          </a:ln>
+        </p:spPr>
+        <p:style>
+          <a:lnRef idx="1">
+            <a:schemeClr val="accent1"/>
+          </a:lnRef>
+          <a:fillRef idx="0">
+            <a:schemeClr val="accent1"/>
+          </a:fillRef>
+          <a:effectRef idx="0">
+            <a:schemeClr val="accent1"/>
+          </a:effectRef>
+          <a:fontRef idx="minor">
+            <a:schemeClr val="tx1"/>
+          </a:fontRef>
+        </p:style>
+      </p:cxnSp>
+      <p:cxnSp>
+        <p:nvCxnSpPr>
+          <p:cNvPr id="14" name="Elbow Connector 13">
+            <a:extLst>
+              <a:ext uri="{FF2B5EF4-FFF2-40B4-BE49-F238E27FC236}">
+                <a16:creationId xmlns:a16="http://schemas.microsoft.com/office/drawing/2014/main" id="{6D2949FD-1304-251B-A0C9-6FAE3997CBD5}"/>
+              </a:ext>
+            </a:extLst>
+          </p:cNvPr>
+          <p:cNvCxnSpPr>
+            <a:stCxn id="4" idx="2"/>
+            <a:endCxn id="7" idx="0"/>
+          </p:cNvCxnSpPr>
+          <p:nvPr/>
+        </p:nvCxnSpPr>
+        <p:spPr>
+          <a:xfrm rot="16200000" flipH="1">
+            <a:off x="4960882" y="3252952"/>
+            <a:ext cx="2317532" cy="99848"/>
+          </a:xfrm>
+          <a:prstGeom prst="bentConnector3">
+            <a:avLst/>
+          </a:prstGeom>
+          <a:ln>
+            <a:solidFill>
+              <a:srgbClr val="FF0000"/>
+            </a:solidFill>
+            <a:tailEnd type="triangle"/>
+          </a:ln>
+        </p:spPr>
+        <p:style>
+          <a:lnRef idx="1">
+            <a:schemeClr val="accent1"/>
+          </a:lnRef>
+          <a:fillRef idx="0">
+            <a:schemeClr val="accent1"/>
+          </a:fillRef>
+          <a:effectRef idx="0">
+            <a:schemeClr val="accent1"/>
+          </a:effectRef>
+          <a:fontRef idx="minor">
+            <a:schemeClr val="tx1"/>
+          </a:fontRef>
+        </p:style>
+      </p:cxnSp>
+      <p:cxnSp>
+        <p:nvCxnSpPr>
+          <p:cNvPr id="16" name="Elbow Connector 15">
+            <a:extLst>
+              <a:ext uri="{FF2B5EF4-FFF2-40B4-BE49-F238E27FC236}">
+                <a16:creationId xmlns:a16="http://schemas.microsoft.com/office/drawing/2014/main" id="{D9037349-AA6C-3C56-6E38-1D300C6EA667}"/>
+              </a:ext>
+            </a:extLst>
+          </p:cNvPr>
+          <p:cNvCxnSpPr>
+            <a:stCxn id="7" idx="3"/>
+            <a:endCxn id="6" idx="1"/>
+          </p:cNvCxnSpPr>
+          <p:nvPr/>
+        </p:nvCxnSpPr>
+        <p:spPr>
+          <a:xfrm flipV="1">
+            <a:off x="7057696" y="4198883"/>
+            <a:ext cx="746235" cy="746235"/>
+          </a:xfrm>
+          <a:prstGeom prst="bentConnector3">
+            <a:avLst/>
+          </a:prstGeom>
+          <a:ln>
+            <a:solidFill>
+              <a:srgbClr val="FF0000"/>
+            </a:solidFill>
+            <a:tailEnd type="triangle"/>
+          </a:ln>
+        </p:spPr>
+        <p:style>
+          <a:lnRef idx="1">
+            <a:schemeClr val="accent1"/>
+          </a:lnRef>
+          <a:fillRef idx="0">
+            <a:schemeClr val="accent1"/>
+          </a:fillRef>
+          <a:effectRef idx="0">
+            <a:schemeClr val="accent1"/>
+          </a:effectRef>
+          <a:fontRef idx="minor">
+            <a:schemeClr val="tx1"/>
+          </a:fontRef>
+        </p:style>
+      </p:cxnSp>
+      <p:sp>
+        <p:nvSpPr>
+          <p:cNvPr id="17" name="TextBox 16">
+            <a:extLst>
+              <a:ext uri="{FF2B5EF4-FFF2-40B4-BE49-F238E27FC236}">
+                <a16:creationId xmlns:a16="http://schemas.microsoft.com/office/drawing/2014/main" id="{24C20C7D-C327-6C18-F1AD-AD3F89BFE7FF}"/>
+              </a:ext>
+            </a:extLst>
+          </p:cNvPr>
+          <p:cNvSpPr txBox="1"/>
+          <p:nvPr/>
+        </p:nvSpPr>
+        <p:spPr>
+          <a:xfrm>
+            <a:off x="4782207" y="893379"/>
+            <a:ext cx="599090" cy="369332"/>
+          </a:xfrm>
+          <a:prstGeom prst="rect">
+            <a:avLst/>
+          </a:prstGeom>
+          <a:noFill/>
+        </p:spPr>
+        <p:txBody>
+          <a:bodyPr wrap="square" rtlCol="0">
+            <a:spAutoFit/>
+          </a:bodyPr>
+          <a:lstStyle/>
+          <a:p>
+            <a:r>
+              <a:rPr lang="en-US" dirty="0"/>
+              <a:t>X:10</a:t>
+            </a:r>
+          </a:p>
+        </p:txBody>
+      </p:sp>
+      <p:sp>
+        <p:nvSpPr>
+          <p:cNvPr id="18" name="TextBox 17">
+            <a:extLst>
+              <a:ext uri="{FF2B5EF4-FFF2-40B4-BE49-F238E27FC236}">
+                <a16:creationId xmlns:a16="http://schemas.microsoft.com/office/drawing/2014/main" id="{E8B95882-0B14-2C4C-162A-9AA0BB97AD3E}"/>
+              </a:ext>
+            </a:extLst>
+          </p:cNvPr>
+          <p:cNvSpPr txBox="1"/>
+          <p:nvPr/>
+        </p:nvSpPr>
+        <p:spPr>
+          <a:xfrm>
+            <a:off x="6256283" y="2283216"/>
+            <a:ext cx="599090" cy="369332"/>
+          </a:xfrm>
+          <a:prstGeom prst="rect">
+            <a:avLst/>
+          </a:prstGeom>
+          <a:noFill/>
+        </p:spPr>
+        <p:txBody>
+          <a:bodyPr wrap="square" rtlCol="0">
+            <a:spAutoFit/>
+          </a:bodyPr>
+          <a:lstStyle/>
+          <a:p>
+            <a:r>
+              <a:rPr lang="en-US" dirty="0"/>
+              <a:t>X:20</a:t>
+            </a:r>
+          </a:p>
+        </p:txBody>
+      </p:sp>
+      <p:sp>
+        <p:nvSpPr>
+          <p:cNvPr id="19" name="TextBox 18">
+            <a:extLst>
+              <a:ext uri="{FF2B5EF4-FFF2-40B4-BE49-F238E27FC236}">
+                <a16:creationId xmlns:a16="http://schemas.microsoft.com/office/drawing/2014/main" id="{880B0EE1-9268-36CE-62EE-8D3C50F9A162}"/>
+              </a:ext>
+            </a:extLst>
+          </p:cNvPr>
+          <p:cNvSpPr txBox="1"/>
+          <p:nvPr/>
+        </p:nvSpPr>
+        <p:spPr>
+          <a:xfrm>
+            <a:off x="6316717" y="4145597"/>
+            <a:ext cx="599090" cy="369332"/>
+          </a:xfrm>
+          <a:prstGeom prst="rect">
+            <a:avLst/>
+          </a:prstGeom>
+          <a:noFill/>
+        </p:spPr>
+        <p:txBody>
+          <a:bodyPr wrap="square" rtlCol="0">
+            <a:spAutoFit/>
+          </a:bodyPr>
+          <a:lstStyle/>
+          <a:p>
+            <a:r>
+              <a:rPr lang="en-US" dirty="0"/>
+              <a:t>X:20</a:t>
+            </a:r>
+          </a:p>
+        </p:txBody>
+      </p:sp>
+      <p:sp>
+        <p:nvSpPr>
+          <p:cNvPr id="20" name="TextBox 19">
+            <a:extLst>
+              <a:ext uri="{FF2B5EF4-FFF2-40B4-BE49-F238E27FC236}">
+                <a16:creationId xmlns:a16="http://schemas.microsoft.com/office/drawing/2014/main" id="{8AB77A5E-6B4C-DBC8-B8B2-6DA5B63F5151}"/>
+              </a:ext>
+            </a:extLst>
+          </p:cNvPr>
+          <p:cNvSpPr txBox="1"/>
+          <p:nvPr/>
+        </p:nvSpPr>
+        <p:spPr>
+          <a:xfrm>
+            <a:off x="8692055" y="4760451"/>
+            <a:ext cx="599090" cy="369332"/>
+          </a:xfrm>
+          <a:prstGeom prst="rect">
+            <a:avLst/>
+          </a:prstGeom>
+          <a:noFill/>
+        </p:spPr>
+        <p:txBody>
+          <a:bodyPr wrap="square" rtlCol="0">
+            <a:spAutoFit/>
+          </a:bodyPr>
+          <a:lstStyle/>
+          <a:p>
+            <a:r>
+              <a:rPr lang="en-US" dirty="0"/>
+              <a:t>X:20</a:t>
+            </a:r>
+          </a:p>
+        </p:txBody>
+      </p:sp>
+    </p:spTree>
+    <p:extLst>
+      <p:ext uri="{BB962C8B-B14F-4D97-AF65-F5344CB8AC3E}">
+        <p14:creationId xmlns:p14="http://schemas.microsoft.com/office/powerpoint/2010/main" val="1067511400"/>
+      </p:ext>
+    </p:extLst>
+  </p:cSld>
+  <p:clrMapOvr>
+    <a:masterClrMapping/>
+  </p:clrMapOvr>
+</p:sld>
+</file>
+
+<file path=ppt/slides/slide25.xml><?xml version="1.0" encoding="utf-8"?>
+<p:sld xmlns:a="http://schemas.openxmlformats.org/drawingml/2006/main" xmlns:r="http://schemas.openxmlformats.org/officeDocument/2006/relationships" xmlns:p="http://schemas.openxmlformats.org/presentationml/2006/main">
+  <p:cSld>
+    <p:spTree>
+      <p:nvGrpSpPr>
+        <p:cNvPr id="1" name=""/>
+        <p:cNvGrpSpPr/>
+        <p:nvPr/>
+      </p:nvGrpSpPr>
+      <p:grpSpPr>
+        <a:xfrm>
+          <a:off x="0" y="0"/>
+          <a:ext cx="0" cy="0"/>
+          <a:chOff x="0" y="0"/>
+          <a:chExt cx="0" cy="0"/>
+        </a:xfrm>
+      </p:grpSpPr>
+      <p:sp>
+        <p:nvSpPr>
+          <p:cNvPr id="2" name="TextBox 1">
+            <a:extLst>
+              <a:ext uri="{FF2B5EF4-FFF2-40B4-BE49-F238E27FC236}">
+                <a16:creationId xmlns:a16="http://schemas.microsoft.com/office/drawing/2014/main" id="{5837FB92-C854-4E60-6BB4-C15A4340EF62}"/>
+              </a:ext>
+            </a:extLst>
+          </p:cNvPr>
+          <p:cNvSpPr txBox="1"/>
+          <p:nvPr/>
+        </p:nvSpPr>
+        <p:spPr>
+          <a:xfrm>
+            <a:off x="220716" y="105103"/>
+            <a:ext cx="4225159" cy="1200329"/>
+          </a:xfrm>
+          <a:prstGeom prst="rect">
+            <a:avLst/>
+          </a:prstGeom>
+          <a:noFill/>
+        </p:spPr>
+        <p:txBody>
+          <a:bodyPr wrap="square" rtlCol="0">
+            <a:spAutoFit/>
+          </a:bodyPr>
+          <a:lstStyle/>
+          <a:p>
+            <a:r>
+              <a:rPr lang="en-US" dirty="0"/>
+              <a:t>Session State: Each Controller will interact with the Session Storage for Data State Maintenance as well as Read/Write Operations</a:t>
+            </a:r>
+          </a:p>
+        </p:txBody>
+      </p:sp>
+      <p:sp>
+        <p:nvSpPr>
+          <p:cNvPr id="3" name="Rounded Rectangle 2">
+            <a:extLst>
+              <a:ext uri="{FF2B5EF4-FFF2-40B4-BE49-F238E27FC236}">
+                <a16:creationId xmlns:a16="http://schemas.microsoft.com/office/drawing/2014/main" id="{C0EA5E0F-C29A-A62D-4947-B169E1F81EE5}"/>
+              </a:ext>
+            </a:extLst>
+          </p:cNvPr>
+          <p:cNvSpPr/>
+          <p:nvPr/>
+        </p:nvSpPr>
+        <p:spPr>
+          <a:xfrm>
+            <a:off x="5034453" y="876300"/>
+            <a:ext cx="4876801" cy="5105400"/>
+          </a:xfrm>
+          <a:prstGeom prst="roundRect">
+            <a:avLst>
+              <a:gd name="adj" fmla="val 3994"/>
+            </a:avLst>
+          </a:prstGeom>
+        </p:spPr>
+        <p:style>
+          <a:lnRef idx="2">
+            <a:schemeClr val="accent6"/>
+          </a:lnRef>
+          <a:fillRef idx="1">
+            <a:schemeClr val="lt1"/>
+          </a:fillRef>
+          <a:effectRef idx="0">
+            <a:schemeClr val="accent6"/>
+          </a:effectRef>
+          <a:fontRef idx="minor">
+            <a:schemeClr val="dk1"/>
+          </a:fontRef>
+        </p:style>
+        <p:txBody>
+          <a:bodyPr rtlCol="0" anchor="ctr"/>
+          <a:lstStyle/>
+          <a:p>
+            <a:pPr algn="ctr"/>
+            <a:endParaRPr lang="en-US"/>
+          </a:p>
+        </p:txBody>
+      </p:sp>
+      <p:sp>
+        <p:nvSpPr>
+          <p:cNvPr id="4" name="Rounded Rectangle 3">
+            <a:extLst>
+              <a:ext uri="{FF2B5EF4-FFF2-40B4-BE49-F238E27FC236}">
+                <a16:creationId xmlns:a16="http://schemas.microsoft.com/office/drawing/2014/main" id="{17F4D30D-0A4B-EFD2-E74A-D2D3E8E4FCF9}"/>
+              </a:ext>
+            </a:extLst>
+          </p:cNvPr>
+          <p:cNvSpPr/>
+          <p:nvPr/>
+        </p:nvSpPr>
+        <p:spPr>
+          <a:xfrm>
+            <a:off x="5181600" y="1177159"/>
+            <a:ext cx="1776248" cy="966951"/>
+          </a:xfrm>
+          <a:prstGeom prst="roundRect">
+            <a:avLst/>
+          </a:prstGeom>
+          <a:scene3d>
+            <a:camera prst="orthographicFront"/>
+            <a:lightRig rig="threePt" dir="t"/>
+          </a:scene3d>
+          <a:sp3d>
+            <a:bevelT w="152400" h="50800" prst="softRound"/>
+          </a:sp3d>
+        </p:spPr>
+        <p:style>
+          <a:lnRef idx="2">
+            <a:schemeClr val="accent1">
+              <a:shade val="50000"/>
+            </a:schemeClr>
+          </a:lnRef>
+          <a:fillRef idx="1">
+            <a:schemeClr val="accent1"/>
+          </a:fillRef>
+          <a:effectRef idx="0">
+            <a:schemeClr val="accent1"/>
+          </a:effectRef>
+          <a:fontRef idx="minor">
+            <a:schemeClr val="lt1"/>
+          </a:fontRef>
+        </p:style>
+        <p:txBody>
+          <a:bodyPr rtlCol="0" anchor="ctr"/>
+          <a:lstStyle/>
+          <a:p>
+            <a:pPr algn="ctr"/>
+            <a:r>
+              <a:rPr lang="en-US" dirty="0"/>
+              <a:t>Controller 1</a:t>
+            </a:r>
+          </a:p>
+        </p:txBody>
+      </p:sp>
+      <p:sp>
+        <p:nvSpPr>
+          <p:cNvPr id="5" name="Rounded Rectangle 4">
+            <a:extLst>
+              <a:ext uri="{FF2B5EF4-FFF2-40B4-BE49-F238E27FC236}">
+                <a16:creationId xmlns:a16="http://schemas.microsoft.com/office/drawing/2014/main" id="{3385B6DF-B1E2-15D4-A2AD-CC84AFEFD87A}"/>
+              </a:ext>
+            </a:extLst>
+          </p:cNvPr>
+          <p:cNvSpPr/>
+          <p:nvPr/>
+        </p:nvSpPr>
+        <p:spPr>
+          <a:xfrm>
+            <a:off x="7803931" y="2275490"/>
+            <a:ext cx="1776248" cy="966951"/>
+          </a:xfrm>
+          <a:prstGeom prst="roundRect">
+            <a:avLst/>
+          </a:prstGeom>
+          <a:scene3d>
+            <a:camera prst="orthographicFront"/>
+            <a:lightRig rig="threePt" dir="t"/>
+          </a:scene3d>
+          <a:sp3d>
+            <a:bevelT w="152400" h="50800" prst="softRound"/>
+          </a:sp3d>
+        </p:spPr>
+        <p:style>
+          <a:lnRef idx="2">
+            <a:schemeClr val="accent1">
+              <a:shade val="50000"/>
+            </a:schemeClr>
+          </a:lnRef>
+          <a:fillRef idx="1">
+            <a:schemeClr val="accent1"/>
+          </a:fillRef>
+          <a:effectRef idx="0">
+            <a:schemeClr val="accent1"/>
+          </a:effectRef>
+          <a:fontRef idx="minor">
+            <a:schemeClr val="lt1"/>
+          </a:fontRef>
+        </p:style>
+        <p:txBody>
+          <a:bodyPr rtlCol="0" anchor="ctr"/>
+          <a:lstStyle/>
+          <a:p>
+            <a:pPr algn="ctr"/>
+            <a:r>
+              <a:rPr lang="en-US" dirty="0"/>
+              <a:t>Controller 2</a:t>
+            </a:r>
+          </a:p>
+        </p:txBody>
+      </p:sp>
+      <p:sp>
+        <p:nvSpPr>
+          <p:cNvPr id="6" name="Rounded Rectangle 5">
+            <a:extLst>
+              <a:ext uri="{FF2B5EF4-FFF2-40B4-BE49-F238E27FC236}">
+                <a16:creationId xmlns:a16="http://schemas.microsoft.com/office/drawing/2014/main" id="{8AD0A636-5F70-DE5F-94D1-066ECF3784EE}"/>
+              </a:ext>
+            </a:extLst>
+          </p:cNvPr>
+          <p:cNvSpPr/>
+          <p:nvPr/>
+        </p:nvSpPr>
+        <p:spPr>
+          <a:xfrm>
+            <a:off x="7803931" y="3715407"/>
+            <a:ext cx="1776248" cy="966951"/>
+          </a:xfrm>
+          <a:prstGeom prst="roundRect">
+            <a:avLst/>
+          </a:prstGeom>
+          <a:scene3d>
+            <a:camera prst="orthographicFront"/>
+            <a:lightRig rig="threePt" dir="t"/>
+          </a:scene3d>
+          <a:sp3d>
+            <a:bevelT w="152400" h="50800" prst="softRound"/>
+          </a:sp3d>
+        </p:spPr>
+        <p:style>
+          <a:lnRef idx="2">
+            <a:schemeClr val="accent1">
+              <a:shade val="50000"/>
+            </a:schemeClr>
+          </a:lnRef>
+          <a:fillRef idx="1">
+            <a:schemeClr val="accent1"/>
+          </a:fillRef>
+          <a:effectRef idx="0">
+            <a:schemeClr val="accent1"/>
+          </a:effectRef>
+          <a:fontRef idx="minor">
+            <a:schemeClr val="lt1"/>
+          </a:fontRef>
+        </p:style>
+        <p:txBody>
+          <a:bodyPr rtlCol="0" anchor="ctr"/>
+          <a:lstStyle/>
+          <a:p>
+            <a:pPr algn="ctr"/>
+            <a:r>
+              <a:rPr lang="en-US" dirty="0"/>
+              <a:t>Controller 3</a:t>
+            </a:r>
+          </a:p>
+        </p:txBody>
+      </p:sp>
+      <p:sp>
+        <p:nvSpPr>
+          <p:cNvPr id="7" name="Rounded Rectangle 6">
+            <a:extLst>
+              <a:ext uri="{FF2B5EF4-FFF2-40B4-BE49-F238E27FC236}">
+                <a16:creationId xmlns:a16="http://schemas.microsoft.com/office/drawing/2014/main" id="{C93EE134-682C-83B6-7556-F9E94477E854}"/>
+              </a:ext>
+            </a:extLst>
+          </p:cNvPr>
+          <p:cNvSpPr/>
+          <p:nvPr/>
+        </p:nvSpPr>
+        <p:spPr>
+          <a:xfrm>
+            <a:off x="5281448" y="4461642"/>
+            <a:ext cx="1776248" cy="966951"/>
+          </a:xfrm>
+          <a:prstGeom prst="roundRect">
+            <a:avLst/>
+          </a:prstGeom>
+          <a:scene3d>
+            <a:camera prst="orthographicFront"/>
+            <a:lightRig rig="threePt" dir="t"/>
+          </a:scene3d>
+          <a:sp3d>
+            <a:bevelT w="152400" h="50800" prst="softRound"/>
+          </a:sp3d>
+        </p:spPr>
+        <p:style>
+          <a:lnRef idx="2">
+            <a:schemeClr val="accent1">
+              <a:shade val="50000"/>
+            </a:schemeClr>
+          </a:lnRef>
+          <a:fillRef idx="1">
+            <a:schemeClr val="accent1"/>
+          </a:fillRef>
+          <a:effectRef idx="0">
+            <a:schemeClr val="accent1"/>
+          </a:effectRef>
+          <a:fontRef idx="minor">
+            <a:schemeClr val="lt1"/>
+          </a:fontRef>
+        </p:style>
+        <p:txBody>
+          <a:bodyPr rtlCol="0" anchor="ctr"/>
+          <a:lstStyle/>
+          <a:p>
+            <a:pPr algn="ctr"/>
+            <a:r>
+              <a:rPr lang="en-US" dirty="0"/>
+              <a:t>Controller 4</a:t>
+            </a:r>
+          </a:p>
+        </p:txBody>
+      </p:sp>
+      <p:sp>
+        <p:nvSpPr>
+          <p:cNvPr id="8" name="Can 7">
+            <a:extLst>
+              <a:ext uri="{FF2B5EF4-FFF2-40B4-BE49-F238E27FC236}">
+                <a16:creationId xmlns:a16="http://schemas.microsoft.com/office/drawing/2014/main" id="{E5AF9950-771E-434B-8982-082F31B3CC67}"/>
+              </a:ext>
+            </a:extLst>
+          </p:cNvPr>
+          <p:cNvSpPr/>
+          <p:nvPr/>
+        </p:nvSpPr>
+        <p:spPr>
+          <a:xfrm>
+            <a:off x="10289628" y="2144110"/>
+            <a:ext cx="1807779" cy="1460938"/>
+          </a:xfrm>
+          <a:prstGeom prst="can">
+            <a:avLst/>
+          </a:prstGeom>
+        </p:spPr>
+        <p:style>
+          <a:lnRef idx="2">
+            <a:schemeClr val="accent1">
+              <a:shade val="50000"/>
+            </a:schemeClr>
+          </a:lnRef>
+          <a:fillRef idx="1">
+            <a:schemeClr val="accent1"/>
+          </a:fillRef>
+          <a:effectRef idx="0">
+            <a:schemeClr val="accent1"/>
+          </a:effectRef>
+          <a:fontRef idx="minor">
+            <a:schemeClr val="lt1"/>
+          </a:fontRef>
+        </p:style>
+        <p:txBody>
+          <a:bodyPr rtlCol="0" anchor="ctr"/>
+          <a:lstStyle/>
+          <a:p>
+            <a:pPr algn="ctr"/>
+            <a:r>
+              <a:rPr lang="en-US" b="1" dirty="0"/>
+              <a:t>Session </a:t>
+            </a:r>
+          </a:p>
+          <a:p>
+            <a:pPr algn="ctr"/>
+            <a:r>
+              <a:rPr lang="en-US" b="1" dirty="0"/>
+              <a:t>Storage</a:t>
+            </a:r>
+          </a:p>
+        </p:txBody>
+      </p:sp>
+      <p:cxnSp>
+        <p:nvCxnSpPr>
+          <p:cNvPr id="12" name="Elbow Connector 11">
+            <a:extLst>
+              <a:ext uri="{FF2B5EF4-FFF2-40B4-BE49-F238E27FC236}">
+                <a16:creationId xmlns:a16="http://schemas.microsoft.com/office/drawing/2014/main" id="{1CEE0CBD-9AD6-2A79-3032-CB9AC1C9440B}"/>
+              </a:ext>
+            </a:extLst>
+          </p:cNvPr>
+          <p:cNvCxnSpPr>
+            <a:stCxn id="4" idx="3"/>
+            <a:endCxn id="8" idx="1"/>
+          </p:cNvCxnSpPr>
+          <p:nvPr/>
+        </p:nvCxnSpPr>
+        <p:spPr>
+          <a:xfrm>
+            <a:off x="6957848" y="1660635"/>
+            <a:ext cx="4235670" cy="483475"/>
+          </a:xfrm>
+          <a:prstGeom prst="bentConnector2">
+            <a:avLst/>
+          </a:prstGeom>
+          <a:ln w="76200">
+            <a:solidFill>
+              <a:srgbClr val="FF0000"/>
+            </a:solidFill>
+            <a:headEnd type="triangle"/>
+            <a:tailEnd type="triangle"/>
+          </a:ln>
+        </p:spPr>
+        <p:style>
+          <a:lnRef idx="1">
+            <a:schemeClr val="accent1"/>
+          </a:lnRef>
+          <a:fillRef idx="0">
+            <a:schemeClr val="accent1"/>
+          </a:fillRef>
+          <a:effectRef idx="0">
+            <a:schemeClr val="accent1"/>
+          </a:effectRef>
+          <a:fontRef idx="minor">
+            <a:schemeClr val="tx1"/>
+          </a:fontRef>
+        </p:style>
+      </p:cxnSp>
+      <p:cxnSp>
+        <p:nvCxnSpPr>
+          <p:cNvPr id="14" name="Elbow Connector 13">
+            <a:extLst>
+              <a:ext uri="{FF2B5EF4-FFF2-40B4-BE49-F238E27FC236}">
+                <a16:creationId xmlns:a16="http://schemas.microsoft.com/office/drawing/2014/main" id="{EF2A7DFB-B2B4-7E82-FB16-77712F1D17ED}"/>
+              </a:ext>
+            </a:extLst>
+          </p:cNvPr>
+          <p:cNvCxnSpPr>
+            <a:stCxn id="5" idx="3"/>
+            <a:endCxn id="8" idx="2"/>
+          </p:cNvCxnSpPr>
+          <p:nvPr/>
+        </p:nvCxnSpPr>
+        <p:spPr>
+          <a:xfrm>
+            <a:off x="9580179" y="2758966"/>
+            <a:ext cx="709449" cy="115613"/>
+          </a:xfrm>
+          <a:prstGeom prst="bentConnector3">
+            <a:avLst/>
+          </a:prstGeom>
+          <a:ln w="76200">
+            <a:solidFill>
+              <a:srgbClr val="FF0000"/>
+            </a:solidFill>
+            <a:headEnd type="triangle"/>
+            <a:tailEnd type="triangle"/>
+          </a:ln>
+        </p:spPr>
+        <p:style>
+          <a:lnRef idx="1">
+            <a:schemeClr val="accent1"/>
+          </a:lnRef>
+          <a:fillRef idx="0">
+            <a:schemeClr val="accent1"/>
+          </a:fillRef>
+          <a:effectRef idx="0">
+            <a:schemeClr val="accent1"/>
+          </a:effectRef>
+          <a:fontRef idx="minor">
+            <a:schemeClr val="tx1"/>
+          </a:fontRef>
+        </p:style>
+      </p:cxnSp>
+      <p:cxnSp>
+        <p:nvCxnSpPr>
+          <p:cNvPr id="16" name="Elbow Connector 15">
+            <a:extLst>
+              <a:ext uri="{FF2B5EF4-FFF2-40B4-BE49-F238E27FC236}">
+                <a16:creationId xmlns:a16="http://schemas.microsoft.com/office/drawing/2014/main" id="{DC9FC1F7-3457-9892-4CEB-F145FA1E88E3}"/>
+              </a:ext>
+            </a:extLst>
+          </p:cNvPr>
+          <p:cNvCxnSpPr>
+            <a:endCxn id="8" idx="3"/>
+          </p:cNvCxnSpPr>
+          <p:nvPr/>
+        </p:nvCxnSpPr>
+        <p:spPr>
+          <a:xfrm flipV="1">
+            <a:off x="9580179" y="3605048"/>
+            <a:ext cx="1613339" cy="578069"/>
+          </a:xfrm>
+          <a:prstGeom prst="bentConnector2">
+            <a:avLst/>
+          </a:prstGeom>
+          <a:ln w="76200">
+            <a:solidFill>
+              <a:srgbClr val="FF0000"/>
+            </a:solidFill>
+            <a:headEnd type="triangle"/>
+            <a:tailEnd type="triangle"/>
+          </a:ln>
+        </p:spPr>
+        <p:style>
+          <a:lnRef idx="1">
+            <a:schemeClr val="accent1"/>
+          </a:lnRef>
+          <a:fillRef idx="0">
+            <a:schemeClr val="accent1"/>
+          </a:fillRef>
+          <a:effectRef idx="0">
+            <a:schemeClr val="accent1"/>
+          </a:effectRef>
+          <a:fontRef idx="minor">
+            <a:schemeClr val="tx1"/>
+          </a:fontRef>
+        </p:style>
+      </p:cxnSp>
+      <p:cxnSp>
+        <p:nvCxnSpPr>
+          <p:cNvPr id="18" name="Elbow Connector 17">
+            <a:extLst>
+              <a:ext uri="{FF2B5EF4-FFF2-40B4-BE49-F238E27FC236}">
+                <a16:creationId xmlns:a16="http://schemas.microsoft.com/office/drawing/2014/main" id="{85F14BD6-6591-EC02-274E-5AD7381D86DB}"/>
+              </a:ext>
+            </a:extLst>
+          </p:cNvPr>
+          <p:cNvCxnSpPr>
+            <a:stCxn id="7" idx="3"/>
+            <a:endCxn id="8" idx="3"/>
+          </p:cNvCxnSpPr>
+          <p:nvPr/>
+        </p:nvCxnSpPr>
+        <p:spPr>
+          <a:xfrm flipV="1">
+            <a:off x="7057696" y="3605048"/>
+            <a:ext cx="4135822" cy="1340070"/>
+          </a:xfrm>
+          <a:prstGeom prst="bentConnector2">
+            <a:avLst/>
+          </a:prstGeom>
+          <a:ln w="76200">
+            <a:solidFill>
+              <a:srgbClr val="FF0000"/>
+            </a:solidFill>
+            <a:headEnd type="triangle"/>
+            <a:tailEnd type="triangle"/>
+          </a:ln>
+        </p:spPr>
+        <p:style>
+          <a:lnRef idx="1">
+            <a:schemeClr val="accent1"/>
+          </a:lnRef>
+          <a:fillRef idx="0">
+            <a:schemeClr val="accent1"/>
+          </a:fillRef>
+          <a:effectRef idx="0">
+            <a:schemeClr val="accent1"/>
+          </a:effectRef>
+          <a:fontRef idx="minor">
+            <a:schemeClr val="tx1"/>
+          </a:fontRef>
+        </p:style>
+      </p:cxnSp>
+    </p:spTree>
+    <p:extLst>
+      <p:ext uri="{BB962C8B-B14F-4D97-AF65-F5344CB8AC3E}">
+        <p14:creationId xmlns:p14="http://schemas.microsoft.com/office/powerpoint/2010/main" val="4218652380"/>
+      </p:ext>
+    </p:extLst>
+  </p:cSld>
+  <p:clrMapOvr>
+    <a:masterClrMapping/>
+  </p:clrMapOvr>
+</p:sld>
+</file>
+
+<file path=ppt/slides/slide26.xml><?xml version="1.0" encoding="utf-8"?>
+<p:sld xmlns:a="http://schemas.openxmlformats.org/drawingml/2006/main" xmlns:r="http://schemas.openxmlformats.org/officeDocument/2006/relationships" xmlns:p="http://schemas.openxmlformats.org/presentationml/2006/main">
+  <p:cSld>
+    <p:spTree>
+      <p:nvGrpSpPr>
+        <p:cNvPr id="1" name=""/>
+        <p:cNvGrpSpPr/>
+        <p:nvPr/>
+      </p:nvGrpSpPr>
+      <p:grpSpPr>
+        <a:xfrm>
+          <a:off x="0" y="0"/>
+          <a:ext cx="0" cy="0"/>
+          <a:chOff x="0" y="0"/>
+          <a:chExt cx="0" cy="0"/>
+        </a:xfrm>
+      </p:grpSpPr>
+      <p:sp>
+        <p:nvSpPr>
+          <p:cNvPr id="2" name="TextBox 1">
+            <a:extLst>
+              <a:ext uri="{FF2B5EF4-FFF2-40B4-BE49-F238E27FC236}">
+                <a16:creationId xmlns:a16="http://schemas.microsoft.com/office/drawing/2014/main" id="{9B66E1AF-131F-C170-EC9E-7F6E98EF79AF}"/>
+              </a:ext>
+            </a:extLst>
+          </p:cNvPr>
+          <p:cNvSpPr txBox="1"/>
+          <p:nvPr/>
+        </p:nvSpPr>
+        <p:spPr>
+          <a:xfrm>
+            <a:off x="283779" y="168166"/>
+            <a:ext cx="4445876" cy="646331"/>
+          </a:xfrm>
+          <a:prstGeom prst="rect">
+            <a:avLst/>
+          </a:prstGeom>
+          <a:noFill/>
+        </p:spPr>
+        <p:txBody>
+          <a:bodyPr wrap="square" rtlCol="0">
+            <a:spAutoFit/>
+          </a:bodyPr>
+          <a:lstStyle/>
+          <a:p>
+            <a:r>
+              <a:rPr lang="en-US" dirty="0"/>
+              <a:t>Session State for ASP.NET Core Apps with Memory Cache</a:t>
+            </a:r>
+          </a:p>
+        </p:txBody>
+      </p:sp>
+      <p:sp>
+        <p:nvSpPr>
+          <p:cNvPr id="3" name="Rounded Rectangle 2">
+            <a:extLst>
+              <a:ext uri="{FF2B5EF4-FFF2-40B4-BE49-F238E27FC236}">
+                <a16:creationId xmlns:a16="http://schemas.microsoft.com/office/drawing/2014/main" id="{1ABCFCC4-9E5A-D62E-AFA6-46A1E993F61E}"/>
+              </a:ext>
+            </a:extLst>
+          </p:cNvPr>
+          <p:cNvSpPr/>
+          <p:nvPr/>
+        </p:nvSpPr>
+        <p:spPr>
+          <a:xfrm>
+            <a:off x="1776249" y="876300"/>
+            <a:ext cx="8135006" cy="5105400"/>
+          </a:xfrm>
+          <a:prstGeom prst="roundRect">
+            <a:avLst>
+              <a:gd name="adj" fmla="val 3994"/>
+            </a:avLst>
+          </a:prstGeom>
+        </p:spPr>
+        <p:style>
+          <a:lnRef idx="2">
+            <a:schemeClr val="accent6"/>
+          </a:lnRef>
+          <a:fillRef idx="1">
+            <a:schemeClr val="lt1"/>
+          </a:fillRef>
+          <a:effectRef idx="0">
+            <a:schemeClr val="accent6"/>
+          </a:effectRef>
+          <a:fontRef idx="minor">
+            <a:schemeClr val="dk1"/>
+          </a:fontRef>
+        </p:style>
+        <p:txBody>
+          <a:bodyPr rtlCol="0" anchor="ctr"/>
+          <a:lstStyle/>
+          <a:p>
+            <a:pPr algn="ctr"/>
+            <a:endParaRPr lang="en-US" dirty="0"/>
+          </a:p>
+        </p:txBody>
+      </p:sp>
+      <p:sp>
+        <p:nvSpPr>
+          <p:cNvPr id="4" name="Rounded Rectangle 3">
+            <a:extLst>
+              <a:ext uri="{FF2B5EF4-FFF2-40B4-BE49-F238E27FC236}">
+                <a16:creationId xmlns:a16="http://schemas.microsoft.com/office/drawing/2014/main" id="{B547EDBD-F86A-3B8C-E7A9-C4129E3214B4}"/>
+              </a:ext>
+            </a:extLst>
+          </p:cNvPr>
+          <p:cNvSpPr/>
+          <p:nvPr/>
+        </p:nvSpPr>
+        <p:spPr>
+          <a:xfrm>
+            <a:off x="2280745" y="1271752"/>
+            <a:ext cx="1776248" cy="966951"/>
+          </a:xfrm>
+          <a:prstGeom prst="roundRect">
+            <a:avLst/>
+          </a:prstGeom>
+          <a:scene3d>
+            <a:camera prst="orthographicFront"/>
+            <a:lightRig rig="threePt" dir="t"/>
+          </a:scene3d>
+          <a:sp3d>
+            <a:bevelT w="152400" h="50800" prst="softRound"/>
+          </a:sp3d>
+        </p:spPr>
+        <p:style>
+          <a:lnRef idx="2">
+            <a:schemeClr val="accent1">
+              <a:shade val="50000"/>
+            </a:schemeClr>
+          </a:lnRef>
+          <a:fillRef idx="1">
+            <a:schemeClr val="accent1"/>
+          </a:fillRef>
+          <a:effectRef idx="0">
+            <a:schemeClr val="accent1"/>
+          </a:effectRef>
+          <a:fontRef idx="minor">
+            <a:schemeClr val="lt1"/>
+          </a:fontRef>
+        </p:style>
+        <p:txBody>
+          <a:bodyPr rtlCol="0" anchor="ctr"/>
+          <a:lstStyle/>
+          <a:p>
+            <a:pPr algn="ctr"/>
+            <a:r>
+              <a:rPr lang="en-US" dirty="0"/>
+              <a:t>Controller 1</a:t>
+            </a:r>
+          </a:p>
+        </p:txBody>
+      </p:sp>
+      <p:sp>
+        <p:nvSpPr>
+          <p:cNvPr id="5" name="Rounded Rectangle 4">
+            <a:extLst>
+              <a:ext uri="{FF2B5EF4-FFF2-40B4-BE49-F238E27FC236}">
+                <a16:creationId xmlns:a16="http://schemas.microsoft.com/office/drawing/2014/main" id="{ECA80A12-FD48-5229-46D9-355DFE7B1D03}"/>
+              </a:ext>
+            </a:extLst>
+          </p:cNvPr>
+          <p:cNvSpPr/>
+          <p:nvPr/>
+        </p:nvSpPr>
+        <p:spPr>
+          <a:xfrm>
+            <a:off x="4903076" y="2370083"/>
+            <a:ext cx="1776248" cy="966951"/>
+          </a:xfrm>
+          <a:prstGeom prst="roundRect">
+            <a:avLst/>
+          </a:prstGeom>
+          <a:scene3d>
+            <a:camera prst="orthographicFront"/>
+            <a:lightRig rig="threePt" dir="t"/>
+          </a:scene3d>
+          <a:sp3d>
+            <a:bevelT w="152400" h="50800" prst="softRound"/>
+          </a:sp3d>
+        </p:spPr>
+        <p:style>
+          <a:lnRef idx="2">
+            <a:schemeClr val="accent1">
+              <a:shade val="50000"/>
+            </a:schemeClr>
+          </a:lnRef>
+          <a:fillRef idx="1">
+            <a:schemeClr val="accent1"/>
+          </a:fillRef>
+          <a:effectRef idx="0">
+            <a:schemeClr val="accent1"/>
+          </a:effectRef>
+          <a:fontRef idx="minor">
+            <a:schemeClr val="lt1"/>
+          </a:fontRef>
+        </p:style>
+        <p:txBody>
+          <a:bodyPr rtlCol="0" anchor="ctr"/>
+          <a:lstStyle/>
+          <a:p>
+            <a:pPr algn="ctr"/>
+            <a:r>
+              <a:rPr lang="en-US" dirty="0"/>
+              <a:t>Controller 2</a:t>
+            </a:r>
+          </a:p>
+        </p:txBody>
+      </p:sp>
+      <p:sp>
+        <p:nvSpPr>
+          <p:cNvPr id="6" name="Rounded Rectangle 5">
+            <a:extLst>
+              <a:ext uri="{FF2B5EF4-FFF2-40B4-BE49-F238E27FC236}">
+                <a16:creationId xmlns:a16="http://schemas.microsoft.com/office/drawing/2014/main" id="{E4804F24-68B3-6B65-85CD-1B562ADE3F8E}"/>
+              </a:ext>
+            </a:extLst>
+          </p:cNvPr>
+          <p:cNvSpPr/>
+          <p:nvPr/>
+        </p:nvSpPr>
+        <p:spPr>
+          <a:xfrm>
+            <a:off x="4903076" y="3810000"/>
+            <a:ext cx="1776248" cy="966951"/>
+          </a:xfrm>
+          <a:prstGeom prst="roundRect">
+            <a:avLst/>
+          </a:prstGeom>
+          <a:scene3d>
+            <a:camera prst="orthographicFront"/>
+            <a:lightRig rig="threePt" dir="t"/>
+          </a:scene3d>
+          <a:sp3d>
+            <a:bevelT w="152400" h="50800" prst="softRound"/>
+          </a:sp3d>
+        </p:spPr>
+        <p:style>
+          <a:lnRef idx="2">
+            <a:schemeClr val="accent1">
+              <a:shade val="50000"/>
+            </a:schemeClr>
+          </a:lnRef>
+          <a:fillRef idx="1">
+            <a:schemeClr val="accent1"/>
+          </a:fillRef>
+          <a:effectRef idx="0">
+            <a:schemeClr val="accent1"/>
+          </a:effectRef>
+          <a:fontRef idx="minor">
+            <a:schemeClr val="lt1"/>
+          </a:fontRef>
+        </p:style>
+        <p:txBody>
+          <a:bodyPr rtlCol="0" anchor="ctr"/>
+          <a:lstStyle/>
+          <a:p>
+            <a:pPr algn="ctr"/>
+            <a:r>
+              <a:rPr lang="en-US" dirty="0"/>
+              <a:t>Controller 3</a:t>
+            </a:r>
+          </a:p>
+        </p:txBody>
+      </p:sp>
+      <p:sp>
+        <p:nvSpPr>
+          <p:cNvPr id="7" name="Rounded Rectangle 6">
+            <a:extLst>
+              <a:ext uri="{FF2B5EF4-FFF2-40B4-BE49-F238E27FC236}">
+                <a16:creationId xmlns:a16="http://schemas.microsoft.com/office/drawing/2014/main" id="{54B1B7A4-8C7C-7D4F-F98E-343A2E7E9DAB}"/>
+              </a:ext>
+            </a:extLst>
+          </p:cNvPr>
+          <p:cNvSpPr/>
+          <p:nvPr/>
+        </p:nvSpPr>
+        <p:spPr>
+          <a:xfrm>
+            <a:off x="2380593" y="4556235"/>
+            <a:ext cx="1776248" cy="966951"/>
+          </a:xfrm>
+          <a:prstGeom prst="roundRect">
+            <a:avLst/>
+          </a:prstGeom>
+          <a:scene3d>
+            <a:camera prst="orthographicFront"/>
+            <a:lightRig rig="threePt" dir="t"/>
+          </a:scene3d>
+          <a:sp3d>
+            <a:bevelT w="152400" h="50800" prst="softRound"/>
+          </a:sp3d>
+        </p:spPr>
+        <p:style>
+          <a:lnRef idx="2">
+            <a:schemeClr val="accent1">
+              <a:shade val="50000"/>
+            </a:schemeClr>
+          </a:lnRef>
+          <a:fillRef idx="1">
+            <a:schemeClr val="accent1"/>
+          </a:fillRef>
+          <a:effectRef idx="0">
+            <a:schemeClr val="accent1"/>
+          </a:effectRef>
+          <a:fontRef idx="minor">
+            <a:schemeClr val="lt1"/>
+          </a:fontRef>
+        </p:style>
+        <p:txBody>
+          <a:bodyPr rtlCol="0" anchor="ctr"/>
+          <a:lstStyle/>
+          <a:p>
+            <a:pPr algn="ctr"/>
+            <a:r>
+              <a:rPr lang="en-US" dirty="0"/>
+              <a:t>Controller 4</a:t>
+            </a:r>
+          </a:p>
+        </p:txBody>
+      </p:sp>
+      <p:sp>
+        <p:nvSpPr>
+          <p:cNvPr id="8" name="Can 7">
+            <a:extLst>
+              <a:ext uri="{FF2B5EF4-FFF2-40B4-BE49-F238E27FC236}">
+                <a16:creationId xmlns:a16="http://schemas.microsoft.com/office/drawing/2014/main" id="{94143B5D-B242-EAE6-5A24-BA354B845ADB}"/>
+              </a:ext>
+            </a:extLst>
+          </p:cNvPr>
+          <p:cNvSpPr/>
+          <p:nvPr/>
+        </p:nvSpPr>
+        <p:spPr>
+          <a:xfrm>
+            <a:off x="10289628" y="537498"/>
+            <a:ext cx="1807779" cy="5316764"/>
+          </a:xfrm>
+          <a:prstGeom prst="can">
+            <a:avLst/>
+          </a:prstGeom>
+        </p:spPr>
+        <p:style>
+          <a:lnRef idx="2">
+            <a:schemeClr val="accent1">
+              <a:shade val="50000"/>
+            </a:schemeClr>
+          </a:lnRef>
+          <a:fillRef idx="1">
+            <a:schemeClr val="accent1"/>
+          </a:fillRef>
+          <a:effectRef idx="0">
+            <a:schemeClr val="accent1"/>
+          </a:effectRef>
+          <a:fontRef idx="minor">
+            <a:schemeClr val="lt1"/>
+          </a:fontRef>
+        </p:style>
+        <p:txBody>
+          <a:bodyPr rtlCol="0" anchor="ctr"/>
+          <a:lstStyle/>
+          <a:p>
+            <a:pPr algn="ctr"/>
+            <a:r>
+              <a:rPr lang="en-US" b="1" dirty="0"/>
+              <a:t>Memory Cache</a:t>
+            </a:r>
+          </a:p>
+          <a:p>
+            <a:pPr algn="ctr"/>
+            <a:r>
+              <a:rPr lang="en-US" b="1" dirty="0"/>
+              <a:t>Memory on Hosting Env.</a:t>
+            </a:r>
+          </a:p>
+        </p:txBody>
+      </p:sp>
+      <p:cxnSp>
+        <p:nvCxnSpPr>
+          <p:cNvPr id="9" name="Elbow Connector 8">
+            <a:extLst>
+              <a:ext uri="{FF2B5EF4-FFF2-40B4-BE49-F238E27FC236}">
+                <a16:creationId xmlns:a16="http://schemas.microsoft.com/office/drawing/2014/main" id="{6E2558A2-F398-0E40-F7C4-84DDCAF540A1}"/>
+              </a:ext>
+            </a:extLst>
+          </p:cNvPr>
+          <p:cNvCxnSpPr>
+            <a:cxnSpLocks/>
+            <a:stCxn id="4" idx="3"/>
+            <a:endCxn id="8" idx="1"/>
+          </p:cNvCxnSpPr>
+          <p:nvPr/>
+        </p:nvCxnSpPr>
+        <p:spPr>
+          <a:xfrm flipV="1">
+            <a:off x="4056993" y="537498"/>
+            <a:ext cx="7136525" cy="1217730"/>
+          </a:xfrm>
+          <a:prstGeom prst="bentConnector4">
+            <a:avLst>
+              <a:gd name="adj1" fmla="val 43667"/>
+              <a:gd name="adj2" fmla="val 118773"/>
+            </a:avLst>
+          </a:prstGeom>
+          <a:ln w="76200">
+            <a:solidFill>
+              <a:srgbClr val="FF0000"/>
+            </a:solidFill>
+            <a:headEnd type="triangle"/>
+            <a:tailEnd type="triangle"/>
+          </a:ln>
+        </p:spPr>
+        <p:style>
+          <a:lnRef idx="1">
+            <a:schemeClr val="accent1"/>
+          </a:lnRef>
+          <a:fillRef idx="0">
+            <a:schemeClr val="accent1"/>
+          </a:fillRef>
+          <a:effectRef idx="0">
+            <a:schemeClr val="accent1"/>
+          </a:effectRef>
+          <a:fontRef idx="minor">
+            <a:schemeClr val="tx1"/>
+          </a:fontRef>
+        </p:style>
+      </p:cxnSp>
+      <p:cxnSp>
+        <p:nvCxnSpPr>
+          <p:cNvPr id="10" name="Elbow Connector 9">
+            <a:extLst>
+              <a:ext uri="{FF2B5EF4-FFF2-40B4-BE49-F238E27FC236}">
+                <a16:creationId xmlns:a16="http://schemas.microsoft.com/office/drawing/2014/main" id="{521878CA-1650-FC50-BDA1-D39B76894027}"/>
+              </a:ext>
+            </a:extLst>
+          </p:cNvPr>
+          <p:cNvCxnSpPr>
+            <a:cxnSpLocks/>
+            <a:stCxn id="5" idx="3"/>
+            <a:endCxn id="8" idx="2"/>
+          </p:cNvCxnSpPr>
+          <p:nvPr/>
+        </p:nvCxnSpPr>
+        <p:spPr>
+          <a:xfrm>
+            <a:off x="6679324" y="2853559"/>
+            <a:ext cx="3610304" cy="342321"/>
+          </a:xfrm>
+          <a:prstGeom prst="bentConnector3">
+            <a:avLst/>
+          </a:prstGeom>
+          <a:ln w="76200">
+            <a:solidFill>
+              <a:srgbClr val="FF0000"/>
+            </a:solidFill>
+            <a:headEnd type="triangle"/>
+            <a:tailEnd type="triangle"/>
+          </a:ln>
+        </p:spPr>
+        <p:style>
+          <a:lnRef idx="1">
+            <a:schemeClr val="accent1"/>
+          </a:lnRef>
+          <a:fillRef idx="0">
+            <a:schemeClr val="accent1"/>
+          </a:fillRef>
+          <a:effectRef idx="0">
+            <a:schemeClr val="accent1"/>
+          </a:effectRef>
+          <a:fontRef idx="minor">
+            <a:schemeClr val="tx1"/>
+          </a:fontRef>
+        </p:style>
+      </p:cxnSp>
+      <p:cxnSp>
+        <p:nvCxnSpPr>
+          <p:cNvPr id="11" name="Elbow Connector 10">
+            <a:extLst>
+              <a:ext uri="{FF2B5EF4-FFF2-40B4-BE49-F238E27FC236}">
+                <a16:creationId xmlns:a16="http://schemas.microsoft.com/office/drawing/2014/main" id="{6DD3CD0A-BC4D-EDCA-8B26-5DA02ABB067C}"/>
+              </a:ext>
+            </a:extLst>
+          </p:cNvPr>
+          <p:cNvCxnSpPr>
+            <a:cxnSpLocks/>
+            <a:stCxn id="6" idx="3"/>
+            <a:endCxn id="8" idx="3"/>
+          </p:cNvCxnSpPr>
+          <p:nvPr/>
+        </p:nvCxnSpPr>
+        <p:spPr>
+          <a:xfrm>
+            <a:off x="6679324" y="4293476"/>
+            <a:ext cx="4514194" cy="1560786"/>
+          </a:xfrm>
+          <a:prstGeom prst="bentConnector4">
+            <a:avLst>
+              <a:gd name="adj1" fmla="val 39988"/>
+              <a:gd name="adj2" fmla="val 114646"/>
+            </a:avLst>
+          </a:prstGeom>
+          <a:ln w="76200">
+            <a:solidFill>
+              <a:srgbClr val="FF0000"/>
+            </a:solidFill>
+            <a:headEnd type="triangle"/>
+            <a:tailEnd type="triangle"/>
+          </a:ln>
+        </p:spPr>
+        <p:style>
+          <a:lnRef idx="1">
+            <a:schemeClr val="accent1"/>
+          </a:lnRef>
+          <a:fillRef idx="0">
+            <a:schemeClr val="accent1"/>
+          </a:fillRef>
+          <a:effectRef idx="0">
+            <a:schemeClr val="accent1"/>
+          </a:effectRef>
+          <a:fontRef idx="minor">
+            <a:schemeClr val="tx1"/>
+          </a:fontRef>
+        </p:style>
+      </p:cxnSp>
+      <p:cxnSp>
+        <p:nvCxnSpPr>
+          <p:cNvPr id="12" name="Elbow Connector 11">
+            <a:extLst>
+              <a:ext uri="{FF2B5EF4-FFF2-40B4-BE49-F238E27FC236}">
+                <a16:creationId xmlns:a16="http://schemas.microsoft.com/office/drawing/2014/main" id="{F421AAC1-3206-A929-7ADA-C1D3DC69BF88}"/>
+              </a:ext>
+            </a:extLst>
+          </p:cNvPr>
+          <p:cNvCxnSpPr>
+            <a:cxnSpLocks/>
+            <a:stCxn id="7" idx="3"/>
+            <a:endCxn id="8" idx="3"/>
+          </p:cNvCxnSpPr>
+          <p:nvPr/>
+        </p:nvCxnSpPr>
+        <p:spPr>
+          <a:xfrm>
+            <a:off x="4156841" y="5039711"/>
+            <a:ext cx="7036677" cy="814551"/>
+          </a:xfrm>
+          <a:prstGeom prst="bentConnector4">
+            <a:avLst>
+              <a:gd name="adj1" fmla="val 43577"/>
+              <a:gd name="adj2" fmla="val 128065"/>
+            </a:avLst>
+          </a:prstGeom>
+          <a:ln w="76200">
+            <a:solidFill>
+              <a:srgbClr val="FF0000"/>
+            </a:solidFill>
+            <a:headEnd type="triangle"/>
+            <a:tailEnd type="triangle"/>
+          </a:ln>
+        </p:spPr>
+        <p:style>
+          <a:lnRef idx="1">
+            <a:schemeClr val="accent1"/>
+          </a:lnRef>
+          <a:fillRef idx="0">
+            <a:schemeClr val="accent1"/>
+          </a:fillRef>
+          <a:effectRef idx="0">
+            <a:schemeClr val="accent1"/>
+          </a:effectRef>
+          <a:fontRef idx="minor">
+            <a:schemeClr val="tx1"/>
+          </a:fontRef>
+        </p:style>
+      </p:cxnSp>
+    </p:spTree>
+    <p:extLst>
+      <p:ext uri="{BB962C8B-B14F-4D97-AF65-F5344CB8AC3E}">
+        <p14:creationId xmlns:p14="http://schemas.microsoft.com/office/powerpoint/2010/main" val="2999960841"/>
+      </p:ext>
+    </p:extLst>
+  </p:cSld>
+  <p:clrMapOvr>
+    <a:masterClrMapping/>
+  </p:clrMapOvr>
+</p:sld>
+</file>
+
+<file path=ppt/slides/slide27.xml><?xml version="1.0" encoding="utf-8"?>
+<p:sld xmlns:a="http://schemas.openxmlformats.org/drawingml/2006/main" xmlns:r="http://schemas.openxmlformats.org/officeDocument/2006/relationships" xmlns:p="http://schemas.openxmlformats.org/presentationml/2006/main">
+  <p:cSld>
+    <p:spTree>
+      <p:nvGrpSpPr>
+        <p:cNvPr id="1" name=""/>
+        <p:cNvGrpSpPr/>
+        <p:nvPr/>
+      </p:nvGrpSpPr>
+      <p:grpSpPr>
+        <a:xfrm>
+          <a:off x="0" y="0"/>
+          <a:ext cx="0" cy="0"/>
+          <a:chOff x="0" y="0"/>
+          <a:chExt cx="0" cy="0"/>
+        </a:xfrm>
+      </p:grpSpPr>
+      <p:sp>
+        <p:nvSpPr>
+          <p:cNvPr id="2" name="TextBox 1">
+            <a:extLst>
+              <a:ext uri="{FF2B5EF4-FFF2-40B4-BE49-F238E27FC236}">
+                <a16:creationId xmlns:a16="http://schemas.microsoft.com/office/drawing/2014/main" id="{9B66E1AF-131F-C170-EC9E-7F6E98EF79AF}"/>
+              </a:ext>
+            </a:extLst>
+          </p:cNvPr>
+          <p:cNvSpPr txBox="1"/>
+          <p:nvPr/>
+        </p:nvSpPr>
+        <p:spPr>
+          <a:xfrm>
+            <a:off x="283779" y="168166"/>
+            <a:ext cx="4445876" cy="646331"/>
+          </a:xfrm>
+          <a:prstGeom prst="rect">
+            <a:avLst/>
+          </a:prstGeom>
+          <a:noFill/>
+        </p:spPr>
+        <p:txBody>
+          <a:bodyPr wrap="square" rtlCol="0">
+            <a:spAutoFit/>
+          </a:bodyPr>
+          <a:lstStyle/>
+          <a:p>
+            <a:r>
+              <a:rPr lang="en-US" dirty="0"/>
+              <a:t>Session State for ASP.NET Core Apps using Distributed Caching Service e.g. Redis Cache</a:t>
+            </a:r>
+          </a:p>
+        </p:txBody>
+      </p:sp>
+      <p:sp>
+        <p:nvSpPr>
+          <p:cNvPr id="3" name="Rounded Rectangle 2">
+            <a:extLst>
+              <a:ext uri="{FF2B5EF4-FFF2-40B4-BE49-F238E27FC236}">
+                <a16:creationId xmlns:a16="http://schemas.microsoft.com/office/drawing/2014/main" id="{1ABCFCC4-9E5A-D62E-AFA6-46A1E993F61E}"/>
+              </a:ext>
+            </a:extLst>
+          </p:cNvPr>
+          <p:cNvSpPr/>
+          <p:nvPr/>
+        </p:nvSpPr>
+        <p:spPr>
+          <a:xfrm>
+            <a:off x="1776249" y="876300"/>
+            <a:ext cx="8135006" cy="5105400"/>
+          </a:xfrm>
+          <a:prstGeom prst="roundRect">
+            <a:avLst>
+              <a:gd name="adj" fmla="val 3994"/>
+            </a:avLst>
+          </a:prstGeom>
+        </p:spPr>
+        <p:style>
+          <a:lnRef idx="2">
+            <a:schemeClr val="accent6"/>
+          </a:lnRef>
+          <a:fillRef idx="1">
+            <a:schemeClr val="lt1"/>
+          </a:fillRef>
+          <a:effectRef idx="0">
+            <a:schemeClr val="accent6"/>
+          </a:effectRef>
+          <a:fontRef idx="minor">
+            <a:schemeClr val="dk1"/>
+          </a:fontRef>
+        </p:style>
+        <p:txBody>
+          <a:bodyPr rtlCol="0" anchor="ctr"/>
+          <a:lstStyle/>
+          <a:p>
+            <a:pPr algn="ctr"/>
+            <a:endParaRPr lang="en-US" dirty="0"/>
+          </a:p>
+        </p:txBody>
+      </p:sp>
+      <p:sp>
+        <p:nvSpPr>
+          <p:cNvPr id="4" name="Rounded Rectangle 3">
+            <a:extLst>
+              <a:ext uri="{FF2B5EF4-FFF2-40B4-BE49-F238E27FC236}">
+                <a16:creationId xmlns:a16="http://schemas.microsoft.com/office/drawing/2014/main" id="{B547EDBD-F86A-3B8C-E7A9-C4129E3214B4}"/>
+              </a:ext>
+            </a:extLst>
+          </p:cNvPr>
+          <p:cNvSpPr/>
+          <p:nvPr/>
+        </p:nvSpPr>
+        <p:spPr>
+          <a:xfrm>
+            <a:off x="2280745" y="1271752"/>
+            <a:ext cx="1776248" cy="966951"/>
+          </a:xfrm>
+          <a:prstGeom prst="roundRect">
+            <a:avLst/>
+          </a:prstGeom>
+          <a:scene3d>
+            <a:camera prst="orthographicFront"/>
+            <a:lightRig rig="threePt" dir="t"/>
+          </a:scene3d>
+          <a:sp3d>
+            <a:bevelT w="152400" h="50800" prst="softRound"/>
+          </a:sp3d>
+        </p:spPr>
+        <p:style>
+          <a:lnRef idx="2">
+            <a:schemeClr val="accent1">
+              <a:shade val="50000"/>
+            </a:schemeClr>
+          </a:lnRef>
+          <a:fillRef idx="1">
+            <a:schemeClr val="accent1"/>
+          </a:fillRef>
+          <a:effectRef idx="0">
+            <a:schemeClr val="accent1"/>
+          </a:effectRef>
+          <a:fontRef idx="minor">
+            <a:schemeClr val="lt1"/>
+          </a:fontRef>
+        </p:style>
+        <p:txBody>
+          <a:bodyPr rtlCol="0" anchor="ctr"/>
+          <a:lstStyle/>
+          <a:p>
+            <a:pPr algn="ctr"/>
+            <a:r>
+              <a:rPr lang="en-US" dirty="0"/>
+              <a:t>Controller 1</a:t>
+            </a:r>
+          </a:p>
+        </p:txBody>
+      </p:sp>
+      <p:sp>
+        <p:nvSpPr>
+          <p:cNvPr id="5" name="Rounded Rectangle 4">
+            <a:extLst>
+              <a:ext uri="{FF2B5EF4-FFF2-40B4-BE49-F238E27FC236}">
+                <a16:creationId xmlns:a16="http://schemas.microsoft.com/office/drawing/2014/main" id="{ECA80A12-FD48-5229-46D9-355DFE7B1D03}"/>
+              </a:ext>
+            </a:extLst>
+          </p:cNvPr>
+          <p:cNvSpPr/>
+          <p:nvPr/>
+        </p:nvSpPr>
+        <p:spPr>
+          <a:xfrm>
+            <a:off x="4903076" y="2370083"/>
+            <a:ext cx="1776248" cy="966951"/>
+          </a:xfrm>
+          <a:prstGeom prst="roundRect">
+            <a:avLst/>
+          </a:prstGeom>
+          <a:scene3d>
+            <a:camera prst="orthographicFront"/>
+            <a:lightRig rig="threePt" dir="t"/>
+          </a:scene3d>
+          <a:sp3d>
+            <a:bevelT w="152400" h="50800" prst="softRound"/>
+          </a:sp3d>
+        </p:spPr>
+        <p:style>
+          <a:lnRef idx="2">
+            <a:schemeClr val="accent1">
+              <a:shade val="50000"/>
+            </a:schemeClr>
+          </a:lnRef>
+          <a:fillRef idx="1">
+            <a:schemeClr val="accent1"/>
+          </a:fillRef>
+          <a:effectRef idx="0">
+            <a:schemeClr val="accent1"/>
+          </a:effectRef>
+          <a:fontRef idx="minor">
+            <a:schemeClr val="lt1"/>
+          </a:fontRef>
+        </p:style>
+        <p:txBody>
+          <a:bodyPr rtlCol="0" anchor="ctr"/>
+          <a:lstStyle/>
+          <a:p>
+            <a:pPr algn="ctr"/>
+            <a:r>
+              <a:rPr lang="en-US" dirty="0"/>
+              <a:t>Controller 2</a:t>
+            </a:r>
+          </a:p>
+        </p:txBody>
+      </p:sp>
+      <p:sp>
+        <p:nvSpPr>
+          <p:cNvPr id="6" name="Rounded Rectangle 5">
+            <a:extLst>
+              <a:ext uri="{FF2B5EF4-FFF2-40B4-BE49-F238E27FC236}">
+                <a16:creationId xmlns:a16="http://schemas.microsoft.com/office/drawing/2014/main" id="{E4804F24-68B3-6B65-85CD-1B562ADE3F8E}"/>
+              </a:ext>
+            </a:extLst>
+          </p:cNvPr>
+          <p:cNvSpPr/>
+          <p:nvPr/>
+        </p:nvSpPr>
+        <p:spPr>
+          <a:xfrm>
+            <a:off x="4903076" y="3810000"/>
+            <a:ext cx="1776248" cy="966951"/>
+          </a:xfrm>
+          <a:prstGeom prst="roundRect">
+            <a:avLst/>
+          </a:prstGeom>
+          <a:scene3d>
+            <a:camera prst="orthographicFront"/>
+            <a:lightRig rig="threePt" dir="t"/>
+          </a:scene3d>
+          <a:sp3d>
+            <a:bevelT w="152400" h="50800" prst="softRound"/>
+          </a:sp3d>
+        </p:spPr>
+        <p:style>
+          <a:lnRef idx="2">
+            <a:schemeClr val="accent1">
+              <a:shade val="50000"/>
+            </a:schemeClr>
+          </a:lnRef>
+          <a:fillRef idx="1">
+            <a:schemeClr val="accent1"/>
+          </a:fillRef>
+          <a:effectRef idx="0">
+            <a:schemeClr val="accent1"/>
+          </a:effectRef>
+          <a:fontRef idx="minor">
+            <a:schemeClr val="lt1"/>
+          </a:fontRef>
+        </p:style>
+        <p:txBody>
+          <a:bodyPr rtlCol="0" anchor="ctr"/>
+          <a:lstStyle/>
+          <a:p>
+            <a:pPr algn="ctr"/>
+            <a:r>
+              <a:rPr lang="en-US" dirty="0"/>
+              <a:t>Controller 3</a:t>
+            </a:r>
+          </a:p>
+        </p:txBody>
+      </p:sp>
+      <p:sp>
+        <p:nvSpPr>
+          <p:cNvPr id="7" name="Rounded Rectangle 6">
+            <a:extLst>
+              <a:ext uri="{FF2B5EF4-FFF2-40B4-BE49-F238E27FC236}">
+                <a16:creationId xmlns:a16="http://schemas.microsoft.com/office/drawing/2014/main" id="{54B1B7A4-8C7C-7D4F-F98E-343A2E7E9DAB}"/>
+              </a:ext>
+            </a:extLst>
+          </p:cNvPr>
+          <p:cNvSpPr/>
+          <p:nvPr/>
+        </p:nvSpPr>
+        <p:spPr>
+          <a:xfrm>
+            <a:off x="2380593" y="4556235"/>
+            <a:ext cx="1776248" cy="966951"/>
+          </a:xfrm>
+          <a:prstGeom prst="roundRect">
+            <a:avLst/>
+          </a:prstGeom>
+          <a:scene3d>
+            <a:camera prst="orthographicFront"/>
+            <a:lightRig rig="threePt" dir="t"/>
+          </a:scene3d>
+          <a:sp3d>
+            <a:bevelT w="152400" h="50800" prst="softRound"/>
+          </a:sp3d>
+        </p:spPr>
+        <p:style>
+          <a:lnRef idx="2">
+            <a:schemeClr val="accent1">
+              <a:shade val="50000"/>
+            </a:schemeClr>
+          </a:lnRef>
+          <a:fillRef idx="1">
+            <a:schemeClr val="accent1"/>
+          </a:fillRef>
+          <a:effectRef idx="0">
+            <a:schemeClr val="accent1"/>
+          </a:effectRef>
+          <a:fontRef idx="minor">
+            <a:schemeClr val="lt1"/>
+          </a:fontRef>
+        </p:style>
+        <p:txBody>
+          <a:bodyPr rtlCol="0" anchor="ctr"/>
+          <a:lstStyle/>
+          <a:p>
+            <a:pPr algn="ctr"/>
+            <a:r>
+              <a:rPr lang="en-US" dirty="0"/>
+              <a:t>Controller 4</a:t>
+            </a:r>
+          </a:p>
+        </p:txBody>
+      </p:sp>
+      <p:sp>
+        <p:nvSpPr>
+          <p:cNvPr id="8" name="Can 7">
+            <a:extLst>
+              <a:ext uri="{FF2B5EF4-FFF2-40B4-BE49-F238E27FC236}">
+                <a16:creationId xmlns:a16="http://schemas.microsoft.com/office/drawing/2014/main" id="{94143B5D-B242-EAE6-5A24-BA354B845ADB}"/>
+              </a:ext>
+            </a:extLst>
+          </p:cNvPr>
+          <p:cNvSpPr/>
+          <p:nvPr/>
+        </p:nvSpPr>
+        <p:spPr>
+          <a:xfrm>
+            <a:off x="10289628" y="537498"/>
+            <a:ext cx="1807779" cy="5316764"/>
+          </a:xfrm>
+          <a:prstGeom prst="can">
+            <a:avLst/>
+          </a:prstGeom>
+        </p:spPr>
+        <p:style>
+          <a:lnRef idx="2">
+            <a:schemeClr val="accent1">
+              <a:shade val="50000"/>
+            </a:schemeClr>
+          </a:lnRef>
+          <a:fillRef idx="1">
+            <a:schemeClr val="accent1"/>
+          </a:fillRef>
+          <a:effectRef idx="0">
+            <a:schemeClr val="accent1"/>
+          </a:effectRef>
+          <a:fontRef idx="minor">
+            <a:schemeClr val="lt1"/>
+          </a:fontRef>
+        </p:style>
+        <p:txBody>
+          <a:bodyPr rtlCol="0" anchor="ctr"/>
+          <a:lstStyle/>
+          <a:p>
+            <a:pPr algn="ctr"/>
+            <a:r>
+              <a:rPr lang="en-US" b="1" dirty="0"/>
+              <a:t>Distributed Redis Cache</a:t>
+            </a:r>
+          </a:p>
+          <a:p>
+            <a:pPr algn="ctr"/>
+            <a:endParaRPr lang="en-US" b="1" dirty="0"/>
+          </a:p>
+          <a:p>
+            <a:pPr algn="ctr"/>
+            <a:r>
+              <a:rPr lang="en-US" b="1" dirty="0"/>
+              <a:t>Linux Service, available on Local Premises (On-Premises) as well as on Cloud (Azure / AWS /GCP)</a:t>
+            </a:r>
+          </a:p>
+        </p:txBody>
+      </p:sp>
+      <p:cxnSp>
+        <p:nvCxnSpPr>
+          <p:cNvPr id="9" name="Elbow Connector 8">
+            <a:extLst>
+              <a:ext uri="{FF2B5EF4-FFF2-40B4-BE49-F238E27FC236}">
+                <a16:creationId xmlns:a16="http://schemas.microsoft.com/office/drawing/2014/main" id="{6E2558A2-F398-0E40-F7C4-84DDCAF540A1}"/>
+              </a:ext>
+            </a:extLst>
+          </p:cNvPr>
+          <p:cNvCxnSpPr>
+            <a:cxnSpLocks/>
+            <a:stCxn id="4" idx="3"/>
+            <a:endCxn id="8" idx="1"/>
+          </p:cNvCxnSpPr>
+          <p:nvPr/>
+        </p:nvCxnSpPr>
+        <p:spPr>
+          <a:xfrm flipV="1">
+            <a:off x="4056993" y="537498"/>
+            <a:ext cx="7136525" cy="1217730"/>
+          </a:xfrm>
+          <a:prstGeom prst="bentConnector4">
+            <a:avLst>
+              <a:gd name="adj1" fmla="val 43667"/>
+              <a:gd name="adj2" fmla="val 118773"/>
+            </a:avLst>
+          </a:prstGeom>
+          <a:ln w="76200">
+            <a:solidFill>
+              <a:srgbClr val="FF0000"/>
+            </a:solidFill>
+            <a:headEnd type="triangle"/>
+            <a:tailEnd type="triangle"/>
+          </a:ln>
+        </p:spPr>
+        <p:style>
+          <a:lnRef idx="1">
+            <a:schemeClr val="accent1"/>
+          </a:lnRef>
+          <a:fillRef idx="0">
+            <a:schemeClr val="accent1"/>
+          </a:fillRef>
+          <a:effectRef idx="0">
+            <a:schemeClr val="accent1"/>
+          </a:effectRef>
+          <a:fontRef idx="minor">
+            <a:schemeClr val="tx1"/>
+          </a:fontRef>
+        </p:style>
+      </p:cxnSp>
+      <p:cxnSp>
+        <p:nvCxnSpPr>
+          <p:cNvPr id="10" name="Elbow Connector 9">
+            <a:extLst>
+              <a:ext uri="{FF2B5EF4-FFF2-40B4-BE49-F238E27FC236}">
+                <a16:creationId xmlns:a16="http://schemas.microsoft.com/office/drawing/2014/main" id="{521878CA-1650-FC50-BDA1-D39B76894027}"/>
+              </a:ext>
+            </a:extLst>
+          </p:cNvPr>
+          <p:cNvCxnSpPr>
+            <a:cxnSpLocks/>
+            <a:stCxn id="5" idx="3"/>
+            <a:endCxn id="8" idx="2"/>
+          </p:cNvCxnSpPr>
+          <p:nvPr/>
+        </p:nvCxnSpPr>
+        <p:spPr>
+          <a:xfrm>
+            <a:off x="6679324" y="2853559"/>
+            <a:ext cx="3610304" cy="342321"/>
+          </a:xfrm>
+          <a:prstGeom prst="bentConnector3">
+            <a:avLst/>
+          </a:prstGeom>
+          <a:ln w="76200">
+            <a:solidFill>
+              <a:srgbClr val="FF0000"/>
+            </a:solidFill>
+            <a:headEnd type="triangle"/>
+            <a:tailEnd type="triangle"/>
+          </a:ln>
+        </p:spPr>
+        <p:style>
+          <a:lnRef idx="1">
+            <a:schemeClr val="accent1"/>
+          </a:lnRef>
+          <a:fillRef idx="0">
+            <a:schemeClr val="accent1"/>
+          </a:fillRef>
+          <a:effectRef idx="0">
+            <a:schemeClr val="accent1"/>
+          </a:effectRef>
+          <a:fontRef idx="minor">
+            <a:schemeClr val="tx1"/>
+          </a:fontRef>
+        </p:style>
+      </p:cxnSp>
+      <p:cxnSp>
+        <p:nvCxnSpPr>
+          <p:cNvPr id="11" name="Elbow Connector 10">
+            <a:extLst>
+              <a:ext uri="{FF2B5EF4-FFF2-40B4-BE49-F238E27FC236}">
+                <a16:creationId xmlns:a16="http://schemas.microsoft.com/office/drawing/2014/main" id="{6DD3CD0A-BC4D-EDCA-8B26-5DA02ABB067C}"/>
+              </a:ext>
+            </a:extLst>
+          </p:cNvPr>
+          <p:cNvCxnSpPr>
+            <a:cxnSpLocks/>
+            <a:stCxn id="6" idx="3"/>
+            <a:endCxn id="8" idx="3"/>
+          </p:cNvCxnSpPr>
+          <p:nvPr/>
+        </p:nvCxnSpPr>
+        <p:spPr>
+          <a:xfrm>
+            <a:off x="6679324" y="4293476"/>
+            <a:ext cx="4514194" cy="1560786"/>
+          </a:xfrm>
+          <a:prstGeom prst="bentConnector4">
+            <a:avLst>
+              <a:gd name="adj1" fmla="val 39988"/>
+              <a:gd name="adj2" fmla="val 114646"/>
+            </a:avLst>
+          </a:prstGeom>
+          <a:ln w="76200">
+            <a:solidFill>
+              <a:srgbClr val="FF0000"/>
+            </a:solidFill>
+            <a:headEnd type="triangle"/>
+            <a:tailEnd type="triangle"/>
+          </a:ln>
+        </p:spPr>
+        <p:style>
+          <a:lnRef idx="1">
+            <a:schemeClr val="accent1"/>
+          </a:lnRef>
+          <a:fillRef idx="0">
+            <a:schemeClr val="accent1"/>
+          </a:fillRef>
+          <a:effectRef idx="0">
+            <a:schemeClr val="accent1"/>
+          </a:effectRef>
+          <a:fontRef idx="minor">
+            <a:schemeClr val="tx1"/>
+          </a:fontRef>
+        </p:style>
+      </p:cxnSp>
+      <p:cxnSp>
+        <p:nvCxnSpPr>
+          <p:cNvPr id="12" name="Elbow Connector 11">
+            <a:extLst>
+              <a:ext uri="{FF2B5EF4-FFF2-40B4-BE49-F238E27FC236}">
+                <a16:creationId xmlns:a16="http://schemas.microsoft.com/office/drawing/2014/main" id="{F421AAC1-3206-A929-7ADA-C1D3DC69BF88}"/>
+              </a:ext>
+            </a:extLst>
+          </p:cNvPr>
+          <p:cNvCxnSpPr>
+            <a:cxnSpLocks/>
+            <a:stCxn id="7" idx="3"/>
+            <a:endCxn id="8" idx="3"/>
+          </p:cNvCxnSpPr>
+          <p:nvPr/>
+        </p:nvCxnSpPr>
+        <p:spPr>
+          <a:xfrm>
+            <a:off x="4156841" y="5039711"/>
+            <a:ext cx="7036677" cy="814551"/>
+          </a:xfrm>
+          <a:prstGeom prst="bentConnector4">
+            <a:avLst>
+              <a:gd name="adj1" fmla="val 43577"/>
+              <a:gd name="adj2" fmla="val 128065"/>
+            </a:avLst>
+          </a:prstGeom>
+          <a:ln w="76200">
+            <a:solidFill>
+              <a:srgbClr val="FF0000"/>
+            </a:solidFill>
+            <a:headEnd type="triangle"/>
+            <a:tailEnd type="triangle"/>
+          </a:ln>
+        </p:spPr>
+        <p:style>
+          <a:lnRef idx="1">
+            <a:schemeClr val="accent1"/>
+          </a:lnRef>
+          <a:fillRef idx="0">
+            <a:schemeClr val="accent1"/>
+          </a:fillRef>
+          <a:effectRef idx="0">
+            <a:schemeClr val="accent1"/>
+          </a:effectRef>
+          <a:fontRef idx="minor">
+            <a:schemeClr val="tx1"/>
+          </a:fontRef>
+        </p:style>
+      </p:cxnSp>
+    </p:spTree>
+    <p:extLst>
+      <p:ext uri="{BB962C8B-B14F-4D97-AF65-F5344CB8AC3E}">
+        <p14:creationId xmlns:p14="http://schemas.microsoft.com/office/powerpoint/2010/main" val="3928916387"/>
+      </p:ext>
+    </p:extLst>
+  </p:cSld>
+  <p:clrMapOvr>
+    <a:masterClrMapping/>
+  </p:clrMapOvr>
+</p:sld>
+</file>
+
+<file path=ppt/slides/slide28.xml><?xml version="1.0" encoding="utf-8"?>
+<p:sld xmlns:a="http://schemas.openxmlformats.org/drawingml/2006/main" xmlns:r="http://schemas.openxmlformats.org/officeDocument/2006/relationships" xmlns:p="http://schemas.openxmlformats.org/presentationml/2006/main">
+  <p:cSld>
+    <p:spTree>
+      <p:nvGrpSpPr>
+        <p:cNvPr id="1" name=""/>
+        <p:cNvGrpSpPr/>
+        <p:nvPr/>
+      </p:nvGrpSpPr>
+      <p:grpSpPr>
+        <a:xfrm>
+          <a:off x="0" y="0"/>
+          <a:ext cx="0" cy="0"/>
+          <a:chOff x="0" y="0"/>
+          <a:chExt cx="0" cy="0"/>
+        </a:xfrm>
+      </p:grpSpPr>
+      <p:sp>
+        <p:nvSpPr>
+          <p:cNvPr id="2" name="Cube 1">
+            <a:extLst>
+              <a:ext uri="{FF2B5EF4-FFF2-40B4-BE49-F238E27FC236}">
+                <a16:creationId xmlns:a16="http://schemas.microsoft.com/office/drawing/2014/main" id="{EE1DDE2D-DC17-2DD3-EAFE-1385D4552BF0}"/>
+              </a:ext>
+            </a:extLst>
+          </p:cNvPr>
+          <p:cNvSpPr/>
+          <p:nvPr/>
+        </p:nvSpPr>
+        <p:spPr>
+          <a:xfrm>
+            <a:off x="5749159" y="325820"/>
+            <a:ext cx="4025462" cy="6264166"/>
+          </a:xfrm>
+          <a:prstGeom prst="cube">
+            <a:avLst>
+              <a:gd name="adj" fmla="val 14034"/>
+            </a:avLst>
+          </a:prstGeom>
+        </p:spPr>
+        <p:style>
+          <a:lnRef idx="2">
+            <a:schemeClr val="accent6"/>
+          </a:lnRef>
+          <a:fillRef idx="1">
+            <a:schemeClr val="lt1"/>
+          </a:fillRef>
+          <a:effectRef idx="0">
+            <a:schemeClr val="accent6"/>
+          </a:effectRef>
+          <a:fontRef idx="minor">
+            <a:schemeClr val="dk1"/>
+          </a:fontRef>
+        </p:style>
+        <p:txBody>
+          <a:bodyPr rtlCol="0" anchor="ctr"/>
+          <a:lstStyle/>
+          <a:p>
+            <a:pPr algn="ctr"/>
+            <a:endParaRPr lang="en-US"/>
+          </a:p>
+        </p:txBody>
+      </p:sp>
+      <p:sp>
+        <p:nvSpPr>
+          <p:cNvPr id="3" name="Rectangle 2">
+            <a:extLst>
+              <a:ext uri="{FF2B5EF4-FFF2-40B4-BE49-F238E27FC236}">
+                <a16:creationId xmlns:a16="http://schemas.microsoft.com/office/drawing/2014/main" id="{30E8D086-E1C2-8D01-CD78-3E54377391F0}"/>
+              </a:ext>
+            </a:extLst>
+          </p:cNvPr>
+          <p:cNvSpPr/>
+          <p:nvPr/>
+        </p:nvSpPr>
+        <p:spPr>
+          <a:xfrm>
+            <a:off x="5854262" y="1376855"/>
+            <a:ext cx="3205655" cy="1534511"/>
+          </a:xfrm>
+          <a:prstGeom prst="rect">
+            <a:avLst/>
+          </a:prstGeom>
+          <a:solidFill>
+            <a:schemeClr val="accent2"/>
+          </a:solidFill>
+        </p:spPr>
+        <p:style>
+          <a:lnRef idx="2">
+            <a:schemeClr val="accent1">
+              <a:shade val="50000"/>
+            </a:schemeClr>
+          </a:lnRef>
+          <a:fillRef idx="1">
+            <a:schemeClr val="accent1"/>
+          </a:fillRef>
+          <a:effectRef idx="0">
+            <a:schemeClr val="accent1"/>
+          </a:effectRef>
+          <a:fontRef idx="minor">
+            <a:schemeClr val="lt1"/>
+          </a:fontRef>
+        </p:style>
+        <p:txBody>
+          <a:bodyPr rtlCol="0" anchor="ctr"/>
+          <a:lstStyle/>
+          <a:p>
+            <a:pPr algn="ctr"/>
+            <a:r>
+              <a:rPr lang="en-US" b="1" dirty="0"/>
+              <a:t>Host 1 with ASP.NET Core App</a:t>
+            </a:r>
+          </a:p>
+        </p:txBody>
+      </p:sp>
+      <p:sp>
+        <p:nvSpPr>
+          <p:cNvPr id="4" name="Rectangle 3">
+            <a:extLst>
+              <a:ext uri="{FF2B5EF4-FFF2-40B4-BE49-F238E27FC236}">
+                <a16:creationId xmlns:a16="http://schemas.microsoft.com/office/drawing/2014/main" id="{EF4FB913-3EC4-4C46-D471-308DF02A5536}"/>
+              </a:ext>
+            </a:extLst>
+          </p:cNvPr>
+          <p:cNvSpPr/>
+          <p:nvPr/>
+        </p:nvSpPr>
+        <p:spPr>
+          <a:xfrm>
+            <a:off x="5854261" y="3983420"/>
+            <a:ext cx="3205655" cy="1534511"/>
+          </a:xfrm>
+          <a:prstGeom prst="rect">
+            <a:avLst/>
+          </a:prstGeom>
+          <a:solidFill>
+            <a:schemeClr val="accent2"/>
+          </a:solidFill>
+        </p:spPr>
+        <p:style>
+          <a:lnRef idx="2">
+            <a:schemeClr val="accent1">
+              <a:shade val="50000"/>
+            </a:schemeClr>
+          </a:lnRef>
+          <a:fillRef idx="1">
+            <a:schemeClr val="accent1"/>
+          </a:fillRef>
+          <a:effectRef idx="0">
+            <a:schemeClr val="accent1"/>
+          </a:effectRef>
+          <a:fontRef idx="minor">
+            <a:schemeClr val="lt1"/>
+          </a:fontRef>
+        </p:style>
+        <p:txBody>
+          <a:bodyPr rtlCol="0" anchor="ctr"/>
+          <a:lstStyle/>
+          <a:p>
+            <a:pPr algn="ctr"/>
+            <a:r>
+              <a:rPr lang="en-US" b="1" dirty="0"/>
+              <a:t>Host 2 </a:t>
+            </a:r>
+            <a:r>
+              <a:rPr lang="en-US" b="1" dirty="0" err="1"/>
+              <a:t>wth</a:t>
+            </a:r>
+            <a:r>
+              <a:rPr lang="en-US" b="1" dirty="0"/>
+              <a:t> ASP.NET Core App</a:t>
+            </a:r>
+          </a:p>
+        </p:txBody>
+      </p:sp>
+      <p:sp>
+        <p:nvSpPr>
+          <p:cNvPr id="5" name="Rectangle 4">
+            <a:extLst>
+              <a:ext uri="{FF2B5EF4-FFF2-40B4-BE49-F238E27FC236}">
+                <a16:creationId xmlns:a16="http://schemas.microsoft.com/office/drawing/2014/main" id="{A89BA344-347F-7494-1799-9590231C44D3}"/>
+              </a:ext>
+            </a:extLst>
+          </p:cNvPr>
+          <p:cNvSpPr/>
+          <p:nvPr/>
+        </p:nvSpPr>
+        <p:spPr>
+          <a:xfrm>
+            <a:off x="1282261" y="1481960"/>
+            <a:ext cx="4099035" cy="4109544"/>
+          </a:xfrm>
+          <a:prstGeom prst="rect">
+            <a:avLst/>
+          </a:prstGeom>
+        </p:spPr>
+        <p:style>
+          <a:lnRef idx="1">
+            <a:schemeClr val="accent3"/>
+          </a:lnRef>
+          <a:fillRef idx="2">
+            <a:schemeClr val="accent3"/>
+          </a:fillRef>
+          <a:effectRef idx="1">
+            <a:schemeClr val="accent3"/>
+          </a:effectRef>
+          <a:fontRef idx="minor">
+            <a:schemeClr val="dk1"/>
+          </a:fontRef>
+        </p:style>
+        <p:txBody>
+          <a:bodyPr rtlCol="0" anchor="ctr"/>
+          <a:lstStyle/>
+          <a:p>
+            <a:pPr algn="ctr"/>
+            <a:endParaRPr lang="en-US"/>
+          </a:p>
+        </p:txBody>
+      </p:sp>
+      <p:sp>
+        <p:nvSpPr>
+          <p:cNvPr id="6" name="TextBox 5">
+            <a:extLst>
+              <a:ext uri="{FF2B5EF4-FFF2-40B4-BE49-F238E27FC236}">
+                <a16:creationId xmlns:a16="http://schemas.microsoft.com/office/drawing/2014/main" id="{32A71A67-D4D0-3530-860E-4D19E7AA25EE}"/>
+              </a:ext>
+            </a:extLst>
+          </p:cNvPr>
+          <p:cNvSpPr txBox="1"/>
+          <p:nvPr/>
+        </p:nvSpPr>
+        <p:spPr>
+          <a:xfrm>
+            <a:off x="1355834" y="1513490"/>
+            <a:ext cx="3857297" cy="369332"/>
+          </a:xfrm>
+          <a:prstGeom prst="rect">
+            <a:avLst/>
+          </a:prstGeom>
+          <a:noFill/>
+        </p:spPr>
+        <p:txBody>
+          <a:bodyPr wrap="square" rtlCol="0">
+            <a:spAutoFit/>
+          </a:bodyPr>
+          <a:lstStyle/>
+          <a:p>
+            <a:pPr algn="ctr"/>
+            <a:r>
+              <a:rPr lang="en-US" b="1" dirty="0"/>
+              <a:t>A Session in HTTP Channel</a:t>
+            </a:r>
+          </a:p>
+        </p:txBody>
+      </p:sp>
+      <p:sp>
+        <p:nvSpPr>
+          <p:cNvPr id="7" name="Right Arrow 6">
+            <a:extLst>
+              <a:ext uri="{FF2B5EF4-FFF2-40B4-BE49-F238E27FC236}">
+                <a16:creationId xmlns:a16="http://schemas.microsoft.com/office/drawing/2014/main" id="{CC4D3243-5B39-1A71-BD3B-003BCAFC6E61}"/>
+              </a:ext>
+            </a:extLst>
+          </p:cNvPr>
+          <p:cNvSpPr/>
+          <p:nvPr/>
+        </p:nvSpPr>
+        <p:spPr>
+          <a:xfrm>
+            <a:off x="767255" y="2165131"/>
+            <a:ext cx="5087006" cy="588579"/>
+          </a:xfrm>
+          <a:prstGeom prst="rightArrow">
+            <a:avLst/>
+          </a:prstGeom>
+        </p:spPr>
+        <p:style>
+          <a:lnRef idx="2">
+            <a:schemeClr val="accent1">
+              <a:shade val="50000"/>
+            </a:schemeClr>
+          </a:lnRef>
+          <a:fillRef idx="1">
+            <a:schemeClr val="accent1"/>
+          </a:fillRef>
+          <a:effectRef idx="0">
+            <a:schemeClr val="accent1"/>
+          </a:effectRef>
+          <a:fontRef idx="minor">
+            <a:schemeClr val="lt1"/>
+          </a:fontRef>
+        </p:style>
+        <p:txBody>
+          <a:bodyPr rtlCol="0" anchor="ctr"/>
+          <a:lstStyle/>
+          <a:p>
+            <a:pPr algn="ctr"/>
+            <a:r>
+              <a:rPr lang="en-US" b="1" dirty="0"/>
+              <a:t>Request 1 Processed by Server 1</a:t>
+            </a:r>
+          </a:p>
+        </p:txBody>
+      </p:sp>
+      <p:sp>
+        <p:nvSpPr>
+          <p:cNvPr id="8" name="Right Arrow 7">
+            <a:extLst>
+              <a:ext uri="{FF2B5EF4-FFF2-40B4-BE49-F238E27FC236}">
+                <a16:creationId xmlns:a16="http://schemas.microsoft.com/office/drawing/2014/main" id="{947B007E-F956-115E-0F52-396421469ED3}"/>
+              </a:ext>
+            </a:extLst>
+          </p:cNvPr>
+          <p:cNvSpPr/>
+          <p:nvPr/>
+        </p:nvSpPr>
+        <p:spPr>
+          <a:xfrm>
+            <a:off x="798786" y="4456385"/>
+            <a:ext cx="5087006" cy="588579"/>
+          </a:xfrm>
+          <a:prstGeom prst="rightArrow">
+            <a:avLst/>
+          </a:prstGeom>
+        </p:spPr>
+        <p:style>
+          <a:lnRef idx="2">
+            <a:schemeClr val="accent1">
+              <a:shade val="50000"/>
+            </a:schemeClr>
+          </a:lnRef>
+          <a:fillRef idx="1">
+            <a:schemeClr val="accent1"/>
+          </a:fillRef>
+          <a:effectRef idx="0">
+            <a:schemeClr val="accent1"/>
+          </a:effectRef>
+          <a:fontRef idx="minor">
+            <a:schemeClr val="lt1"/>
+          </a:fontRef>
+        </p:style>
+        <p:txBody>
+          <a:bodyPr rtlCol="0" anchor="ctr"/>
+          <a:lstStyle/>
+          <a:p>
+            <a:pPr algn="ctr"/>
+            <a:r>
+              <a:rPr lang="en-US" b="1" dirty="0"/>
+              <a:t>Request 2 Processed by Server 2</a:t>
+            </a:r>
+          </a:p>
+        </p:txBody>
+      </p:sp>
+      <p:sp>
+        <p:nvSpPr>
+          <p:cNvPr id="9" name="TextBox 8">
+            <a:extLst>
+              <a:ext uri="{FF2B5EF4-FFF2-40B4-BE49-F238E27FC236}">
+                <a16:creationId xmlns:a16="http://schemas.microsoft.com/office/drawing/2014/main" id="{D47DB842-6BE9-BAEE-5C92-3BE65F12D569}"/>
+              </a:ext>
+            </a:extLst>
+          </p:cNvPr>
+          <p:cNvSpPr txBox="1"/>
+          <p:nvPr/>
+        </p:nvSpPr>
+        <p:spPr>
+          <a:xfrm>
+            <a:off x="6516414" y="2438398"/>
+            <a:ext cx="1387365" cy="369332"/>
+          </a:xfrm>
+          <a:prstGeom prst="rect">
+            <a:avLst/>
+          </a:prstGeom>
+          <a:noFill/>
+        </p:spPr>
+        <p:txBody>
+          <a:bodyPr wrap="square" rtlCol="0">
+            <a:spAutoFit/>
+          </a:bodyPr>
+          <a:lstStyle/>
+          <a:p>
+            <a:r>
+              <a:rPr lang="en-US" dirty="0"/>
+              <a:t>X:10</a:t>
+            </a:r>
+          </a:p>
+        </p:txBody>
+      </p:sp>
+      <p:sp>
+        <p:nvSpPr>
+          <p:cNvPr id="10" name="Can 9">
+            <a:extLst>
+              <a:ext uri="{FF2B5EF4-FFF2-40B4-BE49-F238E27FC236}">
+                <a16:creationId xmlns:a16="http://schemas.microsoft.com/office/drawing/2014/main" id="{9C947982-E544-49C6-DD54-0DD23DC2EEF2}"/>
+              </a:ext>
+            </a:extLst>
+          </p:cNvPr>
+          <p:cNvSpPr/>
+          <p:nvPr/>
+        </p:nvSpPr>
+        <p:spPr>
+          <a:xfrm>
+            <a:off x="9879723" y="2459420"/>
+            <a:ext cx="1975947" cy="1996965"/>
+          </a:xfrm>
+          <a:prstGeom prst="can">
+            <a:avLst/>
+          </a:prstGeom>
+        </p:spPr>
+        <p:style>
+          <a:lnRef idx="2">
+            <a:schemeClr val="accent1">
+              <a:shade val="50000"/>
+            </a:schemeClr>
+          </a:lnRef>
+          <a:fillRef idx="1">
+            <a:schemeClr val="accent1"/>
+          </a:fillRef>
+          <a:effectRef idx="0">
+            <a:schemeClr val="accent1"/>
+          </a:effectRef>
+          <a:fontRef idx="minor">
+            <a:schemeClr val="lt1"/>
+          </a:fontRef>
+        </p:style>
+        <p:txBody>
+          <a:bodyPr rtlCol="0" anchor="ctr"/>
+          <a:lstStyle/>
+          <a:p>
+            <a:pPr algn="ctr"/>
+            <a:r>
+              <a:rPr lang="en-US" b="1" dirty="0"/>
+              <a:t>Redis Distributed Caching Service for Session State Management </a:t>
+            </a:r>
+          </a:p>
+        </p:txBody>
+      </p:sp>
+      <p:cxnSp>
+        <p:nvCxnSpPr>
+          <p:cNvPr id="12" name="Elbow Connector 11">
+            <a:extLst>
+              <a:ext uri="{FF2B5EF4-FFF2-40B4-BE49-F238E27FC236}">
+                <a16:creationId xmlns:a16="http://schemas.microsoft.com/office/drawing/2014/main" id="{7E236CC8-B190-90EB-C5B2-B1E99082A8B5}"/>
+              </a:ext>
+            </a:extLst>
+          </p:cNvPr>
+          <p:cNvCxnSpPr>
+            <a:endCxn id="10" idx="1"/>
+          </p:cNvCxnSpPr>
+          <p:nvPr/>
+        </p:nvCxnSpPr>
+        <p:spPr>
+          <a:xfrm>
+            <a:off x="9059916" y="2165131"/>
+            <a:ext cx="1807781" cy="294289"/>
+          </a:xfrm>
+          <a:prstGeom prst="bentConnector2">
+            <a:avLst/>
+          </a:prstGeom>
+          <a:ln w="76200">
+            <a:solidFill>
+              <a:srgbClr val="FF0000"/>
+            </a:solidFill>
+            <a:headEnd type="triangle"/>
+            <a:tailEnd type="triangle"/>
+          </a:ln>
+        </p:spPr>
+        <p:style>
+          <a:lnRef idx="1">
+            <a:schemeClr val="accent1"/>
+          </a:lnRef>
+          <a:fillRef idx="0">
+            <a:schemeClr val="accent1"/>
+          </a:fillRef>
+          <a:effectRef idx="0">
+            <a:schemeClr val="accent1"/>
+          </a:effectRef>
+          <a:fontRef idx="minor">
+            <a:schemeClr val="tx1"/>
+          </a:fontRef>
+        </p:style>
+      </p:cxnSp>
+      <p:cxnSp>
+        <p:nvCxnSpPr>
+          <p:cNvPr id="14" name="Elbow Connector 13">
+            <a:extLst>
+              <a:ext uri="{FF2B5EF4-FFF2-40B4-BE49-F238E27FC236}">
+                <a16:creationId xmlns:a16="http://schemas.microsoft.com/office/drawing/2014/main" id="{FB4ACBDB-39A3-DF45-5661-902E987A186B}"/>
+              </a:ext>
+            </a:extLst>
+          </p:cNvPr>
+          <p:cNvCxnSpPr>
+            <a:stCxn id="4" idx="3"/>
+            <a:endCxn id="10" idx="3"/>
+          </p:cNvCxnSpPr>
+          <p:nvPr/>
+        </p:nvCxnSpPr>
+        <p:spPr>
+          <a:xfrm flipV="1">
+            <a:off x="9059916" y="4456385"/>
+            <a:ext cx="1807781" cy="294291"/>
+          </a:xfrm>
+          <a:prstGeom prst="bentConnector2">
+            <a:avLst/>
+          </a:prstGeom>
+          <a:ln w="76200">
+            <a:solidFill>
+              <a:srgbClr val="FF0000"/>
+            </a:solidFill>
+            <a:headEnd type="triangle"/>
+            <a:tailEnd type="triangle"/>
+          </a:ln>
+        </p:spPr>
+        <p:style>
+          <a:lnRef idx="1">
+            <a:schemeClr val="accent1"/>
+          </a:lnRef>
+          <a:fillRef idx="0">
+            <a:schemeClr val="accent1"/>
+          </a:fillRef>
+          <a:effectRef idx="0">
+            <a:schemeClr val="accent1"/>
+          </a:effectRef>
+          <a:fontRef idx="minor">
+            <a:schemeClr val="tx1"/>
+          </a:fontRef>
+        </p:style>
+      </p:cxnSp>
+    </p:spTree>
+    <p:extLst>
+      <p:ext uri="{BB962C8B-B14F-4D97-AF65-F5344CB8AC3E}">
+        <p14:creationId xmlns:p14="http://schemas.microsoft.com/office/powerpoint/2010/main" val="3774942787"/>
+      </p:ext>
+    </p:extLst>
+  </p:cSld>
+  <p:clrMapOvr>
+    <a:masterClrMapping/>
+  </p:clrMapOvr>
+</p:sld>
+</file>
+
+<file path=ppt/slides/slide29.xml><?xml version="1.0" encoding="utf-8"?>
+<p:sld xmlns:a="http://schemas.openxmlformats.org/drawingml/2006/main" xmlns:r="http://schemas.openxmlformats.org/officeDocument/2006/relationships" xmlns:p="http://schemas.openxmlformats.org/presentationml/2006/main">
+  <p:cSld>
+    <p:spTree>
+      <p:nvGrpSpPr>
+        <p:cNvPr id="1" name=""/>
+        <p:cNvGrpSpPr/>
+        <p:nvPr/>
+      </p:nvGrpSpPr>
+      <p:grpSpPr>
+        <a:xfrm>
+          <a:off x="0" y="0"/>
+          <a:ext cx="0" cy="0"/>
+          <a:chOff x="0" y="0"/>
+          <a:chExt cx="0" cy="0"/>
+        </a:xfrm>
+      </p:grpSpPr>
+      <p:sp>
+        <p:nvSpPr>
+          <p:cNvPr id="2" name="TextBox 1">
+            <a:extLst>
+              <a:ext uri="{FF2B5EF4-FFF2-40B4-BE49-F238E27FC236}">
+                <a16:creationId xmlns:a16="http://schemas.microsoft.com/office/drawing/2014/main" id="{F872CF46-2890-9EB8-C006-CDB3E3222049}"/>
+              </a:ext>
+            </a:extLst>
+          </p:cNvPr>
+          <p:cNvSpPr txBox="1"/>
+          <p:nvPr/>
+        </p:nvSpPr>
+        <p:spPr>
+          <a:xfrm>
+            <a:off x="115614" y="84083"/>
+            <a:ext cx="4614041" cy="369332"/>
+          </a:xfrm>
+          <a:prstGeom prst="rect">
+            <a:avLst/>
+          </a:prstGeom>
+          <a:noFill/>
+        </p:spPr>
+        <p:txBody>
+          <a:bodyPr wrap="square" rtlCol="0">
+            <a:spAutoFit/>
+          </a:bodyPr>
+          <a:lstStyle/>
+          <a:p>
+            <a:r>
+              <a:rPr lang="en-US" b="1" dirty="0"/>
+              <a:t>Controller</a:t>
+            </a:r>
+          </a:p>
+        </p:txBody>
+      </p:sp>
+      <p:sp>
+        <p:nvSpPr>
+          <p:cNvPr id="3" name="Rectangle 2">
+            <a:extLst>
+              <a:ext uri="{FF2B5EF4-FFF2-40B4-BE49-F238E27FC236}">
+                <a16:creationId xmlns:a16="http://schemas.microsoft.com/office/drawing/2014/main" id="{D7C8D19A-7833-A13F-2100-4B5748454429}"/>
+              </a:ext>
+            </a:extLst>
+          </p:cNvPr>
+          <p:cNvSpPr/>
+          <p:nvPr/>
+        </p:nvSpPr>
+        <p:spPr>
+          <a:xfrm>
+            <a:off x="5381297" y="882869"/>
+            <a:ext cx="5381296" cy="5644055"/>
+          </a:xfrm>
+          <a:prstGeom prst="rect">
+            <a:avLst/>
+          </a:prstGeom>
+        </p:spPr>
+        <p:style>
+          <a:lnRef idx="2">
+            <a:schemeClr val="accent6"/>
+          </a:lnRef>
+          <a:fillRef idx="1">
+            <a:schemeClr val="lt1"/>
+          </a:fillRef>
+          <a:effectRef idx="0">
+            <a:schemeClr val="accent6"/>
+          </a:effectRef>
+          <a:fontRef idx="minor">
+            <a:schemeClr val="dk1"/>
+          </a:fontRef>
+        </p:style>
+        <p:txBody>
+          <a:bodyPr rtlCol="0" anchor="ctr"/>
+          <a:lstStyle/>
+          <a:p>
+            <a:pPr algn="ctr"/>
+            <a:endParaRPr lang="en-US"/>
+          </a:p>
+        </p:txBody>
+      </p:sp>
+      <p:sp>
+        <p:nvSpPr>
+          <p:cNvPr id="4" name="Right Arrow 3">
+            <a:extLst>
+              <a:ext uri="{FF2B5EF4-FFF2-40B4-BE49-F238E27FC236}">
+                <a16:creationId xmlns:a16="http://schemas.microsoft.com/office/drawing/2014/main" id="{F4331849-3C6D-9CEB-A694-3A9D9F75F166}"/>
+              </a:ext>
+            </a:extLst>
+          </p:cNvPr>
+          <p:cNvSpPr/>
+          <p:nvPr/>
+        </p:nvSpPr>
+        <p:spPr>
+          <a:xfrm>
+            <a:off x="231229" y="840828"/>
+            <a:ext cx="2953406" cy="851338"/>
+          </a:xfrm>
+          <a:prstGeom prst="rightArrow">
+            <a:avLst/>
+          </a:prstGeom>
+        </p:spPr>
+        <p:style>
+          <a:lnRef idx="2">
+            <a:schemeClr val="accent1">
+              <a:shade val="50000"/>
+            </a:schemeClr>
+          </a:lnRef>
+          <a:fillRef idx="1">
+            <a:schemeClr val="accent1"/>
+          </a:fillRef>
+          <a:effectRef idx="0">
+            <a:schemeClr val="accent1"/>
+          </a:effectRef>
+          <a:fontRef idx="minor">
+            <a:schemeClr val="lt1"/>
+          </a:fontRef>
+        </p:style>
+        <p:txBody>
+          <a:bodyPr rtlCol="0" anchor="ctr"/>
+          <a:lstStyle/>
+          <a:p>
+            <a:pPr algn="ctr"/>
+            <a:r>
+              <a:rPr lang="en-US" b="1" dirty="0"/>
+              <a:t>Request After Passing Services and Middleware</a:t>
+            </a:r>
+          </a:p>
+        </p:txBody>
+      </p:sp>
+      <p:sp>
+        <p:nvSpPr>
+          <p:cNvPr id="5" name="Rectangle 4">
+            <a:extLst>
+              <a:ext uri="{FF2B5EF4-FFF2-40B4-BE49-F238E27FC236}">
+                <a16:creationId xmlns:a16="http://schemas.microsoft.com/office/drawing/2014/main" id="{7D796CC7-10B8-CA1A-BCAB-93CC99774AFF}"/>
+              </a:ext>
+            </a:extLst>
+          </p:cNvPr>
+          <p:cNvSpPr/>
+          <p:nvPr/>
+        </p:nvSpPr>
+        <p:spPr>
+          <a:xfrm>
+            <a:off x="5475890" y="966952"/>
+            <a:ext cx="5087007" cy="851338"/>
+          </a:xfrm>
+          <a:prstGeom prst="rect">
+            <a:avLst/>
+          </a:prstGeom>
+        </p:spPr>
+        <p:style>
+          <a:lnRef idx="1">
+            <a:schemeClr val="accent3"/>
+          </a:lnRef>
+          <a:fillRef idx="2">
+            <a:schemeClr val="accent3"/>
+          </a:fillRef>
+          <a:effectRef idx="1">
+            <a:schemeClr val="accent3"/>
+          </a:effectRef>
+          <a:fontRef idx="minor">
+            <a:schemeClr val="dk1"/>
+          </a:fontRef>
+        </p:style>
+        <p:txBody>
+          <a:bodyPr rtlCol="0" anchor="ctr"/>
+          <a:lstStyle/>
+          <a:p>
+            <a:pPr algn="ctr"/>
+            <a:r>
+              <a:rPr lang="en-US" sz="1400" b="1" dirty="0"/>
+              <a:t>Verify the Authentication &amp; Authorization</a:t>
+            </a:r>
+          </a:p>
+          <a:p>
+            <a:pPr algn="ctr"/>
+            <a:r>
+              <a:rPr lang="en-US" sz="1400" b="1" dirty="0"/>
+              <a:t>Authorization Middleware already Initialized in Requestion Pipeline and the Auth Service is already configured </a:t>
+            </a:r>
+          </a:p>
+        </p:txBody>
+      </p:sp>
+      <p:sp>
+        <p:nvSpPr>
+          <p:cNvPr id="6" name="Bent Arrow 5">
+            <a:extLst>
+              <a:ext uri="{FF2B5EF4-FFF2-40B4-BE49-F238E27FC236}">
+                <a16:creationId xmlns:a16="http://schemas.microsoft.com/office/drawing/2014/main" id="{982EB24B-2026-B430-0D11-E177FF6C3631}"/>
+              </a:ext>
+            </a:extLst>
+          </p:cNvPr>
+          <p:cNvSpPr/>
+          <p:nvPr/>
+        </p:nvSpPr>
+        <p:spPr>
+          <a:xfrm rot="5400000">
+            <a:off x="10786242" y="927542"/>
+            <a:ext cx="541284" cy="987970"/>
+          </a:xfrm>
+          <a:prstGeom prst="bentArrow">
+            <a:avLst/>
+          </a:prstGeom>
+        </p:spPr>
+        <p:style>
+          <a:lnRef idx="2">
+            <a:schemeClr val="accent1">
+              <a:shade val="50000"/>
+            </a:schemeClr>
+          </a:lnRef>
+          <a:fillRef idx="1">
+            <a:schemeClr val="accent1"/>
+          </a:fillRef>
+          <a:effectRef idx="0">
+            <a:schemeClr val="accent1"/>
+          </a:effectRef>
+          <a:fontRef idx="minor">
+            <a:schemeClr val="lt1"/>
+          </a:fontRef>
+        </p:style>
+        <p:txBody>
+          <a:bodyPr rtlCol="0" anchor="ctr"/>
+          <a:lstStyle/>
+          <a:p>
+            <a:pPr algn="ctr"/>
+            <a:endParaRPr lang="en-US">
+              <a:solidFill>
+                <a:schemeClr val="tx1"/>
+              </a:solidFill>
+            </a:endParaRPr>
+          </a:p>
+        </p:txBody>
+      </p:sp>
+      <p:sp>
+        <p:nvSpPr>
+          <p:cNvPr id="7" name="TextBox 6">
+            <a:extLst>
+              <a:ext uri="{FF2B5EF4-FFF2-40B4-BE49-F238E27FC236}">
+                <a16:creationId xmlns:a16="http://schemas.microsoft.com/office/drawing/2014/main" id="{725A9E8C-1255-4A73-2BC8-1141A75A754E}"/>
+              </a:ext>
+            </a:extLst>
+          </p:cNvPr>
+          <p:cNvSpPr txBox="1"/>
+          <p:nvPr/>
+        </p:nvSpPr>
+        <p:spPr>
+          <a:xfrm>
+            <a:off x="10846676" y="1692166"/>
+            <a:ext cx="1229711" cy="307777"/>
+          </a:xfrm>
+          <a:prstGeom prst="rect">
+            <a:avLst/>
+          </a:prstGeom>
+          <a:noFill/>
+        </p:spPr>
+        <p:txBody>
+          <a:bodyPr wrap="square" rtlCol="0">
+            <a:spAutoFit/>
+          </a:bodyPr>
+          <a:lstStyle/>
+          <a:p>
+            <a:r>
+              <a:rPr lang="en-US" sz="1400" dirty="0" err="1"/>
+              <a:t>UnAuthorize</a:t>
+            </a:r>
+            <a:endParaRPr lang="en-US" sz="1400" dirty="0"/>
+          </a:p>
+        </p:txBody>
+      </p:sp>
+      <p:sp>
+        <p:nvSpPr>
+          <p:cNvPr id="8" name="TextBox 7">
+            <a:extLst>
+              <a:ext uri="{FF2B5EF4-FFF2-40B4-BE49-F238E27FC236}">
+                <a16:creationId xmlns:a16="http://schemas.microsoft.com/office/drawing/2014/main" id="{7EB0A015-410F-97A4-E16B-D417D7E004A7}"/>
+              </a:ext>
+            </a:extLst>
+          </p:cNvPr>
+          <p:cNvSpPr txBox="1"/>
+          <p:nvPr/>
+        </p:nvSpPr>
+        <p:spPr>
+          <a:xfrm>
+            <a:off x="10773103" y="630703"/>
+            <a:ext cx="1429407" cy="646331"/>
+          </a:xfrm>
+          <a:prstGeom prst="rect">
+            <a:avLst/>
+          </a:prstGeom>
+          <a:noFill/>
+        </p:spPr>
+        <p:txBody>
+          <a:bodyPr wrap="square" rtlCol="0">
+            <a:spAutoFit/>
+          </a:bodyPr>
+          <a:lstStyle/>
+          <a:p>
+            <a:pPr algn="ctr"/>
+            <a:r>
+              <a:rPr lang="en-US" b="1" dirty="0"/>
+              <a:t>User / Role Failed</a:t>
+            </a:r>
+          </a:p>
+        </p:txBody>
+      </p:sp>
+      <p:sp>
+        <p:nvSpPr>
+          <p:cNvPr id="10" name="Rectangle 9">
+            <a:extLst>
+              <a:ext uri="{FF2B5EF4-FFF2-40B4-BE49-F238E27FC236}">
+                <a16:creationId xmlns:a16="http://schemas.microsoft.com/office/drawing/2014/main" id="{1F4E1CF7-64F2-9043-E362-D2D50D04F901}"/>
+              </a:ext>
+            </a:extLst>
+          </p:cNvPr>
+          <p:cNvSpPr/>
+          <p:nvPr/>
+        </p:nvSpPr>
+        <p:spPr>
+          <a:xfrm>
+            <a:off x="5475889" y="1999943"/>
+            <a:ext cx="5087007" cy="851338"/>
+          </a:xfrm>
+          <a:prstGeom prst="rect">
+            <a:avLst/>
+          </a:prstGeom>
+        </p:spPr>
+        <p:style>
+          <a:lnRef idx="1">
+            <a:schemeClr val="accent3"/>
+          </a:lnRef>
+          <a:fillRef idx="2">
+            <a:schemeClr val="accent3"/>
+          </a:fillRef>
+          <a:effectRef idx="1">
+            <a:schemeClr val="accent3"/>
+          </a:effectRef>
+          <a:fontRef idx="minor">
+            <a:schemeClr val="dk1"/>
+          </a:fontRef>
+        </p:style>
+        <p:txBody>
+          <a:bodyPr rtlCol="0" anchor="ctr"/>
+          <a:lstStyle/>
+          <a:p>
+            <a:pPr algn="ctr"/>
+            <a:r>
+              <a:rPr lang="en-US" sz="1400" b="1" dirty="0"/>
+              <a:t>The Controller Instance is created and Dependencies will be injected (DI Container)</a:t>
+            </a:r>
+          </a:p>
+          <a:p>
+            <a:pPr algn="ctr"/>
+            <a:r>
+              <a:rPr lang="en-US" sz="1400" b="1" dirty="0">
+                <a:highlight>
+                  <a:srgbClr val="FFFF00"/>
+                </a:highlight>
+              </a:rPr>
+              <a:t>The ActionFilter will be initialized and Loaded</a:t>
+            </a:r>
+          </a:p>
+        </p:txBody>
+      </p:sp>
+      <p:sp>
+        <p:nvSpPr>
+          <p:cNvPr id="11" name="TextBox 10">
+            <a:extLst>
+              <a:ext uri="{FF2B5EF4-FFF2-40B4-BE49-F238E27FC236}">
+                <a16:creationId xmlns:a16="http://schemas.microsoft.com/office/drawing/2014/main" id="{680E121A-AF9A-E6D7-000E-2B72663506FA}"/>
+              </a:ext>
+            </a:extLst>
+          </p:cNvPr>
+          <p:cNvSpPr txBox="1"/>
+          <p:nvPr/>
+        </p:nvSpPr>
+        <p:spPr>
+          <a:xfrm>
+            <a:off x="725214" y="2532993"/>
+            <a:ext cx="3741683" cy="1200329"/>
+          </a:xfrm>
+          <a:prstGeom prst="rect">
+            <a:avLst/>
+          </a:prstGeom>
+          <a:solidFill>
+            <a:schemeClr val="accent2"/>
+          </a:solidFill>
+        </p:spPr>
+        <p:txBody>
+          <a:bodyPr wrap="square" rtlCol="0">
+            <a:spAutoFit/>
+          </a:bodyPr>
+          <a:lstStyle/>
+          <a:p>
+            <a:r>
+              <a:rPr lang="en-US" dirty="0"/>
+              <a:t>The Value added logic that will be executed along with the Controller and they will not Interfere in the Controller’s execution</a:t>
+            </a:r>
+          </a:p>
+        </p:txBody>
+      </p:sp>
+      <p:cxnSp>
+        <p:nvCxnSpPr>
+          <p:cNvPr id="13" name="Elbow Connector 12">
+            <a:extLst>
+              <a:ext uri="{FF2B5EF4-FFF2-40B4-BE49-F238E27FC236}">
+                <a16:creationId xmlns:a16="http://schemas.microsoft.com/office/drawing/2014/main" id="{6439F31E-9E24-C9F3-95CB-3FCE6B3E1FB6}"/>
+              </a:ext>
+            </a:extLst>
+          </p:cNvPr>
+          <p:cNvCxnSpPr>
+            <a:stCxn id="11" idx="3"/>
+          </p:cNvCxnSpPr>
+          <p:nvPr/>
+        </p:nvCxnSpPr>
+        <p:spPr>
+          <a:xfrm flipV="1">
+            <a:off x="4466897" y="2659117"/>
+            <a:ext cx="1849820" cy="474041"/>
+          </a:xfrm>
+          <a:prstGeom prst="bentConnector3">
+            <a:avLst/>
+          </a:prstGeom>
+          <a:ln w="57150">
+            <a:tailEnd type="triangle"/>
+          </a:ln>
+        </p:spPr>
+        <p:style>
+          <a:lnRef idx="1">
+            <a:schemeClr val="accent1"/>
+          </a:lnRef>
+          <a:fillRef idx="0">
+            <a:schemeClr val="accent1"/>
+          </a:fillRef>
+          <a:effectRef idx="0">
+            <a:schemeClr val="accent1"/>
+          </a:effectRef>
+          <a:fontRef idx="minor">
+            <a:schemeClr val="tx1"/>
+          </a:fontRef>
+        </p:style>
+      </p:cxnSp>
+      <p:sp>
+        <p:nvSpPr>
+          <p:cNvPr id="14" name="TextBox 13">
+            <a:extLst>
+              <a:ext uri="{FF2B5EF4-FFF2-40B4-BE49-F238E27FC236}">
+                <a16:creationId xmlns:a16="http://schemas.microsoft.com/office/drawing/2014/main" id="{416AAD71-1673-A20A-F485-FA043F330D91}"/>
+              </a:ext>
+            </a:extLst>
+          </p:cNvPr>
+          <p:cNvSpPr txBox="1"/>
+          <p:nvPr/>
+        </p:nvSpPr>
+        <p:spPr>
+          <a:xfrm>
+            <a:off x="231229" y="471496"/>
+            <a:ext cx="4550979" cy="369332"/>
+          </a:xfrm>
+          <a:prstGeom prst="rect">
+            <a:avLst/>
+          </a:prstGeom>
+          <a:noFill/>
+        </p:spPr>
+        <p:txBody>
+          <a:bodyPr wrap="square" rtlCol="0">
+            <a:spAutoFit/>
+          </a:bodyPr>
+          <a:lstStyle/>
+          <a:p>
+            <a:r>
+              <a:rPr lang="en-US" dirty="0"/>
+              <a:t>http://server/</a:t>
+            </a:r>
+            <a:r>
+              <a:rPr lang="en-US" dirty="0" err="1"/>
+              <a:t>MyController</a:t>
+            </a:r>
+            <a:r>
+              <a:rPr lang="en-US" dirty="0"/>
+              <a:t>/</a:t>
+            </a:r>
+            <a:r>
+              <a:rPr lang="en-US" dirty="0" err="1"/>
+              <a:t>MyAction</a:t>
+            </a:r>
+            <a:endParaRPr lang="en-US" dirty="0"/>
+          </a:p>
+        </p:txBody>
+      </p:sp>
+      <p:sp>
+        <p:nvSpPr>
+          <p:cNvPr id="15" name="Rectangle 14">
+            <a:extLst>
+              <a:ext uri="{FF2B5EF4-FFF2-40B4-BE49-F238E27FC236}">
+                <a16:creationId xmlns:a16="http://schemas.microsoft.com/office/drawing/2014/main" id="{DB1CF8B6-3D64-9815-6D6B-56ECEEEDCB14}"/>
+              </a:ext>
+            </a:extLst>
+          </p:cNvPr>
+          <p:cNvSpPr/>
+          <p:nvPr/>
+        </p:nvSpPr>
+        <p:spPr>
+          <a:xfrm>
+            <a:off x="3184635" y="882869"/>
+            <a:ext cx="1986455" cy="809297"/>
+          </a:xfrm>
+          <a:prstGeom prst="rect">
+            <a:avLst/>
+          </a:prstGeom>
+          <a:solidFill>
+            <a:schemeClr val="accent2"/>
+          </a:solidFill>
+        </p:spPr>
+        <p:style>
+          <a:lnRef idx="2">
+            <a:schemeClr val="accent1">
+              <a:shade val="50000"/>
+            </a:schemeClr>
+          </a:lnRef>
+          <a:fillRef idx="1">
+            <a:schemeClr val="accent1"/>
+          </a:fillRef>
+          <a:effectRef idx="0">
+            <a:schemeClr val="accent1"/>
+          </a:effectRef>
+          <a:fontRef idx="minor">
+            <a:schemeClr val="lt1"/>
+          </a:fontRef>
+        </p:style>
+        <p:txBody>
+          <a:bodyPr rtlCol="0" anchor="ctr"/>
+          <a:lstStyle/>
+          <a:p>
+            <a:pPr algn="ctr"/>
+            <a:r>
+              <a:rPr lang="en-US" sz="1200" b="1" dirty="0"/>
+              <a:t>Route Table That Reads Controller Name and Action Name</a:t>
+            </a:r>
+          </a:p>
+        </p:txBody>
+      </p:sp>
+      <p:sp>
+        <p:nvSpPr>
+          <p:cNvPr id="16" name="Right Arrow 15">
+            <a:extLst>
+              <a:ext uri="{FF2B5EF4-FFF2-40B4-BE49-F238E27FC236}">
+                <a16:creationId xmlns:a16="http://schemas.microsoft.com/office/drawing/2014/main" id="{6E142D08-BB68-6D5A-54EE-880DF27BFF15}"/>
+              </a:ext>
+            </a:extLst>
+          </p:cNvPr>
+          <p:cNvSpPr/>
+          <p:nvPr/>
+        </p:nvSpPr>
+        <p:spPr>
+          <a:xfrm>
+            <a:off x="5181601" y="1266497"/>
+            <a:ext cx="210206" cy="233505"/>
+          </a:xfrm>
+          <a:prstGeom prst="rightArrow">
+            <a:avLst/>
+          </a:prstGeom>
+        </p:spPr>
+        <p:style>
+          <a:lnRef idx="2">
+            <a:schemeClr val="accent1">
+              <a:shade val="50000"/>
+            </a:schemeClr>
+          </a:lnRef>
+          <a:fillRef idx="1">
+            <a:schemeClr val="accent1"/>
+          </a:fillRef>
+          <a:effectRef idx="0">
+            <a:schemeClr val="accent1"/>
+          </a:effectRef>
+          <a:fontRef idx="minor">
+            <a:schemeClr val="lt1"/>
+          </a:fontRef>
+        </p:style>
+        <p:txBody>
+          <a:bodyPr rtlCol="0" anchor="ctr"/>
+          <a:lstStyle/>
+          <a:p>
+            <a:pPr algn="ctr"/>
+            <a:endParaRPr lang="en-US"/>
+          </a:p>
+        </p:txBody>
+      </p:sp>
+      <p:cxnSp>
+        <p:nvCxnSpPr>
+          <p:cNvPr id="18" name="Straight Arrow Connector 17">
+            <a:extLst>
+              <a:ext uri="{FF2B5EF4-FFF2-40B4-BE49-F238E27FC236}">
+                <a16:creationId xmlns:a16="http://schemas.microsoft.com/office/drawing/2014/main" id="{AC08B3DD-BF8A-AE40-B86A-969E85DB97D4}"/>
+              </a:ext>
+            </a:extLst>
+          </p:cNvPr>
+          <p:cNvCxnSpPr/>
+          <p:nvPr/>
+        </p:nvCxnSpPr>
+        <p:spPr>
+          <a:xfrm flipH="1">
+            <a:off x="4351283" y="453415"/>
+            <a:ext cx="1744717" cy="813082"/>
+          </a:xfrm>
+          <a:prstGeom prst="straightConnector1">
+            <a:avLst/>
+          </a:prstGeom>
+          <a:ln>
+            <a:tailEnd type="triangle"/>
+          </a:ln>
+        </p:spPr>
+        <p:style>
+          <a:lnRef idx="1">
+            <a:schemeClr val="accent1"/>
+          </a:lnRef>
+          <a:fillRef idx="0">
+            <a:schemeClr val="accent1"/>
+          </a:fillRef>
+          <a:effectRef idx="0">
+            <a:schemeClr val="accent1"/>
+          </a:effectRef>
+          <a:fontRef idx="minor">
+            <a:schemeClr val="tx1"/>
+          </a:fontRef>
+        </p:style>
+      </p:cxnSp>
+      <p:sp>
+        <p:nvSpPr>
+          <p:cNvPr id="19" name="TextBox 18">
+            <a:extLst>
+              <a:ext uri="{FF2B5EF4-FFF2-40B4-BE49-F238E27FC236}">
+                <a16:creationId xmlns:a16="http://schemas.microsoft.com/office/drawing/2014/main" id="{88A4B793-E346-8E2E-91A7-D9EC29F86558}"/>
+              </a:ext>
+            </a:extLst>
+          </p:cNvPr>
+          <p:cNvSpPr txBox="1"/>
+          <p:nvPr/>
+        </p:nvSpPr>
+        <p:spPr>
+          <a:xfrm>
+            <a:off x="6138041" y="187813"/>
+            <a:ext cx="2648607" cy="646331"/>
+          </a:xfrm>
+          <a:prstGeom prst="rect">
+            <a:avLst/>
+          </a:prstGeom>
+          <a:noFill/>
+        </p:spPr>
+        <p:txBody>
+          <a:bodyPr wrap="square" rtlCol="0">
+            <a:spAutoFit/>
+          </a:bodyPr>
+          <a:lstStyle/>
+          <a:p>
+            <a:r>
+              <a:rPr lang="en-US" dirty="0"/>
+              <a:t>Route Expression </a:t>
+            </a:r>
+          </a:p>
+          <a:p>
+            <a:r>
+              <a:rPr lang="en-US" dirty="0"/>
+              <a:t>{controller}/{action}/{id?}</a:t>
+            </a:r>
+          </a:p>
+        </p:txBody>
+      </p:sp>
+      <p:sp>
+        <p:nvSpPr>
+          <p:cNvPr id="20" name="Rounded Rectangle 19">
+            <a:extLst>
+              <a:ext uri="{FF2B5EF4-FFF2-40B4-BE49-F238E27FC236}">
+                <a16:creationId xmlns:a16="http://schemas.microsoft.com/office/drawing/2014/main" id="{EEB08E0D-AAF3-B158-7CF0-DA34D1AB7127}"/>
+              </a:ext>
+            </a:extLst>
+          </p:cNvPr>
+          <p:cNvSpPr/>
+          <p:nvPr/>
+        </p:nvSpPr>
+        <p:spPr>
+          <a:xfrm>
+            <a:off x="5633545" y="3133157"/>
+            <a:ext cx="4845269" cy="2048443"/>
+          </a:xfrm>
+          <a:prstGeom prst="roundRect">
+            <a:avLst/>
+          </a:prstGeom>
+        </p:spPr>
+        <p:style>
+          <a:lnRef idx="2">
+            <a:schemeClr val="accent1">
+              <a:shade val="50000"/>
+            </a:schemeClr>
+          </a:lnRef>
+          <a:fillRef idx="1">
+            <a:schemeClr val="accent1"/>
+          </a:fillRef>
+          <a:effectRef idx="0">
+            <a:schemeClr val="accent1"/>
+          </a:effectRef>
+          <a:fontRef idx="minor">
+            <a:schemeClr val="lt1"/>
+          </a:fontRef>
+        </p:style>
+        <p:txBody>
+          <a:bodyPr rtlCol="0" anchor="ctr"/>
+          <a:lstStyle/>
+          <a:p>
+            <a:pPr algn="ctr"/>
+            <a:r>
+              <a:rPr lang="en-US" b="1" dirty="0"/>
+              <a:t>Action Method Under Execution</a:t>
+            </a:r>
+          </a:p>
+        </p:txBody>
+      </p:sp>
+      <p:sp>
+        <p:nvSpPr>
+          <p:cNvPr id="21" name="Rectangle 20">
+            <a:extLst>
+              <a:ext uri="{FF2B5EF4-FFF2-40B4-BE49-F238E27FC236}">
+                <a16:creationId xmlns:a16="http://schemas.microsoft.com/office/drawing/2014/main" id="{0BF77AE2-5997-314A-B63F-0CBC6E35A8F7}"/>
+              </a:ext>
+            </a:extLst>
+          </p:cNvPr>
+          <p:cNvSpPr/>
+          <p:nvPr/>
+        </p:nvSpPr>
+        <p:spPr>
+          <a:xfrm>
+            <a:off x="6017172" y="3259282"/>
+            <a:ext cx="4209394" cy="747438"/>
+          </a:xfrm>
+          <a:prstGeom prst="rect">
+            <a:avLst/>
+          </a:prstGeom>
+        </p:spPr>
+        <p:style>
+          <a:lnRef idx="1">
+            <a:schemeClr val="accent3"/>
+          </a:lnRef>
+          <a:fillRef idx="2">
+            <a:schemeClr val="accent3"/>
+          </a:fillRef>
+          <a:effectRef idx="1">
+            <a:schemeClr val="accent3"/>
+          </a:effectRef>
+          <a:fontRef idx="minor">
+            <a:schemeClr val="dk1"/>
+          </a:fontRef>
+        </p:style>
+        <p:txBody>
+          <a:bodyPr rtlCol="0" anchor="ctr"/>
+          <a:lstStyle/>
+          <a:p>
+            <a:pPr algn="ctr"/>
+            <a:r>
+              <a:rPr lang="en-US" b="1" dirty="0"/>
+              <a:t>Action Filter Applied on The Action Method</a:t>
+            </a:r>
+          </a:p>
+        </p:txBody>
+      </p:sp>
+      <p:sp>
+        <p:nvSpPr>
+          <p:cNvPr id="23" name="Bent Arrow 22">
+            <a:extLst>
+              <a:ext uri="{FF2B5EF4-FFF2-40B4-BE49-F238E27FC236}">
+                <a16:creationId xmlns:a16="http://schemas.microsoft.com/office/drawing/2014/main" id="{9FD96CF3-0C2F-6958-D289-6BEF358DAD76}"/>
+              </a:ext>
+            </a:extLst>
+          </p:cNvPr>
+          <p:cNvSpPr/>
+          <p:nvPr/>
+        </p:nvSpPr>
+        <p:spPr>
+          <a:xfrm rot="5400000">
+            <a:off x="10250213" y="2044613"/>
+            <a:ext cx="541284" cy="1613336"/>
+          </a:xfrm>
+          <a:prstGeom prst="bentArrow">
+            <a:avLst/>
+          </a:prstGeom>
+        </p:spPr>
+        <p:style>
+          <a:lnRef idx="2">
+            <a:schemeClr val="accent1">
+              <a:shade val="50000"/>
+            </a:schemeClr>
+          </a:lnRef>
+          <a:fillRef idx="1">
+            <a:schemeClr val="accent1"/>
+          </a:fillRef>
+          <a:effectRef idx="0">
+            <a:schemeClr val="accent1"/>
+          </a:effectRef>
+          <a:fontRef idx="minor">
+            <a:schemeClr val="lt1"/>
+          </a:fontRef>
+        </p:style>
+        <p:txBody>
+          <a:bodyPr rtlCol="0" anchor="ctr"/>
+          <a:lstStyle/>
+          <a:p>
+            <a:pPr algn="ctr"/>
+            <a:endParaRPr lang="en-US">
+              <a:solidFill>
+                <a:schemeClr val="tx1"/>
+              </a:solidFill>
+            </a:endParaRPr>
+          </a:p>
+        </p:txBody>
+      </p:sp>
+      <p:sp>
+        <p:nvSpPr>
+          <p:cNvPr id="24" name="Bent Arrow 23">
+            <a:extLst>
+              <a:ext uri="{FF2B5EF4-FFF2-40B4-BE49-F238E27FC236}">
+                <a16:creationId xmlns:a16="http://schemas.microsoft.com/office/drawing/2014/main" id="{539D9E71-AAE1-4254-6773-AE47561B3409}"/>
+              </a:ext>
+            </a:extLst>
+          </p:cNvPr>
+          <p:cNvSpPr/>
+          <p:nvPr/>
+        </p:nvSpPr>
+        <p:spPr>
+          <a:xfrm rot="5400000">
+            <a:off x="10691647" y="3015351"/>
+            <a:ext cx="541284" cy="1613336"/>
+          </a:xfrm>
+          <a:prstGeom prst="bentArrow">
+            <a:avLst/>
+          </a:prstGeom>
+        </p:spPr>
+        <p:style>
+          <a:lnRef idx="2">
+            <a:schemeClr val="accent1">
+              <a:shade val="50000"/>
+            </a:schemeClr>
+          </a:lnRef>
+          <a:fillRef idx="1">
+            <a:schemeClr val="accent1"/>
+          </a:fillRef>
+          <a:effectRef idx="0">
+            <a:schemeClr val="accent1"/>
+          </a:effectRef>
+          <a:fontRef idx="minor">
+            <a:schemeClr val="lt1"/>
+          </a:fontRef>
+        </p:style>
+        <p:txBody>
+          <a:bodyPr rtlCol="0" anchor="ctr"/>
+          <a:lstStyle/>
+          <a:p>
+            <a:pPr algn="ctr"/>
+            <a:endParaRPr lang="en-US">
+              <a:solidFill>
+                <a:schemeClr val="tx1"/>
+              </a:solidFill>
+            </a:endParaRPr>
+          </a:p>
+        </p:txBody>
+      </p:sp>
+      <p:sp>
+        <p:nvSpPr>
+          <p:cNvPr id="25" name="TextBox 24">
+            <a:extLst>
+              <a:ext uri="{FF2B5EF4-FFF2-40B4-BE49-F238E27FC236}">
+                <a16:creationId xmlns:a16="http://schemas.microsoft.com/office/drawing/2014/main" id="{3636392C-A04D-84F0-991C-56C954F1A605}"/>
+              </a:ext>
+            </a:extLst>
+          </p:cNvPr>
+          <p:cNvSpPr txBox="1"/>
+          <p:nvPr/>
+        </p:nvSpPr>
+        <p:spPr>
+          <a:xfrm>
+            <a:off x="10862441" y="3028157"/>
+            <a:ext cx="1229711" cy="523220"/>
+          </a:xfrm>
+          <a:prstGeom prst="rect">
+            <a:avLst/>
+          </a:prstGeom>
+          <a:noFill/>
+        </p:spPr>
+        <p:txBody>
+          <a:bodyPr wrap="square" rtlCol="0">
+            <a:spAutoFit/>
+          </a:bodyPr>
+          <a:lstStyle/>
+          <a:p>
+            <a:r>
+              <a:rPr lang="en-US" sz="1400" dirty="0"/>
+              <a:t>Exception and Log</a:t>
+            </a:r>
+          </a:p>
+        </p:txBody>
+      </p:sp>
+      <p:sp>
+        <p:nvSpPr>
+          <p:cNvPr id="26" name="TextBox 25">
+            <a:extLst>
+              <a:ext uri="{FF2B5EF4-FFF2-40B4-BE49-F238E27FC236}">
+                <a16:creationId xmlns:a16="http://schemas.microsoft.com/office/drawing/2014/main" id="{6F992DF7-5D8C-1C3A-B3E8-FE10764369CB}"/>
+              </a:ext>
+            </a:extLst>
+          </p:cNvPr>
+          <p:cNvSpPr txBox="1"/>
+          <p:nvPr/>
+        </p:nvSpPr>
+        <p:spPr>
+          <a:xfrm>
+            <a:off x="10815145" y="4025967"/>
+            <a:ext cx="1229711" cy="523220"/>
+          </a:xfrm>
+          <a:prstGeom prst="rect">
+            <a:avLst/>
+          </a:prstGeom>
+          <a:noFill/>
+        </p:spPr>
+        <p:txBody>
+          <a:bodyPr wrap="square" rtlCol="0">
+            <a:spAutoFit/>
+          </a:bodyPr>
+          <a:lstStyle/>
+          <a:p>
+            <a:r>
+              <a:rPr lang="en-US" sz="1400" dirty="0"/>
+              <a:t>Exception and Log</a:t>
+            </a:r>
+          </a:p>
+        </p:txBody>
+      </p:sp>
+      <p:cxnSp>
+        <p:nvCxnSpPr>
+          <p:cNvPr id="28" name="Elbow Connector 27">
+            <a:extLst>
+              <a:ext uri="{FF2B5EF4-FFF2-40B4-BE49-F238E27FC236}">
+                <a16:creationId xmlns:a16="http://schemas.microsoft.com/office/drawing/2014/main" id="{2D6C14EB-637C-6F82-7E84-8D84ACE7EC1B}"/>
+              </a:ext>
+            </a:extLst>
+          </p:cNvPr>
+          <p:cNvCxnSpPr>
+            <a:stCxn id="11" idx="3"/>
+            <a:endCxn id="21" idx="1"/>
+          </p:cNvCxnSpPr>
+          <p:nvPr/>
+        </p:nvCxnSpPr>
+        <p:spPr>
+          <a:xfrm>
+            <a:off x="4466897" y="3133158"/>
+            <a:ext cx="1550275" cy="499843"/>
+          </a:xfrm>
+          <a:prstGeom prst="bentConnector3">
+            <a:avLst/>
+          </a:prstGeom>
+          <a:ln w="76200">
+            <a:solidFill>
+              <a:srgbClr val="FF0000"/>
+            </a:solidFill>
+            <a:tailEnd type="triangle"/>
+          </a:ln>
+        </p:spPr>
+        <p:style>
+          <a:lnRef idx="1">
+            <a:schemeClr val="accent1"/>
+          </a:lnRef>
+          <a:fillRef idx="0">
+            <a:schemeClr val="accent1"/>
+          </a:fillRef>
+          <a:effectRef idx="0">
+            <a:schemeClr val="accent1"/>
+          </a:effectRef>
+          <a:fontRef idx="minor">
+            <a:schemeClr val="tx1"/>
+          </a:fontRef>
+        </p:style>
+      </p:cxnSp>
+    </p:spTree>
+    <p:extLst>
+      <p:ext uri="{BB962C8B-B14F-4D97-AF65-F5344CB8AC3E}">
+        <p14:creationId xmlns:p14="http://schemas.microsoft.com/office/powerpoint/2010/main" val="2215268239"/>
       </p:ext>
     </p:extLst>
   </p:cSld>
@@ -17583,6 +22240,1931 @@
     <p:extLst>
       <p:ext uri="{BB962C8B-B14F-4D97-AF65-F5344CB8AC3E}">
         <p14:creationId xmlns:p14="http://schemas.microsoft.com/office/powerpoint/2010/main" val="4191405784"/>
+      </p:ext>
+    </p:extLst>
+  </p:cSld>
+  <p:clrMapOvr>
+    <a:masterClrMapping/>
+  </p:clrMapOvr>
+</p:sld>
+</file>
+
+<file path=ppt/slides/slide30.xml><?xml version="1.0" encoding="utf-8"?>
+<p:sld xmlns:a="http://schemas.openxmlformats.org/drawingml/2006/main" xmlns:r="http://schemas.openxmlformats.org/officeDocument/2006/relationships" xmlns:p="http://schemas.openxmlformats.org/presentationml/2006/main">
+  <p:cSld>
+    <p:spTree>
+      <p:nvGrpSpPr>
+        <p:cNvPr id="1" name=""/>
+        <p:cNvGrpSpPr/>
+        <p:nvPr/>
+      </p:nvGrpSpPr>
+      <p:grpSpPr>
+        <a:xfrm>
+          <a:off x="0" y="0"/>
+          <a:ext cx="0" cy="0"/>
+          <a:chOff x="0" y="0"/>
+          <a:chExt cx="0" cy="0"/>
+        </a:xfrm>
+      </p:grpSpPr>
+      <p:sp>
+        <p:nvSpPr>
+          <p:cNvPr id="2" name="Rounded Rectangle 1">
+            <a:extLst>
+              <a:ext uri="{FF2B5EF4-FFF2-40B4-BE49-F238E27FC236}">
+                <a16:creationId xmlns:a16="http://schemas.microsoft.com/office/drawing/2014/main" id="{A9E02334-0417-D1EB-BF39-7719A4CBD6DC}"/>
+              </a:ext>
+            </a:extLst>
+          </p:cNvPr>
+          <p:cNvSpPr/>
+          <p:nvPr/>
+        </p:nvSpPr>
+        <p:spPr>
+          <a:xfrm>
+            <a:off x="5286703" y="725214"/>
+            <a:ext cx="4677104" cy="504497"/>
+          </a:xfrm>
+          <a:prstGeom prst="roundRect">
+            <a:avLst/>
+          </a:prstGeom>
+        </p:spPr>
+        <p:style>
+          <a:lnRef idx="2">
+            <a:schemeClr val="accent1">
+              <a:shade val="50000"/>
+            </a:schemeClr>
+          </a:lnRef>
+          <a:fillRef idx="1">
+            <a:schemeClr val="accent1"/>
+          </a:fillRef>
+          <a:effectRef idx="0">
+            <a:schemeClr val="accent1"/>
+          </a:effectRef>
+          <a:fontRef idx="minor">
+            <a:schemeClr val="lt1"/>
+          </a:fontRef>
+        </p:style>
+        <p:txBody>
+          <a:bodyPr rtlCol="0" anchor="ctr"/>
+          <a:lstStyle/>
+          <a:p>
+            <a:pPr algn="ctr"/>
+            <a:r>
+              <a:rPr lang="en-US" b="1" dirty="0"/>
+              <a:t>Authorization Filter (Applied for Security)</a:t>
+            </a:r>
+          </a:p>
+        </p:txBody>
+      </p:sp>
+      <p:sp>
+        <p:nvSpPr>
+          <p:cNvPr id="3" name="Rounded Rectangle 2">
+            <a:extLst>
+              <a:ext uri="{FF2B5EF4-FFF2-40B4-BE49-F238E27FC236}">
+                <a16:creationId xmlns:a16="http://schemas.microsoft.com/office/drawing/2014/main" id="{976B43E2-5DE6-F658-7BA2-57AF5FCAEDBA}"/>
+              </a:ext>
+            </a:extLst>
+          </p:cNvPr>
+          <p:cNvSpPr/>
+          <p:nvPr/>
+        </p:nvSpPr>
+        <p:spPr>
+          <a:xfrm>
+            <a:off x="5286703" y="1560786"/>
+            <a:ext cx="4677104" cy="504497"/>
+          </a:xfrm>
+          <a:prstGeom prst="roundRect">
+            <a:avLst/>
+          </a:prstGeom>
+        </p:spPr>
+        <p:style>
+          <a:lnRef idx="2">
+            <a:schemeClr val="accent1">
+              <a:shade val="50000"/>
+            </a:schemeClr>
+          </a:lnRef>
+          <a:fillRef idx="1">
+            <a:schemeClr val="accent1"/>
+          </a:fillRef>
+          <a:effectRef idx="0">
+            <a:schemeClr val="accent1"/>
+          </a:effectRef>
+          <a:fontRef idx="minor">
+            <a:schemeClr val="lt1"/>
+          </a:fontRef>
+        </p:style>
+        <p:txBody>
+          <a:bodyPr rtlCol="0" anchor="ctr"/>
+          <a:lstStyle/>
+          <a:p>
+            <a:pPr algn="ctr"/>
+            <a:r>
+              <a:rPr lang="en-US" b="1" dirty="0"/>
+              <a:t>Resource Filter (For resources to those are used by controller)</a:t>
+            </a:r>
+          </a:p>
+        </p:txBody>
+      </p:sp>
+      <p:sp>
+        <p:nvSpPr>
+          <p:cNvPr id="4" name="Rounded Rectangle 3">
+            <a:extLst>
+              <a:ext uri="{FF2B5EF4-FFF2-40B4-BE49-F238E27FC236}">
+                <a16:creationId xmlns:a16="http://schemas.microsoft.com/office/drawing/2014/main" id="{93132080-FE38-6161-C4F6-C2F7C82DAE9C}"/>
+              </a:ext>
+            </a:extLst>
+          </p:cNvPr>
+          <p:cNvSpPr/>
+          <p:nvPr/>
+        </p:nvSpPr>
+        <p:spPr>
+          <a:xfrm>
+            <a:off x="5286703" y="2286001"/>
+            <a:ext cx="4677104" cy="504497"/>
+          </a:xfrm>
+          <a:prstGeom prst="roundRect">
+            <a:avLst/>
+          </a:prstGeom>
+          <a:solidFill>
+            <a:schemeClr val="bg1">
+              <a:lumMod val="50000"/>
+            </a:schemeClr>
+          </a:solidFill>
+        </p:spPr>
+        <p:style>
+          <a:lnRef idx="2">
+            <a:schemeClr val="accent1">
+              <a:shade val="50000"/>
+            </a:schemeClr>
+          </a:lnRef>
+          <a:fillRef idx="1">
+            <a:schemeClr val="accent1"/>
+          </a:fillRef>
+          <a:effectRef idx="0">
+            <a:schemeClr val="accent1"/>
+          </a:effectRef>
+          <a:fontRef idx="minor">
+            <a:schemeClr val="lt1"/>
+          </a:fontRef>
+        </p:style>
+        <p:txBody>
+          <a:bodyPr rtlCol="0" anchor="ctr"/>
+          <a:lstStyle/>
+          <a:p>
+            <a:pPr algn="ctr"/>
+            <a:r>
+              <a:rPr lang="en-US" b="1" dirty="0"/>
+              <a:t>Model Binding (Data used by Action Method of the Controller)</a:t>
+            </a:r>
+          </a:p>
+        </p:txBody>
+      </p:sp>
+      <p:sp>
+        <p:nvSpPr>
+          <p:cNvPr id="5" name="Rounded Rectangle 4">
+            <a:extLst>
+              <a:ext uri="{FF2B5EF4-FFF2-40B4-BE49-F238E27FC236}">
+                <a16:creationId xmlns:a16="http://schemas.microsoft.com/office/drawing/2014/main" id="{B3AABEEC-4F07-66F7-D7D6-591B6DB29FE5}"/>
+              </a:ext>
+            </a:extLst>
+          </p:cNvPr>
+          <p:cNvSpPr/>
+          <p:nvPr/>
+        </p:nvSpPr>
+        <p:spPr>
+          <a:xfrm>
+            <a:off x="5360275" y="3103178"/>
+            <a:ext cx="4677104" cy="504497"/>
+          </a:xfrm>
+          <a:prstGeom prst="roundRect">
+            <a:avLst/>
+          </a:prstGeom>
+        </p:spPr>
+        <p:style>
+          <a:lnRef idx="2">
+            <a:schemeClr val="accent1">
+              <a:shade val="50000"/>
+            </a:schemeClr>
+          </a:lnRef>
+          <a:fillRef idx="1">
+            <a:schemeClr val="accent1"/>
+          </a:fillRef>
+          <a:effectRef idx="0">
+            <a:schemeClr val="accent1"/>
+          </a:effectRef>
+          <a:fontRef idx="minor">
+            <a:schemeClr val="lt1"/>
+          </a:fontRef>
+        </p:style>
+        <p:txBody>
+          <a:bodyPr rtlCol="0" anchor="ctr"/>
+          <a:lstStyle/>
+          <a:p>
+            <a:pPr algn="ctr"/>
+            <a:r>
+              <a:rPr lang="en-US" b="1" dirty="0"/>
+              <a:t>Custom Action Filter ** (Custom Log, Exception)</a:t>
+            </a:r>
+          </a:p>
+        </p:txBody>
+      </p:sp>
+      <p:sp>
+        <p:nvSpPr>
+          <p:cNvPr id="6" name="Rounded Rectangle 5">
+            <a:extLst>
+              <a:ext uri="{FF2B5EF4-FFF2-40B4-BE49-F238E27FC236}">
+                <a16:creationId xmlns:a16="http://schemas.microsoft.com/office/drawing/2014/main" id="{61B02088-ED63-27D2-E91D-4CC449899B71}"/>
+              </a:ext>
+            </a:extLst>
+          </p:cNvPr>
+          <p:cNvSpPr/>
+          <p:nvPr/>
+        </p:nvSpPr>
+        <p:spPr>
+          <a:xfrm>
+            <a:off x="5286703" y="3904593"/>
+            <a:ext cx="4677104" cy="504497"/>
+          </a:xfrm>
+          <a:prstGeom prst="roundRect">
+            <a:avLst/>
+          </a:prstGeom>
+        </p:spPr>
+        <p:style>
+          <a:lnRef idx="2">
+            <a:schemeClr val="accent1">
+              <a:shade val="50000"/>
+            </a:schemeClr>
+          </a:lnRef>
+          <a:fillRef idx="1">
+            <a:schemeClr val="accent1"/>
+          </a:fillRef>
+          <a:effectRef idx="0">
+            <a:schemeClr val="accent1"/>
+          </a:effectRef>
+          <a:fontRef idx="minor">
+            <a:schemeClr val="lt1"/>
+          </a:fontRef>
+        </p:style>
+        <p:txBody>
+          <a:bodyPr rtlCol="0" anchor="ctr"/>
+          <a:lstStyle/>
+          <a:p>
+            <a:pPr algn="ctr"/>
+            <a:r>
+              <a:rPr lang="en-US" b="1" dirty="0"/>
+              <a:t>Exception Filter **</a:t>
+            </a:r>
+          </a:p>
+        </p:txBody>
+      </p:sp>
+      <p:sp>
+        <p:nvSpPr>
+          <p:cNvPr id="7" name="Rounded Rectangle 6">
+            <a:extLst>
+              <a:ext uri="{FF2B5EF4-FFF2-40B4-BE49-F238E27FC236}">
+                <a16:creationId xmlns:a16="http://schemas.microsoft.com/office/drawing/2014/main" id="{0C24180E-85A5-0DEA-5533-B6345FF5B81E}"/>
+              </a:ext>
+            </a:extLst>
+          </p:cNvPr>
+          <p:cNvSpPr/>
+          <p:nvPr/>
+        </p:nvSpPr>
+        <p:spPr>
+          <a:xfrm>
+            <a:off x="5286703" y="4713889"/>
+            <a:ext cx="4677104" cy="504497"/>
+          </a:xfrm>
+          <a:prstGeom prst="roundRect">
+            <a:avLst/>
+          </a:prstGeom>
+        </p:spPr>
+        <p:style>
+          <a:lnRef idx="2">
+            <a:schemeClr val="accent1">
+              <a:shade val="50000"/>
+            </a:schemeClr>
+          </a:lnRef>
+          <a:fillRef idx="1">
+            <a:schemeClr val="accent1"/>
+          </a:fillRef>
+          <a:effectRef idx="0">
+            <a:schemeClr val="accent1"/>
+          </a:effectRef>
+          <a:fontRef idx="minor">
+            <a:schemeClr val="lt1"/>
+          </a:fontRef>
+        </p:style>
+        <p:txBody>
+          <a:bodyPr rtlCol="0" anchor="ctr"/>
+          <a:lstStyle/>
+          <a:p>
+            <a:pPr algn="ctr"/>
+            <a:r>
+              <a:rPr lang="en-US" b="1" dirty="0"/>
+              <a:t>Result Filter** (For Specifying type of Result Returned by Action Method) </a:t>
+            </a:r>
+          </a:p>
+        </p:txBody>
+      </p:sp>
+      <p:sp>
+        <p:nvSpPr>
+          <p:cNvPr id="8" name="Rounded Rectangle 7">
+            <a:extLst>
+              <a:ext uri="{FF2B5EF4-FFF2-40B4-BE49-F238E27FC236}">
+                <a16:creationId xmlns:a16="http://schemas.microsoft.com/office/drawing/2014/main" id="{13B70F59-4B8F-9172-B707-5A140AFB1E64}"/>
+              </a:ext>
+            </a:extLst>
+          </p:cNvPr>
+          <p:cNvSpPr/>
+          <p:nvPr/>
+        </p:nvSpPr>
+        <p:spPr>
+          <a:xfrm>
+            <a:off x="5286703" y="5523185"/>
+            <a:ext cx="4677104" cy="504497"/>
+          </a:xfrm>
+          <a:prstGeom prst="roundRect">
+            <a:avLst/>
+          </a:prstGeom>
+          <a:solidFill>
+            <a:schemeClr val="bg1">
+              <a:lumMod val="50000"/>
+            </a:schemeClr>
+          </a:solidFill>
+        </p:spPr>
+        <p:style>
+          <a:lnRef idx="2">
+            <a:schemeClr val="accent1">
+              <a:shade val="50000"/>
+            </a:schemeClr>
+          </a:lnRef>
+          <a:fillRef idx="1">
+            <a:schemeClr val="accent1"/>
+          </a:fillRef>
+          <a:effectRef idx="0">
+            <a:schemeClr val="accent1"/>
+          </a:effectRef>
+          <a:fontRef idx="minor">
+            <a:schemeClr val="lt1"/>
+          </a:fontRef>
+        </p:style>
+        <p:txBody>
+          <a:bodyPr rtlCol="0" anchor="ctr"/>
+          <a:lstStyle/>
+          <a:p>
+            <a:pPr algn="ctr"/>
+            <a:r>
+              <a:rPr lang="en-US" b="1" dirty="0"/>
+              <a:t>Result Execution</a:t>
+            </a:r>
+          </a:p>
+        </p:txBody>
+      </p:sp>
+      <p:sp>
+        <p:nvSpPr>
+          <p:cNvPr id="11" name="Rectangle 10">
+            <a:extLst>
+              <a:ext uri="{FF2B5EF4-FFF2-40B4-BE49-F238E27FC236}">
+                <a16:creationId xmlns:a16="http://schemas.microsoft.com/office/drawing/2014/main" id="{F35F55DF-3A34-D81D-7FE4-FCC19DB26B67}"/>
+              </a:ext>
+            </a:extLst>
+          </p:cNvPr>
+          <p:cNvSpPr/>
+          <p:nvPr/>
+        </p:nvSpPr>
+        <p:spPr>
+          <a:xfrm>
+            <a:off x="1545021" y="3095297"/>
+            <a:ext cx="2911365" cy="625365"/>
+          </a:xfrm>
+          <a:prstGeom prst="rect">
+            <a:avLst/>
+          </a:prstGeom>
+        </p:spPr>
+        <p:style>
+          <a:lnRef idx="2">
+            <a:schemeClr val="accent1">
+              <a:shade val="50000"/>
+            </a:schemeClr>
+          </a:lnRef>
+          <a:fillRef idx="1">
+            <a:schemeClr val="accent1"/>
+          </a:fillRef>
+          <a:effectRef idx="0">
+            <a:schemeClr val="accent1"/>
+          </a:effectRef>
+          <a:fontRef idx="minor">
+            <a:schemeClr val="lt1"/>
+          </a:fontRef>
+        </p:style>
+        <p:txBody>
+          <a:bodyPr rtlCol="0" anchor="ctr"/>
+          <a:lstStyle/>
+          <a:p>
+            <a:pPr algn="ctr"/>
+            <a:r>
+              <a:rPr lang="en-US" b="1" dirty="0"/>
+              <a:t>Action Execution Logic</a:t>
+            </a:r>
+          </a:p>
+        </p:txBody>
+      </p:sp>
+      <p:cxnSp>
+        <p:nvCxnSpPr>
+          <p:cNvPr id="13" name="Straight Arrow Connector 12">
+            <a:extLst>
+              <a:ext uri="{FF2B5EF4-FFF2-40B4-BE49-F238E27FC236}">
+                <a16:creationId xmlns:a16="http://schemas.microsoft.com/office/drawing/2014/main" id="{9A6A9B84-7185-E105-5FE0-FE1FC12CA3AB}"/>
+              </a:ext>
+            </a:extLst>
+          </p:cNvPr>
+          <p:cNvCxnSpPr>
+            <a:cxnSpLocks/>
+          </p:cNvCxnSpPr>
+          <p:nvPr/>
+        </p:nvCxnSpPr>
+        <p:spPr>
+          <a:xfrm>
+            <a:off x="5013434" y="767199"/>
+            <a:ext cx="0" cy="2417435"/>
+          </a:xfrm>
+          <a:prstGeom prst="straightConnector1">
+            <a:avLst/>
+          </a:prstGeom>
+          <a:ln w="76200">
+            <a:solidFill>
+              <a:srgbClr val="FF0000"/>
+            </a:solidFill>
+            <a:tailEnd type="triangle"/>
+          </a:ln>
+        </p:spPr>
+        <p:style>
+          <a:lnRef idx="1">
+            <a:schemeClr val="accent1"/>
+          </a:lnRef>
+          <a:fillRef idx="0">
+            <a:schemeClr val="accent1"/>
+          </a:fillRef>
+          <a:effectRef idx="0">
+            <a:schemeClr val="accent1"/>
+          </a:effectRef>
+          <a:fontRef idx="minor">
+            <a:schemeClr val="tx1"/>
+          </a:fontRef>
+        </p:style>
+      </p:cxnSp>
+      <p:cxnSp>
+        <p:nvCxnSpPr>
+          <p:cNvPr id="15" name="Elbow Connector 14">
+            <a:extLst>
+              <a:ext uri="{FF2B5EF4-FFF2-40B4-BE49-F238E27FC236}">
+                <a16:creationId xmlns:a16="http://schemas.microsoft.com/office/drawing/2014/main" id="{1F574157-4BB6-DF28-832C-60A7C36C2FD1}"/>
+              </a:ext>
+            </a:extLst>
+          </p:cNvPr>
+          <p:cNvCxnSpPr>
+            <a:cxnSpLocks/>
+            <a:endCxn id="11" idx="0"/>
+          </p:cNvCxnSpPr>
+          <p:nvPr/>
+        </p:nvCxnSpPr>
+        <p:spPr>
+          <a:xfrm rot="10800000">
+            <a:off x="3000705" y="3095297"/>
+            <a:ext cx="2012733" cy="94592"/>
+          </a:xfrm>
+          <a:prstGeom prst="bentConnector4">
+            <a:avLst>
+              <a:gd name="adj1" fmla="val 13838"/>
+              <a:gd name="adj2" fmla="val 341669"/>
+            </a:avLst>
+          </a:prstGeom>
+          <a:ln w="76200">
+            <a:solidFill>
+              <a:srgbClr val="FF0000"/>
+            </a:solidFill>
+            <a:tailEnd type="triangle"/>
+          </a:ln>
+        </p:spPr>
+        <p:style>
+          <a:lnRef idx="1">
+            <a:schemeClr val="accent1"/>
+          </a:lnRef>
+          <a:fillRef idx="0">
+            <a:schemeClr val="accent1"/>
+          </a:fillRef>
+          <a:effectRef idx="0">
+            <a:schemeClr val="accent1"/>
+          </a:effectRef>
+          <a:fontRef idx="minor">
+            <a:schemeClr val="tx1"/>
+          </a:fontRef>
+        </p:style>
+      </p:cxnSp>
+      <p:sp>
+        <p:nvSpPr>
+          <p:cNvPr id="16" name="TextBox 15">
+            <a:extLst>
+              <a:ext uri="{FF2B5EF4-FFF2-40B4-BE49-F238E27FC236}">
+                <a16:creationId xmlns:a16="http://schemas.microsoft.com/office/drawing/2014/main" id="{1888BD56-FA4B-B063-C143-2635F6053043}"/>
+              </a:ext>
+            </a:extLst>
+          </p:cNvPr>
+          <p:cNvSpPr txBox="1"/>
+          <p:nvPr/>
+        </p:nvSpPr>
+        <p:spPr>
+          <a:xfrm>
+            <a:off x="2186152" y="2186152"/>
+            <a:ext cx="2039007" cy="646331"/>
+          </a:xfrm>
+          <a:prstGeom prst="rect">
+            <a:avLst/>
+          </a:prstGeom>
+          <a:noFill/>
+        </p:spPr>
+        <p:txBody>
+          <a:bodyPr wrap="square" rtlCol="0">
+            <a:spAutoFit/>
+          </a:bodyPr>
+          <a:lstStyle/>
+          <a:p>
+            <a:pPr algn="ctr"/>
+            <a:r>
+              <a:rPr lang="en-US" b="1" dirty="0"/>
+              <a:t>Wait for Action Execution</a:t>
+            </a:r>
+          </a:p>
+        </p:txBody>
+      </p:sp>
+      <p:cxnSp>
+        <p:nvCxnSpPr>
+          <p:cNvPr id="21" name="Elbow Connector 20">
+            <a:extLst>
+              <a:ext uri="{FF2B5EF4-FFF2-40B4-BE49-F238E27FC236}">
+                <a16:creationId xmlns:a16="http://schemas.microsoft.com/office/drawing/2014/main" id="{91472836-E651-B3FC-9A2D-C348A6284D5A}"/>
+              </a:ext>
+            </a:extLst>
+          </p:cNvPr>
+          <p:cNvCxnSpPr>
+            <a:stCxn id="11" idx="2"/>
+            <a:endCxn id="5" idx="1"/>
+          </p:cNvCxnSpPr>
+          <p:nvPr/>
+        </p:nvCxnSpPr>
+        <p:spPr>
+          <a:xfrm rot="5400000" flipH="1" flipV="1">
+            <a:off x="3997871" y="2358259"/>
+            <a:ext cx="365235" cy="2359571"/>
+          </a:xfrm>
+          <a:prstGeom prst="bentConnector4">
+            <a:avLst>
+              <a:gd name="adj1" fmla="val -62590"/>
+              <a:gd name="adj2" fmla="val 80846"/>
+            </a:avLst>
+          </a:prstGeom>
+          <a:ln w="76200">
+            <a:solidFill>
+              <a:srgbClr val="FF0000"/>
+            </a:solidFill>
+            <a:tailEnd type="triangle"/>
+          </a:ln>
+        </p:spPr>
+        <p:style>
+          <a:lnRef idx="1">
+            <a:schemeClr val="accent1"/>
+          </a:lnRef>
+          <a:fillRef idx="0">
+            <a:schemeClr val="accent1"/>
+          </a:fillRef>
+          <a:effectRef idx="0">
+            <a:schemeClr val="accent1"/>
+          </a:effectRef>
+          <a:fontRef idx="minor">
+            <a:schemeClr val="tx1"/>
+          </a:fontRef>
+        </p:style>
+      </p:cxnSp>
+      <p:sp>
+        <p:nvSpPr>
+          <p:cNvPr id="22" name="TextBox 21">
+            <a:extLst>
+              <a:ext uri="{FF2B5EF4-FFF2-40B4-BE49-F238E27FC236}">
+                <a16:creationId xmlns:a16="http://schemas.microsoft.com/office/drawing/2014/main" id="{9BA830C7-84E2-07CB-6F58-D15C737D37CB}"/>
+              </a:ext>
+            </a:extLst>
+          </p:cNvPr>
+          <p:cNvSpPr txBox="1"/>
+          <p:nvPr/>
+        </p:nvSpPr>
+        <p:spPr>
+          <a:xfrm>
+            <a:off x="2459421" y="4067503"/>
+            <a:ext cx="2280745" cy="369332"/>
+          </a:xfrm>
+          <a:prstGeom prst="rect">
+            <a:avLst/>
+          </a:prstGeom>
+          <a:noFill/>
+        </p:spPr>
+        <p:txBody>
+          <a:bodyPr wrap="square" rtlCol="0">
+            <a:spAutoFit/>
+          </a:bodyPr>
+          <a:lstStyle/>
+          <a:p>
+            <a:r>
+              <a:rPr lang="en-US" dirty="0"/>
+              <a:t>Action Is Executed</a:t>
+            </a:r>
+          </a:p>
+        </p:txBody>
+      </p:sp>
+      <p:cxnSp>
+        <p:nvCxnSpPr>
+          <p:cNvPr id="24" name="Straight Arrow Connector 23">
+            <a:extLst>
+              <a:ext uri="{FF2B5EF4-FFF2-40B4-BE49-F238E27FC236}">
+                <a16:creationId xmlns:a16="http://schemas.microsoft.com/office/drawing/2014/main" id="{F6834FE3-4E7B-224B-C956-AAF65AC7E3E4}"/>
+              </a:ext>
+            </a:extLst>
+          </p:cNvPr>
+          <p:cNvCxnSpPr/>
+          <p:nvPr/>
+        </p:nvCxnSpPr>
+        <p:spPr>
+          <a:xfrm>
+            <a:off x="5108028" y="3549078"/>
+            <a:ext cx="0" cy="2478604"/>
+          </a:xfrm>
+          <a:prstGeom prst="straightConnector1">
+            <a:avLst/>
+          </a:prstGeom>
+          <a:ln w="76200">
+            <a:solidFill>
+              <a:srgbClr val="FF0000"/>
+            </a:solidFill>
+            <a:tailEnd type="triangle"/>
+          </a:ln>
+        </p:spPr>
+        <p:style>
+          <a:lnRef idx="1">
+            <a:schemeClr val="accent1"/>
+          </a:lnRef>
+          <a:fillRef idx="0">
+            <a:schemeClr val="accent1"/>
+          </a:fillRef>
+          <a:effectRef idx="0">
+            <a:schemeClr val="accent1"/>
+          </a:effectRef>
+          <a:fontRef idx="minor">
+            <a:schemeClr val="tx1"/>
+          </a:fontRef>
+        </p:style>
+      </p:cxnSp>
+      <p:cxnSp>
+        <p:nvCxnSpPr>
+          <p:cNvPr id="26" name="Straight Arrow Connector 25">
+            <a:extLst>
+              <a:ext uri="{FF2B5EF4-FFF2-40B4-BE49-F238E27FC236}">
+                <a16:creationId xmlns:a16="http://schemas.microsoft.com/office/drawing/2014/main" id="{7CAD553C-02E2-0160-3221-08EFBB795820}"/>
+              </a:ext>
+            </a:extLst>
+          </p:cNvPr>
+          <p:cNvCxnSpPr/>
+          <p:nvPr/>
+        </p:nvCxnSpPr>
+        <p:spPr>
+          <a:xfrm flipV="1">
+            <a:off x="5150069" y="5896303"/>
+            <a:ext cx="4698124" cy="131379"/>
+          </a:xfrm>
+          <a:prstGeom prst="straightConnector1">
+            <a:avLst/>
+          </a:prstGeom>
+          <a:ln w="76200">
+            <a:solidFill>
+              <a:srgbClr val="FF0000"/>
+            </a:solidFill>
+            <a:tailEnd type="triangle"/>
+          </a:ln>
+        </p:spPr>
+        <p:style>
+          <a:lnRef idx="1">
+            <a:schemeClr val="accent1"/>
+          </a:lnRef>
+          <a:fillRef idx="0">
+            <a:schemeClr val="accent1"/>
+          </a:fillRef>
+          <a:effectRef idx="0">
+            <a:schemeClr val="accent1"/>
+          </a:effectRef>
+          <a:fontRef idx="minor">
+            <a:schemeClr val="tx1"/>
+          </a:fontRef>
+        </p:style>
+      </p:cxnSp>
+      <p:cxnSp>
+        <p:nvCxnSpPr>
+          <p:cNvPr id="28" name="Straight Arrow Connector 27">
+            <a:extLst>
+              <a:ext uri="{FF2B5EF4-FFF2-40B4-BE49-F238E27FC236}">
+                <a16:creationId xmlns:a16="http://schemas.microsoft.com/office/drawing/2014/main" id="{C1A6BB43-10B4-8840-A45F-5441290D7F6B}"/>
+              </a:ext>
+            </a:extLst>
+          </p:cNvPr>
+          <p:cNvCxnSpPr/>
+          <p:nvPr/>
+        </p:nvCxnSpPr>
+        <p:spPr>
+          <a:xfrm flipV="1">
+            <a:off x="9848193" y="4887310"/>
+            <a:ext cx="0" cy="1008993"/>
+          </a:xfrm>
+          <a:prstGeom prst="straightConnector1">
+            <a:avLst/>
+          </a:prstGeom>
+          <a:ln w="76200">
+            <a:solidFill>
+              <a:srgbClr val="FF0000"/>
+            </a:solidFill>
+            <a:tailEnd type="triangle"/>
+          </a:ln>
+        </p:spPr>
+        <p:style>
+          <a:lnRef idx="1">
+            <a:schemeClr val="accent1"/>
+          </a:lnRef>
+          <a:fillRef idx="0">
+            <a:schemeClr val="accent1"/>
+          </a:fillRef>
+          <a:effectRef idx="0">
+            <a:schemeClr val="accent1"/>
+          </a:effectRef>
+          <a:fontRef idx="minor">
+            <a:schemeClr val="tx1"/>
+          </a:fontRef>
+        </p:style>
+      </p:cxnSp>
+      <p:sp>
+        <p:nvSpPr>
+          <p:cNvPr id="29" name="TextBox 28">
+            <a:extLst>
+              <a:ext uri="{FF2B5EF4-FFF2-40B4-BE49-F238E27FC236}">
+                <a16:creationId xmlns:a16="http://schemas.microsoft.com/office/drawing/2014/main" id="{A0E5AA73-0045-E37D-F83A-EDA38A53956B}"/>
+              </a:ext>
+            </a:extLst>
+          </p:cNvPr>
+          <p:cNvSpPr txBox="1"/>
+          <p:nvPr/>
+        </p:nvSpPr>
+        <p:spPr>
+          <a:xfrm>
+            <a:off x="9963807" y="4713889"/>
+            <a:ext cx="1881352" cy="923330"/>
+          </a:xfrm>
+          <a:prstGeom prst="rect">
+            <a:avLst/>
+          </a:prstGeom>
+          <a:noFill/>
+        </p:spPr>
+        <p:txBody>
+          <a:bodyPr wrap="square" rtlCol="0">
+            <a:spAutoFit/>
+          </a:bodyPr>
+          <a:lstStyle/>
+          <a:p>
+            <a:r>
+              <a:rPr lang="en-US" dirty="0"/>
+              <a:t>Generate the Result Object View, </a:t>
+            </a:r>
+            <a:r>
+              <a:rPr lang="en-US" dirty="0" err="1"/>
+              <a:t>Json</a:t>
+            </a:r>
+            <a:r>
+              <a:rPr lang="en-US" dirty="0"/>
+              <a:t>, etc.</a:t>
+            </a:r>
+          </a:p>
+        </p:txBody>
+      </p:sp>
+      <p:cxnSp>
+        <p:nvCxnSpPr>
+          <p:cNvPr id="31" name="Elbow Connector 30">
+            <a:extLst>
+              <a:ext uri="{FF2B5EF4-FFF2-40B4-BE49-F238E27FC236}">
+                <a16:creationId xmlns:a16="http://schemas.microsoft.com/office/drawing/2014/main" id="{E84C8681-F01B-F772-E7E4-F111661329F8}"/>
+              </a:ext>
+            </a:extLst>
+          </p:cNvPr>
+          <p:cNvCxnSpPr>
+            <a:stCxn id="29" idx="0"/>
+            <a:endCxn id="3" idx="3"/>
+          </p:cNvCxnSpPr>
+          <p:nvPr/>
+        </p:nvCxnSpPr>
+        <p:spPr>
+          <a:xfrm rot="16200000" flipV="1">
+            <a:off x="8983718" y="2793124"/>
+            <a:ext cx="2900854" cy="940676"/>
+          </a:xfrm>
+          <a:prstGeom prst="bentConnector2">
+            <a:avLst/>
+          </a:prstGeom>
+          <a:ln w="76200">
+            <a:solidFill>
+              <a:srgbClr val="FF0000"/>
+            </a:solidFill>
+            <a:tailEnd type="triangle"/>
+          </a:ln>
+        </p:spPr>
+        <p:style>
+          <a:lnRef idx="1">
+            <a:schemeClr val="accent1"/>
+          </a:lnRef>
+          <a:fillRef idx="0">
+            <a:schemeClr val="accent1"/>
+          </a:fillRef>
+          <a:effectRef idx="0">
+            <a:schemeClr val="accent1"/>
+          </a:effectRef>
+          <a:fontRef idx="minor">
+            <a:schemeClr val="tx1"/>
+          </a:fontRef>
+        </p:style>
+      </p:cxnSp>
+      <p:sp>
+        <p:nvSpPr>
+          <p:cNvPr id="32" name="TextBox 31">
+            <a:extLst>
+              <a:ext uri="{FF2B5EF4-FFF2-40B4-BE49-F238E27FC236}">
+                <a16:creationId xmlns:a16="http://schemas.microsoft.com/office/drawing/2014/main" id="{FB3E7643-B76B-FF6C-C825-93B1939FD2CD}"/>
+              </a:ext>
+            </a:extLst>
+          </p:cNvPr>
+          <p:cNvSpPr txBox="1"/>
+          <p:nvPr/>
+        </p:nvSpPr>
+        <p:spPr>
+          <a:xfrm>
+            <a:off x="10794124" y="1340068"/>
+            <a:ext cx="1397876" cy="923330"/>
+          </a:xfrm>
+          <a:prstGeom prst="rect">
+            <a:avLst/>
+          </a:prstGeom>
+          <a:noFill/>
+        </p:spPr>
+        <p:txBody>
+          <a:bodyPr wrap="square" rtlCol="0">
+            <a:spAutoFit/>
+          </a:bodyPr>
+          <a:lstStyle/>
+          <a:p>
+            <a:pPr algn="ctr"/>
+            <a:r>
+              <a:rPr lang="en-US" b="1" dirty="0"/>
+              <a:t>Generate The Response</a:t>
+            </a:r>
+          </a:p>
+        </p:txBody>
+      </p:sp>
+      <p:cxnSp>
+        <p:nvCxnSpPr>
+          <p:cNvPr id="34" name="Elbow Connector 33">
+            <a:extLst>
+              <a:ext uri="{FF2B5EF4-FFF2-40B4-BE49-F238E27FC236}">
+                <a16:creationId xmlns:a16="http://schemas.microsoft.com/office/drawing/2014/main" id="{E13E91B9-F630-8F05-A566-0561844F2266}"/>
+              </a:ext>
+            </a:extLst>
+          </p:cNvPr>
+          <p:cNvCxnSpPr>
+            <a:stCxn id="3" idx="3"/>
+          </p:cNvCxnSpPr>
+          <p:nvPr/>
+        </p:nvCxnSpPr>
+        <p:spPr>
+          <a:xfrm flipV="1">
+            <a:off x="9963807" y="462455"/>
+            <a:ext cx="147145" cy="1350580"/>
+          </a:xfrm>
+          <a:prstGeom prst="bentConnector2">
+            <a:avLst/>
+          </a:prstGeom>
+          <a:ln w="76200">
+            <a:solidFill>
+              <a:srgbClr val="FF0000"/>
+            </a:solidFill>
+            <a:tailEnd type="triangle"/>
+          </a:ln>
+        </p:spPr>
+        <p:style>
+          <a:lnRef idx="1">
+            <a:schemeClr val="accent1"/>
+          </a:lnRef>
+          <a:fillRef idx="0">
+            <a:schemeClr val="accent1"/>
+          </a:fillRef>
+          <a:effectRef idx="0">
+            <a:schemeClr val="accent1"/>
+          </a:effectRef>
+          <a:fontRef idx="minor">
+            <a:schemeClr val="tx1"/>
+          </a:fontRef>
+        </p:style>
+      </p:cxnSp>
+      <p:sp>
+        <p:nvSpPr>
+          <p:cNvPr id="35" name="TextBox 34">
+            <a:extLst>
+              <a:ext uri="{FF2B5EF4-FFF2-40B4-BE49-F238E27FC236}">
+                <a16:creationId xmlns:a16="http://schemas.microsoft.com/office/drawing/2014/main" id="{5C6A8EED-B998-B8BC-C475-57BA12A4C55B}"/>
+              </a:ext>
+            </a:extLst>
+          </p:cNvPr>
+          <p:cNvSpPr txBox="1"/>
+          <p:nvPr/>
+        </p:nvSpPr>
+        <p:spPr>
+          <a:xfrm>
+            <a:off x="10237075" y="385466"/>
+            <a:ext cx="1881353" cy="646331"/>
+          </a:xfrm>
+          <a:prstGeom prst="rect">
+            <a:avLst/>
+          </a:prstGeom>
+          <a:noFill/>
+        </p:spPr>
+        <p:txBody>
+          <a:bodyPr wrap="square" rtlCol="0">
+            <a:spAutoFit/>
+          </a:bodyPr>
+          <a:lstStyle/>
+          <a:p>
+            <a:r>
+              <a:rPr lang="en-US" dirty="0"/>
+              <a:t>The Result Back to The Request</a:t>
+            </a:r>
+          </a:p>
+        </p:txBody>
+      </p:sp>
+      <p:sp>
+        <p:nvSpPr>
+          <p:cNvPr id="36" name="TextBox 35">
+            <a:extLst>
+              <a:ext uri="{FF2B5EF4-FFF2-40B4-BE49-F238E27FC236}">
+                <a16:creationId xmlns:a16="http://schemas.microsoft.com/office/drawing/2014/main" id="{B97513A1-7D09-0DA8-AEE4-20E36AB54A84}"/>
+              </a:ext>
+            </a:extLst>
+          </p:cNvPr>
+          <p:cNvSpPr txBox="1"/>
+          <p:nvPr/>
+        </p:nvSpPr>
+        <p:spPr>
+          <a:xfrm>
+            <a:off x="3284483" y="430927"/>
+            <a:ext cx="2911365" cy="369332"/>
+          </a:xfrm>
+          <a:prstGeom prst="rect">
+            <a:avLst/>
+          </a:prstGeom>
+          <a:noFill/>
+        </p:spPr>
+        <p:txBody>
+          <a:bodyPr wrap="square" rtlCol="0">
+            <a:spAutoFit/>
+          </a:bodyPr>
+          <a:lstStyle/>
+          <a:p>
+            <a:pPr algn="ctr"/>
+            <a:r>
+              <a:rPr lang="en-US" dirty="0"/>
+              <a:t>Request</a:t>
+            </a:r>
+          </a:p>
+        </p:txBody>
+      </p:sp>
+      <p:sp>
+        <p:nvSpPr>
+          <p:cNvPr id="38" name="TextBox 37">
+            <a:extLst>
+              <a:ext uri="{FF2B5EF4-FFF2-40B4-BE49-F238E27FC236}">
+                <a16:creationId xmlns:a16="http://schemas.microsoft.com/office/drawing/2014/main" id="{E306174C-A0F8-AF57-5123-03E2989C89E4}"/>
+              </a:ext>
+            </a:extLst>
+          </p:cNvPr>
+          <p:cNvSpPr txBox="1"/>
+          <p:nvPr/>
+        </p:nvSpPr>
+        <p:spPr>
+          <a:xfrm>
+            <a:off x="178676" y="5523185"/>
+            <a:ext cx="2953407" cy="646331"/>
+          </a:xfrm>
+          <a:prstGeom prst="rect">
+            <a:avLst/>
+          </a:prstGeom>
+          <a:noFill/>
+        </p:spPr>
+        <p:txBody>
+          <a:bodyPr wrap="square" rtlCol="0">
+            <a:spAutoFit/>
+          </a:bodyPr>
+          <a:lstStyle/>
+          <a:p>
+            <a:r>
+              <a:rPr lang="en-US" dirty="0"/>
+              <a:t>** Can be Customized as per the needs</a:t>
+            </a:r>
+          </a:p>
+        </p:txBody>
+      </p:sp>
+    </p:spTree>
+    <p:extLst>
+      <p:ext uri="{BB962C8B-B14F-4D97-AF65-F5344CB8AC3E}">
+        <p14:creationId xmlns:p14="http://schemas.microsoft.com/office/powerpoint/2010/main" val="1481472609"/>
+      </p:ext>
+    </p:extLst>
+  </p:cSld>
+  <p:clrMapOvr>
+    <a:masterClrMapping/>
+  </p:clrMapOvr>
+</p:sld>
+</file>
+
+<file path=ppt/slides/slide31.xml><?xml version="1.0" encoding="utf-8"?>
+<p:sld xmlns:a="http://schemas.openxmlformats.org/drawingml/2006/main" xmlns:r="http://schemas.openxmlformats.org/officeDocument/2006/relationships" xmlns:p="http://schemas.openxmlformats.org/presentationml/2006/main">
+  <p:cSld>
+    <p:spTree>
+      <p:nvGrpSpPr>
+        <p:cNvPr id="1" name=""/>
+        <p:cNvGrpSpPr/>
+        <p:nvPr/>
+      </p:nvGrpSpPr>
+      <p:grpSpPr>
+        <a:xfrm>
+          <a:off x="0" y="0"/>
+          <a:ext cx="0" cy="0"/>
+          <a:chOff x="0" y="0"/>
+          <a:chExt cx="0" cy="0"/>
+        </a:xfrm>
+      </p:grpSpPr>
+      <p:sp>
+        <p:nvSpPr>
+          <p:cNvPr id="2" name="Rectangle 1">
+            <a:extLst>
+              <a:ext uri="{FF2B5EF4-FFF2-40B4-BE49-F238E27FC236}">
+                <a16:creationId xmlns:a16="http://schemas.microsoft.com/office/drawing/2014/main" id="{42334EB7-5CA5-9577-29D5-E445BA836C3A}"/>
+              </a:ext>
+            </a:extLst>
+          </p:cNvPr>
+          <p:cNvSpPr/>
+          <p:nvPr/>
+        </p:nvSpPr>
+        <p:spPr>
+          <a:xfrm>
+            <a:off x="241739" y="557048"/>
+            <a:ext cx="1334814" cy="567559"/>
+          </a:xfrm>
+          <a:prstGeom prst="rect">
+            <a:avLst/>
+          </a:prstGeom>
+        </p:spPr>
+        <p:style>
+          <a:lnRef idx="2">
+            <a:schemeClr val="accent1">
+              <a:shade val="50000"/>
+            </a:schemeClr>
+          </a:lnRef>
+          <a:fillRef idx="1">
+            <a:schemeClr val="accent1"/>
+          </a:fillRef>
+          <a:effectRef idx="0">
+            <a:schemeClr val="accent1"/>
+          </a:effectRef>
+          <a:fontRef idx="minor">
+            <a:schemeClr val="lt1"/>
+          </a:fontRef>
+        </p:style>
+        <p:txBody>
+          <a:bodyPr rtlCol="0" anchor="ctr"/>
+          <a:lstStyle/>
+          <a:p>
+            <a:pPr algn="ctr"/>
+            <a:r>
+              <a:rPr lang="en-US" dirty="0"/>
+              <a:t>Request</a:t>
+            </a:r>
+          </a:p>
+        </p:txBody>
+      </p:sp>
+      <p:sp>
+        <p:nvSpPr>
+          <p:cNvPr id="3" name="Rectangle 2">
+            <a:extLst>
+              <a:ext uri="{FF2B5EF4-FFF2-40B4-BE49-F238E27FC236}">
+                <a16:creationId xmlns:a16="http://schemas.microsoft.com/office/drawing/2014/main" id="{6B589D04-B539-9C56-6983-940A18D58AD1}"/>
+              </a:ext>
+            </a:extLst>
+          </p:cNvPr>
+          <p:cNvSpPr/>
+          <p:nvPr/>
+        </p:nvSpPr>
+        <p:spPr>
+          <a:xfrm>
+            <a:off x="1844567" y="557048"/>
+            <a:ext cx="1334814" cy="567559"/>
+          </a:xfrm>
+          <a:prstGeom prst="rect">
+            <a:avLst/>
+          </a:prstGeom>
+        </p:spPr>
+        <p:style>
+          <a:lnRef idx="2">
+            <a:schemeClr val="accent1">
+              <a:shade val="50000"/>
+            </a:schemeClr>
+          </a:lnRef>
+          <a:fillRef idx="1">
+            <a:schemeClr val="accent1"/>
+          </a:fillRef>
+          <a:effectRef idx="0">
+            <a:schemeClr val="accent1"/>
+          </a:effectRef>
+          <a:fontRef idx="minor">
+            <a:schemeClr val="lt1"/>
+          </a:fontRef>
+        </p:style>
+        <p:txBody>
+          <a:bodyPr rtlCol="0" anchor="ctr"/>
+          <a:lstStyle/>
+          <a:p>
+            <a:pPr algn="ctr"/>
+            <a:r>
+              <a:rPr lang="en-US" dirty="0" err="1"/>
+              <a:t>HttpContext</a:t>
+            </a:r>
+            <a:endParaRPr lang="en-US" dirty="0"/>
+          </a:p>
+        </p:txBody>
+      </p:sp>
+      <p:sp>
+        <p:nvSpPr>
+          <p:cNvPr id="4" name="Rectangle 3">
+            <a:extLst>
+              <a:ext uri="{FF2B5EF4-FFF2-40B4-BE49-F238E27FC236}">
+                <a16:creationId xmlns:a16="http://schemas.microsoft.com/office/drawing/2014/main" id="{F0E9C27D-B536-B4CF-328B-0FA6E2D88188}"/>
+              </a:ext>
+            </a:extLst>
+          </p:cNvPr>
+          <p:cNvSpPr/>
+          <p:nvPr/>
+        </p:nvSpPr>
+        <p:spPr>
+          <a:xfrm>
+            <a:off x="3447394" y="557047"/>
+            <a:ext cx="1849819" cy="567559"/>
+          </a:xfrm>
+          <a:prstGeom prst="rect">
+            <a:avLst/>
+          </a:prstGeom>
+        </p:spPr>
+        <p:style>
+          <a:lnRef idx="2">
+            <a:schemeClr val="accent1">
+              <a:shade val="50000"/>
+            </a:schemeClr>
+          </a:lnRef>
+          <a:fillRef idx="1">
+            <a:schemeClr val="accent1"/>
+          </a:fillRef>
+          <a:effectRef idx="0">
+            <a:schemeClr val="accent1"/>
+          </a:effectRef>
+          <a:fontRef idx="minor">
+            <a:schemeClr val="lt1"/>
+          </a:fontRef>
+        </p:style>
+        <p:txBody>
+          <a:bodyPr rtlCol="0" anchor="ctr"/>
+          <a:lstStyle/>
+          <a:p>
+            <a:pPr algn="ctr"/>
+            <a:r>
+              <a:rPr lang="en-US" dirty="0" err="1"/>
+              <a:t>RouteContext</a:t>
+            </a:r>
+            <a:endParaRPr lang="en-US" dirty="0"/>
+          </a:p>
+        </p:txBody>
+      </p:sp>
+      <p:sp>
+        <p:nvSpPr>
+          <p:cNvPr id="5" name="Rectangle 4">
+            <a:extLst>
+              <a:ext uri="{FF2B5EF4-FFF2-40B4-BE49-F238E27FC236}">
+                <a16:creationId xmlns:a16="http://schemas.microsoft.com/office/drawing/2014/main" id="{5F811027-F867-F71C-D2B8-854FFBB7BE5A}"/>
+              </a:ext>
+            </a:extLst>
+          </p:cNvPr>
+          <p:cNvSpPr/>
+          <p:nvPr/>
+        </p:nvSpPr>
+        <p:spPr>
+          <a:xfrm>
+            <a:off x="5833239" y="557047"/>
+            <a:ext cx="5423340" cy="4971394"/>
+          </a:xfrm>
+          <a:prstGeom prst="rect">
+            <a:avLst/>
+          </a:prstGeom>
+        </p:spPr>
+        <p:style>
+          <a:lnRef idx="2">
+            <a:schemeClr val="accent1">
+              <a:shade val="50000"/>
+            </a:schemeClr>
+          </a:lnRef>
+          <a:fillRef idx="1">
+            <a:schemeClr val="accent1"/>
+          </a:fillRef>
+          <a:effectRef idx="0">
+            <a:schemeClr val="accent1"/>
+          </a:effectRef>
+          <a:fontRef idx="minor">
+            <a:schemeClr val="lt1"/>
+          </a:fontRef>
+        </p:style>
+        <p:txBody>
+          <a:bodyPr rtlCol="0" anchor="ctr"/>
+          <a:lstStyle/>
+          <a:p>
+            <a:pPr algn="ctr"/>
+            <a:r>
+              <a:rPr lang="en-US" dirty="0" err="1"/>
+              <a:t>ControllerContext</a:t>
+            </a:r>
+            <a:endParaRPr lang="en-US" dirty="0"/>
+          </a:p>
+          <a:p>
+            <a:pPr algn="ctr"/>
+            <a:endParaRPr lang="en-US" dirty="0"/>
+          </a:p>
+          <a:p>
+            <a:pPr algn="ctr"/>
+            <a:endParaRPr lang="en-US" dirty="0"/>
+          </a:p>
+          <a:p>
+            <a:pPr algn="ctr"/>
+            <a:endParaRPr lang="en-US" dirty="0"/>
+          </a:p>
+          <a:p>
+            <a:pPr algn="ctr"/>
+            <a:endParaRPr lang="en-US" dirty="0"/>
+          </a:p>
+          <a:p>
+            <a:pPr algn="ctr"/>
+            <a:endParaRPr lang="en-US" dirty="0"/>
+          </a:p>
+          <a:p>
+            <a:pPr algn="ctr"/>
+            <a:endParaRPr lang="en-US" dirty="0"/>
+          </a:p>
+          <a:p>
+            <a:pPr algn="ctr"/>
+            <a:endParaRPr lang="en-US" dirty="0"/>
+          </a:p>
+          <a:p>
+            <a:pPr algn="ctr"/>
+            <a:endParaRPr lang="en-US" dirty="0"/>
+          </a:p>
+          <a:p>
+            <a:pPr algn="ctr"/>
+            <a:endParaRPr lang="en-US" dirty="0"/>
+          </a:p>
+          <a:p>
+            <a:pPr algn="ctr"/>
+            <a:endParaRPr lang="en-US" dirty="0"/>
+          </a:p>
+          <a:p>
+            <a:pPr algn="ctr"/>
+            <a:endParaRPr lang="en-US" dirty="0"/>
+          </a:p>
+          <a:p>
+            <a:pPr algn="ctr"/>
+            <a:endParaRPr lang="en-US" dirty="0"/>
+          </a:p>
+          <a:p>
+            <a:pPr algn="ctr"/>
+            <a:endParaRPr lang="en-US" dirty="0"/>
+          </a:p>
+        </p:txBody>
+      </p:sp>
+      <p:sp>
+        <p:nvSpPr>
+          <p:cNvPr id="6" name="Rectangle 5">
+            <a:extLst>
+              <a:ext uri="{FF2B5EF4-FFF2-40B4-BE49-F238E27FC236}">
+                <a16:creationId xmlns:a16="http://schemas.microsoft.com/office/drawing/2014/main" id="{CA7D3135-0C81-F1B6-3913-6AAEF72772F1}"/>
+              </a:ext>
+            </a:extLst>
+          </p:cNvPr>
+          <p:cNvSpPr/>
+          <p:nvPr/>
+        </p:nvSpPr>
+        <p:spPr>
+          <a:xfrm>
+            <a:off x="6353500" y="1124606"/>
+            <a:ext cx="4713893" cy="3804746"/>
+          </a:xfrm>
+          <a:prstGeom prst="rect">
+            <a:avLst/>
+          </a:prstGeom>
+        </p:spPr>
+        <p:style>
+          <a:lnRef idx="1">
+            <a:schemeClr val="accent6"/>
+          </a:lnRef>
+          <a:fillRef idx="2">
+            <a:schemeClr val="accent6"/>
+          </a:fillRef>
+          <a:effectRef idx="1">
+            <a:schemeClr val="accent6"/>
+          </a:effectRef>
+          <a:fontRef idx="minor">
+            <a:schemeClr val="dk1"/>
+          </a:fontRef>
+        </p:style>
+        <p:txBody>
+          <a:bodyPr rtlCol="0" anchor="ctr"/>
+          <a:lstStyle/>
+          <a:p>
+            <a:pPr algn="ctr"/>
+            <a:r>
+              <a:rPr lang="en-US" dirty="0" err="1"/>
+              <a:t>ActionContext</a:t>
+            </a:r>
+            <a:endParaRPr lang="en-US" dirty="0"/>
+          </a:p>
+          <a:p>
+            <a:pPr algn="ctr"/>
+            <a:endParaRPr lang="en-US" dirty="0"/>
+          </a:p>
+          <a:p>
+            <a:pPr algn="ctr"/>
+            <a:endParaRPr lang="en-US" dirty="0"/>
+          </a:p>
+          <a:p>
+            <a:pPr algn="ctr"/>
+            <a:endParaRPr lang="en-US" dirty="0"/>
+          </a:p>
+          <a:p>
+            <a:pPr algn="ctr"/>
+            <a:endParaRPr lang="en-US" dirty="0"/>
+          </a:p>
+          <a:p>
+            <a:pPr algn="ctr"/>
+            <a:endParaRPr lang="en-US" dirty="0"/>
+          </a:p>
+          <a:p>
+            <a:pPr algn="ctr"/>
+            <a:endParaRPr lang="en-US" dirty="0"/>
+          </a:p>
+          <a:p>
+            <a:pPr algn="ctr"/>
+            <a:endParaRPr lang="en-US" dirty="0"/>
+          </a:p>
+          <a:p>
+            <a:pPr algn="ctr"/>
+            <a:endParaRPr lang="en-US" dirty="0"/>
+          </a:p>
+          <a:p>
+            <a:pPr algn="ctr"/>
+            <a:endParaRPr lang="en-US" dirty="0"/>
+          </a:p>
+          <a:p>
+            <a:pPr algn="ctr"/>
+            <a:endParaRPr lang="en-US" dirty="0"/>
+          </a:p>
+          <a:p>
+            <a:pPr algn="ctr"/>
+            <a:endParaRPr lang="en-US" dirty="0"/>
+          </a:p>
+          <a:p>
+            <a:pPr algn="ctr"/>
+            <a:endParaRPr lang="en-US" dirty="0"/>
+          </a:p>
+        </p:txBody>
+      </p:sp>
+      <p:sp>
+        <p:nvSpPr>
+          <p:cNvPr id="8" name="Rectangle 7">
+            <a:extLst>
+              <a:ext uri="{FF2B5EF4-FFF2-40B4-BE49-F238E27FC236}">
+                <a16:creationId xmlns:a16="http://schemas.microsoft.com/office/drawing/2014/main" id="{65BB1206-5243-DE47-9422-40A828E00747}"/>
+              </a:ext>
+            </a:extLst>
+          </p:cNvPr>
+          <p:cNvSpPr/>
+          <p:nvPr/>
+        </p:nvSpPr>
+        <p:spPr>
+          <a:xfrm>
+            <a:off x="6495392" y="1639614"/>
+            <a:ext cx="4235669" cy="451945"/>
+          </a:xfrm>
+          <a:prstGeom prst="rect">
+            <a:avLst/>
+          </a:prstGeom>
+        </p:spPr>
+        <p:style>
+          <a:lnRef idx="2">
+            <a:schemeClr val="accent1">
+              <a:shade val="50000"/>
+            </a:schemeClr>
+          </a:lnRef>
+          <a:fillRef idx="1">
+            <a:schemeClr val="accent1"/>
+          </a:fillRef>
+          <a:effectRef idx="0">
+            <a:schemeClr val="accent1"/>
+          </a:effectRef>
+          <a:fontRef idx="minor">
+            <a:schemeClr val="lt1"/>
+          </a:fontRef>
+        </p:style>
+        <p:txBody>
+          <a:bodyPr rtlCol="0" anchor="ctr"/>
+          <a:lstStyle/>
+          <a:p>
+            <a:pPr algn="ctr"/>
+            <a:r>
+              <a:rPr lang="en-US" dirty="0" err="1"/>
+              <a:t>ActionExecutingContext</a:t>
+            </a:r>
+            <a:endParaRPr lang="en-US" dirty="0"/>
+          </a:p>
+        </p:txBody>
+      </p:sp>
+      <p:sp>
+        <p:nvSpPr>
+          <p:cNvPr id="9" name="Rectangle 8">
+            <a:extLst>
+              <a:ext uri="{FF2B5EF4-FFF2-40B4-BE49-F238E27FC236}">
+                <a16:creationId xmlns:a16="http://schemas.microsoft.com/office/drawing/2014/main" id="{7070AA58-F2A1-2165-0BA8-D23E6F8C69DF}"/>
+              </a:ext>
+            </a:extLst>
+          </p:cNvPr>
+          <p:cNvSpPr/>
+          <p:nvPr/>
+        </p:nvSpPr>
+        <p:spPr>
+          <a:xfrm>
+            <a:off x="6495392" y="2291254"/>
+            <a:ext cx="4235669" cy="451945"/>
+          </a:xfrm>
+          <a:prstGeom prst="rect">
+            <a:avLst/>
+          </a:prstGeom>
+        </p:spPr>
+        <p:style>
+          <a:lnRef idx="2">
+            <a:schemeClr val="accent1">
+              <a:shade val="50000"/>
+            </a:schemeClr>
+          </a:lnRef>
+          <a:fillRef idx="1">
+            <a:schemeClr val="accent1"/>
+          </a:fillRef>
+          <a:effectRef idx="0">
+            <a:schemeClr val="accent1"/>
+          </a:effectRef>
+          <a:fontRef idx="minor">
+            <a:schemeClr val="lt1"/>
+          </a:fontRef>
+        </p:style>
+        <p:txBody>
+          <a:bodyPr rtlCol="0" anchor="ctr"/>
+          <a:lstStyle/>
+          <a:p>
+            <a:pPr algn="ctr"/>
+            <a:r>
+              <a:rPr lang="en-US" dirty="0" err="1"/>
+              <a:t>ActionExecutedContext</a:t>
+            </a:r>
+            <a:endParaRPr lang="en-US" dirty="0"/>
+          </a:p>
+        </p:txBody>
+      </p:sp>
+      <p:sp>
+        <p:nvSpPr>
+          <p:cNvPr id="10" name="Rectangle 9">
+            <a:extLst>
+              <a:ext uri="{FF2B5EF4-FFF2-40B4-BE49-F238E27FC236}">
+                <a16:creationId xmlns:a16="http://schemas.microsoft.com/office/drawing/2014/main" id="{26947FBC-F7E3-2000-F77E-9E0745F0033D}"/>
+              </a:ext>
+            </a:extLst>
+          </p:cNvPr>
+          <p:cNvSpPr/>
+          <p:nvPr/>
+        </p:nvSpPr>
+        <p:spPr>
+          <a:xfrm>
+            <a:off x="6495392" y="2892970"/>
+            <a:ext cx="4235669" cy="451945"/>
+          </a:xfrm>
+          <a:prstGeom prst="rect">
+            <a:avLst/>
+          </a:prstGeom>
+        </p:spPr>
+        <p:style>
+          <a:lnRef idx="2">
+            <a:schemeClr val="accent1">
+              <a:shade val="50000"/>
+            </a:schemeClr>
+          </a:lnRef>
+          <a:fillRef idx="1">
+            <a:schemeClr val="accent1"/>
+          </a:fillRef>
+          <a:effectRef idx="0">
+            <a:schemeClr val="accent1"/>
+          </a:effectRef>
+          <a:fontRef idx="minor">
+            <a:schemeClr val="lt1"/>
+          </a:fontRef>
+        </p:style>
+        <p:txBody>
+          <a:bodyPr rtlCol="0" anchor="ctr"/>
+          <a:lstStyle/>
+          <a:p>
+            <a:pPr algn="ctr"/>
+            <a:r>
+              <a:rPr lang="en-US" dirty="0" err="1"/>
+              <a:t>ResultExecutingContext</a:t>
+            </a:r>
+            <a:endParaRPr lang="en-US" dirty="0"/>
+          </a:p>
+        </p:txBody>
+      </p:sp>
+      <p:sp>
+        <p:nvSpPr>
+          <p:cNvPr id="11" name="Rectangle 10">
+            <a:extLst>
+              <a:ext uri="{FF2B5EF4-FFF2-40B4-BE49-F238E27FC236}">
+                <a16:creationId xmlns:a16="http://schemas.microsoft.com/office/drawing/2014/main" id="{F8EADDA6-3658-1538-FAB3-12991A3C45A2}"/>
+              </a:ext>
+            </a:extLst>
+          </p:cNvPr>
+          <p:cNvSpPr/>
+          <p:nvPr/>
+        </p:nvSpPr>
+        <p:spPr>
+          <a:xfrm>
+            <a:off x="6495392" y="3513086"/>
+            <a:ext cx="4235669" cy="451945"/>
+          </a:xfrm>
+          <a:prstGeom prst="rect">
+            <a:avLst/>
+          </a:prstGeom>
+        </p:spPr>
+        <p:style>
+          <a:lnRef idx="2">
+            <a:schemeClr val="accent1">
+              <a:shade val="50000"/>
+            </a:schemeClr>
+          </a:lnRef>
+          <a:fillRef idx="1">
+            <a:schemeClr val="accent1"/>
+          </a:fillRef>
+          <a:effectRef idx="0">
+            <a:schemeClr val="accent1"/>
+          </a:effectRef>
+          <a:fontRef idx="minor">
+            <a:schemeClr val="lt1"/>
+          </a:fontRef>
+        </p:style>
+        <p:txBody>
+          <a:bodyPr rtlCol="0" anchor="ctr"/>
+          <a:lstStyle/>
+          <a:p>
+            <a:pPr algn="ctr"/>
+            <a:r>
+              <a:rPr lang="en-US" dirty="0" err="1"/>
+              <a:t>ResultExecutedContext</a:t>
+            </a:r>
+            <a:endParaRPr lang="en-US" dirty="0"/>
+          </a:p>
+        </p:txBody>
+      </p:sp>
+      <p:sp>
+        <p:nvSpPr>
+          <p:cNvPr id="12" name="Right Arrow 11">
+            <a:extLst>
+              <a:ext uri="{FF2B5EF4-FFF2-40B4-BE49-F238E27FC236}">
+                <a16:creationId xmlns:a16="http://schemas.microsoft.com/office/drawing/2014/main" id="{B6F8862B-C22D-7854-2E74-9F12BD36DAAD}"/>
+              </a:ext>
+            </a:extLst>
+          </p:cNvPr>
+          <p:cNvSpPr/>
+          <p:nvPr/>
+        </p:nvSpPr>
+        <p:spPr>
+          <a:xfrm>
+            <a:off x="1460938" y="672662"/>
+            <a:ext cx="383628" cy="273269"/>
+          </a:xfrm>
+          <a:prstGeom prst="rightArrow">
+            <a:avLst/>
+          </a:prstGeom>
+          <a:solidFill>
+            <a:srgbClr val="FF0000"/>
+          </a:solidFill>
+          <a:ln>
+            <a:solidFill>
+              <a:srgbClr val="FF0000"/>
+            </a:solidFill>
+          </a:ln>
+        </p:spPr>
+        <p:style>
+          <a:lnRef idx="2">
+            <a:schemeClr val="accent1">
+              <a:shade val="50000"/>
+            </a:schemeClr>
+          </a:lnRef>
+          <a:fillRef idx="1">
+            <a:schemeClr val="accent1"/>
+          </a:fillRef>
+          <a:effectRef idx="0">
+            <a:schemeClr val="accent1"/>
+          </a:effectRef>
+          <a:fontRef idx="minor">
+            <a:schemeClr val="lt1"/>
+          </a:fontRef>
+        </p:style>
+        <p:txBody>
+          <a:bodyPr rtlCol="0" anchor="ctr"/>
+          <a:lstStyle/>
+          <a:p>
+            <a:pPr algn="ctr"/>
+            <a:endParaRPr lang="en-US"/>
+          </a:p>
+        </p:txBody>
+      </p:sp>
+      <p:sp>
+        <p:nvSpPr>
+          <p:cNvPr id="13" name="Right Arrow 12">
+            <a:extLst>
+              <a:ext uri="{FF2B5EF4-FFF2-40B4-BE49-F238E27FC236}">
+                <a16:creationId xmlns:a16="http://schemas.microsoft.com/office/drawing/2014/main" id="{10ABD9FB-5A98-3CC3-B1BF-F4872CAC0151}"/>
+              </a:ext>
+            </a:extLst>
+          </p:cNvPr>
+          <p:cNvSpPr/>
+          <p:nvPr/>
+        </p:nvSpPr>
+        <p:spPr>
+          <a:xfrm>
+            <a:off x="3129454" y="704191"/>
+            <a:ext cx="383628" cy="273269"/>
+          </a:xfrm>
+          <a:prstGeom prst="rightArrow">
+            <a:avLst/>
+          </a:prstGeom>
+          <a:solidFill>
+            <a:srgbClr val="FF0000"/>
+          </a:solidFill>
+          <a:ln>
+            <a:solidFill>
+              <a:srgbClr val="FF0000"/>
+            </a:solidFill>
+          </a:ln>
+        </p:spPr>
+        <p:style>
+          <a:lnRef idx="2">
+            <a:schemeClr val="accent1">
+              <a:shade val="50000"/>
+            </a:schemeClr>
+          </a:lnRef>
+          <a:fillRef idx="1">
+            <a:schemeClr val="accent1"/>
+          </a:fillRef>
+          <a:effectRef idx="0">
+            <a:schemeClr val="accent1"/>
+          </a:effectRef>
+          <a:fontRef idx="minor">
+            <a:schemeClr val="lt1"/>
+          </a:fontRef>
+        </p:style>
+        <p:txBody>
+          <a:bodyPr rtlCol="0" anchor="ctr"/>
+          <a:lstStyle/>
+          <a:p>
+            <a:pPr algn="ctr"/>
+            <a:endParaRPr lang="en-US"/>
+          </a:p>
+        </p:txBody>
+      </p:sp>
+      <p:sp>
+        <p:nvSpPr>
+          <p:cNvPr id="14" name="Right Arrow 13">
+            <a:extLst>
+              <a:ext uri="{FF2B5EF4-FFF2-40B4-BE49-F238E27FC236}">
+                <a16:creationId xmlns:a16="http://schemas.microsoft.com/office/drawing/2014/main" id="{DFBCCB1A-D95F-18E0-830D-52FEE557E0B8}"/>
+              </a:ext>
+            </a:extLst>
+          </p:cNvPr>
+          <p:cNvSpPr/>
+          <p:nvPr/>
+        </p:nvSpPr>
+        <p:spPr>
+          <a:xfrm>
+            <a:off x="5181597" y="704191"/>
+            <a:ext cx="651641" cy="273269"/>
+          </a:xfrm>
+          <a:prstGeom prst="rightArrow">
+            <a:avLst/>
+          </a:prstGeom>
+          <a:solidFill>
+            <a:srgbClr val="FF0000"/>
+          </a:solidFill>
+          <a:ln>
+            <a:solidFill>
+              <a:srgbClr val="FF0000"/>
+            </a:solidFill>
+          </a:ln>
+        </p:spPr>
+        <p:style>
+          <a:lnRef idx="2">
+            <a:schemeClr val="accent1">
+              <a:shade val="50000"/>
+            </a:schemeClr>
+          </a:lnRef>
+          <a:fillRef idx="1">
+            <a:schemeClr val="accent1"/>
+          </a:fillRef>
+          <a:effectRef idx="0">
+            <a:schemeClr val="accent1"/>
+          </a:effectRef>
+          <a:fontRef idx="minor">
+            <a:schemeClr val="lt1"/>
+          </a:fontRef>
+        </p:style>
+        <p:txBody>
+          <a:bodyPr rtlCol="0" anchor="ctr"/>
+          <a:lstStyle/>
+          <a:p>
+            <a:pPr algn="ctr"/>
+            <a:endParaRPr lang="en-US"/>
+          </a:p>
+        </p:txBody>
+      </p:sp>
+      <p:sp>
+        <p:nvSpPr>
+          <p:cNvPr id="15" name="TextBox 14">
+            <a:extLst>
+              <a:ext uri="{FF2B5EF4-FFF2-40B4-BE49-F238E27FC236}">
+                <a16:creationId xmlns:a16="http://schemas.microsoft.com/office/drawing/2014/main" id="{EAAF876D-F133-08FD-55E4-3ED9EDA82116}"/>
+              </a:ext>
+            </a:extLst>
+          </p:cNvPr>
+          <p:cNvSpPr txBox="1"/>
+          <p:nvPr/>
+        </p:nvSpPr>
+        <p:spPr>
+          <a:xfrm>
+            <a:off x="6353500" y="672662"/>
+            <a:ext cx="4377561" cy="369332"/>
+          </a:xfrm>
+          <a:prstGeom prst="rect">
+            <a:avLst/>
+          </a:prstGeom>
+          <a:noFill/>
+        </p:spPr>
+        <p:txBody>
+          <a:bodyPr wrap="square" rtlCol="0">
+            <a:spAutoFit/>
+          </a:bodyPr>
+          <a:lstStyle/>
+          <a:p>
+            <a:pPr algn="ctr"/>
+            <a:r>
+              <a:rPr lang="en-US" b="1" dirty="0" err="1">
+                <a:solidFill>
+                  <a:schemeClr val="bg1"/>
+                </a:solidFill>
+              </a:rPr>
+              <a:t>ControllerContext</a:t>
+            </a:r>
+            <a:endParaRPr lang="en-US" b="1" dirty="0">
+              <a:solidFill>
+                <a:schemeClr val="bg1"/>
+              </a:solidFill>
+            </a:endParaRPr>
+          </a:p>
+        </p:txBody>
+      </p:sp>
+      <p:sp>
+        <p:nvSpPr>
+          <p:cNvPr id="16" name="Rectangle 15">
+            <a:extLst>
+              <a:ext uri="{FF2B5EF4-FFF2-40B4-BE49-F238E27FC236}">
+                <a16:creationId xmlns:a16="http://schemas.microsoft.com/office/drawing/2014/main" id="{243D5BD0-126E-8D19-CB0B-5C7D28818DEB}"/>
+              </a:ext>
+            </a:extLst>
+          </p:cNvPr>
+          <p:cNvSpPr/>
+          <p:nvPr/>
+        </p:nvSpPr>
+        <p:spPr>
+          <a:xfrm>
+            <a:off x="1234968" y="4766441"/>
+            <a:ext cx="1334814" cy="567559"/>
+          </a:xfrm>
+          <a:prstGeom prst="rect">
+            <a:avLst/>
+          </a:prstGeom>
+        </p:spPr>
+        <p:style>
+          <a:lnRef idx="2">
+            <a:schemeClr val="accent1">
+              <a:shade val="50000"/>
+            </a:schemeClr>
+          </a:lnRef>
+          <a:fillRef idx="1">
+            <a:schemeClr val="accent1"/>
+          </a:fillRef>
+          <a:effectRef idx="0">
+            <a:schemeClr val="accent1"/>
+          </a:effectRef>
+          <a:fontRef idx="minor">
+            <a:schemeClr val="lt1"/>
+          </a:fontRef>
+        </p:style>
+        <p:txBody>
+          <a:bodyPr rtlCol="0" anchor="ctr"/>
+          <a:lstStyle/>
+          <a:p>
+            <a:pPr algn="ctr"/>
+            <a:r>
+              <a:rPr lang="en-US" dirty="0"/>
+              <a:t>Response</a:t>
+            </a:r>
+          </a:p>
+        </p:txBody>
+      </p:sp>
+      <p:sp>
+        <p:nvSpPr>
+          <p:cNvPr id="17" name="Left Arrow 16">
+            <a:extLst>
+              <a:ext uri="{FF2B5EF4-FFF2-40B4-BE49-F238E27FC236}">
+                <a16:creationId xmlns:a16="http://schemas.microsoft.com/office/drawing/2014/main" id="{75B825C8-8EC7-59CC-D5A0-82ED8915BAAD}"/>
+              </a:ext>
+            </a:extLst>
+          </p:cNvPr>
+          <p:cNvSpPr/>
+          <p:nvPr/>
+        </p:nvSpPr>
+        <p:spPr>
+          <a:xfrm>
+            <a:off x="2511974" y="4929352"/>
+            <a:ext cx="3321264" cy="462455"/>
+          </a:xfrm>
+          <a:prstGeom prst="leftArrow">
+            <a:avLst/>
+          </a:prstGeom>
+          <a:solidFill>
+            <a:srgbClr val="FF0000"/>
+          </a:solidFill>
+        </p:spPr>
+        <p:style>
+          <a:lnRef idx="2">
+            <a:schemeClr val="accent1">
+              <a:shade val="50000"/>
+            </a:schemeClr>
+          </a:lnRef>
+          <a:fillRef idx="1">
+            <a:schemeClr val="accent1"/>
+          </a:fillRef>
+          <a:effectRef idx="0">
+            <a:schemeClr val="accent1"/>
+          </a:effectRef>
+          <a:fontRef idx="minor">
+            <a:schemeClr val="lt1"/>
+          </a:fontRef>
+        </p:style>
+        <p:txBody>
+          <a:bodyPr rtlCol="0" anchor="ctr"/>
+          <a:lstStyle/>
+          <a:p>
+            <a:pPr algn="ctr"/>
+            <a:endParaRPr lang="en-US"/>
+          </a:p>
+        </p:txBody>
+      </p:sp>
+    </p:spTree>
+    <p:extLst>
+      <p:ext uri="{BB962C8B-B14F-4D97-AF65-F5344CB8AC3E}">
+        <p14:creationId xmlns:p14="http://schemas.microsoft.com/office/powerpoint/2010/main" val="649049240"/>
       </p:ext>
     </p:extLst>
   </p:cSld>

--- a/mbaspnetcore6/MB_Training_Images.pptx
+++ b/mbaspnetcore6/MB_Training_Images.pptx
@@ -36,6 +36,8 @@
     <p:sldId id="284" r:id="rId30"/>
     <p:sldId id="285" r:id="rId31"/>
     <p:sldId id="286" r:id="rId32"/>
+    <p:sldId id="287" r:id="rId33"/>
+    <p:sldId id="288" r:id="rId34"/>
   </p:sldIdLst>
   <p:sldSz cx="12192000" cy="6858000"/>
   <p:notesSz cx="6858000" cy="9144000"/>
@@ -289,7 +291,7 @@
           <a:p>
             <a:fld id="{7EAE8DEA-61CA-412C-9D6E-50DA161E193E}" type="datetimeFigureOut">
               <a:rPr lang="en-US" smtClean="0"/>
-              <a:t>8/23/22</a:t>
+              <a:t>8/24/22</a:t>
             </a:fld>
             <a:endParaRPr lang="en-US"/>
           </a:p>
@@ -487,7 +489,7 @@
           <a:p>
             <a:fld id="{7EAE8DEA-61CA-412C-9D6E-50DA161E193E}" type="datetimeFigureOut">
               <a:rPr lang="en-US" smtClean="0"/>
-              <a:t>8/23/22</a:t>
+              <a:t>8/24/22</a:t>
             </a:fld>
             <a:endParaRPr lang="en-US"/>
           </a:p>
@@ -695,7 +697,7 @@
           <a:p>
             <a:fld id="{7EAE8DEA-61CA-412C-9D6E-50DA161E193E}" type="datetimeFigureOut">
               <a:rPr lang="en-US" smtClean="0"/>
-              <a:t>8/23/22</a:t>
+              <a:t>8/24/22</a:t>
             </a:fld>
             <a:endParaRPr lang="en-US"/>
           </a:p>
@@ -893,7 +895,7 @@
           <a:p>
             <a:fld id="{7EAE8DEA-61CA-412C-9D6E-50DA161E193E}" type="datetimeFigureOut">
               <a:rPr lang="en-US" smtClean="0"/>
-              <a:t>8/23/22</a:t>
+              <a:t>8/24/22</a:t>
             </a:fld>
             <a:endParaRPr lang="en-US"/>
           </a:p>
@@ -1168,7 +1170,7 @@
           <a:p>
             <a:fld id="{7EAE8DEA-61CA-412C-9D6E-50DA161E193E}" type="datetimeFigureOut">
               <a:rPr lang="en-US" smtClean="0"/>
-              <a:t>8/23/22</a:t>
+              <a:t>8/24/22</a:t>
             </a:fld>
             <a:endParaRPr lang="en-US"/>
           </a:p>
@@ -1433,7 +1435,7 @@
           <a:p>
             <a:fld id="{7EAE8DEA-61CA-412C-9D6E-50DA161E193E}" type="datetimeFigureOut">
               <a:rPr lang="en-US" smtClean="0"/>
-              <a:t>8/23/22</a:t>
+              <a:t>8/24/22</a:t>
             </a:fld>
             <a:endParaRPr lang="en-US"/>
           </a:p>
@@ -1845,7 +1847,7 @@
           <a:p>
             <a:fld id="{7EAE8DEA-61CA-412C-9D6E-50DA161E193E}" type="datetimeFigureOut">
               <a:rPr lang="en-US" smtClean="0"/>
-              <a:t>8/23/22</a:t>
+              <a:t>8/24/22</a:t>
             </a:fld>
             <a:endParaRPr lang="en-US"/>
           </a:p>
@@ -1986,7 +1988,7 @@
           <a:p>
             <a:fld id="{7EAE8DEA-61CA-412C-9D6E-50DA161E193E}" type="datetimeFigureOut">
               <a:rPr lang="en-US" smtClean="0"/>
-              <a:t>8/23/22</a:t>
+              <a:t>8/24/22</a:t>
             </a:fld>
             <a:endParaRPr lang="en-US"/>
           </a:p>
@@ -2099,7 +2101,7 @@
           <a:p>
             <a:fld id="{7EAE8DEA-61CA-412C-9D6E-50DA161E193E}" type="datetimeFigureOut">
               <a:rPr lang="en-US" smtClean="0"/>
-              <a:t>8/23/22</a:t>
+              <a:t>8/24/22</a:t>
             </a:fld>
             <a:endParaRPr lang="en-US"/>
           </a:p>
@@ -2410,7 +2412,7 @@
           <a:p>
             <a:fld id="{7EAE8DEA-61CA-412C-9D6E-50DA161E193E}" type="datetimeFigureOut">
               <a:rPr lang="en-US" smtClean="0"/>
-              <a:t>8/23/22</a:t>
+              <a:t>8/24/22</a:t>
             </a:fld>
             <a:endParaRPr lang="en-US"/>
           </a:p>
@@ -2698,7 +2700,7 @@
           <a:p>
             <a:fld id="{7EAE8DEA-61CA-412C-9D6E-50DA161E193E}" type="datetimeFigureOut">
               <a:rPr lang="en-US" smtClean="0"/>
-              <a:t>8/23/22</a:t>
+              <a:t>8/24/22</a:t>
             </a:fld>
             <a:endParaRPr lang="en-US"/>
           </a:p>
@@ -2939,7 +2941,7 @@
           <a:p>
             <a:fld id="{7EAE8DEA-61CA-412C-9D6E-50DA161E193E}" type="datetimeFigureOut">
               <a:rPr lang="en-US" smtClean="0"/>
-              <a:t>8/23/22</a:t>
+              <a:t>8/24/22</a:t>
             </a:fld>
             <a:endParaRPr lang="en-US"/>
           </a:p>
@@ -24174,6 +24176,2227 @@
 </p:sld>
 </file>
 
+<file path=ppt/slides/slide32.xml><?xml version="1.0" encoding="utf-8"?>
+<p:sld xmlns:a="http://schemas.openxmlformats.org/drawingml/2006/main" xmlns:r="http://schemas.openxmlformats.org/officeDocument/2006/relationships" xmlns:p="http://schemas.openxmlformats.org/presentationml/2006/main">
+  <p:cSld>
+    <p:spTree>
+      <p:nvGrpSpPr>
+        <p:cNvPr id="1" name=""/>
+        <p:cNvGrpSpPr/>
+        <p:nvPr/>
+      </p:nvGrpSpPr>
+      <p:grpSpPr>
+        <a:xfrm>
+          <a:off x="0" y="0"/>
+          <a:ext cx="0" cy="0"/>
+          <a:chOff x="0" y="0"/>
+          <a:chExt cx="0" cy="0"/>
+        </a:xfrm>
+      </p:grpSpPr>
+      <p:sp>
+        <p:nvSpPr>
+          <p:cNvPr id="2" name="TextBox 1">
+            <a:extLst>
+              <a:ext uri="{FF2B5EF4-FFF2-40B4-BE49-F238E27FC236}">
+                <a16:creationId xmlns:a16="http://schemas.microsoft.com/office/drawing/2014/main" id="{109E2D87-6B97-B607-418A-C96AC66AB3AA}"/>
+              </a:ext>
+            </a:extLst>
+          </p:cNvPr>
+          <p:cNvSpPr txBox="1"/>
+          <p:nvPr/>
+        </p:nvSpPr>
+        <p:spPr>
+          <a:xfrm>
+            <a:off x="220717" y="189186"/>
+            <a:ext cx="11719035" cy="369332"/>
+          </a:xfrm>
+          <a:prstGeom prst="rect">
+            <a:avLst/>
+          </a:prstGeom>
+          <a:noFill/>
+        </p:spPr>
+        <p:txBody>
+          <a:bodyPr wrap="square" rtlCol="0">
+            <a:spAutoFit/>
+          </a:bodyPr>
+          <a:lstStyle/>
+          <a:p>
+            <a:pPr algn="ctr"/>
+            <a:r>
+              <a:rPr lang="en-US" dirty="0"/>
+              <a:t>Web Application having Users Credentials Stored in Local database aka On-Premises</a:t>
+            </a:r>
+          </a:p>
+        </p:txBody>
+      </p:sp>
+      <p:sp>
+        <p:nvSpPr>
+          <p:cNvPr id="3" name="Rectangle 2">
+            <a:extLst>
+              <a:ext uri="{FF2B5EF4-FFF2-40B4-BE49-F238E27FC236}">
+                <a16:creationId xmlns:a16="http://schemas.microsoft.com/office/drawing/2014/main" id="{8A7C965B-2731-4377-DA32-8332968CBB21}"/>
+              </a:ext>
+            </a:extLst>
+          </p:cNvPr>
+          <p:cNvSpPr/>
+          <p:nvPr/>
+        </p:nvSpPr>
+        <p:spPr>
+          <a:xfrm>
+            <a:off x="5759669" y="1051034"/>
+            <a:ext cx="3857297" cy="5286703"/>
+          </a:xfrm>
+          <a:prstGeom prst="rect">
+            <a:avLst/>
+          </a:prstGeom>
+        </p:spPr>
+        <p:style>
+          <a:lnRef idx="2">
+            <a:schemeClr val="accent6"/>
+          </a:lnRef>
+          <a:fillRef idx="1">
+            <a:schemeClr val="lt1"/>
+          </a:fillRef>
+          <a:effectRef idx="0">
+            <a:schemeClr val="accent6"/>
+          </a:effectRef>
+          <a:fontRef idx="minor">
+            <a:schemeClr val="dk1"/>
+          </a:fontRef>
+        </p:style>
+        <p:txBody>
+          <a:bodyPr rtlCol="0" anchor="ctr"/>
+          <a:lstStyle/>
+          <a:p>
+            <a:pPr algn="ctr"/>
+            <a:endParaRPr lang="en-US"/>
+          </a:p>
+        </p:txBody>
+      </p:sp>
+      <p:sp>
+        <p:nvSpPr>
+          <p:cNvPr id="4" name="TextBox 3">
+            <a:extLst>
+              <a:ext uri="{FF2B5EF4-FFF2-40B4-BE49-F238E27FC236}">
+                <a16:creationId xmlns:a16="http://schemas.microsoft.com/office/drawing/2014/main" id="{A6278ABA-1BF1-855D-341B-4873728A1B53}"/>
+              </a:ext>
+            </a:extLst>
+          </p:cNvPr>
+          <p:cNvSpPr txBox="1"/>
+          <p:nvPr/>
+        </p:nvSpPr>
+        <p:spPr>
+          <a:xfrm>
+            <a:off x="5843752" y="1114097"/>
+            <a:ext cx="3594538" cy="923330"/>
+          </a:xfrm>
+          <a:prstGeom prst="rect">
+            <a:avLst/>
+          </a:prstGeom>
+          <a:noFill/>
+        </p:spPr>
+        <p:txBody>
+          <a:bodyPr wrap="square" rtlCol="0">
+            <a:spAutoFit/>
+          </a:bodyPr>
+          <a:lstStyle/>
+          <a:p>
+            <a:pPr algn="ctr"/>
+            <a:r>
+              <a:rPr lang="en-US" dirty="0"/>
+              <a:t>Hosting Env.</a:t>
+            </a:r>
+          </a:p>
+          <a:p>
+            <a:pPr algn="ctr"/>
+            <a:r>
+              <a:rPr lang="en-US" dirty="0"/>
+              <a:t>IIS on Windows (Recommended) or Self-Hosted Apps (Think on this this)</a:t>
+            </a:r>
+          </a:p>
+        </p:txBody>
+      </p:sp>
+      <p:sp>
+        <p:nvSpPr>
+          <p:cNvPr id="5" name="Rectangle 4">
+            <a:extLst>
+              <a:ext uri="{FF2B5EF4-FFF2-40B4-BE49-F238E27FC236}">
+                <a16:creationId xmlns:a16="http://schemas.microsoft.com/office/drawing/2014/main" id="{2ABAAE33-69D8-471D-7CC2-00A362858D36}"/>
+              </a:ext>
+            </a:extLst>
+          </p:cNvPr>
+          <p:cNvSpPr/>
+          <p:nvPr/>
+        </p:nvSpPr>
+        <p:spPr>
+          <a:xfrm>
+            <a:off x="5843752" y="2333297"/>
+            <a:ext cx="3699641" cy="2942896"/>
+          </a:xfrm>
+          <a:prstGeom prst="rect">
+            <a:avLst/>
+          </a:prstGeom>
+          <a:solidFill>
+            <a:schemeClr val="accent4">
+              <a:lumMod val="40000"/>
+              <a:lumOff val="60000"/>
+            </a:schemeClr>
+          </a:solidFill>
+        </p:spPr>
+        <p:style>
+          <a:lnRef idx="2">
+            <a:schemeClr val="accent1">
+              <a:shade val="50000"/>
+            </a:schemeClr>
+          </a:lnRef>
+          <a:fillRef idx="1">
+            <a:schemeClr val="accent1"/>
+          </a:fillRef>
+          <a:effectRef idx="0">
+            <a:schemeClr val="accent1"/>
+          </a:effectRef>
+          <a:fontRef idx="minor">
+            <a:schemeClr val="lt1"/>
+          </a:fontRef>
+        </p:style>
+        <p:txBody>
+          <a:bodyPr rtlCol="0" anchor="ctr"/>
+          <a:lstStyle/>
+          <a:p>
+            <a:pPr algn="ctr"/>
+            <a:endParaRPr lang="en-US"/>
+          </a:p>
+        </p:txBody>
+      </p:sp>
+      <p:sp>
+        <p:nvSpPr>
+          <p:cNvPr id="6" name="TextBox 5">
+            <a:extLst>
+              <a:ext uri="{FF2B5EF4-FFF2-40B4-BE49-F238E27FC236}">
+                <a16:creationId xmlns:a16="http://schemas.microsoft.com/office/drawing/2014/main" id="{827BB9F9-6448-E7B2-B564-AFD0F7896527}"/>
+              </a:ext>
+            </a:extLst>
+          </p:cNvPr>
+          <p:cNvSpPr txBox="1"/>
+          <p:nvPr/>
+        </p:nvSpPr>
+        <p:spPr>
+          <a:xfrm>
+            <a:off x="5938345" y="2385848"/>
+            <a:ext cx="3499945" cy="369332"/>
+          </a:xfrm>
+          <a:prstGeom prst="rect">
+            <a:avLst/>
+          </a:prstGeom>
+          <a:noFill/>
+        </p:spPr>
+        <p:txBody>
+          <a:bodyPr wrap="square" rtlCol="0">
+            <a:spAutoFit/>
+          </a:bodyPr>
+          <a:lstStyle/>
+          <a:p>
+            <a:pPr algn="ctr"/>
+            <a:r>
+              <a:rPr lang="en-US" dirty="0"/>
+              <a:t>ASP.NET Core Runtime</a:t>
+            </a:r>
+          </a:p>
+        </p:txBody>
+      </p:sp>
+      <p:sp>
+        <p:nvSpPr>
+          <p:cNvPr id="7" name="Rectangle 6">
+            <a:extLst>
+              <a:ext uri="{FF2B5EF4-FFF2-40B4-BE49-F238E27FC236}">
+                <a16:creationId xmlns:a16="http://schemas.microsoft.com/office/drawing/2014/main" id="{98E2B51A-6251-182D-2121-3D36A737BFF6}"/>
+              </a:ext>
+            </a:extLst>
+          </p:cNvPr>
+          <p:cNvSpPr/>
+          <p:nvPr/>
+        </p:nvSpPr>
+        <p:spPr>
+          <a:xfrm>
+            <a:off x="5843752" y="5360276"/>
+            <a:ext cx="3699641" cy="588579"/>
+          </a:xfrm>
+          <a:prstGeom prst="rect">
+            <a:avLst/>
+          </a:prstGeom>
+        </p:spPr>
+        <p:style>
+          <a:lnRef idx="1">
+            <a:schemeClr val="accent3"/>
+          </a:lnRef>
+          <a:fillRef idx="2">
+            <a:schemeClr val="accent3"/>
+          </a:fillRef>
+          <a:effectRef idx="1">
+            <a:schemeClr val="accent3"/>
+          </a:effectRef>
+          <a:fontRef idx="minor">
+            <a:schemeClr val="dk1"/>
+          </a:fontRef>
+        </p:style>
+        <p:txBody>
+          <a:bodyPr rtlCol="0" anchor="ctr"/>
+          <a:lstStyle/>
+          <a:p>
+            <a:pPr algn="ctr"/>
+            <a:r>
+              <a:rPr lang="en-US" b="1" dirty="0"/>
+              <a:t>.NET Exe</a:t>
+            </a:r>
+          </a:p>
+        </p:txBody>
+      </p:sp>
+      <p:sp>
+        <p:nvSpPr>
+          <p:cNvPr id="8" name="Rectangle 7">
+            <a:extLst>
+              <a:ext uri="{FF2B5EF4-FFF2-40B4-BE49-F238E27FC236}">
+                <a16:creationId xmlns:a16="http://schemas.microsoft.com/office/drawing/2014/main" id="{DBAA3F4B-AB8D-B3AE-0685-87E80C8D9701}"/>
+              </a:ext>
+            </a:extLst>
+          </p:cNvPr>
+          <p:cNvSpPr/>
+          <p:nvPr/>
+        </p:nvSpPr>
+        <p:spPr>
+          <a:xfrm>
+            <a:off x="5938345" y="4686879"/>
+            <a:ext cx="3405352" cy="473700"/>
+          </a:xfrm>
+          <a:prstGeom prst="rect">
+            <a:avLst/>
+          </a:prstGeom>
+        </p:spPr>
+        <p:style>
+          <a:lnRef idx="2">
+            <a:schemeClr val="accent1">
+              <a:shade val="50000"/>
+            </a:schemeClr>
+          </a:lnRef>
+          <a:fillRef idx="1">
+            <a:schemeClr val="accent1"/>
+          </a:fillRef>
+          <a:effectRef idx="0">
+            <a:schemeClr val="accent1"/>
+          </a:effectRef>
+          <a:fontRef idx="minor">
+            <a:schemeClr val="lt1"/>
+          </a:fontRef>
+        </p:style>
+        <p:txBody>
+          <a:bodyPr rtlCol="0" anchor="ctr"/>
+          <a:lstStyle/>
+          <a:p>
+            <a:pPr algn="ctr"/>
+            <a:r>
+              <a:rPr lang="en-US" b="1" dirty="0"/>
+              <a:t>Data Access Layer</a:t>
+            </a:r>
+          </a:p>
+        </p:txBody>
+      </p:sp>
+      <p:sp>
+        <p:nvSpPr>
+          <p:cNvPr id="9" name="Rectangle 8">
+            <a:extLst>
+              <a:ext uri="{FF2B5EF4-FFF2-40B4-BE49-F238E27FC236}">
+                <a16:creationId xmlns:a16="http://schemas.microsoft.com/office/drawing/2014/main" id="{32D1F2BE-B4EF-6DC2-2F8D-6177A3DF876F}"/>
+              </a:ext>
+            </a:extLst>
+          </p:cNvPr>
+          <p:cNvSpPr/>
+          <p:nvPr/>
+        </p:nvSpPr>
+        <p:spPr>
+          <a:xfrm>
+            <a:off x="5938345" y="4097566"/>
+            <a:ext cx="3405352" cy="473699"/>
+          </a:xfrm>
+          <a:prstGeom prst="rect">
+            <a:avLst/>
+          </a:prstGeom>
+        </p:spPr>
+        <p:style>
+          <a:lnRef idx="2">
+            <a:schemeClr val="accent1">
+              <a:shade val="50000"/>
+            </a:schemeClr>
+          </a:lnRef>
+          <a:fillRef idx="1">
+            <a:schemeClr val="accent1"/>
+          </a:fillRef>
+          <a:effectRef idx="0">
+            <a:schemeClr val="accent1"/>
+          </a:effectRef>
+          <a:fontRef idx="minor">
+            <a:schemeClr val="lt1"/>
+          </a:fontRef>
+        </p:style>
+        <p:txBody>
+          <a:bodyPr rtlCol="0" anchor="ctr"/>
+          <a:lstStyle/>
+          <a:p>
+            <a:pPr algn="ctr"/>
+            <a:r>
+              <a:rPr lang="en-US" b="1" dirty="0"/>
+              <a:t>Business Repos with Models</a:t>
+            </a:r>
+          </a:p>
+        </p:txBody>
+      </p:sp>
+      <p:sp>
+        <p:nvSpPr>
+          <p:cNvPr id="10" name="Rectangle 9">
+            <a:extLst>
+              <a:ext uri="{FF2B5EF4-FFF2-40B4-BE49-F238E27FC236}">
+                <a16:creationId xmlns:a16="http://schemas.microsoft.com/office/drawing/2014/main" id="{C1F97517-1CDC-07D4-1A84-275E27A04B65}"/>
+              </a:ext>
+            </a:extLst>
+          </p:cNvPr>
+          <p:cNvSpPr/>
+          <p:nvPr/>
+        </p:nvSpPr>
+        <p:spPr>
+          <a:xfrm>
+            <a:off x="5938345" y="3321269"/>
+            <a:ext cx="1502979" cy="683172"/>
+          </a:xfrm>
+          <a:prstGeom prst="rect">
+            <a:avLst/>
+          </a:prstGeom>
+        </p:spPr>
+        <p:style>
+          <a:lnRef idx="2">
+            <a:schemeClr val="accent1">
+              <a:shade val="50000"/>
+            </a:schemeClr>
+          </a:lnRef>
+          <a:fillRef idx="1">
+            <a:schemeClr val="accent1"/>
+          </a:fillRef>
+          <a:effectRef idx="0">
+            <a:schemeClr val="accent1"/>
+          </a:effectRef>
+          <a:fontRef idx="minor">
+            <a:schemeClr val="lt1"/>
+          </a:fontRef>
+        </p:style>
+        <p:txBody>
+          <a:bodyPr rtlCol="0" anchor="ctr"/>
+          <a:lstStyle/>
+          <a:p>
+            <a:pPr algn="ctr"/>
+            <a:r>
+              <a:rPr lang="en-US" b="1" dirty="0"/>
+              <a:t>Controllers</a:t>
+            </a:r>
+          </a:p>
+        </p:txBody>
+      </p:sp>
+      <p:sp>
+        <p:nvSpPr>
+          <p:cNvPr id="11" name="Rectangle 10">
+            <a:extLst>
+              <a:ext uri="{FF2B5EF4-FFF2-40B4-BE49-F238E27FC236}">
+                <a16:creationId xmlns:a16="http://schemas.microsoft.com/office/drawing/2014/main" id="{1C17F686-0115-627E-BA3F-BEBEC322A1A8}"/>
+              </a:ext>
+            </a:extLst>
+          </p:cNvPr>
+          <p:cNvSpPr/>
+          <p:nvPr/>
+        </p:nvSpPr>
+        <p:spPr>
+          <a:xfrm>
+            <a:off x="7840718" y="3314544"/>
+            <a:ext cx="1502979" cy="683172"/>
+          </a:xfrm>
+          <a:prstGeom prst="rect">
+            <a:avLst/>
+          </a:prstGeom>
+        </p:spPr>
+        <p:style>
+          <a:lnRef idx="2">
+            <a:schemeClr val="accent1">
+              <a:shade val="50000"/>
+            </a:schemeClr>
+          </a:lnRef>
+          <a:fillRef idx="1">
+            <a:schemeClr val="accent1"/>
+          </a:fillRef>
+          <a:effectRef idx="0">
+            <a:schemeClr val="accent1"/>
+          </a:effectRef>
+          <a:fontRef idx="minor">
+            <a:schemeClr val="lt1"/>
+          </a:fontRef>
+        </p:style>
+        <p:txBody>
+          <a:bodyPr rtlCol="0" anchor="ctr"/>
+          <a:lstStyle/>
+          <a:p>
+            <a:pPr algn="ctr"/>
+            <a:r>
+              <a:rPr lang="en-US" b="1" dirty="0"/>
+              <a:t>Views</a:t>
+            </a:r>
+          </a:p>
+        </p:txBody>
+      </p:sp>
+      <p:sp>
+        <p:nvSpPr>
+          <p:cNvPr id="12" name="Rectangle 11">
+            <a:extLst>
+              <a:ext uri="{FF2B5EF4-FFF2-40B4-BE49-F238E27FC236}">
+                <a16:creationId xmlns:a16="http://schemas.microsoft.com/office/drawing/2014/main" id="{EDEB9432-B371-74EC-9952-F41C55DF7AB5}"/>
+              </a:ext>
+            </a:extLst>
+          </p:cNvPr>
+          <p:cNvSpPr/>
+          <p:nvPr/>
+        </p:nvSpPr>
+        <p:spPr>
+          <a:xfrm>
+            <a:off x="5938345" y="2859549"/>
+            <a:ext cx="3405352" cy="388147"/>
+          </a:xfrm>
+          <a:prstGeom prst="rect">
+            <a:avLst/>
+          </a:prstGeom>
+        </p:spPr>
+        <p:style>
+          <a:lnRef idx="2">
+            <a:schemeClr val="accent1">
+              <a:shade val="50000"/>
+            </a:schemeClr>
+          </a:lnRef>
+          <a:fillRef idx="1">
+            <a:schemeClr val="accent1"/>
+          </a:fillRef>
+          <a:effectRef idx="0">
+            <a:schemeClr val="accent1"/>
+          </a:effectRef>
+          <a:fontRef idx="minor">
+            <a:schemeClr val="lt1"/>
+          </a:fontRef>
+        </p:style>
+        <p:txBody>
+          <a:bodyPr rtlCol="0" anchor="ctr"/>
+          <a:lstStyle/>
+          <a:p>
+            <a:pPr algn="ctr"/>
+            <a:r>
+              <a:rPr lang="en-US" b="1" dirty="0"/>
+              <a:t>Identity</a:t>
+            </a:r>
+          </a:p>
+        </p:txBody>
+      </p:sp>
+      <p:sp>
+        <p:nvSpPr>
+          <p:cNvPr id="13" name="Can 12">
+            <a:extLst>
+              <a:ext uri="{FF2B5EF4-FFF2-40B4-BE49-F238E27FC236}">
+                <a16:creationId xmlns:a16="http://schemas.microsoft.com/office/drawing/2014/main" id="{72FCE8B4-FDBF-04D5-AD67-3D6546ADBB35}"/>
+              </a:ext>
+            </a:extLst>
+          </p:cNvPr>
+          <p:cNvSpPr/>
+          <p:nvPr/>
+        </p:nvSpPr>
+        <p:spPr>
+          <a:xfrm>
+            <a:off x="10152993" y="2755180"/>
+            <a:ext cx="1786759" cy="673820"/>
+          </a:xfrm>
+          <a:prstGeom prst="can">
+            <a:avLst/>
+          </a:prstGeom>
+        </p:spPr>
+        <p:style>
+          <a:lnRef idx="2">
+            <a:schemeClr val="accent1">
+              <a:shade val="50000"/>
+            </a:schemeClr>
+          </a:lnRef>
+          <a:fillRef idx="1">
+            <a:schemeClr val="accent1"/>
+          </a:fillRef>
+          <a:effectRef idx="0">
+            <a:schemeClr val="accent1"/>
+          </a:effectRef>
+          <a:fontRef idx="minor">
+            <a:schemeClr val="lt1"/>
+          </a:fontRef>
+        </p:style>
+        <p:txBody>
+          <a:bodyPr rtlCol="0" anchor="ctr"/>
+          <a:lstStyle/>
+          <a:p>
+            <a:pPr algn="ctr"/>
+            <a:r>
+              <a:rPr lang="en-US" b="1" dirty="0"/>
+              <a:t>Identity DB</a:t>
+            </a:r>
+          </a:p>
+        </p:txBody>
+      </p:sp>
+      <p:cxnSp>
+        <p:nvCxnSpPr>
+          <p:cNvPr id="15" name="Straight Arrow Connector 14">
+            <a:extLst>
+              <a:ext uri="{FF2B5EF4-FFF2-40B4-BE49-F238E27FC236}">
+                <a16:creationId xmlns:a16="http://schemas.microsoft.com/office/drawing/2014/main" id="{BFB447EB-89EF-3A16-DF94-5D83A21A31E8}"/>
+              </a:ext>
+            </a:extLst>
+          </p:cNvPr>
+          <p:cNvCxnSpPr>
+            <a:stCxn id="12" idx="3"/>
+            <a:endCxn id="13" idx="2"/>
+          </p:cNvCxnSpPr>
+          <p:nvPr/>
+        </p:nvCxnSpPr>
+        <p:spPr>
+          <a:xfrm>
+            <a:off x="9343697" y="3053623"/>
+            <a:ext cx="809296" cy="38467"/>
+          </a:xfrm>
+          <a:prstGeom prst="straightConnector1">
+            <a:avLst/>
+          </a:prstGeom>
+          <a:ln w="76200">
+            <a:solidFill>
+              <a:srgbClr val="C00000"/>
+            </a:solidFill>
+            <a:headEnd type="triangle"/>
+            <a:tailEnd type="triangle"/>
+          </a:ln>
+        </p:spPr>
+        <p:style>
+          <a:lnRef idx="1">
+            <a:schemeClr val="accent1"/>
+          </a:lnRef>
+          <a:fillRef idx="0">
+            <a:schemeClr val="accent1"/>
+          </a:fillRef>
+          <a:effectRef idx="0">
+            <a:schemeClr val="accent1"/>
+          </a:effectRef>
+          <a:fontRef idx="minor">
+            <a:schemeClr val="tx1"/>
+          </a:fontRef>
+        </p:style>
+      </p:cxnSp>
+      <p:sp>
+        <p:nvSpPr>
+          <p:cNvPr id="16" name="Can 15">
+            <a:extLst>
+              <a:ext uri="{FF2B5EF4-FFF2-40B4-BE49-F238E27FC236}">
+                <a16:creationId xmlns:a16="http://schemas.microsoft.com/office/drawing/2014/main" id="{EBB28120-0800-C235-769F-580D23E3DAB4}"/>
+              </a:ext>
+            </a:extLst>
+          </p:cNvPr>
+          <p:cNvSpPr/>
+          <p:nvPr/>
+        </p:nvSpPr>
+        <p:spPr>
+          <a:xfrm>
+            <a:off x="10131973" y="4571265"/>
+            <a:ext cx="1786759" cy="673820"/>
+          </a:xfrm>
+          <a:prstGeom prst="can">
+            <a:avLst/>
+          </a:prstGeom>
+        </p:spPr>
+        <p:style>
+          <a:lnRef idx="2">
+            <a:schemeClr val="accent1">
+              <a:shade val="50000"/>
+            </a:schemeClr>
+          </a:lnRef>
+          <a:fillRef idx="1">
+            <a:schemeClr val="accent1"/>
+          </a:fillRef>
+          <a:effectRef idx="0">
+            <a:schemeClr val="accent1"/>
+          </a:effectRef>
+          <a:fontRef idx="minor">
+            <a:schemeClr val="lt1"/>
+          </a:fontRef>
+        </p:style>
+        <p:txBody>
+          <a:bodyPr rtlCol="0" anchor="ctr"/>
+          <a:lstStyle/>
+          <a:p>
+            <a:pPr algn="ctr"/>
+            <a:r>
+              <a:rPr lang="en-US" b="1" dirty="0"/>
+              <a:t>Application DB</a:t>
+            </a:r>
+          </a:p>
+        </p:txBody>
+      </p:sp>
+      <p:cxnSp>
+        <p:nvCxnSpPr>
+          <p:cNvPr id="17" name="Straight Arrow Connector 16">
+            <a:extLst>
+              <a:ext uri="{FF2B5EF4-FFF2-40B4-BE49-F238E27FC236}">
+                <a16:creationId xmlns:a16="http://schemas.microsoft.com/office/drawing/2014/main" id="{EDB116D9-11CF-5590-1F7E-7CB7498EB7E6}"/>
+              </a:ext>
+            </a:extLst>
+          </p:cNvPr>
+          <p:cNvCxnSpPr/>
+          <p:nvPr/>
+        </p:nvCxnSpPr>
+        <p:spPr>
+          <a:xfrm>
+            <a:off x="9343697" y="4888941"/>
+            <a:ext cx="809296" cy="38467"/>
+          </a:xfrm>
+          <a:prstGeom prst="straightConnector1">
+            <a:avLst/>
+          </a:prstGeom>
+          <a:ln w="76200">
+            <a:solidFill>
+              <a:srgbClr val="C00000"/>
+            </a:solidFill>
+            <a:headEnd type="triangle"/>
+            <a:tailEnd type="triangle"/>
+          </a:ln>
+        </p:spPr>
+        <p:style>
+          <a:lnRef idx="1">
+            <a:schemeClr val="accent1"/>
+          </a:lnRef>
+          <a:fillRef idx="0">
+            <a:schemeClr val="accent1"/>
+          </a:fillRef>
+          <a:effectRef idx="0">
+            <a:schemeClr val="accent1"/>
+          </a:effectRef>
+          <a:fontRef idx="minor">
+            <a:schemeClr val="tx1"/>
+          </a:fontRef>
+        </p:style>
+      </p:cxnSp>
+      <p:sp>
+        <p:nvSpPr>
+          <p:cNvPr id="18" name="Right Arrow 17">
+            <a:extLst>
+              <a:ext uri="{FF2B5EF4-FFF2-40B4-BE49-F238E27FC236}">
+                <a16:creationId xmlns:a16="http://schemas.microsoft.com/office/drawing/2014/main" id="{ABE0CE86-5D82-FD83-BDEC-94E9EDE92CB6}"/>
+              </a:ext>
+            </a:extLst>
+          </p:cNvPr>
+          <p:cNvSpPr/>
+          <p:nvPr/>
+        </p:nvSpPr>
+        <p:spPr>
+          <a:xfrm>
+            <a:off x="441434" y="1776248"/>
+            <a:ext cx="5318235" cy="794266"/>
+          </a:xfrm>
+          <a:prstGeom prst="rightArrow">
+            <a:avLst/>
+          </a:prstGeom>
+        </p:spPr>
+        <p:style>
+          <a:lnRef idx="2">
+            <a:schemeClr val="accent1">
+              <a:shade val="50000"/>
+            </a:schemeClr>
+          </a:lnRef>
+          <a:fillRef idx="1">
+            <a:schemeClr val="accent1"/>
+          </a:fillRef>
+          <a:effectRef idx="0">
+            <a:schemeClr val="accent1"/>
+          </a:effectRef>
+          <a:fontRef idx="minor">
+            <a:schemeClr val="lt1"/>
+          </a:fontRef>
+        </p:style>
+        <p:txBody>
+          <a:bodyPr rtlCol="0" anchor="ctr"/>
+          <a:lstStyle/>
+          <a:p>
+            <a:pPr algn="ctr"/>
+            <a:r>
+              <a:rPr lang="en-US" b="1" dirty="0"/>
+              <a:t>1. HTTP Request</a:t>
+            </a:r>
+          </a:p>
+        </p:txBody>
+      </p:sp>
+      <p:sp>
+        <p:nvSpPr>
+          <p:cNvPr id="19" name="Oval 18">
+            <a:extLst>
+              <a:ext uri="{FF2B5EF4-FFF2-40B4-BE49-F238E27FC236}">
+                <a16:creationId xmlns:a16="http://schemas.microsoft.com/office/drawing/2014/main" id="{C9D326DC-3C32-E97F-31B9-C0A028A3F040}"/>
+              </a:ext>
+            </a:extLst>
+          </p:cNvPr>
+          <p:cNvSpPr/>
+          <p:nvPr/>
+        </p:nvSpPr>
+        <p:spPr>
+          <a:xfrm>
+            <a:off x="9748345" y="2333297"/>
+            <a:ext cx="404648" cy="421883"/>
+          </a:xfrm>
+          <a:prstGeom prst="ellipse">
+            <a:avLst/>
+          </a:prstGeom>
+        </p:spPr>
+        <p:style>
+          <a:lnRef idx="2">
+            <a:schemeClr val="accent1">
+              <a:shade val="50000"/>
+            </a:schemeClr>
+          </a:lnRef>
+          <a:fillRef idx="1">
+            <a:schemeClr val="accent1"/>
+          </a:fillRef>
+          <a:effectRef idx="0">
+            <a:schemeClr val="accent1"/>
+          </a:effectRef>
+          <a:fontRef idx="minor">
+            <a:schemeClr val="lt1"/>
+          </a:fontRef>
+        </p:style>
+        <p:txBody>
+          <a:bodyPr rtlCol="0" anchor="ctr"/>
+          <a:lstStyle/>
+          <a:p>
+            <a:pPr algn="ctr"/>
+            <a:r>
+              <a:rPr lang="en-US" dirty="0"/>
+              <a:t>2</a:t>
+            </a:r>
+          </a:p>
+        </p:txBody>
+      </p:sp>
+      <p:sp>
+        <p:nvSpPr>
+          <p:cNvPr id="20" name="TextBox 19">
+            <a:extLst>
+              <a:ext uri="{FF2B5EF4-FFF2-40B4-BE49-F238E27FC236}">
+                <a16:creationId xmlns:a16="http://schemas.microsoft.com/office/drawing/2014/main" id="{748057BC-95E3-B2E1-E148-BEAFD8575E23}"/>
+              </a:ext>
+            </a:extLst>
+          </p:cNvPr>
+          <p:cNvSpPr txBox="1"/>
+          <p:nvPr/>
+        </p:nvSpPr>
+        <p:spPr>
+          <a:xfrm>
+            <a:off x="9950669" y="558518"/>
+            <a:ext cx="2241331" cy="938719"/>
+          </a:xfrm>
+          <a:prstGeom prst="rect">
+            <a:avLst/>
+          </a:prstGeom>
+          <a:noFill/>
+        </p:spPr>
+        <p:txBody>
+          <a:bodyPr wrap="square" rtlCol="0">
+            <a:spAutoFit/>
+          </a:bodyPr>
+          <a:lstStyle/>
+          <a:p>
+            <a:r>
+              <a:rPr lang="en-US" sz="1100" dirty="0"/>
+              <a:t>2. Connect to DB to Verify Credentials</a:t>
+            </a:r>
+          </a:p>
+          <a:p>
+            <a:r>
+              <a:rPr lang="en-US" sz="1100" dirty="0"/>
+              <a:t>3. Response based on Credentials Validations (Authorized User or </a:t>
+            </a:r>
+            <a:r>
+              <a:rPr lang="en-US" sz="1100" dirty="0" err="1"/>
+              <a:t>UnAuthorized</a:t>
+            </a:r>
+            <a:r>
+              <a:rPr lang="en-US" sz="1100" dirty="0"/>
+              <a:t> User)</a:t>
+            </a:r>
+          </a:p>
+        </p:txBody>
+      </p:sp>
+      <p:sp>
+        <p:nvSpPr>
+          <p:cNvPr id="21" name="Oval 20">
+            <a:extLst>
+              <a:ext uri="{FF2B5EF4-FFF2-40B4-BE49-F238E27FC236}">
+                <a16:creationId xmlns:a16="http://schemas.microsoft.com/office/drawing/2014/main" id="{11750FD0-2471-53EB-1D23-357A733B6346}"/>
+              </a:ext>
+            </a:extLst>
+          </p:cNvPr>
+          <p:cNvSpPr/>
+          <p:nvPr/>
+        </p:nvSpPr>
+        <p:spPr>
+          <a:xfrm>
+            <a:off x="9498725" y="3130691"/>
+            <a:ext cx="404648" cy="421883"/>
+          </a:xfrm>
+          <a:prstGeom prst="ellipse">
+            <a:avLst/>
+          </a:prstGeom>
+        </p:spPr>
+        <p:style>
+          <a:lnRef idx="2">
+            <a:schemeClr val="accent1">
+              <a:shade val="50000"/>
+            </a:schemeClr>
+          </a:lnRef>
+          <a:fillRef idx="1">
+            <a:schemeClr val="accent1"/>
+          </a:fillRef>
+          <a:effectRef idx="0">
+            <a:schemeClr val="accent1"/>
+          </a:effectRef>
+          <a:fontRef idx="minor">
+            <a:schemeClr val="lt1"/>
+          </a:fontRef>
+        </p:style>
+        <p:txBody>
+          <a:bodyPr rtlCol="0" anchor="ctr"/>
+          <a:lstStyle/>
+          <a:p>
+            <a:pPr algn="ctr"/>
+            <a:r>
+              <a:rPr lang="en-US" dirty="0"/>
+              <a:t>3</a:t>
+            </a:r>
+          </a:p>
+        </p:txBody>
+      </p:sp>
+      <p:sp>
+        <p:nvSpPr>
+          <p:cNvPr id="22" name="Left Arrow 21">
+            <a:extLst>
+              <a:ext uri="{FF2B5EF4-FFF2-40B4-BE49-F238E27FC236}">
+                <a16:creationId xmlns:a16="http://schemas.microsoft.com/office/drawing/2014/main" id="{2A4B31F9-3313-056E-DA53-5F3D1EF10ACD}"/>
+              </a:ext>
+            </a:extLst>
+          </p:cNvPr>
+          <p:cNvSpPr/>
+          <p:nvPr/>
+        </p:nvSpPr>
+        <p:spPr>
+          <a:xfrm>
+            <a:off x="441434" y="2781569"/>
+            <a:ext cx="5318235" cy="794266"/>
+          </a:xfrm>
+          <a:prstGeom prst="leftArrow">
+            <a:avLst/>
+          </a:prstGeom>
+        </p:spPr>
+        <p:style>
+          <a:lnRef idx="2">
+            <a:schemeClr val="accent1">
+              <a:shade val="50000"/>
+            </a:schemeClr>
+          </a:lnRef>
+          <a:fillRef idx="1">
+            <a:schemeClr val="accent1"/>
+          </a:fillRef>
+          <a:effectRef idx="0">
+            <a:schemeClr val="accent1"/>
+          </a:effectRef>
+          <a:fontRef idx="minor">
+            <a:schemeClr val="lt1"/>
+          </a:fontRef>
+        </p:style>
+        <p:txBody>
+          <a:bodyPr rtlCol="0" anchor="ctr"/>
+          <a:lstStyle/>
+          <a:p>
+            <a:pPr algn="ctr"/>
+            <a:r>
+              <a:rPr lang="en-US" b="1" dirty="0"/>
+              <a:t>4. HTTP Response</a:t>
+            </a:r>
+          </a:p>
+        </p:txBody>
+      </p:sp>
+    </p:spTree>
+    <p:extLst>
+      <p:ext uri="{BB962C8B-B14F-4D97-AF65-F5344CB8AC3E}">
+        <p14:creationId xmlns:p14="http://schemas.microsoft.com/office/powerpoint/2010/main" val="554984910"/>
+      </p:ext>
+    </p:extLst>
+  </p:cSld>
+  <p:clrMapOvr>
+    <a:masterClrMapping/>
+  </p:clrMapOvr>
+</p:sld>
+</file>
+
+<file path=ppt/slides/slide33.xml><?xml version="1.0" encoding="utf-8"?>
+<p:sld xmlns:a="http://schemas.openxmlformats.org/drawingml/2006/main" xmlns:r="http://schemas.openxmlformats.org/officeDocument/2006/relationships" xmlns:p="http://schemas.openxmlformats.org/presentationml/2006/main">
+  <p:cSld>
+    <p:spTree>
+      <p:nvGrpSpPr>
+        <p:cNvPr id="1" name=""/>
+        <p:cNvGrpSpPr/>
+        <p:nvPr/>
+      </p:nvGrpSpPr>
+      <p:grpSpPr>
+        <a:xfrm>
+          <a:off x="0" y="0"/>
+          <a:ext cx="0" cy="0"/>
+          <a:chOff x="0" y="0"/>
+          <a:chExt cx="0" cy="0"/>
+        </a:xfrm>
+      </p:grpSpPr>
+      <p:sp>
+        <p:nvSpPr>
+          <p:cNvPr id="2" name="Right Arrow 1">
+            <a:extLst>
+              <a:ext uri="{FF2B5EF4-FFF2-40B4-BE49-F238E27FC236}">
+                <a16:creationId xmlns:a16="http://schemas.microsoft.com/office/drawing/2014/main" id="{43957D99-1F47-3FB9-C5E8-78A84CE94BD6}"/>
+              </a:ext>
+            </a:extLst>
+          </p:cNvPr>
+          <p:cNvSpPr/>
+          <p:nvPr/>
+        </p:nvSpPr>
+        <p:spPr>
+          <a:xfrm>
+            <a:off x="472966" y="1219200"/>
+            <a:ext cx="2890344" cy="1156138"/>
+          </a:xfrm>
+          <a:prstGeom prst="rightArrow">
+            <a:avLst/>
+          </a:prstGeom>
+        </p:spPr>
+        <p:style>
+          <a:lnRef idx="2">
+            <a:schemeClr val="accent1">
+              <a:shade val="50000"/>
+            </a:schemeClr>
+          </a:lnRef>
+          <a:fillRef idx="1">
+            <a:schemeClr val="accent1"/>
+          </a:fillRef>
+          <a:effectRef idx="0">
+            <a:schemeClr val="accent1"/>
+          </a:effectRef>
+          <a:fontRef idx="minor">
+            <a:schemeClr val="lt1"/>
+          </a:fontRef>
+        </p:style>
+        <p:txBody>
+          <a:bodyPr rtlCol="0" anchor="ctr"/>
+          <a:lstStyle/>
+          <a:p>
+            <a:pPr algn="ctr"/>
+            <a:r>
+              <a:rPr lang="en-US" b="1" dirty="0"/>
+              <a:t>HTTP</a:t>
+            </a:r>
+          </a:p>
+          <a:p>
+            <a:pPr algn="ctr"/>
+            <a:r>
+              <a:rPr lang="en-US" b="1" dirty="0"/>
+              <a:t>Request</a:t>
+            </a:r>
+          </a:p>
+        </p:txBody>
+      </p:sp>
+      <p:sp>
+        <p:nvSpPr>
+          <p:cNvPr id="3" name="Rounded Rectangle 2">
+            <a:extLst>
+              <a:ext uri="{FF2B5EF4-FFF2-40B4-BE49-F238E27FC236}">
+                <a16:creationId xmlns:a16="http://schemas.microsoft.com/office/drawing/2014/main" id="{F94640BB-B605-45B9-5D72-5F02346BF65A}"/>
+              </a:ext>
+            </a:extLst>
+          </p:cNvPr>
+          <p:cNvSpPr/>
+          <p:nvPr/>
+        </p:nvSpPr>
+        <p:spPr>
+          <a:xfrm>
+            <a:off x="3363310" y="1219200"/>
+            <a:ext cx="1944414" cy="1072055"/>
+          </a:xfrm>
+          <a:prstGeom prst="roundRect">
+            <a:avLst/>
+          </a:prstGeom>
+        </p:spPr>
+        <p:style>
+          <a:lnRef idx="2">
+            <a:schemeClr val="accent1">
+              <a:shade val="50000"/>
+            </a:schemeClr>
+          </a:lnRef>
+          <a:fillRef idx="1">
+            <a:schemeClr val="accent1"/>
+          </a:fillRef>
+          <a:effectRef idx="0">
+            <a:schemeClr val="accent1"/>
+          </a:effectRef>
+          <a:fontRef idx="minor">
+            <a:schemeClr val="lt1"/>
+          </a:fontRef>
+        </p:style>
+        <p:txBody>
+          <a:bodyPr rtlCol="0" anchor="ctr"/>
+          <a:lstStyle/>
+          <a:p>
+            <a:pPr algn="ctr"/>
+            <a:r>
+              <a:rPr lang="en-US" b="1" dirty="0"/>
+              <a:t>Identity </a:t>
+            </a:r>
+          </a:p>
+          <a:p>
+            <a:pPr algn="ctr"/>
+            <a:r>
+              <a:rPr lang="en-US" b="1" dirty="0"/>
+              <a:t>Service</a:t>
+            </a:r>
+          </a:p>
+        </p:txBody>
+      </p:sp>
+      <p:sp>
+        <p:nvSpPr>
+          <p:cNvPr id="4" name="Can 3">
+            <a:extLst>
+              <a:ext uri="{FF2B5EF4-FFF2-40B4-BE49-F238E27FC236}">
+                <a16:creationId xmlns:a16="http://schemas.microsoft.com/office/drawing/2014/main" id="{5B969C2A-7D83-07DB-CC58-832A86D2D366}"/>
+              </a:ext>
+            </a:extLst>
+          </p:cNvPr>
+          <p:cNvSpPr/>
+          <p:nvPr/>
+        </p:nvSpPr>
+        <p:spPr>
+          <a:xfrm>
+            <a:off x="3195145" y="105103"/>
+            <a:ext cx="6074979" cy="872359"/>
+          </a:xfrm>
+          <a:prstGeom prst="can">
+            <a:avLst/>
+          </a:prstGeom>
+        </p:spPr>
+        <p:style>
+          <a:lnRef idx="2">
+            <a:schemeClr val="accent1">
+              <a:shade val="50000"/>
+            </a:schemeClr>
+          </a:lnRef>
+          <a:fillRef idx="1">
+            <a:schemeClr val="accent1"/>
+          </a:fillRef>
+          <a:effectRef idx="0">
+            <a:schemeClr val="accent1"/>
+          </a:effectRef>
+          <a:fontRef idx="minor">
+            <a:schemeClr val="lt1"/>
+          </a:fontRef>
+        </p:style>
+        <p:txBody>
+          <a:bodyPr rtlCol="0" anchor="ctr"/>
+          <a:lstStyle/>
+          <a:p>
+            <a:pPr algn="ctr"/>
+            <a:r>
+              <a:rPr lang="en-US" b="1" dirty="0"/>
+              <a:t>Identity Database</a:t>
+            </a:r>
+          </a:p>
+        </p:txBody>
+      </p:sp>
+      <p:sp>
+        <p:nvSpPr>
+          <p:cNvPr id="5" name="Up-down Arrow 4">
+            <a:extLst>
+              <a:ext uri="{FF2B5EF4-FFF2-40B4-BE49-F238E27FC236}">
+                <a16:creationId xmlns:a16="http://schemas.microsoft.com/office/drawing/2014/main" id="{BC7A030C-8BB1-35D2-ACD9-75E8E3B4D51E}"/>
+              </a:ext>
+            </a:extLst>
+          </p:cNvPr>
+          <p:cNvSpPr/>
+          <p:nvPr/>
+        </p:nvSpPr>
+        <p:spPr>
+          <a:xfrm>
+            <a:off x="4151586" y="956441"/>
+            <a:ext cx="183931" cy="262759"/>
+          </a:xfrm>
+          <a:prstGeom prst="upDownArrow">
+            <a:avLst/>
+          </a:prstGeom>
+        </p:spPr>
+        <p:style>
+          <a:lnRef idx="2">
+            <a:schemeClr val="accent1">
+              <a:shade val="50000"/>
+            </a:schemeClr>
+          </a:lnRef>
+          <a:fillRef idx="1">
+            <a:schemeClr val="accent1"/>
+          </a:fillRef>
+          <a:effectRef idx="0">
+            <a:schemeClr val="accent1"/>
+          </a:effectRef>
+          <a:fontRef idx="minor">
+            <a:schemeClr val="lt1"/>
+          </a:fontRef>
+        </p:style>
+        <p:txBody>
+          <a:bodyPr rtlCol="0" anchor="ctr"/>
+          <a:lstStyle/>
+          <a:p>
+            <a:pPr algn="ctr"/>
+            <a:endParaRPr lang="en-US"/>
+          </a:p>
+        </p:txBody>
+      </p:sp>
+      <p:sp>
+        <p:nvSpPr>
+          <p:cNvPr id="6" name="Right Arrow 5">
+            <a:extLst>
+              <a:ext uri="{FF2B5EF4-FFF2-40B4-BE49-F238E27FC236}">
+                <a16:creationId xmlns:a16="http://schemas.microsoft.com/office/drawing/2014/main" id="{361A35C4-9779-1F0D-8FB8-F36E302F0246}"/>
+              </a:ext>
+            </a:extLst>
+          </p:cNvPr>
+          <p:cNvSpPr/>
+          <p:nvPr/>
+        </p:nvSpPr>
+        <p:spPr>
+          <a:xfrm>
+            <a:off x="5291958" y="1177158"/>
+            <a:ext cx="2890344" cy="1156138"/>
+          </a:xfrm>
+          <a:prstGeom prst="rightArrow">
+            <a:avLst/>
+          </a:prstGeom>
+        </p:spPr>
+        <p:style>
+          <a:lnRef idx="2">
+            <a:schemeClr val="accent1">
+              <a:shade val="50000"/>
+            </a:schemeClr>
+          </a:lnRef>
+          <a:fillRef idx="1">
+            <a:schemeClr val="accent1"/>
+          </a:fillRef>
+          <a:effectRef idx="0">
+            <a:schemeClr val="accent1"/>
+          </a:effectRef>
+          <a:fontRef idx="minor">
+            <a:schemeClr val="lt1"/>
+          </a:fontRef>
+        </p:style>
+        <p:txBody>
+          <a:bodyPr rtlCol="0" anchor="ctr"/>
+          <a:lstStyle/>
+          <a:p>
+            <a:pPr algn="ctr"/>
+            <a:r>
+              <a:rPr lang="en-US" b="1" dirty="0"/>
+              <a:t>HTTP</a:t>
+            </a:r>
+          </a:p>
+          <a:p>
+            <a:pPr algn="ctr"/>
+            <a:r>
+              <a:rPr lang="en-US" b="1" dirty="0"/>
+              <a:t>Request</a:t>
+            </a:r>
+          </a:p>
+        </p:txBody>
+      </p:sp>
+      <p:sp>
+        <p:nvSpPr>
+          <p:cNvPr id="7" name="Rounded Rectangle 6">
+            <a:extLst>
+              <a:ext uri="{FF2B5EF4-FFF2-40B4-BE49-F238E27FC236}">
+                <a16:creationId xmlns:a16="http://schemas.microsoft.com/office/drawing/2014/main" id="{BEB6300D-A8D2-2419-F956-720503180194}"/>
+              </a:ext>
+            </a:extLst>
+          </p:cNvPr>
+          <p:cNvSpPr/>
+          <p:nvPr/>
+        </p:nvSpPr>
+        <p:spPr>
+          <a:xfrm>
+            <a:off x="8192812" y="1219200"/>
+            <a:ext cx="2033754" cy="1250731"/>
+          </a:xfrm>
+          <a:prstGeom prst="roundRect">
+            <a:avLst/>
+          </a:prstGeom>
+        </p:spPr>
+        <p:style>
+          <a:lnRef idx="2">
+            <a:schemeClr val="accent1">
+              <a:shade val="50000"/>
+            </a:schemeClr>
+          </a:lnRef>
+          <a:fillRef idx="1">
+            <a:schemeClr val="accent1"/>
+          </a:fillRef>
+          <a:effectRef idx="0">
+            <a:schemeClr val="accent1"/>
+          </a:effectRef>
+          <a:fontRef idx="minor">
+            <a:schemeClr val="lt1"/>
+          </a:fontRef>
+        </p:style>
+        <p:txBody>
+          <a:bodyPr rtlCol="0" anchor="ctr"/>
+          <a:lstStyle/>
+          <a:p>
+            <a:pPr algn="ctr"/>
+            <a:r>
+              <a:rPr lang="en-US" b="1" dirty="0"/>
+              <a:t>Authentication</a:t>
+            </a:r>
+          </a:p>
+          <a:p>
+            <a:pPr algn="ctr"/>
+            <a:r>
+              <a:rPr lang="en-US" b="1" dirty="0"/>
+              <a:t> &amp; </a:t>
+            </a:r>
+          </a:p>
+          <a:p>
+            <a:pPr algn="ctr"/>
+            <a:r>
+              <a:rPr lang="en-US" b="1" dirty="0"/>
+              <a:t>Authorization </a:t>
+            </a:r>
+            <a:r>
+              <a:rPr lang="en-US" b="1" dirty="0" err="1"/>
+              <a:t>Middlewares</a:t>
+            </a:r>
+            <a:endParaRPr lang="en-US" b="1" dirty="0"/>
+          </a:p>
+        </p:txBody>
+      </p:sp>
+      <p:sp>
+        <p:nvSpPr>
+          <p:cNvPr id="8" name="Up-down Arrow 7">
+            <a:extLst>
+              <a:ext uri="{FF2B5EF4-FFF2-40B4-BE49-F238E27FC236}">
+                <a16:creationId xmlns:a16="http://schemas.microsoft.com/office/drawing/2014/main" id="{3979079C-B265-1504-F376-CD289AC4A4D3}"/>
+              </a:ext>
+            </a:extLst>
+          </p:cNvPr>
+          <p:cNvSpPr/>
+          <p:nvPr/>
+        </p:nvSpPr>
+        <p:spPr>
+          <a:xfrm>
+            <a:off x="8655269" y="924910"/>
+            <a:ext cx="225972" cy="294290"/>
+          </a:xfrm>
+          <a:prstGeom prst="upDownArrow">
+            <a:avLst/>
+          </a:prstGeom>
+        </p:spPr>
+        <p:style>
+          <a:lnRef idx="2">
+            <a:schemeClr val="accent1">
+              <a:shade val="50000"/>
+            </a:schemeClr>
+          </a:lnRef>
+          <a:fillRef idx="1">
+            <a:schemeClr val="accent1"/>
+          </a:fillRef>
+          <a:effectRef idx="0">
+            <a:schemeClr val="accent1"/>
+          </a:effectRef>
+          <a:fontRef idx="minor">
+            <a:schemeClr val="lt1"/>
+          </a:fontRef>
+        </p:style>
+        <p:txBody>
+          <a:bodyPr rtlCol="0" anchor="ctr"/>
+          <a:lstStyle/>
+          <a:p>
+            <a:pPr algn="ctr"/>
+            <a:endParaRPr lang="en-US"/>
+          </a:p>
+        </p:txBody>
+      </p:sp>
+      <p:sp>
+        <p:nvSpPr>
+          <p:cNvPr id="9" name="Rounded Rectangle 8">
+            <a:extLst>
+              <a:ext uri="{FF2B5EF4-FFF2-40B4-BE49-F238E27FC236}">
+                <a16:creationId xmlns:a16="http://schemas.microsoft.com/office/drawing/2014/main" id="{B986109E-BDFA-14E6-8867-5A2F57E6804E}"/>
+              </a:ext>
+            </a:extLst>
+          </p:cNvPr>
+          <p:cNvSpPr/>
+          <p:nvPr/>
+        </p:nvSpPr>
+        <p:spPr>
+          <a:xfrm>
+            <a:off x="7930056" y="3920358"/>
+            <a:ext cx="3021722" cy="2543504"/>
+          </a:xfrm>
+          <a:prstGeom prst="roundRect">
+            <a:avLst/>
+          </a:prstGeom>
+        </p:spPr>
+        <p:style>
+          <a:lnRef idx="2">
+            <a:schemeClr val="accent1">
+              <a:shade val="50000"/>
+            </a:schemeClr>
+          </a:lnRef>
+          <a:fillRef idx="1">
+            <a:schemeClr val="accent1"/>
+          </a:fillRef>
+          <a:effectRef idx="0">
+            <a:schemeClr val="accent1"/>
+          </a:effectRef>
+          <a:fontRef idx="minor">
+            <a:schemeClr val="lt1"/>
+          </a:fontRef>
+        </p:style>
+        <p:txBody>
+          <a:bodyPr rtlCol="0" anchor="ctr"/>
+          <a:lstStyle/>
+          <a:p>
+            <a:pPr algn="ctr"/>
+            <a:r>
+              <a:rPr lang="en-US" b="1" dirty="0"/>
+              <a:t>MVC Controller</a:t>
+            </a:r>
+          </a:p>
+        </p:txBody>
+      </p:sp>
+      <p:sp>
+        <p:nvSpPr>
+          <p:cNvPr id="10" name="Down Arrow 9">
+            <a:extLst>
+              <a:ext uri="{FF2B5EF4-FFF2-40B4-BE49-F238E27FC236}">
+                <a16:creationId xmlns:a16="http://schemas.microsoft.com/office/drawing/2014/main" id="{211B1A58-CB12-ED9E-5A43-4F2A9C9E8BAE}"/>
+              </a:ext>
+            </a:extLst>
+          </p:cNvPr>
+          <p:cNvSpPr/>
+          <p:nvPr/>
+        </p:nvSpPr>
+        <p:spPr>
+          <a:xfrm>
+            <a:off x="8706506" y="2469931"/>
+            <a:ext cx="1468821" cy="1450427"/>
+          </a:xfrm>
+          <a:prstGeom prst="downArrow">
+            <a:avLst/>
+          </a:prstGeom>
+        </p:spPr>
+        <p:style>
+          <a:lnRef idx="2">
+            <a:schemeClr val="accent1">
+              <a:shade val="50000"/>
+            </a:schemeClr>
+          </a:lnRef>
+          <a:fillRef idx="1">
+            <a:schemeClr val="accent1"/>
+          </a:fillRef>
+          <a:effectRef idx="0">
+            <a:schemeClr val="accent1"/>
+          </a:effectRef>
+          <a:fontRef idx="minor">
+            <a:schemeClr val="lt1"/>
+          </a:fontRef>
+        </p:style>
+        <p:txBody>
+          <a:bodyPr rtlCol="0" anchor="ctr"/>
+          <a:lstStyle/>
+          <a:p>
+            <a:pPr algn="ctr"/>
+            <a:r>
+              <a:rPr lang="en-US" sz="1100" b="1" dirty="0"/>
+              <a:t>Request</a:t>
+            </a:r>
+          </a:p>
+        </p:txBody>
+      </p:sp>
+      <p:sp>
+        <p:nvSpPr>
+          <p:cNvPr id="11" name="Rectangle 10">
+            <a:extLst>
+              <a:ext uri="{FF2B5EF4-FFF2-40B4-BE49-F238E27FC236}">
+                <a16:creationId xmlns:a16="http://schemas.microsoft.com/office/drawing/2014/main" id="{F969E921-FBBD-A325-D949-2D362EB3EF1C}"/>
+              </a:ext>
+            </a:extLst>
+          </p:cNvPr>
+          <p:cNvSpPr/>
+          <p:nvPr/>
+        </p:nvSpPr>
+        <p:spPr>
+          <a:xfrm>
+            <a:off x="8182302" y="4204138"/>
+            <a:ext cx="2454167" cy="472965"/>
+          </a:xfrm>
+          <a:prstGeom prst="rect">
+            <a:avLst/>
+          </a:prstGeom>
+          <a:solidFill>
+            <a:srgbClr val="FF0000"/>
+          </a:solidFill>
+        </p:spPr>
+        <p:style>
+          <a:lnRef idx="2">
+            <a:schemeClr val="accent1">
+              <a:shade val="50000"/>
+            </a:schemeClr>
+          </a:lnRef>
+          <a:fillRef idx="1">
+            <a:schemeClr val="accent1"/>
+          </a:fillRef>
+          <a:effectRef idx="0">
+            <a:schemeClr val="accent1"/>
+          </a:effectRef>
+          <a:fontRef idx="minor">
+            <a:schemeClr val="lt1"/>
+          </a:fontRef>
+        </p:style>
+        <p:txBody>
+          <a:bodyPr rtlCol="0" anchor="ctr"/>
+          <a:lstStyle/>
+          <a:p>
+            <a:pPr algn="ctr"/>
+            <a:r>
+              <a:rPr lang="en-US" b="1" dirty="0"/>
+              <a:t>Authorize</a:t>
+            </a:r>
+          </a:p>
+          <a:p>
+            <a:pPr algn="ctr"/>
+            <a:r>
+              <a:rPr lang="en-US" b="1" dirty="0"/>
+              <a:t>Attribute</a:t>
+            </a:r>
+          </a:p>
+        </p:txBody>
+      </p:sp>
+      <p:sp>
+        <p:nvSpPr>
+          <p:cNvPr id="12" name="Oval 11">
+            <a:extLst>
+              <a:ext uri="{FF2B5EF4-FFF2-40B4-BE49-F238E27FC236}">
+                <a16:creationId xmlns:a16="http://schemas.microsoft.com/office/drawing/2014/main" id="{95CD80E4-5E43-2DEB-1A8D-43E3C7506325}"/>
+              </a:ext>
+            </a:extLst>
+          </p:cNvPr>
+          <p:cNvSpPr/>
+          <p:nvPr/>
+        </p:nvSpPr>
+        <p:spPr>
+          <a:xfrm>
+            <a:off x="1240222" y="2291255"/>
+            <a:ext cx="483475" cy="530772"/>
+          </a:xfrm>
+          <a:prstGeom prst="ellipse">
+            <a:avLst/>
+          </a:prstGeom>
+        </p:spPr>
+        <p:style>
+          <a:lnRef idx="2">
+            <a:schemeClr val="accent1">
+              <a:shade val="50000"/>
+            </a:schemeClr>
+          </a:lnRef>
+          <a:fillRef idx="1">
+            <a:schemeClr val="accent1"/>
+          </a:fillRef>
+          <a:effectRef idx="0">
+            <a:schemeClr val="accent1"/>
+          </a:effectRef>
+          <a:fontRef idx="minor">
+            <a:schemeClr val="lt1"/>
+          </a:fontRef>
+        </p:style>
+        <p:txBody>
+          <a:bodyPr rtlCol="0" anchor="ctr"/>
+          <a:lstStyle/>
+          <a:p>
+            <a:pPr algn="ctr"/>
+            <a:r>
+              <a:rPr lang="en-US" dirty="0"/>
+              <a:t>1</a:t>
+            </a:r>
+          </a:p>
+        </p:txBody>
+      </p:sp>
+      <p:sp>
+        <p:nvSpPr>
+          <p:cNvPr id="13" name="Oval 12">
+            <a:extLst>
+              <a:ext uri="{FF2B5EF4-FFF2-40B4-BE49-F238E27FC236}">
+                <a16:creationId xmlns:a16="http://schemas.microsoft.com/office/drawing/2014/main" id="{683807CF-922B-F91C-626D-0BE5F86CE1D6}"/>
+              </a:ext>
+            </a:extLst>
+          </p:cNvPr>
+          <p:cNvSpPr/>
+          <p:nvPr/>
+        </p:nvSpPr>
+        <p:spPr>
+          <a:xfrm>
+            <a:off x="4085896" y="2375338"/>
+            <a:ext cx="483475" cy="530772"/>
+          </a:xfrm>
+          <a:prstGeom prst="ellipse">
+            <a:avLst/>
+          </a:prstGeom>
+        </p:spPr>
+        <p:style>
+          <a:lnRef idx="2">
+            <a:schemeClr val="accent1">
+              <a:shade val="50000"/>
+            </a:schemeClr>
+          </a:lnRef>
+          <a:fillRef idx="1">
+            <a:schemeClr val="accent1"/>
+          </a:fillRef>
+          <a:effectRef idx="0">
+            <a:schemeClr val="accent1"/>
+          </a:effectRef>
+          <a:fontRef idx="minor">
+            <a:schemeClr val="lt1"/>
+          </a:fontRef>
+        </p:style>
+        <p:txBody>
+          <a:bodyPr rtlCol="0" anchor="ctr"/>
+          <a:lstStyle/>
+          <a:p>
+            <a:pPr algn="ctr"/>
+            <a:r>
+              <a:rPr lang="en-US" dirty="0"/>
+              <a:t>2</a:t>
+            </a:r>
+          </a:p>
+        </p:txBody>
+      </p:sp>
+      <p:sp>
+        <p:nvSpPr>
+          <p:cNvPr id="14" name="Oval 13">
+            <a:extLst>
+              <a:ext uri="{FF2B5EF4-FFF2-40B4-BE49-F238E27FC236}">
+                <a16:creationId xmlns:a16="http://schemas.microsoft.com/office/drawing/2014/main" id="{44D504E5-727C-875A-238E-13AD56094518}"/>
+              </a:ext>
+            </a:extLst>
+          </p:cNvPr>
+          <p:cNvSpPr/>
+          <p:nvPr/>
+        </p:nvSpPr>
+        <p:spPr>
+          <a:xfrm>
+            <a:off x="8108729" y="1852449"/>
+            <a:ext cx="483475" cy="530772"/>
+          </a:xfrm>
+          <a:prstGeom prst="ellipse">
+            <a:avLst/>
+          </a:prstGeom>
+        </p:spPr>
+        <p:style>
+          <a:lnRef idx="2">
+            <a:schemeClr val="accent1">
+              <a:shade val="50000"/>
+            </a:schemeClr>
+          </a:lnRef>
+          <a:fillRef idx="1">
+            <a:schemeClr val="accent1"/>
+          </a:fillRef>
+          <a:effectRef idx="0">
+            <a:schemeClr val="accent1"/>
+          </a:effectRef>
+          <a:fontRef idx="minor">
+            <a:schemeClr val="lt1"/>
+          </a:fontRef>
+        </p:style>
+        <p:txBody>
+          <a:bodyPr rtlCol="0" anchor="ctr"/>
+          <a:lstStyle/>
+          <a:p>
+            <a:pPr algn="ctr"/>
+            <a:r>
+              <a:rPr lang="en-US" dirty="0"/>
+              <a:t>3</a:t>
+            </a:r>
+          </a:p>
+        </p:txBody>
+      </p:sp>
+      <p:sp>
+        <p:nvSpPr>
+          <p:cNvPr id="15" name="Oval 14">
+            <a:extLst>
+              <a:ext uri="{FF2B5EF4-FFF2-40B4-BE49-F238E27FC236}">
+                <a16:creationId xmlns:a16="http://schemas.microsoft.com/office/drawing/2014/main" id="{93AF367A-84D4-C7AC-818F-1A53A090EBB7}"/>
+              </a:ext>
+            </a:extLst>
+          </p:cNvPr>
+          <p:cNvSpPr/>
+          <p:nvPr/>
+        </p:nvSpPr>
+        <p:spPr>
+          <a:xfrm>
+            <a:off x="8284780" y="4154213"/>
+            <a:ext cx="483475" cy="530772"/>
+          </a:xfrm>
+          <a:prstGeom prst="ellipse">
+            <a:avLst/>
+          </a:prstGeom>
+        </p:spPr>
+        <p:style>
+          <a:lnRef idx="2">
+            <a:schemeClr val="accent1">
+              <a:shade val="50000"/>
+            </a:schemeClr>
+          </a:lnRef>
+          <a:fillRef idx="1">
+            <a:schemeClr val="accent1"/>
+          </a:fillRef>
+          <a:effectRef idx="0">
+            <a:schemeClr val="accent1"/>
+          </a:effectRef>
+          <a:fontRef idx="minor">
+            <a:schemeClr val="lt1"/>
+          </a:fontRef>
+        </p:style>
+        <p:txBody>
+          <a:bodyPr rtlCol="0" anchor="ctr"/>
+          <a:lstStyle/>
+          <a:p>
+            <a:pPr algn="ctr"/>
+            <a:r>
+              <a:rPr lang="en-US" dirty="0"/>
+              <a:t>4</a:t>
+            </a:r>
+          </a:p>
+        </p:txBody>
+      </p:sp>
+      <p:cxnSp>
+        <p:nvCxnSpPr>
+          <p:cNvPr id="17" name="Elbow Connector 16">
+            <a:extLst>
+              <a:ext uri="{FF2B5EF4-FFF2-40B4-BE49-F238E27FC236}">
+                <a16:creationId xmlns:a16="http://schemas.microsoft.com/office/drawing/2014/main" id="{E5D1FF10-7F7C-726F-50A1-3E29A797F67A}"/>
+              </a:ext>
+            </a:extLst>
+          </p:cNvPr>
+          <p:cNvCxnSpPr>
+            <a:stCxn id="11" idx="3"/>
+            <a:endCxn id="7" idx="3"/>
+          </p:cNvCxnSpPr>
+          <p:nvPr/>
+        </p:nvCxnSpPr>
+        <p:spPr>
+          <a:xfrm flipH="1" flipV="1">
+            <a:off x="10226566" y="1844566"/>
+            <a:ext cx="409903" cy="2596055"/>
+          </a:xfrm>
+          <a:prstGeom prst="bentConnector3">
+            <a:avLst>
+              <a:gd name="adj1" fmla="val -55769"/>
+            </a:avLst>
+          </a:prstGeom>
+          <a:ln w="57150">
+            <a:solidFill>
+              <a:srgbClr val="C00000"/>
+            </a:solidFill>
+            <a:tailEnd type="triangle"/>
+          </a:ln>
+        </p:spPr>
+        <p:style>
+          <a:lnRef idx="1">
+            <a:schemeClr val="accent1"/>
+          </a:lnRef>
+          <a:fillRef idx="0">
+            <a:schemeClr val="accent1"/>
+          </a:fillRef>
+          <a:effectRef idx="0">
+            <a:schemeClr val="accent1"/>
+          </a:effectRef>
+          <a:fontRef idx="minor">
+            <a:schemeClr val="tx1"/>
+          </a:fontRef>
+        </p:style>
+      </p:cxnSp>
+      <p:sp>
+        <p:nvSpPr>
+          <p:cNvPr id="18" name="TextBox 17">
+            <a:extLst>
+              <a:ext uri="{FF2B5EF4-FFF2-40B4-BE49-F238E27FC236}">
+                <a16:creationId xmlns:a16="http://schemas.microsoft.com/office/drawing/2014/main" id="{D83992C2-3FD3-91F6-49F6-A1623E4C7BAC}"/>
+              </a:ext>
+            </a:extLst>
+          </p:cNvPr>
+          <p:cNvSpPr txBox="1"/>
+          <p:nvPr/>
+        </p:nvSpPr>
+        <p:spPr>
+          <a:xfrm>
+            <a:off x="10410502" y="1952674"/>
+            <a:ext cx="1463562" cy="1477328"/>
+          </a:xfrm>
+          <a:prstGeom prst="rect">
+            <a:avLst/>
+          </a:prstGeom>
+          <a:noFill/>
+        </p:spPr>
+        <p:txBody>
+          <a:bodyPr wrap="square" rtlCol="0">
+            <a:spAutoFit/>
+          </a:bodyPr>
+          <a:lstStyle/>
+          <a:p>
+            <a:r>
+              <a:rPr lang="en-US" dirty="0"/>
+              <a:t>The Authorization Middleware will start Executing</a:t>
+            </a:r>
+          </a:p>
+        </p:txBody>
+      </p:sp>
+      <p:sp>
+        <p:nvSpPr>
+          <p:cNvPr id="19" name="TextBox 18">
+            <a:extLst>
+              <a:ext uri="{FF2B5EF4-FFF2-40B4-BE49-F238E27FC236}">
+                <a16:creationId xmlns:a16="http://schemas.microsoft.com/office/drawing/2014/main" id="{2AE8340A-9AE4-845F-ED35-DC4A6488309F}"/>
+              </a:ext>
+            </a:extLst>
+          </p:cNvPr>
+          <p:cNvSpPr txBox="1"/>
+          <p:nvPr/>
+        </p:nvSpPr>
+        <p:spPr>
+          <a:xfrm>
+            <a:off x="9379169" y="512812"/>
+            <a:ext cx="1463562" cy="646331"/>
+          </a:xfrm>
+          <a:prstGeom prst="rect">
+            <a:avLst/>
+          </a:prstGeom>
+          <a:noFill/>
+        </p:spPr>
+        <p:txBody>
+          <a:bodyPr wrap="square" rtlCol="0">
+            <a:spAutoFit/>
+          </a:bodyPr>
+          <a:lstStyle/>
+          <a:p>
+            <a:r>
+              <a:rPr lang="en-US" dirty="0"/>
+              <a:t>Verify Credentials</a:t>
+            </a:r>
+          </a:p>
+        </p:txBody>
+      </p:sp>
+      <p:sp>
+        <p:nvSpPr>
+          <p:cNvPr id="20" name="Oval 19">
+            <a:extLst>
+              <a:ext uri="{FF2B5EF4-FFF2-40B4-BE49-F238E27FC236}">
+                <a16:creationId xmlns:a16="http://schemas.microsoft.com/office/drawing/2014/main" id="{AB5DA40B-2E64-DAB8-B3D6-2807BC2F90B3}"/>
+              </a:ext>
+            </a:extLst>
+          </p:cNvPr>
+          <p:cNvSpPr/>
+          <p:nvPr/>
+        </p:nvSpPr>
+        <p:spPr>
+          <a:xfrm>
+            <a:off x="11013529" y="1797269"/>
+            <a:ext cx="483475" cy="530772"/>
+          </a:xfrm>
+          <a:prstGeom prst="ellipse">
+            <a:avLst/>
+          </a:prstGeom>
+        </p:spPr>
+        <p:style>
+          <a:lnRef idx="2">
+            <a:schemeClr val="accent1">
+              <a:shade val="50000"/>
+            </a:schemeClr>
+          </a:lnRef>
+          <a:fillRef idx="1">
+            <a:schemeClr val="accent1"/>
+          </a:fillRef>
+          <a:effectRef idx="0">
+            <a:schemeClr val="accent1"/>
+          </a:effectRef>
+          <a:fontRef idx="minor">
+            <a:schemeClr val="lt1"/>
+          </a:fontRef>
+        </p:style>
+        <p:txBody>
+          <a:bodyPr rtlCol="0" anchor="ctr"/>
+          <a:lstStyle/>
+          <a:p>
+            <a:pPr algn="ctr"/>
+            <a:r>
+              <a:rPr lang="en-US" dirty="0"/>
+              <a:t>5</a:t>
+            </a:r>
+          </a:p>
+        </p:txBody>
+      </p:sp>
+      <p:sp>
+        <p:nvSpPr>
+          <p:cNvPr id="21" name="Oval 20">
+            <a:extLst>
+              <a:ext uri="{FF2B5EF4-FFF2-40B4-BE49-F238E27FC236}">
+                <a16:creationId xmlns:a16="http://schemas.microsoft.com/office/drawing/2014/main" id="{FDDFF497-BC21-A347-7CE5-A679C99F4B1D}"/>
+              </a:ext>
+            </a:extLst>
+          </p:cNvPr>
+          <p:cNvSpPr/>
+          <p:nvPr/>
+        </p:nvSpPr>
+        <p:spPr>
+          <a:xfrm>
+            <a:off x="9927027" y="105103"/>
+            <a:ext cx="483475" cy="530772"/>
+          </a:xfrm>
+          <a:prstGeom prst="ellipse">
+            <a:avLst/>
+          </a:prstGeom>
+        </p:spPr>
+        <p:style>
+          <a:lnRef idx="2">
+            <a:schemeClr val="accent1">
+              <a:shade val="50000"/>
+            </a:schemeClr>
+          </a:lnRef>
+          <a:fillRef idx="1">
+            <a:schemeClr val="accent1"/>
+          </a:fillRef>
+          <a:effectRef idx="0">
+            <a:schemeClr val="accent1"/>
+          </a:effectRef>
+          <a:fontRef idx="minor">
+            <a:schemeClr val="lt1"/>
+          </a:fontRef>
+        </p:style>
+        <p:txBody>
+          <a:bodyPr rtlCol="0" anchor="ctr"/>
+          <a:lstStyle/>
+          <a:p>
+            <a:pPr algn="ctr"/>
+            <a:r>
+              <a:rPr lang="en-US" dirty="0"/>
+              <a:t>6</a:t>
+            </a:r>
+          </a:p>
+        </p:txBody>
+      </p:sp>
+      <p:cxnSp>
+        <p:nvCxnSpPr>
+          <p:cNvPr id="23" name="Elbow Connector 22">
+            <a:extLst>
+              <a:ext uri="{FF2B5EF4-FFF2-40B4-BE49-F238E27FC236}">
+                <a16:creationId xmlns:a16="http://schemas.microsoft.com/office/drawing/2014/main" id="{546FE05A-DAEF-ABE2-3BB1-23F8F85E8B6F}"/>
+              </a:ext>
+            </a:extLst>
+          </p:cNvPr>
+          <p:cNvCxnSpPr>
+            <a:stCxn id="7" idx="0"/>
+            <a:endCxn id="11" idx="1"/>
+          </p:cNvCxnSpPr>
+          <p:nvPr/>
+        </p:nvCxnSpPr>
+        <p:spPr>
+          <a:xfrm rot="16200000" flipH="1" flipV="1">
+            <a:off x="7085285" y="2316216"/>
+            <a:ext cx="3221421" cy="1027387"/>
+          </a:xfrm>
+          <a:prstGeom prst="bentConnector4">
+            <a:avLst>
+              <a:gd name="adj1" fmla="val -7096"/>
+              <a:gd name="adj2" fmla="val 122251"/>
+            </a:avLst>
+          </a:prstGeom>
+          <a:ln w="57150">
+            <a:solidFill>
+              <a:srgbClr val="C00000"/>
+            </a:solidFill>
+            <a:tailEnd type="triangle"/>
+          </a:ln>
+        </p:spPr>
+        <p:style>
+          <a:lnRef idx="1">
+            <a:schemeClr val="accent1"/>
+          </a:lnRef>
+          <a:fillRef idx="0">
+            <a:schemeClr val="accent1"/>
+          </a:fillRef>
+          <a:effectRef idx="0">
+            <a:schemeClr val="accent1"/>
+          </a:effectRef>
+          <a:fontRef idx="minor">
+            <a:schemeClr val="tx1"/>
+          </a:fontRef>
+        </p:style>
+      </p:cxnSp>
+      <p:sp>
+        <p:nvSpPr>
+          <p:cNvPr id="24" name="Oval 23">
+            <a:extLst>
+              <a:ext uri="{FF2B5EF4-FFF2-40B4-BE49-F238E27FC236}">
+                <a16:creationId xmlns:a16="http://schemas.microsoft.com/office/drawing/2014/main" id="{B41DD1EC-AEE9-A656-CCDC-E897EF66FB28}"/>
+              </a:ext>
+            </a:extLst>
+          </p:cNvPr>
+          <p:cNvSpPr/>
+          <p:nvPr/>
+        </p:nvSpPr>
+        <p:spPr>
+          <a:xfrm>
+            <a:off x="7662040" y="2998887"/>
+            <a:ext cx="483475" cy="530772"/>
+          </a:xfrm>
+          <a:prstGeom prst="ellipse">
+            <a:avLst/>
+          </a:prstGeom>
+        </p:spPr>
+        <p:style>
+          <a:lnRef idx="2">
+            <a:schemeClr val="accent1">
+              <a:shade val="50000"/>
+            </a:schemeClr>
+          </a:lnRef>
+          <a:fillRef idx="1">
+            <a:schemeClr val="accent1"/>
+          </a:fillRef>
+          <a:effectRef idx="0">
+            <a:schemeClr val="accent1"/>
+          </a:effectRef>
+          <a:fontRef idx="minor">
+            <a:schemeClr val="lt1"/>
+          </a:fontRef>
+        </p:style>
+        <p:txBody>
+          <a:bodyPr rtlCol="0" anchor="ctr"/>
+          <a:lstStyle/>
+          <a:p>
+            <a:pPr algn="ctr"/>
+            <a:r>
+              <a:rPr lang="en-US" dirty="0"/>
+              <a:t>7</a:t>
+            </a:r>
+          </a:p>
+        </p:txBody>
+      </p:sp>
+      <p:sp>
+        <p:nvSpPr>
+          <p:cNvPr id="25" name="TextBox 24">
+            <a:extLst>
+              <a:ext uri="{FF2B5EF4-FFF2-40B4-BE49-F238E27FC236}">
+                <a16:creationId xmlns:a16="http://schemas.microsoft.com/office/drawing/2014/main" id="{8CC3D90E-360E-88FD-B079-BE73E7A99649}"/>
+              </a:ext>
+            </a:extLst>
+          </p:cNvPr>
+          <p:cNvSpPr txBox="1"/>
+          <p:nvPr/>
+        </p:nvSpPr>
+        <p:spPr>
+          <a:xfrm>
+            <a:off x="162910" y="3497316"/>
+            <a:ext cx="6663559" cy="3139321"/>
+          </a:xfrm>
+          <a:prstGeom prst="rect">
+            <a:avLst/>
+          </a:prstGeom>
+          <a:noFill/>
+        </p:spPr>
+        <p:txBody>
+          <a:bodyPr wrap="square" rtlCol="0">
+            <a:spAutoFit/>
+          </a:bodyPr>
+          <a:lstStyle/>
+          <a:p>
+            <a:pPr marL="342900" indent="-342900">
+              <a:buFont typeface="+mj-lt"/>
+              <a:buAutoNum type="arabicPeriod"/>
+            </a:pPr>
+            <a:r>
+              <a:rPr lang="en-US" dirty="0"/>
+              <a:t>Make the HTTP Request</a:t>
+            </a:r>
+          </a:p>
+          <a:p>
+            <a:pPr marL="342900" indent="-342900">
+              <a:buFont typeface="+mj-lt"/>
+              <a:buAutoNum type="arabicPeriod"/>
+            </a:pPr>
+            <a:r>
+              <a:rPr lang="en-US" dirty="0"/>
+              <a:t>Accepted by Host that has Identity Service Registered</a:t>
+            </a:r>
+          </a:p>
+          <a:p>
+            <a:pPr marL="342900" indent="-342900">
+              <a:buFont typeface="+mj-lt"/>
+              <a:buAutoNum type="arabicPeriod"/>
+            </a:pPr>
+            <a:r>
+              <a:rPr lang="en-US" dirty="0"/>
+              <a:t>The Request will be delivered to HTTP pipeline where Authentication and Authorization </a:t>
+            </a:r>
+            <a:r>
+              <a:rPr lang="en-US" dirty="0" err="1"/>
+              <a:t>Middlewares</a:t>
+            </a:r>
+            <a:r>
+              <a:rPr lang="en-US" dirty="0"/>
+              <a:t> are initialized</a:t>
+            </a:r>
+          </a:p>
+          <a:p>
+            <a:pPr marL="342900" indent="-342900">
+              <a:buFont typeface="+mj-lt"/>
+              <a:buAutoNum type="arabicPeriod"/>
+            </a:pPr>
+            <a:r>
+              <a:rPr lang="en-US" dirty="0"/>
+              <a:t>The Controller is applied with </a:t>
+            </a:r>
+            <a:r>
+              <a:rPr lang="en-US" b="1" dirty="0"/>
+              <a:t>Authorize </a:t>
+            </a:r>
+            <a:r>
+              <a:rPr lang="en-US" dirty="0"/>
+              <a:t>attribute</a:t>
+            </a:r>
+          </a:p>
+          <a:p>
+            <a:pPr marL="342900" indent="-342900">
+              <a:buFont typeface="+mj-lt"/>
+              <a:buAutoNum type="arabicPeriod"/>
+            </a:pPr>
+            <a:r>
+              <a:rPr lang="en-US" dirty="0"/>
+              <a:t>This will activate the Authentication and Authorization </a:t>
+            </a:r>
+            <a:r>
+              <a:rPr lang="en-US" dirty="0" err="1"/>
+              <a:t>Middlewares</a:t>
+            </a:r>
+            <a:endParaRPr lang="en-US" dirty="0"/>
+          </a:p>
+          <a:p>
+            <a:pPr marL="342900" indent="-342900">
+              <a:buFont typeface="+mj-lt"/>
+              <a:buAutoNum type="arabicPeriod"/>
+            </a:pPr>
+            <a:r>
+              <a:rPr lang="en-US" dirty="0"/>
+              <a:t>Connect to Database and verify </a:t>
+            </a:r>
+            <a:r>
+              <a:rPr lang="en-US"/>
+              <a:t>Credentials with Roles</a:t>
+            </a:r>
+            <a:endParaRPr lang="en-US" dirty="0"/>
+          </a:p>
+          <a:p>
+            <a:pPr marL="342900" indent="-342900">
+              <a:buFont typeface="+mj-lt"/>
+              <a:buAutoNum type="arabicPeriod"/>
+            </a:pPr>
+            <a:r>
+              <a:rPr lang="en-US" dirty="0"/>
+              <a:t>Based on Status of Credential verifications (Success / Fail) the Response will be send back to Controller</a:t>
+            </a:r>
+          </a:p>
+          <a:p>
+            <a:pPr marL="342900" indent="-342900">
+              <a:buFont typeface="+mj-lt"/>
+              <a:buAutoNum type="arabicPeriod"/>
+            </a:pPr>
+            <a:r>
+              <a:rPr lang="en-US" dirty="0"/>
+              <a:t>Controller will send the HTTP Response back </a:t>
+            </a:r>
+          </a:p>
+        </p:txBody>
+      </p:sp>
+      <p:sp>
+        <p:nvSpPr>
+          <p:cNvPr id="26" name="Left Arrow 25">
+            <a:extLst>
+              <a:ext uri="{FF2B5EF4-FFF2-40B4-BE49-F238E27FC236}">
+                <a16:creationId xmlns:a16="http://schemas.microsoft.com/office/drawing/2014/main" id="{7E1A7031-CBDA-4531-F1EF-5E0AF7B32D4A}"/>
+              </a:ext>
+            </a:extLst>
+          </p:cNvPr>
+          <p:cNvSpPr/>
+          <p:nvPr/>
+        </p:nvSpPr>
+        <p:spPr>
+          <a:xfrm>
+            <a:off x="7047185" y="4684985"/>
+            <a:ext cx="876302" cy="591208"/>
+          </a:xfrm>
+          <a:prstGeom prst="leftArrow">
+            <a:avLst/>
+          </a:prstGeom>
+        </p:spPr>
+        <p:style>
+          <a:lnRef idx="2">
+            <a:schemeClr val="accent1">
+              <a:shade val="50000"/>
+            </a:schemeClr>
+          </a:lnRef>
+          <a:fillRef idx="1">
+            <a:schemeClr val="accent1"/>
+          </a:fillRef>
+          <a:effectRef idx="0">
+            <a:schemeClr val="accent1"/>
+          </a:effectRef>
+          <a:fontRef idx="minor">
+            <a:schemeClr val="lt1"/>
+          </a:fontRef>
+        </p:style>
+        <p:txBody>
+          <a:bodyPr rtlCol="0" anchor="ctr"/>
+          <a:lstStyle/>
+          <a:p>
+            <a:pPr algn="ctr"/>
+            <a:r>
+              <a:rPr lang="en-US" dirty="0"/>
+              <a:t>8</a:t>
+            </a:r>
+          </a:p>
+        </p:txBody>
+      </p:sp>
+    </p:spTree>
+    <p:extLst>
+      <p:ext uri="{BB962C8B-B14F-4D97-AF65-F5344CB8AC3E}">
+        <p14:creationId xmlns:p14="http://schemas.microsoft.com/office/powerpoint/2010/main" val="1001184085"/>
+      </p:ext>
+    </p:extLst>
+  </p:cSld>
+  <p:clrMapOvr>
+    <a:masterClrMapping/>
+  </p:clrMapOvr>
+</p:sld>
+</file>
+
 <file path=ppt/slides/slide4.xml><?xml version="1.0" encoding="utf-8"?>
 <p:sld xmlns:a="http://schemas.openxmlformats.org/drawingml/2006/main" xmlns:r="http://schemas.openxmlformats.org/officeDocument/2006/relationships" xmlns:p="http://schemas.openxmlformats.org/presentationml/2006/main">
   <p:cSld>

--- a/mbaspnetcore6/MB_Training_Images.pptx
+++ b/mbaspnetcore6/MB_Training_Images.pptx
@@ -38,6 +38,11 @@
     <p:sldId id="286" r:id="rId32"/>
     <p:sldId id="287" r:id="rId33"/>
     <p:sldId id="288" r:id="rId34"/>
+    <p:sldId id="289" r:id="rId35"/>
+    <p:sldId id="290" r:id="rId36"/>
+    <p:sldId id="291" r:id="rId37"/>
+    <p:sldId id="292" r:id="rId38"/>
+    <p:sldId id="293" r:id="rId39"/>
   </p:sldIdLst>
   <p:sldSz cx="12192000" cy="6858000"/>
   <p:notesSz cx="6858000" cy="9144000"/>
@@ -291,7 +296,7 @@
           <a:p>
             <a:fld id="{7EAE8DEA-61CA-412C-9D6E-50DA161E193E}" type="datetimeFigureOut">
               <a:rPr lang="en-US" smtClean="0"/>
-              <a:t>8/24/22</a:t>
+              <a:t>8/26/22</a:t>
             </a:fld>
             <a:endParaRPr lang="en-US"/>
           </a:p>
@@ -489,7 +494,7 @@
           <a:p>
             <a:fld id="{7EAE8DEA-61CA-412C-9D6E-50DA161E193E}" type="datetimeFigureOut">
               <a:rPr lang="en-US" smtClean="0"/>
-              <a:t>8/24/22</a:t>
+              <a:t>8/26/22</a:t>
             </a:fld>
             <a:endParaRPr lang="en-US"/>
           </a:p>
@@ -697,7 +702,7 @@
           <a:p>
             <a:fld id="{7EAE8DEA-61CA-412C-9D6E-50DA161E193E}" type="datetimeFigureOut">
               <a:rPr lang="en-US" smtClean="0"/>
-              <a:t>8/24/22</a:t>
+              <a:t>8/26/22</a:t>
             </a:fld>
             <a:endParaRPr lang="en-US"/>
           </a:p>
@@ -895,7 +900,7 @@
           <a:p>
             <a:fld id="{7EAE8DEA-61CA-412C-9D6E-50DA161E193E}" type="datetimeFigureOut">
               <a:rPr lang="en-US" smtClean="0"/>
-              <a:t>8/24/22</a:t>
+              <a:t>8/26/22</a:t>
             </a:fld>
             <a:endParaRPr lang="en-US"/>
           </a:p>
@@ -1170,7 +1175,7 @@
           <a:p>
             <a:fld id="{7EAE8DEA-61CA-412C-9D6E-50DA161E193E}" type="datetimeFigureOut">
               <a:rPr lang="en-US" smtClean="0"/>
-              <a:t>8/24/22</a:t>
+              <a:t>8/26/22</a:t>
             </a:fld>
             <a:endParaRPr lang="en-US"/>
           </a:p>
@@ -1435,7 +1440,7 @@
           <a:p>
             <a:fld id="{7EAE8DEA-61CA-412C-9D6E-50DA161E193E}" type="datetimeFigureOut">
               <a:rPr lang="en-US" smtClean="0"/>
-              <a:t>8/24/22</a:t>
+              <a:t>8/26/22</a:t>
             </a:fld>
             <a:endParaRPr lang="en-US"/>
           </a:p>
@@ -1847,7 +1852,7 @@
           <a:p>
             <a:fld id="{7EAE8DEA-61CA-412C-9D6E-50DA161E193E}" type="datetimeFigureOut">
               <a:rPr lang="en-US" smtClean="0"/>
-              <a:t>8/24/22</a:t>
+              <a:t>8/26/22</a:t>
             </a:fld>
             <a:endParaRPr lang="en-US"/>
           </a:p>
@@ -1988,7 +1993,7 @@
           <a:p>
             <a:fld id="{7EAE8DEA-61CA-412C-9D6E-50DA161E193E}" type="datetimeFigureOut">
               <a:rPr lang="en-US" smtClean="0"/>
-              <a:t>8/24/22</a:t>
+              <a:t>8/26/22</a:t>
             </a:fld>
             <a:endParaRPr lang="en-US"/>
           </a:p>
@@ -2101,7 +2106,7 @@
           <a:p>
             <a:fld id="{7EAE8DEA-61CA-412C-9D6E-50DA161E193E}" type="datetimeFigureOut">
               <a:rPr lang="en-US" smtClean="0"/>
-              <a:t>8/24/22</a:t>
+              <a:t>8/26/22</a:t>
             </a:fld>
             <a:endParaRPr lang="en-US"/>
           </a:p>
@@ -2412,7 +2417,7 @@
           <a:p>
             <a:fld id="{7EAE8DEA-61CA-412C-9D6E-50DA161E193E}" type="datetimeFigureOut">
               <a:rPr lang="en-US" smtClean="0"/>
-              <a:t>8/24/22</a:t>
+              <a:t>8/26/22</a:t>
             </a:fld>
             <a:endParaRPr lang="en-US"/>
           </a:p>
@@ -2700,7 +2705,7 @@
           <a:p>
             <a:fld id="{7EAE8DEA-61CA-412C-9D6E-50DA161E193E}" type="datetimeFigureOut">
               <a:rPr lang="en-US" smtClean="0"/>
-              <a:t>8/24/22</a:t>
+              <a:t>8/26/22</a:t>
             </a:fld>
             <a:endParaRPr lang="en-US"/>
           </a:p>
@@ -2941,7 +2946,7 @@
           <a:p>
             <a:fld id="{7EAE8DEA-61CA-412C-9D6E-50DA161E193E}" type="datetimeFigureOut">
               <a:rPr lang="en-US" smtClean="0"/>
-              <a:t>8/24/22</a:t>
+              <a:t>8/26/22</a:t>
             </a:fld>
             <a:endParaRPr lang="en-US"/>
           </a:p>
@@ -26397,6 +26402,7455 @@
 </p:sld>
 </file>
 
+<file path=ppt/slides/slide34.xml><?xml version="1.0" encoding="utf-8"?>
+<p:sld xmlns:a="http://schemas.openxmlformats.org/drawingml/2006/main" xmlns:r="http://schemas.openxmlformats.org/officeDocument/2006/relationships" xmlns:p="http://schemas.openxmlformats.org/presentationml/2006/main">
+  <p:cSld>
+    <p:spTree>
+      <p:nvGrpSpPr>
+        <p:cNvPr id="1" name=""/>
+        <p:cNvGrpSpPr/>
+        <p:nvPr/>
+      </p:nvGrpSpPr>
+      <p:grpSpPr>
+        <a:xfrm>
+          <a:off x="0" y="0"/>
+          <a:ext cx="0" cy="0"/>
+          <a:chOff x="0" y="0"/>
+          <a:chExt cx="0" cy="0"/>
+        </a:xfrm>
+      </p:grpSpPr>
+      <p:sp>
+        <p:nvSpPr>
+          <p:cNvPr id="2" name="Rectangle 1">
+            <a:extLst>
+              <a:ext uri="{FF2B5EF4-FFF2-40B4-BE49-F238E27FC236}">
+                <a16:creationId xmlns:a16="http://schemas.microsoft.com/office/drawing/2014/main" id="{3ABDAC99-E583-D800-82E2-E0B1BD46FF78}"/>
+              </a:ext>
+            </a:extLst>
+          </p:cNvPr>
+          <p:cNvSpPr/>
+          <p:nvPr/>
+        </p:nvSpPr>
+        <p:spPr>
+          <a:xfrm>
+            <a:off x="5076497" y="0"/>
+            <a:ext cx="84082" cy="6858000"/>
+          </a:xfrm>
+          <a:prstGeom prst="rect">
+            <a:avLst/>
+          </a:prstGeom>
+        </p:spPr>
+        <p:style>
+          <a:lnRef idx="2">
+            <a:schemeClr val="accent1">
+              <a:shade val="50000"/>
+            </a:schemeClr>
+          </a:lnRef>
+          <a:fillRef idx="1">
+            <a:schemeClr val="accent1"/>
+          </a:fillRef>
+          <a:effectRef idx="0">
+            <a:schemeClr val="accent1"/>
+          </a:effectRef>
+          <a:fontRef idx="minor">
+            <a:schemeClr val="lt1"/>
+          </a:fontRef>
+        </p:style>
+        <p:txBody>
+          <a:bodyPr rtlCol="0" anchor="ctr"/>
+          <a:lstStyle/>
+          <a:p>
+            <a:pPr algn="ctr"/>
+            <a:endParaRPr lang="en-US"/>
+          </a:p>
+        </p:txBody>
+      </p:sp>
+      <p:sp>
+        <p:nvSpPr>
+          <p:cNvPr id="3" name="TextBox 2">
+            <a:extLst>
+              <a:ext uri="{FF2B5EF4-FFF2-40B4-BE49-F238E27FC236}">
+                <a16:creationId xmlns:a16="http://schemas.microsoft.com/office/drawing/2014/main" id="{524A8A93-055C-7B16-8972-9BD09C111A40}"/>
+              </a:ext>
+            </a:extLst>
+          </p:cNvPr>
+          <p:cNvSpPr txBox="1"/>
+          <p:nvPr/>
+        </p:nvSpPr>
+        <p:spPr>
+          <a:xfrm>
+            <a:off x="5423338" y="157655"/>
+            <a:ext cx="5854262" cy="369332"/>
+          </a:xfrm>
+          <a:prstGeom prst="rect">
+            <a:avLst/>
+          </a:prstGeom>
+          <a:noFill/>
+        </p:spPr>
+        <p:txBody>
+          <a:bodyPr wrap="square" rtlCol="0">
+            <a:spAutoFit/>
+          </a:bodyPr>
+          <a:lstStyle/>
+          <a:p>
+            <a:pPr algn="ctr"/>
+            <a:r>
+              <a:rPr lang="en-US" b="1" dirty="0"/>
+              <a:t>Server-Side Application Object Model</a:t>
+            </a:r>
+          </a:p>
+        </p:txBody>
+      </p:sp>
+      <p:sp>
+        <p:nvSpPr>
+          <p:cNvPr id="4" name="TextBox 3">
+            <a:extLst>
+              <a:ext uri="{FF2B5EF4-FFF2-40B4-BE49-F238E27FC236}">
+                <a16:creationId xmlns:a16="http://schemas.microsoft.com/office/drawing/2014/main" id="{BACD49F3-4075-82A8-A63B-BF8E31DC1449}"/>
+              </a:ext>
+            </a:extLst>
+          </p:cNvPr>
+          <p:cNvSpPr txBox="1"/>
+          <p:nvPr/>
+        </p:nvSpPr>
+        <p:spPr>
+          <a:xfrm>
+            <a:off x="609599" y="191842"/>
+            <a:ext cx="3121573" cy="646331"/>
+          </a:xfrm>
+          <a:prstGeom prst="rect">
+            <a:avLst/>
+          </a:prstGeom>
+          <a:noFill/>
+        </p:spPr>
+        <p:txBody>
+          <a:bodyPr wrap="square" rtlCol="0">
+            <a:spAutoFit/>
+          </a:bodyPr>
+          <a:lstStyle/>
+          <a:p>
+            <a:pPr algn="ctr"/>
+            <a:r>
+              <a:rPr lang="en-US" b="1" dirty="0"/>
+              <a:t>Front-End Application Object Model</a:t>
+            </a:r>
+          </a:p>
+        </p:txBody>
+      </p:sp>
+      <p:sp>
+        <p:nvSpPr>
+          <p:cNvPr id="5" name="Rectangle 4">
+            <a:extLst>
+              <a:ext uri="{FF2B5EF4-FFF2-40B4-BE49-F238E27FC236}">
+                <a16:creationId xmlns:a16="http://schemas.microsoft.com/office/drawing/2014/main" id="{C2881131-7A28-66A1-FBFF-378B5C7D93B4}"/>
+              </a:ext>
+            </a:extLst>
+          </p:cNvPr>
+          <p:cNvSpPr/>
+          <p:nvPr/>
+        </p:nvSpPr>
+        <p:spPr>
+          <a:xfrm>
+            <a:off x="5307724" y="756745"/>
+            <a:ext cx="5244661" cy="5943600"/>
+          </a:xfrm>
+          <a:prstGeom prst="rect">
+            <a:avLst/>
+          </a:prstGeom>
+          <a:solidFill>
+            <a:schemeClr val="accent2">
+              <a:lumMod val="20000"/>
+              <a:lumOff val="80000"/>
+            </a:schemeClr>
+          </a:solidFill>
+        </p:spPr>
+        <p:style>
+          <a:lnRef idx="2">
+            <a:schemeClr val="accent1">
+              <a:shade val="50000"/>
+            </a:schemeClr>
+          </a:lnRef>
+          <a:fillRef idx="1">
+            <a:schemeClr val="accent1"/>
+          </a:fillRef>
+          <a:effectRef idx="0">
+            <a:schemeClr val="accent1"/>
+          </a:effectRef>
+          <a:fontRef idx="minor">
+            <a:schemeClr val="lt1"/>
+          </a:fontRef>
+        </p:style>
+        <p:txBody>
+          <a:bodyPr rtlCol="0" anchor="ctr"/>
+          <a:lstStyle/>
+          <a:p>
+            <a:pPr algn="ctr"/>
+            <a:endParaRPr lang="en-US"/>
+          </a:p>
+        </p:txBody>
+      </p:sp>
+      <p:sp>
+        <p:nvSpPr>
+          <p:cNvPr id="6" name="Rounded Rectangle 5">
+            <a:extLst>
+              <a:ext uri="{FF2B5EF4-FFF2-40B4-BE49-F238E27FC236}">
+                <a16:creationId xmlns:a16="http://schemas.microsoft.com/office/drawing/2014/main" id="{B5B4E527-94EA-DA78-380D-73F9EEA4CEAD}"/>
+              </a:ext>
+            </a:extLst>
+          </p:cNvPr>
+          <p:cNvSpPr/>
+          <p:nvPr/>
+        </p:nvSpPr>
+        <p:spPr>
+          <a:xfrm>
+            <a:off x="9837682" y="1387365"/>
+            <a:ext cx="588580" cy="5076497"/>
+          </a:xfrm>
+          <a:prstGeom prst="roundRect">
+            <a:avLst/>
+          </a:prstGeom>
+        </p:spPr>
+        <p:style>
+          <a:lnRef idx="2">
+            <a:schemeClr val="accent1">
+              <a:shade val="50000"/>
+            </a:schemeClr>
+          </a:lnRef>
+          <a:fillRef idx="1">
+            <a:schemeClr val="accent1"/>
+          </a:fillRef>
+          <a:effectRef idx="0">
+            <a:schemeClr val="accent1"/>
+          </a:effectRef>
+          <a:fontRef idx="minor">
+            <a:schemeClr val="lt1"/>
+          </a:fontRef>
+        </p:style>
+        <p:txBody>
+          <a:bodyPr rtlCol="0" anchor="ctr"/>
+          <a:lstStyle/>
+          <a:p>
+            <a:pPr algn="ctr"/>
+            <a:r>
+              <a:rPr lang="en-US" b="1" dirty="0"/>
+              <a:t>D</a:t>
+            </a:r>
+          </a:p>
+          <a:p>
+            <a:pPr algn="ctr"/>
+            <a:r>
+              <a:rPr lang="en-US" b="1" dirty="0"/>
+              <a:t>A</a:t>
+            </a:r>
+          </a:p>
+          <a:p>
+            <a:pPr algn="ctr"/>
+            <a:r>
+              <a:rPr lang="en-US" b="1" dirty="0"/>
+              <a:t>T</a:t>
+            </a:r>
+          </a:p>
+          <a:p>
+            <a:pPr algn="ctr"/>
+            <a:r>
+              <a:rPr lang="en-US" b="1" dirty="0"/>
+              <a:t>A</a:t>
+            </a:r>
+          </a:p>
+          <a:p>
+            <a:pPr algn="ctr"/>
+            <a:endParaRPr lang="en-US" b="1" dirty="0"/>
+          </a:p>
+          <a:p>
+            <a:pPr algn="ctr"/>
+            <a:r>
+              <a:rPr lang="en-US" b="1" dirty="0"/>
+              <a:t>A</a:t>
+            </a:r>
+          </a:p>
+          <a:p>
+            <a:pPr algn="ctr"/>
+            <a:r>
+              <a:rPr lang="en-US" b="1" dirty="0"/>
+              <a:t>C</a:t>
+            </a:r>
+          </a:p>
+          <a:p>
+            <a:pPr algn="ctr"/>
+            <a:r>
+              <a:rPr lang="en-US" b="1" dirty="0"/>
+              <a:t>C</a:t>
+            </a:r>
+          </a:p>
+          <a:p>
+            <a:pPr algn="ctr"/>
+            <a:r>
+              <a:rPr lang="en-US" b="1" dirty="0"/>
+              <a:t>E</a:t>
+            </a:r>
+          </a:p>
+          <a:p>
+            <a:pPr algn="ctr"/>
+            <a:r>
+              <a:rPr lang="en-US" b="1" dirty="0"/>
+              <a:t>S</a:t>
+            </a:r>
+          </a:p>
+          <a:p>
+            <a:pPr algn="ctr"/>
+            <a:r>
+              <a:rPr lang="en-US" b="1" dirty="0"/>
+              <a:t>S</a:t>
+            </a:r>
+          </a:p>
+        </p:txBody>
+      </p:sp>
+      <p:sp>
+        <p:nvSpPr>
+          <p:cNvPr id="7" name="Rounded Rectangle 6">
+            <a:extLst>
+              <a:ext uri="{FF2B5EF4-FFF2-40B4-BE49-F238E27FC236}">
+                <a16:creationId xmlns:a16="http://schemas.microsoft.com/office/drawing/2014/main" id="{17173F6B-9047-4B8F-31BC-5D12FCC97CB2}"/>
+              </a:ext>
+            </a:extLst>
+          </p:cNvPr>
+          <p:cNvSpPr/>
+          <p:nvPr/>
+        </p:nvSpPr>
+        <p:spPr>
+          <a:xfrm>
+            <a:off x="8786646" y="1387364"/>
+            <a:ext cx="588580" cy="5076498"/>
+          </a:xfrm>
+          <a:prstGeom prst="roundRect">
+            <a:avLst/>
+          </a:prstGeom>
+        </p:spPr>
+        <p:style>
+          <a:lnRef idx="2">
+            <a:schemeClr val="accent1">
+              <a:shade val="50000"/>
+            </a:schemeClr>
+          </a:lnRef>
+          <a:fillRef idx="1">
+            <a:schemeClr val="accent1"/>
+          </a:fillRef>
+          <a:effectRef idx="0">
+            <a:schemeClr val="accent1"/>
+          </a:effectRef>
+          <a:fontRef idx="minor">
+            <a:schemeClr val="lt1"/>
+          </a:fontRef>
+        </p:style>
+        <p:txBody>
+          <a:bodyPr rtlCol="0" anchor="ctr"/>
+          <a:lstStyle/>
+          <a:p>
+            <a:pPr algn="ctr"/>
+            <a:r>
+              <a:rPr lang="en-US" b="1" dirty="0"/>
+              <a:t>B</a:t>
+            </a:r>
+          </a:p>
+          <a:p>
+            <a:pPr algn="ctr"/>
+            <a:r>
+              <a:rPr lang="en-US" b="1" dirty="0"/>
+              <a:t>I</a:t>
+            </a:r>
+          </a:p>
+          <a:p>
+            <a:pPr algn="ctr"/>
+            <a:r>
+              <a:rPr lang="en-US" b="1" dirty="0"/>
+              <a:t>Z</a:t>
+            </a:r>
+          </a:p>
+          <a:p>
+            <a:pPr algn="ctr"/>
+            <a:endParaRPr lang="en-US" b="1" dirty="0"/>
+          </a:p>
+          <a:p>
+            <a:pPr algn="ctr"/>
+            <a:r>
+              <a:rPr lang="en-US" b="1" dirty="0"/>
+              <a:t>L</a:t>
+            </a:r>
+          </a:p>
+          <a:p>
+            <a:pPr algn="ctr"/>
+            <a:r>
+              <a:rPr lang="en-US" b="1" dirty="0"/>
+              <a:t>A</a:t>
+            </a:r>
+          </a:p>
+          <a:p>
+            <a:pPr algn="ctr"/>
+            <a:r>
+              <a:rPr lang="en-US" b="1" dirty="0"/>
+              <a:t>Y</a:t>
+            </a:r>
+          </a:p>
+          <a:p>
+            <a:pPr algn="ctr"/>
+            <a:r>
+              <a:rPr lang="en-US" b="1" dirty="0"/>
+              <a:t>E</a:t>
+            </a:r>
+          </a:p>
+          <a:p>
+            <a:pPr algn="ctr"/>
+            <a:r>
+              <a:rPr lang="en-US" b="1" dirty="0"/>
+              <a:t>R</a:t>
+            </a:r>
+          </a:p>
+        </p:txBody>
+      </p:sp>
+      <p:sp>
+        <p:nvSpPr>
+          <p:cNvPr id="8" name="Rounded Rectangle 7">
+            <a:extLst>
+              <a:ext uri="{FF2B5EF4-FFF2-40B4-BE49-F238E27FC236}">
+                <a16:creationId xmlns:a16="http://schemas.microsoft.com/office/drawing/2014/main" id="{418BD939-9562-6B7F-6914-74FA06E37CDA}"/>
+              </a:ext>
+            </a:extLst>
+          </p:cNvPr>
+          <p:cNvSpPr/>
+          <p:nvPr/>
+        </p:nvSpPr>
+        <p:spPr>
+          <a:xfrm>
+            <a:off x="7788162" y="1387364"/>
+            <a:ext cx="588580" cy="5076498"/>
+          </a:xfrm>
+          <a:prstGeom prst="roundRect">
+            <a:avLst/>
+          </a:prstGeom>
+        </p:spPr>
+        <p:style>
+          <a:lnRef idx="2">
+            <a:schemeClr val="accent1">
+              <a:shade val="50000"/>
+            </a:schemeClr>
+          </a:lnRef>
+          <a:fillRef idx="1">
+            <a:schemeClr val="accent1"/>
+          </a:fillRef>
+          <a:effectRef idx="0">
+            <a:schemeClr val="accent1"/>
+          </a:effectRef>
+          <a:fontRef idx="minor">
+            <a:schemeClr val="lt1"/>
+          </a:fontRef>
+        </p:style>
+        <p:txBody>
+          <a:bodyPr rtlCol="0" anchor="ctr"/>
+          <a:lstStyle/>
+          <a:p>
+            <a:pPr algn="ctr"/>
+            <a:r>
+              <a:rPr lang="en-US" b="1" dirty="0"/>
+              <a:t>R</a:t>
+            </a:r>
+          </a:p>
+          <a:p>
+            <a:pPr algn="ctr"/>
+            <a:r>
+              <a:rPr lang="en-US" b="1" dirty="0"/>
+              <a:t>E</a:t>
+            </a:r>
+          </a:p>
+          <a:p>
+            <a:pPr algn="ctr"/>
+            <a:r>
+              <a:rPr lang="en-US" b="1" dirty="0"/>
+              <a:t>P</a:t>
+            </a:r>
+          </a:p>
+          <a:p>
+            <a:pPr algn="ctr"/>
+            <a:r>
+              <a:rPr lang="en-US" b="1" dirty="0"/>
+              <a:t>O</a:t>
+            </a:r>
+          </a:p>
+          <a:p>
+            <a:pPr algn="ctr"/>
+            <a:r>
+              <a:rPr lang="en-US" b="1" dirty="0"/>
+              <a:t>S</a:t>
+            </a:r>
+          </a:p>
+          <a:p>
+            <a:pPr algn="ctr"/>
+            <a:r>
+              <a:rPr lang="en-US" b="1" dirty="0"/>
+              <a:t>I</a:t>
+            </a:r>
+          </a:p>
+          <a:p>
+            <a:pPr algn="ctr"/>
+            <a:r>
+              <a:rPr lang="en-US" b="1" dirty="0"/>
+              <a:t>T</a:t>
+            </a:r>
+          </a:p>
+          <a:p>
+            <a:pPr algn="ctr"/>
+            <a:r>
+              <a:rPr lang="en-US" b="1" dirty="0"/>
+              <a:t>O</a:t>
+            </a:r>
+          </a:p>
+          <a:p>
+            <a:pPr algn="ctr"/>
+            <a:r>
+              <a:rPr lang="en-US" b="1" dirty="0"/>
+              <a:t>R</a:t>
+            </a:r>
+          </a:p>
+          <a:p>
+            <a:pPr algn="ctr"/>
+            <a:r>
+              <a:rPr lang="en-US" b="1" dirty="0"/>
+              <a:t>I</a:t>
+            </a:r>
+          </a:p>
+          <a:p>
+            <a:pPr algn="ctr"/>
+            <a:r>
+              <a:rPr lang="en-US" b="1" dirty="0"/>
+              <a:t>E</a:t>
+            </a:r>
+          </a:p>
+          <a:p>
+            <a:pPr algn="ctr"/>
+            <a:r>
+              <a:rPr lang="en-US" b="1" dirty="0"/>
+              <a:t>s</a:t>
+            </a:r>
+          </a:p>
+        </p:txBody>
+      </p:sp>
+      <p:sp>
+        <p:nvSpPr>
+          <p:cNvPr id="9" name="Rectangle 8">
+            <a:extLst>
+              <a:ext uri="{FF2B5EF4-FFF2-40B4-BE49-F238E27FC236}">
+                <a16:creationId xmlns:a16="http://schemas.microsoft.com/office/drawing/2014/main" id="{1A928B8D-4495-C6C8-4977-949EED3AE2F9}"/>
+              </a:ext>
+            </a:extLst>
+          </p:cNvPr>
+          <p:cNvSpPr/>
+          <p:nvPr/>
+        </p:nvSpPr>
+        <p:spPr>
+          <a:xfrm>
+            <a:off x="5896301" y="1387364"/>
+            <a:ext cx="1765738" cy="1208691"/>
+          </a:xfrm>
+          <a:prstGeom prst="rect">
+            <a:avLst/>
+          </a:prstGeom>
+          <a:solidFill>
+            <a:schemeClr val="accent2"/>
+          </a:solidFill>
+        </p:spPr>
+        <p:style>
+          <a:lnRef idx="2">
+            <a:schemeClr val="accent1">
+              <a:shade val="50000"/>
+            </a:schemeClr>
+          </a:lnRef>
+          <a:fillRef idx="1">
+            <a:schemeClr val="accent1"/>
+          </a:fillRef>
+          <a:effectRef idx="0">
+            <a:schemeClr val="accent1"/>
+          </a:effectRef>
+          <a:fontRef idx="minor">
+            <a:schemeClr val="lt1"/>
+          </a:fontRef>
+        </p:style>
+        <p:txBody>
+          <a:bodyPr rtlCol="0" anchor="ctr"/>
+          <a:lstStyle/>
+          <a:p>
+            <a:pPr algn="ctr"/>
+            <a:r>
+              <a:rPr lang="en-US" sz="1100" b="1" dirty="0"/>
+              <a:t>Razor View Apps</a:t>
+            </a:r>
+          </a:p>
+          <a:p>
+            <a:pPr algn="ctr"/>
+            <a:r>
+              <a:rPr lang="en-US" sz="1100" b="1" dirty="0"/>
+              <a:t>Server-Side Executable Pages</a:t>
+            </a:r>
+          </a:p>
+          <a:p>
+            <a:pPr algn="ctr"/>
+            <a:r>
+              <a:rPr lang="en-US" sz="1100" b="1" dirty="0"/>
+              <a:t>These Generated HTML Rendering</a:t>
+            </a:r>
+          </a:p>
+          <a:p>
+            <a:pPr algn="ctr"/>
+            <a:r>
+              <a:rPr lang="en-US" sz="1100" b="1" dirty="0"/>
+              <a:t>http://</a:t>
+            </a:r>
+            <a:r>
+              <a:rPr lang="en-US" sz="1100" b="1" dirty="0" err="1"/>
+              <a:t>www.myapp.com</a:t>
+            </a:r>
+            <a:endParaRPr lang="en-US" sz="1100" b="1" dirty="0"/>
+          </a:p>
+        </p:txBody>
+      </p:sp>
+      <p:sp>
+        <p:nvSpPr>
+          <p:cNvPr id="10" name="Rectangle 9">
+            <a:extLst>
+              <a:ext uri="{FF2B5EF4-FFF2-40B4-BE49-F238E27FC236}">
+                <a16:creationId xmlns:a16="http://schemas.microsoft.com/office/drawing/2014/main" id="{BF34236F-AC0B-68CB-776B-DD84E0FCF8AC}"/>
+              </a:ext>
+            </a:extLst>
+          </p:cNvPr>
+          <p:cNvSpPr/>
+          <p:nvPr/>
+        </p:nvSpPr>
+        <p:spPr>
+          <a:xfrm>
+            <a:off x="5423338" y="1387364"/>
+            <a:ext cx="346841" cy="5076498"/>
+          </a:xfrm>
+          <a:prstGeom prst="rect">
+            <a:avLst/>
+          </a:prstGeom>
+          <a:solidFill>
+            <a:srgbClr val="C00000"/>
+          </a:solidFill>
+        </p:spPr>
+        <p:style>
+          <a:lnRef idx="2">
+            <a:schemeClr val="accent1">
+              <a:shade val="50000"/>
+            </a:schemeClr>
+          </a:lnRef>
+          <a:fillRef idx="1">
+            <a:schemeClr val="accent1"/>
+          </a:fillRef>
+          <a:effectRef idx="0">
+            <a:schemeClr val="accent1"/>
+          </a:effectRef>
+          <a:fontRef idx="minor">
+            <a:schemeClr val="lt1"/>
+          </a:fontRef>
+        </p:style>
+        <p:txBody>
+          <a:bodyPr rtlCol="0" anchor="ctr"/>
+          <a:lstStyle/>
+          <a:p>
+            <a:pPr algn="ctr"/>
+            <a:r>
+              <a:rPr lang="en-US" b="1" dirty="0"/>
+              <a:t>I</a:t>
+            </a:r>
+          </a:p>
+          <a:p>
+            <a:pPr algn="ctr"/>
+            <a:r>
+              <a:rPr lang="en-US" b="1" dirty="0"/>
+              <a:t>D</a:t>
+            </a:r>
+          </a:p>
+          <a:p>
+            <a:pPr algn="ctr"/>
+            <a:r>
+              <a:rPr lang="en-US" b="1" dirty="0"/>
+              <a:t>E</a:t>
+            </a:r>
+          </a:p>
+          <a:p>
+            <a:pPr algn="ctr"/>
+            <a:r>
+              <a:rPr lang="en-US" b="1" dirty="0"/>
+              <a:t>N</a:t>
+            </a:r>
+          </a:p>
+          <a:p>
+            <a:pPr algn="ctr"/>
+            <a:r>
+              <a:rPr lang="en-US" b="1" dirty="0"/>
+              <a:t>T</a:t>
+            </a:r>
+          </a:p>
+          <a:p>
+            <a:pPr algn="ctr"/>
+            <a:r>
+              <a:rPr lang="en-US" b="1" dirty="0"/>
+              <a:t>I</a:t>
+            </a:r>
+          </a:p>
+          <a:p>
+            <a:pPr algn="ctr"/>
+            <a:r>
+              <a:rPr lang="en-US" b="1" dirty="0"/>
+              <a:t>T</a:t>
+            </a:r>
+          </a:p>
+          <a:p>
+            <a:pPr algn="ctr"/>
+            <a:r>
+              <a:rPr lang="en-US" b="1" dirty="0"/>
+              <a:t>Y</a:t>
+            </a:r>
+          </a:p>
+        </p:txBody>
+      </p:sp>
+      <p:sp>
+        <p:nvSpPr>
+          <p:cNvPr id="11" name="Parallelogram 10">
+            <a:extLst>
+              <a:ext uri="{FF2B5EF4-FFF2-40B4-BE49-F238E27FC236}">
+                <a16:creationId xmlns:a16="http://schemas.microsoft.com/office/drawing/2014/main" id="{697DBE82-3676-787A-CE50-B2FF4B5D9FA6}"/>
+              </a:ext>
+            </a:extLst>
+          </p:cNvPr>
+          <p:cNvSpPr/>
+          <p:nvPr/>
+        </p:nvSpPr>
+        <p:spPr>
+          <a:xfrm>
+            <a:off x="0" y="1198179"/>
+            <a:ext cx="1534510" cy="1397876"/>
+          </a:xfrm>
+          <a:prstGeom prst="parallelogram">
+            <a:avLst/>
+          </a:prstGeom>
+        </p:spPr>
+        <p:style>
+          <a:lnRef idx="2">
+            <a:schemeClr val="accent1">
+              <a:shade val="50000"/>
+            </a:schemeClr>
+          </a:lnRef>
+          <a:fillRef idx="1">
+            <a:schemeClr val="accent1"/>
+          </a:fillRef>
+          <a:effectRef idx="0">
+            <a:schemeClr val="accent1"/>
+          </a:effectRef>
+          <a:fontRef idx="minor">
+            <a:schemeClr val="lt1"/>
+          </a:fontRef>
+        </p:style>
+        <p:txBody>
+          <a:bodyPr rtlCol="0" anchor="ctr"/>
+          <a:lstStyle/>
+          <a:p>
+            <a:pPr algn="ctr"/>
+            <a:r>
+              <a:rPr lang="en-US" b="1" dirty="0"/>
+              <a:t>Browser</a:t>
+            </a:r>
+          </a:p>
+        </p:txBody>
+      </p:sp>
+      <p:sp>
+        <p:nvSpPr>
+          <p:cNvPr id="13" name="Right Arrow 12">
+            <a:extLst>
+              <a:ext uri="{FF2B5EF4-FFF2-40B4-BE49-F238E27FC236}">
+                <a16:creationId xmlns:a16="http://schemas.microsoft.com/office/drawing/2014/main" id="{12184E58-0D1A-84E5-B3E6-80DF1F497590}"/>
+              </a:ext>
+            </a:extLst>
+          </p:cNvPr>
+          <p:cNvSpPr/>
+          <p:nvPr/>
+        </p:nvSpPr>
+        <p:spPr>
+          <a:xfrm>
+            <a:off x="1397876" y="1387364"/>
+            <a:ext cx="4025462" cy="420415"/>
+          </a:xfrm>
+          <a:prstGeom prst="rightArrow">
+            <a:avLst/>
+          </a:prstGeom>
+        </p:spPr>
+        <p:style>
+          <a:lnRef idx="2">
+            <a:schemeClr val="accent1">
+              <a:shade val="50000"/>
+            </a:schemeClr>
+          </a:lnRef>
+          <a:fillRef idx="1">
+            <a:schemeClr val="accent1"/>
+          </a:fillRef>
+          <a:effectRef idx="0">
+            <a:schemeClr val="accent1"/>
+          </a:effectRef>
+          <a:fontRef idx="minor">
+            <a:schemeClr val="lt1"/>
+          </a:fontRef>
+        </p:style>
+        <p:txBody>
+          <a:bodyPr rtlCol="0" anchor="ctr"/>
+          <a:lstStyle/>
+          <a:p>
+            <a:pPr algn="ctr"/>
+            <a:r>
+              <a:rPr lang="en-US" dirty="0"/>
+              <a:t>Request to </a:t>
+            </a:r>
+            <a:r>
+              <a:rPr lang="en-US" dirty="0" err="1"/>
+              <a:t>MyApp.com</a:t>
+            </a:r>
+            <a:endParaRPr lang="en-US" dirty="0"/>
+          </a:p>
+        </p:txBody>
+      </p:sp>
+      <p:sp>
+        <p:nvSpPr>
+          <p:cNvPr id="14" name="Right Arrow 13">
+            <a:extLst>
+              <a:ext uri="{FF2B5EF4-FFF2-40B4-BE49-F238E27FC236}">
+                <a16:creationId xmlns:a16="http://schemas.microsoft.com/office/drawing/2014/main" id="{CAEE8DDC-0342-F826-59F9-CA9D3FA7C572}"/>
+              </a:ext>
+            </a:extLst>
+          </p:cNvPr>
+          <p:cNvSpPr/>
+          <p:nvPr/>
+        </p:nvSpPr>
+        <p:spPr>
+          <a:xfrm>
+            <a:off x="5780687" y="1555531"/>
+            <a:ext cx="141890" cy="136635"/>
+          </a:xfrm>
+          <a:prstGeom prst="rightArrow">
+            <a:avLst/>
+          </a:prstGeom>
+          <a:solidFill>
+            <a:srgbClr val="002060"/>
+          </a:solidFill>
+        </p:spPr>
+        <p:style>
+          <a:lnRef idx="2">
+            <a:schemeClr val="accent1">
+              <a:shade val="50000"/>
+            </a:schemeClr>
+          </a:lnRef>
+          <a:fillRef idx="1">
+            <a:schemeClr val="accent1"/>
+          </a:fillRef>
+          <a:effectRef idx="0">
+            <a:schemeClr val="accent1"/>
+          </a:effectRef>
+          <a:fontRef idx="minor">
+            <a:schemeClr val="lt1"/>
+          </a:fontRef>
+        </p:style>
+        <p:txBody>
+          <a:bodyPr rtlCol="0" anchor="ctr"/>
+          <a:lstStyle/>
+          <a:p>
+            <a:pPr algn="ctr"/>
+            <a:endParaRPr lang="en-US"/>
+          </a:p>
+        </p:txBody>
+      </p:sp>
+      <p:sp>
+        <p:nvSpPr>
+          <p:cNvPr id="15" name="Right Arrow 14">
+            <a:extLst>
+              <a:ext uri="{FF2B5EF4-FFF2-40B4-BE49-F238E27FC236}">
+                <a16:creationId xmlns:a16="http://schemas.microsoft.com/office/drawing/2014/main" id="{730AF70D-033B-DE8C-DFAB-BB45B04FC6B4}"/>
+              </a:ext>
+            </a:extLst>
+          </p:cNvPr>
+          <p:cNvSpPr/>
+          <p:nvPr/>
+        </p:nvSpPr>
+        <p:spPr>
+          <a:xfrm>
+            <a:off x="7662039" y="1555531"/>
+            <a:ext cx="147145" cy="136635"/>
+          </a:xfrm>
+          <a:prstGeom prst="rightArrow">
+            <a:avLst/>
+          </a:prstGeom>
+          <a:solidFill>
+            <a:srgbClr val="002060"/>
+          </a:solidFill>
+        </p:spPr>
+        <p:style>
+          <a:lnRef idx="2">
+            <a:schemeClr val="accent1">
+              <a:shade val="50000"/>
+            </a:schemeClr>
+          </a:lnRef>
+          <a:fillRef idx="1">
+            <a:schemeClr val="accent1"/>
+          </a:fillRef>
+          <a:effectRef idx="0">
+            <a:schemeClr val="accent1"/>
+          </a:effectRef>
+          <a:fontRef idx="minor">
+            <a:schemeClr val="lt1"/>
+          </a:fontRef>
+        </p:style>
+        <p:txBody>
+          <a:bodyPr rtlCol="0" anchor="ctr"/>
+          <a:lstStyle/>
+          <a:p>
+            <a:pPr algn="ctr"/>
+            <a:endParaRPr lang="en-US"/>
+          </a:p>
+        </p:txBody>
+      </p:sp>
+      <p:sp>
+        <p:nvSpPr>
+          <p:cNvPr id="16" name="Right Arrow 15">
+            <a:extLst>
+              <a:ext uri="{FF2B5EF4-FFF2-40B4-BE49-F238E27FC236}">
+                <a16:creationId xmlns:a16="http://schemas.microsoft.com/office/drawing/2014/main" id="{7ABD5683-672A-3D5E-C924-8BEEEE9AAD8F}"/>
+              </a:ext>
+            </a:extLst>
+          </p:cNvPr>
+          <p:cNvSpPr/>
+          <p:nvPr/>
+        </p:nvSpPr>
+        <p:spPr>
+          <a:xfrm>
+            <a:off x="8371486" y="1644868"/>
+            <a:ext cx="415160" cy="162911"/>
+          </a:xfrm>
+          <a:prstGeom prst="rightArrow">
+            <a:avLst/>
+          </a:prstGeom>
+          <a:solidFill>
+            <a:srgbClr val="002060"/>
+          </a:solidFill>
+        </p:spPr>
+        <p:style>
+          <a:lnRef idx="2">
+            <a:schemeClr val="accent1">
+              <a:shade val="50000"/>
+            </a:schemeClr>
+          </a:lnRef>
+          <a:fillRef idx="1">
+            <a:schemeClr val="accent1"/>
+          </a:fillRef>
+          <a:effectRef idx="0">
+            <a:schemeClr val="accent1"/>
+          </a:effectRef>
+          <a:fontRef idx="minor">
+            <a:schemeClr val="lt1"/>
+          </a:fontRef>
+        </p:style>
+        <p:txBody>
+          <a:bodyPr rtlCol="0" anchor="ctr"/>
+          <a:lstStyle/>
+          <a:p>
+            <a:pPr algn="ctr"/>
+            <a:endParaRPr lang="en-US"/>
+          </a:p>
+        </p:txBody>
+      </p:sp>
+      <p:sp>
+        <p:nvSpPr>
+          <p:cNvPr id="17" name="Right Arrow 16">
+            <a:extLst>
+              <a:ext uri="{FF2B5EF4-FFF2-40B4-BE49-F238E27FC236}">
+                <a16:creationId xmlns:a16="http://schemas.microsoft.com/office/drawing/2014/main" id="{3E14706B-8126-A6F6-1FE8-11F58C7C6717}"/>
+              </a:ext>
+            </a:extLst>
+          </p:cNvPr>
+          <p:cNvSpPr/>
+          <p:nvPr/>
+        </p:nvSpPr>
+        <p:spPr>
+          <a:xfrm>
+            <a:off x="9390988" y="1734206"/>
+            <a:ext cx="446693" cy="178677"/>
+          </a:xfrm>
+          <a:prstGeom prst="rightArrow">
+            <a:avLst/>
+          </a:prstGeom>
+          <a:solidFill>
+            <a:srgbClr val="002060"/>
+          </a:solidFill>
+        </p:spPr>
+        <p:style>
+          <a:lnRef idx="2">
+            <a:schemeClr val="accent1">
+              <a:shade val="50000"/>
+            </a:schemeClr>
+          </a:lnRef>
+          <a:fillRef idx="1">
+            <a:schemeClr val="accent1"/>
+          </a:fillRef>
+          <a:effectRef idx="0">
+            <a:schemeClr val="accent1"/>
+          </a:effectRef>
+          <a:fontRef idx="minor">
+            <a:schemeClr val="lt1"/>
+          </a:fontRef>
+        </p:style>
+        <p:txBody>
+          <a:bodyPr rtlCol="0" anchor="ctr"/>
+          <a:lstStyle/>
+          <a:p>
+            <a:pPr algn="ctr"/>
+            <a:endParaRPr lang="en-US"/>
+          </a:p>
+        </p:txBody>
+      </p:sp>
+      <p:sp>
+        <p:nvSpPr>
+          <p:cNvPr id="18" name="Can 17">
+            <a:extLst>
+              <a:ext uri="{FF2B5EF4-FFF2-40B4-BE49-F238E27FC236}">
+                <a16:creationId xmlns:a16="http://schemas.microsoft.com/office/drawing/2014/main" id="{313C6770-F05C-3497-E323-6956064A5315}"/>
+              </a:ext>
+            </a:extLst>
+          </p:cNvPr>
+          <p:cNvSpPr/>
+          <p:nvPr/>
+        </p:nvSpPr>
+        <p:spPr>
+          <a:xfrm>
+            <a:off x="10699530" y="1644868"/>
+            <a:ext cx="1408388" cy="951187"/>
+          </a:xfrm>
+          <a:prstGeom prst="can">
+            <a:avLst/>
+          </a:prstGeom>
+        </p:spPr>
+        <p:style>
+          <a:lnRef idx="2">
+            <a:schemeClr val="accent1">
+              <a:shade val="50000"/>
+            </a:schemeClr>
+          </a:lnRef>
+          <a:fillRef idx="1">
+            <a:schemeClr val="accent1"/>
+          </a:fillRef>
+          <a:effectRef idx="0">
+            <a:schemeClr val="accent1"/>
+          </a:effectRef>
+          <a:fontRef idx="minor">
+            <a:schemeClr val="lt1"/>
+          </a:fontRef>
+        </p:style>
+        <p:txBody>
+          <a:bodyPr rtlCol="0" anchor="ctr"/>
+          <a:lstStyle/>
+          <a:p>
+            <a:pPr algn="ctr"/>
+            <a:r>
+              <a:rPr lang="en-US" b="1" dirty="0"/>
+              <a:t>Relational Database</a:t>
+            </a:r>
+          </a:p>
+        </p:txBody>
+      </p:sp>
+      <p:sp>
+        <p:nvSpPr>
+          <p:cNvPr id="19" name="Can 18">
+            <a:extLst>
+              <a:ext uri="{FF2B5EF4-FFF2-40B4-BE49-F238E27FC236}">
+                <a16:creationId xmlns:a16="http://schemas.microsoft.com/office/drawing/2014/main" id="{096DF62A-E674-D3F5-B48C-4730A54EE799}"/>
+              </a:ext>
+            </a:extLst>
+          </p:cNvPr>
+          <p:cNvSpPr/>
+          <p:nvPr/>
+        </p:nvSpPr>
+        <p:spPr>
+          <a:xfrm>
+            <a:off x="10699527" y="3047999"/>
+            <a:ext cx="1408388" cy="951187"/>
+          </a:xfrm>
+          <a:prstGeom prst="can">
+            <a:avLst/>
+          </a:prstGeom>
+        </p:spPr>
+        <p:style>
+          <a:lnRef idx="2">
+            <a:schemeClr val="accent1">
+              <a:shade val="50000"/>
+            </a:schemeClr>
+          </a:lnRef>
+          <a:fillRef idx="1">
+            <a:schemeClr val="accent1"/>
+          </a:fillRef>
+          <a:effectRef idx="0">
+            <a:schemeClr val="accent1"/>
+          </a:effectRef>
+          <a:fontRef idx="minor">
+            <a:schemeClr val="lt1"/>
+          </a:fontRef>
+        </p:style>
+        <p:txBody>
+          <a:bodyPr rtlCol="0" anchor="ctr"/>
+          <a:lstStyle/>
+          <a:p>
+            <a:pPr algn="ctr"/>
+            <a:r>
+              <a:rPr lang="en-US" sz="3200" b="1" dirty="0"/>
+              <a:t>{</a:t>
+            </a:r>
+            <a:r>
+              <a:rPr lang="en-US" sz="2000" b="1" dirty="0"/>
+              <a:t>NO SQL</a:t>
+            </a:r>
+            <a:r>
+              <a:rPr lang="en-US" sz="3200" b="1" dirty="0"/>
+              <a:t>}</a:t>
+            </a:r>
+          </a:p>
+        </p:txBody>
+      </p:sp>
+      <p:sp>
+        <p:nvSpPr>
+          <p:cNvPr id="20" name="Multi-document 19">
+            <a:extLst>
+              <a:ext uri="{FF2B5EF4-FFF2-40B4-BE49-F238E27FC236}">
+                <a16:creationId xmlns:a16="http://schemas.microsoft.com/office/drawing/2014/main" id="{89757385-48AC-CAEE-F05C-3ECEA660696F}"/>
+              </a:ext>
+            </a:extLst>
+          </p:cNvPr>
+          <p:cNvSpPr/>
+          <p:nvPr/>
+        </p:nvSpPr>
+        <p:spPr>
+          <a:xfrm>
+            <a:off x="10899228" y="4435366"/>
+            <a:ext cx="1082565" cy="966951"/>
+          </a:xfrm>
+          <a:prstGeom prst="flowChartMultidocument">
+            <a:avLst/>
+          </a:prstGeom>
+        </p:spPr>
+        <p:style>
+          <a:lnRef idx="2">
+            <a:schemeClr val="accent1">
+              <a:shade val="50000"/>
+            </a:schemeClr>
+          </a:lnRef>
+          <a:fillRef idx="1">
+            <a:schemeClr val="accent1"/>
+          </a:fillRef>
+          <a:effectRef idx="0">
+            <a:schemeClr val="accent1"/>
+          </a:effectRef>
+          <a:fontRef idx="minor">
+            <a:schemeClr val="lt1"/>
+          </a:fontRef>
+        </p:style>
+        <p:txBody>
+          <a:bodyPr rtlCol="0" anchor="ctr"/>
+          <a:lstStyle/>
+          <a:p>
+            <a:pPr algn="ctr"/>
+            <a:r>
+              <a:rPr lang="en-US" b="1" dirty="0"/>
+              <a:t>BLOB</a:t>
+            </a:r>
+          </a:p>
+        </p:txBody>
+      </p:sp>
+      <p:sp>
+        <p:nvSpPr>
+          <p:cNvPr id="21" name="Left-right Arrow 20">
+            <a:extLst>
+              <a:ext uri="{FF2B5EF4-FFF2-40B4-BE49-F238E27FC236}">
+                <a16:creationId xmlns:a16="http://schemas.microsoft.com/office/drawing/2014/main" id="{9DDFFAD5-BE3E-0251-4EC0-C8B29C116C8C}"/>
+              </a:ext>
+            </a:extLst>
+          </p:cNvPr>
+          <p:cNvSpPr/>
+          <p:nvPr/>
+        </p:nvSpPr>
+        <p:spPr>
+          <a:xfrm>
+            <a:off x="10426262" y="1991709"/>
+            <a:ext cx="273265" cy="215463"/>
+          </a:xfrm>
+          <a:prstGeom prst="leftRightArrow">
+            <a:avLst/>
+          </a:prstGeom>
+          <a:solidFill>
+            <a:srgbClr val="002060"/>
+          </a:solidFill>
+        </p:spPr>
+        <p:style>
+          <a:lnRef idx="2">
+            <a:schemeClr val="accent1">
+              <a:shade val="50000"/>
+            </a:schemeClr>
+          </a:lnRef>
+          <a:fillRef idx="1">
+            <a:schemeClr val="accent1"/>
+          </a:fillRef>
+          <a:effectRef idx="0">
+            <a:schemeClr val="accent1"/>
+          </a:effectRef>
+          <a:fontRef idx="minor">
+            <a:schemeClr val="lt1"/>
+          </a:fontRef>
+        </p:style>
+        <p:txBody>
+          <a:bodyPr rtlCol="0" anchor="ctr"/>
+          <a:lstStyle/>
+          <a:p>
+            <a:pPr algn="ctr"/>
+            <a:endParaRPr lang="en-US" dirty="0"/>
+          </a:p>
+        </p:txBody>
+      </p:sp>
+      <p:sp>
+        <p:nvSpPr>
+          <p:cNvPr id="25" name="Left-right Arrow 24">
+            <a:extLst>
+              <a:ext uri="{FF2B5EF4-FFF2-40B4-BE49-F238E27FC236}">
+                <a16:creationId xmlns:a16="http://schemas.microsoft.com/office/drawing/2014/main" id="{622CC919-74BD-2C0F-3C13-CD105048F65B}"/>
+              </a:ext>
+            </a:extLst>
+          </p:cNvPr>
+          <p:cNvSpPr/>
+          <p:nvPr/>
+        </p:nvSpPr>
+        <p:spPr>
+          <a:xfrm>
+            <a:off x="10436771" y="3415860"/>
+            <a:ext cx="273265" cy="215463"/>
+          </a:xfrm>
+          <a:prstGeom prst="leftRightArrow">
+            <a:avLst/>
+          </a:prstGeom>
+          <a:solidFill>
+            <a:srgbClr val="002060"/>
+          </a:solidFill>
+        </p:spPr>
+        <p:style>
+          <a:lnRef idx="2">
+            <a:schemeClr val="accent1">
+              <a:shade val="50000"/>
+            </a:schemeClr>
+          </a:lnRef>
+          <a:fillRef idx="1">
+            <a:schemeClr val="accent1"/>
+          </a:fillRef>
+          <a:effectRef idx="0">
+            <a:schemeClr val="accent1"/>
+          </a:effectRef>
+          <a:fontRef idx="minor">
+            <a:schemeClr val="lt1"/>
+          </a:fontRef>
+        </p:style>
+        <p:txBody>
+          <a:bodyPr rtlCol="0" anchor="ctr"/>
+          <a:lstStyle/>
+          <a:p>
+            <a:pPr algn="ctr"/>
+            <a:endParaRPr lang="en-US" dirty="0"/>
+          </a:p>
+        </p:txBody>
+      </p:sp>
+      <p:sp>
+        <p:nvSpPr>
+          <p:cNvPr id="26" name="Left-right Arrow 25">
+            <a:extLst>
+              <a:ext uri="{FF2B5EF4-FFF2-40B4-BE49-F238E27FC236}">
+                <a16:creationId xmlns:a16="http://schemas.microsoft.com/office/drawing/2014/main" id="{8CAA539B-72DB-5549-4ABD-175F21BB4C02}"/>
+              </a:ext>
+            </a:extLst>
+          </p:cNvPr>
+          <p:cNvSpPr/>
+          <p:nvPr/>
+        </p:nvSpPr>
+        <p:spPr>
+          <a:xfrm>
+            <a:off x="10394734" y="4840011"/>
+            <a:ext cx="504494" cy="215463"/>
+          </a:xfrm>
+          <a:prstGeom prst="leftRightArrow">
+            <a:avLst/>
+          </a:prstGeom>
+          <a:solidFill>
+            <a:srgbClr val="002060"/>
+          </a:solidFill>
+        </p:spPr>
+        <p:style>
+          <a:lnRef idx="2">
+            <a:schemeClr val="accent1">
+              <a:shade val="50000"/>
+            </a:schemeClr>
+          </a:lnRef>
+          <a:fillRef idx="1">
+            <a:schemeClr val="accent1"/>
+          </a:fillRef>
+          <a:effectRef idx="0">
+            <a:schemeClr val="accent1"/>
+          </a:effectRef>
+          <a:fontRef idx="minor">
+            <a:schemeClr val="lt1"/>
+          </a:fontRef>
+        </p:style>
+        <p:txBody>
+          <a:bodyPr rtlCol="0" anchor="ctr"/>
+          <a:lstStyle/>
+          <a:p>
+            <a:pPr algn="ctr"/>
+            <a:endParaRPr lang="en-US" dirty="0"/>
+          </a:p>
+        </p:txBody>
+      </p:sp>
+      <p:sp>
+        <p:nvSpPr>
+          <p:cNvPr id="27" name="Left Arrow 26">
+            <a:extLst>
+              <a:ext uri="{FF2B5EF4-FFF2-40B4-BE49-F238E27FC236}">
+                <a16:creationId xmlns:a16="http://schemas.microsoft.com/office/drawing/2014/main" id="{23374A36-32DB-D97D-ED46-447690B93248}"/>
+              </a:ext>
+            </a:extLst>
+          </p:cNvPr>
+          <p:cNvSpPr/>
+          <p:nvPr/>
+        </p:nvSpPr>
+        <p:spPr>
+          <a:xfrm>
+            <a:off x="9380477" y="5634614"/>
+            <a:ext cx="446693" cy="199696"/>
+          </a:xfrm>
+          <a:prstGeom prst="leftArrow">
+            <a:avLst/>
+          </a:prstGeom>
+          <a:solidFill>
+            <a:srgbClr val="002060"/>
+          </a:solidFill>
+        </p:spPr>
+        <p:style>
+          <a:lnRef idx="2">
+            <a:schemeClr val="accent1">
+              <a:shade val="50000"/>
+            </a:schemeClr>
+          </a:lnRef>
+          <a:fillRef idx="1">
+            <a:schemeClr val="accent1"/>
+          </a:fillRef>
+          <a:effectRef idx="0">
+            <a:schemeClr val="accent1"/>
+          </a:effectRef>
+          <a:fontRef idx="minor">
+            <a:schemeClr val="lt1"/>
+          </a:fontRef>
+        </p:style>
+        <p:txBody>
+          <a:bodyPr rtlCol="0" anchor="ctr"/>
+          <a:lstStyle/>
+          <a:p>
+            <a:pPr algn="ctr"/>
+            <a:endParaRPr lang="en-US"/>
+          </a:p>
+        </p:txBody>
+      </p:sp>
+      <p:sp>
+        <p:nvSpPr>
+          <p:cNvPr id="28" name="Left Arrow 27">
+            <a:extLst>
+              <a:ext uri="{FF2B5EF4-FFF2-40B4-BE49-F238E27FC236}">
+                <a16:creationId xmlns:a16="http://schemas.microsoft.com/office/drawing/2014/main" id="{EE242407-C456-3AAE-7EB9-4E6C115EC136}"/>
+              </a:ext>
+            </a:extLst>
+          </p:cNvPr>
+          <p:cNvSpPr/>
+          <p:nvPr/>
+        </p:nvSpPr>
+        <p:spPr>
+          <a:xfrm>
+            <a:off x="8371486" y="5587321"/>
+            <a:ext cx="399398" cy="157658"/>
+          </a:xfrm>
+          <a:prstGeom prst="leftArrow">
+            <a:avLst/>
+          </a:prstGeom>
+          <a:solidFill>
+            <a:srgbClr val="002060"/>
+          </a:solidFill>
+        </p:spPr>
+        <p:style>
+          <a:lnRef idx="2">
+            <a:schemeClr val="accent1">
+              <a:shade val="50000"/>
+            </a:schemeClr>
+          </a:lnRef>
+          <a:fillRef idx="1">
+            <a:schemeClr val="accent1"/>
+          </a:fillRef>
+          <a:effectRef idx="0">
+            <a:schemeClr val="accent1"/>
+          </a:effectRef>
+          <a:fontRef idx="minor">
+            <a:schemeClr val="lt1"/>
+          </a:fontRef>
+        </p:style>
+        <p:txBody>
+          <a:bodyPr rtlCol="0" anchor="ctr"/>
+          <a:lstStyle/>
+          <a:p>
+            <a:pPr algn="ctr"/>
+            <a:endParaRPr lang="en-US"/>
+          </a:p>
+        </p:txBody>
+      </p:sp>
+      <p:sp>
+        <p:nvSpPr>
+          <p:cNvPr id="29" name="Left Arrow 28">
+            <a:extLst>
+              <a:ext uri="{FF2B5EF4-FFF2-40B4-BE49-F238E27FC236}">
+                <a16:creationId xmlns:a16="http://schemas.microsoft.com/office/drawing/2014/main" id="{5832878B-AADF-0F43-56E4-7CEB9C3A3A47}"/>
+              </a:ext>
+            </a:extLst>
+          </p:cNvPr>
+          <p:cNvSpPr/>
+          <p:nvPr/>
+        </p:nvSpPr>
+        <p:spPr>
+          <a:xfrm>
+            <a:off x="7662039" y="2207172"/>
+            <a:ext cx="147145" cy="126125"/>
+          </a:xfrm>
+          <a:prstGeom prst="leftArrow">
+            <a:avLst/>
+          </a:prstGeom>
+          <a:solidFill>
+            <a:srgbClr val="002060"/>
+          </a:solidFill>
+        </p:spPr>
+        <p:style>
+          <a:lnRef idx="2">
+            <a:schemeClr val="accent1">
+              <a:shade val="50000"/>
+            </a:schemeClr>
+          </a:lnRef>
+          <a:fillRef idx="1">
+            <a:schemeClr val="accent1"/>
+          </a:fillRef>
+          <a:effectRef idx="0">
+            <a:schemeClr val="accent1"/>
+          </a:effectRef>
+          <a:fontRef idx="minor">
+            <a:schemeClr val="lt1"/>
+          </a:fontRef>
+        </p:style>
+        <p:txBody>
+          <a:bodyPr rtlCol="0" anchor="ctr"/>
+          <a:lstStyle/>
+          <a:p>
+            <a:pPr algn="ctr"/>
+            <a:endParaRPr lang="en-US"/>
+          </a:p>
+        </p:txBody>
+      </p:sp>
+      <p:sp>
+        <p:nvSpPr>
+          <p:cNvPr id="30" name="Left Arrow 29">
+            <a:extLst>
+              <a:ext uri="{FF2B5EF4-FFF2-40B4-BE49-F238E27FC236}">
+                <a16:creationId xmlns:a16="http://schemas.microsoft.com/office/drawing/2014/main" id="{AE5D8F55-4E95-728E-BB39-BDDD0DC96C00}"/>
+              </a:ext>
+            </a:extLst>
+          </p:cNvPr>
+          <p:cNvSpPr/>
+          <p:nvPr/>
+        </p:nvSpPr>
+        <p:spPr>
+          <a:xfrm>
+            <a:off x="5770178" y="2322785"/>
+            <a:ext cx="147146" cy="168167"/>
+          </a:xfrm>
+          <a:prstGeom prst="leftArrow">
+            <a:avLst/>
+          </a:prstGeom>
+          <a:solidFill>
+            <a:srgbClr val="002060"/>
+          </a:solidFill>
+        </p:spPr>
+        <p:style>
+          <a:lnRef idx="2">
+            <a:schemeClr val="accent1">
+              <a:shade val="50000"/>
+            </a:schemeClr>
+          </a:lnRef>
+          <a:fillRef idx="1">
+            <a:schemeClr val="accent1"/>
+          </a:fillRef>
+          <a:effectRef idx="0">
+            <a:schemeClr val="accent1"/>
+          </a:effectRef>
+          <a:fontRef idx="minor">
+            <a:schemeClr val="lt1"/>
+          </a:fontRef>
+        </p:style>
+        <p:txBody>
+          <a:bodyPr rtlCol="0" anchor="ctr"/>
+          <a:lstStyle/>
+          <a:p>
+            <a:pPr algn="ctr"/>
+            <a:endParaRPr lang="en-US"/>
+          </a:p>
+        </p:txBody>
+      </p:sp>
+      <p:sp>
+        <p:nvSpPr>
+          <p:cNvPr id="31" name="Left Arrow 30">
+            <a:extLst>
+              <a:ext uri="{FF2B5EF4-FFF2-40B4-BE49-F238E27FC236}">
+                <a16:creationId xmlns:a16="http://schemas.microsoft.com/office/drawing/2014/main" id="{6AEBB728-181A-A019-ED08-688F1A220CF2}"/>
+              </a:ext>
+            </a:extLst>
+          </p:cNvPr>
+          <p:cNvSpPr/>
+          <p:nvPr/>
+        </p:nvSpPr>
+        <p:spPr>
+          <a:xfrm>
+            <a:off x="1271752" y="1991708"/>
+            <a:ext cx="3920355" cy="420415"/>
+          </a:xfrm>
+          <a:prstGeom prst="leftArrow">
+            <a:avLst/>
+          </a:prstGeom>
+        </p:spPr>
+        <p:style>
+          <a:lnRef idx="2">
+            <a:schemeClr val="accent1">
+              <a:shade val="50000"/>
+            </a:schemeClr>
+          </a:lnRef>
+          <a:fillRef idx="1">
+            <a:schemeClr val="accent1"/>
+          </a:fillRef>
+          <a:effectRef idx="0">
+            <a:schemeClr val="accent1"/>
+          </a:effectRef>
+          <a:fontRef idx="minor">
+            <a:schemeClr val="lt1"/>
+          </a:fontRef>
+        </p:style>
+        <p:txBody>
+          <a:bodyPr rtlCol="0" anchor="ctr"/>
+          <a:lstStyle/>
+          <a:p>
+            <a:pPr algn="ctr"/>
+            <a:r>
+              <a:rPr lang="en-US" dirty="0"/>
+              <a:t>Response</a:t>
+            </a:r>
+          </a:p>
+        </p:txBody>
+      </p:sp>
+      <p:sp>
+        <p:nvSpPr>
+          <p:cNvPr id="32" name="Rectangle 31">
+            <a:extLst>
+              <a:ext uri="{FF2B5EF4-FFF2-40B4-BE49-F238E27FC236}">
+                <a16:creationId xmlns:a16="http://schemas.microsoft.com/office/drawing/2014/main" id="{1C4CFBE5-0A61-4D61-3D4E-5B43DABC907D}"/>
+              </a:ext>
+            </a:extLst>
+          </p:cNvPr>
+          <p:cNvSpPr/>
+          <p:nvPr/>
+        </p:nvSpPr>
+        <p:spPr>
+          <a:xfrm>
+            <a:off x="5912064" y="2887715"/>
+            <a:ext cx="1765738" cy="1547651"/>
+          </a:xfrm>
+          <a:prstGeom prst="rect">
+            <a:avLst/>
+          </a:prstGeom>
+          <a:solidFill>
+            <a:schemeClr val="accent4">
+              <a:lumMod val="50000"/>
+            </a:schemeClr>
+          </a:solidFill>
+        </p:spPr>
+        <p:style>
+          <a:lnRef idx="2">
+            <a:schemeClr val="accent1">
+              <a:shade val="50000"/>
+            </a:schemeClr>
+          </a:lnRef>
+          <a:fillRef idx="1">
+            <a:schemeClr val="accent1"/>
+          </a:fillRef>
+          <a:effectRef idx="0">
+            <a:schemeClr val="accent1"/>
+          </a:effectRef>
+          <a:fontRef idx="minor">
+            <a:schemeClr val="lt1"/>
+          </a:fontRef>
+        </p:style>
+        <p:txBody>
+          <a:bodyPr rtlCol="0" anchor="ctr"/>
+          <a:lstStyle/>
+          <a:p>
+            <a:pPr algn="ctr"/>
+            <a:endParaRPr lang="en-US" sz="1100" b="1" dirty="0"/>
+          </a:p>
+        </p:txBody>
+      </p:sp>
+      <p:sp>
+        <p:nvSpPr>
+          <p:cNvPr id="33" name="Rounded Rectangle 32">
+            <a:extLst>
+              <a:ext uri="{FF2B5EF4-FFF2-40B4-BE49-F238E27FC236}">
+                <a16:creationId xmlns:a16="http://schemas.microsoft.com/office/drawing/2014/main" id="{52724894-7838-F07A-59D0-48FEF1D4FC8B}"/>
+              </a:ext>
+            </a:extLst>
+          </p:cNvPr>
+          <p:cNvSpPr/>
+          <p:nvPr/>
+        </p:nvSpPr>
+        <p:spPr>
+          <a:xfrm>
+            <a:off x="6006666" y="2969169"/>
+            <a:ext cx="1566037" cy="362607"/>
+          </a:xfrm>
+          <a:prstGeom prst="roundRect">
+            <a:avLst/>
+          </a:prstGeom>
+        </p:spPr>
+        <p:style>
+          <a:lnRef idx="2">
+            <a:schemeClr val="accent1">
+              <a:shade val="50000"/>
+            </a:schemeClr>
+          </a:lnRef>
+          <a:fillRef idx="1">
+            <a:schemeClr val="accent1"/>
+          </a:fillRef>
+          <a:effectRef idx="0">
+            <a:schemeClr val="accent1"/>
+          </a:effectRef>
+          <a:fontRef idx="minor">
+            <a:schemeClr val="lt1"/>
+          </a:fontRef>
+        </p:style>
+        <p:txBody>
+          <a:bodyPr rtlCol="0" anchor="ctr"/>
+          <a:lstStyle/>
+          <a:p>
+            <a:pPr algn="ctr"/>
+            <a:r>
+              <a:rPr lang="en-US" b="1" dirty="0"/>
+              <a:t>Views</a:t>
+            </a:r>
+          </a:p>
+        </p:txBody>
+      </p:sp>
+      <p:sp>
+        <p:nvSpPr>
+          <p:cNvPr id="35" name="Rounded Rectangle 34">
+            <a:extLst>
+              <a:ext uri="{FF2B5EF4-FFF2-40B4-BE49-F238E27FC236}">
+                <a16:creationId xmlns:a16="http://schemas.microsoft.com/office/drawing/2014/main" id="{854AF7A5-044B-5023-0524-6CB6BECE6621}"/>
+              </a:ext>
+            </a:extLst>
+          </p:cNvPr>
+          <p:cNvSpPr/>
+          <p:nvPr/>
+        </p:nvSpPr>
+        <p:spPr>
+          <a:xfrm>
+            <a:off x="5996152" y="3380230"/>
+            <a:ext cx="1566037" cy="362607"/>
+          </a:xfrm>
+          <a:prstGeom prst="roundRect">
+            <a:avLst/>
+          </a:prstGeom>
+        </p:spPr>
+        <p:style>
+          <a:lnRef idx="2">
+            <a:schemeClr val="accent1">
+              <a:shade val="50000"/>
+            </a:schemeClr>
+          </a:lnRef>
+          <a:fillRef idx="1">
+            <a:schemeClr val="accent1"/>
+          </a:fillRef>
+          <a:effectRef idx="0">
+            <a:schemeClr val="accent1"/>
+          </a:effectRef>
+          <a:fontRef idx="minor">
+            <a:schemeClr val="lt1"/>
+          </a:fontRef>
+        </p:style>
+        <p:txBody>
+          <a:bodyPr rtlCol="0" anchor="ctr"/>
+          <a:lstStyle/>
+          <a:p>
+            <a:pPr algn="ctr"/>
+            <a:r>
+              <a:rPr lang="en-US" b="1" dirty="0"/>
+              <a:t>Controllers</a:t>
+            </a:r>
+          </a:p>
+        </p:txBody>
+      </p:sp>
+      <p:sp>
+        <p:nvSpPr>
+          <p:cNvPr id="36" name="TextBox 35">
+            <a:extLst>
+              <a:ext uri="{FF2B5EF4-FFF2-40B4-BE49-F238E27FC236}">
+                <a16:creationId xmlns:a16="http://schemas.microsoft.com/office/drawing/2014/main" id="{EC00E3FA-BC95-0209-1887-95B8AE0355E6}"/>
+              </a:ext>
+            </a:extLst>
+          </p:cNvPr>
+          <p:cNvSpPr txBox="1"/>
+          <p:nvPr/>
+        </p:nvSpPr>
+        <p:spPr>
+          <a:xfrm>
+            <a:off x="5922577" y="3810000"/>
+            <a:ext cx="1739462" cy="600164"/>
+          </a:xfrm>
+          <a:prstGeom prst="rect">
+            <a:avLst/>
+          </a:prstGeom>
+          <a:noFill/>
+        </p:spPr>
+        <p:txBody>
+          <a:bodyPr wrap="square" rtlCol="0">
+            <a:spAutoFit/>
+          </a:bodyPr>
+          <a:lstStyle/>
+          <a:p>
+            <a:pPr algn="ctr"/>
+            <a:r>
+              <a:rPr lang="en-US" sz="1100" b="1" dirty="0">
+                <a:solidFill>
+                  <a:srgbClr val="FFFF00"/>
+                </a:solidFill>
+              </a:rPr>
+              <a:t>MVC App, Views executed on Server</a:t>
+            </a:r>
+          </a:p>
+          <a:p>
+            <a:pPr algn="ctr"/>
+            <a:r>
+              <a:rPr lang="en-US" sz="1100" b="1" dirty="0">
+                <a:solidFill>
+                  <a:srgbClr val="FFFF00"/>
+                </a:solidFill>
+              </a:rPr>
+              <a:t>https://</a:t>
+            </a:r>
+            <a:r>
+              <a:rPr lang="en-US" sz="1100" b="1" dirty="0" err="1">
+                <a:solidFill>
+                  <a:srgbClr val="FFFF00"/>
+                </a:solidFill>
+              </a:rPr>
+              <a:t>www.app.com</a:t>
+            </a:r>
+            <a:endParaRPr lang="en-US" sz="1100" b="1" dirty="0">
+              <a:solidFill>
+                <a:srgbClr val="FFFF00"/>
+              </a:solidFill>
+            </a:endParaRPr>
+          </a:p>
+        </p:txBody>
+      </p:sp>
+      <p:sp>
+        <p:nvSpPr>
+          <p:cNvPr id="37" name="Parallelogram 36">
+            <a:extLst>
+              <a:ext uri="{FF2B5EF4-FFF2-40B4-BE49-F238E27FC236}">
+                <a16:creationId xmlns:a16="http://schemas.microsoft.com/office/drawing/2014/main" id="{53881B7F-2A55-64FF-27F7-688BD93E17D0}"/>
+              </a:ext>
+            </a:extLst>
+          </p:cNvPr>
+          <p:cNvSpPr/>
+          <p:nvPr/>
+        </p:nvSpPr>
+        <p:spPr>
+          <a:xfrm>
+            <a:off x="78834" y="2757494"/>
+            <a:ext cx="1534510" cy="1397876"/>
+          </a:xfrm>
+          <a:prstGeom prst="parallelogram">
+            <a:avLst/>
+          </a:prstGeom>
+        </p:spPr>
+        <p:style>
+          <a:lnRef idx="2">
+            <a:schemeClr val="accent1">
+              <a:shade val="50000"/>
+            </a:schemeClr>
+          </a:lnRef>
+          <a:fillRef idx="1">
+            <a:schemeClr val="accent1"/>
+          </a:fillRef>
+          <a:effectRef idx="0">
+            <a:schemeClr val="accent1"/>
+          </a:effectRef>
+          <a:fontRef idx="minor">
+            <a:schemeClr val="lt1"/>
+          </a:fontRef>
+        </p:style>
+        <p:txBody>
+          <a:bodyPr rtlCol="0" anchor="ctr"/>
+          <a:lstStyle/>
+          <a:p>
+            <a:pPr algn="ctr"/>
+            <a:r>
+              <a:rPr lang="en-US" b="1" dirty="0"/>
+              <a:t>Browser</a:t>
+            </a:r>
+          </a:p>
+        </p:txBody>
+      </p:sp>
+      <p:sp>
+        <p:nvSpPr>
+          <p:cNvPr id="38" name="Right Arrow 37">
+            <a:extLst>
+              <a:ext uri="{FF2B5EF4-FFF2-40B4-BE49-F238E27FC236}">
+                <a16:creationId xmlns:a16="http://schemas.microsoft.com/office/drawing/2014/main" id="{D098A602-CF22-5B9B-486B-4D98036FC0B0}"/>
+              </a:ext>
+            </a:extLst>
+          </p:cNvPr>
+          <p:cNvSpPr/>
+          <p:nvPr/>
+        </p:nvSpPr>
+        <p:spPr>
+          <a:xfrm>
+            <a:off x="1487211" y="2958660"/>
+            <a:ext cx="4025462" cy="420415"/>
+          </a:xfrm>
+          <a:prstGeom prst="rightArrow">
+            <a:avLst/>
+          </a:prstGeom>
+        </p:spPr>
+        <p:style>
+          <a:lnRef idx="2">
+            <a:schemeClr val="accent1">
+              <a:shade val="50000"/>
+            </a:schemeClr>
+          </a:lnRef>
+          <a:fillRef idx="1">
+            <a:schemeClr val="accent1"/>
+          </a:fillRef>
+          <a:effectRef idx="0">
+            <a:schemeClr val="accent1"/>
+          </a:effectRef>
+          <a:fontRef idx="minor">
+            <a:schemeClr val="lt1"/>
+          </a:fontRef>
+        </p:style>
+        <p:txBody>
+          <a:bodyPr rtlCol="0" anchor="ctr"/>
+          <a:lstStyle/>
+          <a:p>
+            <a:pPr algn="ctr"/>
+            <a:r>
+              <a:rPr lang="en-US" dirty="0"/>
+              <a:t>Request to </a:t>
+            </a:r>
+            <a:r>
+              <a:rPr lang="en-US" dirty="0" err="1"/>
+              <a:t>App.com</a:t>
+            </a:r>
+            <a:endParaRPr lang="en-US" dirty="0"/>
+          </a:p>
+        </p:txBody>
+      </p:sp>
+      <p:sp>
+        <p:nvSpPr>
+          <p:cNvPr id="39" name="Left Arrow 38">
+            <a:extLst>
+              <a:ext uri="{FF2B5EF4-FFF2-40B4-BE49-F238E27FC236}">
+                <a16:creationId xmlns:a16="http://schemas.microsoft.com/office/drawing/2014/main" id="{DC480FC5-227D-B7EE-F31D-22D7EEBA1928}"/>
+              </a:ext>
+            </a:extLst>
+          </p:cNvPr>
+          <p:cNvSpPr/>
+          <p:nvPr/>
+        </p:nvSpPr>
+        <p:spPr>
+          <a:xfrm>
+            <a:off x="1361087" y="3563004"/>
+            <a:ext cx="3920355" cy="420415"/>
+          </a:xfrm>
+          <a:prstGeom prst="leftArrow">
+            <a:avLst/>
+          </a:prstGeom>
+        </p:spPr>
+        <p:style>
+          <a:lnRef idx="2">
+            <a:schemeClr val="accent1">
+              <a:shade val="50000"/>
+            </a:schemeClr>
+          </a:lnRef>
+          <a:fillRef idx="1">
+            <a:schemeClr val="accent1"/>
+          </a:fillRef>
+          <a:effectRef idx="0">
+            <a:schemeClr val="accent1"/>
+          </a:effectRef>
+          <a:fontRef idx="minor">
+            <a:schemeClr val="lt1"/>
+          </a:fontRef>
+        </p:style>
+        <p:txBody>
+          <a:bodyPr rtlCol="0" anchor="ctr"/>
+          <a:lstStyle/>
+          <a:p>
+            <a:pPr algn="ctr"/>
+            <a:r>
+              <a:rPr lang="en-US" dirty="0"/>
+              <a:t>Response</a:t>
+            </a:r>
+          </a:p>
+        </p:txBody>
+      </p:sp>
+      <p:sp>
+        <p:nvSpPr>
+          <p:cNvPr id="40" name="Right Arrow 39">
+            <a:extLst>
+              <a:ext uri="{FF2B5EF4-FFF2-40B4-BE49-F238E27FC236}">
+                <a16:creationId xmlns:a16="http://schemas.microsoft.com/office/drawing/2014/main" id="{7E778C46-83FB-4243-95B2-0FCAB91F3FD5}"/>
+              </a:ext>
+            </a:extLst>
+          </p:cNvPr>
+          <p:cNvSpPr/>
+          <p:nvPr/>
+        </p:nvSpPr>
+        <p:spPr>
+          <a:xfrm>
+            <a:off x="5754411" y="3090039"/>
+            <a:ext cx="141890" cy="136635"/>
+          </a:xfrm>
+          <a:prstGeom prst="rightArrow">
+            <a:avLst/>
+          </a:prstGeom>
+          <a:solidFill>
+            <a:srgbClr val="002060"/>
+          </a:solidFill>
+        </p:spPr>
+        <p:style>
+          <a:lnRef idx="2">
+            <a:schemeClr val="accent1">
+              <a:shade val="50000"/>
+            </a:schemeClr>
+          </a:lnRef>
+          <a:fillRef idx="1">
+            <a:schemeClr val="accent1"/>
+          </a:fillRef>
+          <a:effectRef idx="0">
+            <a:schemeClr val="accent1"/>
+          </a:effectRef>
+          <a:fontRef idx="minor">
+            <a:schemeClr val="lt1"/>
+          </a:fontRef>
+        </p:style>
+        <p:txBody>
+          <a:bodyPr rtlCol="0" anchor="ctr"/>
+          <a:lstStyle/>
+          <a:p>
+            <a:pPr algn="ctr"/>
+            <a:endParaRPr lang="en-US"/>
+          </a:p>
+        </p:txBody>
+      </p:sp>
+      <p:sp>
+        <p:nvSpPr>
+          <p:cNvPr id="41" name="Left Arrow 40">
+            <a:extLst>
+              <a:ext uri="{FF2B5EF4-FFF2-40B4-BE49-F238E27FC236}">
+                <a16:creationId xmlns:a16="http://schemas.microsoft.com/office/drawing/2014/main" id="{8B86E1ED-B5D6-D91D-9124-B723D97003B9}"/>
+              </a:ext>
+            </a:extLst>
+          </p:cNvPr>
+          <p:cNvSpPr/>
+          <p:nvPr/>
+        </p:nvSpPr>
+        <p:spPr>
+          <a:xfrm>
+            <a:off x="5743902" y="3857293"/>
+            <a:ext cx="147146" cy="168167"/>
+          </a:xfrm>
+          <a:prstGeom prst="leftArrow">
+            <a:avLst/>
+          </a:prstGeom>
+          <a:solidFill>
+            <a:srgbClr val="002060"/>
+          </a:solidFill>
+        </p:spPr>
+        <p:style>
+          <a:lnRef idx="2">
+            <a:schemeClr val="accent1">
+              <a:shade val="50000"/>
+            </a:schemeClr>
+          </a:lnRef>
+          <a:fillRef idx="1">
+            <a:schemeClr val="accent1"/>
+          </a:fillRef>
+          <a:effectRef idx="0">
+            <a:schemeClr val="accent1"/>
+          </a:effectRef>
+          <a:fontRef idx="minor">
+            <a:schemeClr val="lt1"/>
+          </a:fontRef>
+        </p:style>
+        <p:txBody>
+          <a:bodyPr rtlCol="0" anchor="ctr"/>
+          <a:lstStyle/>
+          <a:p>
+            <a:pPr algn="ctr"/>
+            <a:endParaRPr lang="en-US"/>
+          </a:p>
+        </p:txBody>
+      </p:sp>
+      <p:cxnSp>
+        <p:nvCxnSpPr>
+          <p:cNvPr id="43" name="Straight Connector 42">
+            <a:extLst>
+              <a:ext uri="{FF2B5EF4-FFF2-40B4-BE49-F238E27FC236}">
+                <a16:creationId xmlns:a16="http://schemas.microsoft.com/office/drawing/2014/main" id="{161BA86C-CD67-FD27-D9E5-666D1FD7A81C}"/>
+              </a:ext>
+            </a:extLst>
+          </p:cNvPr>
+          <p:cNvCxnSpPr>
+            <a:cxnSpLocks/>
+          </p:cNvCxnSpPr>
+          <p:nvPr/>
+        </p:nvCxnSpPr>
+        <p:spPr>
+          <a:xfrm>
+            <a:off x="78834" y="4410164"/>
+            <a:ext cx="4950362" cy="0"/>
+          </a:xfrm>
+          <a:prstGeom prst="line">
+            <a:avLst/>
+          </a:prstGeom>
+          <a:ln w="76200">
+            <a:prstDash val="lgDash"/>
+          </a:ln>
+        </p:spPr>
+        <p:style>
+          <a:lnRef idx="1">
+            <a:schemeClr val="accent1"/>
+          </a:lnRef>
+          <a:fillRef idx="0">
+            <a:schemeClr val="accent1"/>
+          </a:fillRef>
+          <a:effectRef idx="0">
+            <a:schemeClr val="accent1"/>
+          </a:effectRef>
+          <a:fontRef idx="minor">
+            <a:schemeClr val="tx1"/>
+          </a:fontRef>
+        </p:style>
+      </p:cxnSp>
+      <p:sp>
+        <p:nvSpPr>
+          <p:cNvPr id="45" name="Rectangle 44">
+            <a:extLst>
+              <a:ext uri="{FF2B5EF4-FFF2-40B4-BE49-F238E27FC236}">
+                <a16:creationId xmlns:a16="http://schemas.microsoft.com/office/drawing/2014/main" id="{DE2C9617-5A19-6633-5179-D5CB209B3283}"/>
+              </a:ext>
+            </a:extLst>
+          </p:cNvPr>
+          <p:cNvSpPr/>
+          <p:nvPr/>
+        </p:nvSpPr>
+        <p:spPr>
+          <a:xfrm>
+            <a:off x="2932386" y="4529956"/>
+            <a:ext cx="1912882" cy="1524001"/>
+          </a:xfrm>
+          <a:prstGeom prst="rect">
+            <a:avLst/>
+          </a:prstGeom>
+        </p:spPr>
+        <p:style>
+          <a:lnRef idx="2">
+            <a:schemeClr val="accent1">
+              <a:shade val="50000"/>
+            </a:schemeClr>
+          </a:lnRef>
+          <a:fillRef idx="1">
+            <a:schemeClr val="accent1"/>
+          </a:fillRef>
+          <a:effectRef idx="0">
+            <a:schemeClr val="accent1"/>
+          </a:effectRef>
+          <a:fontRef idx="minor">
+            <a:schemeClr val="lt1"/>
+          </a:fontRef>
+        </p:style>
+        <p:txBody>
+          <a:bodyPr rtlCol="0" anchor="ctr"/>
+          <a:lstStyle/>
+          <a:p>
+            <a:pPr algn="ctr"/>
+            <a:r>
+              <a:rPr lang="en-US" sz="1200" b="1" dirty="0"/>
+              <a:t>Third Party</a:t>
+            </a:r>
+          </a:p>
+          <a:p>
+            <a:pPr algn="ctr"/>
+            <a:r>
+              <a:rPr lang="en-US" sz="1200" b="1" dirty="0"/>
+              <a:t>Front-End MVC Apps or UI Libraries</a:t>
+            </a:r>
+          </a:p>
+          <a:p>
+            <a:pPr algn="ctr"/>
+            <a:r>
+              <a:rPr lang="en-US" sz="1200" b="1" dirty="0"/>
+              <a:t>Angular, Vue, React, jQuery, etc.</a:t>
+            </a:r>
+          </a:p>
+          <a:p>
+            <a:pPr algn="ctr"/>
+            <a:r>
+              <a:rPr lang="en-US" sz="1200" b="1" dirty="0"/>
+              <a:t>Isolated Apps of Separate Server</a:t>
+            </a:r>
+          </a:p>
+          <a:p>
+            <a:pPr algn="ctr"/>
+            <a:r>
+              <a:rPr lang="en-US" sz="1200" b="1" dirty="0"/>
+              <a:t>Http://</a:t>
+            </a:r>
+            <a:r>
+              <a:rPr lang="en-US" sz="1200" b="1" dirty="0" err="1"/>
+              <a:t>myfrontapp.com</a:t>
+            </a:r>
+            <a:endParaRPr lang="en-US" sz="1200" b="1" dirty="0"/>
+          </a:p>
+        </p:txBody>
+      </p:sp>
+      <p:sp>
+        <p:nvSpPr>
+          <p:cNvPr id="46" name="Parallelogram 45">
+            <a:extLst>
+              <a:ext uri="{FF2B5EF4-FFF2-40B4-BE49-F238E27FC236}">
+                <a16:creationId xmlns:a16="http://schemas.microsoft.com/office/drawing/2014/main" id="{5FC3716E-06A1-8673-332A-0EBC3FBC36C9}"/>
+              </a:ext>
+            </a:extLst>
+          </p:cNvPr>
+          <p:cNvSpPr/>
+          <p:nvPr/>
+        </p:nvSpPr>
+        <p:spPr>
+          <a:xfrm>
+            <a:off x="26282" y="4607312"/>
+            <a:ext cx="1534510" cy="1751445"/>
+          </a:xfrm>
+          <a:prstGeom prst="parallelogram">
+            <a:avLst/>
+          </a:prstGeom>
+        </p:spPr>
+        <p:style>
+          <a:lnRef idx="2">
+            <a:schemeClr val="accent1">
+              <a:shade val="50000"/>
+            </a:schemeClr>
+          </a:lnRef>
+          <a:fillRef idx="1">
+            <a:schemeClr val="accent1"/>
+          </a:fillRef>
+          <a:effectRef idx="0">
+            <a:schemeClr val="accent1"/>
+          </a:effectRef>
+          <a:fontRef idx="minor">
+            <a:schemeClr val="lt1"/>
+          </a:fontRef>
+        </p:style>
+        <p:txBody>
+          <a:bodyPr rtlCol="0" anchor="ctr"/>
+          <a:lstStyle/>
+          <a:p>
+            <a:pPr algn="ctr"/>
+            <a:r>
+              <a:rPr lang="en-US" sz="1100" b="1" dirty="0"/>
+              <a:t>Browser loaded with JavaScript Object Model</a:t>
+            </a:r>
+          </a:p>
+        </p:txBody>
+      </p:sp>
+      <p:sp>
+        <p:nvSpPr>
+          <p:cNvPr id="47" name="Right Arrow 46">
+            <a:extLst>
+              <a:ext uri="{FF2B5EF4-FFF2-40B4-BE49-F238E27FC236}">
+                <a16:creationId xmlns:a16="http://schemas.microsoft.com/office/drawing/2014/main" id="{B27E2E0B-3932-7BBE-179B-09266AA59278}"/>
+              </a:ext>
+            </a:extLst>
+          </p:cNvPr>
+          <p:cNvSpPr/>
+          <p:nvPr/>
+        </p:nvSpPr>
+        <p:spPr>
+          <a:xfrm>
+            <a:off x="1534510" y="4840011"/>
+            <a:ext cx="1397876" cy="451945"/>
+          </a:xfrm>
+          <a:prstGeom prst="rightArrow">
+            <a:avLst/>
+          </a:prstGeom>
+        </p:spPr>
+        <p:style>
+          <a:lnRef idx="2">
+            <a:schemeClr val="accent1">
+              <a:shade val="50000"/>
+            </a:schemeClr>
+          </a:lnRef>
+          <a:fillRef idx="1">
+            <a:schemeClr val="accent1"/>
+          </a:fillRef>
+          <a:effectRef idx="0">
+            <a:schemeClr val="accent1"/>
+          </a:effectRef>
+          <a:fontRef idx="minor">
+            <a:schemeClr val="lt1"/>
+          </a:fontRef>
+        </p:style>
+        <p:txBody>
+          <a:bodyPr rtlCol="0" anchor="ctr"/>
+          <a:lstStyle/>
+          <a:p>
+            <a:pPr algn="ctr"/>
+            <a:r>
+              <a:rPr lang="en-US" sz="1100" b="1" dirty="0" err="1"/>
+              <a:t>Myfrontapp.com</a:t>
+            </a:r>
+            <a:endParaRPr lang="en-US" sz="1100" b="1" dirty="0"/>
+          </a:p>
+        </p:txBody>
+      </p:sp>
+      <p:sp>
+        <p:nvSpPr>
+          <p:cNvPr id="48" name="Left Arrow 47">
+            <a:extLst>
+              <a:ext uri="{FF2B5EF4-FFF2-40B4-BE49-F238E27FC236}">
+                <a16:creationId xmlns:a16="http://schemas.microsoft.com/office/drawing/2014/main" id="{8A849E1B-EE20-B030-B709-CF8B8DB4C1D4}"/>
+              </a:ext>
+            </a:extLst>
+          </p:cNvPr>
+          <p:cNvSpPr/>
+          <p:nvPr/>
+        </p:nvSpPr>
+        <p:spPr>
+          <a:xfrm>
+            <a:off x="1397876" y="5402317"/>
+            <a:ext cx="1534510" cy="399393"/>
+          </a:xfrm>
+          <a:prstGeom prst="leftArrow">
+            <a:avLst/>
+          </a:prstGeom>
+        </p:spPr>
+        <p:style>
+          <a:lnRef idx="2">
+            <a:schemeClr val="accent1">
+              <a:shade val="50000"/>
+            </a:schemeClr>
+          </a:lnRef>
+          <a:fillRef idx="1">
+            <a:schemeClr val="accent1"/>
+          </a:fillRef>
+          <a:effectRef idx="0">
+            <a:schemeClr val="accent1"/>
+          </a:effectRef>
+          <a:fontRef idx="minor">
+            <a:schemeClr val="lt1"/>
+          </a:fontRef>
+        </p:style>
+        <p:txBody>
+          <a:bodyPr rtlCol="0" anchor="ctr"/>
+          <a:lstStyle/>
+          <a:p>
+            <a:pPr algn="ctr"/>
+            <a:r>
+              <a:rPr lang="en-US" dirty="0"/>
+              <a:t>Response</a:t>
+            </a:r>
+          </a:p>
+        </p:txBody>
+      </p:sp>
+      <p:sp>
+        <p:nvSpPr>
+          <p:cNvPr id="49" name="Rectangle 48">
+            <a:extLst>
+              <a:ext uri="{FF2B5EF4-FFF2-40B4-BE49-F238E27FC236}">
+                <a16:creationId xmlns:a16="http://schemas.microsoft.com/office/drawing/2014/main" id="{DD4DCBD6-1DD8-7DA7-20A1-C04BECDB0196}"/>
+              </a:ext>
+            </a:extLst>
+          </p:cNvPr>
+          <p:cNvSpPr/>
+          <p:nvPr/>
+        </p:nvSpPr>
+        <p:spPr>
+          <a:xfrm>
+            <a:off x="5906808" y="4639922"/>
+            <a:ext cx="1765738" cy="1208691"/>
+          </a:xfrm>
+          <a:prstGeom prst="rect">
+            <a:avLst/>
+          </a:prstGeom>
+          <a:solidFill>
+            <a:srgbClr val="00B0F0"/>
+          </a:solidFill>
+        </p:spPr>
+        <p:style>
+          <a:lnRef idx="2">
+            <a:schemeClr val="accent1">
+              <a:shade val="50000"/>
+            </a:schemeClr>
+          </a:lnRef>
+          <a:fillRef idx="1">
+            <a:schemeClr val="accent1"/>
+          </a:fillRef>
+          <a:effectRef idx="0">
+            <a:schemeClr val="accent1"/>
+          </a:effectRef>
+          <a:fontRef idx="minor">
+            <a:schemeClr val="lt1"/>
+          </a:fontRef>
+        </p:style>
+        <p:txBody>
+          <a:bodyPr rtlCol="0" anchor="ctr"/>
+          <a:lstStyle/>
+          <a:p>
+            <a:pPr algn="ctr"/>
+            <a:r>
+              <a:rPr lang="en-US" sz="1100" b="1" dirty="0"/>
+              <a:t>REST APIs</a:t>
+            </a:r>
+          </a:p>
+          <a:p>
+            <a:pPr algn="ctr"/>
+            <a:r>
+              <a:rPr lang="en-US" sz="1100" b="1" dirty="0"/>
+              <a:t>PURE Data Communication Services</a:t>
+            </a:r>
+          </a:p>
+        </p:txBody>
+      </p:sp>
+      <p:sp>
+        <p:nvSpPr>
+          <p:cNvPr id="50" name="Right Arrow 49">
+            <a:extLst>
+              <a:ext uri="{FF2B5EF4-FFF2-40B4-BE49-F238E27FC236}">
+                <a16:creationId xmlns:a16="http://schemas.microsoft.com/office/drawing/2014/main" id="{E2811F25-6040-F4F3-E79A-002C681E4CB7}"/>
+              </a:ext>
+            </a:extLst>
+          </p:cNvPr>
+          <p:cNvSpPr/>
+          <p:nvPr/>
+        </p:nvSpPr>
+        <p:spPr>
+          <a:xfrm>
+            <a:off x="5770178" y="4741635"/>
+            <a:ext cx="141890" cy="136635"/>
+          </a:xfrm>
+          <a:prstGeom prst="rightArrow">
+            <a:avLst/>
+          </a:prstGeom>
+          <a:solidFill>
+            <a:srgbClr val="002060"/>
+          </a:solidFill>
+        </p:spPr>
+        <p:style>
+          <a:lnRef idx="2">
+            <a:schemeClr val="accent1">
+              <a:shade val="50000"/>
+            </a:schemeClr>
+          </a:lnRef>
+          <a:fillRef idx="1">
+            <a:schemeClr val="accent1"/>
+          </a:fillRef>
+          <a:effectRef idx="0">
+            <a:schemeClr val="accent1"/>
+          </a:effectRef>
+          <a:fontRef idx="minor">
+            <a:schemeClr val="lt1"/>
+          </a:fontRef>
+        </p:style>
+        <p:txBody>
+          <a:bodyPr rtlCol="0" anchor="ctr"/>
+          <a:lstStyle/>
+          <a:p>
+            <a:pPr algn="ctr"/>
+            <a:endParaRPr lang="en-US"/>
+          </a:p>
+        </p:txBody>
+      </p:sp>
+      <p:sp>
+        <p:nvSpPr>
+          <p:cNvPr id="51" name="Left Arrow 50">
+            <a:extLst>
+              <a:ext uri="{FF2B5EF4-FFF2-40B4-BE49-F238E27FC236}">
+                <a16:creationId xmlns:a16="http://schemas.microsoft.com/office/drawing/2014/main" id="{020C1D34-8015-6830-F41E-65B102CDB46A}"/>
+              </a:ext>
+            </a:extLst>
+          </p:cNvPr>
+          <p:cNvSpPr/>
+          <p:nvPr/>
+        </p:nvSpPr>
+        <p:spPr>
+          <a:xfrm>
+            <a:off x="5759669" y="5508889"/>
+            <a:ext cx="147146" cy="168167"/>
+          </a:xfrm>
+          <a:prstGeom prst="leftArrow">
+            <a:avLst/>
+          </a:prstGeom>
+          <a:solidFill>
+            <a:srgbClr val="002060"/>
+          </a:solidFill>
+        </p:spPr>
+        <p:style>
+          <a:lnRef idx="2">
+            <a:schemeClr val="accent1">
+              <a:shade val="50000"/>
+            </a:schemeClr>
+          </a:lnRef>
+          <a:fillRef idx="1">
+            <a:schemeClr val="accent1"/>
+          </a:fillRef>
+          <a:effectRef idx="0">
+            <a:schemeClr val="accent1"/>
+          </a:effectRef>
+          <a:fontRef idx="minor">
+            <a:schemeClr val="lt1"/>
+          </a:fontRef>
+        </p:style>
+        <p:txBody>
+          <a:bodyPr rtlCol="0" anchor="ctr"/>
+          <a:lstStyle/>
+          <a:p>
+            <a:pPr algn="ctr"/>
+            <a:endParaRPr lang="en-US"/>
+          </a:p>
+        </p:txBody>
+      </p:sp>
+      <p:sp>
+        <p:nvSpPr>
+          <p:cNvPr id="52" name="Right Arrow 51">
+            <a:extLst>
+              <a:ext uri="{FF2B5EF4-FFF2-40B4-BE49-F238E27FC236}">
+                <a16:creationId xmlns:a16="http://schemas.microsoft.com/office/drawing/2014/main" id="{94AD36BD-E783-E9EF-64B2-6E3110C6ACAC}"/>
+              </a:ext>
+            </a:extLst>
+          </p:cNvPr>
+          <p:cNvSpPr/>
+          <p:nvPr/>
+        </p:nvSpPr>
+        <p:spPr>
+          <a:xfrm>
+            <a:off x="7656779" y="3358053"/>
+            <a:ext cx="147145" cy="136635"/>
+          </a:xfrm>
+          <a:prstGeom prst="rightArrow">
+            <a:avLst/>
+          </a:prstGeom>
+          <a:solidFill>
+            <a:srgbClr val="002060"/>
+          </a:solidFill>
+        </p:spPr>
+        <p:style>
+          <a:lnRef idx="2">
+            <a:schemeClr val="accent1">
+              <a:shade val="50000"/>
+            </a:schemeClr>
+          </a:lnRef>
+          <a:fillRef idx="1">
+            <a:schemeClr val="accent1"/>
+          </a:fillRef>
+          <a:effectRef idx="0">
+            <a:schemeClr val="accent1"/>
+          </a:effectRef>
+          <a:fontRef idx="minor">
+            <a:schemeClr val="lt1"/>
+          </a:fontRef>
+        </p:style>
+        <p:txBody>
+          <a:bodyPr rtlCol="0" anchor="ctr"/>
+          <a:lstStyle/>
+          <a:p>
+            <a:pPr algn="ctr"/>
+            <a:endParaRPr lang="en-US"/>
+          </a:p>
+        </p:txBody>
+      </p:sp>
+      <p:sp>
+        <p:nvSpPr>
+          <p:cNvPr id="53" name="Left Arrow 52">
+            <a:extLst>
+              <a:ext uri="{FF2B5EF4-FFF2-40B4-BE49-F238E27FC236}">
+                <a16:creationId xmlns:a16="http://schemas.microsoft.com/office/drawing/2014/main" id="{CD3425C5-75B5-6E92-7F84-1EB71D7ABCB0}"/>
+              </a:ext>
+            </a:extLst>
+          </p:cNvPr>
+          <p:cNvSpPr/>
+          <p:nvPr/>
+        </p:nvSpPr>
+        <p:spPr>
+          <a:xfrm>
+            <a:off x="7656779" y="4009694"/>
+            <a:ext cx="147145" cy="126125"/>
+          </a:xfrm>
+          <a:prstGeom prst="leftArrow">
+            <a:avLst/>
+          </a:prstGeom>
+          <a:solidFill>
+            <a:srgbClr val="002060"/>
+          </a:solidFill>
+        </p:spPr>
+        <p:style>
+          <a:lnRef idx="2">
+            <a:schemeClr val="accent1">
+              <a:shade val="50000"/>
+            </a:schemeClr>
+          </a:lnRef>
+          <a:fillRef idx="1">
+            <a:schemeClr val="accent1"/>
+          </a:fillRef>
+          <a:effectRef idx="0">
+            <a:schemeClr val="accent1"/>
+          </a:effectRef>
+          <a:fontRef idx="minor">
+            <a:schemeClr val="lt1"/>
+          </a:fontRef>
+        </p:style>
+        <p:txBody>
+          <a:bodyPr rtlCol="0" anchor="ctr"/>
+          <a:lstStyle/>
+          <a:p>
+            <a:pPr algn="ctr"/>
+            <a:endParaRPr lang="en-US"/>
+          </a:p>
+        </p:txBody>
+      </p:sp>
+      <p:sp>
+        <p:nvSpPr>
+          <p:cNvPr id="54" name="Right Arrow 53">
+            <a:extLst>
+              <a:ext uri="{FF2B5EF4-FFF2-40B4-BE49-F238E27FC236}">
+                <a16:creationId xmlns:a16="http://schemas.microsoft.com/office/drawing/2014/main" id="{F41EB37E-638C-A988-20CE-E5DE42EFA3F1}"/>
+              </a:ext>
+            </a:extLst>
+          </p:cNvPr>
+          <p:cNvSpPr/>
+          <p:nvPr/>
+        </p:nvSpPr>
+        <p:spPr>
+          <a:xfrm>
+            <a:off x="7641016" y="4856852"/>
+            <a:ext cx="147145" cy="136635"/>
+          </a:xfrm>
+          <a:prstGeom prst="rightArrow">
+            <a:avLst/>
+          </a:prstGeom>
+          <a:solidFill>
+            <a:srgbClr val="002060"/>
+          </a:solidFill>
+        </p:spPr>
+        <p:style>
+          <a:lnRef idx="2">
+            <a:schemeClr val="accent1">
+              <a:shade val="50000"/>
+            </a:schemeClr>
+          </a:lnRef>
+          <a:fillRef idx="1">
+            <a:schemeClr val="accent1"/>
+          </a:fillRef>
+          <a:effectRef idx="0">
+            <a:schemeClr val="accent1"/>
+          </a:effectRef>
+          <a:fontRef idx="minor">
+            <a:schemeClr val="lt1"/>
+          </a:fontRef>
+        </p:style>
+        <p:txBody>
+          <a:bodyPr rtlCol="0" anchor="ctr"/>
+          <a:lstStyle/>
+          <a:p>
+            <a:pPr algn="ctr"/>
+            <a:endParaRPr lang="en-US"/>
+          </a:p>
+        </p:txBody>
+      </p:sp>
+      <p:sp>
+        <p:nvSpPr>
+          <p:cNvPr id="55" name="Left Arrow 54">
+            <a:extLst>
+              <a:ext uri="{FF2B5EF4-FFF2-40B4-BE49-F238E27FC236}">
+                <a16:creationId xmlns:a16="http://schemas.microsoft.com/office/drawing/2014/main" id="{CA35A6B7-D9E6-139E-9C92-3EB99551BD5D}"/>
+              </a:ext>
+            </a:extLst>
+          </p:cNvPr>
+          <p:cNvSpPr/>
+          <p:nvPr/>
+        </p:nvSpPr>
+        <p:spPr>
+          <a:xfrm>
+            <a:off x="7641016" y="5508493"/>
+            <a:ext cx="147145" cy="126125"/>
+          </a:xfrm>
+          <a:prstGeom prst="leftArrow">
+            <a:avLst/>
+          </a:prstGeom>
+          <a:solidFill>
+            <a:srgbClr val="002060"/>
+          </a:solidFill>
+        </p:spPr>
+        <p:style>
+          <a:lnRef idx="2">
+            <a:schemeClr val="accent1">
+              <a:shade val="50000"/>
+            </a:schemeClr>
+          </a:lnRef>
+          <a:fillRef idx="1">
+            <a:schemeClr val="accent1"/>
+          </a:fillRef>
+          <a:effectRef idx="0">
+            <a:schemeClr val="accent1"/>
+          </a:effectRef>
+          <a:fontRef idx="minor">
+            <a:schemeClr val="lt1"/>
+          </a:fontRef>
+        </p:style>
+        <p:txBody>
+          <a:bodyPr rtlCol="0" anchor="ctr"/>
+          <a:lstStyle/>
+          <a:p>
+            <a:pPr algn="ctr"/>
+            <a:endParaRPr lang="en-US"/>
+          </a:p>
+        </p:txBody>
+      </p:sp>
+      <p:sp>
+        <p:nvSpPr>
+          <p:cNvPr id="58" name="TextBox 57">
+            <a:extLst>
+              <a:ext uri="{FF2B5EF4-FFF2-40B4-BE49-F238E27FC236}">
+                <a16:creationId xmlns:a16="http://schemas.microsoft.com/office/drawing/2014/main" id="{BBA9CE7F-DC51-3D5F-3A88-703AA8DEB85A}"/>
+              </a:ext>
+            </a:extLst>
+          </p:cNvPr>
+          <p:cNvSpPr txBox="1"/>
+          <p:nvPr/>
+        </p:nvSpPr>
+        <p:spPr>
+          <a:xfrm>
+            <a:off x="1266498" y="6220259"/>
+            <a:ext cx="2585545" cy="461665"/>
+          </a:xfrm>
+          <a:prstGeom prst="rect">
+            <a:avLst/>
+          </a:prstGeom>
+          <a:noFill/>
+        </p:spPr>
+        <p:txBody>
+          <a:bodyPr wrap="square" rtlCol="0">
+            <a:spAutoFit/>
+          </a:bodyPr>
+          <a:lstStyle/>
+          <a:p>
+            <a:r>
+              <a:rPr lang="en-US" sz="1200" dirty="0"/>
+              <a:t>App Loaded in Browser Access REST API with Security</a:t>
+            </a:r>
+          </a:p>
+        </p:txBody>
+      </p:sp>
+      <p:cxnSp>
+        <p:nvCxnSpPr>
+          <p:cNvPr id="61" name="Elbow Connector 60">
+            <a:extLst>
+              <a:ext uri="{FF2B5EF4-FFF2-40B4-BE49-F238E27FC236}">
+                <a16:creationId xmlns:a16="http://schemas.microsoft.com/office/drawing/2014/main" id="{D0C8DFA6-D94D-E25B-B1B5-80D96751F01A}"/>
+              </a:ext>
+            </a:extLst>
+          </p:cNvPr>
+          <p:cNvCxnSpPr>
+            <a:stCxn id="46" idx="3"/>
+            <a:endCxn id="10" idx="2"/>
+          </p:cNvCxnSpPr>
+          <p:nvPr/>
+        </p:nvCxnSpPr>
+        <p:spPr>
+          <a:xfrm rot="16200000" flipH="1">
+            <a:off x="3046689" y="3913791"/>
+            <a:ext cx="105105" cy="4995036"/>
+          </a:xfrm>
+          <a:prstGeom prst="bentConnector3">
+            <a:avLst>
+              <a:gd name="adj1" fmla="val 317497"/>
+            </a:avLst>
+          </a:prstGeom>
+          <a:ln w="76200">
+            <a:solidFill>
+              <a:srgbClr val="FF0000"/>
+            </a:solidFill>
+            <a:tailEnd type="triangle"/>
+          </a:ln>
+        </p:spPr>
+        <p:style>
+          <a:lnRef idx="1">
+            <a:schemeClr val="accent1"/>
+          </a:lnRef>
+          <a:fillRef idx="0">
+            <a:schemeClr val="accent1"/>
+          </a:fillRef>
+          <a:effectRef idx="0">
+            <a:schemeClr val="accent1"/>
+          </a:effectRef>
+          <a:fontRef idx="minor">
+            <a:schemeClr val="tx1"/>
+          </a:fontRef>
+        </p:style>
+      </p:cxnSp>
+    </p:spTree>
+    <p:extLst>
+      <p:ext uri="{BB962C8B-B14F-4D97-AF65-F5344CB8AC3E}">
+        <p14:creationId xmlns:p14="http://schemas.microsoft.com/office/powerpoint/2010/main" val="3707899790"/>
+      </p:ext>
+    </p:extLst>
+  </p:cSld>
+  <p:clrMapOvr>
+    <a:masterClrMapping/>
+  </p:clrMapOvr>
+</p:sld>
+</file>
+
+<file path=ppt/slides/slide35.xml><?xml version="1.0" encoding="utf-8"?>
+<p:sld xmlns:a="http://schemas.openxmlformats.org/drawingml/2006/main" xmlns:r="http://schemas.openxmlformats.org/officeDocument/2006/relationships" xmlns:p="http://schemas.openxmlformats.org/presentationml/2006/main">
+  <p:cSld>
+    <p:spTree>
+      <p:nvGrpSpPr>
+        <p:cNvPr id="1" name=""/>
+        <p:cNvGrpSpPr/>
+        <p:nvPr/>
+      </p:nvGrpSpPr>
+      <p:grpSpPr>
+        <a:xfrm>
+          <a:off x="0" y="0"/>
+          <a:ext cx="0" cy="0"/>
+          <a:chOff x="0" y="0"/>
+          <a:chExt cx="0" cy="0"/>
+        </a:xfrm>
+      </p:grpSpPr>
+      <p:graphicFrame>
+        <p:nvGraphicFramePr>
+          <p:cNvPr id="2" name="Table 2">
+            <a:extLst>
+              <a:ext uri="{FF2B5EF4-FFF2-40B4-BE49-F238E27FC236}">
+                <a16:creationId xmlns:a16="http://schemas.microsoft.com/office/drawing/2014/main" id="{CA99A5E9-001B-7689-8296-7560A6B0FAA2}"/>
+              </a:ext>
+            </a:extLst>
+          </p:cNvPr>
+          <p:cNvGraphicFramePr>
+            <a:graphicFrameLocks noGrp="1"/>
+          </p:cNvGraphicFramePr>
+          <p:nvPr>
+            <p:extLst>
+              <p:ext uri="{D42A27DB-BD31-4B8C-83A1-F6EECF244321}">
+                <p14:modId xmlns:p14="http://schemas.microsoft.com/office/powerpoint/2010/main" val="3861049010"/>
+              </p:ext>
+            </p:extLst>
+          </p:nvPr>
+        </p:nvGraphicFramePr>
+        <p:xfrm>
+          <a:off x="1685159" y="1129570"/>
+          <a:ext cx="8128000" cy="2225040"/>
+        </p:xfrm>
+        <a:graphic>
+          <a:graphicData uri="http://schemas.openxmlformats.org/drawingml/2006/table">
+            <a:tbl>
+              <a:tblPr firstRow="1" bandRow="1">
+                <a:tableStyleId>{5C22544A-7EE6-4342-B048-85BDC9FD1C3A}</a:tableStyleId>
+              </a:tblPr>
+              <a:tblGrid>
+                <a:gridCol w="2032000">
+                  <a:extLst>
+                    <a:ext uri="{9D8B030D-6E8A-4147-A177-3AD203B41FA5}">
+                      <a16:colId xmlns:a16="http://schemas.microsoft.com/office/drawing/2014/main" val="1806030819"/>
+                    </a:ext>
+                  </a:extLst>
+                </a:gridCol>
+                <a:gridCol w="2032000">
+                  <a:extLst>
+                    <a:ext uri="{9D8B030D-6E8A-4147-A177-3AD203B41FA5}">
+                      <a16:colId xmlns:a16="http://schemas.microsoft.com/office/drawing/2014/main" val="138902666"/>
+                    </a:ext>
+                  </a:extLst>
+                </a:gridCol>
+                <a:gridCol w="2032000">
+                  <a:extLst>
+                    <a:ext uri="{9D8B030D-6E8A-4147-A177-3AD203B41FA5}">
+                      <a16:colId xmlns:a16="http://schemas.microsoft.com/office/drawing/2014/main" val="3589464360"/>
+                    </a:ext>
+                  </a:extLst>
+                </a:gridCol>
+                <a:gridCol w="2032000">
+                  <a:extLst>
+                    <a:ext uri="{9D8B030D-6E8A-4147-A177-3AD203B41FA5}">
+                      <a16:colId xmlns:a16="http://schemas.microsoft.com/office/drawing/2014/main" val="1124243473"/>
+                    </a:ext>
+                  </a:extLst>
+                </a:gridCol>
+              </a:tblGrid>
+              <a:tr h="370840">
+                <a:tc>
+                  <a:txBody>
+                    <a:bodyPr/>
+                    <a:lstStyle/>
+                    <a:p>
+                      <a:endParaRPr lang="en-US"/>
+                    </a:p>
+                  </a:txBody>
+                  <a:tcPr/>
+                </a:tc>
+                <a:tc>
+                  <a:txBody>
+                    <a:bodyPr/>
+                    <a:lstStyle/>
+                    <a:p>
+                      <a:r>
+                        <a:rPr lang="en-US" dirty="0"/>
+                        <a:t>Role 1</a:t>
+                      </a:r>
+                    </a:p>
+                  </a:txBody>
+                  <a:tcPr/>
+                </a:tc>
+                <a:tc>
+                  <a:txBody>
+                    <a:bodyPr/>
+                    <a:lstStyle/>
+                    <a:p>
+                      <a:r>
+                        <a:rPr lang="en-US" dirty="0"/>
+                        <a:t>Role 2</a:t>
+                      </a:r>
+                    </a:p>
+                  </a:txBody>
+                  <a:tcPr/>
+                </a:tc>
+                <a:tc>
+                  <a:txBody>
+                    <a:bodyPr/>
+                    <a:lstStyle/>
+                    <a:p>
+                      <a:r>
+                        <a:rPr lang="en-US" dirty="0"/>
+                        <a:t>Role 3</a:t>
+                      </a:r>
+                    </a:p>
+                  </a:txBody>
+                  <a:tcPr/>
+                </a:tc>
+                <a:extLst>
+                  <a:ext uri="{0D108BD9-81ED-4DB2-BD59-A6C34878D82A}">
+                    <a16:rowId xmlns:a16="http://schemas.microsoft.com/office/drawing/2014/main" val="2859676914"/>
+                  </a:ext>
+                </a:extLst>
+              </a:tr>
+              <a:tr h="370840">
+                <a:tc>
+                  <a:txBody>
+                    <a:bodyPr/>
+                    <a:lstStyle/>
+                    <a:p>
+                      <a:r>
+                        <a:rPr lang="en-US" dirty="0"/>
+                        <a:t>Read</a:t>
+                      </a:r>
+                    </a:p>
+                  </a:txBody>
+                  <a:tcPr/>
+                </a:tc>
+                <a:tc>
+                  <a:txBody>
+                    <a:bodyPr/>
+                    <a:lstStyle/>
+                    <a:p>
+                      <a:r>
+                        <a:rPr lang="en-US" dirty="0"/>
+                        <a:t>Y</a:t>
+                      </a:r>
+                    </a:p>
+                  </a:txBody>
+                  <a:tcPr/>
+                </a:tc>
+                <a:tc>
+                  <a:txBody>
+                    <a:bodyPr/>
+                    <a:lstStyle/>
+                    <a:p>
+                      <a:r>
+                        <a:rPr lang="en-US" dirty="0"/>
+                        <a:t>Y</a:t>
+                      </a:r>
+                    </a:p>
+                  </a:txBody>
+                  <a:tcPr/>
+                </a:tc>
+                <a:tc>
+                  <a:txBody>
+                    <a:bodyPr/>
+                    <a:lstStyle/>
+                    <a:p>
+                      <a:r>
+                        <a:rPr lang="en-US" dirty="0"/>
+                        <a:t>Y</a:t>
+                      </a:r>
+                    </a:p>
+                  </a:txBody>
+                  <a:tcPr/>
+                </a:tc>
+                <a:extLst>
+                  <a:ext uri="{0D108BD9-81ED-4DB2-BD59-A6C34878D82A}">
+                    <a16:rowId xmlns:a16="http://schemas.microsoft.com/office/drawing/2014/main" val="1043452080"/>
+                  </a:ext>
+                </a:extLst>
+              </a:tr>
+              <a:tr h="370840">
+                <a:tc>
+                  <a:txBody>
+                    <a:bodyPr/>
+                    <a:lstStyle/>
+                    <a:p>
+                      <a:r>
+                        <a:rPr lang="en-US" dirty="0"/>
+                        <a:t>Create</a:t>
+                      </a:r>
+                    </a:p>
+                  </a:txBody>
+                  <a:tcPr/>
+                </a:tc>
+                <a:tc>
+                  <a:txBody>
+                    <a:bodyPr/>
+                    <a:lstStyle/>
+                    <a:p>
+                      <a:r>
+                        <a:rPr lang="en-US" dirty="0"/>
+                        <a:t>N</a:t>
+                      </a:r>
+                    </a:p>
+                  </a:txBody>
+                  <a:tcPr/>
+                </a:tc>
+                <a:tc>
+                  <a:txBody>
+                    <a:bodyPr/>
+                    <a:lstStyle/>
+                    <a:p>
+                      <a:r>
+                        <a:rPr lang="en-US" dirty="0"/>
+                        <a:t>Y</a:t>
+                      </a:r>
+                    </a:p>
+                  </a:txBody>
+                  <a:tcPr/>
+                </a:tc>
+                <a:tc>
+                  <a:txBody>
+                    <a:bodyPr/>
+                    <a:lstStyle/>
+                    <a:p>
+                      <a:r>
+                        <a:rPr lang="en-US" dirty="0"/>
+                        <a:t>Y</a:t>
+                      </a:r>
+                    </a:p>
+                  </a:txBody>
+                  <a:tcPr/>
+                </a:tc>
+                <a:extLst>
+                  <a:ext uri="{0D108BD9-81ED-4DB2-BD59-A6C34878D82A}">
+                    <a16:rowId xmlns:a16="http://schemas.microsoft.com/office/drawing/2014/main" val="1589833251"/>
+                  </a:ext>
+                </a:extLst>
+              </a:tr>
+              <a:tr h="370840">
+                <a:tc>
+                  <a:txBody>
+                    <a:bodyPr/>
+                    <a:lstStyle/>
+                    <a:p>
+                      <a:r>
+                        <a:rPr lang="en-US" dirty="0"/>
+                        <a:t>Update</a:t>
+                      </a:r>
+                    </a:p>
+                  </a:txBody>
+                  <a:tcPr/>
+                </a:tc>
+                <a:tc>
+                  <a:txBody>
+                    <a:bodyPr/>
+                    <a:lstStyle/>
+                    <a:p>
+                      <a:r>
+                        <a:rPr lang="en-US" dirty="0"/>
+                        <a:t>N</a:t>
+                      </a:r>
+                    </a:p>
+                  </a:txBody>
+                  <a:tcPr/>
+                </a:tc>
+                <a:tc>
+                  <a:txBody>
+                    <a:bodyPr/>
+                    <a:lstStyle/>
+                    <a:p>
+                      <a:r>
+                        <a:rPr lang="en-US" dirty="0"/>
+                        <a:t>N</a:t>
+                      </a:r>
+                    </a:p>
+                  </a:txBody>
+                  <a:tcPr/>
+                </a:tc>
+                <a:tc>
+                  <a:txBody>
+                    <a:bodyPr/>
+                    <a:lstStyle/>
+                    <a:p>
+                      <a:r>
+                        <a:rPr lang="en-US" dirty="0"/>
+                        <a:t>Y</a:t>
+                      </a:r>
+                    </a:p>
+                  </a:txBody>
+                  <a:tcPr/>
+                </a:tc>
+                <a:extLst>
+                  <a:ext uri="{0D108BD9-81ED-4DB2-BD59-A6C34878D82A}">
+                    <a16:rowId xmlns:a16="http://schemas.microsoft.com/office/drawing/2014/main" val="68168425"/>
+                  </a:ext>
+                </a:extLst>
+              </a:tr>
+              <a:tr h="370840">
+                <a:tc>
+                  <a:txBody>
+                    <a:bodyPr/>
+                    <a:lstStyle/>
+                    <a:p>
+                      <a:r>
+                        <a:rPr lang="en-US" dirty="0"/>
+                        <a:t>Delete</a:t>
+                      </a:r>
+                    </a:p>
+                  </a:txBody>
+                  <a:tcPr/>
+                </a:tc>
+                <a:tc>
+                  <a:txBody>
+                    <a:bodyPr/>
+                    <a:lstStyle/>
+                    <a:p>
+                      <a:r>
+                        <a:rPr lang="en-US" dirty="0"/>
+                        <a:t>N</a:t>
+                      </a:r>
+                    </a:p>
+                  </a:txBody>
+                  <a:tcPr/>
+                </a:tc>
+                <a:tc>
+                  <a:txBody>
+                    <a:bodyPr/>
+                    <a:lstStyle/>
+                    <a:p>
+                      <a:r>
+                        <a:rPr lang="en-US" dirty="0"/>
+                        <a:t>N</a:t>
+                      </a:r>
+                    </a:p>
+                  </a:txBody>
+                  <a:tcPr/>
+                </a:tc>
+                <a:tc>
+                  <a:txBody>
+                    <a:bodyPr/>
+                    <a:lstStyle/>
+                    <a:p>
+                      <a:r>
+                        <a:rPr lang="en-US" dirty="0"/>
+                        <a:t>Y</a:t>
+                      </a:r>
+                    </a:p>
+                  </a:txBody>
+                  <a:tcPr/>
+                </a:tc>
+                <a:extLst>
+                  <a:ext uri="{0D108BD9-81ED-4DB2-BD59-A6C34878D82A}">
+                    <a16:rowId xmlns:a16="http://schemas.microsoft.com/office/drawing/2014/main" val="3018833357"/>
+                  </a:ext>
+                </a:extLst>
+              </a:tr>
+              <a:tr h="370840">
+                <a:tc>
+                  <a:txBody>
+                    <a:bodyPr/>
+                    <a:lstStyle/>
+                    <a:p>
+                      <a:r>
+                        <a:rPr lang="en-US" dirty="0"/>
+                        <a:t>Reports</a:t>
+                      </a:r>
+                    </a:p>
+                  </a:txBody>
+                  <a:tcPr/>
+                </a:tc>
+                <a:tc>
+                  <a:txBody>
+                    <a:bodyPr/>
+                    <a:lstStyle/>
+                    <a:p>
+                      <a:endParaRPr lang="en-US" dirty="0"/>
+                    </a:p>
+                  </a:txBody>
+                  <a:tcPr/>
+                </a:tc>
+                <a:tc>
+                  <a:txBody>
+                    <a:bodyPr/>
+                    <a:lstStyle/>
+                    <a:p>
+                      <a:r>
+                        <a:rPr lang="en-US" dirty="0"/>
+                        <a:t>Y</a:t>
+                      </a:r>
+                    </a:p>
+                  </a:txBody>
+                  <a:tcPr/>
+                </a:tc>
+                <a:tc>
+                  <a:txBody>
+                    <a:bodyPr/>
+                    <a:lstStyle/>
+                    <a:p>
+                      <a:r>
+                        <a:rPr lang="en-US" dirty="0"/>
+                        <a:t>Y</a:t>
+                      </a:r>
+                    </a:p>
+                  </a:txBody>
+                  <a:tcPr/>
+                </a:tc>
+                <a:extLst>
+                  <a:ext uri="{0D108BD9-81ED-4DB2-BD59-A6C34878D82A}">
+                    <a16:rowId xmlns:a16="http://schemas.microsoft.com/office/drawing/2014/main" val="3202064301"/>
+                  </a:ext>
+                </a:extLst>
+              </a:tr>
+            </a:tbl>
+          </a:graphicData>
+        </a:graphic>
+      </p:graphicFrame>
+    </p:spTree>
+    <p:extLst>
+      <p:ext uri="{BB962C8B-B14F-4D97-AF65-F5344CB8AC3E}">
+        <p14:creationId xmlns:p14="http://schemas.microsoft.com/office/powerpoint/2010/main" val="1308312943"/>
+      </p:ext>
+    </p:extLst>
+  </p:cSld>
+  <p:clrMapOvr>
+    <a:masterClrMapping/>
+  </p:clrMapOvr>
+</p:sld>
+</file>
+
+<file path=ppt/slides/slide36.xml><?xml version="1.0" encoding="utf-8"?>
+<p:sld xmlns:a="http://schemas.openxmlformats.org/drawingml/2006/main" xmlns:r="http://schemas.openxmlformats.org/officeDocument/2006/relationships" xmlns:p="http://schemas.openxmlformats.org/presentationml/2006/main">
+  <p:cSld>
+    <p:spTree>
+      <p:nvGrpSpPr>
+        <p:cNvPr id="1" name=""/>
+        <p:cNvGrpSpPr/>
+        <p:nvPr/>
+      </p:nvGrpSpPr>
+      <p:grpSpPr>
+        <a:xfrm>
+          <a:off x="0" y="0"/>
+          <a:ext cx="0" cy="0"/>
+          <a:chOff x="0" y="0"/>
+          <a:chExt cx="0" cy="0"/>
+        </a:xfrm>
+      </p:grpSpPr>
+      <p:sp>
+        <p:nvSpPr>
+          <p:cNvPr id="2" name="Rectangle 1">
+            <a:extLst>
+              <a:ext uri="{FF2B5EF4-FFF2-40B4-BE49-F238E27FC236}">
+                <a16:creationId xmlns:a16="http://schemas.microsoft.com/office/drawing/2014/main" id="{7C3D2D8E-677D-6E1E-7EA0-9409C4ACF489}"/>
+              </a:ext>
+            </a:extLst>
+          </p:cNvPr>
+          <p:cNvSpPr/>
+          <p:nvPr/>
+        </p:nvSpPr>
+        <p:spPr>
+          <a:xfrm>
+            <a:off x="252249" y="367863"/>
+            <a:ext cx="1261242" cy="924910"/>
+          </a:xfrm>
+          <a:prstGeom prst="rect">
+            <a:avLst/>
+          </a:prstGeom>
+        </p:spPr>
+        <p:style>
+          <a:lnRef idx="2">
+            <a:schemeClr val="accent1">
+              <a:shade val="50000"/>
+            </a:schemeClr>
+          </a:lnRef>
+          <a:fillRef idx="1">
+            <a:schemeClr val="accent1"/>
+          </a:fillRef>
+          <a:effectRef idx="0">
+            <a:schemeClr val="accent1"/>
+          </a:effectRef>
+          <a:fontRef idx="minor">
+            <a:schemeClr val="lt1"/>
+          </a:fontRef>
+        </p:style>
+        <p:txBody>
+          <a:bodyPr rtlCol="0" anchor="ctr"/>
+          <a:lstStyle/>
+          <a:p>
+            <a:pPr algn="ctr"/>
+            <a:r>
+              <a:rPr lang="en-US" b="1" dirty="0"/>
+              <a:t>Client App</a:t>
+            </a:r>
+          </a:p>
+          <a:p>
+            <a:pPr algn="ctr"/>
+            <a:r>
+              <a:rPr lang="en-US" b="1" dirty="0"/>
+              <a:t>1</a:t>
+            </a:r>
+          </a:p>
+        </p:txBody>
+      </p:sp>
+      <p:sp>
+        <p:nvSpPr>
+          <p:cNvPr id="3" name="Can 2">
+            <a:extLst>
+              <a:ext uri="{FF2B5EF4-FFF2-40B4-BE49-F238E27FC236}">
+                <a16:creationId xmlns:a16="http://schemas.microsoft.com/office/drawing/2014/main" id="{EC01FFB3-FA0B-F0BF-C977-4D1EA2F6E83C}"/>
+              </a:ext>
+            </a:extLst>
+          </p:cNvPr>
+          <p:cNvSpPr/>
+          <p:nvPr/>
+        </p:nvSpPr>
+        <p:spPr>
+          <a:xfrm>
+            <a:off x="9175531" y="126125"/>
+            <a:ext cx="2333297" cy="6568966"/>
+          </a:xfrm>
+          <a:prstGeom prst="can">
+            <a:avLst>
+              <a:gd name="adj" fmla="val 7432"/>
+            </a:avLst>
+          </a:prstGeom>
+        </p:spPr>
+        <p:style>
+          <a:lnRef idx="2">
+            <a:schemeClr val="accent1">
+              <a:shade val="50000"/>
+            </a:schemeClr>
+          </a:lnRef>
+          <a:fillRef idx="1">
+            <a:schemeClr val="accent1"/>
+          </a:fillRef>
+          <a:effectRef idx="0">
+            <a:schemeClr val="accent1"/>
+          </a:effectRef>
+          <a:fontRef idx="minor">
+            <a:schemeClr val="lt1"/>
+          </a:fontRef>
+        </p:style>
+        <p:txBody>
+          <a:bodyPr rtlCol="0" anchor="ctr"/>
+          <a:lstStyle/>
+          <a:p>
+            <a:pPr algn="ctr"/>
+            <a:r>
+              <a:rPr lang="en-US" b="1" dirty="0"/>
+              <a:t>Database Server</a:t>
+            </a:r>
+          </a:p>
+        </p:txBody>
+      </p:sp>
+      <p:sp>
+        <p:nvSpPr>
+          <p:cNvPr id="7" name="Rectangle 6">
+            <a:extLst>
+              <a:ext uri="{FF2B5EF4-FFF2-40B4-BE49-F238E27FC236}">
+                <a16:creationId xmlns:a16="http://schemas.microsoft.com/office/drawing/2014/main" id="{819790BE-AC44-7FA8-82DD-3C33BE27E0DA}"/>
+              </a:ext>
+            </a:extLst>
+          </p:cNvPr>
+          <p:cNvSpPr/>
+          <p:nvPr/>
+        </p:nvSpPr>
+        <p:spPr>
+          <a:xfrm>
+            <a:off x="252249" y="1529256"/>
+            <a:ext cx="1261242" cy="924910"/>
+          </a:xfrm>
+          <a:prstGeom prst="rect">
+            <a:avLst/>
+          </a:prstGeom>
+        </p:spPr>
+        <p:style>
+          <a:lnRef idx="2">
+            <a:schemeClr val="accent1">
+              <a:shade val="50000"/>
+            </a:schemeClr>
+          </a:lnRef>
+          <a:fillRef idx="1">
+            <a:schemeClr val="accent1"/>
+          </a:fillRef>
+          <a:effectRef idx="0">
+            <a:schemeClr val="accent1"/>
+          </a:effectRef>
+          <a:fontRef idx="minor">
+            <a:schemeClr val="lt1"/>
+          </a:fontRef>
+        </p:style>
+        <p:txBody>
+          <a:bodyPr rtlCol="0" anchor="ctr"/>
+          <a:lstStyle/>
+          <a:p>
+            <a:pPr algn="ctr"/>
+            <a:r>
+              <a:rPr lang="en-US" b="1" dirty="0"/>
+              <a:t>Client App</a:t>
+            </a:r>
+          </a:p>
+          <a:p>
+            <a:pPr algn="ctr"/>
+            <a:r>
+              <a:rPr lang="en-US" b="1" dirty="0"/>
+              <a:t>2</a:t>
+            </a:r>
+          </a:p>
+        </p:txBody>
+      </p:sp>
+      <p:sp>
+        <p:nvSpPr>
+          <p:cNvPr id="8" name="Rectangle 7">
+            <a:extLst>
+              <a:ext uri="{FF2B5EF4-FFF2-40B4-BE49-F238E27FC236}">
+                <a16:creationId xmlns:a16="http://schemas.microsoft.com/office/drawing/2014/main" id="{E678193F-5895-7CB7-BAA6-3B0F13F7B601}"/>
+              </a:ext>
+            </a:extLst>
+          </p:cNvPr>
+          <p:cNvSpPr/>
+          <p:nvPr/>
+        </p:nvSpPr>
+        <p:spPr>
+          <a:xfrm>
+            <a:off x="252249" y="2648607"/>
+            <a:ext cx="1261242" cy="924910"/>
+          </a:xfrm>
+          <a:prstGeom prst="rect">
+            <a:avLst/>
+          </a:prstGeom>
+        </p:spPr>
+        <p:style>
+          <a:lnRef idx="2">
+            <a:schemeClr val="accent1">
+              <a:shade val="50000"/>
+            </a:schemeClr>
+          </a:lnRef>
+          <a:fillRef idx="1">
+            <a:schemeClr val="accent1"/>
+          </a:fillRef>
+          <a:effectRef idx="0">
+            <a:schemeClr val="accent1"/>
+          </a:effectRef>
+          <a:fontRef idx="minor">
+            <a:schemeClr val="lt1"/>
+          </a:fontRef>
+        </p:style>
+        <p:txBody>
+          <a:bodyPr rtlCol="0" anchor="ctr"/>
+          <a:lstStyle/>
+          <a:p>
+            <a:pPr algn="ctr"/>
+            <a:r>
+              <a:rPr lang="en-US" b="1" dirty="0"/>
+              <a:t>Client App</a:t>
+            </a:r>
+          </a:p>
+          <a:p>
+            <a:pPr algn="ctr"/>
+            <a:r>
+              <a:rPr lang="en-US" b="1" dirty="0"/>
+              <a:t>3</a:t>
+            </a:r>
+          </a:p>
+        </p:txBody>
+      </p:sp>
+      <p:sp>
+        <p:nvSpPr>
+          <p:cNvPr id="9" name="Rectangle 8">
+            <a:extLst>
+              <a:ext uri="{FF2B5EF4-FFF2-40B4-BE49-F238E27FC236}">
+                <a16:creationId xmlns:a16="http://schemas.microsoft.com/office/drawing/2014/main" id="{C89F92A3-6F7A-E5BC-6CC9-480981CA7A68}"/>
+              </a:ext>
+            </a:extLst>
+          </p:cNvPr>
+          <p:cNvSpPr/>
+          <p:nvPr/>
+        </p:nvSpPr>
+        <p:spPr>
+          <a:xfrm>
+            <a:off x="578069" y="3867807"/>
+            <a:ext cx="210207" cy="262759"/>
+          </a:xfrm>
+          <a:prstGeom prst="rect">
+            <a:avLst/>
+          </a:prstGeom>
+        </p:spPr>
+        <p:style>
+          <a:lnRef idx="2">
+            <a:schemeClr val="accent1">
+              <a:shade val="50000"/>
+            </a:schemeClr>
+          </a:lnRef>
+          <a:fillRef idx="1">
+            <a:schemeClr val="accent1"/>
+          </a:fillRef>
+          <a:effectRef idx="0">
+            <a:schemeClr val="accent1"/>
+          </a:effectRef>
+          <a:fontRef idx="minor">
+            <a:schemeClr val="lt1"/>
+          </a:fontRef>
+        </p:style>
+        <p:txBody>
+          <a:bodyPr rtlCol="0" anchor="ctr"/>
+          <a:lstStyle/>
+          <a:p>
+            <a:pPr algn="ctr"/>
+            <a:endParaRPr lang="en-US"/>
+          </a:p>
+        </p:txBody>
+      </p:sp>
+      <p:sp>
+        <p:nvSpPr>
+          <p:cNvPr id="10" name="Rectangle 9">
+            <a:extLst>
+              <a:ext uri="{FF2B5EF4-FFF2-40B4-BE49-F238E27FC236}">
+                <a16:creationId xmlns:a16="http://schemas.microsoft.com/office/drawing/2014/main" id="{986FFA9D-9EE4-E469-F61A-18DAF5FE6C3D}"/>
+              </a:ext>
+            </a:extLst>
+          </p:cNvPr>
+          <p:cNvSpPr/>
+          <p:nvPr/>
+        </p:nvSpPr>
+        <p:spPr>
+          <a:xfrm>
+            <a:off x="578068" y="4393325"/>
+            <a:ext cx="210207" cy="262759"/>
+          </a:xfrm>
+          <a:prstGeom prst="rect">
+            <a:avLst/>
+          </a:prstGeom>
+        </p:spPr>
+        <p:style>
+          <a:lnRef idx="2">
+            <a:schemeClr val="accent1">
+              <a:shade val="50000"/>
+            </a:schemeClr>
+          </a:lnRef>
+          <a:fillRef idx="1">
+            <a:schemeClr val="accent1"/>
+          </a:fillRef>
+          <a:effectRef idx="0">
+            <a:schemeClr val="accent1"/>
+          </a:effectRef>
+          <a:fontRef idx="minor">
+            <a:schemeClr val="lt1"/>
+          </a:fontRef>
+        </p:style>
+        <p:txBody>
+          <a:bodyPr rtlCol="0" anchor="ctr"/>
+          <a:lstStyle/>
+          <a:p>
+            <a:pPr algn="ctr"/>
+            <a:endParaRPr lang="en-US"/>
+          </a:p>
+        </p:txBody>
+      </p:sp>
+      <p:sp>
+        <p:nvSpPr>
+          <p:cNvPr id="11" name="Rectangle 10">
+            <a:extLst>
+              <a:ext uri="{FF2B5EF4-FFF2-40B4-BE49-F238E27FC236}">
+                <a16:creationId xmlns:a16="http://schemas.microsoft.com/office/drawing/2014/main" id="{DAA45B15-46C9-B60C-7BBF-E6B4DC9B7CC8}"/>
+              </a:ext>
+            </a:extLst>
+          </p:cNvPr>
+          <p:cNvSpPr/>
+          <p:nvPr/>
+        </p:nvSpPr>
+        <p:spPr>
+          <a:xfrm>
+            <a:off x="578067" y="4897824"/>
+            <a:ext cx="210207" cy="262759"/>
+          </a:xfrm>
+          <a:prstGeom prst="rect">
+            <a:avLst/>
+          </a:prstGeom>
+        </p:spPr>
+        <p:style>
+          <a:lnRef idx="2">
+            <a:schemeClr val="accent1">
+              <a:shade val="50000"/>
+            </a:schemeClr>
+          </a:lnRef>
+          <a:fillRef idx="1">
+            <a:schemeClr val="accent1"/>
+          </a:fillRef>
+          <a:effectRef idx="0">
+            <a:schemeClr val="accent1"/>
+          </a:effectRef>
+          <a:fontRef idx="minor">
+            <a:schemeClr val="lt1"/>
+          </a:fontRef>
+        </p:style>
+        <p:txBody>
+          <a:bodyPr rtlCol="0" anchor="ctr"/>
+          <a:lstStyle/>
+          <a:p>
+            <a:pPr algn="ctr"/>
+            <a:endParaRPr lang="en-US"/>
+          </a:p>
+        </p:txBody>
+      </p:sp>
+      <p:sp>
+        <p:nvSpPr>
+          <p:cNvPr id="12" name="Rectangle 11">
+            <a:extLst>
+              <a:ext uri="{FF2B5EF4-FFF2-40B4-BE49-F238E27FC236}">
+                <a16:creationId xmlns:a16="http://schemas.microsoft.com/office/drawing/2014/main" id="{B7D20608-246A-C13F-F215-F635F3E48AAA}"/>
+              </a:ext>
+            </a:extLst>
+          </p:cNvPr>
+          <p:cNvSpPr/>
+          <p:nvPr/>
+        </p:nvSpPr>
+        <p:spPr>
+          <a:xfrm>
+            <a:off x="252249" y="5454873"/>
+            <a:ext cx="1261242" cy="924910"/>
+          </a:xfrm>
+          <a:prstGeom prst="rect">
+            <a:avLst/>
+          </a:prstGeom>
+        </p:spPr>
+        <p:style>
+          <a:lnRef idx="2">
+            <a:schemeClr val="accent1">
+              <a:shade val="50000"/>
+            </a:schemeClr>
+          </a:lnRef>
+          <a:fillRef idx="1">
+            <a:schemeClr val="accent1"/>
+          </a:fillRef>
+          <a:effectRef idx="0">
+            <a:schemeClr val="accent1"/>
+          </a:effectRef>
+          <a:fontRef idx="minor">
+            <a:schemeClr val="lt1"/>
+          </a:fontRef>
+        </p:style>
+        <p:txBody>
+          <a:bodyPr rtlCol="0" anchor="ctr"/>
+          <a:lstStyle/>
+          <a:p>
+            <a:pPr algn="ctr"/>
+            <a:r>
+              <a:rPr lang="en-US" b="1" dirty="0"/>
+              <a:t>Client App</a:t>
+            </a:r>
+          </a:p>
+          <a:p>
+            <a:pPr algn="ctr"/>
+            <a:r>
+              <a:rPr lang="en-US" b="1" dirty="0"/>
+              <a:t>N</a:t>
+            </a:r>
+          </a:p>
+        </p:txBody>
+      </p:sp>
+      <p:sp>
+        <p:nvSpPr>
+          <p:cNvPr id="13" name="Can 12">
+            <a:extLst>
+              <a:ext uri="{FF2B5EF4-FFF2-40B4-BE49-F238E27FC236}">
+                <a16:creationId xmlns:a16="http://schemas.microsoft.com/office/drawing/2014/main" id="{8F36DAD7-072A-3FAE-87AA-67A4FFD0669E}"/>
+              </a:ext>
+            </a:extLst>
+          </p:cNvPr>
+          <p:cNvSpPr/>
+          <p:nvPr/>
+        </p:nvSpPr>
+        <p:spPr>
+          <a:xfrm rot="16200000">
+            <a:off x="4671848" y="289034"/>
+            <a:ext cx="3016471" cy="6201103"/>
+          </a:xfrm>
+          <a:prstGeom prst="can">
+            <a:avLst>
+              <a:gd name="adj" fmla="val 7609"/>
+            </a:avLst>
+          </a:prstGeom>
+        </p:spPr>
+        <p:style>
+          <a:lnRef idx="2">
+            <a:schemeClr val="accent1">
+              <a:shade val="50000"/>
+            </a:schemeClr>
+          </a:lnRef>
+          <a:fillRef idx="1">
+            <a:schemeClr val="accent1"/>
+          </a:fillRef>
+          <a:effectRef idx="0">
+            <a:schemeClr val="accent1"/>
+          </a:effectRef>
+          <a:fontRef idx="minor">
+            <a:schemeClr val="lt1"/>
+          </a:fontRef>
+        </p:style>
+        <p:txBody>
+          <a:bodyPr rtlCol="0" anchor="ctr"/>
+          <a:lstStyle/>
+          <a:p>
+            <a:pPr algn="ctr"/>
+            <a:endParaRPr lang="en-US"/>
+          </a:p>
+        </p:txBody>
+      </p:sp>
+      <p:sp>
+        <p:nvSpPr>
+          <p:cNvPr id="14" name="TextBox 13">
+            <a:extLst>
+              <a:ext uri="{FF2B5EF4-FFF2-40B4-BE49-F238E27FC236}">
+                <a16:creationId xmlns:a16="http://schemas.microsoft.com/office/drawing/2014/main" id="{B6602CE8-2BA5-656B-FD4B-3FFC50784BED}"/>
+              </a:ext>
+            </a:extLst>
+          </p:cNvPr>
+          <p:cNvSpPr txBox="1"/>
+          <p:nvPr/>
+        </p:nvSpPr>
+        <p:spPr>
+          <a:xfrm>
+            <a:off x="4330262" y="546538"/>
+            <a:ext cx="4508938" cy="1200329"/>
+          </a:xfrm>
+          <a:prstGeom prst="rect">
+            <a:avLst/>
+          </a:prstGeom>
+          <a:noFill/>
+        </p:spPr>
+        <p:txBody>
+          <a:bodyPr wrap="square" rtlCol="0">
+            <a:spAutoFit/>
+          </a:bodyPr>
+          <a:lstStyle/>
+          <a:p>
+            <a:pPr algn="ctr"/>
+            <a:r>
+              <a:rPr lang="en-US" b="1" dirty="0"/>
+              <a:t>Data Access Communication Channel</a:t>
+            </a:r>
+          </a:p>
+          <a:p>
+            <a:pPr algn="ctr"/>
+            <a:r>
+              <a:rPr lang="en-US" b="1" dirty="0"/>
+              <a:t>A Thread is allocated by DB Server to Provide a Connection to Client App so that transactions are handled </a:t>
+            </a:r>
+          </a:p>
+        </p:txBody>
+      </p:sp>
+      <p:sp>
+        <p:nvSpPr>
+          <p:cNvPr id="15" name="Rectangle 14">
+            <a:extLst>
+              <a:ext uri="{FF2B5EF4-FFF2-40B4-BE49-F238E27FC236}">
+                <a16:creationId xmlns:a16="http://schemas.microsoft.com/office/drawing/2014/main" id="{7CF6F57D-D705-3579-CB85-CE1D45A63300}"/>
+              </a:ext>
+            </a:extLst>
+          </p:cNvPr>
+          <p:cNvSpPr/>
+          <p:nvPr/>
+        </p:nvSpPr>
+        <p:spPr>
+          <a:xfrm>
+            <a:off x="3447393" y="2017986"/>
+            <a:ext cx="5612524" cy="241738"/>
+          </a:xfrm>
+          <a:prstGeom prst="rect">
+            <a:avLst/>
+          </a:prstGeom>
+          <a:solidFill>
+            <a:schemeClr val="accent2"/>
+          </a:solidFill>
+        </p:spPr>
+        <p:style>
+          <a:lnRef idx="2">
+            <a:schemeClr val="accent1">
+              <a:shade val="50000"/>
+            </a:schemeClr>
+          </a:lnRef>
+          <a:fillRef idx="1">
+            <a:schemeClr val="accent1"/>
+          </a:fillRef>
+          <a:effectRef idx="0">
+            <a:schemeClr val="accent1"/>
+          </a:effectRef>
+          <a:fontRef idx="minor">
+            <a:schemeClr val="lt1"/>
+          </a:fontRef>
+        </p:style>
+        <p:txBody>
+          <a:bodyPr rtlCol="0" anchor="ctr"/>
+          <a:lstStyle/>
+          <a:p>
+            <a:pPr algn="ctr"/>
+            <a:r>
+              <a:rPr lang="en-US" dirty="0"/>
+              <a:t>Thread</a:t>
+            </a:r>
+          </a:p>
+        </p:txBody>
+      </p:sp>
+      <p:sp>
+        <p:nvSpPr>
+          <p:cNvPr id="16" name="Rectangle 15">
+            <a:extLst>
+              <a:ext uri="{FF2B5EF4-FFF2-40B4-BE49-F238E27FC236}">
+                <a16:creationId xmlns:a16="http://schemas.microsoft.com/office/drawing/2014/main" id="{A7B28541-4740-212E-0B12-82D286AF80DB}"/>
+              </a:ext>
+            </a:extLst>
+          </p:cNvPr>
+          <p:cNvSpPr/>
+          <p:nvPr/>
+        </p:nvSpPr>
+        <p:spPr>
+          <a:xfrm>
+            <a:off x="3447393" y="2396359"/>
+            <a:ext cx="5612524" cy="241738"/>
+          </a:xfrm>
+          <a:prstGeom prst="rect">
+            <a:avLst/>
+          </a:prstGeom>
+          <a:solidFill>
+            <a:schemeClr val="accent2"/>
+          </a:solidFill>
+        </p:spPr>
+        <p:style>
+          <a:lnRef idx="2">
+            <a:schemeClr val="accent1">
+              <a:shade val="50000"/>
+            </a:schemeClr>
+          </a:lnRef>
+          <a:fillRef idx="1">
+            <a:schemeClr val="accent1"/>
+          </a:fillRef>
+          <a:effectRef idx="0">
+            <a:schemeClr val="accent1"/>
+          </a:effectRef>
+          <a:fontRef idx="minor">
+            <a:schemeClr val="lt1"/>
+          </a:fontRef>
+        </p:style>
+        <p:txBody>
+          <a:bodyPr rtlCol="0" anchor="ctr"/>
+          <a:lstStyle/>
+          <a:p>
+            <a:pPr algn="ctr"/>
+            <a:r>
+              <a:rPr lang="en-US" dirty="0"/>
+              <a:t>Thread</a:t>
+            </a:r>
+          </a:p>
+        </p:txBody>
+      </p:sp>
+      <p:sp>
+        <p:nvSpPr>
+          <p:cNvPr id="17" name="Rectangle 16">
+            <a:extLst>
+              <a:ext uri="{FF2B5EF4-FFF2-40B4-BE49-F238E27FC236}">
+                <a16:creationId xmlns:a16="http://schemas.microsoft.com/office/drawing/2014/main" id="{CC0DDA16-3D34-6BCE-32D8-B8620CBB962E}"/>
+              </a:ext>
+            </a:extLst>
+          </p:cNvPr>
+          <p:cNvSpPr/>
+          <p:nvPr/>
+        </p:nvSpPr>
+        <p:spPr>
+          <a:xfrm>
+            <a:off x="3394842" y="2774732"/>
+            <a:ext cx="5612524" cy="241738"/>
+          </a:xfrm>
+          <a:prstGeom prst="rect">
+            <a:avLst/>
+          </a:prstGeom>
+          <a:solidFill>
+            <a:schemeClr val="accent2"/>
+          </a:solidFill>
+        </p:spPr>
+        <p:style>
+          <a:lnRef idx="2">
+            <a:schemeClr val="accent1">
+              <a:shade val="50000"/>
+            </a:schemeClr>
+          </a:lnRef>
+          <a:fillRef idx="1">
+            <a:schemeClr val="accent1"/>
+          </a:fillRef>
+          <a:effectRef idx="0">
+            <a:schemeClr val="accent1"/>
+          </a:effectRef>
+          <a:fontRef idx="minor">
+            <a:schemeClr val="lt1"/>
+          </a:fontRef>
+        </p:style>
+        <p:txBody>
+          <a:bodyPr rtlCol="0" anchor="ctr"/>
+          <a:lstStyle/>
+          <a:p>
+            <a:pPr algn="ctr"/>
+            <a:r>
+              <a:rPr lang="en-US" dirty="0"/>
+              <a:t>Thread</a:t>
+            </a:r>
+          </a:p>
+        </p:txBody>
+      </p:sp>
+      <p:sp>
+        <p:nvSpPr>
+          <p:cNvPr id="18" name="Rectangle 17">
+            <a:extLst>
+              <a:ext uri="{FF2B5EF4-FFF2-40B4-BE49-F238E27FC236}">
+                <a16:creationId xmlns:a16="http://schemas.microsoft.com/office/drawing/2014/main" id="{40B57698-216E-B2C9-7580-4B3D9D5C3318}"/>
+              </a:ext>
+            </a:extLst>
+          </p:cNvPr>
+          <p:cNvSpPr/>
+          <p:nvPr/>
+        </p:nvSpPr>
+        <p:spPr>
+          <a:xfrm>
+            <a:off x="3478925" y="3153105"/>
+            <a:ext cx="5612524" cy="241738"/>
+          </a:xfrm>
+          <a:prstGeom prst="rect">
+            <a:avLst/>
+          </a:prstGeom>
+          <a:solidFill>
+            <a:schemeClr val="accent2"/>
+          </a:solidFill>
+        </p:spPr>
+        <p:style>
+          <a:lnRef idx="2">
+            <a:schemeClr val="accent1">
+              <a:shade val="50000"/>
+            </a:schemeClr>
+          </a:lnRef>
+          <a:fillRef idx="1">
+            <a:schemeClr val="accent1"/>
+          </a:fillRef>
+          <a:effectRef idx="0">
+            <a:schemeClr val="accent1"/>
+          </a:effectRef>
+          <a:fontRef idx="minor">
+            <a:schemeClr val="lt1"/>
+          </a:fontRef>
+        </p:style>
+        <p:txBody>
+          <a:bodyPr rtlCol="0" anchor="ctr"/>
+          <a:lstStyle/>
+          <a:p>
+            <a:pPr algn="ctr"/>
+            <a:r>
+              <a:rPr lang="en-US" dirty="0"/>
+              <a:t>Thread</a:t>
+            </a:r>
+          </a:p>
+        </p:txBody>
+      </p:sp>
+      <p:sp>
+        <p:nvSpPr>
+          <p:cNvPr id="19" name="Rectangle 18">
+            <a:extLst>
+              <a:ext uri="{FF2B5EF4-FFF2-40B4-BE49-F238E27FC236}">
+                <a16:creationId xmlns:a16="http://schemas.microsoft.com/office/drawing/2014/main" id="{7CCC9903-9E06-EC03-DC29-F84012A553FA}"/>
+              </a:ext>
+            </a:extLst>
+          </p:cNvPr>
+          <p:cNvSpPr/>
+          <p:nvPr/>
+        </p:nvSpPr>
+        <p:spPr>
+          <a:xfrm>
+            <a:off x="3478925" y="3531478"/>
+            <a:ext cx="5612524" cy="241738"/>
+          </a:xfrm>
+          <a:prstGeom prst="rect">
+            <a:avLst/>
+          </a:prstGeom>
+          <a:solidFill>
+            <a:schemeClr val="accent2"/>
+          </a:solidFill>
+        </p:spPr>
+        <p:style>
+          <a:lnRef idx="2">
+            <a:schemeClr val="accent1">
+              <a:shade val="50000"/>
+            </a:schemeClr>
+          </a:lnRef>
+          <a:fillRef idx="1">
+            <a:schemeClr val="accent1"/>
+          </a:fillRef>
+          <a:effectRef idx="0">
+            <a:schemeClr val="accent1"/>
+          </a:effectRef>
+          <a:fontRef idx="minor">
+            <a:schemeClr val="lt1"/>
+          </a:fontRef>
+        </p:style>
+        <p:txBody>
+          <a:bodyPr rtlCol="0" anchor="ctr"/>
+          <a:lstStyle/>
+          <a:p>
+            <a:pPr algn="ctr"/>
+            <a:r>
+              <a:rPr lang="en-US" dirty="0"/>
+              <a:t>Thread</a:t>
+            </a:r>
+          </a:p>
+        </p:txBody>
+      </p:sp>
+      <p:sp>
+        <p:nvSpPr>
+          <p:cNvPr id="20" name="Rectangle 19">
+            <a:extLst>
+              <a:ext uri="{FF2B5EF4-FFF2-40B4-BE49-F238E27FC236}">
+                <a16:creationId xmlns:a16="http://schemas.microsoft.com/office/drawing/2014/main" id="{A2EE773D-2D82-BFB1-33D8-A43D39399E9B}"/>
+              </a:ext>
+            </a:extLst>
+          </p:cNvPr>
+          <p:cNvSpPr/>
+          <p:nvPr/>
+        </p:nvSpPr>
+        <p:spPr>
+          <a:xfrm>
+            <a:off x="3426374" y="3909851"/>
+            <a:ext cx="5612524" cy="241738"/>
+          </a:xfrm>
+          <a:prstGeom prst="rect">
+            <a:avLst/>
+          </a:prstGeom>
+          <a:solidFill>
+            <a:schemeClr val="accent2"/>
+          </a:solidFill>
+        </p:spPr>
+        <p:style>
+          <a:lnRef idx="2">
+            <a:schemeClr val="accent1">
+              <a:shade val="50000"/>
+            </a:schemeClr>
+          </a:lnRef>
+          <a:fillRef idx="1">
+            <a:schemeClr val="accent1"/>
+          </a:fillRef>
+          <a:effectRef idx="0">
+            <a:schemeClr val="accent1"/>
+          </a:effectRef>
+          <a:fontRef idx="minor">
+            <a:schemeClr val="lt1"/>
+          </a:fontRef>
+        </p:style>
+        <p:txBody>
+          <a:bodyPr rtlCol="0" anchor="ctr"/>
+          <a:lstStyle/>
+          <a:p>
+            <a:pPr algn="ctr"/>
+            <a:r>
+              <a:rPr lang="en-US" dirty="0"/>
+              <a:t>Thread</a:t>
+            </a:r>
+          </a:p>
+        </p:txBody>
+      </p:sp>
+      <p:sp>
+        <p:nvSpPr>
+          <p:cNvPr id="21" name="Rectangle 20">
+            <a:extLst>
+              <a:ext uri="{FF2B5EF4-FFF2-40B4-BE49-F238E27FC236}">
+                <a16:creationId xmlns:a16="http://schemas.microsoft.com/office/drawing/2014/main" id="{A2553A38-15CB-0253-BEDB-F471B5578C7D}"/>
+              </a:ext>
+            </a:extLst>
+          </p:cNvPr>
+          <p:cNvSpPr/>
+          <p:nvPr/>
+        </p:nvSpPr>
+        <p:spPr>
+          <a:xfrm>
+            <a:off x="3447393" y="4167355"/>
+            <a:ext cx="5612524" cy="241738"/>
+          </a:xfrm>
+          <a:prstGeom prst="rect">
+            <a:avLst/>
+          </a:prstGeom>
+          <a:solidFill>
+            <a:schemeClr val="accent2"/>
+          </a:solidFill>
+        </p:spPr>
+        <p:style>
+          <a:lnRef idx="2">
+            <a:schemeClr val="accent1">
+              <a:shade val="50000"/>
+            </a:schemeClr>
+          </a:lnRef>
+          <a:fillRef idx="1">
+            <a:schemeClr val="accent1"/>
+          </a:fillRef>
+          <a:effectRef idx="0">
+            <a:schemeClr val="accent1"/>
+          </a:effectRef>
+          <a:fontRef idx="minor">
+            <a:schemeClr val="lt1"/>
+          </a:fontRef>
+        </p:style>
+        <p:txBody>
+          <a:bodyPr rtlCol="0" anchor="ctr"/>
+          <a:lstStyle/>
+          <a:p>
+            <a:pPr algn="ctr"/>
+            <a:r>
+              <a:rPr lang="en-US" dirty="0"/>
+              <a:t>Thread</a:t>
+            </a:r>
+          </a:p>
+        </p:txBody>
+      </p:sp>
+      <p:sp>
+        <p:nvSpPr>
+          <p:cNvPr id="22" name="Rectangle 21">
+            <a:extLst>
+              <a:ext uri="{FF2B5EF4-FFF2-40B4-BE49-F238E27FC236}">
+                <a16:creationId xmlns:a16="http://schemas.microsoft.com/office/drawing/2014/main" id="{0984DC09-BA83-1293-DAAF-569CE803CA2C}"/>
+              </a:ext>
+            </a:extLst>
+          </p:cNvPr>
+          <p:cNvSpPr/>
+          <p:nvPr/>
+        </p:nvSpPr>
+        <p:spPr>
+          <a:xfrm>
+            <a:off x="3394842" y="4545728"/>
+            <a:ext cx="5612524" cy="241738"/>
+          </a:xfrm>
+          <a:prstGeom prst="rect">
+            <a:avLst/>
+          </a:prstGeom>
+          <a:solidFill>
+            <a:schemeClr val="accent2"/>
+          </a:solidFill>
+        </p:spPr>
+        <p:style>
+          <a:lnRef idx="2">
+            <a:schemeClr val="accent1">
+              <a:shade val="50000"/>
+            </a:schemeClr>
+          </a:lnRef>
+          <a:fillRef idx="1">
+            <a:schemeClr val="accent1"/>
+          </a:fillRef>
+          <a:effectRef idx="0">
+            <a:schemeClr val="accent1"/>
+          </a:effectRef>
+          <a:fontRef idx="minor">
+            <a:schemeClr val="lt1"/>
+          </a:fontRef>
+        </p:style>
+        <p:txBody>
+          <a:bodyPr rtlCol="0" anchor="ctr"/>
+          <a:lstStyle/>
+          <a:p>
+            <a:pPr algn="ctr"/>
+            <a:r>
+              <a:rPr lang="en-US" dirty="0"/>
+              <a:t>Thread</a:t>
+            </a:r>
+          </a:p>
+        </p:txBody>
+      </p:sp>
+      <p:cxnSp>
+        <p:nvCxnSpPr>
+          <p:cNvPr id="24" name="Elbow Connector 23">
+            <a:extLst>
+              <a:ext uri="{FF2B5EF4-FFF2-40B4-BE49-F238E27FC236}">
+                <a16:creationId xmlns:a16="http://schemas.microsoft.com/office/drawing/2014/main" id="{262355B6-6F72-172D-028C-A1B358BF88A3}"/>
+              </a:ext>
+            </a:extLst>
+          </p:cNvPr>
+          <p:cNvCxnSpPr>
+            <a:stCxn id="2" idx="3"/>
+            <a:endCxn id="15" idx="1"/>
+          </p:cNvCxnSpPr>
+          <p:nvPr/>
+        </p:nvCxnSpPr>
+        <p:spPr>
+          <a:xfrm>
+            <a:off x="1513491" y="830318"/>
+            <a:ext cx="1933902" cy="1308537"/>
+          </a:xfrm>
+          <a:prstGeom prst="bentConnector3">
+            <a:avLst/>
+          </a:prstGeom>
+          <a:ln w="57150">
+            <a:solidFill>
+              <a:srgbClr val="002060"/>
+            </a:solidFill>
+            <a:tailEnd type="triangle"/>
+          </a:ln>
+        </p:spPr>
+        <p:style>
+          <a:lnRef idx="1">
+            <a:schemeClr val="accent1"/>
+          </a:lnRef>
+          <a:fillRef idx="0">
+            <a:schemeClr val="accent1"/>
+          </a:fillRef>
+          <a:effectRef idx="0">
+            <a:schemeClr val="accent1"/>
+          </a:effectRef>
+          <a:fontRef idx="minor">
+            <a:schemeClr val="tx1"/>
+          </a:fontRef>
+        </p:style>
+      </p:cxnSp>
+      <p:cxnSp>
+        <p:nvCxnSpPr>
+          <p:cNvPr id="26" name="Elbow Connector 25">
+            <a:extLst>
+              <a:ext uri="{FF2B5EF4-FFF2-40B4-BE49-F238E27FC236}">
+                <a16:creationId xmlns:a16="http://schemas.microsoft.com/office/drawing/2014/main" id="{960C8F46-A82D-4FB2-2D4F-A986B02C2C74}"/>
+              </a:ext>
+            </a:extLst>
+          </p:cNvPr>
+          <p:cNvCxnSpPr>
+            <a:stCxn id="7" idx="3"/>
+            <a:endCxn id="16" idx="1"/>
+          </p:cNvCxnSpPr>
+          <p:nvPr/>
+        </p:nvCxnSpPr>
+        <p:spPr>
+          <a:xfrm>
+            <a:off x="1513491" y="1991711"/>
+            <a:ext cx="1933902" cy="525517"/>
+          </a:xfrm>
+          <a:prstGeom prst="bentConnector3">
+            <a:avLst/>
+          </a:prstGeom>
+          <a:ln w="76200">
+            <a:tailEnd type="triangle"/>
+          </a:ln>
+        </p:spPr>
+        <p:style>
+          <a:lnRef idx="1">
+            <a:schemeClr val="accent1"/>
+          </a:lnRef>
+          <a:fillRef idx="0">
+            <a:schemeClr val="accent1"/>
+          </a:fillRef>
+          <a:effectRef idx="0">
+            <a:schemeClr val="accent1"/>
+          </a:effectRef>
+          <a:fontRef idx="minor">
+            <a:schemeClr val="tx1"/>
+          </a:fontRef>
+        </p:style>
+      </p:cxnSp>
+      <p:cxnSp>
+        <p:nvCxnSpPr>
+          <p:cNvPr id="28" name="Elbow Connector 27">
+            <a:extLst>
+              <a:ext uri="{FF2B5EF4-FFF2-40B4-BE49-F238E27FC236}">
+                <a16:creationId xmlns:a16="http://schemas.microsoft.com/office/drawing/2014/main" id="{2F5EF5CD-2175-B204-6F95-00B8CB33C121}"/>
+              </a:ext>
+            </a:extLst>
+          </p:cNvPr>
+          <p:cNvCxnSpPr>
+            <a:stCxn id="8" idx="3"/>
+          </p:cNvCxnSpPr>
+          <p:nvPr/>
+        </p:nvCxnSpPr>
+        <p:spPr>
+          <a:xfrm flipV="1">
+            <a:off x="1513491" y="2916621"/>
+            <a:ext cx="1881351" cy="194441"/>
+          </a:xfrm>
+          <a:prstGeom prst="bentConnector3">
+            <a:avLst/>
+          </a:prstGeom>
+          <a:ln w="76200">
+            <a:tailEnd type="triangle"/>
+          </a:ln>
+        </p:spPr>
+        <p:style>
+          <a:lnRef idx="1">
+            <a:schemeClr val="accent1"/>
+          </a:lnRef>
+          <a:fillRef idx="0">
+            <a:schemeClr val="accent1"/>
+          </a:fillRef>
+          <a:effectRef idx="0">
+            <a:schemeClr val="accent1"/>
+          </a:effectRef>
+          <a:fontRef idx="minor">
+            <a:schemeClr val="tx1"/>
+          </a:fontRef>
+        </p:style>
+      </p:cxnSp>
+      <p:sp>
+        <p:nvSpPr>
+          <p:cNvPr id="29" name="TextBox 28">
+            <a:extLst>
+              <a:ext uri="{FF2B5EF4-FFF2-40B4-BE49-F238E27FC236}">
+                <a16:creationId xmlns:a16="http://schemas.microsoft.com/office/drawing/2014/main" id="{F3FF46AB-2153-98CC-DF20-9E0904823626}"/>
+              </a:ext>
+            </a:extLst>
+          </p:cNvPr>
+          <p:cNvSpPr txBox="1"/>
+          <p:nvPr/>
+        </p:nvSpPr>
+        <p:spPr>
+          <a:xfrm>
+            <a:off x="3153103" y="5160583"/>
+            <a:ext cx="5686097" cy="923330"/>
+          </a:xfrm>
+          <a:prstGeom prst="rect">
+            <a:avLst/>
+          </a:prstGeom>
+          <a:noFill/>
+        </p:spPr>
+        <p:txBody>
+          <a:bodyPr wrap="square" rtlCol="0">
+            <a:spAutoFit/>
+          </a:bodyPr>
+          <a:lstStyle/>
+          <a:p>
+            <a:pPr algn="ctr"/>
+            <a:r>
+              <a:rPr lang="en-US" b="1" dirty="0"/>
+              <a:t>There may be situation Occurred where all Threads are allocated to Client Apps and hence there is no room to accept connection from New client </a:t>
+            </a:r>
+          </a:p>
+        </p:txBody>
+      </p:sp>
+      <p:sp>
+        <p:nvSpPr>
+          <p:cNvPr id="30" name="Summing Junction 29">
+            <a:extLst>
+              <a:ext uri="{FF2B5EF4-FFF2-40B4-BE49-F238E27FC236}">
+                <a16:creationId xmlns:a16="http://schemas.microsoft.com/office/drawing/2014/main" id="{F852CB40-1130-D070-593E-7262A21473A8}"/>
+              </a:ext>
+            </a:extLst>
+          </p:cNvPr>
+          <p:cNvSpPr/>
+          <p:nvPr/>
+        </p:nvSpPr>
+        <p:spPr>
+          <a:xfrm>
+            <a:off x="4876800" y="1881349"/>
+            <a:ext cx="609600" cy="515010"/>
+          </a:xfrm>
+          <a:prstGeom prst="flowChartSummingJunction">
+            <a:avLst/>
+          </a:prstGeom>
+          <a:solidFill>
+            <a:srgbClr val="FF0000"/>
+          </a:solidFill>
+        </p:spPr>
+        <p:style>
+          <a:lnRef idx="2">
+            <a:schemeClr val="accent1">
+              <a:shade val="50000"/>
+            </a:schemeClr>
+          </a:lnRef>
+          <a:fillRef idx="1">
+            <a:schemeClr val="accent1"/>
+          </a:fillRef>
+          <a:effectRef idx="0">
+            <a:schemeClr val="accent1"/>
+          </a:effectRef>
+          <a:fontRef idx="minor">
+            <a:schemeClr val="lt1"/>
+          </a:fontRef>
+        </p:style>
+        <p:txBody>
+          <a:bodyPr rtlCol="0" anchor="ctr"/>
+          <a:lstStyle/>
+          <a:p>
+            <a:pPr algn="ctr"/>
+            <a:endParaRPr lang="en-US"/>
+          </a:p>
+        </p:txBody>
+      </p:sp>
+      <p:cxnSp>
+        <p:nvCxnSpPr>
+          <p:cNvPr id="32" name="Elbow Connector 31">
+            <a:extLst>
+              <a:ext uri="{FF2B5EF4-FFF2-40B4-BE49-F238E27FC236}">
+                <a16:creationId xmlns:a16="http://schemas.microsoft.com/office/drawing/2014/main" id="{2E90F357-51A0-D80B-C217-9504734C6207}"/>
+              </a:ext>
+            </a:extLst>
+          </p:cNvPr>
+          <p:cNvCxnSpPr>
+            <a:stCxn id="12" idx="3"/>
+            <a:endCxn id="15" idx="1"/>
+          </p:cNvCxnSpPr>
+          <p:nvPr/>
+        </p:nvCxnSpPr>
+        <p:spPr>
+          <a:xfrm flipV="1">
+            <a:off x="1513491" y="2138855"/>
+            <a:ext cx="1933902" cy="3778473"/>
+          </a:xfrm>
+          <a:prstGeom prst="bentConnector3">
+            <a:avLst/>
+          </a:prstGeom>
+          <a:ln w="76200">
+            <a:solidFill>
+              <a:srgbClr val="FFFF00"/>
+            </a:solidFill>
+            <a:tailEnd type="triangle"/>
+          </a:ln>
+        </p:spPr>
+        <p:style>
+          <a:lnRef idx="1">
+            <a:schemeClr val="accent1"/>
+          </a:lnRef>
+          <a:fillRef idx="0">
+            <a:schemeClr val="accent1"/>
+          </a:fillRef>
+          <a:effectRef idx="0">
+            <a:schemeClr val="accent1"/>
+          </a:effectRef>
+          <a:fontRef idx="minor">
+            <a:schemeClr val="tx1"/>
+          </a:fontRef>
+        </p:style>
+      </p:cxnSp>
+      <p:sp>
+        <p:nvSpPr>
+          <p:cNvPr id="33" name="TextBox 32">
+            <a:extLst>
+              <a:ext uri="{FF2B5EF4-FFF2-40B4-BE49-F238E27FC236}">
+                <a16:creationId xmlns:a16="http://schemas.microsoft.com/office/drawing/2014/main" id="{ED140E3E-3B0F-7361-DD6A-0831B1262566}"/>
+              </a:ext>
+            </a:extLst>
+          </p:cNvPr>
+          <p:cNvSpPr txBox="1"/>
+          <p:nvPr/>
+        </p:nvSpPr>
+        <p:spPr>
+          <a:xfrm>
+            <a:off x="1849822" y="6195117"/>
+            <a:ext cx="5686097" cy="369332"/>
+          </a:xfrm>
+          <a:prstGeom prst="rect">
+            <a:avLst/>
+          </a:prstGeom>
+          <a:solidFill>
+            <a:srgbClr val="FF0000"/>
+          </a:solidFill>
+        </p:spPr>
+        <p:txBody>
+          <a:bodyPr wrap="square" rtlCol="0">
+            <a:spAutoFit/>
+          </a:bodyPr>
+          <a:lstStyle/>
+          <a:p>
+            <a:pPr algn="ctr"/>
+            <a:r>
+              <a:rPr lang="en-US" b="1" dirty="0">
+                <a:solidFill>
+                  <a:srgbClr val="FFFF00"/>
+                </a:solidFill>
+              </a:rPr>
+              <a:t>Use Disconnected Architecture of ADO.NET is the Solution </a:t>
+            </a:r>
+          </a:p>
+        </p:txBody>
+      </p:sp>
+    </p:spTree>
+    <p:extLst>
+      <p:ext uri="{BB962C8B-B14F-4D97-AF65-F5344CB8AC3E}">
+        <p14:creationId xmlns:p14="http://schemas.microsoft.com/office/powerpoint/2010/main" val="3786093014"/>
+      </p:ext>
+    </p:extLst>
+  </p:cSld>
+  <p:clrMapOvr>
+    <a:masterClrMapping/>
+  </p:clrMapOvr>
+</p:sld>
+</file>
+
+<file path=ppt/slides/slide37.xml><?xml version="1.0" encoding="utf-8"?>
+<p:sld xmlns:a="http://schemas.openxmlformats.org/drawingml/2006/main" xmlns:r="http://schemas.openxmlformats.org/officeDocument/2006/relationships" xmlns:p="http://schemas.openxmlformats.org/presentationml/2006/main">
+  <p:cSld>
+    <p:spTree>
+      <p:nvGrpSpPr>
+        <p:cNvPr id="1" name=""/>
+        <p:cNvGrpSpPr/>
+        <p:nvPr/>
+      </p:nvGrpSpPr>
+      <p:grpSpPr>
+        <a:xfrm>
+          <a:off x="0" y="0"/>
+          <a:ext cx="0" cy="0"/>
+          <a:chOff x="0" y="0"/>
+          <a:chExt cx="0" cy="0"/>
+        </a:xfrm>
+      </p:grpSpPr>
+      <p:sp>
+        <p:nvSpPr>
+          <p:cNvPr id="2" name="Can 1">
+            <a:extLst>
+              <a:ext uri="{FF2B5EF4-FFF2-40B4-BE49-F238E27FC236}">
+                <a16:creationId xmlns:a16="http://schemas.microsoft.com/office/drawing/2014/main" id="{CDACF25E-7F34-9CE1-F565-CCFCD81E04B2}"/>
+              </a:ext>
+            </a:extLst>
+          </p:cNvPr>
+          <p:cNvSpPr/>
+          <p:nvPr/>
+        </p:nvSpPr>
+        <p:spPr>
+          <a:xfrm>
+            <a:off x="9974317" y="94593"/>
+            <a:ext cx="1996966" cy="6763407"/>
+          </a:xfrm>
+          <a:prstGeom prst="can">
+            <a:avLst>
+              <a:gd name="adj" fmla="val 7632"/>
+            </a:avLst>
+          </a:prstGeom>
+        </p:spPr>
+        <p:style>
+          <a:lnRef idx="2">
+            <a:schemeClr val="accent1">
+              <a:shade val="50000"/>
+            </a:schemeClr>
+          </a:lnRef>
+          <a:fillRef idx="1">
+            <a:schemeClr val="accent1"/>
+          </a:fillRef>
+          <a:effectRef idx="0">
+            <a:schemeClr val="accent1"/>
+          </a:effectRef>
+          <a:fontRef idx="minor">
+            <a:schemeClr val="lt1"/>
+          </a:fontRef>
+        </p:style>
+        <p:txBody>
+          <a:bodyPr rtlCol="0" anchor="ctr"/>
+          <a:lstStyle/>
+          <a:p>
+            <a:pPr algn="ctr"/>
+            <a:r>
+              <a:rPr lang="en-US" b="1" dirty="0"/>
+              <a:t>SQL Server Database</a:t>
+            </a:r>
+          </a:p>
+        </p:txBody>
+      </p:sp>
+      <p:sp>
+        <p:nvSpPr>
+          <p:cNvPr id="3" name="Rectangle 2">
+            <a:extLst>
+              <a:ext uri="{FF2B5EF4-FFF2-40B4-BE49-F238E27FC236}">
+                <a16:creationId xmlns:a16="http://schemas.microsoft.com/office/drawing/2014/main" id="{492DE247-7C6B-C0B3-64D9-A4858549B80A}"/>
+              </a:ext>
+            </a:extLst>
+          </p:cNvPr>
+          <p:cNvSpPr/>
+          <p:nvPr/>
+        </p:nvSpPr>
+        <p:spPr>
+          <a:xfrm>
+            <a:off x="94593" y="0"/>
+            <a:ext cx="1177159" cy="6726621"/>
+          </a:xfrm>
+          <a:prstGeom prst="rect">
+            <a:avLst/>
+          </a:prstGeom>
+        </p:spPr>
+        <p:style>
+          <a:lnRef idx="2">
+            <a:schemeClr val="accent1">
+              <a:shade val="50000"/>
+            </a:schemeClr>
+          </a:lnRef>
+          <a:fillRef idx="1">
+            <a:schemeClr val="accent1"/>
+          </a:fillRef>
+          <a:effectRef idx="0">
+            <a:schemeClr val="accent1"/>
+          </a:effectRef>
+          <a:fontRef idx="minor">
+            <a:schemeClr val="lt1"/>
+          </a:fontRef>
+        </p:style>
+        <p:txBody>
+          <a:bodyPr rtlCol="0" anchor="ctr"/>
+          <a:lstStyle/>
+          <a:p>
+            <a:pPr algn="ctr"/>
+            <a:r>
+              <a:rPr lang="en-US" b="1" dirty="0"/>
+              <a:t>.NET Client App</a:t>
+            </a:r>
+          </a:p>
+        </p:txBody>
+      </p:sp>
+      <p:sp>
+        <p:nvSpPr>
+          <p:cNvPr id="4" name="Right Arrow 3">
+            <a:extLst>
+              <a:ext uri="{FF2B5EF4-FFF2-40B4-BE49-F238E27FC236}">
+                <a16:creationId xmlns:a16="http://schemas.microsoft.com/office/drawing/2014/main" id="{D848F8C9-BC8A-3585-9EBF-2BADABCB8B30}"/>
+              </a:ext>
+            </a:extLst>
+          </p:cNvPr>
+          <p:cNvSpPr/>
+          <p:nvPr/>
+        </p:nvSpPr>
+        <p:spPr>
+          <a:xfrm>
+            <a:off x="1282262" y="94593"/>
+            <a:ext cx="8692055" cy="399393"/>
+          </a:xfrm>
+          <a:prstGeom prst="rightArrow">
+            <a:avLst/>
+          </a:prstGeom>
+        </p:spPr>
+        <p:style>
+          <a:lnRef idx="2">
+            <a:schemeClr val="accent1">
+              <a:shade val="50000"/>
+            </a:schemeClr>
+          </a:lnRef>
+          <a:fillRef idx="1">
+            <a:schemeClr val="accent1"/>
+          </a:fillRef>
+          <a:effectRef idx="0">
+            <a:schemeClr val="accent1"/>
+          </a:effectRef>
+          <a:fontRef idx="minor">
+            <a:schemeClr val="lt1"/>
+          </a:fontRef>
+        </p:style>
+        <p:txBody>
+          <a:bodyPr rtlCol="0" anchor="ctr"/>
+          <a:lstStyle/>
+          <a:p>
+            <a:pPr algn="ctr"/>
+            <a:r>
+              <a:rPr lang="en-US" b="1" dirty="0"/>
+              <a:t>1. Request For the Connection using Connection String and Credentials</a:t>
+            </a:r>
+          </a:p>
+        </p:txBody>
+      </p:sp>
+      <p:sp>
+        <p:nvSpPr>
+          <p:cNvPr id="5" name="Rectangle 4">
+            <a:extLst>
+              <a:ext uri="{FF2B5EF4-FFF2-40B4-BE49-F238E27FC236}">
+                <a16:creationId xmlns:a16="http://schemas.microsoft.com/office/drawing/2014/main" id="{5217A1EE-ECDF-6429-345F-671328C56D99}"/>
+              </a:ext>
+            </a:extLst>
+          </p:cNvPr>
+          <p:cNvSpPr/>
+          <p:nvPr/>
+        </p:nvSpPr>
+        <p:spPr>
+          <a:xfrm>
+            <a:off x="4078014" y="588579"/>
+            <a:ext cx="4572000" cy="4288221"/>
+          </a:xfrm>
+          <a:prstGeom prst="rect">
+            <a:avLst/>
+          </a:prstGeom>
+          <a:solidFill>
+            <a:schemeClr val="accent2">
+              <a:lumMod val="40000"/>
+              <a:lumOff val="60000"/>
+            </a:schemeClr>
+          </a:solidFill>
+        </p:spPr>
+        <p:style>
+          <a:lnRef idx="2">
+            <a:schemeClr val="accent1">
+              <a:shade val="50000"/>
+            </a:schemeClr>
+          </a:lnRef>
+          <a:fillRef idx="1">
+            <a:schemeClr val="accent1"/>
+          </a:fillRef>
+          <a:effectRef idx="0">
+            <a:schemeClr val="accent1"/>
+          </a:effectRef>
+          <a:fontRef idx="minor">
+            <a:schemeClr val="lt1"/>
+          </a:fontRef>
+        </p:style>
+        <p:txBody>
+          <a:bodyPr rtlCol="0" anchor="ctr"/>
+          <a:lstStyle/>
+          <a:p>
+            <a:pPr algn="ctr"/>
+            <a:endParaRPr lang="en-US"/>
+          </a:p>
+        </p:txBody>
+      </p:sp>
+      <p:sp>
+        <p:nvSpPr>
+          <p:cNvPr id="6" name="TextBox 5">
+            <a:extLst>
+              <a:ext uri="{FF2B5EF4-FFF2-40B4-BE49-F238E27FC236}">
+                <a16:creationId xmlns:a16="http://schemas.microsoft.com/office/drawing/2014/main" id="{FD95D121-3DEC-8F1E-64B4-5A4BE089C90E}"/>
+              </a:ext>
+            </a:extLst>
+          </p:cNvPr>
+          <p:cNvSpPr txBox="1"/>
+          <p:nvPr/>
+        </p:nvSpPr>
+        <p:spPr>
+          <a:xfrm>
+            <a:off x="4246179" y="693683"/>
+            <a:ext cx="4204138" cy="369332"/>
+          </a:xfrm>
+          <a:prstGeom prst="rect">
+            <a:avLst/>
+          </a:prstGeom>
+          <a:noFill/>
+        </p:spPr>
+        <p:txBody>
+          <a:bodyPr wrap="square" rtlCol="0">
+            <a:spAutoFit/>
+          </a:bodyPr>
+          <a:lstStyle/>
+          <a:p>
+            <a:pPr algn="ctr"/>
+            <a:r>
+              <a:rPr lang="en-US" b="1" dirty="0"/>
+              <a:t>Data Adapter</a:t>
+            </a:r>
+          </a:p>
+        </p:txBody>
+      </p:sp>
+      <p:sp>
+        <p:nvSpPr>
+          <p:cNvPr id="7" name="Right Arrow 6">
+            <a:extLst>
+              <a:ext uri="{FF2B5EF4-FFF2-40B4-BE49-F238E27FC236}">
+                <a16:creationId xmlns:a16="http://schemas.microsoft.com/office/drawing/2014/main" id="{AFD01B60-95BA-6B29-7D34-E0AE5A589F5E}"/>
+              </a:ext>
+            </a:extLst>
+          </p:cNvPr>
+          <p:cNvSpPr/>
+          <p:nvPr/>
+        </p:nvSpPr>
+        <p:spPr>
+          <a:xfrm>
+            <a:off x="1271752" y="693683"/>
+            <a:ext cx="2806262" cy="662151"/>
+          </a:xfrm>
+          <a:prstGeom prst="rightArrow">
+            <a:avLst/>
+          </a:prstGeom>
+        </p:spPr>
+        <p:style>
+          <a:lnRef idx="2">
+            <a:schemeClr val="accent1">
+              <a:shade val="50000"/>
+            </a:schemeClr>
+          </a:lnRef>
+          <a:fillRef idx="1">
+            <a:schemeClr val="accent1"/>
+          </a:fillRef>
+          <a:effectRef idx="0">
+            <a:schemeClr val="accent1"/>
+          </a:effectRef>
+          <a:fontRef idx="minor">
+            <a:schemeClr val="lt1"/>
+          </a:fontRef>
+        </p:style>
+        <p:txBody>
+          <a:bodyPr rtlCol="0" anchor="ctr"/>
+          <a:lstStyle/>
+          <a:p>
+            <a:pPr algn="ctr"/>
+            <a:r>
+              <a:rPr lang="en-US" sz="1200" b="1" dirty="0"/>
+              <a:t>2. Connection Object and Plain Select Statement</a:t>
+            </a:r>
+          </a:p>
+        </p:txBody>
+      </p:sp>
+      <p:sp>
+        <p:nvSpPr>
+          <p:cNvPr id="8" name="Rectangle 7">
+            <a:extLst>
+              <a:ext uri="{FF2B5EF4-FFF2-40B4-BE49-F238E27FC236}">
+                <a16:creationId xmlns:a16="http://schemas.microsoft.com/office/drawing/2014/main" id="{593C1CB5-7673-4D1E-5853-80F9267BAA5B}"/>
+              </a:ext>
+            </a:extLst>
+          </p:cNvPr>
+          <p:cNvSpPr/>
+          <p:nvPr/>
+        </p:nvSpPr>
+        <p:spPr>
+          <a:xfrm>
+            <a:off x="4172607" y="1063015"/>
+            <a:ext cx="4372303" cy="513537"/>
+          </a:xfrm>
+          <a:prstGeom prst="rect">
+            <a:avLst/>
+          </a:prstGeom>
+        </p:spPr>
+        <p:style>
+          <a:lnRef idx="2">
+            <a:schemeClr val="accent1">
+              <a:shade val="50000"/>
+            </a:schemeClr>
+          </a:lnRef>
+          <a:fillRef idx="1">
+            <a:schemeClr val="accent1"/>
+          </a:fillRef>
+          <a:effectRef idx="0">
+            <a:schemeClr val="accent1"/>
+          </a:effectRef>
+          <a:fontRef idx="minor">
+            <a:schemeClr val="lt1"/>
+          </a:fontRef>
+        </p:style>
+        <p:txBody>
+          <a:bodyPr rtlCol="0" anchor="ctr"/>
+          <a:lstStyle/>
+          <a:p>
+            <a:pPr algn="ctr"/>
+            <a:r>
+              <a:rPr lang="en-US" b="1" dirty="0"/>
+              <a:t>3. </a:t>
+            </a:r>
+            <a:r>
+              <a:rPr lang="en-US" b="1" dirty="0" err="1"/>
+              <a:t>SelectCommand</a:t>
+            </a:r>
+            <a:r>
+              <a:rPr lang="en-US" b="1" dirty="0"/>
+              <a:t> will be generated to Read Data from Table </a:t>
+            </a:r>
+          </a:p>
+        </p:txBody>
+      </p:sp>
+      <p:sp>
+        <p:nvSpPr>
+          <p:cNvPr id="9" name="Right Arrow 8">
+            <a:extLst>
+              <a:ext uri="{FF2B5EF4-FFF2-40B4-BE49-F238E27FC236}">
+                <a16:creationId xmlns:a16="http://schemas.microsoft.com/office/drawing/2014/main" id="{496456F3-DEF5-EC84-25E2-B229987D848F}"/>
+              </a:ext>
+            </a:extLst>
+          </p:cNvPr>
+          <p:cNvSpPr/>
+          <p:nvPr/>
+        </p:nvSpPr>
+        <p:spPr>
+          <a:xfrm>
+            <a:off x="8650014" y="1063015"/>
+            <a:ext cx="1313793" cy="1333344"/>
+          </a:xfrm>
+          <a:prstGeom prst="rightArrow">
+            <a:avLst/>
+          </a:prstGeom>
+        </p:spPr>
+        <p:style>
+          <a:lnRef idx="2">
+            <a:schemeClr val="accent1">
+              <a:shade val="50000"/>
+            </a:schemeClr>
+          </a:lnRef>
+          <a:fillRef idx="1">
+            <a:schemeClr val="accent1"/>
+          </a:fillRef>
+          <a:effectRef idx="0">
+            <a:schemeClr val="accent1"/>
+          </a:effectRef>
+          <a:fontRef idx="minor">
+            <a:schemeClr val="lt1"/>
+          </a:fontRef>
+        </p:style>
+        <p:txBody>
+          <a:bodyPr rtlCol="0" anchor="ctr"/>
+          <a:lstStyle/>
+          <a:p>
+            <a:pPr algn="ctr"/>
+            <a:r>
+              <a:rPr lang="en-US" sz="1100" b="1" dirty="0"/>
+              <a:t>4. Connect to Db and Read Data from Table</a:t>
+            </a:r>
+          </a:p>
+        </p:txBody>
+      </p:sp>
+      <p:sp>
+        <p:nvSpPr>
+          <p:cNvPr id="10" name="Left Arrow 9">
+            <a:extLst>
+              <a:ext uri="{FF2B5EF4-FFF2-40B4-BE49-F238E27FC236}">
+                <a16:creationId xmlns:a16="http://schemas.microsoft.com/office/drawing/2014/main" id="{ECD818ED-EFD7-D25D-CFD4-DA18B5BC7A4B}"/>
+              </a:ext>
+            </a:extLst>
+          </p:cNvPr>
+          <p:cNvSpPr/>
+          <p:nvPr/>
+        </p:nvSpPr>
+        <p:spPr>
+          <a:xfrm>
+            <a:off x="8650014" y="2396358"/>
+            <a:ext cx="1313793" cy="1032641"/>
+          </a:xfrm>
+          <a:prstGeom prst="leftArrow">
+            <a:avLst/>
+          </a:prstGeom>
+        </p:spPr>
+        <p:style>
+          <a:lnRef idx="2">
+            <a:schemeClr val="accent1">
+              <a:shade val="50000"/>
+            </a:schemeClr>
+          </a:lnRef>
+          <a:fillRef idx="1">
+            <a:schemeClr val="accent1"/>
+          </a:fillRef>
+          <a:effectRef idx="0">
+            <a:schemeClr val="accent1"/>
+          </a:effectRef>
+          <a:fontRef idx="minor">
+            <a:schemeClr val="lt1"/>
+          </a:fontRef>
+        </p:style>
+        <p:txBody>
+          <a:bodyPr rtlCol="0" anchor="ctr"/>
+          <a:lstStyle/>
+          <a:p>
+            <a:pPr algn="ctr"/>
+            <a:r>
+              <a:rPr lang="en-US" sz="1100" b="1" dirty="0"/>
+              <a:t>5. Data is Provided to Adapter</a:t>
+            </a:r>
+          </a:p>
+        </p:txBody>
+      </p:sp>
+      <p:sp>
+        <p:nvSpPr>
+          <p:cNvPr id="11" name="Rectangle 10">
+            <a:extLst>
+              <a:ext uri="{FF2B5EF4-FFF2-40B4-BE49-F238E27FC236}">
+                <a16:creationId xmlns:a16="http://schemas.microsoft.com/office/drawing/2014/main" id="{2E822996-791B-3CD9-C5AB-74505CCF63DE}"/>
+              </a:ext>
+            </a:extLst>
+          </p:cNvPr>
+          <p:cNvSpPr/>
+          <p:nvPr/>
+        </p:nvSpPr>
+        <p:spPr>
+          <a:xfrm>
+            <a:off x="4162096" y="2050988"/>
+            <a:ext cx="4372303" cy="513537"/>
+          </a:xfrm>
+          <a:prstGeom prst="rect">
+            <a:avLst/>
+          </a:prstGeom>
+        </p:spPr>
+        <p:style>
+          <a:lnRef idx="2">
+            <a:schemeClr val="accent1">
+              <a:shade val="50000"/>
+            </a:schemeClr>
+          </a:lnRef>
+          <a:fillRef idx="1">
+            <a:schemeClr val="accent1"/>
+          </a:fillRef>
+          <a:effectRef idx="0">
+            <a:schemeClr val="accent1"/>
+          </a:effectRef>
+          <a:fontRef idx="minor">
+            <a:schemeClr val="lt1"/>
+          </a:fontRef>
+        </p:style>
+        <p:txBody>
+          <a:bodyPr rtlCol="0" anchor="ctr"/>
+          <a:lstStyle/>
+          <a:p>
+            <a:pPr algn="ctr"/>
+            <a:r>
+              <a:rPr lang="en-US" b="1" dirty="0"/>
+              <a:t>6. </a:t>
+            </a:r>
+            <a:r>
+              <a:rPr lang="en-US" b="1" dirty="0" err="1"/>
+              <a:t>InsertCommand</a:t>
+            </a:r>
+            <a:r>
+              <a:rPr lang="en-US" b="1" dirty="0"/>
+              <a:t> to Create an Insert Query for Table</a:t>
+            </a:r>
+          </a:p>
+        </p:txBody>
+      </p:sp>
+      <p:sp>
+        <p:nvSpPr>
+          <p:cNvPr id="12" name="Rectangle 11">
+            <a:extLst>
+              <a:ext uri="{FF2B5EF4-FFF2-40B4-BE49-F238E27FC236}">
+                <a16:creationId xmlns:a16="http://schemas.microsoft.com/office/drawing/2014/main" id="{60564B7E-998D-FB64-3A81-A61822A16AC7}"/>
+              </a:ext>
+            </a:extLst>
+          </p:cNvPr>
+          <p:cNvSpPr/>
+          <p:nvPr/>
+        </p:nvSpPr>
+        <p:spPr>
+          <a:xfrm>
+            <a:off x="4162096" y="2897383"/>
+            <a:ext cx="4372303" cy="513537"/>
+          </a:xfrm>
+          <a:prstGeom prst="rect">
+            <a:avLst/>
+          </a:prstGeom>
+        </p:spPr>
+        <p:style>
+          <a:lnRef idx="2">
+            <a:schemeClr val="accent1">
+              <a:shade val="50000"/>
+            </a:schemeClr>
+          </a:lnRef>
+          <a:fillRef idx="1">
+            <a:schemeClr val="accent1"/>
+          </a:fillRef>
+          <a:effectRef idx="0">
+            <a:schemeClr val="accent1"/>
+          </a:effectRef>
+          <a:fontRef idx="minor">
+            <a:schemeClr val="lt1"/>
+          </a:fontRef>
+        </p:style>
+        <p:txBody>
+          <a:bodyPr rtlCol="0" anchor="ctr"/>
+          <a:lstStyle/>
+          <a:p>
+            <a:pPr algn="ctr"/>
+            <a:r>
+              <a:rPr lang="en-US" b="1" dirty="0"/>
+              <a:t>6. </a:t>
+            </a:r>
+            <a:r>
+              <a:rPr lang="en-US" b="1" dirty="0" err="1"/>
+              <a:t>UpdateCommand</a:t>
+            </a:r>
+            <a:r>
+              <a:rPr lang="en-US" b="1" dirty="0"/>
+              <a:t> to Update Row from the Table</a:t>
+            </a:r>
+          </a:p>
+        </p:txBody>
+      </p:sp>
+      <p:sp>
+        <p:nvSpPr>
+          <p:cNvPr id="13" name="Rectangle 12">
+            <a:extLst>
+              <a:ext uri="{FF2B5EF4-FFF2-40B4-BE49-F238E27FC236}">
+                <a16:creationId xmlns:a16="http://schemas.microsoft.com/office/drawing/2014/main" id="{7059E7AF-430F-EA9D-7795-86373EA82A76}"/>
+              </a:ext>
+            </a:extLst>
+          </p:cNvPr>
+          <p:cNvSpPr/>
+          <p:nvPr/>
+        </p:nvSpPr>
+        <p:spPr>
+          <a:xfrm>
+            <a:off x="4183116" y="3779939"/>
+            <a:ext cx="4372303" cy="513537"/>
+          </a:xfrm>
+          <a:prstGeom prst="rect">
+            <a:avLst/>
+          </a:prstGeom>
+        </p:spPr>
+        <p:style>
+          <a:lnRef idx="2">
+            <a:schemeClr val="accent1">
+              <a:shade val="50000"/>
+            </a:schemeClr>
+          </a:lnRef>
+          <a:fillRef idx="1">
+            <a:schemeClr val="accent1"/>
+          </a:fillRef>
+          <a:effectRef idx="0">
+            <a:schemeClr val="accent1"/>
+          </a:effectRef>
+          <a:fontRef idx="minor">
+            <a:schemeClr val="lt1"/>
+          </a:fontRef>
+        </p:style>
+        <p:txBody>
+          <a:bodyPr rtlCol="0" anchor="ctr"/>
+          <a:lstStyle/>
+          <a:p>
+            <a:pPr algn="ctr"/>
+            <a:r>
+              <a:rPr lang="en-US" b="1" dirty="0"/>
+              <a:t>6. </a:t>
+            </a:r>
+            <a:r>
+              <a:rPr lang="en-US" b="1" dirty="0" err="1"/>
+              <a:t>DeleteCommand</a:t>
+            </a:r>
+            <a:r>
+              <a:rPr lang="en-US" b="1" dirty="0"/>
+              <a:t> to Delete Row from the Table</a:t>
+            </a:r>
+          </a:p>
+        </p:txBody>
+      </p:sp>
+      <p:sp>
+        <p:nvSpPr>
+          <p:cNvPr id="14" name="Rectangle 13">
+            <a:extLst>
+              <a:ext uri="{FF2B5EF4-FFF2-40B4-BE49-F238E27FC236}">
+                <a16:creationId xmlns:a16="http://schemas.microsoft.com/office/drawing/2014/main" id="{9BBE97E3-F42D-2526-BB82-7B61ACAF567E}"/>
+              </a:ext>
+            </a:extLst>
+          </p:cNvPr>
+          <p:cNvSpPr/>
+          <p:nvPr/>
+        </p:nvSpPr>
+        <p:spPr>
+          <a:xfrm>
+            <a:off x="1124607" y="2249214"/>
+            <a:ext cx="2617076" cy="1292772"/>
+          </a:xfrm>
+          <a:prstGeom prst="rect">
+            <a:avLst/>
+          </a:prstGeom>
+          <a:ln>
+            <a:prstDash val="lgDashDot"/>
+          </a:ln>
+        </p:spPr>
+        <p:style>
+          <a:lnRef idx="2">
+            <a:schemeClr val="accent6"/>
+          </a:lnRef>
+          <a:fillRef idx="1">
+            <a:schemeClr val="lt1"/>
+          </a:fillRef>
+          <a:effectRef idx="0">
+            <a:schemeClr val="accent6"/>
+          </a:effectRef>
+          <a:fontRef idx="minor">
+            <a:schemeClr val="dk1"/>
+          </a:fontRef>
+        </p:style>
+        <p:txBody>
+          <a:bodyPr rtlCol="0" anchor="ctr"/>
+          <a:lstStyle/>
+          <a:p>
+            <a:pPr algn="ctr"/>
+            <a:endParaRPr lang="en-US"/>
+          </a:p>
+        </p:txBody>
+      </p:sp>
+      <p:sp>
+        <p:nvSpPr>
+          <p:cNvPr id="15" name="Can 14">
+            <a:extLst>
+              <a:ext uri="{FF2B5EF4-FFF2-40B4-BE49-F238E27FC236}">
+                <a16:creationId xmlns:a16="http://schemas.microsoft.com/office/drawing/2014/main" id="{6591A7D2-3B35-D0CC-B9B3-703635216FB4}"/>
+              </a:ext>
+            </a:extLst>
+          </p:cNvPr>
+          <p:cNvSpPr/>
+          <p:nvPr/>
+        </p:nvSpPr>
+        <p:spPr>
+          <a:xfrm>
+            <a:off x="1597572" y="2396358"/>
+            <a:ext cx="1355835" cy="935421"/>
+          </a:xfrm>
+          <a:prstGeom prst="can">
+            <a:avLst/>
+          </a:prstGeom>
+        </p:spPr>
+        <p:style>
+          <a:lnRef idx="2">
+            <a:schemeClr val="accent1">
+              <a:shade val="50000"/>
+            </a:schemeClr>
+          </a:lnRef>
+          <a:fillRef idx="1">
+            <a:schemeClr val="accent1"/>
+          </a:fillRef>
+          <a:effectRef idx="0">
+            <a:schemeClr val="accent1"/>
+          </a:effectRef>
+          <a:fontRef idx="minor">
+            <a:schemeClr val="lt1"/>
+          </a:fontRef>
+        </p:style>
+        <p:txBody>
+          <a:bodyPr rtlCol="0" anchor="ctr"/>
+          <a:lstStyle/>
+          <a:p>
+            <a:pPr algn="ctr"/>
+            <a:r>
+              <a:rPr lang="en-US" sz="1100" b="1" dirty="0" err="1"/>
+              <a:t>DataSet</a:t>
+            </a:r>
+            <a:r>
+              <a:rPr lang="en-US" sz="1100" b="1" dirty="0"/>
+              <a:t> in Client’s Memory</a:t>
+            </a:r>
+          </a:p>
+        </p:txBody>
+      </p:sp>
+      <p:sp>
+        <p:nvSpPr>
+          <p:cNvPr id="16" name="Left Arrow 15">
+            <a:extLst>
+              <a:ext uri="{FF2B5EF4-FFF2-40B4-BE49-F238E27FC236}">
+                <a16:creationId xmlns:a16="http://schemas.microsoft.com/office/drawing/2014/main" id="{9A26B375-209B-6FC7-5DA2-638AF1731D82}"/>
+              </a:ext>
+            </a:extLst>
+          </p:cNvPr>
+          <p:cNvSpPr/>
+          <p:nvPr/>
+        </p:nvSpPr>
+        <p:spPr>
+          <a:xfrm>
+            <a:off x="2963917" y="2564525"/>
+            <a:ext cx="1114097" cy="546537"/>
+          </a:xfrm>
+          <a:prstGeom prst="leftArrow">
+            <a:avLst/>
+          </a:prstGeom>
+        </p:spPr>
+        <p:style>
+          <a:lnRef idx="2">
+            <a:schemeClr val="accent1">
+              <a:shade val="50000"/>
+            </a:schemeClr>
+          </a:lnRef>
+          <a:fillRef idx="1">
+            <a:schemeClr val="accent1"/>
+          </a:fillRef>
+          <a:effectRef idx="0">
+            <a:schemeClr val="accent1"/>
+          </a:effectRef>
+          <a:fontRef idx="minor">
+            <a:schemeClr val="lt1"/>
+          </a:fontRef>
+        </p:style>
+        <p:txBody>
+          <a:bodyPr rtlCol="0" anchor="ctr"/>
+          <a:lstStyle/>
+          <a:p>
+            <a:pPr algn="ctr"/>
+            <a:r>
+              <a:rPr lang="en-US" sz="1200" b="1" dirty="0"/>
+              <a:t>7. Fill() Data</a:t>
+            </a:r>
+          </a:p>
+        </p:txBody>
+      </p:sp>
+      <p:cxnSp>
+        <p:nvCxnSpPr>
+          <p:cNvPr id="18" name="Straight Connector 17">
+            <a:extLst>
+              <a:ext uri="{FF2B5EF4-FFF2-40B4-BE49-F238E27FC236}">
+                <a16:creationId xmlns:a16="http://schemas.microsoft.com/office/drawing/2014/main" id="{6CE5D94D-8026-879F-21A5-6E842836A67A}"/>
+              </a:ext>
+            </a:extLst>
+          </p:cNvPr>
+          <p:cNvCxnSpPr/>
+          <p:nvPr/>
+        </p:nvCxnSpPr>
+        <p:spPr>
+          <a:xfrm flipH="1">
+            <a:off x="8450317" y="1839310"/>
+            <a:ext cx="1671145" cy="3363311"/>
+          </a:xfrm>
+          <a:prstGeom prst="line">
+            <a:avLst/>
+          </a:prstGeom>
+          <a:ln w="76200">
+            <a:solidFill>
+              <a:srgbClr val="FFFF00"/>
+            </a:solidFill>
+            <a:prstDash val="dashDot"/>
+          </a:ln>
+        </p:spPr>
+        <p:style>
+          <a:lnRef idx="1">
+            <a:schemeClr val="accent1"/>
+          </a:lnRef>
+          <a:fillRef idx="0">
+            <a:schemeClr val="accent1"/>
+          </a:fillRef>
+          <a:effectRef idx="0">
+            <a:schemeClr val="accent1"/>
+          </a:effectRef>
+          <a:fontRef idx="minor">
+            <a:schemeClr val="tx1"/>
+          </a:fontRef>
+        </p:style>
+      </p:cxnSp>
+      <p:sp>
+        <p:nvSpPr>
+          <p:cNvPr id="19" name="TextBox 18">
+            <a:extLst>
+              <a:ext uri="{FF2B5EF4-FFF2-40B4-BE49-F238E27FC236}">
+                <a16:creationId xmlns:a16="http://schemas.microsoft.com/office/drawing/2014/main" id="{38ECE0FE-BC95-4D7C-625A-873556EE51C4}"/>
+              </a:ext>
+            </a:extLst>
+          </p:cNvPr>
+          <p:cNvSpPr txBox="1"/>
+          <p:nvPr/>
+        </p:nvSpPr>
+        <p:spPr>
+          <a:xfrm>
+            <a:off x="8702565" y="3691757"/>
+            <a:ext cx="1166648" cy="461665"/>
+          </a:xfrm>
+          <a:prstGeom prst="rect">
+            <a:avLst/>
+          </a:prstGeom>
+          <a:noFill/>
+        </p:spPr>
+        <p:txBody>
+          <a:bodyPr wrap="square" rtlCol="0">
+            <a:spAutoFit/>
+          </a:bodyPr>
+          <a:lstStyle/>
+          <a:p>
+            <a:r>
+              <a:rPr lang="en-US" sz="1200" b="1" dirty="0"/>
+              <a:t>8. Logical Disconnection</a:t>
+            </a:r>
+          </a:p>
+        </p:txBody>
+      </p:sp>
+      <p:cxnSp>
+        <p:nvCxnSpPr>
+          <p:cNvPr id="21" name="Elbow Connector 20">
+            <a:extLst>
+              <a:ext uri="{FF2B5EF4-FFF2-40B4-BE49-F238E27FC236}">
+                <a16:creationId xmlns:a16="http://schemas.microsoft.com/office/drawing/2014/main" id="{34C680E1-B967-140C-A934-9D1291402B7B}"/>
+              </a:ext>
+            </a:extLst>
+          </p:cNvPr>
+          <p:cNvCxnSpPr>
+            <a:endCxn id="15" idx="3"/>
+          </p:cNvCxnSpPr>
+          <p:nvPr/>
+        </p:nvCxnSpPr>
+        <p:spPr>
+          <a:xfrm flipV="1">
+            <a:off x="940675" y="3331779"/>
+            <a:ext cx="1334815" cy="961697"/>
+          </a:xfrm>
+          <a:prstGeom prst="bentConnector2">
+            <a:avLst/>
+          </a:prstGeom>
+          <a:ln w="76200">
+            <a:solidFill>
+              <a:srgbClr val="C00000"/>
+            </a:solidFill>
+            <a:tailEnd type="triangle"/>
+          </a:ln>
+        </p:spPr>
+        <p:style>
+          <a:lnRef idx="1">
+            <a:schemeClr val="accent1"/>
+          </a:lnRef>
+          <a:fillRef idx="0">
+            <a:schemeClr val="accent1"/>
+          </a:fillRef>
+          <a:effectRef idx="0">
+            <a:schemeClr val="accent1"/>
+          </a:effectRef>
+          <a:fontRef idx="minor">
+            <a:schemeClr val="tx1"/>
+          </a:fontRef>
+        </p:style>
+      </p:cxnSp>
+      <p:sp>
+        <p:nvSpPr>
+          <p:cNvPr id="22" name="TextBox 21">
+            <a:extLst>
+              <a:ext uri="{FF2B5EF4-FFF2-40B4-BE49-F238E27FC236}">
+                <a16:creationId xmlns:a16="http://schemas.microsoft.com/office/drawing/2014/main" id="{3F944DA9-7F16-8CF2-C1B7-D6FB4BE6180B}"/>
+              </a:ext>
+            </a:extLst>
+          </p:cNvPr>
+          <p:cNvSpPr txBox="1"/>
+          <p:nvPr/>
+        </p:nvSpPr>
+        <p:spPr>
+          <a:xfrm>
+            <a:off x="2243957" y="3653815"/>
+            <a:ext cx="1728953" cy="646331"/>
+          </a:xfrm>
+          <a:prstGeom prst="rect">
+            <a:avLst/>
+          </a:prstGeom>
+          <a:noFill/>
+        </p:spPr>
+        <p:txBody>
+          <a:bodyPr wrap="square" rtlCol="0">
+            <a:spAutoFit/>
+          </a:bodyPr>
+          <a:lstStyle/>
+          <a:p>
+            <a:r>
+              <a:rPr lang="en-US" sz="1200" b="1" dirty="0">
+                <a:solidFill>
+                  <a:srgbClr val="002060"/>
+                </a:solidFill>
+              </a:rPr>
+              <a:t>9. Data from </a:t>
+            </a:r>
+            <a:r>
+              <a:rPr lang="en-US" sz="1200" b="1" dirty="0" err="1">
+                <a:solidFill>
+                  <a:srgbClr val="002060"/>
+                </a:solidFill>
+              </a:rPr>
+              <a:t>DataSet</a:t>
+            </a:r>
+            <a:r>
+              <a:rPr lang="en-US" sz="1200" b="1" dirty="0">
+                <a:solidFill>
+                  <a:srgbClr val="002060"/>
+                </a:solidFill>
+              </a:rPr>
+              <a:t> Will be Updated (Insert/Update/Delete)</a:t>
+            </a:r>
+          </a:p>
+        </p:txBody>
+      </p:sp>
+      <p:sp>
+        <p:nvSpPr>
+          <p:cNvPr id="23" name="Right Arrow 22">
+            <a:extLst>
+              <a:ext uri="{FF2B5EF4-FFF2-40B4-BE49-F238E27FC236}">
+                <a16:creationId xmlns:a16="http://schemas.microsoft.com/office/drawing/2014/main" id="{C002A91C-6927-0F1F-ACCF-3A4500BDB246}"/>
+              </a:ext>
+            </a:extLst>
+          </p:cNvPr>
+          <p:cNvSpPr/>
+          <p:nvPr/>
+        </p:nvSpPr>
+        <p:spPr>
+          <a:xfrm>
+            <a:off x="1282262" y="5202621"/>
+            <a:ext cx="2963917" cy="987972"/>
+          </a:xfrm>
+          <a:prstGeom prst="rightArrow">
+            <a:avLst/>
+          </a:prstGeom>
+        </p:spPr>
+        <p:style>
+          <a:lnRef idx="2">
+            <a:schemeClr val="accent1">
+              <a:shade val="50000"/>
+            </a:schemeClr>
+          </a:lnRef>
+          <a:fillRef idx="1">
+            <a:schemeClr val="accent1"/>
+          </a:fillRef>
+          <a:effectRef idx="0">
+            <a:schemeClr val="accent1"/>
+          </a:effectRef>
+          <a:fontRef idx="minor">
+            <a:schemeClr val="lt1"/>
+          </a:fontRef>
+        </p:style>
+        <p:txBody>
+          <a:bodyPr rtlCol="0" anchor="ctr"/>
+          <a:lstStyle/>
+          <a:p>
+            <a:pPr algn="ctr"/>
+            <a:r>
+              <a:rPr lang="en-US" b="1" dirty="0"/>
+              <a:t>10. The </a:t>
+            </a:r>
+            <a:r>
+              <a:rPr lang="en-US" b="1" dirty="0" err="1"/>
+              <a:t>CommandBuilder</a:t>
+            </a:r>
+            <a:r>
+              <a:rPr lang="en-US" b="1" dirty="0"/>
+              <a:t> Object</a:t>
+            </a:r>
+          </a:p>
+        </p:txBody>
+      </p:sp>
+      <p:sp>
+        <p:nvSpPr>
+          <p:cNvPr id="24" name="Rounded Rectangle 23">
+            <a:extLst>
+              <a:ext uri="{FF2B5EF4-FFF2-40B4-BE49-F238E27FC236}">
+                <a16:creationId xmlns:a16="http://schemas.microsoft.com/office/drawing/2014/main" id="{FD9681D0-69CC-19EA-5D1F-E5821DBC2B40}"/>
+              </a:ext>
+            </a:extLst>
+          </p:cNvPr>
+          <p:cNvSpPr/>
+          <p:nvPr/>
+        </p:nvSpPr>
+        <p:spPr>
+          <a:xfrm>
+            <a:off x="4256689" y="5214131"/>
+            <a:ext cx="3090042" cy="882869"/>
+          </a:xfrm>
+          <a:prstGeom prst="roundRect">
+            <a:avLst/>
+          </a:prstGeom>
+          <a:solidFill>
+            <a:srgbClr val="FF0000"/>
+          </a:solidFill>
+        </p:spPr>
+        <p:style>
+          <a:lnRef idx="2">
+            <a:schemeClr val="accent1">
+              <a:shade val="50000"/>
+            </a:schemeClr>
+          </a:lnRef>
+          <a:fillRef idx="1">
+            <a:schemeClr val="accent1"/>
+          </a:fillRef>
+          <a:effectRef idx="0">
+            <a:schemeClr val="accent1"/>
+          </a:effectRef>
+          <a:fontRef idx="minor">
+            <a:schemeClr val="lt1"/>
+          </a:fontRef>
+        </p:style>
+        <p:txBody>
+          <a:bodyPr rtlCol="0" anchor="ctr"/>
+          <a:lstStyle/>
+          <a:p>
+            <a:pPr algn="ctr"/>
+            <a:r>
+              <a:rPr lang="en-US" sz="1200" b="1" dirty="0"/>
+              <a:t>The Command Builder Object will Accept Adapter and will generate DML Queries based on Command Objects created by Adapter</a:t>
+            </a:r>
+          </a:p>
+        </p:txBody>
+      </p:sp>
+      <p:sp>
+        <p:nvSpPr>
+          <p:cNvPr id="25" name="Down Arrow 24">
+            <a:extLst>
+              <a:ext uri="{FF2B5EF4-FFF2-40B4-BE49-F238E27FC236}">
+                <a16:creationId xmlns:a16="http://schemas.microsoft.com/office/drawing/2014/main" id="{2FD800BA-679F-73B0-81CF-0283BCCB0523}"/>
+              </a:ext>
+            </a:extLst>
+          </p:cNvPr>
+          <p:cNvSpPr/>
+          <p:nvPr/>
+        </p:nvSpPr>
+        <p:spPr>
+          <a:xfrm>
+            <a:off x="5707117" y="4876800"/>
+            <a:ext cx="388883" cy="325821"/>
+          </a:xfrm>
+          <a:prstGeom prst="downArrow">
+            <a:avLst/>
+          </a:prstGeom>
+        </p:spPr>
+        <p:style>
+          <a:lnRef idx="2">
+            <a:schemeClr val="accent1">
+              <a:shade val="50000"/>
+            </a:schemeClr>
+          </a:lnRef>
+          <a:fillRef idx="1">
+            <a:schemeClr val="accent1"/>
+          </a:fillRef>
+          <a:effectRef idx="0">
+            <a:schemeClr val="accent1"/>
+          </a:effectRef>
+          <a:fontRef idx="minor">
+            <a:schemeClr val="lt1"/>
+          </a:fontRef>
+        </p:style>
+        <p:txBody>
+          <a:bodyPr rtlCol="0" anchor="ctr"/>
+          <a:lstStyle/>
+          <a:p>
+            <a:pPr algn="ctr"/>
+            <a:endParaRPr lang="en-US"/>
+          </a:p>
+        </p:txBody>
+      </p:sp>
+      <p:sp>
+        <p:nvSpPr>
+          <p:cNvPr id="26" name="Right Arrow 25">
+            <a:extLst>
+              <a:ext uri="{FF2B5EF4-FFF2-40B4-BE49-F238E27FC236}">
+                <a16:creationId xmlns:a16="http://schemas.microsoft.com/office/drawing/2014/main" id="{62D3C8CB-D4B6-2BCE-A911-CD0674695BD4}"/>
+              </a:ext>
+            </a:extLst>
+          </p:cNvPr>
+          <p:cNvSpPr/>
+          <p:nvPr/>
+        </p:nvSpPr>
+        <p:spPr>
+          <a:xfrm>
+            <a:off x="7357241" y="5222171"/>
+            <a:ext cx="2627586" cy="861848"/>
+          </a:xfrm>
+          <a:prstGeom prst="rightArrow">
+            <a:avLst/>
+          </a:prstGeom>
+        </p:spPr>
+        <p:style>
+          <a:lnRef idx="2">
+            <a:schemeClr val="accent1">
+              <a:shade val="50000"/>
+            </a:schemeClr>
+          </a:lnRef>
+          <a:fillRef idx="1">
+            <a:schemeClr val="accent1"/>
+          </a:fillRef>
+          <a:effectRef idx="0">
+            <a:schemeClr val="accent1"/>
+          </a:effectRef>
+          <a:fontRef idx="minor">
+            <a:schemeClr val="lt1"/>
+          </a:fontRef>
+        </p:style>
+        <p:txBody>
+          <a:bodyPr rtlCol="0" anchor="ctr"/>
+          <a:lstStyle/>
+          <a:p>
+            <a:pPr algn="ctr"/>
+            <a:r>
+              <a:rPr lang="en-US" sz="1400" b="1" dirty="0"/>
+              <a:t>11. Update() Data from </a:t>
+            </a:r>
+            <a:r>
+              <a:rPr lang="en-US" sz="1400" b="1" dirty="0" err="1"/>
+              <a:t>DataSet</a:t>
+            </a:r>
+            <a:r>
+              <a:rPr lang="en-US" sz="1400" b="1" dirty="0"/>
+              <a:t> to Table in Database</a:t>
+            </a:r>
+          </a:p>
+        </p:txBody>
+      </p:sp>
+    </p:spTree>
+    <p:extLst>
+      <p:ext uri="{BB962C8B-B14F-4D97-AF65-F5344CB8AC3E}">
+        <p14:creationId xmlns:p14="http://schemas.microsoft.com/office/powerpoint/2010/main" val="4019368770"/>
+      </p:ext>
+    </p:extLst>
+  </p:cSld>
+  <p:clrMapOvr>
+    <a:masterClrMapping/>
+  </p:clrMapOvr>
+</p:sld>
+</file>
+
+<file path=ppt/slides/slide38.xml><?xml version="1.0" encoding="utf-8"?>
+<p:sld xmlns:a="http://schemas.openxmlformats.org/drawingml/2006/main" xmlns:r="http://schemas.openxmlformats.org/officeDocument/2006/relationships" xmlns:p="http://schemas.openxmlformats.org/presentationml/2006/main">
+  <p:cSld>
+    <p:spTree>
+      <p:nvGrpSpPr>
+        <p:cNvPr id="1" name=""/>
+        <p:cNvGrpSpPr/>
+        <p:nvPr/>
+      </p:nvGrpSpPr>
+      <p:grpSpPr>
+        <a:xfrm>
+          <a:off x="0" y="0"/>
+          <a:ext cx="0" cy="0"/>
+          <a:chOff x="0" y="0"/>
+          <a:chExt cx="0" cy="0"/>
+        </a:xfrm>
+      </p:grpSpPr>
+      <p:sp>
+        <p:nvSpPr>
+          <p:cNvPr id="3" name="Can 2">
+            <a:extLst>
+              <a:ext uri="{FF2B5EF4-FFF2-40B4-BE49-F238E27FC236}">
+                <a16:creationId xmlns:a16="http://schemas.microsoft.com/office/drawing/2014/main" id="{96E963CD-F5C3-BFE9-B957-5F97DF4C7D6E}"/>
+              </a:ext>
+            </a:extLst>
+          </p:cNvPr>
+          <p:cNvSpPr/>
+          <p:nvPr/>
+        </p:nvSpPr>
+        <p:spPr>
+          <a:xfrm>
+            <a:off x="7525407" y="1608082"/>
+            <a:ext cx="4340773" cy="2942897"/>
+          </a:xfrm>
+          <a:prstGeom prst="can">
+            <a:avLst>
+              <a:gd name="adj" fmla="val 16786"/>
+            </a:avLst>
+          </a:prstGeom>
+        </p:spPr>
+        <p:style>
+          <a:lnRef idx="2">
+            <a:schemeClr val="accent1">
+              <a:shade val="50000"/>
+            </a:schemeClr>
+          </a:lnRef>
+          <a:fillRef idx="1">
+            <a:schemeClr val="accent1"/>
+          </a:fillRef>
+          <a:effectRef idx="0">
+            <a:schemeClr val="accent1"/>
+          </a:effectRef>
+          <a:fontRef idx="minor">
+            <a:schemeClr val="lt1"/>
+          </a:fontRef>
+        </p:style>
+        <p:txBody>
+          <a:bodyPr rtlCol="0" anchor="ctr"/>
+          <a:lstStyle/>
+          <a:p>
+            <a:pPr algn="ctr"/>
+            <a:endParaRPr lang="en-US"/>
+          </a:p>
+        </p:txBody>
+      </p:sp>
+      <p:graphicFrame>
+        <p:nvGraphicFramePr>
+          <p:cNvPr id="4" name="Table 4">
+            <a:extLst>
+              <a:ext uri="{FF2B5EF4-FFF2-40B4-BE49-F238E27FC236}">
+                <a16:creationId xmlns:a16="http://schemas.microsoft.com/office/drawing/2014/main" id="{139A1D4A-70B7-9C91-1A7C-FAD0C50EF945}"/>
+              </a:ext>
+            </a:extLst>
+          </p:cNvPr>
+          <p:cNvGraphicFramePr>
+            <a:graphicFrameLocks noGrp="1"/>
+          </p:cNvGraphicFramePr>
+          <p:nvPr>
+            <p:extLst>
+              <p:ext uri="{D42A27DB-BD31-4B8C-83A1-F6EECF244321}">
+                <p14:modId xmlns:p14="http://schemas.microsoft.com/office/powerpoint/2010/main" val="238221703"/>
+              </p:ext>
+            </p:extLst>
+          </p:nvPr>
+        </p:nvGraphicFramePr>
+        <p:xfrm>
+          <a:off x="7525407" y="2708690"/>
+          <a:ext cx="4267200" cy="1112520"/>
+        </p:xfrm>
+        <a:graphic>
+          <a:graphicData uri="http://schemas.openxmlformats.org/drawingml/2006/table">
+            <a:tbl>
+              <a:tblPr firstRow="1" bandRow="1">
+                <a:tableStyleId>{5C22544A-7EE6-4342-B048-85BDC9FD1C3A}</a:tableStyleId>
+              </a:tblPr>
+              <a:tblGrid>
+                <a:gridCol w="1066800">
+                  <a:extLst>
+                    <a:ext uri="{9D8B030D-6E8A-4147-A177-3AD203B41FA5}">
+                      <a16:colId xmlns:a16="http://schemas.microsoft.com/office/drawing/2014/main" val="2864741971"/>
+                    </a:ext>
+                  </a:extLst>
+                </a:gridCol>
+                <a:gridCol w="1066800">
+                  <a:extLst>
+                    <a:ext uri="{9D8B030D-6E8A-4147-A177-3AD203B41FA5}">
+                      <a16:colId xmlns:a16="http://schemas.microsoft.com/office/drawing/2014/main" val="4269631583"/>
+                    </a:ext>
+                  </a:extLst>
+                </a:gridCol>
+                <a:gridCol w="1066800">
+                  <a:extLst>
+                    <a:ext uri="{9D8B030D-6E8A-4147-A177-3AD203B41FA5}">
+                      <a16:colId xmlns:a16="http://schemas.microsoft.com/office/drawing/2014/main" val="1305958471"/>
+                    </a:ext>
+                  </a:extLst>
+                </a:gridCol>
+                <a:gridCol w="1066800">
+                  <a:extLst>
+                    <a:ext uri="{9D8B030D-6E8A-4147-A177-3AD203B41FA5}">
+                      <a16:colId xmlns:a16="http://schemas.microsoft.com/office/drawing/2014/main" val="3850881559"/>
+                    </a:ext>
+                  </a:extLst>
+                </a:gridCol>
+              </a:tblGrid>
+              <a:tr h="370840">
+                <a:tc>
+                  <a:txBody>
+                    <a:bodyPr/>
+                    <a:lstStyle/>
+                    <a:p>
+                      <a:r>
+                        <a:rPr lang="en-US" dirty="0"/>
+                        <a:t>Eno</a:t>
+                      </a:r>
+                    </a:p>
+                  </a:txBody>
+                  <a:tcPr/>
+                </a:tc>
+                <a:tc>
+                  <a:txBody>
+                    <a:bodyPr/>
+                    <a:lstStyle/>
+                    <a:p>
+                      <a:r>
+                        <a:rPr lang="en-US" dirty="0" err="1"/>
+                        <a:t>Ename</a:t>
+                      </a:r>
+                      <a:endParaRPr lang="en-US" dirty="0"/>
+                    </a:p>
+                  </a:txBody>
+                  <a:tcPr/>
+                </a:tc>
+                <a:tc>
+                  <a:txBody>
+                    <a:bodyPr/>
+                    <a:lstStyle/>
+                    <a:p>
+                      <a:r>
+                        <a:rPr lang="en-US" dirty="0"/>
+                        <a:t>Sal</a:t>
+                      </a:r>
+                    </a:p>
+                  </a:txBody>
+                  <a:tcPr/>
+                </a:tc>
+                <a:tc>
+                  <a:txBody>
+                    <a:bodyPr/>
+                    <a:lstStyle/>
+                    <a:p>
+                      <a:r>
+                        <a:rPr lang="en-US" dirty="0" err="1"/>
+                        <a:t>Dno</a:t>
+                      </a:r>
+                      <a:endParaRPr lang="en-US" dirty="0"/>
+                    </a:p>
+                  </a:txBody>
+                  <a:tcPr/>
+                </a:tc>
+                <a:extLst>
+                  <a:ext uri="{0D108BD9-81ED-4DB2-BD59-A6C34878D82A}">
+                    <a16:rowId xmlns:a16="http://schemas.microsoft.com/office/drawing/2014/main" val="1170355903"/>
+                  </a:ext>
+                </a:extLst>
+              </a:tr>
+              <a:tr h="370840">
+                <a:tc>
+                  <a:txBody>
+                    <a:bodyPr/>
+                    <a:lstStyle/>
+                    <a:p>
+                      <a:r>
+                        <a:rPr lang="en-US" dirty="0"/>
+                        <a:t>101</a:t>
+                      </a:r>
+                    </a:p>
+                  </a:txBody>
+                  <a:tcPr/>
+                </a:tc>
+                <a:tc>
+                  <a:txBody>
+                    <a:bodyPr/>
+                    <a:lstStyle/>
+                    <a:p>
+                      <a:r>
+                        <a:rPr lang="en-US" dirty="0"/>
+                        <a:t>A</a:t>
+                      </a:r>
+                    </a:p>
+                  </a:txBody>
+                  <a:tcPr/>
+                </a:tc>
+                <a:tc>
+                  <a:txBody>
+                    <a:bodyPr/>
+                    <a:lstStyle/>
+                    <a:p>
+                      <a:r>
+                        <a:rPr lang="en-US" dirty="0"/>
+                        <a:t>1000</a:t>
+                      </a:r>
+                    </a:p>
+                  </a:txBody>
+                  <a:tcPr/>
+                </a:tc>
+                <a:tc>
+                  <a:txBody>
+                    <a:bodyPr/>
+                    <a:lstStyle/>
+                    <a:p>
+                      <a:r>
+                        <a:rPr lang="en-US" dirty="0"/>
+                        <a:t>10</a:t>
+                      </a:r>
+                    </a:p>
+                  </a:txBody>
+                  <a:tcPr/>
+                </a:tc>
+                <a:extLst>
+                  <a:ext uri="{0D108BD9-81ED-4DB2-BD59-A6C34878D82A}">
+                    <a16:rowId xmlns:a16="http://schemas.microsoft.com/office/drawing/2014/main" val="2787809866"/>
+                  </a:ext>
+                </a:extLst>
+              </a:tr>
+              <a:tr h="370840">
+                <a:tc>
+                  <a:txBody>
+                    <a:bodyPr/>
+                    <a:lstStyle/>
+                    <a:p>
+                      <a:r>
+                        <a:rPr lang="en-US" dirty="0"/>
+                        <a:t>102</a:t>
+                      </a:r>
+                    </a:p>
+                  </a:txBody>
+                  <a:tcPr/>
+                </a:tc>
+                <a:tc>
+                  <a:txBody>
+                    <a:bodyPr/>
+                    <a:lstStyle/>
+                    <a:p>
+                      <a:r>
+                        <a:rPr lang="en-US" dirty="0"/>
+                        <a:t>B</a:t>
+                      </a:r>
+                    </a:p>
+                  </a:txBody>
+                  <a:tcPr/>
+                </a:tc>
+                <a:tc>
+                  <a:txBody>
+                    <a:bodyPr/>
+                    <a:lstStyle/>
+                    <a:p>
+                      <a:r>
+                        <a:rPr lang="en-US" dirty="0"/>
+                        <a:t>2000</a:t>
+                      </a:r>
+                    </a:p>
+                  </a:txBody>
+                  <a:tcPr/>
+                </a:tc>
+                <a:tc>
+                  <a:txBody>
+                    <a:bodyPr/>
+                    <a:lstStyle/>
+                    <a:p>
+                      <a:r>
+                        <a:rPr lang="en-US" dirty="0"/>
+                        <a:t>20</a:t>
+                      </a:r>
+                    </a:p>
+                  </a:txBody>
+                  <a:tcPr/>
+                </a:tc>
+                <a:extLst>
+                  <a:ext uri="{0D108BD9-81ED-4DB2-BD59-A6C34878D82A}">
+                    <a16:rowId xmlns:a16="http://schemas.microsoft.com/office/drawing/2014/main" val="3977172743"/>
+                  </a:ext>
+                </a:extLst>
+              </a:tr>
+            </a:tbl>
+          </a:graphicData>
+        </a:graphic>
+      </p:graphicFrame>
+      <p:sp>
+        <p:nvSpPr>
+          <p:cNvPr id="5" name="Rectangle 4">
+            <a:extLst>
+              <a:ext uri="{FF2B5EF4-FFF2-40B4-BE49-F238E27FC236}">
+                <a16:creationId xmlns:a16="http://schemas.microsoft.com/office/drawing/2014/main" id="{EE3BFFA6-02C2-B8B4-9D72-D76530A98681}"/>
+              </a:ext>
+            </a:extLst>
+          </p:cNvPr>
+          <p:cNvSpPr/>
+          <p:nvPr/>
+        </p:nvSpPr>
+        <p:spPr>
+          <a:xfrm>
+            <a:off x="189184" y="268014"/>
+            <a:ext cx="756745" cy="683172"/>
+          </a:xfrm>
+          <a:prstGeom prst="rect">
+            <a:avLst/>
+          </a:prstGeom>
+        </p:spPr>
+        <p:style>
+          <a:lnRef idx="2">
+            <a:schemeClr val="accent1">
+              <a:shade val="50000"/>
+            </a:schemeClr>
+          </a:lnRef>
+          <a:fillRef idx="1">
+            <a:schemeClr val="accent1"/>
+          </a:fillRef>
+          <a:effectRef idx="0">
+            <a:schemeClr val="accent1"/>
+          </a:effectRef>
+          <a:fontRef idx="minor">
+            <a:schemeClr val="lt1"/>
+          </a:fontRef>
+        </p:style>
+        <p:txBody>
+          <a:bodyPr rtlCol="0" anchor="ctr"/>
+          <a:lstStyle/>
+          <a:p>
+            <a:pPr algn="ctr"/>
+            <a:r>
+              <a:rPr lang="en-US" dirty="0"/>
+              <a:t>C1</a:t>
+            </a:r>
+          </a:p>
+        </p:txBody>
+      </p:sp>
+      <p:sp>
+        <p:nvSpPr>
+          <p:cNvPr id="6" name="Rectangle 5">
+            <a:extLst>
+              <a:ext uri="{FF2B5EF4-FFF2-40B4-BE49-F238E27FC236}">
+                <a16:creationId xmlns:a16="http://schemas.microsoft.com/office/drawing/2014/main" id="{018057C4-CA4E-5790-6672-141868E44441}"/>
+              </a:ext>
+            </a:extLst>
+          </p:cNvPr>
+          <p:cNvSpPr/>
+          <p:nvPr/>
+        </p:nvSpPr>
+        <p:spPr>
+          <a:xfrm>
+            <a:off x="189185" y="5565228"/>
+            <a:ext cx="756745" cy="683172"/>
+          </a:xfrm>
+          <a:prstGeom prst="rect">
+            <a:avLst/>
+          </a:prstGeom>
+        </p:spPr>
+        <p:style>
+          <a:lnRef idx="2">
+            <a:schemeClr val="accent1">
+              <a:shade val="50000"/>
+            </a:schemeClr>
+          </a:lnRef>
+          <a:fillRef idx="1">
+            <a:schemeClr val="accent1"/>
+          </a:fillRef>
+          <a:effectRef idx="0">
+            <a:schemeClr val="accent1"/>
+          </a:effectRef>
+          <a:fontRef idx="minor">
+            <a:schemeClr val="lt1"/>
+          </a:fontRef>
+        </p:style>
+        <p:txBody>
+          <a:bodyPr rtlCol="0" anchor="ctr"/>
+          <a:lstStyle/>
+          <a:p>
+            <a:pPr algn="ctr"/>
+            <a:r>
+              <a:rPr lang="en-US" dirty="0"/>
+              <a:t>C2</a:t>
+            </a:r>
+          </a:p>
+        </p:txBody>
+      </p:sp>
+      <p:cxnSp>
+        <p:nvCxnSpPr>
+          <p:cNvPr id="8" name="Elbow Connector 7">
+            <a:extLst>
+              <a:ext uri="{FF2B5EF4-FFF2-40B4-BE49-F238E27FC236}">
+                <a16:creationId xmlns:a16="http://schemas.microsoft.com/office/drawing/2014/main" id="{A5172817-164E-060C-CE8D-8EFCD466B33C}"/>
+              </a:ext>
+            </a:extLst>
+          </p:cNvPr>
+          <p:cNvCxnSpPr>
+            <a:stCxn id="5" idx="3"/>
+            <a:endCxn id="4" idx="1"/>
+          </p:cNvCxnSpPr>
+          <p:nvPr/>
+        </p:nvCxnSpPr>
+        <p:spPr>
+          <a:xfrm>
+            <a:off x="945929" y="609600"/>
+            <a:ext cx="6579478" cy="2655350"/>
+          </a:xfrm>
+          <a:prstGeom prst="bentConnector3">
+            <a:avLst/>
+          </a:prstGeom>
+          <a:ln w="38100">
+            <a:solidFill>
+              <a:srgbClr val="C00000"/>
+            </a:solidFill>
+            <a:headEnd type="triangle"/>
+            <a:tailEnd type="triangle"/>
+          </a:ln>
+        </p:spPr>
+        <p:style>
+          <a:lnRef idx="1">
+            <a:schemeClr val="accent1"/>
+          </a:lnRef>
+          <a:fillRef idx="0">
+            <a:schemeClr val="accent1"/>
+          </a:fillRef>
+          <a:effectRef idx="0">
+            <a:schemeClr val="accent1"/>
+          </a:effectRef>
+          <a:fontRef idx="minor">
+            <a:schemeClr val="tx1"/>
+          </a:fontRef>
+        </p:style>
+      </p:cxnSp>
+      <p:cxnSp>
+        <p:nvCxnSpPr>
+          <p:cNvPr id="10" name="Elbow Connector 9">
+            <a:extLst>
+              <a:ext uri="{FF2B5EF4-FFF2-40B4-BE49-F238E27FC236}">
+                <a16:creationId xmlns:a16="http://schemas.microsoft.com/office/drawing/2014/main" id="{B8A7A69C-C49D-6EBB-986D-F402695265D2}"/>
+              </a:ext>
+            </a:extLst>
+          </p:cNvPr>
+          <p:cNvCxnSpPr>
+            <a:stCxn id="6" idx="3"/>
+            <a:endCxn id="4" idx="1"/>
+          </p:cNvCxnSpPr>
+          <p:nvPr/>
+        </p:nvCxnSpPr>
+        <p:spPr>
+          <a:xfrm flipV="1">
+            <a:off x="945930" y="3264950"/>
+            <a:ext cx="6579477" cy="2641864"/>
+          </a:xfrm>
+          <a:prstGeom prst="bentConnector3">
+            <a:avLst/>
+          </a:prstGeom>
+          <a:ln w="38100">
+            <a:solidFill>
+              <a:srgbClr val="002060"/>
+            </a:solidFill>
+            <a:headEnd type="triangle"/>
+            <a:tailEnd type="triangle"/>
+          </a:ln>
+        </p:spPr>
+        <p:style>
+          <a:lnRef idx="1">
+            <a:schemeClr val="accent1"/>
+          </a:lnRef>
+          <a:fillRef idx="0">
+            <a:schemeClr val="accent1"/>
+          </a:fillRef>
+          <a:effectRef idx="0">
+            <a:schemeClr val="accent1"/>
+          </a:effectRef>
+          <a:fontRef idx="minor">
+            <a:schemeClr val="tx1"/>
+          </a:fontRef>
+        </p:style>
+      </p:cxnSp>
+      <p:sp>
+        <p:nvSpPr>
+          <p:cNvPr id="11" name="Rectangle 10">
+            <a:extLst>
+              <a:ext uri="{FF2B5EF4-FFF2-40B4-BE49-F238E27FC236}">
+                <a16:creationId xmlns:a16="http://schemas.microsoft.com/office/drawing/2014/main" id="{9C49BEE3-2CD3-38BF-690E-D9E1D5D4FDB7}"/>
+              </a:ext>
+            </a:extLst>
+          </p:cNvPr>
+          <p:cNvSpPr/>
+          <p:nvPr/>
+        </p:nvSpPr>
+        <p:spPr>
+          <a:xfrm>
+            <a:off x="4314496" y="0"/>
+            <a:ext cx="3079531" cy="1765738"/>
+          </a:xfrm>
+          <a:prstGeom prst="rect">
+            <a:avLst/>
+          </a:prstGeom>
+        </p:spPr>
+        <p:style>
+          <a:lnRef idx="1">
+            <a:schemeClr val="accent2"/>
+          </a:lnRef>
+          <a:fillRef idx="2">
+            <a:schemeClr val="accent2"/>
+          </a:fillRef>
+          <a:effectRef idx="1">
+            <a:schemeClr val="accent2"/>
+          </a:effectRef>
+          <a:fontRef idx="minor">
+            <a:schemeClr val="dk1"/>
+          </a:fontRef>
+        </p:style>
+        <p:txBody>
+          <a:bodyPr rtlCol="0" anchor="ctr"/>
+          <a:lstStyle/>
+          <a:p>
+            <a:pPr algn="ctr"/>
+            <a:endParaRPr lang="en-US"/>
+          </a:p>
+        </p:txBody>
+      </p:sp>
+      <p:sp>
+        <p:nvSpPr>
+          <p:cNvPr id="12" name="Rectangle 11">
+            <a:extLst>
+              <a:ext uri="{FF2B5EF4-FFF2-40B4-BE49-F238E27FC236}">
+                <a16:creationId xmlns:a16="http://schemas.microsoft.com/office/drawing/2014/main" id="{D3061BB8-5FC5-B5C8-E592-52FEDA37C569}"/>
+              </a:ext>
+            </a:extLst>
+          </p:cNvPr>
+          <p:cNvSpPr/>
+          <p:nvPr/>
+        </p:nvSpPr>
+        <p:spPr>
+          <a:xfrm>
+            <a:off x="4314497" y="4921818"/>
+            <a:ext cx="3079531" cy="1891513"/>
+          </a:xfrm>
+          <a:prstGeom prst="rect">
+            <a:avLst/>
+          </a:prstGeom>
+        </p:spPr>
+        <p:style>
+          <a:lnRef idx="1">
+            <a:schemeClr val="accent6"/>
+          </a:lnRef>
+          <a:fillRef idx="2">
+            <a:schemeClr val="accent6"/>
+          </a:fillRef>
+          <a:effectRef idx="1">
+            <a:schemeClr val="accent6"/>
+          </a:effectRef>
+          <a:fontRef idx="minor">
+            <a:schemeClr val="dk1"/>
+          </a:fontRef>
+        </p:style>
+        <p:txBody>
+          <a:bodyPr rtlCol="0" anchor="ctr"/>
+          <a:lstStyle/>
+          <a:p>
+            <a:pPr algn="ctr"/>
+            <a:endParaRPr lang="en-US"/>
+          </a:p>
+        </p:txBody>
+      </p:sp>
+      <p:sp>
+        <p:nvSpPr>
+          <p:cNvPr id="13" name="Rectangle 12">
+            <a:extLst>
+              <a:ext uri="{FF2B5EF4-FFF2-40B4-BE49-F238E27FC236}">
+                <a16:creationId xmlns:a16="http://schemas.microsoft.com/office/drawing/2014/main" id="{0F5CFB20-BDD6-D2E0-567A-3E0A8992A2B1}"/>
+              </a:ext>
+            </a:extLst>
+          </p:cNvPr>
+          <p:cNvSpPr/>
+          <p:nvPr/>
+        </p:nvSpPr>
+        <p:spPr>
+          <a:xfrm>
+            <a:off x="4330262" y="907831"/>
+            <a:ext cx="3079531" cy="45719"/>
+          </a:xfrm>
+          <a:prstGeom prst="rect">
+            <a:avLst/>
+          </a:prstGeom>
+        </p:spPr>
+        <p:style>
+          <a:lnRef idx="2">
+            <a:schemeClr val="accent1">
+              <a:shade val="50000"/>
+            </a:schemeClr>
+          </a:lnRef>
+          <a:fillRef idx="1">
+            <a:schemeClr val="accent1"/>
+          </a:fillRef>
+          <a:effectRef idx="0">
+            <a:schemeClr val="accent1"/>
+          </a:effectRef>
+          <a:fontRef idx="minor">
+            <a:schemeClr val="lt1"/>
+          </a:fontRef>
+        </p:style>
+        <p:txBody>
+          <a:bodyPr rtlCol="0" anchor="ctr"/>
+          <a:lstStyle/>
+          <a:p>
+            <a:pPr algn="ctr"/>
+            <a:endParaRPr lang="en-US"/>
+          </a:p>
+        </p:txBody>
+      </p:sp>
+      <p:sp>
+        <p:nvSpPr>
+          <p:cNvPr id="14" name="Rectangle 13">
+            <a:extLst>
+              <a:ext uri="{FF2B5EF4-FFF2-40B4-BE49-F238E27FC236}">
+                <a16:creationId xmlns:a16="http://schemas.microsoft.com/office/drawing/2014/main" id="{6A09586F-12F7-E4C0-1F36-C8B9B3DCE043}"/>
+              </a:ext>
+            </a:extLst>
+          </p:cNvPr>
+          <p:cNvSpPr/>
+          <p:nvPr/>
+        </p:nvSpPr>
+        <p:spPr>
+          <a:xfrm>
+            <a:off x="4314496" y="6043448"/>
+            <a:ext cx="3079531" cy="45719"/>
+          </a:xfrm>
+          <a:prstGeom prst="rect">
+            <a:avLst/>
+          </a:prstGeom>
+        </p:spPr>
+        <p:style>
+          <a:lnRef idx="2">
+            <a:schemeClr val="accent1">
+              <a:shade val="50000"/>
+            </a:schemeClr>
+          </a:lnRef>
+          <a:fillRef idx="1">
+            <a:schemeClr val="accent1"/>
+          </a:fillRef>
+          <a:effectRef idx="0">
+            <a:schemeClr val="accent1"/>
+          </a:effectRef>
+          <a:fontRef idx="minor">
+            <a:schemeClr val="lt1"/>
+          </a:fontRef>
+        </p:style>
+        <p:txBody>
+          <a:bodyPr rtlCol="0" anchor="ctr"/>
+          <a:lstStyle/>
+          <a:p>
+            <a:pPr algn="ctr"/>
+            <a:endParaRPr lang="en-US"/>
+          </a:p>
+        </p:txBody>
+      </p:sp>
+      <p:sp>
+        <p:nvSpPr>
+          <p:cNvPr id="15" name="TextBox 14">
+            <a:extLst>
+              <a:ext uri="{FF2B5EF4-FFF2-40B4-BE49-F238E27FC236}">
+                <a16:creationId xmlns:a16="http://schemas.microsoft.com/office/drawing/2014/main" id="{4C7A107D-A228-0684-696F-9CB42196A945}"/>
+              </a:ext>
+            </a:extLst>
+          </p:cNvPr>
+          <p:cNvSpPr txBox="1"/>
+          <p:nvPr/>
+        </p:nvSpPr>
+        <p:spPr>
+          <a:xfrm>
+            <a:off x="7525407" y="105103"/>
+            <a:ext cx="1797269" cy="369332"/>
+          </a:xfrm>
+          <a:prstGeom prst="rect">
+            <a:avLst/>
+          </a:prstGeom>
+          <a:noFill/>
+        </p:spPr>
+        <p:txBody>
+          <a:bodyPr wrap="square" rtlCol="0">
+            <a:spAutoFit/>
+          </a:bodyPr>
+          <a:lstStyle/>
+          <a:p>
+            <a:r>
+              <a:rPr lang="en-US" dirty="0"/>
+              <a:t>Original Data</a:t>
+            </a:r>
+          </a:p>
+        </p:txBody>
+      </p:sp>
+      <p:sp>
+        <p:nvSpPr>
+          <p:cNvPr id="16" name="Left Arrow 15">
+            <a:extLst>
+              <a:ext uri="{FF2B5EF4-FFF2-40B4-BE49-F238E27FC236}">
+                <a16:creationId xmlns:a16="http://schemas.microsoft.com/office/drawing/2014/main" id="{D11CF3AB-0086-EE16-B914-06497AE3885B}"/>
+              </a:ext>
+            </a:extLst>
+          </p:cNvPr>
+          <p:cNvSpPr/>
+          <p:nvPr/>
+        </p:nvSpPr>
+        <p:spPr>
+          <a:xfrm>
+            <a:off x="7394027" y="252247"/>
+            <a:ext cx="131380" cy="105105"/>
+          </a:xfrm>
+          <a:prstGeom prst="leftArrow">
+            <a:avLst/>
+          </a:prstGeom>
+        </p:spPr>
+        <p:style>
+          <a:lnRef idx="2">
+            <a:schemeClr val="accent1">
+              <a:shade val="50000"/>
+            </a:schemeClr>
+          </a:lnRef>
+          <a:fillRef idx="1">
+            <a:schemeClr val="accent1"/>
+          </a:fillRef>
+          <a:effectRef idx="0">
+            <a:schemeClr val="accent1"/>
+          </a:effectRef>
+          <a:fontRef idx="minor">
+            <a:schemeClr val="lt1"/>
+          </a:fontRef>
+        </p:style>
+        <p:txBody>
+          <a:bodyPr rtlCol="0" anchor="ctr"/>
+          <a:lstStyle/>
+          <a:p>
+            <a:pPr algn="ctr"/>
+            <a:endParaRPr lang="en-US"/>
+          </a:p>
+        </p:txBody>
+      </p:sp>
+      <p:sp>
+        <p:nvSpPr>
+          <p:cNvPr id="17" name="TextBox 16">
+            <a:extLst>
+              <a:ext uri="{FF2B5EF4-FFF2-40B4-BE49-F238E27FC236}">
+                <a16:creationId xmlns:a16="http://schemas.microsoft.com/office/drawing/2014/main" id="{71DDFB27-307E-F981-C1E1-387748092A10}"/>
+              </a:ext>
+            </a:extLst>
+          </p:cNvPr>
+          <p:cNvSpPr txBox="1"/>
+          <p:nvPr/>
+        </p:nvSpPr>
+        <p:spPr>
+          <a:xfrm>
+            <a:off x="7556938" y="5595322"/>
+            <a:ext cx="1797269" cy="369332"/>
+          </a:xfrm>
+          <a:prstGeom prst="rect">
+            <a:avLst/>
+          </a:prstGeom>
+          <a:noFill/>
+        </p:spPr>
+        <p:txBody>
+          <a:bodyPr wrap="square" rtlCol="0">
+            <a:spAutoFit/>
+          </a:bodyPr>
+          <a:lstStyle/>
+          <a:p>
+            <a:r>
+              <a:rPr lang="en-US" dirty="0"/>
+              <a:t>Original Data</a:t>
+            </a:r>
+          </a:p>
+        </p:txBody>
+      </p:sp>
+      <p:sp>
+        <p:nvSpPr>
+          <p:cNvPr id="18" name="Left Arrow 17">
+            <a:extLst>
+              <a:ext uri="{FF2B5EF4-FFF2-40B4-BE49-F238E27FC236}">
+                <a16:creationId xmlns:a16="http://schemas.microsoft.com/office/drawing/2014/main" id="{15045D4F-E1E7-AA09-FB64-EF8BE59C203A}"/>
+              </a:ext>
+            </a:extLst>
+          </p:cNvPr>
+          <p:cNvSpPr/>
+          <p:nvPr/>
+        </p:nvSpPr>
+        <p:spPr>
+          <a:xfrm>
+            <a:off x="7425558" y="5742466"/>
+            <a:ext cx="131380" cy="105105"/>
+          </a:xfrm>
+          <a:prstGeom prst="leftArrow">
+            <a:avLst/>
+          </a:prstGeom>
+        </p:spPr>
+        <p:style>
+          <a:lnRef idx="2">
+            <a:schemeClr val="accent1">
+              <a:shade val="50000"/>
+            </a:schemeClr>
+          </a:lnRef>
+          <a:fillRef idx="1">
+            <a:schemeClr val="accent1"/>
+          </a:fillRef>
+          <a:effectRef idx="0">
+            <a:schemeClr val="accent1"/>
+          </a:effectRef>
+          <a:fontRef idx="minor">
+            <a:schemeClr val="lt1"/>
+          </a:fontRef>
+        </p:style>
+        <p:txBody>
+          <a:bodyPr rtlCol="0" anchor="ctr"/>
+          <a:lstStyle/>
+          <a:p>
+            <a:pPr algn="ctr"/>
+            <a:endParaRPr lang="en-US"/>
+          </a:p>
+        </p:txBody>
+      </p:sp>
+      <p:sp>
+        <p:nvSpPr>
+          <p:cNvPr id="19" name="TextBox 18">
+            <a:extLst>
+              <a:ext uri="{FF2B5EF4-FFF2-40B4-BE49-F238E27FC236}">
+                <a16:creationId xmlns:a16="http://schemas.microsoft.com/office/drawing/2014/main" id="{0FB345F1-1DCE-7E4B-E7D7-8EFE104B9AFA}"/>
+              </a:ext>
+            </a:extLst>
+          </p:cNvPr>
+          <p:cNvSpPr txBox="1"/>
+          <p:nvPr/>
+        </p:nvSpPr>
+        <p:spPr>
+          <a:xfrm>
+            <a:off x="7514897" y="1001120"/>
+            <a:ext cx="1797269" cy="369332"/>
+          </a:xfrm>
+          <a:prstGeom prst="rect">
+            <a:avLst/>
+          </a:prstGeom>
+          <a:noFill/>
+        </p:spPr>
+        <p:txBody>
+          <a:bodyPr wrap="square" rtlCol="0">
+            <a:spAutoFit/>
+          </a:bodyPr>
+          <a:lstStyle/>
+          <a:p>
+            <a:r>
+              <a:rPr lang="en-US" dirty="0" err="1"/>
+              <a:t>DiffGram</a:t>
+            </a:r>
+            <a:endParaRPr lang="en-US" dirty="0"/>
+          </a:p>
+        </p:txBody>
+      </p:sp>
+      <p:sp>
+        <p:nvSpPr>
+          <p:cNvPr id="20" name="Left Arrow 19">
+            <a:extLst>
+              <a:ext uri="{FF2B5EF4-FFF2-40B4-BE49-F238E27FC236}">
+                <a16:creationId xmlns:a16="http://schemas.microsoft.com/office/drawing/2014/main" id="{235E6BB8-BEAC-72AD-AD01-E8AB8D5DA09E}"/>
+              </a:ext>
+            </a:extLst>
+          </p:cNvPr>
+          <p:cNvSpPr/>
+          <p:nvPr/>
+        </p:nvSpPr>
+        <p:spPr>
+          <a:xfrm>
+            <a:off x="7383517" y="1148264"/>
+            <a:ext cx="131380" cy="105105"/>
+          </a:xfrm>
+          <a:prstGeom prst="leftArrow">
+            <a:avLst/>
+          </a:prstGeom>
+        </p:spPr>
+        <p:style>
+          <a:lnRef idx="2">
+            <a:schemeClr val="accent1">
+              <a:shade val="50000"/>
+            </a:schemeClr>
+          </a:lnRef>
+          <a:fillRef idx="1">
+            <a:schemeClr val="accent1"/>
+          </a:fillRef>
+          <a:effectRef idx="0">
+            <a:schemeClr val="accent1"/>
+          </a:effectRef>
+          <a:fontRef idx="minor">
+            <a:schemeClr val="lt1"/>
+          </a:fontRef>
+        </p:style>
+        <p:txBody>
+          <a:bodyPr rtlCol="0" anchor="ctr"/>
+          <a:lstStyle/>
+          <a:p>
+            <a:pPr algn="ctr"/>
+            <a:endParaRPr lang="en-US"/>
+          </a:p>
+        </p:txBody>
+      </p:sp>
+      <p:sp>
+        <p:nvSpPr>
+          <p:cNvPr id="21" name="TextBox 20">
+            <a:extLst>
+              <a:ext uri="{FF2B5EF4-FFF2-40B4-BE49-F238E27FC236}">
+                <a16:creationId xmlns:a16="http://schemas.microsoft.com/office/drawing/2014/main" id="{1DD645B4-EB3C-4867-0CDF-33815A827C0B}"/>
+              </a:ext>
+            </a:extLst>
+          </p:cNvPr>
+          <p:cNvSpPr txBox="1"/>
+          <p:nvPr/>
+        </p:nvSpPr>
+        <p:spPr>
+          <a:xfrm>
+            <a:off x="7556938" y="6239801"/>
+            <a:ext cx="1797269" cy="369332"/>
+          </a:xfrm>
+          <a:prstGeom prst="rect">
+            <a:avLst/>
+          </a:prstGeom>
+          <a:noFill/>
+        </p:spPr>
+        <p:txBody>
+          <a:bodyPr wrap="square" rtlCol="0">
+            <a:spAutoFit/>
+          </a:bodyPr>
+          <a:lstStyle/>
+          <a:p>
+            <a:r>
+              <a:rPr lang="en-US" dirty="0" err="1"/>
+              <a:t>DiffGram</a:t>
+            </a:r>
+            <a:endParaRPr lang="en-US" dirty="0"/>
+          </a:p>
+        </p:txBody>
+      </p:sp>
+      <p:sp>
+        <p:nvSpPr>
+          <p:cNvPr id="22" name="Left Arrow 21">
+            <a:extLst>
+              <a:ext uri="{FF2B5EF4-FFF2-40B4-BE49-F238E27FC236}">
+                <a16:creationId xmlns:a16="http://schemas.microsoft.com/office/drawing/2014/main" id="{356DE5D0-6593-6297-379C-58748332F9C8}"/>
+              </a:ext>
+            </a:extLst>
+          </p:cNvPr>
+          <p:cNvSpPr/>
+          <p:nvPr/>
+        </p:nvSpPr>
+        <p:spPr>
+          <a:xfrm>
+            <a:off x="7425558" y="6386945"/>
+            <a:ext cx="131380" cy="105105"/>
+          </a:xfrm>
+          <a:prstGeom prst="leftArrow">
+            <a:avLst/>
+          </a:prstGeom>
+        </p:spPr>
+        <p:style>
+          <a:lnRef idx="2">
+            <a:schemeClr val="accent1">
+              <a:shade val="50000"/>
+            </a:schemeClr>
+          </a:lnRef>
+          <a:fillRef idx="1">
+            <a:schemeClr val="accent1"/>
+          </a:fillRef>
+          <a:effectRef idx="0">
+            <a:schemeClr val="accent1"/>
+          </a:effectRef>
+          <a:fontRef idx="minor">
+            <a:schemeClr val="lt1"/>
+          </a:fontRef>
+        </p:style>
+        <p:txBody>
+          <a:bodyPr rtlCol="0" anchor="ctr"/>
+          <a:lstStyle/>
+          <a:p>
+            <a:pPr algn="ctr"/>
+            <a:endParaRPr lang="en-US"/>
+          </a:p>
+        </p:txBody>
+      </p:sp>
+      <p:graphicFrame>
+        <p:nvGraphicFramePr>
+          <p:cNvPr id="23" name="Table 23">
+            <a:extLst>
+              <a:ext uri="{FF2B5EF4-FFF2-40B4-BE49-F238E27FC236}">
+                <a16:creationId xmlns:a16="http://schemas.microsoft.com/office/drawing/2014/main" id="{13552F2D-C964-2911-DC84-987C03D64772}"/>
+              </a:ext>
+            </a:extLst>
+          </p:cNvPr>
+          <p:cNvGraphicFramePr>
+            <a:graphicFrameLocks noGrp="1"/>
+          </p:cNvGraphicFramePr>
+          <p:nvPr>
+            <p:extLst>
+              <p:ext uri="{D42A27DB-BD31-4B8C-83A1-F6EECF244321}">
+                <p14:modId xmlns:p14="http://schemas.microsoft.com/office/powerpoint/2010/main" val="2859814383"/>
+              </p:ext>
+            </p:extLst>
+          </p:nvPr>
+        </p:nvGraphicFramePr>
+        <p:xfrm>
+          <a:off x="4403836" y="73047"/>
+          <a:ext cx="2774728" cy="731520"/>
+        </p:xfrm>
+        <a:graphic>
+          <a:graphicData uri="http://schemas.openxmlformats.org/drawingml/2006/table">
+            <a:tbl>
+              <a:tblPr firstRow="1" bandRow="1">
+                <a:tableStyleId>{5C22544A-7EE6-4342-B048-85BDC9FD1C3A}</a:tableStyleId>
+              </a:tblPr>
+              <a:tblGrid>
+                <a:gridCol w="699832">
+                  <a:extLst>
+                    <a:ext uri="{9D8B030D-6E8A-4147-A177-3AD203B41FA5}">
+                      <a16:colId xmlns:a16="http://schemas.microsoft.com/office/drawing/2014/main" val="3412155576"/>
+                    </a:ext>
+                  </a:extLst>
+                </a:gridCol>
+                <a:gridCol w="699832">
+                  <a:extLst>
+                    <a:ext uri="{9D8B030D-6E8A-4147-A177-3AD203B41FA5}">
+                      <a16:colId xmlns:a16="http://schemas.microsoft.com/office/drawing/2014/main" val="1035172167"/>
+                    </a:ext>
+                  </a:extLst>
+                </a:gridCol>
+                <a:gridCol w="699832">
+                  <a:extLst>
+                    <a:ext uri="{9D8B030D-6E8A-4147-A177-3AD203B41FA5}">
+                      <a16:colId xmlns:a16="http://schemas.microsoft.com/office/drawing/2014/main" val="772728118"/>
+                    </a:ext>
+                  </a:extLst>
+                </a:gridCol>
+                <a:gridCol w="675232">
+                  <a:extLst>
+                    <a:ext uri="{9D8B030D-6E8A-4147-A177-3AD203B41FA5}">
+                      <a16:colId xmlns:a16="http://schemas.microsoft.com/office/drawing/2014/main" val="4157030679"/>
+                    </a:ext>
+                  </a:extLst>
+                </a:gridCol>
+              </a:tblGrid>
+              <a:tr h="268277">
+                <a:tc>
+                  <a:txBody>
+                    <a:bodyPr/>
+                    <a:lstStyle/>
+                    <a:p>
+                      <a:r>
+                        <a:rPr lang="en-US" dirty="0"/>
+                        <a:t>101</a:t>
+                      </a:r>
+                    </a:p>
+                  </a:txBody>
+                  <a:tcPr/>
+                </a:tc>
+                <a:tc>
+                  <a:txBody>
+                    <a:bodyPr/>
+                    <a:lstStyle/>
+                    <a:p>
+                      <a:r>
+                        <a:rPr lang="en-US" dirty="0"/>
+                        <a:t>A</a:t>
+                      </a:r>
+                    </a:p>
+                  </a:txBody>
+                  <a:tcPr/>
+                </a:tc>
+                <a:tc>
+                  <a:txBody>
+                    <a:bodyPr/>
+                    <a:lstStyle/>
+                    <a:p>
+                      <a:r>
+                        <a:rPr lang="en-US" dirty="0"/>
+                        <a:t>1000</a:t>
+                      </a:r>
+                    </a:p>
+                  </a:txBody>
+                  <a:tcPr/>
+                </a:tc>
+                <a:tc>
+                  <a:txBody>
+                    <a:bodyPr/>
+                    <a:lstStyle/>
+                    <a:p>
+                      <a:r>
+                        <a:rPr lang="en-US" dirty="0"/>
+                        <a:t>10</a:t>
+                      </a:r>
+                    </a:p>
+                  </a:txBody>
+                  <a:tcPr/>
+                </a:tc>
+                <a:extLst>
+                  <a:ext uri="{0D108BD9-81ED-4DB2-BD59-A6C34878D82A}">
+                    <a16:rowId xmlns:a16="http://schemas.microsoft.com/office/drawing/2014/main" val="2966778311"/>
+                  </a:ext>
+                </a:extLst>
+              </a:tr>
+              <a:tr h="268277">
+                <a:tc>
+                  <a:txBody>
+                    <a:bodyPr/>
+                    <a:lstStyle/>
+                    <a:p>
+                      <a:r>
+                        <a:rPr lang="en-US" dirty="0"/>
+                        <a:t>102</a:t>
+                      </a:r>
+                    </a:p>
+                  </a:txBody>
+                  <a:tcPr/>
+                </a:tc>
+                <a:tc>
+                  <a:txBody>
+                    <a:bodyPr/>
+                    <a:lstStyle/>
+                    <a:p>
+                      <a:r>
+                        <a:rPr lang="en-US" dirty="0"/>
+                        <a:t>B</a:t>
+                      </a:r>
+                    </a:p>
+                  </a:txBody>
+                  <a:tcPr/>
+                </a:tc>
+                <a:tc>
+                  <a:txBody>
+                    <a:bodyPr/>
+                    <a:lstStyle/>
+                    <a:p>
+                      <a:r>
+                        <a:rPr lang="en-US" dirty="0"/>
+                        <a:t>2000</a:t>
+                      </a:r>
+                    </a:p>
+                  </a:txBody>
+                  <a:tcPr/>
+                </a:tc>
+                <a:tc>
+                  <a:txBody>
+                    <a:bodyPr/>
+                    <a:lstStyle/>
+                    <a:p>
+                      <a:r>
+                        <a:rPr lang="en-US" dirty="0"/>
+                        <a:t>20</a:t>
+                      </a:r>
+                    </a:p>
+                  </a:txBody>
+                  <a:tcPr/>
+                </a:tc>
+                <a:extLst>
+                  <a:ext uri="{0D108BD9-81ED-4DB2-BD59-A6C34878D82A}">
+                    <a16:rowId xmlns:a16="http://schemas.microsoft.com/office/drawing/2014/main" val="763192743"/>
+                  </a:ext>
+                </a:extLst>
+              </a:tr>
+            </a:tbl>
+          </a:graphicData>
+        </a:graphic>
+      </p:graphicFrame>
+      <p:graphicFrame>
+        <p:nvGraphicFramePr>
+          <p:cNvPr id="24" name="Table 23">
+            <a:extLst>
+              <a:ext uri="{FF2B5EF4-FFF2-40B4-BE49-F238E27FC236}">
+                <a16:creationId xmlns:a16="http://schemas.microsoft.com/office/drawing/2014/main" id="{256DD36E-6248-4169-8BFA-71DF215C3861}"/>
+              </a:ext>
+            </a:extLst>
+          </p:cNvPr>
+          <p:cNvGraphicFramePr>
+            <a:graphicFrameLocks noGrp="1"/>
+          </p:cNvGraphicFramePr>
+          <p:nvPr>
+            <p:extLst>
+              <p:ext uri="{D42A27DB-BD31-4B8C-83A1-F6EECF244321}">
+                <p14:modId xmlns:p14="http://schemas.microsoft.com/office/powerpoint/2010/main" val="74695026"/>
+              </p:ext>
+            </p:extLst>
+          </p:nvPr>
+        </p:nvGraphicFramePr>
+        <p:xfrm>
+          <a:off x="4466897" y="5175990"/>
+          <a:ext cx="2774728" cy="731520"/>
+        </p:xfrm>
+        <a:graphic>
+          <a:graphicData uri="http://schemas.openxmlformats.org/drawingml/2006/table">
+            <a:tbl>
+              <a:tblPr firstRow="1" bandRow="1">
+                <a:tableStyleId>{5C22544A-7EE6-4342-B048-85BDC9FD1C3A}</a:tableStyleId>
+              </a:tblPr>
+              <a:tblGrid>
+                <a:gridCol w="699832">
+                  <a:extLst>
+                    <a:ext uri="{9D8B030D-6E8A-4147-A177-3AD203B41FA5}">
+                      <a16:colId xmlns:a16="http://schemas.microsoft.com/office/drawing/2014/main" val="3412155576"/>
+                    </a:ext>
+                  </a:extLst>
+                </a:gridCol>
+                <a:gridCol w="699832">
+                  <a:extLst>
+                    <a:ext uri="{9D8B030D-6E8A-4147-A177-3AD203B41FA5}">
+                      <a16:colId xmlns:a16="http://schemas.microsoft.com/office/drawing/2014/main" val="1035172167"/>
+                    </a:ext>
+                  </a:extLst>
+                </a:gridCol>
+                <a:gridCol w="699832">
+                  <a:extLst>
+                    <a:ext uri="{9D8B030D-6E8A-4147-A177-3AD203B41FA5}">
+                      <a16:colId xmlns:a16="http://schemas.microsoft.com/office/drawing/2014/main" val="772728118"/>
+                    </a:ext>
+                  </a:extLst>
+                </a:gridCol>
+                <a:gridCol w="675232">
+                  <a:extLst>
+                    <a:ext uri="{9D8B030D-6E8A-4147-A177-3AD203B41FA5}">
+                      <a16:colId xmlns:a16="http://schemas.microsoft.com/office/drawing/2014/main" val="4157030679"/>
+                    </a:ext>
+                  </a:extLst>
+                </a:gridCol>
+              </a:tblGrid>
+              <a:tr h="268277">
+                <a:tc>
+                  <a:txBody>
+                    <a:bodyPr/>
+                    <a:lstStyle/>
+                    <a:p>
+                      <a:r>
+                        <a:rPr lang="en-US" dirty="0"/>
+                        <a:t>101</a:t>
+                      </a:r>
+                    </a:p>
+                  </a:txBody>
+                  <a:tcPr/>
+                </a:tc>
+                <a:tc>
+                  <a:txBody>
+                    <a:bodyPr/>
+                    <a:lstStyle/>
+                    <a:p>
+                      <a:r>
+                        <a:rPr lang="en-US" dirty="0"/>
+                        <a:t>A</a:t>
+                      </a:r>
+                    </a:p>
+                  </a:txBody>
+                  <a:tcPr/>
+                </a:tc>
+                <a:tc>
+                  <a:txBody>
+                    <a:bodyPr/>
+                    <a:lstStyle/>
+                    <a:p>
+                      <a:r>
+                        <a:rPr lang="en-US" dirty="0"/>
+                        <a:t>1000</a:t>
+                      </a:r>
+                    </a:p>
+                  </a:txBody>
+                  <a:tcPr/>
+                </a:tc>
+                <a:tc>
+                  <a:txBody>
+                    <a:bodyPr/>
+                    <a:lstStyle/>
+                    <a:p>
+                      <a:r>
+                        <a:rPr lang="en-US" dirty="0"/>
+                        <a:t>10</a:t>
+                      </a:r>
+                    </a:p>
+                  </a:txBody>
+                  <a:tcPr/>
+                </a:tc>
+                <a:extLst>
+                  <a:ext uri="{0D108BD9-81ED-4DB2-BD59-A6C34878D82A}">
+                    <a16:rowId xmlns:a16="http://schemas.microsoft.com/office/drawing/2014/main" val="2966778311"/>
+                  </a:ext>
+                </a:extLst>
+              </a:tr>
+              <a:tr h="268277">
+                <a:tc>
+                  <a:txBody>
+                    <a:bodyPr/>
+                    <a:lstStyle/>
+                    <a:p>
+                      <a:r>
+                        <a:rPr lang="en-US" dirty="0"/>
+                        <a:t>102</a:t>
+                      </a:r>
+                    </a:p>
+                  </a:txBody>
+                  <a:tcPr/>
+                </a:tc>
+                <a:tc>
+                  <a:txBody>
+                    <a:bodyPr/>
+                    <a:lstStyle/>
+                    <a:p>
+                      <a:r>
+                        <a:rPr lang="en-US" dirty="0"/>
+                        <a:t>B</a:t>
+                      </a:r>
+                    </a:p>
+                  </a:txBody>
+                  <a:tcPr/>
+                </a:tc>
+                <a:tc>
+                  <a:txBody>
+                    <a:bodyPr/>
+                    <a:lstStyle/>
+                    <a:p>
+                      <a:r>
+                        <a:rPr lang="en-US" dirty="0"/>
+                        <a:t>2000</a:t>
+                      </a:r>
+                    </a:p>
+                  </a:txBody>
+                  <a:tcPr/>
+                </a:tc>
+                <a:tc>
+                  <a:txBody>
+                    <a:bodyPr/>
+                    <a:lstStyle/>
+                    <a:p>
+                      <a:r>
+                        <a:rPr lang="en-US" dirty="0"/>
+                        <a:t>20</a:t>
+                      </a:r>
+                    </a:p>
+                  </a:txBody>
+                  <a:tcPr/>
+                </a:tc>
+                <a:extLst>
+                  <a:ext uri="{0D108BD9-81ED-4DB2-BD59-A6C34878D82A}">
+                    <a16:rowId xmlns:a16="http://schemas.microsoft.com/office/drawing/2014/main" val="763192743"/>
+                  </a:ext>
+                </a:extLst>
+              </a:tr>
+            </a:tbl>
+          </a:graphicData>
+        </a:graphic>
+      </p:graphicFrame>
+      <p:cxnSp>
+        <p:nvCxnSpPr>
+          <p:cNvPr id="26" name="Straight Arrow Connector 25">
+            <a:extLst>
+              <a:ext uri="{FF2B5EF4-FFF2-40B4-BE49-F238E27FC236}">
+                <a16:creationId xmlns:a16="http://schemas.microsoft.com/office/drawing/2014/main" id="{BAC9AB08-89B4-6019-7D50-7DCF3F4EDFDF}"/>
+              </a:ext>
+            </a:extLst>
+          </p:cNvPr>
+          <p:cNvCxnSpPr>
+            <a:stCxn id="5" idx="3"/>
+          </p:cNvCxnSpPr>
+          <p:nvPr/>
+        </p:nvCxnSpPr>
+        <p:spPr>
+          <a:xfrm>
+            <a:off x="945929" y="609600"/>
+            <a:ext cx="3400098" cy="672662"/>
+          </a:xfrm>
+          <a:prstGeom prst="straightConnector1">
+            <a:avLst/>
+          </a:prstGeom>
+          <a:ln>
+            <a:tailEnd type="triangle"/>
+          </a:ln>
+        </p:spPr>
+        <p:style>
+          <a:lnRef idx="1">
+            <a:schemeClr val="accent1"/>
+          </a:lnRef>
+          <a:fillRef idx="0">
+            <a:schemeClr val="accent1"/>
+          </a:fillRef>
+          <a:effectRef idx="0">
+            <a:schemeClr val="accent1"/>
+          </a:effectRef>
+          <a:fontRef idx="minor">
+            <a:schemeClr val="tx1"/>
+          </a:fontRef>
+        </p:style>
+      </p:cxnSp>
+      <p:sp>
+        <p:nvSpPr>
+          <p:cNvPr id="27" name="TextBox 26">
+            <a:extLst>
+              <a:ext uri="{FF2B5EF4-FFF2-40B4-BE49-F238E27FC236}">
+                <a16:creationId xmlns:a16="http://schemas.microsoft.com/office/drawing/2014/main" id="{34CBA8C3-37D1-BF84-174F-E4C47A6D1B86}"/>
+              </a:ext>
+            </a:extLst>
+          </p:cNvPr>
+          <p:cNvSpPr txBox="1"/>
+          <p:nvPr/>
+        </p:nvSpPr>
+        <p:spPr>
+          <a:xfrm>
+            <a:off x="1090447" y="1160989"/>
+            <a:ext cx="2251843" cy="646331"/>
+          </a:xfrm>
+          <a:prstGeom prst="rect">
+            <a:avLst/>
+          </a:prstGeom>
+          <a:noFill/>
+        </p:spPr>
+        <p:txBody>
+          <a:bodyPr wrap="square" rtlCol="0">
+            <a:spAutoFit/>
+          </a:bodyPr>
+          <a:lstStyle/>
+          <a:p>
+            <a:r>
+              <a:rPr lang="en-US" dirty="0"/>
+              <a:t>Modify </a:t>
+            </a:r>
+            <a:r>
+              <a:rPr lang="en-US" dirty="0" err="1"/>
+              <a:t>Dno</a:t>
+            </a:r>
+            <a:r>
+              <a:rPr lang="en-US" dirty="0"/>
+              <a:t> of 101 from 10 to 20</a:t>
+            </a:r>
+          </a:p>
+        </p:txBody>
+      </p:sp>
+      <p:graphicFrame>
+        <p:nvGraphicFramePr>
+          <p:cNvPr id="28" name="Table 23">
+            <a:extLst>
+              <a:ext uri="{FF2B5EF4-FFF2-40B4-BE49-F238E27FC236}">
+                <a16:creationId xmlns:a16="http://schemas.microsoft.com/office/drawing/2014/main" id="{C290A5CE-A6C8-2A04-4017-DC952B0EB852}"/>
+              </a:ext>
+            </a:extLst>
+          </p:cNvPr>
+          <p:cNvGraphicFramePr>
+            <a:graphicFrameLocks noGrp="1"/>
+          </p:cNvGraphicFramePr>
+          <p:nvPr>
+            <p:extLst>
+              <p:ext uri="{D42A27DB-BD31-4B8C-83A1-F6EECF244321}">
+                <p14:modId xmlns:p14="http://schemas.microsoft.com/office/powerpoint/2010/main" val="1484848625"/>
+              </p:ext>
+            </p:extLst>
+          </p:nvPr>
+        </p:nvGraphicFramePr>
+        <p:xfrm>
+          <a:off x="4403836" y="971725"/>
+          <a:ext cx="2774728" cy="365760"/>
+        </p:xfrm>
+        <a:graphic>
+          <a:graphicData uri="http://schemas.openxmlformats.org/drawingml/2006/table">
+            <a:tbl>
+              <a:tblPr firstRow="1" bandRow="1">
+                <a:tableStyleId>{5C22544A-7EE6-4342-B048-85BDC9FD1C3A}</a:tableStyleId>
+              </a:tblPr>
+              <a:tblGrid>
+                <a:gridCol w="699832">
+                  <a:extLst>
+                    <a:ext uri="{9D8B030D-6E8A-4147-A177-3AD203B41FA5}">
+                      <a16:colId xmlns:a16="http://schemas.microsoft.com/office/drawing/2014/main" val="3412155576"/>
+                    </a:ext>
+                  </a:extLst>
+                </a:gridCol>
+                <a:gridCol w="699832">
+                  <a:extLst>
+                    <a:ext uri="{9D8B030D-6E8A-4147-A177-3AD203B41FA5}">
+                      <a16:colId xmlns:a16="http://schemas.microsoft.com/office/drawing/2014/main" val="1035172167"/>
+                    </a:ext>
+                  </a:extLst>
+                </a:gridCol>
+                <a:gridCol w="699832">
+                  <a:extLst>
+                    <a:ext uri="{9D8B030D-6E8A-4147-A177-3AD203B41FA5}">
+                      <a16:colId xmlns:a16="http://schemas.microsoft.com/office/drawing/2014/main" val="772728118"/>
+                    </a:ext>
+                  </a:extLst>
+                </a:gridCol>
+                <a:gridCol w="675232">
+                  <a:extLst>
+                    <a:ext uri="{9D8B030D-6E8A-4147-A177-3AD203B41FA5}">
+                      <a16:colId xmlns:a16="http://schemas.microsoft.com/office/drawing/2014/main" val="4157030679"/>
+                    </a:ext>
+                  </a:extLst>
+                </a:gridCol>
+              </a:tblGrid>
+              <a:tr h="268277">
+                <a:tc>
+                  <a:txBody>
+                    <a:bodyPr/>
+                    <a:lstStyle/>
+                    <a:p>
+                      <a:r>
+                        <a:rPr lang="en-US" dirty="0"/>
+                        <a:t>101</a:t>
+                      </a:r>
+                    </a:p>
+                  </a:txBody>
+                  <a:tcPr/>
+                </a:tc>
+                <a:tc>
+                  <a:txBody>
+                    <a:bodyPr/>
+                    <a:lstStyle/>
+                    <a:p>
+                      <a:r>
+                        <a:rPr lang="en-US" dirty="0"/>
+                        <a:t>A</a:t>
+                      </a:r>
+                    </a:p>
+                  </a:txBody>
+                  <a:tcPr/>
+                </a:tc>
+                <a:tc>
+                  <a:txBody>
+                    <a:bodyPr/>
+                    <a:lstStyle/>
+                    <a:p>
+                      <a:r>
+                        <a:rPr lang="en-US" dirty="0"/>
+                        <a:t>1000</a:t>
+                      </a:r>
+                    </a:p>
+                  </a:txBody>
+                  <a:tcPr/>
+                </a:tc>
+                <a:tc>
+                  <a:txBody>
+                    <a:bodyPr/>
+                    <a:lstStyle/>
+                    <a:p>
+                      <a:r>
+                        <a:rPr lang="en-US" dirty="0"/>
+                        <a:t>20</a:t>
+                      </a:r>
+                    </a:p>
+                  </a:txBody>
+                  <a:tcPr/>
+                </a:tc>
+                <a:extLst>
+                  <a:ext uri="{0D108BD9-81ED-4DB2-BD59-A6C34878D82A}">
+                    <a16:rowId xmlns:a16="http://schemas.microsoft.com/office/drawing/2014/main" val="2966778311"/>
+                  </a:ext>
+                </a:extLst>
+              </a:tr>
+            </a:tbl>
+          </a:graphicData>
+        </a:graphic>
+      </p:graphicFrame>
+      <p:cxnSp>
+        <p:nvCxnSpPr>
+          <p:cNvPr id="30" name="Elbow Connector 29">
+            <a:extLst>
+              <a:ext uri="{FF2B5EF4-FFF2-40B4-BE49-F238E27FC236}">
+                <a16:creationId xmlns:a16="http://schemas.microsoft.com/office/drawing/2014/main" id="{7C385AFB-FFB0-84CF-2788-5A350239B0D4}"/>
+              </a:ext>
+            </a:extLst>
+          </p:cNvPr>
+          <p:cNvCxnSpPr/>
+          <p:nvPr/>
+        </p:nvCxnSpPr>
+        <p:spPr>
+          <a:xfrm rot="16200000" flipH="1">
+            <a:off x="5754436" y="1374248"/>
+            <a:ext cx="1742045" cy="1668517"/>
+          </a:xfrm>
+          <a:prstGeom prst="bentConnector3">
+            <a:avLst/>
+          </a:prstGeom>
+          <a:ln w="19050">
+            <a:solidFill>
+              <a:srgbClr val="002060"/>
+            </a:solidFill>
+            <a:tailEnd type="triangle"/>
+          </a:ln>
+        </p:spPr>
+        <p:style>
+          <a:lnRef idx="1">
+            <a:schemeClr val="accent1"/>
+          </a:lnRef>
+          <a:fillRef idx="0">
+            <a:schemeClr val="accent1"/>
+          </a:fillRef>
+          <a:effectRef idx="0">
+            <a:schemeClr val="accent1"/>
+          </a:effectRef>
+          <a:fontRef idx="minor">
+            <a:schemeClr val="tx1"/>
+          </a:fontRef>
+        </p:style>
+      </p:cxnSp>
+      <p:sp>
+        <p:nvSpPr>
+          <p:cNvPr id="31" name="TextBox 30">
+            <a:extLst>
+              <a:ext uri="{FF2B5EF4-FFF2-40B4-BE49-F238E27FC236}">
+                <a16:creationId xmlns:a16="http://schemas.microsoft.com/office/drawing/2014/main" id="{91C4CA56-00C0-1FEC-505F-18388405D758}"/>
+              </a:ext>
+            </a:extLst>
+          </p:cNvPr>
+          <p:cNvSpPr txBox="1"/>
+          <p:nvPr/>
+        </p:nvSpPr>
+        <p:spPr>
+          <a:xfrm>
+            <a:off x="4466897" y="1996764"/>
+            <a:ext cx="2711667" cy="1277273"/>
+          </a:xfrm>
+          <a:prstGeom prst="rect">
+            <a:avLst/>
+          </a:prstGeom>
+          <a:noFill/>
+        </p:spPr>
+        <p:txBody>
+          <a:bodyPr wrap="square" rtlCol="0">
+            <a:spAutoFit/>
+          </a:bodyPr>
+          <a:lstStyle/>
+          <a:p>
+            <a:r>
+              <a:rPr lang="en-US" sz="1100" dirty="0"/>
+              <a:t>Update back to Database using </a:t>
+            </a:r>
+            <a:r>
+              <a:rPr lang="en-US" sz="1100" dirty="0" err="1"/>
+              <a:t>UpdateCommand</a:t>
+            </a:r>
+            <a:r>
+              <a:rPr lang="en-US" sz="1100" dirty="0"/>
+              <a:t>, this will first check if the Original data in </a:t>
+            </a:r>
+            <a:r>
+              <a:rPr lang="en-US" sz="1100" dirty="0" err="1"/>
+              <a:t>DataSet</a:t>
+            </a:r>
+            <a:r>
+              <a:rPr lang="en-US" sz="1100" dirty="0"/>
+              <a:t> that was loaded is still present in the Table in  Database for that row or rows , if yes then only update the row else generate. </a:t>
+            </a:r>
+            <a:r>
+              <a:rPr lang="en-US" sz="1100" b="1" dirty="0" err="1"/>
+              <a:t>DbConncurrencyException</a:t>
+            </a:r>
+            <a:endParaRPr lang="en-US" sz="1100" dirty="0"/>
+          </a:p>
+        </p:txBody>
+      </p:sp>
+      <p:sp>
+        <p:nvSpPr>
+          <p:cNvPr id="32" name="TextBox 31">
+            <a:extLst>
+              <a:ext uri="{FF2B5EF4-FFF2-40B4-BE49-F238E27FC236}">
+                <a16:creationId xmlns:a16="http://schemas.microsoft.com/office/drawing/2014/main" id="{931B0AF2-6635-78D7-7467-1EBC5905C084}"/>
+              </a:ext>
+            </a:extLst>
+          </p:cNvPr>
+          <p:cNvSpPr txBox="1"/>
+          <p:nvPr/>
+        </p:nvSpPr>
+        <p:spPr>
+          <a:xfrm>
+            <a:off x="9122979" y="105103"/>
+            <a:ext cx="2974428" cy="769441"/>
+          </a:xfrm>
+          <a:prstGeom prst="rect">
+            <a:avLst/>
+          </a:prstGeom>
+          <a:noFill/>
+        </p:spPr>
+        <p:txBody>
+          <a:bodyPr wrap="square" rtlCol="0">
+            <a:spAutoFit/>
+          </a:bodyPr>
+          <a:lstStyle/>
+          <a:p>
+            <a:r>
+              <a:rPr lang="en-US" sz="1100"/>
+              <a:t>Update </a:t>
+            </a:r>
+            <a:r>
+              <a:rPr lang="en-US" sz="1100" dirty="0"/>
+              <a:t>Emp Set </a:t>
+            </a:r>
+            <a:r>
+              <a:rPr lang="en-US" sz="1100" dirty="0" err="1"/>
+              <a:t>Ename</a:t>
+            </a:r>
+            <a:r>
+              <a:rPr lang="en-US" sz="1100" dirty="0"/>
+              <a:t>=@</a:t>
+            </a:r>
+            <a:r>
+              <a:rPr lang="en-US" sz="1100" dirty="0" err="1"/>
+              <a:t>Ename</a:t>
+            </a:r>
+            <a:r>
+              <a:rPr lang="en-US" sz="1100" dirty="0"/>
+              <a:t>, Sal=@Sal, </a:t>
+            </a:r>
+            <a:r>
+              <a:rPr lang="en-US" sz="1100" dirty="0" err="1"/>
+              <a:t>Dno</a:t>
+            </a:r>
+            <a:r>
+              <a:rPr lang="en-US" sz="1100" dirty="0"/>
+              <a:t>=@</a:t>
+            </a:r>
+            <a:r>
+              <a:rPr lang="en-US" sz="1100" dirty="0" err="1"/>
+              <a:t>Dno</a:t>
+            </a:r>
+            <a:r>
+              <a:rPr lang="en-US" sz="1100" dirty="0"/>
+              <a:t> where Eno=@Eno and </a:t>
+            </a:r>
+            <a:r>
+              <a:rPr lang="en-US" sz="1100" b="1" dirty="0" err="1"/>
+              <a:t>Ename</a:t>
+            </a:r>
+            <a:r>
+              <a:rPr lang="en-US" sz="1100" b="1" dirty="0"/>
+              <a:t>=</a:t>
+            </a:r>
+            <a:r>
+              <a:rPr lang="en-US" sz="1100" b="1" dirty="0" err="1"/>
+              <a:t>Original_Ename</a:t>
+            </a:r>
+            <a:r>
+              <a:rPr lang="en-US" sz="1100" b="1" dirty="0"/>
+              <a:t> and Sal=</a:t>
+            </a:r>
+            <a:r>
+              <a:rPr lang="en-US" sz="1100" b="1" dirty="0" err="1"/>
+              <a:t>Original_Sal</a:t>
+            </a:r>
+            <a:r>
+              <a:rPr lang="en-US" sz="1100" b="1" dirty="0"/>
+              <a:t> and </a:t>
+            </a:r>
+            <a:r>
+              <a:rPr lang="en-US" sz="1100" b="1" dirty="0" err="1"/>
+              <a:t>Dno</a:t>
+            </a:r>
+            <a:r>
+              <a:rPr lang="en-US" sz="1100" b="1" dirty="0"/>
+              <a:t>=</a:t>
+            </a:r>
+            <a:r>
+              <a:rPr lang="en-US" sz="1100" b="1" dirty="0" err="1"/>
+              <a:t>Original_Dno</a:t>
+            </a:r>
+            <a:r>
+              <a:rPr lang="en-US" sz="1100" b="1" dirty="0"/>
+              <a:t>; </a:t>
+            </a:r>
+          </a:p>
+        </p:txBody>
+      </p:sp>
+      <p:cxnSp>
+        <p:nvCxnSpPr>
+          <p:cNvPr id="34" name="Straight Arrow Connector 33">
+            <a:extLst>
+              <a:ext uri="{FF2B5EF4-FFF2-40B4-BE49-F238E27FC236}">
+                <a16:creationId xmlns:a16="http://schemas.microsoft.com/office/drawing/2014/main" id="{492394F5-BCB3-6229-456C-D96BD098D7ED}"/>
+              </a:ext>
+            </a:extLst>
+          </p:cNvPr>
+          <p:cNvCxnSpPr>
+            <a:cxnSpLocks/>
+            <a:stCxn id="32" idx="1"/>
+            <a:endCxn id="31" idx="0"/>
+          </p:cNvCxnSpPr>
+          <p:nvPr/>
+        </p:nvCxnSpPr>
+        <p:spPr>
+          <a:xfrm flipH="1">
+            <a:off x="5822731" y="489824"/>
+            <a:ext cx="3300248" cy="1506940"/>
+          </a:xfrm>
+          <a:prstGeom prst="straightConnector1">
+            <a:avLst/>
+          </a:prstGeom>
+          <a:ln>
+            <a:tailEnd type="triangle"/>
+          </a:ln>
+        </p:spPr>
+        <p:style>
+          <a:lnRef idx="1">
+            <a:schemeClr val="accent1"/>
+          </a:lnRef>
+          <a:fillRef idx="0">
+            <a:schemeClr val="accent1"/>
+          </a:fillRef>
+          <a:effectRef idx="0">
+            <a:schemeClr val="accent1"/>
+          </a:effectRef>
+          <a:fontRef idx="minor">
+            <a:schemeClr val="tx1"/>
+          </a:fontRef>
+        </p:style>
+      </p:cxnSp>
+    </p:spTree>
+    <p:extLst>
+      <p:ext uri="{BB962C8B-B14F-4D97-AF65-F5344CB8AC3E}">
+        <p14:creationId xmlns:p14="http://schemas.microsoft.com/office/powerpoint/2010/main" val="613390894"/>
+      </p:ext>
+    </p:extLst>
+  </p:cSld>
+  <p:clrMapOvr>
+    <a:masterClrMapping/>
+  </p:clrMapOvr>
+</p:sld>
+</file>
+
 <file path=ppt/slides/slide4.xml><?xml version="1.0" encoding="utf-8"?>
 <p:sld xmlns:a="http://schemas.openxmlformats.org/drawingml/2006/main" xmlns:r="http://schemas.openxmlformats.org/officeDocument/2006/relationships" xmlns:p="http://schemas.openxmlformats.org/presentationml/2006/main">
   <p:cSld>

--- a/mbaspnetcore6/MB_Training_Images.pptx
+++ b/mbaspnetcore6/MB_Training_Images.pptx
@@ -43,6 +43,11 @@
     <p:sldId id="291" r:id="rId37"/>
     <p:sldId id="292" r:id="rId38"/>
     <p:sldId id="293" r:id="rId39"/>
+    <p:sldId id="294" r:id="rId40"/>
+    <p:sldId id="295" r:id="rId41"/>
+    <p:sldId id="296" r:id="rId42"/>
+    <p:sldId id="297" r:id="rId43"/>
+    <p:sldId id="298" r:id="rId44"/>
   </p:sldIdLst>
   <p:sldSz cx="12192000" cy="6858000"/>
   <p:notesSz cx="6858000" cy="9144000"/>
@@ -296,7 +301,7 @@
           <a:p>
             <a:fld id="{7EAE8DEA-61CA-412C-9D6E-50DA161E193E}" type="datetimeFigureOut">
               <a:rPr lang="en-US" smtClean="0"/>
-              <a:t>8/26/22</a:t>
+              <a:t>8/29/22</a:t>
             </a:fld>
             <a:endParaRPr lang="en-US"/>
           </a:p>
@@ -494,7 +499,7 @@
           <a:p>
             <a:fld id="{7EAE8DEA-61CA-412C-9D6E-50DA161E193E}" type="datetimeFigureOut">
               <a:rPr lang="en-US" smtClean="0"/>
-              <a:t>8/26/22</a:t>
+              <a:t>8/29/22</a:t>
             </a:fld>
             <a:endParaRPr lang="en-US"/>
           </a:p>
@@ -702,7 +707,7 @@
           <a:p>
             <a:fld id="{7EAE8DEA-61CA-412C-9D6E-50DA161E193E}" type="datetimeFigureOut">
               <a:rPr lang="en-US" smtClean="0"/>
-              <a:t>8/26/22</a:t>
+              <a:t>8/29/22</a:t>
             </a:fld>
             <a:endParaRPr lang="en-US"/>
           </a:p>
@@ -900,7 +905,7 @@
           <a:p>
             <a:fld id="{7EAE8DEA-61CA-412C-9D6E-50DA161E193E}" type="datetimeFigureOut">
               <a:rPr lang="en-US" smtClean="0"/>
-              <a:t>8/26/22</a:t>
+              <a:t>8/29/22</a:t>
             </a:fld>
             <a:endParaRPr lang="en-US"/>
           </a:p>
@@ -1175,7 +1180,7 @@
           <a:p>
             <a:fld id="{7EAE8DEA-61CA-412C-9D6E-50DA161E193E}" type="datetimeFigureOut">
               <a:rPr lang="en-US" smtClean="0"/>
-              <a:t>8/26/22</a:t>
+              <a:t>8/29/22</a:t>
             </a:fld>
             <a:endParaRPr lang="en-US"/>
           </a:p>
@@ -1440,7 +1445,7 @@
           <a:p>
             <a:fld id="{7EAE8DEA-61CA-412C-9D6E-50DA161E193E}" type="datetimeFigureOut">
               <a:rPr lang="en-US" smtClean="0"/>
-              <a:t>8/26/22</a:t>
+              <a:t>8/29/22</a:t>
             </a:fld>
             <a:endParaRPr lang="en-US"/>
           </a:p>
@@ -1852,7 +1857,7 @@
           <a:p>
             <a:fld id="{7EAE8DEA-61CA-412C-9D6E-50DA161E193E}" type="datetimeFigureOut">
               <a:rPr lang="en-US" smtClean="0"/>
-              <a:t>8/26/22</a:t>
+              <a:t>8/29/22</a:t>
             </a:fld>
             <a:endParaRPr lang="en-US"/>
           </a:p>
@@ -1993,7 +1998,7 @@
           <a:p>
             <a:fld id="{7EAE8DEA-61CA-412C-9D6E-50DA161E193E}" type="datetimeFigureOut">
               <a:rPr lang="en-US" smtClean="0"/>
-              <a:t>8/26/22</a:t>
+              <a:t>8/29/22</a:t>
             </a:fld>
             <a:endParaRPr lang="en-US"/>
           </a:p>
@@ -2106,7 +2111,7 @@
           <a:p>
             <a:fld id="{7EAE8DEA-61CA-412C-9D6E-50DA161E193E}" type="datetimeFigureOut">
               <a:rPr lang="en-US" smtClean="0"/>
-              <a:t>8/26/22</a:t>
+              <a:t>8/29/22</a:t>
             </a:fld>
             <a:endParaRPr lang="en-US"/>
           </a:p>
@@ -2417,7 +2422,7 @@
           <a:p>
             <a:fld id="{7EAE8DEA-61CA-412C-9D6E-50DA161E193E}" type="datetimeFigureOut">
               <a:rPr lang="en-US" smtClean="0"/>
-              <a:t>8/26/22</a:t>
+              <a:t>8/29/22</a:t>
             </a:fld>
             <a:endParaRPr lang="en-US"/>
           </a:p>
@@ -2705,7 +2710,7 @@
           <a:p>
             <a:fld id="{7EAE8DEA-61CA-412C-9D6E-50DA161E193E}" type="datetimeFigureOut">
               <a:rPr lang="en-US" smtClean="0"/>
-              <a:t>8/26/22</a:t>
+              <a:t>8/29/22</a:t>
             </a:fld>
             <a:endParaRPr lang="en-US"/>
           </a:p>
@@ -2946,7 +2951,7 @@
           <a:p>
             <a:fld id="{7EAE8DEA-61CA-412C-9D6E-50DA161E193E}" type="datetimeFigureOut">
               <a:rPr lang="en-US" smtClean="0"/>
-              <a:t>8/26/22</a:t>
+              <a:t>8/29/22</a:t>
             </a:fld>
             <a:endParaRPr lang="en-US"/>
           </a:p>
@@ -13604,7 +13609,7 @@
                   </a:outerShdw>
                 </a:effectLst>
               </a:rPr>
-              <a:t>MyAc`tion</a:t>
+              <a:t>MyAction</a:t>
             </a:r>
             <a:r>
               <a:rPr lang="en-US" sz="1100" dirty="0">
@@ -33851,6 +33856,1134 @@
 </p:sld>
 </file>
 
+<file path=ppt/slides/slide39.xml><?xml version="1.0" encoding="utf-8"?>
+<p:sld xmlns:a="http://schemas.openxmlformats.org/drawingml/2006/main" xmlns:r="http://schemas.openxmlformats.org/officeDocument/2006/relationships" xmlns:p="http://schemas.openxmlformats.org/presentationml/2006/main">
+  <p:cSld>
+    <p:spTree>
+      <p:nvGrpSpPr>
+        <p:cNvPr id="1" name=""/>
+        <p:cNvGrpSpPr/>
+        <p:nvPr/>
+      </p:nvGrpSpPr>
+      <p:grpSpPr>
+        <a:xfrm>
+          <a:off x="0" y="0"/>
+          <a:ext cx="0" cy="0"/>
+          <a:chOff x="0" y="0"/>
+          <a:chExt cx="0" cy="0"/>
+        </a:xfrm>
+      </p:grpSpPr>
+      <p:sp>
+        <p:nvSpPr>
+          <p:cNvPr id="2" name="Rectangle 1">
+            <a:extLst>
+              <a:ext uri="{FF2B5EF4-FFF2-40B4-BE49-F238E27FC236}">
+                <a16:creationId xmlns:a16="http://schemas.microsoft.com/office/drawing/2014/main" id="{9342529F-9F6B-1085-E69B-880C23172D28}"/>
+              </a:ext>
+            </a:extLst>
+          </p:cNvPr>
+          <p:cNvSpPr/>
+          <p:nvPr/>
+        </p:nvSpPr>
+        <p:spPr>
+          <a:xfrm>
+            <a:off x="648586" y="1924493"/>
+            <a:ext cx="3296093" cy="2785730"/>
+          </a:xfrm>
+          <a:prstGeom prst="rect">
+            <a:avLst/>
+          </a:prstGeom>
+        </p:spPr>
+        <p:style>
+          <a:lnRef idx="2">
+            <a:schemeClr val="accent1">
+              <a:shade val="50000"/>
+            </a:schemeClr>
+          </a:lnRef>
+          <a:fillRef idx="1">
+            <a:schemeClr val="accent1"/>
+          </a:fillRef>
+          <a:effectRef idx="0">
+            <a:schemeClr val="accent1"/>
+          </a:effectRef>
+          <a:fontRef idx="minor">
+            <a:schemeClr val="lt1"/>
+          </a:fontRef>
+        </p:style>
+        <p:txBody>
+          <a:bodyPr rtlCol="0" anchor="ctr"/>
+          <a:lstStyle/>
+          <a:p>
+            <a:pPr algn="ctr"/>
+            <a:r>
+              <a:rPr lang="en-US" b="1" dirty="0"/>
+              <a:t>UI </a:t>
+            </a:r>
+          </a:p>
+          <a:p>
+            <a:pPr algn="ctr"/>
+            <a:r>
+              <a:rPr lang="en-US" b="1" dirty="0"/>
+              <a:t>Layer with ASP.NET MVC</a:t>
+            </a:r>
+          </a:p>
+          <a:p>
+            <a:pPr algn="ctr"/>
+            <a:r>
+              <a:rPr lang="en-US" b="1" dirty="0"/>
+              <a:t>jQuery, Bootstrap</a:t>
+            </a:r>
+          </a:p>
+        </p:txBody>
+      </p:sp>
+      <p:sp>
+        <p:nvSpPr>
+          <p:cNvPr id="3" name="Rectangle 2">
+            <a:extLst>
+              <a:ext uri="{FF2B5EF4-FFF2-40B4-BE49-F238E27FC236}">
+                <a16:creationId xmlns:a16="http://schemas.microsoft.com/office/drawing/2014/main" id="{E2E9950B-6CD9-8F09-B9E7-8FCE2FC7C276}"/>
+              </a:ext>
+            </a:extLst>
+          </p:cNvPr>
+          <p:cNvSpPr/>
+          <p:nvPr/>
+        </p:nvSpPr>
+        <p:spPr>
+          <a:xfrm>
+            <a:off x="8084288" y="2036135"/>
+            <a:ext cx="3296093" cy="2785730"/>
+          </a:xfrm>
+          <a:prstGeom prst="rect">
+            <a:avLst/>
+          </a:prstGeom>
+        </p:spPr>
+        <p:style>
+          <a:lnRef idx="2">
+            <a:schemeClr val="accent1">
+              <a:shade val="50000"/>
+            </a:schemeClr>
+          </a:lnRef>
+          <a:fillRef idx="1">
+            <a:schemeClr val="accent1"/>
+          </a:fillRef>
+          <a:effectRef idx="0">
+            <a:schemeClr val="accent1"/>
+          </a:effectRef>
+          <a:fontRef idx="minor">
+            <a:schemeClr val="lt1"/>
+          </a:fontRef>
+        </p:style>
+        <p:txBody>
+          <a:bodyPr rtlCol="0" anchor="ctr"/>
+          <a:lstStyle/>
+          <a:p>
+            <a:pPr algn="ctr"/>
+            <a:r>
+              <a:rPr lang="en-US" b="1" dirty="0"/>
+              <a:t>Server-Side Domain Workflows</a:t>
+            </a:r>
+          </a:p>
+          <a:p>
+            <a:pPr algn="ctr"/>
+            <a:r>
+              <a:rPr lang="en-US" b="1" dirty="0"/>
+              <a:t>ASP.NET WEB API</a:t>
+            </a:r>
+          </a:p>
+        </p:txBody>
+      </p:sp>
+      <p:sp>
+        <p:nvSpPr>
+          <p:cNvPr id="4" name="Right Arrow 3">
+            <a:extLst>
+              <a:ext uri="{FF2B5EF4-FFF2-40B4-BE49-F238E27FC236}">
+                <a16:creationId xmlns:a16="http://schemas.microsoft.com/office/drawing/2014/main" id="{094D6C5B-A4D1-9BF0-464F-7CFE20C82B73}"/>
+              </a:ext>
+            </a:extLst>
+          </p:cNvPr>
+          <p:cNvSpPr/>
+          <p:nvPr/>
+        </p:nvSpPr>
+        <p:spPr>
+          <a:xfrm>
+            <a:off x="3944679" y="2158409"/>
+            <a:ext cx="2977116" cy="839972"/>
+          </a:xfrm>
+          <a:prstGeom prst="rightArrow">
+            <a:avLst/>
+          </a:prstGeom>
+        </p:spPr>
+        <p:style>
+          <a:lnRef idx="2">
+            <a:schemeClr val="accent1">
+              <a:shade val="50000"/>
+            </a:schemeClr>
+          </a:lnRef>
+          <a:fillRef idx="1">
+            <a:schemeClr val="accent1"/>
+          </a:fillRef>
+          <a:effectRef idx="0">
+            <a:schemeClr val="accent1"/>
+          </a:effectRef>
+          <a:fontRef idx="minor">
+            <a:schemeClr val="lt1"/>
+          </a:fontRef>
+        </p:style>
+        <p:txBody>
+          <a:bodyPr rtlCol="0" anchor="ctr"/>
+          <a:lstStyle/>
+          <a:p>
+            <a:pPr algn="ctr"/>
+            <a:endParaRPr lang="en-US"/>
+          </a:p>
+        </p:txBody>
+      </p:sp>
+      <p:sp>
+        <p:nvSpPr>
+          <p:cNvPr id="5" name="Left Arrow 4">
+            <a:extLst>
+              <a:ext uri="{FF2B5EF4-FFF2-40B4-BE49-F238E27FC236}">
+                <a16:creationId xmlns:a16="http://schemas.microsoft.com/office/drawing/2014/main" id="{0CB69196-A6C8-2150-FF86-521EE0E84043}"/>
+              </a:ext>
+            </a:extLst>
+          </p:cNvPr>
+          <p:cNvSpPr/>
+          <p:nvPr/>
+        </p:nvSpPr>
+        <p:spPr>
+          <a:xfrm>
+            <a:off x="3944679" y="3657601"/>
+            <a:ext cx="2977116" cy="839972"/>
+          </a:xfrm>
+          <a:prstGeom prst="leftArrow">
+            <a:avLst/>
+          </a:prstGeom>
+        </p:spPr>
+        <p:style>
+          <a:lnRef idx="2">
+            <a:schemeClr val="accent1">
+              <a:shade val="50000"/>
+            </a:schemeClr>
+          </a:lnRef>
+          <a:fillRef idx="1">
+            <a:schemeClr val="accent1"/>
+          </a:fillRef>
+          <a:effectRef idx="0">
+            <a:schemeClr val="accent1"/>
+          </a:effectRef>
+          <a:fontRef idx="minor">
+            <a:schemeClr val="lt1"/>
+          </a:fontRef>
+        </p:style>
+        <p:txBody>
+          <a:bodyPr rtlCol="0" anchor="ctr"/>
+          <a:lstStyle/>
+          <a:p>
+            <a:pPr algn="ctr"/>
+            <a:endParaRPr lang="en-US"/>
+          </a:p>
+        </p:txBody>
+      </p:sp>
+      <p:sp>
+        <p:nvSpPr>
+          <p:cNvPr id="6" name="Rectangle 5">
+            <a:extLst>
+              <a:ext uri="{FF2B5EF4-FFF2-40B4-BE49-F238E27FC236}">
+                <a16:creationId xmlns:a16="http://schemas.microsoft.com/office/drawing/2014/main" id="{45D1CE2D-0F58-D7A7-35AE-4A11E20C9C32}"/>
+              </a:ext>
+            </a:extLst>
+          </p:cNvPr>
+          <p:cNvSpPr/>
+          <p:nvPr/>
+        </p:nvSpPr>
+        <p:spPr>
+          <a:xfrm>
+            <a:off x="520995" y="95693"/>
+            <a:ext cx="2105247" cy="861237"/>
+          </a:xfrm>
+          <a:prstGeom prst="rect">
+            <a:avLst/>
+          </a:prstGeom>
+        </p:spPr>
+        <p:style>
+          <a:lnRef idx="2">
+            <a:schemeClr val="accent1">
+              <a:shade val="50000"/>
+            </a:schemeClr>
+          </a:lnRef>
+          <a:fillRef idx="1">
+            <a:schemeClr val="accent1"/>
+          </a:fillRef>
+          <a:effectRef idx="0">
+            <a:schemeClr val="accent1"/>
+          </a:effectRef>
+          <a:fontRef idx="minor">
+            <a:schemeClr val="lt1"/>
+          </a:fontRef>
+        </p:style>
+        <p:txBody>
+          <a:bodyPr rtlCol="0" anchor="ctr"/>
+          <a:lstStyle/>
+          <a:p>
+            <a:pPr algn="ctr"/>
+            <a:r>
+              <a:rPr lang="en-US" dirty="0"/>
+              <a:t>C1</a:t>
+            </a:r>
+          </a:p>
+        </p:txBody>
+      </p:sp>
+      <p:cxnSp>
+        <p:nvCxnSpPr>
+          <p:cNvPr id="8" name="Elbow Connector 7">
+            <a:extLst>
+              <a:ext uri="{FF2B5EF4-FFF2-40B4-BE49-F238E27FC236}">
+                <a16:creationId xmlns:a16="http://schemas.microsoft.com/office/drawing/2014/main" id="{A2832B25-499E-43B6-D483-B51E0F16B4B6}"/>
+              </a:ext>
+            </a:extLst>
+          </p:cNvPr>
+          <p:cNvCxnSpPr>
+            <a:stCxn id="6" idx="3"/>
+            <a:endCxn id="3" idx="0"/>
+          </p:cNvCxnSpPr>
+          <p:nvPr/>
+        </p:nvCxnSpPr>
+        <p:spPr>
+          <a:xfrm>
+            <a:off x="2626242" y="526312"/>
+            <a:ext cx="7106093" cy="1509823"/>
+          </a:xfrm>
+          <a:prstGeom prst="bentConnector2">
+            <a:avLst/>
+          </a:prstGeom>
+          <a:ln>
+            <a:headEnd type="triangle"/>
+            <a:tailEnd type="triangle"/>
+          </a:ln>
+        </p:spPr>
+        <p:style>
+          <a:lnRef idx="1">
+            <a:schemeClr val="accent1"/>
+          </a:lnRef>
+          <a:fillRef idx="0">
+            <a:schemeClr val="accent1"/>
+          </a:fillRef>
+          <a:effectRef idx="0">
+            <a:schemeClr val="accent1"/>
+          </a:effectRef>
+          <a:fontRef idx="minor">
+            <a:schemeClr val="tx1"/>
+          </a:fontRef>
+        </p:style>
+      </p:cxnSp>
+      <p:sp>
+        <p:nvSpPr>
+          <p:cNvPr id="9" name="Rectangle 8">
+            <a:extLst>
+              <a:ext uri="{FF2B5EF4-FFF2-40B4-BE49-F238E27FC236}">
+                <a16:creationId xmlns:a16="http://schemas.microsoft.com/office/drawing/2014/main" id="{3D4BD9FB-0C68-34EF-BE70-3BF2E0F6753A}"/>
+              </a:ext>
+            </a:extLst>
+          </p:cNvPr>
+          <p:cNvSpPr/>
+          <p:nvPr/>
+        </p:nvSpPr>
+        <p:spPr>
+          <a:xfrm>
+            <a:off x="513907" y="5470451"/>
+            <a:ext cx="2105247" cy="861237"/>
+          </a:xfrm>
+          <a:prstGeom prst="rect">
+            <a:avLst/>
+          </a:prstGeom>
+        </p:spPr>
+        <p:style>
+          <a:lnRef idx="2">
+            <a:schemeClr val="accent1">
+              <a:shade val="50000"/>
+            </a:schemeClr>
+          </a:lnRef>
+          <a:fillRef idx="1">
+            <a:schemeClr val="accent1"/>
+          </a:fillRef>
+          <a:effectRef idx="0">
+            <a:schemeClr val="accent1"/>
+          </a:effectRef>
+          <a:fontRef idx="minor">
+            <a:schemeClr val="lt1"/>
+          </a:fontRef>
+        </p:style>
+        <p:txBody>
+          <a:bodyPr rtlCol="0" anchor="ctr"/>
+          <a:lstStyle/>
+          <a:p>
+            <a:pPr algn="ctr"/>
+            <a:r>
+              <a:rPr lang="en-US" dirty="0"/>
+              <a:t>C2…n</a:t>
+            </a:r>
+          </a:p>
+        </p:txBody>
+      </p:sp>
+      <p:cxnSp>
+        <p:nvCxnSpPr>
+          <p:cNvPr id="11" name="Elbow Connector 10">
+            <a:extLst>
+              <a:ext uri="{FF2B5EF4-FFF2-40B4-BE49-F238E27FC236}">
+                <a16:creationId xmlns:a16="http://schemas.microsoft.com/office/drawing/2014/main" id="{47C0C727-BC94-2991-B4F7-B91A00F73143}"/>
+              </a:ext>
+            </a:extLst>
+          </p:cNvPr>
+          <p:cNvCxnSpPr>
+            <a:stCxn id="9" idx="3"/>
+            <a:endCxn id="3" idx="2"/>
+          </p:cNvCxnSpPr>
+          <p:nvPr/>
+        </p:nvCxnSpPr>
+        <p:spPr>
+          <a:xfrm flipV="1">
+            <a:off x="2619154" y="4821865"/>
+            <a:ext cx="7113181" cy="1079205"/>
+          </a:xfrm>
+          <a:prstGeom prst="bentConnector2">
+            <a:avLst/>
+          </a:prstGeom>
+          <a:ln>
+            <a:headEnd type="triangle"/>
+            <a:tailEnd type="triangle"/>
+          </a:ln>
+        </p:spPr>
+        <p:style>
+          <a:lnRef idx="1">
+            <a:schemeClr val="accent1"/>
+          </a:lnRef>
+          <a:fillRef idx="0">
+            <a:schemeClr val="accent1"/>
+          </a:fillRef>
+          <a:effectRef idx="0">
+            <a:schemeClr val="accent1"/>
+          </a:effectRef>
+          <a:fontRef idx="minor">
+            <a:schemeClr val="tx1"/>
+          </a:fontRef>
+        </p:style>
+      </p:cxnSp>
+      <p:sp>
+        <p:nvSpPr>
+          <p:cNvPr id="12" name="Rounded Rectangle 11">
+            <a:extLst>
+              <a:ext uri="{FF2B5EF4-FFF2-40B4-BE49-F238E27FC236}">
+                <a16:creationId xmlns:a16="http://schemas.microsoft.com/office/drawing/2014/main" id="{43997A0F-5EC1-2721-48E3-717A96E0F2E9}"/>
+              </a:ext>
+            </a:extLst>
+          </p:cNvPr>
+          <p:cNvSpPr/>
+          <p:nvPr/>
+        </p:nvSpPr>
+        <p:spPr>
+          <a:xfrm>
+            <a:off x="8208335" y="2216888"/>
+            <a:ext cx="712382" cy="723014"/>
+          </a:xfrm>
+          <a:prstGeom prst="roundRect">
+            <a:avLst/>
+          </a:prstGeom>
+          <a:solidFill>
+            <a:schemeClr val="accent2"/>
+          </a:solidFill>
+        </p:spPr>
+        <p:style>
+          <a:lnRef idx="2">
+            <a:schemeClr val="accent1">
+              <a:shade val="50000"/>
+            </a:schemeClr>
+          </a:lnRef>
+          <a:fillRef idx="1">
+            <a:schemeClr val="accent1"/>
+          </a:fillRef>
+          <a:effectRef idx="0">
+            <a:schemeClr val="accent1"/>
+          </a:effectRef>
+          <a:fontRef idx="minor">
+            <a:schemeClr val="lt1"/>
+          </a:fontRef>
+        </p:style>
+        <p:txBody>
+          <a:bodyPr rtlCol="0" anchor="ctr"/>
+          <a:lstStyle/>
+          <a:p>
+            <a:pPr algn="ctr"/>
+            <a:r>
+              <a:rPr lang="en-US" dirty="0"/>
+              <a:t>WF</a:t>
+            </a:r>
+          </a:p>
+        </p:txBody>
+      </p:sp>
+      <p:sp>
+        <p:nvSpPr>
+          <p:cNvPr id="13" name="Rounded Rectangle 12">
+            <a:extLst>
+              <a:ext uri="{FF2B5EF4-FFF2-40B4-BE49-F238E27FC236}">
+                <a16:creationId xmlns:a16="http://schemas.microsoft.com/office/drawing/2014/main" id="{7E5AB601-3975-EB01-261D-CB7600E14ADB}"/>
+              </a:ext>
+            </a:extLst>
+          </p:cNvPr>
+          <p:cNvSpPr/>
+          <p:nvPr/>
+        </p:nvSpPr>
+        <p:spPr>
+          <a:xfrm>
+            <a:off x="9053622" y="2216888"/>
+            <a:ext cx="712382" cy="723014"/>
+          </a:xfrm>
+          <a:prstGeom prst="roundRect">
+            <a:avLst/>
+          </a:prstGeom>
+          <a:solidFill>
+            <a:schemeClr val="accent2"/>
+          </a:solidFill>
+        </p:spPr>
+        <p:style>
+          <a:lnRef idx="2">
+            <a:schemeClr val="accent1">
+              <a:shade val="50000"/>
+            </a:schemeClr>
+          </a:lnRef>
+          <a:fillRef idx="1">
+            <a:schemeClr val="accent1"/>
+          </a:fillRef>
+          <a:effectRef idx="0">
+            <a:schemeClr val="accent1"/>
+          </a:effectRef>
+          <a:fontRef idx="minor">
+            <a:schemeClr val="lt1"/>
+          </a:fontRef>
+        </p:style>
+        <p:txBody>
+          <a:bodyPr rtlCol="0" anchor="ctr"/>
+          <a:lstStyle/>
+          <a:p>
+            <a:pPr algn="ctr"/>
+            <a:r>
+              <a:rPr lang="en-US" dirty="0"/>
+              <a:t>WF</a:t>
+            </a:r>
+          </a:p>
+        </p:txBody>
+      </p:sp>
+      <p:sp>
+        <p:nvSpPr>
+          <p:cNvPr id="14" name="Rounded Rectangle 13">
+            <a:extLst>
+              <a:ext uri="{FF2B5EF4-FFF2-40B4-BE49-F238E27FC236}">
+                <a16:creationId xmlns:a16="http://schemas.microsoft.com/office/drawing/2014/main" id="{919EDE38-90D6-AE6C-C465-5EBDC4CEC609}"/>
+              </a:ext>
+            </a:extLst>
+          </p:cNvPr>
+          <p:cNvSpPr/>
+          <p:nvPr/>
+        </p:nvSpPr>
+        <p:spPr>
+          <a:xfrm>
+            <a:off x="9794358" y="2216888"/>
+            <a:ext cx="712382" cy="723014"/>
+          </a:xfrm>
+          <a:prstGeom prst="roundRect">
+            <a:avLst/>
+          </a:prstGeom>
+          <a:solidFill>
+            <a:schemeClr val="accent2"/>
+          </a:solidFill>
+        </p:spPr>
+        <p:style>
+          <a:lnRef idx="2">
+            <a:schemeClr val="accent1">
+              <a:shade val="50000"/>
+            </a:schemeClr>
+          </a:lnRef>
+          <a:fillRef idx="1">
+            <a:schemeClr val="accent1"/>
+          </a:fillRef>
+          <a:effectRef idx="0">
+            <a:schemeClr val="accent1"/>
+          </a:effectRef>
+          <a:fontRef idx="minor">
+            <a:schemeClr val="lt1"/>
+          </a:fontRef>
+        </p:style>
+        <p:txBody>
+          <a:bodyPr rtlCol="0" anchor="ctr"/>
+          <a:lstStyle/>
+          <a:p>
+            <a:pPr algn="ctr"/>
+            <a:r>
+              <a:rPr lang="en-US" dirty="0"/>
+              <a:t>WF</a:t>
+            </a:r>
+          </a:p>
+        </p:txBody>
+      </p:sp>
+      <p:sp>
+        <p:nvSpPr>
+          <p:cNvPr id="15" name="Rounded Rectangle 14">
+            <a:extLst>
+              <a:ext uri="{FF2B5EF4-FFF2-40B4-BE49-F238E27FC236}">
+                <a16:creationId xmlns:a16="http://schemas.microsoft.com/office/drawing/2014/main" id="{835D5F10-B719-DBC2-180B-AAD09B1C1030}"/>
+              </a:ext>
+            </a:extLst>
+          </p:cNvPr>
+          <p:cNvSpPr/>
+          <p:nvPr/>
+        </p:nvSpPr>
+        <p:spPr>
+          <a:xfrm>
+            <a:off x="10639645" y="2216888"/>
+            <a:ext cx="712382" cy="723014"/>
+          </a:xfrm>
+          <a:prstGeom prst="roundRect">
+            <a:avLst/>
+          </a:prstGeom>
+          <a:solidFill>
+            <a:schemeClr val="accent2"/>
+          </a:solidFill>
+        </p:spPr>
+        <p:style>
+          <a:lnRef idx="2">
+            <a:schemeClr val="accent1">
+              <a:shade val="50000"/>
+            </a:schemeClr>
+          </a:lnRef>
+          <a:fillRef idx="1">
+            <a:schemeClr val="accent1"/>
+          </a:fillRef>
+          <a:effectRef idx="0">
+            <a:schemeClr val="accent1"/>
+          </a:effectRef>
+          <a:fontRef idx="minor">
+            <a:schemeClr val="lt1"/>
+          </a:fontRef>
+        </p:style>
+        <p:txBody>
+          <a:bodyPr rtlCol="0" anchor="ctr"/>
+          <a:lstStyle/>
+          <a:p>
+            <a:pPr algn="ctr"/>
+            <a:r>
+              <a:rPr lang="en-US" dirty="0"/>
+              <a:t>WF</a:t>
+            </a:r>
+          </a:p>
+        </p:txBody>
+      </p:sp>
+      <p:sp>
+        <p:nvSpPr>
+          <p:cNvPr id="16" name="Rounded Rectangle 15">
+            <a:extLst>
+              <a:ext uri="{FF2B5EF4-FFF2-40B4-BE49-F238E27FC236}">
+                <a16:creationId xmlns:a16="http://schemas.microsoft.com/office/drawing/2014/main" id="{C809A606-99A8-2CEB-806F-7F92180CE578}"/>
+              </a:ext>
+            </a:extLst>
+          </p:cNvPr>
+          <p:cNvSpPr/>
+          <p:nvPr/>
+        </p:nvSpPr>
+        <p:spPr>
+          <a:xfrm>
+            <a:off x="8179981" y="3859619"/>
+            <a:ext cx="712382" cy="723014"/>
+          </a:xfrm>
+          <a:prstGeom prst="roundRect">
+            <a:avLst/>
+          </a:prstGeom>
+          <a:solidFill>
+            <a:schemeClr val="accent2"/>
+          </a:solidFill>
+        </p:spPr>
+        <p:style>
+          <a:lnRef idx="2">
+            <a:schemeClr val="accent1">
+              <a:shade val="50000"/>
+            </a:schemeClr>
+          </a:lnRef>
+          <a:fillRef idx="1">
+            <a:schemeClr val="accent1"/>
+          </a:fillRef>
+          <a:effectRef idx="0">
+            <a:schemeClr val="accent1"/>
+          </a:effectRef>
+          <a:fontRef idx="minor">
+            <a:schemeClr val="lt1"/>
+          </a:fontRef>
+        </p:style>
+        <p:txBody>
+          <a:bodyPr rtlCol="0" anchor="ctr"/>
+          <a:lstStyle/>
+          <a:p>
+            <a:pPr algn="ctr"/>
+            <a:r>
+              <a:rPr lang="en-US" dirty="0"/>
+              <a:t>WF</a:t>
+            </a:r>
+          </a:p>
+        </p:txBody>
+      </p:sp>
+      <p:sp>
+        <p:nvSpPr>
+          <p:cNvPr id="17" name="Rounded Rectangle 16">
+            <a:extLst>
+              <a:ext uri="{FF2B5EF4-FFF2-40B4-BE49-F238E27FC236}">
+                <a16:creationId xmlns:a16="http://schemas.microsoft.com/office/drawing/2014/main" id="{D58F64B9-3BDC-3803-B2B5-98FAD27CB701}"/>
+              </a:ext>
+            </a:extLst>
+          </p:cNvPr>
+          <p:cNvSpPr/>
+          <p:nvPr/>
+        </p:nvSpPr>
+        <p:spPr>
+          <a:xfrm>
+            <a:off x="9025268" y="3859619"/>
+            <a:ext cx="712382" cy="723014"/>
+          </a:xfrm>
+          <a:prstGeom prst="roundRect">
+            <a:avLst/>
+          </a:prstGeom>
+          <a:solidFill>
+            <a:schemeClr val="accent2"/>
+          </a:solidFill>
+        </p:spPr>
+        <p:style>
+          <a:lnRef idx="2">
+            <a:schemeClr val="accent1">
+              <a:shade val="50000"/>
+            </a:schemeClr>
+          </a:lnRef>
+          <a:fillRef idx="1">
+            <a:schemeClr val="accent1"/>
+          </a:fillRef>
+          <a:effectRef idx="0">
+            <a:schemeClr val="accent1"/>
+          </a:effectRef>
+          <a:fontRef idx="minor">
+            <a:schemeClr val="lt1"/>
+          </a:fontRef>
+        </p:style>
+        <p:txBody>
+          <a:bodyPr rtlCol="0" anchor="ctr"/>
+          <a:lstStyle/>
+          <a:p>
+            <a:pPr algn="ctr"/>
+            <a:r>
+              <a:rPr lang="en-US" dirty="0"/>
+              <a:t>WF</a:t>
+            </a:r>
+          </a:p>
+        </p:txBody>
+      </p:sp>
+      <p:sp>
+        <p:nvSpPr>
+          <p:cNvPr id="18" name="Rounded Rectangle 17">
+            <a:extLst>
+              <a:ext uri="{FF2B5EF4-FFF2-40B4-BE49-F238E27FC236}">
+                <a16:creationId xmlns:a16="http://schemas.microsoft.com/office/drawing/2014/main" id="{A0378340-486E-EFFB-C245-E4E31EFCB093}"/>
+              </a:ext>
+            </a:extLst>
+          </p:cNvPr>
+          <p:cNvSpPr/>
+          <p:nvPr/>
+        </p:nvSpPr>
+        <p:spPr>
+          <a:xfrm>
+            <a:off x="9766004" y="3859619"/>
+            <a:ext cx="712382" cy="723014"/>
+          </a:xfrm>
+          <a:prstGeom prst="roundRect">
+            <a:avLst/>
+          </a:prstGeom>
+          <a:solidFill>
+            <a:schemeClr val="accent2"/>
+          </a:solidFill>
+        </p:spPr>
+        <p:style>
+          <a:lnRef idx="2">
+            <a:schemeClr val="accent1">
+              <a:shade val="50000"/>
+            </a:schemeClr>
+          </a:lnRef>
+          <a:fillRef idx="1">
+            <a:schemeClr val="accent1"/>
+          </a:fillRef>
+          <a:effectRef idx="0">
+            <a:schemeClr val="accent1"/>
+          </a:effectRef>
+          <a:fontRef idx="minor">
+            <a:schemeClr val="lt1"/>
+          </a:fontRef>
+        </p:style>
+        <p:txBody>
+          <a:bodyPr rtlCol="0" anchor="ctr"/>
+          <a:lstStyle/>
+          <a:p>
+            <a:pPr algn="ctr"/>
+            <a:r>
+              <a:rPr lang="en-US" dirty="0"/>
+              <a:t>WF</a:t>
+            </a:r>
+          </a:p>
+        </p:txBody>
+      </p:sp>
+      <p:sp>
+        <p:nvSpPr>
+          <p:cNvPr id="19" name="Rounded Rectangle 18">
+            <a:extLst>
+              <a:ext uri="{FF2B5EF4-FFF2-40B4-BE49-F238E27FC236}">
+                <a16:creationId xmlns:a16="http://schemas.microsoft.com/office/drawing/2014/main" id="{51EE54EE-4776-CBDD-C42C-4699359F939E}"/>
+              </a:ext>
+            </a:extLst>
+          </p:cNvPr>
+          <p:cNvSpPr/>
+          <p:nvPr/>
+        </p:nvSpPr>
+        <p:spPr>
+          <a:xfrm>
+            <a:off x="10611291" y="3859619"/>
+            <a:ext cx="712382" cy="723014"/>
+          </a:xfrm>
+          <a:prstGeom prst="roundRect">
+            <a:avLst/>
+          </a:prstGeom>
+          <a:solidFill>
+            <a:schemeClr val="accent2"/>
+          </a:solidFill>
+        </p:spPr>
+        <p:style>
+          <a:lnRef idx="2">
+            <a:schemeClr val="accent1">
+              <a:shade val="50000"/>
+            </a:schemeClr>
+          </a:lnRef>
+          <a:fillRef idx="1">
+            <a:schemeClr val="accent1"/>
+          </a:fillRef>
+          <a:effectRef idx="0">
+            <a:schemeClr val="accent1"/>
+          </a:effectRef>
+          <a:fontRef idx="minor">
+            <a:schemeClr val="lt1"/>
+          </a:fontRef>
+        </p:style>
+        <p:txBody>
+          <a:bodyPr rtlCol="0" anchor="ctr"/>
+          <a:lstStyle/>
+          <a:p>
+            <a:pPr algn="ctr"/>
+            <a:r>
+              <a:rPr lang="en-US" dirty="0"/>
+              <a:t>WF</a:t>
+            </a:r>
+          </a:p>
+        </p:txBody>
+      </p:sp>
+      <p:sp>
+        <p:nvSpPr>
+          <p:cNvPr id="20" name="Rectangle 19">
+            <a:extLst>
+              <a:ext uri="{FF2B5EF4-FFF2-40B4-BE49-F238E27FC236}">
+                <a16:creationId xmlns:a16="http://schemas.microsoft.com/office/drawing/2014/main" id="{A894D38D-38DA-27AF-870D-192B200F647A}"/>
+              </a:ext>
+            </a:extLst>
+          </p:cNvPr>
+          <p:cNvSpPr/>
+          <p:nvPr/>
+        </p:nvSpPr>
+        <p:spPr>
+          <a:xfrm>
+            <a:off x="4074041" y="850604"/>
+            <a:ext cx="2105247" cy="861237"/>
+          </a:xfrm>
+          <a:prstGeom prst="rect">
+            <a:avLst/>
+          </a:prstGeom>
+        </p:spPr>
+        <p:style>
+          <a:lnRef idx="2">
+            <a:schemeClr val="accent1">
+              <a:shade val="50000"/>
+            </a:schemeClr>
+          </a:lnRef>
+          <a:fillRef idx="1">
+            <a:schemeClr val="accent1"/>
+          </a:fillRef>
+          <a:effectRef idx="0">
+            <a:schemeClr val="accent1"/>
+          </a:effectRef>
+          <a:fontRef idx="minor">
+            <a:schemeClr val="lt1"/>
+          </a:fontRef>
+        </p:style>
+        <p:txBody>
+          <a:bodyPr rtlCol="0" anchor="ctr"/>
+          <a:lstStyle/>
+          <a:p>
+            <a:pPr algn="ctr"/>
+            <a:r>
+              <a:rPr lang="en-US" dirty="0" err="1"/>
+              <a:t>CNew</a:t>
+            </a:r>
+            <a:endParaRPr lang="en-US" dirty="0"/>
+          </a:p>
+        </p:txBody>
+      </p:sp>
+      <p:cxnSp>
+        <p:nvCxnSpPr>
+          <p:cNvPr id="22" name="Elbow Connector 21">
+            <a:extLst>
+              <a:ext uri="{FF2B5EF4-FFF2-40B4-BE49-F238E27FC236}">
+                <a16:creationId xmlns:a16="http://schemas.microsoft.com/office/drawing/2014/main" id="{4F05489C-9381-588F-B8D4-6BB891EA93EA}"/>
+              </a:ext>
+            </a:extLst>
+          </p:cNvPr>
+          <p:cNvCxnSpPr>
+            <a:stCxn id="20" idx="3"/>
+            <a:endCxn id="14" idx="0"/>
+          </p:cNvCxnSpPr>
+          <p:nvPr/>
+        </p:nvCxnSpPr>
+        <p:spPr>
+          <a:xfrm>
+            <a:off x="6179288" y="1281223"/>
+            <a:ext cx="3971261" cy="935665"/>
+          </a:xfrm>
+          <a:prstGeom prst="bentConnector2">
+            <a:avLst/>
+          </a:prstGeom>
+          <a:ln>
+            <a:headEnd type="triangle"/>
+            <a:tailEnd type="triangle"/>
+          </a:ln>
+        </p:spPr>
+        <p:style>
+          <a:lnRef idx="1">
+            <a:schemeClr val="accent1"/>
+          </a:lnRef>
+          <a:fillRef idx="0">
+            <a:schemeClr val="accent1"/>
+          </a:fillRef>
+          <a:effectRef idx="0">
+            <a:schemeClr val="accent1"/>
+          </a:effectRef>
+          <a:fontRef idx="minor">
+            <a:schemeClr val="tx1"/>
+          </a:fontRef>
+        </p:style>
+      </p:cxnSp>
+      <p:cxnSp>
+        <p:nvCxnSpPr>
+          <p:cNvPr id="24" name="Elbow Connector 23">
+            <a:extLst>
+              <a:ext uri="{FF2B5EF4-FFF2-40B4-BE49-F238E27FC236}">
+                <a16:creationId xmlns:a16="http://schemas.microsoft.com/office/drawing/2014/main" id="{0BAD55F6-86C2-EF7A-6C72-21E752FC2EA2}"/>
+              </a:ext>
+            </a:extLst>
+          </p:cNvPr>
+          <p:cNvCxnSpPr>
+            <a:stCxn id="20" idx="2"/>
+            <a:endCxn id="17" idx="2"/>
+          </p:cNvCxnSpPr>
+          <p:nvPr/>
+        </p:nvCxnSpPr>
+        <p:spPr>
+          <a:xfrm rot="16200000" flipH="1">
+            <a:off x="5818666" y="1019840"/>
+            <a:ext cx="2870792" cy="4254794"/>
+          </a:xfrm>
+          <a:prstGeom prst="bentConnector3">
+            <a:avLst>
+              <a:gd name="adj1" fmla="val 107963"/>
+            </a:avLst>
+          </a:prstGeom>
+          <a:ln>
+            <a:headEnd type="triangle"/>
+            <a:tailEnd type="triangle"/>
+          </a:ln>
+        </p:spPr>
+        <p:style>
+          <a:lnRef idx="1">
+            <a:schemeClr val="accent1"/>
+          </a:lnRef>
+          <a:fillRef idx="0">
+            <a:schemeClr val="accent1"/>
+          </a:fillRef>
+          <a:effectRef idx="0">
+            <a:schemeClr val="accent1"/>
+          </a:effectRef>
+          <a:fontRef idx="minor">
+            <a:schemeClr val="tx1"/>
+          </a:fontRef>
+        </p:style>
+      </p:cxnSp>
+      <p:sp>
+        <p:nvSpPr>
+          <p:cNvPr id="25" name="Can 24">
+            <a:extLst>
+              <a:ext uri="{FF2B5EF4-FFF2-40B4-BE49-F238E27FC236}">
+                <a16:creationId xmlns:a16="http://schemas.microsoft.com/office/drawing/2014/main" id="{E36B518F-BA6D-340F-BF31-2F2F1C378427}"/>
+              </a:ext>
+            </a:extLst>
+          </p:cNvPr>
+          <p:cNvSpPr/>
+          <p:nvPr/>
+        </p:nvSpPr>
+        <p:spPr>
+          <a:xfrm rot="16200000">
+            <a:off x="6037524" y="2908005"/>
+            <a:ext cx="2785729" cy="1041989"/>
+          </a:xfrm>
+          <a:prstGeom prst="can">
+            <a:avLst>
+              <a:gd name="adj" fmla="val 6633"/>
+            </a:avLst>
+          </a:prstGeom>
+        </p:spPr>
+        <p:style>
+          <a:lnRef idx="2">
+            <a:schemeClr val="accent1">
+              <a:shade val="50000"/>
+            </a:schemeClr>
+          </a:lnRef>
+          <a:fillRef idx="1">
+            <a:schemeClr val="accent1"/>
+          </a:fillRef>
+          <a:effectRef idx="0">
+            <a:schemeClr val="accent1"/>
+          </a:effectRef>
+          <a:fontRef idx="minor">
+            <a:schemeClr val="lt1"/>
+          </a:fontRef>
+        </p:style>
+        <p:txBody>
+          <a:bodyPr rtlCol="0" anchor="ctr"/>
+          <a:lstStyle/>
+          <a:p>
+            <a:pPr algn="ctr"/>
+            <a:endParaRPr lang="en-US"/>
+          </a:p>
+        </p:txBody>
+      </p:sp>
+      <p:sp>
+        <p:nvSpPr>
+          <p:cNvPr id="27" name="TextBox 26">
+            <a:extLst>
+              <a:ext uri="{FF2B5EF4-FFF2-40B4-BE49-F238E27FC236}">
+                <a16:creationId xmlns:a16="http://schemas.microsoft.com/office/drawing/2014/main" id="{06FCCE93-E46D-375D-4656-CD2E9E6F4D3F}"/>
+              </a:ext>
+            </a:extLst>
+          </p:cNvPr>
+          <p:cNvSpPr txBox="1"/>
+          <p:nvPr/>
+        </p:nvSpPr>
+        <p:spPr>
+          <a:xfrm>
+            <a:off x="6943942" y="2578395"/>
+            <a:ext cx="1029588" cy="1200329"/>
+          </a:xfrm>
+          <a:prstGeom prst="rect">
+            <a:avLst/>
+          </a:prstGeom>
+          <a:solidFill>
+            <a:srgbClr val="FFFF00"/>
+          </a:solidFill>
+        </p:spPr>
+        <p:txBody>
+          <a:bodyPr wrap="square" rtlCol="0">
+            <a:spAutoFit/>
+          </a:bodyPr>
+          <a:lstStyle/>
+          <a:p>
+            <a:r>
+              <a:rPr lang="en-US" dirty="0"/>
+              <a:t>WEB</a:t>
+            </a:r>
+          </a:p>
+          <a:p>
+            <a:r>
+              <a:rPr lang="en-US" dirty="0"/>
+              <a:t>API </a:t>
+            </a:r>
+          </a:p>
+          <a:p>
+            <a:r>
+              <a:rPr lang="en-US" dirty="0"/>
+              <a:t>+</a:t>
+            </a:r>
+          </a:p>
+          <a:p>
+            <a:r>
+              <a:rPr lang="en-US" dirty="0"/>
+              <a:t>Identity</a:t>
+            </a:r>
+          </a:p>
+        </p:txBody>
+      </p:sp>
+      <p:sp>
+        <p:nvSpPr>
+          <p:cNvPr id="28" name="Left-right Arrow 27">
+            <a:extLst>
+              <a:ext uri="{FF2B5EF4-FFF2-40B4-BE49-F238E27FC236}">
+                <a16:creationId xmlns:a16="http://schemas.microsoft.com/office/drawing/2014/main" id="{26DE8E16-173A-44DD-F472-60DE6EE68F50}"/>
+              </a:ext>
+            </a:extLst>
+          </p:cNvPr>
+          <p:cNvSpPr/>
+          <p:nvPr/>
+        </p:nvSpPr>
+        <p:spPr>
+          <a:xfrm>
+            <a:off x="7814930" y="3147236"/>
+            <a:ext cx="349988" cy="170122"/>
+          </a:xfrm>
+          <a:prstGeom prst="leftRightArrow">
+            <a:avLst/>
+          </a:prstGeom>
+        </p:spPr>
+        <p:style>
+          <a:lnRef idx="2">
+            <a:schemeClr val="accent1">
+              <a:shade val="50000"/>
+            </a:schemeClr>
+          </a:lnRef>
+          <a:fillRef idx="1">
+            <a:schemeClr val="accent1"/>
+          </a:fillRef>
+          <a:effectRef idx="0">
+            <a:schemeClr val="accent1"/>
+          </a:effectRef>
+          <a:fontRef idx="minor">
+            <a:schemeClr val="lt1"/>
+          </a:fontRef>
+        </p:style>
+        <p:txBody>
+          <a:bodyPr rtlCol="0" anchor="ctr"/>
+          <a:lstStyle/>
+          <a:p>
+            <a:pPr algn="ctr"/>
+            <a:endParaRPr lang="en-US"/>
+          </a:p>
+        </p:txBody>
+      </p:sp>
+    </p:spTree>
+    <p:extLst>
+      <p:ext uri="{BB962C8B-B14F-4D97-AF65-F5344CB8AC3E}">
+        <p14:creationId xmlns:p14="http://schemas.microsoft.com/office/powerpoint/2010/main" val="860692164"/>
+      </p:ext>
+    </p:extLst>
+  </p:cSld>
+  <p:clrMapOvr>
+    <a:masterClrMapping/>
+  </p:clrMapOvr>
+</p:sld>
+</file>
+
 <file path=ppt/slides/slide4.xml><?xml version="1.0" encoding="utf-8"?>
 <p:sld xmlns:a="http://schemas.openxmlformats.org/drawingml/2006/main" xmlns:r="http://schemas.openxmlformats.org/officeDocument/2006/relationships" xmlns:p="http://schemas.openxmlformats.org/presentationml/2006/main">
   <p:cSld>
@@ -35090,6 +36223,3792 @@
     <p:extLst>
       <p:ext uri="{BB962C8B-B14F-4D97-AF65-F5344CB8AC3E}">
         <p14:creationId xmlns:p14="http://schemas.microsoft.com/office/powerpoint/2010/main" val="2317174842"/>
+      </p:ext>
+    </p:extLst>
+  </p:cSld>
+  <p:clrMapOvr>
+    <a:masterClrMapping/>
+  </p:clrMapOvr>
+</p:sld>
+</file>
+
+<file path=ppt/slides/slide40.xml><?xml version="1.0" encoding="utf-8"?>
+<p:sld xmlns:a="http://schemas.openxmlformats.org/drawingml/2006/main" xmlns:r="http://schemas.openxmlformats.org/officeDocument/2006/relationships" xmlns:p="http://schemas.openxmlformats.org/presentationml/2006/main">
+  <p:cSld>
+    <p:spTree>
+      <p:nvGrpSpPr>
+        <p:cNvPr id="1" name=""/>
+        <p:cNvGrpSpPr/>
+        <p:nvPr/>
+      </p:nvGrpSpPr>
+      <p:grpSpPr>
+        <a:xfrm>
+          <a:off x="0" y="0"/>
+          <a:ext cx="0" cy="0"/>
+          <a:chOff x="0" y="0"/>
+          <a:chExt cx="0" cy="0"/>
+        </a:xfrm>
+      </p:grpSpPr>
+      <p:sp>
+        <p:nvSpPr>
+          <p:cNvPr id="2" name="TextBox 1">
+            <a:extLst>
+              <a:ext uri="{FF2B5EF4-FFF2-40B4-BE49-F238E27FC236}">
+                <a16:creationId xmlns:a16="http://schemas.microsoft.com/office/drawing/2014/main" id="{D4037B3F-29CD-B96C-C85F-4AC49D9008D3}"/>
+              </a:ext>
+            </a:extLst>
+          </p:cNvPr>
+          <p:cNvSpPr txBox="1"/>
+          <p:nvPr/>
+        </p:nvSpPr>
+        <p:spPr>
+          <a:xfrm>
+            <a:off x="157716" y="297712"/>
+            <a:ext cx="11876567" cy="4893647"/>
+          </a:xfrm>
+          <a:prstGeom prst="rect">
+            <a:avLst/>
+          </a:prstGeom>
+          <a:noFill/>
+        </p:spPr>
+        <p:txBody>
+          <a:bodyPr wrap="square" rtlCol="0">
+            <a:spAutoFit/>
+          </a:bodyPr>
+          <a:lstStyle/>
+          <a:p>
+            <a:pPr marL="342900" indent="-342900">
+              <a:buFont typeface="+mj-lt"/>
+              <a:buAutoNum type="arabicPeriod"/>
+            </a:pPr>
+            <a:r>
+              <a:rPr lang="en-US" sz="1200" dirty="0"/>
+              <a:t>E-Commerce Application</a:t>
+            </a:r>
+          </a:p>
+          <a:p>
+            <a:pPr marL="800100" lvl="1" indent="-342900">
+              <a:buFont typeface="+mj-lt"/>
+              <a:buAutoNum type="arabicPeriod"/>
+            </a:pPr>
+            <a:r>
+              <a:rPr lang="en-US" sz="1200" dirty="0"/>
+              <a:t>Product Catalog</a:t>
+            </a:r>
+          </a:p>
+          <a:p>
+            <a:pPr marL="1257300" lvl="2" indent="-342900">
+              <a:buFont typeface="+mj-lt"/>
+              <a:buAutoNum type="arabicPeriod"/>
+            </a:pPr>
+            <a:r>
+              <a:rPr lang="en-US" sz="1200" dirty="0"/>
+              <a:t>Data will be available using Browser Based Apps, Mobile App, Third-Party Apps</a:t>
+            </a:r>
+          </a:p>
+          <a:p>
+            <a:pPr marL="800100" lvl="1" indent="-342900">
+              <a:buFont typeface="+mj-lt"/>
+              <a:buAutoNum type="arabicPeriod"/>
+            </a:pPr>
+            <a:r>
+              <a:rPr lang="en-US" sz="1200" dirty="0"/>
+              <a:t>Product Category</a:t>
+            </a:r>
+          </a:p>
+          <a:p>
+            <a:pPr marL="1257300" lvl="2" indent="-342900">
+              <a:buFont typeface="+mj-lt"/>
+              <a:buAutoNum type="arabicPeriod"/>
+            </a:pPr>
+            <a:r>
+              <a:rPr lang="en-US" sz="1200" dirty="0"/>
+              <a:t>Registered by the E-Comm App </a:t>
+            </a:r>
+          </a:p>
+          <a:p>
+            <a:pPr marL="800100" lvl="1" indent="-342900">
+              <a:buFont typeface="+mj-lt"/>
+              <a:buAutoNum type="arabicPeriod"/>
+            </a:pPr>
+            <a:r>
+              <a:rPr lang="en-US" sz="1200" dirty="0"/>
+              <a:t>Product Manufacturers</a:t>
+            </a:r>
+          </a:p>
+          <a:p>
+            <a:pPr marL="1257300" lvl="2" indent="-342900">
+              <a:buFont typeface="+mj-lt"/>
+              <a:buAutoNum type="arabicPeriod"/>
+            </a:pPr>
+            <a:r>
+              <a:rPr lang="en-US" sz="1200" dirty="0"/>
+              <a:t>Registered By E-Comm App</a:t>
+            </a:r>
+          </a:p>
+          <a:p>
+            <a:pPr marL="800100" lvl="1" indent="-342900">
+              <a:buFont typeface="+mj-lt"/>
+              <a:buAutoNum type="arabicPeriod"/>
+            </a:pPr>
+            <a:r>
+              <a:rPr lang="en-US" sz="1200" dirty="0"/>
+              <a:t>Product Vendors</a:t>
+            </a:r>
+          </a:p>
+          <a:p>
+            <a:pPr marL="1257300" lvl="2" indent="-342900">
+              <a:buFont typeface="+mj-lt"/>
+              <a:buAutoNum type="arabicPeriod"/>
+            </a:pPr>
+            <a:r>
+              <a:rPr lang="en-US" sz="1200" dirty="0"/>
+              <a:t>Registered By E-Comm App</a:t>
+            </a:r>
+          </a:p>
+          <a:p>
+            <a:pPr marL="800100" lvl="1" indent="-342900">
+              <a:buFont typeface="+mj-lt"/>
+              <a:buAutoNum type="arabicPeriod"/>
+            </a:pPr>
+            <a:r>
+              <a:rPr lang="en-US" sz="1200" dirty="0"/>
+              <a:t>Customers</a:t>
+            </a:r>
+          </a:p>
+          <a:p>
+            <a:pPr marL="1257300" lvl="2" indent="-342900">
+              <a:buFont typeface="+mj-lt"/>
+              <a:buAutoNum type="arabicPeriod"/>
+            </a:pPr>
+            <a:r>
+              <a:rPr lang="en-US" sz="1200" dirty="0"/>
+              <a:t>Registered using E-Comm Web Portal</a:t>
+            </a:r>
+          </a:p>
+          <a:p>
+            <a:pPr marL="1257300" lvl="2" indent="-342900">
+              <a:buFont typeface="+mj-lt"/>
+              <a:buAutoNum type="arabicPeriod"/>
+            </a:pPr>
+            <a:r>
+              <a:rPr lang="en-US" sz="1200" dirty="0"/>
+              <a:t>Registered with Mobile App</a:t>
+            </a:r>
+          </a:p>
+          <a:p>
+            <a:pPr marL="800100" lvl="1" indent="-342900">
+              <a:buFont typeface="+mj-lt"/>
+              <a:buAutoNum type="arabicPeriod"/>
+            </a:pPr>
+            <a:r>
+              <a:rPr lang="en-US" sz="1200" dirty="0"/>
+              <a:t>Order Placing</a:t>
+            </a:r>
+          </a:p>
+          <a:p>
+            <a:pPr marL="1257300" lvl="2" indent="-342900">
+              <a:buFont typeface="+mj-lt"/>
+              <a:buAutoNum type="arabicPeriod"/>
+            </a:pPr>
+            <a:r>
+              <a:rPr lang="en-US" sz="1200" dirty="0"/>
+              <a:t>Using Web Portal</a:t>
+            </a:r>
+          </a:p>
+          <a:p>
+            <a:pPr marL="1257300" lvl="2" indent="-342900">
+              <a:buFont typeface="+mj-lt"/>
+              <a:buAutoNum type="arabicPeriod"/>
+            </a:pPr>
+            <a:r>
+              <a:rPr lang="en-US" sz="1200" dirty="0"/>
+              <a:t>Using Mobile </a:t>
+            </a:r>
+            <a:r>
+              <a:rPr lang="en-US" sz="1200" dirty="0" err="1"/>
+              <a:t>APps</a:t>
+            </a:r>
+            <a:endParaRPr lang="en-US" sz="1200" dirty="0"/>
+          </a:p>
+          <a:p>
+            <a:pPr marL="800100" lvl="1" indent="-342900">
+              <a:buFont typeface="+mj-lt"/>
+              <a:buAutoNum type="arabicPeriod"/>
+            </a:pPr>
+            <a:r>
+              <a:rPr lang="en-US" sz="1200" dirty="0"/>
+              <a:t>Payment</a:t>
+            </a:r>
+          </a:p>
+          <a:p>
+            <a:pPr marL="1257300" lvl="2" indent="-342900">
+              <a:buFont typeface="+mj-lt"/>
+              <a:buAutoNum type="arabicPeriod"/>
+            </a:pPr>
+            <a:r>
+              <a:rPr lang="en-US" sz="1200" dirty="0"/>
+              <a:t>Online</a:t>
+            </a:r>
+          </a:p>
+          <a:p>
+            <a:pPr marL="1257300" lvl="2" indent="-342900">
+              <a:buFont typeface="+mj-lt"/>
+              <a:buAutoNum type="arabicPeriod"/>
+            </a:pPr>
+            <a:r>
+              <a:rPr lang="en-US" sz="1200" dirty="0"/>
+              <a:t>UPI</a:t>
+            </a:r>
+          </a:p>
+          <a:p>
+            <a:pPr marL="1257300" lvl="2" indent="-342900">
+              <a:buFont typeface="+mj-lt"/>
+              <a:buAutoNum type="arabicPeriod"/>
+            </a:pPr>
+            <a:r>
+              <a:rPr lang="en-US" sz="1200" dirty="0"/>
+              <a:t>Cash on Delivery</a:t>
+            </a:r>
+          </a:p>
+          <a:p>
+            <a:pPr marL="800100" lvl="1" indent="-342900">
+              <a:buFont typeface="+mj-lt"/>
+              <a:buAutoNum type="arabicPeriod"/>
+            </a:pPr>
+            <a:r>
+              <a:rPr lang="en-US" sz="1200" dirty="0"/>
+              <a:t>Order Processing</a:t>
+            </a:r>
+          </a:p>
+          <a:p>
+            <a:pPr marL="1257300" lvl="2" indent="-342900">
+              <a:buFont typeface="+mj-lt"/>
+              <a:buAutoNum type="arabicPeriod"/>
+            </a:pPr>
+            <a:r>
+              <a:rPr lang="en-US" sz="1200" dirty="0"/>
+              <a:t>Product availability wise</a:t>
+            </a:r>
+          </a:p>
+          <a:p>
+            <a:pPr marL="1257300" lvl="2" indent="-342900">
+              <a:buFont typeface="+mj-lt"/>
+              <a:buAutoNum type="arabicPeriod"/>
+            </a:pPr>
+            <a:r>
+              <a:rPr lang="en-US" sz="1200" dirty="0"/>
+              <a:t>Region wise</a:t>
+            </a:r>
+          </a:p>
+          <a:p>
+            <a:pPr marL="800100" lvl="1" indent="-342900">
+              <a:buFont typeface="+mj-lt"/>
+              <a:buAutoNum type="arabicPeriod"/>
+            </a:pPr>
+            <a:r>
+              <a:rPr lang="en-US" sz="1200" dirty="0"/>
+              <a:t>Dispatch Processing</a:t>
+            </a:r>
+          </a:p>
+          <a:p>
+            <a:pPr marL="1257300" lvl="2" indent="-342900">
+              <a:buFont typeface="+mj-lt"/>
+              <a:buAutoNum type="arabicPeriod"/>
+            </a:pPr>
+            <a:endParaRPr lang="en-US" sz="1200" dirty="0"/>
+          </a:p>
+          <a:p>
+            <a:pPr marL="800100" lvl="1" indent="-342900">
+              <a:buFont typeface="+mj-lt"/>
+              <a:buAutoNum type="arabicPeriod"/>
+            </a:pPr>
+            <a:r>
+              <a:rPr lang="en-US" sz="1200" dirty="0"/>
+              <a:t>Delivery</a:t>
+            </a:r>
+          </a:p>
+          <a:p>
+            <a:pPr lvl="1"/>
+            <a:endParaRPr lang="en-US" sz="1200" dirty="0"/>
+          </a:p>
+        </p:txBody>
+      </p:sp>
+      <p:sp>
+        <p:nvSpPr>
+          <p:cNvPr id="3" name="Rounded Rectangle 2">
+            <a:extLst>
+              <a:ext uri="{FF2B5EF4-FFF2-40B4-BE49-F238E27FC236}">
+                <a16:creationId xmlns:a16="http://schemas.microsoft.com/office/drawing/2014/main" id="{C83D5DEC-D061-F3AE-EC3C-F2C1AF291B50}"/>
+              </a:ext>
+            </a:extLst>
+          </p:cNvPr>
+          <p:cNvSpPr/>
+          <p:nvPr/>
+        </p:nvSpPr>
+        <p:spPr>
+          <a:xfrm>
+            <a:off x="9058939" y="595423"/>
+            <a:ext cx="2775097" cy="1998921"/>
+          </a:xfrm>
+          <a:prstGeom prst="roundRect">
+            <a:avLst/>
+          </a:prstGeom>
+        </p:spPr>
+        <p:style>
+          <a:lnRef idx="2">
+            <a:schemeClr val="accent1">
+              <a:shade val="50000"/>
+            </a:schemeClr>
+          </a:lnRef>
+          <a:fillRef idx="1">
+            <a:schemeClr val="accent1"/>
+          </a:fillRef>
+          <a:effectRef idx="0">
+            <a:schemeClr val="accent1"/>
+          </a:effectRef>
+          <a:fontRef idx="minor">
+            <a:schemeClr val="lt1"/>
+          </a:fontRef>
+        </p:style>
+        <p:txBody>
+          <a:bodyPr rtlCol="0" anchor="ctr"/>
+          <a:lstStyle/>
+          <a:p>
+            <a:pPr algn="ctr"/>
+            <a:r>
+              <a:rPr lang="en-US" dirty="0"/>
+              <a:t>E-Comm App</a:t>
+            </a:r>
+          </a:p>
+        </p:txBody>
+      </p:sp>
+      <p:sp>
+        <p:nvSpPr>
+          <p:cNvPr id="4" name="Rounded Rectangle 3">
+            <a:extLst>
+              <a:ext uri="{FF2B5EF4-FFF2-40B4-BE49-F238E27FC236}">
+                <a16:creationId xmlns:a16="http://schemas.microsoft.com/office/drawing/2014/main" id="{4DCB330E-A8D4-5748-A2C3-AA5103C4BC7D}"/>
+              </a:ext>
+            </a:extLst>
+          </p:cNvPr>
+          <p:cNvSpPr/>
+          <p:nvPr/>
+        </p:nvSpPr>
+        <p:spPr>
+          <a:xfrm>
+            <a:off x="6096000" y="3296093"/>
+            <a:ext cx="1974112" cy="1307805"/>
+          </a:xfrm>
+          <a:prstGeom prst="roundRect">
+            <a:avLst/>
+          </a:prstGeom>
+        </p:spPr>
+        <p:style>
+          <a:lnRef idx="2">
+            <a:schemeClr val="accent1">
+              <a:shade val="50000"/>
+            </a:schemeClr>
+          </a:lnRef>
+          <a:fillRef idx="1">
+            <a:schemeClr val="accent1"/>
+          </a:fillRef>
+          <a:effectRef idx="0">
+            <a:schemeClr val="accent1"/>
+          </a:effectRef>
+          <a:fontRef idx="minor">
+            <a:schemeClr val="lt1"/>
+          </a:fontRef>
+        </p:style>
+        <p:txBody>
+          <a:bodyPr rtlCol="0" anchor="ctr"/>
+          <a:lstStyle/>
+          <a:p>
+            <a:pPr algn="ctr"/>
+            <a:r>
+              <a:rPr lang="en-US" dirty="0"/>
+              <a:t>Dispatch Vendor</a:t>
+            </a:r>
+          </a:p>
+        </p:txBody>
+      </p:sp>
+      <p:sp>
+        <p:nvSpPr>
+          <p:cNvPr id="5" name="Rectangle 4">
+            <a:extLst>
+              <a:ext uri="{FF2B5EF4-FFF2-40B4-BE49-F238E27FC236}">
+                <a16:creationId xmlns:a16="http://schemas.microsoft.com/office/drawing/2014/main" id="{AED4A0B2-BC59-4D6E-DEE6-6F4FF7CCCED5}"/>
+              </a:ext>
+            </a:extLst>
+          </p:cNvPr>
+          <p:cNvSpPr/>
+          <p:nvPr/>
+        </p:nvSpPr>
+        <p:spPr>
+          <a:xfrm>
+            <a:off x="9489556" y="1850065"/>
+            <a:ext cx="1913861" cy="584791"/>
+          </a:xfrm>
+          <a:prstGeom prst="rect">
+            <a:avLst/>
+          </a:prstGeom>
+        </p:spPr>
+        <p:style>
+          <a:lnRef idx="2">
+            <a:schemeClr val="accent1">
+              <a:shade val="50000"/>
+            </a:schemeClr>
+          </a:lnRef>
+          <a:fillRef idx="1">
+            <a:schemeClr val="accent1"/>
+          </a:fillRef>
+          <a:effectRef idx="0">
+            <a:schemeClr val="accent1"/>
+          </a:effectRef>
+          <a:fontRef idx="minor">
+            <a:schemeClr val="lt1"/>
+          </a:fontRef>
+        </p:style>
+        <p:txBody>
+          <a:bodyPr rtlCol="0" anchor="ctr"/>
+          <a:lstStyle/>
+          <a:p>
+            <a:pPr algn="ctr"/>
+            <a:r>
+              <a:rPr lang="en-US" dirty="0"/>
+              <a:t>Dispatch Processing Logic</a:t>
+            </a:r>
+          </a:p>
+        </p:txBody>
+      </p:sp>
+      <p:cxnSp>
+        <p:nvCxnSpPr>
+          <p:cNvPr id="7" name="Elbow Connector 6">
+            <a:extLst>
+              <a:ext uri="{FF2B5EF4-FFF2-40B4-BE49-F238E27FC236}">
+                <a16:creationId xmlns:a16="http://schemas.microsoft.com/office/drawing/2014/main" id="{2EE50E04-B42D-4630-8357-C6070921C599}"/>
+              </a:ext>
+            </a:extLst>
+          </p:cNvPr>
+          <p:cNvCxnSpPr/>
+          <p:nvPr/>
+        </p:nvCxnSpPr>
+        <p:spPr>
+          <a:xfrm rot="10800000" flipV="1">
+            <a:off x="8070113" y="2445487"/>
+            <a:ext cx="2376375" cy="1504507"/>
+          </a:xfrm>
+          <a:prstGeom prst="bentConnector3">
+            <a:avLst/>
+          </a:prstGeom>
+          <a:ln>
+            <a:headEnd type="triangle"/>
+            <a:tailEnd type="triangle"/>
+          </a:ln>
+        </p:spPr>
+        <p:style>
+          <a:lnRef idx="1">
+            <a:schemeClr val="accent1"/>
+          </a:lnRef>
+          <a:fillRef idx="0">
+            <a:schemeClr val="accent1"/>
+          </a:fillRef>
+          <a:effectRef idx="0">
+            <a:schemeClr val="accent1"/>
+          </a:effectRef>
+          <a:fontRef idx="minor">
+            <a:schemeClr val="tx1"/>
+          </a:fontRef>
+        </p:style>
+      </p:cxnSp>
+    </p:spTree>
+    <p:extLst>
+      <p:ext uri="{BB962C8B-B14F-4D97-AF65-F5344CB8AC3E}">
+        <p14:creationId xmlns:p14="http://schemas.microsoft.com/office/powerpoint/2010/main" val="658039448"/>
+      </p:ext>
+    </p:extLst>
+  </p:cSld>
+  <p:clrMapOvr>
+    <a:masterClrMapping/>
+  </p:clrMapOvr>
+</p:sld>
+</file>
+
+<file path=ppt/slides/slide41.xml><?xml version="1.0" encoding="utf-8"?>
+<p:sld xmlns:a="http://schemas.openxmlformats.org/drawingml/2006/main" xmlns:r="http://schemas.openxmlformats.org/officeDocument/2006/relationships" xmlns:p="http://schemas.openxmlformats.org/presentationml/2006/main">
+  <p:cSld>
+    <p:spTree>
+      <p:nvGrpSpPr>
+        <p:cNvPr id="1" name=""/>
+        <p:cNvGrpSpPr/>
+        <p:nvPr/>
+      </p:nvGrpSpPr>
+      <p:grpSpPr>
+        <a:xfrm>
+          <a:off x="0" y="0"/>
+          <a:ext cx="0" cy="0"/>
+          <a:chOff x="0" y="0"/>
+          <a:chExt cx="0" cy="0"/>
+        </a:xfrm>
+      </p:grpSpPr>
+      <p:sp>
+        <p:nvSpPr>
+          <p:cNvPr id="2" name="TextBox 1">
+            <a:extLst>
+              <a:ext uri="{FF2B5EF4-FFF2-40B4-BE49-F238E27FC236}">
+                <a16:creationId xmlns:a16="http://schemas.microsoft.com/office/drawing/2014/main" id="{39716CDA-68EA-B214-85FB-289C99E7B6D9}"/>
+              </a:ext>
+            </a:extLst>
+          </p:cNvPr>
+          <p:cNvSpPr txBox="1"/>
+          <p:nvPr/>
+        </p:nvSpPr>
+        <p:spPr>
+          <a:xfrm>
+            <a:off x="233916" y="233916"/>
+            <a:ext cx="11621386" cy="369332"/>
+          </a:xfrm>
+          <a:prstGeom prst="rect">
+            <a:avLst/>
+          </a:prstGeom>
+          <a:noFill/>
+        </p:spPr>
+        <p:txBody>
+          <a:bodyPr wrap="square" rtlCol="0">
+            <a:spAutoFit/>
+          </a:bodyPr>
+          <a:lstStyle/>
+          <a:p>
+            <a:r>
+              <a:rPr lang="en-US" dirty="0"/>
+              <a:t>WHY WEB API OR REST API </a:t>
+            </a:r>
+          </a:p>
+        </p:txBody>
+      </p:sp>
+      <p:sp>
+        <p:nvSpPr>
+          <p:cNvPr id="3" name="Oval 2">
+            <a:extLst>
+              <a:ext uri="{FF2B5EF4-FFF2-40B4-BE49-F238E27FC236}">
+                <a16:creationId xmlns:a16="http://schemas.microsoft.com/office/drawing/2014/main" id="{DBE9D88B-13C4-68E0-1BD7-0C7876A06F2C}"/>
+              </a:ext>
+            </a:extLst>
+          </p:cNvPr>
+          <p:cNvSpPr/>
+          <p:nvPr/>
+        </p:nvSpPr>
+        <p:spPr>
+          <a:xfrm>
+            <a:off x="4550735" y="818706"/>
+            <a:ext cx="2589027" cy="1871331"/>
+          </a:xfrm>
+          <a:prstGeom prst="ellipse">
+            <a:avLst/>
+          </a:prstGeom>
+        </p:spPr>
+        <p:style>
+          <a:lnRef idx="2">
+            <a:schemeClr val="accent1">
+              <a:shade val="50000"/>
+            </a:schemeClr>
+          </a:lnRef>
+          <a:fillRef idx="1">
+            <a:schemeClr val="accent1"/>
+          </a:fillRef>
+          <a:effectRef idx="0">
+            <a:schemeClr val="accent1"/>
+          </a:effectRef>
+          <a:fontRef idx="minor">
+            <a:schemeClr val="lt1"/>
+          </a:fontRef>
+        </p:style>
+        <p:txBody>
+          <a:bodyPr rtlCol="0" anchor="ctr"/>
+          <a:lstStyle/>
+          <a:p>
+            <a:pPr algn="ctr"/>
+            <a:r>
+              <a:rPr lang="en-US" b="1" dirty="0"/>
+              <a:t>Text Based Data Communication</a:t>
+            </a:r>
+          </a:p>
+          <a:p>
+            <a:pPr algn="ctr"/>
+            <a:r>
+              <a:rPr lang="en-US" b="1" dirty="0"/>
+              <a:t>Plain Text,</a:t>
+            </a:r>
+          </a:p>
+          <a:p>
+            <a:pPr algn="ctr"/>
+            <a:r>
+              <a:rPr lang="en-US" b="1" dirty="0"/>
+              <a:t>CSV,</a:t>
+            </a:r>
+          </a:p>
+          <a:p>
+            <a:pPr algn="ctr"/>
+            <a:r>
+              <a:rPr lang="en-US" b="1" dirty="0"/>
+              <a:t>TSV</a:t>
+            </a:r>
+          </a:p>
+        </p:txBody>
+      </p:sp>
+      <p:sp>
+        <p:nvSpPr>
+          <p:cNvPr id="4" name="TextBox 3">
+            <a:extLst>
+              <a:ext uri="{FF2B5EF4-FFF2-40B4-BE49-F238E27FC236}">
+                <a16:creationId xmlns:a16="http://schemas.microsoft.com/office/drawing/2014/main" id="{CD00D210-1B63-62CE-13AB-7A8078BDFEA1}"/>
+              </a:ext>
+            </a:extLst>
+          </p:cNvPr>
+          <p:cNvSpPr txBox="1"/>
+          <p:nvPr/>
+        </p:nvSpPr>
+        <p:spPr>
+          <a:xfrm>
+            <a:off x="7634177" y="138223"/>
+            <a:ext cx="3838353" cy="1107996"/>
+          </a:xfrm>
+          <a:prstGeom prst="rect">
+            <a:avLst/>
+          </a:prstGeom>
+          <a:noFill/>
+        </p:spPr>
+        <p:txBody>
+          <a:bodyPr wrap="square" rtlCol="0">
+            <a:spAutoFit/>
+          </a:bodyPr>
+          <a:lstStyle/>
+          <a:p>
+            <a:r>
+              <a:rPr lang="en-US" sz="1100" dirty="0"/>
+              <a:t>Advantages: Platform Independent, all apps were able to Write and Read Text Format.</a:t>
+            </a:r>
+          </a:p>
+          <a:p>
+            <a:r>
+              <a:rPr lang="en-US" sz="1100" dirty="0"/>
+              <a:t>Limitations: All types are Text, hence the  sender sends Numeric Data also in Text Format and the Receiver has to convert it each time. This increases the Type Formatting time</a:t>
+            </a:r>
+          </a:p>
+          <a:p>
+            <a:r>
+              <a:rPr lang="en-US" sz="1100" dirty="0"/>
+              <a:t>No Protection for data being the Plain Text</a:t>
+            </a:r>
+          </a:p>
+        </p:txBody>
+      </p:sp>
+      <p:cxnSp>
+        <p:nvCxnSpPr>
+          <p:cNvPr id="6" name="Elbow Connector 5">
+            <a:extLst>
+              <a:ext uri="{FF2B5EF4-FFF2-40B4-BE49-F238E27FC236}">
+                <a16:creationId xmlns:a16="http://schemas.microsoft.com/office/drawing/2014/main" id="{B500BD70-078D-830C-E016-9FB2105F64B6}"/>
+              </a:ext>
+            </a:extLst>
+          </p:cNvPr>
+          <p:cNvCxnSpPr>
+            <a:stCxn id="3" idx="0"/>
+            <a:endCxn id="4" idx="1"/>
+          </p:cNvCxnSpPr>
+          <p:nvPr/>
+        </p:nvCxnSpPr>
+        <p:spPr>
+          <a:xfrm rot="5400000" flipH="1" flipV="1">
+            <a:off x="6676471" y="-139000"/>
+            <a:ext cx="126485" cy="1788928"/>
+          </a:xfrm>
+          <a:prstGeom prst="bentConnector2">
+            <a:avLst/>
+          </a:prstGeom>
+          <a:ln>
+            <a:tailEnd type="triangle"/>
+          </a:ln>
+        </p:spPr>
+        <p:style>
+          <a:lnRef idx="1">
+            <a:schemeClr val="accent1"/>
+          </a:lnRef>
+          <a:fillRef idx="0">
+            <a:schemeClr val="accent1"/>
+          </a:fillRef>
+          <a:effectRef idx="0">
+            <a:schemeClr val="accent1"/>
+          </a:effectRef>
+          <a:fontRef idx="minor">
+            <a:schemeClr val="tx1"/>
+          </a:fontRef>
+        </p:style>
+      </p:cxnSp>
+      <p:sp>
+        <p:nvSpPr>
+          <p:cNvPr id="7" name="Oval 6">
+            <a:extLst>
+              <a:ext uri="{FF2B5EF4-FFF2-40B4-BE49-F238E27FC236}">
+                <a16:creationId xmlns:a16="http://schemas.microsoft.com/office/drawing/2014/main" id="{F5D7DD11-A075-DF70-AFB2-8ABB49AB7D51}"/>
+              </a:ext>
+            </a:extLst>
+          </p:cNvPr>
+          <p:cNvSpPr/>
+          <p:nvPr/>
+        </p:nvSpPr>
+        <p:spPr>
+          <a:xfrm>
+            <a:off x="6820787" y="2651937"/>
+            <a:ext cx="2589027" cy="1871331"/>
+          </a:xfrm>
+          <a:prstGeom prst="ellipse">
+            <a:avLst/>
+          </a:prstGeom>
+        </p:spPr>
+        <p:style>
+          <a:lnRef idx="2">
+            <a:schemeClr val="accent1">
+              <a:shade val="50000"/>
+            </a:schemeClr>
+          </a:lnRef>
+          <a:fillRef idx="1">
+            <a:schemeClr val="accent1"/>
+          </a:fillRef>
+          <a:effectRef idx="0">
+            <a:schemeClr val="accent1"/>
+          </a:effectRef>
+          <a:fontRef idx="minor">
+            <a:schemeClr val="lt1"/>
+          </a:fontRef>
+        </p:style>
+        <p:txBody>
+          <a:bodyPr rtlCol="0" anchor="ctr"/>
+          <a:lstStyle/>
+          <a:p>
+            <a:pPr algn="ctr"/>
+            <a:r>
+              <a:rPr lang="en-US" dirty="0"/>
+              <a:t>Binary Based Data Communication</a:t>
+            </a:r>
+          </a:p>
+        </p:txBody>
+      </p:sp>
+      <p:cxnSp>
+        <p:nvCxnSpPr>
+          <p:cNvPr id="9" name="Curved Connector 8">
+            <a:extLst>
+              <a:ext uri="{FF2B5EF4-FFF2-40B4-BE49-F238E27FC236}">
+                <a16:creationId xmlns:a16="http://schemas.microsoft.com/office/drawing/2014/main" id="{B5D1727B-5256-A170-E270-7CB2A6285277}"/>
+              </a:ext>
+            </a:extLst>
+          </p:cNvPr>
+          <p:cNvCxnSpPr>
+            <a:stCxn id="3" idx="6"/>
+            <a:endCxn id="7" idx="0"/>
+          </p:cNvCxnSpPr>
+          <p:nvPr/>
+        </p:nvCxnSpPr>
+        <p:spPr>
+          <a:xfrm>
+            <a:off x="7139762" y="1754372"/>
+            <a:ext cx="975539" cy="897565"/>
+          </a:xfrm>
+          <a:prstGeom prst="curvedConnector2">
+            <a:avLst/>
+          </a:prstGeom>
+          <a:ln>
+            <a:tailEnd type="triangle"/>
+          </a:ln>
+        </p:spPr>
+        <p:style>
+          <a:lnRef idx="1">
+            <a:schemeClr val="accent1"/>
+          </a:lnRef>
+          <a:fillRef idx="0">
+            <a:schemeClr val="accent1"/>
+          </a:fillRef>
+          <a:effectRef idx="0">
+            <a:schemeClr val="accent1"/>
+          </a:effectRef>
+          <a:fontRef idx="minor">
+            <a:schemeClr val="tx1"/>
+          </a:fontRef>
+        </p:style>
+      </p:cxnSp>
+      <p:sp>
+        <p:nvSpPr>
+          <p:cNvPr id="10" name="TextBox 9">
+            <a:extLst>
+              <a:ext uri="{FF2B5EF4-FFF2-40B4-BE49-F238E27FC236}">
+                <a16:creationId xmlns:a16="http://schemas.microsoft.com/office/drawing/2014/main" id="{81D69DBF-023F-AECA-0379-48CF8B0A0315}"/>
+              </a:ext>
+            </a:extLst>
+          </p:cNvPr>
+          <p:cNvSpPr txBox="1"/>
+          <p:nvPr/>
+        </p:nvSpPr>
+        <p:spPr>
+          <a:xfrm>
+            <a:off x="9409814" y="1903228"/>
+            <a:ext cx="2636874" cy="1954381"/>
+          </a:xfrm>
+          <a:prstGeom prst="rect">
+            <a:avLst/>
+          </a:prstGeom>
+          <a:noFill/>
+        </p:spPr>
+        <p:txBody>
+          <a:bodyPr wrap="square" rtlCol="0">
+            <a:spAutoFit/>
+          </a:bodyPr>
+          <a:lstStyle/>
+          <a:p>
+            <a:r>
+              <a:rPr lang="en-US" sz="1100" dirty="0"/>
+              <a:t>Advantage: The Data Format was mentioned by the Sender and Receiver so not type conversion was needed. Data was not readable and was fast in Communication</a:t>
+            </a:r>
+          </a:p>
+          <a:p>
+            <a:endParaRPr lang="en-US" sz="1100" dirty="0"/>
+          </a:p>
+          <a:p>
+            <a:r>
+              <a:rPr lang="en-US" sz="1100" dirty="0"/>
+              <a:t>Limitations: Binary encodings were specific to Platform. No Cross-Platform Support, Binary for Windows was an Un-Safe Data for Other platform like Linux and they used to deny it. </a:t>
+            </a:r>
+          </a:p>
+        </p:txBody>
+      </p:sp>
+      <p:sp>
+        <p:nvSpPr>
+          <p:cNvPr id="13" name="Oval 12">
+            <a:extLst>
+              <a:ext uri="{FF2B5EF4-FFF2-40B4-BE49-F238E27FC236}">
+                <a16:creationId xmlns:a16="http://schemas.microsoft.com/office/drawing/2014/main" id="{B8234213-4C90-064A-26F4-7F9F125BD56E}"/>
+              </a:ext>
+            </a:extLst>
+          </p:cNvPr>
+          <p:cNvSpPr/>
+          <p:nvPr/>
+        </p:nvSpPr>
+        <p:spPr>
+          <a:xfrm>
+            <a:off x="4550735" y="4485167"/>
+            <a:ext cx="2589027" cy="1871331"/>
+          </a:xfrm>
+          <a:prstGeom prst="ellipse">
+            <a:avLst/>
+          </a:prstGeom>
+        </p:spPr>
+        <p:style>
+          <a:lnRef idx="2">
+            <a:schemeClr val="accent1">
+              <a:shade val="50000"/>
+            </a:schemeClr>
+          </a:lnRef>
+          <a:fillRef idx="1">
+            <a:schemeClr val="accent1"/>
+          </a:fillRef>
+          <a:effectRef idx="0">
+            <a:schemeClr val="accent1"/>
+          </a:effectRef>
+          <a:fontRef idx="minor">
+            <a:schemeClr val="lt1"/>
+          </a:fontRef>
+        </p:style>
+        <p:txBody>
+          <a:bodyPr rtlCol="0" anchor="ctr"/>
+          <a:lstStyle/>
+          <a:p>
+            <a:pPr algn="ctr"/>
+            <a:r>
+              <a:rPr lang="en-US" dirty="0"/>
+              <a:t>Open Standard XML Based Data Communication</a:t>
+            </a:r>
+          </a:p>
+          <a:p>
+            <a:pPr algn="ctr"/>
+            <a:r>
+              <a:rPr lang="en-US" sz="1000" dirty="0"/>
+              <a:t>Simple-Object-Access-Protocol (SOAP) for Web Services aka SOAP Services</a:t>
+            </a:r>
+          </a:p>
+        </p:txBody>
+      </p:sp>
+      <p:cxnSp>
+        <p:nvCxnSpPr>
+          <p:cNvPr id="17" name="Curved Connector 16">
+            <a:extLst>
+              <a:ext uri="{FF2B5EF4-FFF2-40B4-BE49-F238E27FC236}">
+                <a16:creationId xmlns:a16="http://schemas.microsoft.com/office/drawing/2014/main" id="{888BF044-B27F-C636-E69E-0D4D518C1381}"/>
+              </a:ext>
+            </a:extLst>
+          </p:cNvPr>
+          <p:cNvCxnSpPr>
+            <a:stCxn id="7" idx="4"/>
+            <a:endCxn id="13" idx="6"/>
+          </p:cNvCxnSpPr>
+          <p:nvPr/>
+        </p:nvCxnSpPr>
+        <p:spPr>
+          <a:xfrm rot="5400000">
+            <a:off x="7178750" y="4484281"/>
+            <a:ext cx="897565" cy="975539"/>
+          </a:xfrm>
+          <a:prstGeom prst="curvedConnector2">
+            <a:avLst/>
+          </a:prstGeom>
+          <a:ln>
+            <a:tailEnd type="triangle"/>
+          </a:ln>
+        </p:spPr>
+        <p:style>
+          <a:lnRef idx="1">
+            <a:schemeClr val="accent1"/>
+          </a:lnRef>
+          <a:fillRef idx="0">
+            <a:schemeClr val="accent1"/>
+          </a:fillRef>
+          <a:effectRef idx="0">
+            <a:schemeClr val="accent1"/>
+          </a:effectRef>
+          <a:fontRef idx="minor">
+            <a:schemeClr val="tx1"/>
+          </a:fontRef>
+        </p:style>
+      </p:cxnSp>
+      <p:cxnSp>
+        <p:nvCxnSpPr>
+          <p:cNvPr id="22" name="Elbow Connector 21">
+            <a:extLst>
+              <a:ext uri="{FF2B5EF4-FFF2-40B4-BE49-F238E27FC236}">
+                <a16:creationId xmlns:a16="http://schemas.microsoft.com/office/drawing/2014/main" id="{61F0AF1C-AC4D-73E7-060D-CCF9250962D9}"/>
+              </a:ext>
+            </a:extLst>
+          </p:cNvPr>
+          <p:cNvCxnSpPr>
+            <a:stCxn id="7" idx="7"/>
+          </p:cNvCxnSpPr>
+          <p:nvPr/>
+        </p:nvCxnSpPr>
+        <p:spPr>
+          <a:xfrm rot="16200000" flipH="1">
+            <a:off x="9234325" y="2722322"/>
+            <a:ext cx="115362" cy="522693"/>
+          </a:xfrm>
+          <a:prstGeom prst="bentConnector4">
+            <a:avLst>
+              <a:gd name="adj1" fmla="val -198159"/>
+              <a:gd name="adj2" fmla="val 86269"/>
+            </a:avLst>
+          </a:prstGeom>
+          <a:ln>
+            <a:tailEnd type="triangle"/>
+          </a:ln>
+        </p:spPr>
+        <p:style>
+          <a:lnRef idx="1">
+            <a:schemeClr val="accent1"/>
+          </a:lnRef>
+          <a:fillRef idx="0">
+            <a:schemeClr val="accent1"/>
+          </a:fillRef>
+          <a:effectRef idx="0">
+            <a:schemeClr val="accent1"/>
+          </a:effectRef>
+          <a:fontRef idx="minor">
+            <a:schemeClr val="tx1"/>
+          </a:fontRef>
+        </p:style>
+      </p:cxnSp>
+      <p:sp>
+        <p:nvSpPr>
+          <p:cNvPr id="23" name="TextBox 22">
+            <a:extLst>
+              <a:ext uri="{FF2B5EF4-FFF2-40B4-BE49-F238E27FC236}">
+                <a16:creationId xmlns:a16="http://schemas.microsoft.com/office/drawing/2014/main" id="{7F554AFD-B872-87C6-3980-868B222CBDB5}"/>
+              </a:ext>
+            </a:extLst>
+          </p:cNvPr>
+          <p:cNvSpPr txBox="1"/>
+          <p:nvPr/>
+        </p:nvSpPr>
+        <p:spPr>
+          <a:xfrm>
+            <a:off x="8378456" y="4671812"/>
+            <a:ext cx="3338623" cy="1938992"/>
+          </a:xfrm>
+          <a:prstGeom prst="rect">
+            <a:avLst/>
+          </a:prstGeom>
+          <a:noFill/>
+        </p:spPr>
+        <p:txBody>
+          <a:bodyPr wrap="square" rtlCol="0">
+            <a:spAutoFit/>
+          </a:bodyPr>
+          <a:lstStyle/>
+          <a:p>
+            <a:r>
+              <a:rPr lang="en-US" sz="1200" dirty="0"/>
+              <a:t>Advantages: Formatted XML standard for organizing Data in a specific Structure from Sender to Receiver. All Platforms understands the XML Data Communication and hence irrespective of the technologies used by Sender and receiver the data is communicated.</a:t>
+            </a:r>
+          </a:p>
+          <a:p>
+            <a:endParaRPr lang="en-US" sz="1200" dirty="0"/>
+          </a:p>
+          <a:p>
+            <a:r>
+              <a:rPr lang="en-US" sz="1200" dirty="0"/>
+              <a:t>Limitation: The XML format is slow to commutate over HTTP Protocol. This was difficult for Mobile Client</a:t>
+            </a:r>
+          </a:p>
+        </p:txBody>
+      </p:sp>
+      <p:cxnSp>
+        <p:nvCxnSpPr>
+          <p:cNvPr id="25" name="Elbow Connector 24">
+            <a:extLst>
+              <a:ext uri="{FF2B5EF4-FFF2-40B4-BE49-F238E27FC236}">
+                <a16:creationId xmlns:a16="http://schemas.microsoft.com/office/drawing/2014/main" id="{2E01E983-A3FB-3520-A525-2618B514B0A8}"/>
+              </a:ext>
+            </a:extLst>
+          </p:cNvPr>
+          <p:cNvCxnSpPr>
+            <a:stCxn id="13" idx="5"/>
+            <a:endCxn id="23" idx="1"/>
+          </p:cNvCxnSpPr>
+          <p:nvPr/>
+        </p:nvCxnSpPr>
+        <p:spPr>
+          <a:xfrm rot="5400000" flipH="1" flipV="1">
+            <a:off x="7348962" y="5052954"/>
+            <a:ext cx="441140" cy="1617848"/>
+          </a:xfrm>
+          <a:prstGeom prst="bentConnector4">
+            <a:avLst>
+              <a:gd name="adj1" fmla="val -51820"/>
+              <a:gd name="adj2" fmla="val 61718"/>
+            </a:avLst>
+          </a:prstGeom>
+          <a:ln>
+            <a:tailEnd type="triangle"/>
+          </a:ln>
+        </p:spPr>
+        <p:style>
+          <a:lnRef idx="1">
+            <a:schemeClr val="accent1"/>
+          </a:lnRef>
+          <a:fillRef idx="0">
+            <a:schemeClr val="accent1"/>
+          </a:fillRef>
+          <a:effectRef idx="0">
+            <a:schemeClr val="accent1"/>
+          </a:effectRef>
+          <a:fontRef idx="minor">
+            <a:schemeClr val="tx1"/>
+          </a:fontRef>
+        </p:style>
+      </p:cxnSp>
+      <p:sp>
+        <p:nvSpPr>
+          <p:cNvPr id="27" name="TextBox 26">
+            <a:extLst>
+              <a:ext uri="{FF2B5EF4-FFF2-40B4-BE49-F238E27FC236}">
+                <a16:creationId xmlns:a16="http://schemas.microsoft.com/office/drawing/2014/main" id="{F684449A-5152-7783-6457-7658DC097BFE}"/>
+              </a:ext>
+            </a:extLst>
+          </p:cNvPr>
+          <p:cNvSpPr txBox="1"/>
+          <p:nvPr/>
+        </p:nvSpPr>
+        <p:spPr>
+          <a:xfrm>
+            <a:off x="233916" y="4853918"/>
+            <a:ext cx="4053666" cy="1477328"/>
+          </a:xfrm>
+          <a:prstGeom prst="rect">
+            <a:avLst/>
+          </a:prstGeom>
+          <a:noFill/>
+          <a:ln>
+            <a:solidFill>
+              <a:srgbClr val="FF0000"/>
+            </a:solidFill>
+          </a:ln>
+        </p:spPr>
+        <p:txBody>
+          <a:bodyPr wrap="square" rtlCol="0">
+            <a:spAutoFit/>
+          </a:bodyPr>
+          <a:lstStyle/>
+          <a:p>
+            <a:r>
+              <a:rPr lang="en-US" dirty="0"/>
+              <a:t>Consider  XML Data as Below</a:t>
+            </a:r>
+          </a:p>
+          <a:p>
+            <a:r>
+              <a:rPr lang="en-US" dirty="0"/>
+              <a:t>&lt;</a:t>
+            </a:r>
+            <a:r>
+              <a:rPr lang="en-US" dirty="0" err="1"/>
+              <a:t>EmpNo</a:t>
+            </a:r>
+            <a:r>
+              <a:rPr lang="en-US" dirty="0"/>
+              <a:t>&gt;1001&lt;/</a:t>
+            </a:r>
+            <a:r>
+              <a:rPr lang="en-US" dirty="0" err="1"/>
+              <a:t>EmpNo</a:t>
+            </a:r>
+            <a:r>
+              <a:rPr lang="en-US" dirty="0"/>
+              <a:t>&gt;</a:t>
+            </a:r>
+          </a:p>
+          <a:p>
+            <a:r>
+              <a:rPr lang="en-US" dirty="0"/>
+              <a:t>This will be formatted to put over HTTP as follows:</a:t>
+            </a:r>
+          </a:p>
+          <a:p>
+            <a:r>
+              <a:rPr lang="en-US" dirty="0">
+                <a:solidFill>
+                  <a:srgbClr val="C00000"/>
+                </a:solidFill>
+              </a:rPr>
+              <a:t> </a:t>
+            </a:r>
+            <a:r>
+              <a:rPr lang="en-US" dirty="0">
+                <a:ln>
+                  <a:solidFill>
+                    <a:sysClr val="windowText" lastClr="000000"/>
+                  </a:solidFill>
+                </a:ln>
+                <a:solidFill>
+                  <a:srgbClr val="C00000"/>
+                </a:solidFill>
+              </a:rPr>
+              <a:t>&amp;lt;EmpNo@gt;1001&amp;lt;%2fEmpNo&amp;gt;</a:t>
+            </a:r>
+          </a:p>
+        </p:txBody>
+      </p:sp>
+      <p:cxnSp>
+        <p:nvCxnSpPr>
+          <p:cNvPr id="29" name="Elbow Connector 28">
+            <a:extLst>
+              <a:ext uri="{FF2B5EF4-FFF2-40B4-BE49-F238E27FC236}">
+                <a16:creationId xmlns:a16="http://schemas.microsoft.com/office/drawing/2014/main" id="{FB0E4933-23FC-CB57-80BC-EF14D787E13D}"/>
+              </a:ext>
+            </a:extLst>
+          </p:cNvPr>
+          <p:cNvCxnSpPr>
+            <a:stCxn id="27" idx="2"/>
+            <a:endCxn id="23" idx="2"/>
+          </p:cNvCxnSpPr>
+          <p:nvPr/>
+        </p:nvCxnSpPr>
+        <p:spPr>
+          <a:xfrm rot="16200000" flipH="1">
+            <a:off x="6014479" y="2577515"/>
+            <a:ext cx="279558" cy="7787019"/>
+          </a:xfrm>
+          <a:prstGeom prst="bentConnector3">
+            <a:avLst>
+              <a:gd name="adj1" fmla="val 181772"/>
+            </a:avLst>
+          </a:prstGeom>
+          <a:ln>
+            <a:tailEnd type="triangle"/>
+          </a:ln>
+        </p:spPr>
+        <p:style>
+          <a:lnRef idx="1">
+            <a:schemeClr val="accent1"/>
+          </a:lnRef>
+          <a:fillRef idx="0">
+            <a:schemeClr val="accent1"/>
+          </a:fillRef>
+          <a:effectRef idx="0">
+            <a:schemeClr val="accent1"/>
+          </a:effectRef>
+          <a:fontRef idx="minor">
+            <a:schemeClr val="tx1"/>
+          </a:fontRef>
+        </p:style>
+      </p:cxnSp>
+      <p:sp>
+        <p:nvSpPr>
+          <p:cNvPr id="32" name="Oval 31">
+            <a:extLst>
+              <a:ext uri="{FF2B5EF4-FFF2-40B4-BE49-F238E27FC236}">
+                <a16:creationId xmlns:a16="http://schemas.microsoft.com/office/drawing/2014/main" id="{7AD8E656-758F-11CF-8876-5013020BF308}"/>
+              </a:ext>
+            </a:extLst>
+          </p:cNvPr>
+          <p:cNvSpPr/>
+          <p:nvPr/>
+        </p:nvSpPr>
+        <p:spPr>
+          <a:xfrm>
+            <a:off x="1594886" y="2449326"/>
+            <a:ext cx="2589027" cy="1871331"/>
+          </a:xfrm>
+          <a:prstGeom prst="ellipse">
+            <a:avLst/>
+          </a:prstGeom>
+        </p:spPr>
+        <p:style>
+          <a:lnRef idx="2">
+            <a:schemeClr val="accent1">
+              <a:shade val="50000"/>
+            </a:schemeClr>
+          </a:lnRef>
+          <a:fillRef idx="1">
+            <a:schemeClr val="accent1"/>
+          </a:fillRef>
+          <a:effectRef idx="0">
+            <a:schemeClr val="accent1"/>
+          </a:effectRef>
+          <a:fontRef idx="minor">
+            <a:schemeClr val="lt1"/>
+          </a:fontRef>
+        </p:style>
+        <p:txBody>
+          <a:bodyPr rtlCol="0" anchor="ctr"/>
+          <a:lstStyle/>
+          <a:p>
+            <a:pPr algn="ctr"/>
+            <a:r>
+              <a:rPr lang="en-US" b="1" dirty="0"/>
+              <a:t>Text-Based JSON Data Communication</a:t>
+            </a:r>
+          </a:p>
+          <a:p>
+            <a:pPr algn="ctr"/>
+            <a:r>
+              <a:rPr lang="en-US" sz="1000" b="1" dirty="0"/>
+              <a:t>JavaScript-Object-Notation (JSON)</a:t>
+            </a:r>
+          </a:p>
+          <a:p>
+            <a:pPr algn="ctr"/>
+            <a:r>
+              <a:rPr lang="en-US" sz="1000" b="1" dirty="0"/>
+              <a:t>REST APIs</a:t>
+            </a:r>
+          </a:p>
+        </p:txBody>
+      </p:sp>
+      <p:cxnSp>
+        <p:nvCxnSpPr>
+          <p:cNvPr id="34" name="Curved Connector 33">
+            <a:extLst>
+              <a:ext uri="{FF2B5EF4-FFF2-40B4-BE49-F238E27FC236}">
+                <a16:creationId xmlns:a16="http://schemas.microsoft.com/office/drawing/2014/main" id="{2C05873F-5C7C-E323-BF48-4F983C376667}"/>
+              </a:ext>
+            </a:extLst>
+          </p:cNvPr>
+          <p:cNvCxnSpPr>
+            <a:stCxn id="13" idx="2"/>
+            <a:endCxn id="32" idx="4"/>
+          </p:cNvCxnSpPr>
+          <p:nvPr/>
+        </p:nvCxnSpPr>
+        <p:spPr>
+          <a:xfrm rot="10800000">
+            <a:off x="2889401" y="4320657"/>
+            <a:ext cx="1661335" cy="1100176"/>
+          </a:xfrm>
+          <a:prstGeom prst="curvedConnector2">
+            <a:avLst/>
+          </a:prstGeom>
+          <a:ln>
+            <a:tailEnd type="triangle"/>
+          </a:ln>
+        </p:spPr>
+        <p:style>
+          <a:lnRef idx="1">
+            <a:schemeClr val="accent1"/>
+          </a:lnRef>
+          <a:fillRef idx="0">
+            <a:schemeClr val="accent1"/>
+          </a:fillRef>
+          <a:effectRef idx="0">
+            <a:schemeClr val="accent1"/>
+          </a:effectRef>
+          <a:fontRef idx="minor">
+            <a:schemeClr val="tx1"/>
+          </a:fontRef>
+        </p:style>
+      </p:cxnSp>
+      <p:sp>
+        <p:nvSpPr>
+          <p:cNvPr id="35" name="TextBox 34">
+            <a:extLst>
+              <a:ext uri="{FF2B5EF4-FFF2-40B4-BE49-F238E27FC236}">
+                <a16:creationId xmlns:a16="http://schemas.microsoft.com/office/drawing/2014/main" id="{F0B163AD-D91B-3254-4208-45C18DE6803D}"/>
+              </a:ext>
+            </a:extLst>
+          </p:cNvPr>
+          <p:cNvSpPr txBox="1"/>
+          <p:nvPr/>
+        </p:nvSpPr>
+        <p:spPr>
+          <a:xfrm>
+            <a:off x="99017" y="738708"/>
+            <a:ext cx="3629687" cy="2031325"/>
+          </a:xfrm>
+          <a:prstGeom prst="rect">
+            <a:avLst/>
+          </a:prstGeom>
+          <a:noFill/>
+        </p:spPr>
+        <p:txBody>
+          <a:bodyPr wrap="square" rtlCol="0">
+            <a:spAutoFit/>
+          </a:bodyPr>
+          <a:lstStyle/>
+          <a:p>
+            <a:r>
+              <a:rPr lang="en-US" dirty="0"/>
+              <a:t>{</a:t>
+            </a:r>
+          </a:p>
+          <a:p>
+            <a:r>
+              <a:rPr lang="en-US" dirty="0"/>
+              <a:t>    </a:t>
+            </a:r>
+            <a:r>
+              <a:rPr lang="en-US" dirty="0" err="1"/>
+              <a:t>Key:Value</a:t>
+            </a:r>
+            <a:endParaRPr lang="en-US" dirty="0"/>
+          </a:p>
+          <a:p>
+            <a:r>
+              <a:rPr lang="en-US" dirty="0"/>
+              <a:t>}</a:t>
+            </a:r>
+          </a:p>
+          <a:p>
+            <a:r>
+              <a:rPr lang="en-US" dirty="0"/>
+              <a:t>e.g.</a:t>
+            </a:r>
+          </a:p>
+          <a:p>
+            <a:r>
+              <a:rPr lang="en-US" dirty="0"/>
+              <a:t>{</a:t>
+            </a:r>
+          </a:p>
+          <a:p>
+            <a:r>
+              <a:rPr lang="en-US" dirty="0"/>
+              <a:t>  EmpNo:1001</a:t>
+            </a:r>
+          </a:p>
+          <a:p>
+            <a:r>
+              <a:rPr lang="en-US" dirty="0"/>
+              <a:t>}</a:t>
+            </a:r>
+          </a:p>
+        </p:txBody>
+      </p:sp>
+      <p:cxnSp>
+        <p:nvCxnSpPr>
+          <p:cNvPr id="37" name="Curved Connector 36">
+            <a:extLst>
+              <a:ext uri="{FF2B5EF4-FFF2-40B4-BE49-F238E27FC236}">
+                <a16:creationId xmlns:a16="http://schemas.microsoft.com/office/drawing/2014/main" id="{34952B93-E7C3-4F11-510E-F8D7FAE60634}"/>
+              </a:ext>
+            </a:extLst>
+          </p:cNvPr>
+          <p:cNvCxnSpPr>
+            <a:stCxn id="35" idx="1"/>
+            <a:endCxn id="32" idx="2"/>
+          </p:cNvCxnSpPr>
+          <p:nvPr/>
+        </p:nvCxnSpPr>
+        <p:spPr>
+          <a:xfrm rot="10800000" flipH="1" flipV="1">
+            <a:off x="99016" y="1754370"/>
+            <a:ext cx="1495869" cy="1630621"/>
+          </a:xfrm>
+          <a:prstGeom prst="curvedConnector3">
+            <a:avLst>
+              <a:gd name="adj1" fmla="val 27366"/>
+            </a:avLst>
+          </a:prstGeom>
+          <a:ln>
+            <a:tailEnd type="triangle"/>
+          </a:ln>
+        </p:spPr>
+        <p:style>
+          <a:lnRef idx="1">
+            <a:schemeClr val="accent1"/>
+          </a:lnRef>
+          <a:fillRef idx="0">
+            <a:schemeClr val="accent1"/>
+          </a:fillRef>
+          <a:effectRef idx="0">
+            <a:schemeClr val="accent1"/>
+          </a:effectRef>
+          <a:fontRef idx="minor">
+            <a:schemeClr val="tx1"/>
+          </a:fontRef>
+        </p:style>
+      </p:cxnSp>
+    </p:spTree>
+    <p:extLst>
+      <p:ext uri="{BB962C8B-B14F-4D97-AF65-F5344CB8AC3E}">
+        <p14:creationId xmlns:p14="http://schemas.microsoft.com/office/powerpoint/2010/main" val="2949166342"/>
+      </p:ext>
+    </p:extLst>
+  </p:cSld>
+  <p:clrMapOvr>
+    <a:masterClrMapping/>
+  </p:clrMapOvr>
+</p:sld>
+</file>
+
+<file path=ppt/slides/slide42.xml><?xml version="1.0" encoding="utf-8"?>
+<p:sld xmlns:a="http://schemas.openxmlformats.org/drawingml/2006/main" xmlns:r="http://schemas.openxmlformats.org/officeDocument/2006/relationships" xmlns:p="http://schemas.openxmlformats.org/presentationml/2006/main">
+  <p:cSld>
+    <p:spTree>
+      <p:nvGrpSpPr>
+        <p:cNvPr id="1" name=""/>
+        <p:cNvGrpSpPr/>
+        <p:nvPr/>
+      </p:nvGrpSpPr>
+      <p:grpSpPr>
+        <a:xfrm>
+          <a:off x="0" y="0"/>
+          <a:ext cx="0" cy="0"/>
+          <a:chOff x="0" y="0"/>
+          <a:chExt cx="0" cy="0"/>
+        </a:xfrm>
+      </p:grpSpPr>
+      <p:sp>
+        <p:nvSpPr>
+          <p:cNvPr id="2" name="TextBox 1">
+            <a:extLst>
+              <a:ext uri="{FF2B5EF4-FFF2-40B4-BE49-F238E27FC236}">
+                <a16:creationId xmlns:a16="http://schemas.microsoft.com/office/drawing/2014/main" id="{6BF65790-80E5-3DF7-BBCF-D1CAC7530E12}"/>
+              </a:ext>
+            </a:extLst>
+          </p:cNvPr>
+          <p:cNvSpPr txBox="1"/>
+          <p:nvPr/>
+        </p:nvSpPr>
+        <p:spPr>
+          <a:xfrm>
+            <a:off x="3426372" y="105103"/>
+            <a:ext cx="4824249" cy="369332"/>
+          </a:xfrm>
+          <a:prstGeom prst="rect">
+            <a:avLst/>
+          </a:prstGeom>
+          <a:noFill/>
+        </p:spPr>
+        <p:txBody>
+          <a:bodyPr wrap="square" rtlCol="0">
+            <a:spAutoFit/>
+          </a:bodyPr>
+          <a:lstStyle/>
+          <a:p>
+            <a:pPr algn="ctr"/>
+            <a:r>
+              <a:rPr lang="en-US" dirty="0"/>
+              <a:t>ASP.NET Core API Apps Execution, Deeper Level</a:t>
+            </a:r>
+          </a:p>
+        </p:txBody>
+      </p:sp>
+      <p:sp>
+        <p:nvSpPr>
+          <p:cNvPr id="3" name="Rectangle 2">
+            <a:extLst>
+              <a:ext uri="{FF2B5EF4-FFF2-40B4-BE49-F238E27FC236}">
+                <a16:creationId xmlns:a16="http://schemas.microsoft.com/office/drawing/2014/main" id="{D064726E-F4CD-F9EF-2BB8-9101B5E4E400}"/>
+              </a:ext>
+            </a:extLst>
+          </p:cNvPr>
+          <p:cNvSpPr/>
+          <p:nvPr/>
+        </p:nvSpPr>
+        <p:spPr>
+          <a:xfrm>
+            <a:off x="1650124" y="634407"/>
+            <a:ext cx="10237076" cy="6118490"/>
+          </a:xfrm>
+          <a:prstGeom prst="rect">
+            <a:avLst/>
+          </a:prstGeom>
+        </p:spPr>
+        <p:style>
+          <a:lnRef idx="2">
+            <a:schemeClr val="accent6"/>
+          </a:lnRef>
+          <a:fillRef idx="1">
+            <a:schemeClr val="lt1"/>
+          </a:fillRef>
+          <a:effectRef idx="0">
+            <a:schemeClr val="accent6"/>
+          </a:effectRef>
+          <a:fontRef idx="minor">
+            <a:schemeClr val="dk1"/>
+          </a:fontRef>
+        </p:style>
+        <p:txBody>
+          <a:bodyPr rtlCol="0" anchor="ctr"/>
+          <a:lstStyle/>
+          <a:p>
+            <a:pPr algn="ctr"/>
+            <a:endParaRPr lang="en-US"/>
+          </a:p>
+        </p:txBody>
+      </p:sp>
+      <p:sp>
+        <p:nvSpPr>
+          <p:cNvPr id="4" name="TextBox 3">
+            <a:extLst>
+              <a:ext uri="{FF2B5EF4-FFF2-40B4-BE49-F238E27FC236}">
+                <a16:creationId xmlns:a16="http://schemas.microsoft.com/office/drawing/2014/main" id="{3AF1740F-D3BE-5219-0F3B-92E543521C58}"/>
+              </a:ext>
+            </a:extLst>
+          </p:cNvPr>
+          <p:cNvSpPr txBox="1"/>
+          <p:nvPr/>
+        </p:nvSpPr>
+        <p:spPr>
+          <a:xfrm>
+            <a:off x="9606455" y="257193"/>
+            <a:ext cx="2112580" cy="369332"/>
+          </a:xfrm>
+          <a:prstGeom prst="rect">
+            <a:avLst/>
+          </a:prstGeom>
+          <a:noFill/>
+        </p:spPr>
+        <p:txBody>
+          <a:bodyPr wrap="square" rtlCol="0">
+            <a:spAutoFit/>
+          </a:bodyPr>
+          <a:lstStyle/>
+          <a:p>
+            <a:r>
+              <a:rPr lang="en-US" dirty="0"/>
+              <a:t>Hosting Env.</a:t>
+            </a:r>
+          </a:p>
+        </p:txBody>
+      </p:sp>
+      <p:sp>
+        <p:nvSpPr>
+          <p:cNvPr id="5" name="Right Arrow 4">
+            <a:extLst>
+              <a:ext uri="{FF2B5EF4-FFF2-40B4-BE49-F238E27FC236}">
+                <a16:creationId xmlns:a16="http://schemas.microsoft.com/office/drawing/2014/main" id="{053551D8-336E-5A6D-178F-219EE008476F}"/>
+              </a:ext>
+            </a:extLst>
+          </p:cNvPr>
+          <p:cNvSpPr/>
+          <p:nvPr/>
+        </p:nvSpPr>
+        <p:spPr>
+          <a:xfrm>
+            <a:off x="0" y="1019503"/>
+            <a:ext cx="1650124" cy="462456"/>
+          </a:xfrm>
+          <a:prstGeom prst="rightArrow">
+            <a:avLst/>
+          </a:prstGeom>
+        </p:spPr>
+        <p:style>
+          <a:lnRef idx="2">
+            <a:schemeClr val="accent1">
+              <a:shade val="50000"/>
+            </a:schemeClr>
+          </a:lnRef>
+          <a:fillRef idx="1">
+            <a:schemeClr val="accent1"/>
+          </a:fillRef>
+          <a:effectRef idx="0">
+            <a:schemeClr val="accent1"/>
+          </a:effectRef>
+          <a:fontRef idx="minor">
+            <a:schemeClr val="lt1"/>
+          </a:fontRef>
+        </p:style>
+        <p:txBody>
+          <a:bodyPr rtlCol="0" anchor="ctr"/>
+          <a:lstStyle/>
+          <a:p>
+            <a:pPr algn="ctr"/>
+            <a:r>
+              <a:rPr lang="en-US" dirty="0"/>
+              <a:t>Request</a:t>
+            </a:r>
+          </a:p>
+        </p:txBody>
+      </p:sp>
+      <p:sp>
+        <p:nvSpPr>
+          <p:cNvPr id="6" name="Rectangle 5">
+            <a:extLst>
+              <a:ext uri="{FF2B5EF4-FFF2-40B4-BE49-F238E27FC236}">
+                <a16:creationId xmlns:a16="http://schemas.microsoft.com/office/drawing/2014/main" id="{4734225C-1FF9-C1E3-D4D8-BA468F9720FF}"/>
+              </a:ext>
+            </a:extLst>
+          </p:cNvPr>
+          <p:cNvSpPr/>
+          <p:nvPr/>
+        </p:nvSpPr>
+        <p:spPr>
+          <a:xfrm>
+            <a:off x="1933903" y="746233"/>
+            <a:ext cx="4382807" cy="2388787"/>
+          </a:xfrm>
+          <a:prstGeom prst="rect">
+            <a:avLst/>
+          </a:prstGeom>
+        </p:spPr>
+        <p:style>
+          <a:lnRef idx="3">
+            <a:schemeClr val="lt1"/>
+          </a:lnRef>
+          <a:fillRef idx="1">
+            <a:schemeClr val="accent6"/>
+          </a:fillRef>
+          <a:effectRef idx="1">
+            <a:schemeClr val="accent6"/>
+          </a:effectRef>
+          <a:fontRef idx="minor">
+            <a:schemeClr val="lt1"/>
+          </a:fontRef>
+        </p:style>
+        <p:txBody>
+          <a:bodyPr rtlCol="0" anchor="ctr"/>
+          <a:lstStyle/>
+          <a:p>
+            <a:pPr algn="ctr"/>
+            <a:endParaRPr lang="en-US" b="1" dirty="0"/>
+          </a:p>
+        </p:txBody>
+      </p:sp>
+      <p:sp>
+        <p:nvSpPr>
+          <p:cNvPr id="7" name="Rectangle 6">
+            <a:extLst>
+              <a:ext uri="{FF2B5EF4-FFF2-40B4-BE49-F238E27FC236}">
+                <a16:creationId xmlns:a16="http://schemas.microsoft.com/office/drawing/2014/main" id="{D8ED4051-5114-44AC-0968-E3F0C71600D3}"/>
+              </a:ext>
+            </a:extLst>
+          </p:cNvPr>
+          <p:cNvSpPr/>
+          <p:nvPr/>
+        </p:nvSpPr>
+        <p:spPr>
+          <a:xfrm>
+            <a:off x="7052442" y="746233"/>
+            <a:ext cx="4572000" cy="2388787"/>
+          </a:xfrm>
+          <a:prstGeom prst="rect">
+            <a:avLst/>
+          </a:prstGeom>
+        </p:spPr>
+        <p:style>
+          <a:lnRef idx="0">
+            <a:schemeClr val="accent2"/>
+          </a:lnRef>
+          <a:fillRef idx="3">
+            <a:schemeClr val="accent2"/>
+          </a:fillRef>
+          <a:effectRef idx="3">
+            <a:schemeClr val="accent2"/>
+          </a:effectRef>
+          <a:fontRef idx="minor">
+            <a:schemeClr val="lt1"/>
+          </a:fontRef>
+        </p:style>
+        <p:txBody>
+          <a:bodyPr rtlCol="0" anchor="ctr"/>
+          <a:lstStyle/>
+          <a:p>
+            <a:pPr algn="ctr"/>
+            <a:endParaRPr lang="en-US" b="1" dirty="0"/>
+          </a:p>
+        </p:txBody>
+      </p:sp>
+      <p:cxnSp>
+        <p:nvCxnSpPr>
+          <p:cNvPr id="9" name="Straight Arrow Connector 8">
+            <a:extLst>
+              <a:ext uri="{FF2B5EF4-FFF2-40B4-BE49-F238E27FC236}">
+                <a16:creationId xmlns:a16="http://schemas.microsoft.com/office/drawing/2014/main" id="{C025932B-3DBD-426C-6191-A9926BABB9D2}"/>
+              </a:ext>
+            </a:extLst>
+          </p:cNvPr>
+          <p:cNvCxnSpPr>
+            <a:cxnSpLocks/>
+            <a:stCxn id="6" idx="3"/>
+            <a:endCxn id="7" idx="1"/>
+          </p:cNvCxnSpPr>
+          <p:nvPr/>
+        </p:nvCxnSpPr>
+        <p:spPr>
+          <a:xfrm>
+            <a:off x="6316710" y="1940627"/>
+            <a:ext cx="735732" cy="0"/>
+          </a:xfrm>
+          <a:prstGeom prst="straightConnector1">
+            <a:avLst/>
+          </a:prstGeom>
+          <a:ln w="76200">
+            <a:tailEnd type="triangle"/>
+          </a:ln>
+        </p:spPr>
+        <p:style>
+          <a:lnRef idx="1">
+            <a:schemeClr val="accent1"/>
+          </a:lnRef>
+          <a:fillRef idx="0">
+            <a:schemeClr val="accent1"/>
+          </a:fillRef>
+          <a:effectRef idx="0">
+            <a:schemeClr val="accent1"/>
+          </a:effectRef>
+          <a:fontRef idx="minor">
+            <a:schemeClr val="tx1"/>
+          </a:fontRef>
+        </p:style>
+      </p:cxnSp>
+      <p:sp>
+        <p:nvSpPr>
+          <p:cNvPr id="10" name="Rounded Rectangle 9">
+            <a:extLst>
+              <a:ext uri="{FF2B5EF4-FFF2-40B4-BE49-F238E27FC236}">
+                <a16:creationId xmlns:a16="http://schemas.microsoft.com/office/drawing/2014/main" id="{2C796001-77BB-A715-775F-8CA98314C5C6}"/>
+              </a:ext>
+            </a:extLst>
+          </p:cNvPr>
+          <p:cNvSpPr/>
+          <p:nvPr/>
+        </p:nvSpPr>
+        <p:spPr>
+          <a:xfrm>
+            <a:off x="1933903" y="3701021"/>
+            <a:ext cx="9785133" cy="2899780"/>
+          </a:xfrm>
+          <a:prstGeom prst="roundRect">
+            <a:avLst>
+              <a:gd name="adj" fmla="val 2315"/>
+            </a:avLst>
+          </a:prstGeom>
+        </p:spPr>
+        <p:style>
+          <a:lnRef idx="1">
+            <a:schemeClr val="dk1"/>
+          </a:lnRef>
+          <a:fillRef idx="2">
+            <a:schemeClr val="dk1"/>
+          </a:fillRef>
+          <a:effectRef idx="1">
+            <a:schemeClr val="dk1"/>
+          </a:effectRef>
+          <a:fontRef idx="minor">
+            <a:schemeClr val="dk1"/>
+          </a:fontRef>
+        </p:style>
+        <p:txBody>
+          <a:bodyPr rtlCol="0" anchor="ctr"/>
+          <a:lstStyle/>
+          <a:p>
+            <a:pPr algn="ctr"/>
+            <a:endParaRPr lang="en-US" b="1" dirty="0"/>
+          </a:p>
+        </p:txBody>
+      </p:sp>
+      <p:sp>
+        <p:nvSpPr>
+          <p:cNvPr id="17" name="Left Arrow 16">
+            <a:extLst>
+              <a:ext uri="{FF2B5EF4-FFF2-40B4-BE49-F238E27FC236}">
+                <a16:creationId xmlns:a16="http://schemas.microsoft.com/office/drawing/2014/main" id="{88B0D5C1-798C-B7F9-77FA-92FF1596934E}"/>
+              </a:ext>
+            </a:extLst>
+          </p:cNvPr>
+          <p:cNvSpPr/>
+          <p:nvPr/>
+        </p:nvSpPr>
+        <p:spPr>
+          <a:xfrm>
+            <a:off x="0" y="5838497"/>
+            <a:ext cx="1650124" cy="493987"/>
+          </a:xfrm>
+          <a:prstGeom prst="leftArrow">
+            <a:avLst/>
+          </a:prstGeom>
+        </p:spPr>
+        <p:style>
+          <a:lnRef idx="2">
+            <a:schemeClr val="accent1">
+              <a:shade val="50000"/>
+            </a:schemeClr>
+          </a:lnRef>
+          <a:fillRef idx="1">
+            <a:schemeClr val="accent1"/>
+          </a:fillRef>
+          <a:effectRef idx="0">
+            <a:schemeClr val="accent1"/>
+          </a:effectRef>
+          <a:fontRef idx="minor">
+            <a:schemeClr val="lt1"/>
+          </a:fontRef>
+        </p:style>
+        <p:txBody>
+          <a:bodyPr rtlCol="0" anchor="ctr"/>
+          <a:lstStyle/>
+          <a:p>
+            <a:pPr algn="ctr"/>
+            <a:r>
+              <a:rPr lang="en-US" dirty="0"/>
+              <a:t>Response</a:t>
+            </a:r>
+          </a:p>
+        </p:txBody>
+      </p:sp>
+      <p:sp>
+        <p:nvSpPr>
+          <p:cNvPr id="18" name="TextBox 17">
+            <a:extLst>
+              <a:ext uri="{FF2B5EF4-FFF2-40B4-BE49-F238E27FC236}">
+                <a16:creationId xmlns:a16="http://schemas.microsoft.com/office/drawing/2014/main" id="{91F68FD6-7B07-6F11-5B67-5A04456FB99B}"/>
+              </a:ext>
+            </a:extLst>
+          </p:cNvPr>
+          <p:cNvSpPr txBox="1"/>
+          <p:nvPr/>
+        </p:nvSpPr>
+        <p:spPr>
+          <a:xfrm>
+            <a:off x="1933903" y="843767"/>
+            <a:ext cx="4382806" cy="261610"/>
+          </a:xfrm>
+          <a:prstGeom prst="rect">
+            <a:avLst/>
+          </a:prstGeom>
+          <a:noFill/>
+        </p:spPr>
+        <p:txBody>
+          <a:bodyPr wrap="square" rtlCol="0">
+            <a:spAutoFit/>
+          </a:bodyPr>
+          <a:lstStyle/>
+          <a:p>
+            <a:pPr algn="ctr"/>
+            <a:r>
+              <a:rPr lang="en-US" sz="1100" b="1" dirty="0"/>
+              <a:t>Dependency Container</a:t>
+            </a:r>
+          </a:p>
+        </p:txBody>
+      </p:sp>
+      <p:sp>
+        <p:nvSpPr>
+          <p:cNvPr id="19" name="Rounded Rectangle 18">
+            <a:extLst>
+              <a:ext uri="{FF2B5EF4-FFF2-40B4-BE49-F238E27FC236}">
+                <a16:creationId xmlns:a16="http://schemas.microsoft.com/office/drawing/2014/main" id="{9A4AC800-99A5-C4C8-B6B3-FC6C2153F98B}"/>
+              </a:ext>
+            </a:extLst>
+          </p:cNvPr>
+          <p:cNvSpPr/>
+          <p:nvPr/>
+        </p:nvSpPr>
+        <p:spPr>
+          <a:xfrm>
+            <a:off x="2017986" y="1096863"/>
+            <a:ext cx="1082566" cy="385096"/>
+          </a:xfrm>
+          <a:prstGeom prst="roundRect">
+            <a:avLst/>
+          </a:prstGeom>
+        </p:spPr>
+        <p:style>
+          <a:lnRef idx="2">
+            <a:schemeClr val="accent1">
+              <a:shade val="50000"/>
+            </a:schemeClr>
+          </a:lnRef>
+          <a:fillRef idx="1">
+            <a:schemeClr val="accent1"/>
+          </a:fillRef>
+          <a:effectRef idx="0">
+            <a:schemeClr val="accent1"/>
+          </a:effectRef>
+          <a:fontRef idx="minor">
+            <a:schemeClr val="lt1"/>
+          </a:fontRef>
+        </p:style>
+        <p:txBody>
+          <a:bodyPr rtlCol="0" anchor="ctr"/>
+          <a:lstStyle/>
+          <a:p>
+            <a:pPr algn="ctr"/>
+            <a:r>
+              <a:rPr lang="en-US" sz="1400" b="1" dirty="0"/>
+              <a:t>Data Access</a:t>
+            </a:r>
+          </a:p>
+        </p:txBody>
+      </p:sp>
+      <p:sp>
+        <p:nvSpPr>
+          <p:cNvPr id="20" name="Rounded Rectangle 19">
+            <a:extLst>
+              <a:ext uri="{FF2B5EF4-FFF2-40B4-BE49-F238E27FC236}">
+                <a16:creationId xmlns:a16="http://schemas.microsoft.com/office/drawing/2014/main" id="{A7C0DFC0-6AEF-E098-E381-216FDDB617AA}"/>
+              </a:ext>
+            </a:extLst>
+          </p:cNvPr>
+          <p:cNvSpPr/>
+          <p:nvPr/>
+        </p:nvSpPr>
+        <p:spPr>
+          <a:xfrm>
+            <a:off x="3208287" y="1105377"/>
+            <a:ext cx="1082566" cy="385096"/>
+          </a:xfrm>
+          <a:prstGeom prst="roundRect">
+            <a:avLst/>
+          </a:prstGeom>
+        </p:spPr>
+        <p:style>
+          <a:lnRef idx="2">
+            <a:schemeClr val="accent1">
+              <a:shade val="50000"/>
+            </a:schemeClr>
+          </a:lnRef>
+          <a:fillRef idx="1">
+            <a:schemeClr val="accent1"/>
+          </a:fillRef>
+          <a:effectRef idx="0">
+            <a:schemeClr val="accent1"/>
+          </a:effectRef>
+          <a:fontRef idx="minor">
+            <a:schemeClr val="lt1"/>
+          </a:fontRef>
+        </p:style>
+        <p:txBody>
+          <a:bodyPr rtlCol="0" anchor="ctr"/>
+          <a:lstStyle/>
+          <a:p>
+            <a:pPr algn="ctr"/>
+            <a:r>
+              <a:rPr lang="en-US" sz="1400" b="1" dirty="0"/>
+              <a:t>Identity</a:t>
+            </a:r>
+          </a:p>
+        </p:txBody>
+      </p:sp>
+      <p:sp>
+        <p:nvSpPr>
+          <p:cNvPr id="21" name="Rounded Rectangle 20">
+            <a:extLst>
+              <a:ext uri="{FF2B5EF4-FFF2-40B4-BE49-F238E27FC236}">
+                <a16:creationId xmlns:a16="http://schemas.microsoft.com/office/drawing/2014/main" id="{EA4EF116-A1C3-55A3-C413-1EE601F07120}"/>
+              </a:ext>
+            </a:extLst>
+          </p:cNvPr>
+          <p:cNvSpPr/>
+          <p:nvPr/>
+        </p:nvSpPr>
+        <p:spPr>
+          <a:xfrm>
+            <a:off x="4398586" y="1112526"/>
+            <a:ext cx="1082566" cy="385096"/>
+          </a:xfrm>
+          <a:prstGeom prst="roundRect">
+            <a:avLst/>
+          </a:prstGeom>
+        </p:spPr>
+        <p:style>
+          <a:lnRef idx="2">
+            <a:schemeClr val="accent1">
+              <a:shade val="50000"/>
+            </a:schemeClr>
+          </a:lnRef>
+          <a:fillRef idx="1">
+            <a:schemeClr val="accent1"/>
+          </a:fillRef>
+          <a:effectRef idx="0">
+            <a:schemeClr val="accent1"/>
+          </a:effectRef>
+          <a:fontRef idx="minor">
+            <a:schemeClr val="lt1"/>
+          </a:fontRef>
+        </p:style>
+        <p:txBody>
+          <a:bodyPr rtlCol="0" anchor="ctr"/>
+          <a:lstStyle/>
+          <a:p>
+            <a:pPr algn="ctr"/>
+            <a:r>
+              <a:rPr lang="en-US" sz="1400" b="1" dirty="0"/>
+              <a:t>Sessions***</a:t>
+            </a:r>
+          </a:p>
+        </p:txBody>
+      </p:sp>
+      <p:sp>
+        <p:nvSpPr>
+          <p:cNvPr id="22" name="Rounded Rectangle 21">
+            <a:extLst>
+              <a:ext uri="{FF2B5EF4-FFF2-40B4-BE49-F238E27FC236}">
+                <a16:creationId xmlns:a16="http://schemas.microsoft.com/office/drawing/2014/main" id="{0A598606-34D4-D3AD-5264-37130F53B267}"/>
+              </a:ext>
+            </a:extLst>
+          </p:cNvPr>
+          <p:cNvSpPr/>
+          <p:nvPr/>
+        </p:nvSpPr>
+        <p:spPr>
+          <a:xfrm>
+            <a:off x="2017986" y="1641931"/>
+            <a:ext cx="1082566" cy="385096"/>
+          </a:xfrm>
+          <a:prstGeom prst="roundRect">
+            <a:avLst/>
+          </a:prstGeom>
+        </p:spPr>
+        <p:style>
+          <a:lnRef idx="2">
+            <a:schemeClr val="accent1">
+              <a:shade val="50000"/>
+            </a:schemeClr>
+          </a:lnRef>
+          <a:fillRef idx="1">
+            <a:schemeClr val="accent1"/>
+          </a:fillRef>
+          <a:effectRef idx="0">
+            <a:schemeClr val="accent1"/>
+          </a:effectRef>
+          <a:fontRef idx="minor">
+            <a:schemeClr val="lt1"/>
+          </a:fontRef>
+        </p:style>
+        <p:txBody>
+          <a:bodyPr rtlCol="0" anchor="ctr"/>
+          <a:lstStyle/>
+          <a:p>
+            <a:pPr algn="ctr"/>
+            <a:r>
+              <a:rPr lang="en-US" sz="1400" b="1" dirty="0"/>
+              <a:t>Caching</a:t>
+            </a:r>
+          </a:p>
+        </p:txBody>
+      </p:sp>
+      <p:sp>
+        <p:nvSpPr>
+          <p:cNvPr id="23" name="Rounded Rectangle 22">
+            <a:extLst>
+              <a:ext uri="{FF2B5EF4-FFF2-40B4-BE49-F238E27FC236}">
+                <a16:creationId xmlns:a16="http://schemas.microsoft.com/office/drawing/2014/main" id="{C0BF6C59-3F0C-A42D-7684-C8B3F214E8F5}"/>
+              </a:ext>
+            </a:extLst>
+          </p:cNvPr>
+          <p:cNvSpPr/>
+          <p:nvPr/>
+        </p:nvSpPr>
+        <p:spPr>
+          <a:xfrm>
+            <a:off x="3184635" y="1664743"/>
+            <a:ext cx="1082566" cy="385096"/>
+          </a:xfrm>
+          <a:prstGeom prst="roundRect">
+            <a:avLst/>
+          </a:prstGeom>
+        </p:spPr>
+        <p:style>
+          <a:lnRef idx="2">
+            <a:schemeClr val="accent1">
+              <a:shade val="50000"/>
+            </a:schemeClr>
+          </a:lnRef>
+          <a:fillRef idx="1">
+            <a:schemeClr val="accent1"/>
+          </a:fillRef>
+          <a:effectRef idx="0">
+            <a:schemeClr val="accent1"/>
+          </a:effectRef>
+          <a:fontRef idx="minor">
+            <a:schemeClr val="lt1"/>
+          </a:fontRef>
+        </p:style>
+        <p:txBody>
+          <a:bodyPr rtlCol="0" anchor="ctr"/>
+          <a:lstStyle/>
+          <a:p>
+            <a:pPr algn="ctr"/>
+            <a:r>
+              <a:rPr lang="en-US" sz="1400" b="1" dirty="0"/>
+              <a:t>CORS **</a:t>
+            </a:r>
+          </a:p>
+        </p:txBody>
+      </p:sp>
+      <p:sp>
+        <p:nvSpPr>
+          <p:cNvPr id="24" name="Rounded Rectangle 23">
+            <a:extLst>
+              <a:ext uri="{FF2B5EF4-FFF2-40B4-BE49-F238E27FC236}">
+                <a16:creationId xmlns:a16="http://schemas.microsoft.com/office/drawing/2014/main" id="{9058B2D2-5E4C-B120-47DF-E23DB8AC5517}"/>
+              </a:ext>
+            </a:extLst>
+          </p:cNvPr>
+          <p:cNvSpPr/>
+          <p:nvPr/>
+        </p:nvSpPr>
+        <p:spPr>
+          <a:xfrm>
+            <a:off x="4361797" y="1657594"/>
+            <a:ext cx="1818285" cy="385096"/>
+          </a:xfrm>
+          <a:prstGeom prst="roundRect">
+            <a:avLst/>
+          </a:prstGeom>
+        </p:spPr>
+        <p:style>
+          <a:lnRef idx="2">
+            <a:schemeClr val="accent1">
+              <a:shade val="50000"/>
+            </a:schemeClr>
+          </a:lnRef>
+          <a:fillRef idx="1">
+            <a:schemeClr val="accent1"/>
+          </a:fillRef>
+          <a:effectRef idx="0">
+            <a:schemeClr val="accent1"/>
+          </a:effectRef>
+          <a:fontRef idx="minor">
+            <a:schemeClr val="lt1"/>
+          </a:fontRef>
+        </p:style>
+        <p:txBody>
+          <a:bodyPr rtlCol="0" anchor="ctr"/>
+          <a:lstStyle/>
+          <a:p>
+            <a:pPr algn="ctr"/>
+            <a:r>
+              <a:rPr lang="en-US" sz="1400" b="1" dirty="0"/>
+              <a:t>Custom Services OR Repositories</a:t>
+            </a:r>
+          </a:p>
+        </p:txBody>
+      </p:sp>
+      <p:sp>
+        <p:nvSpPr>
+          <p:cNvPr id="25" name="Rounded Rectangle 24">
+            <a:extLst>
+              <a:ext uri="{FF2B5EF4-FFF2-40B4-BE49-F238E27FC236}">
+                <a16:creationId xmlns:a16="http://schemas.microsoft.com/office/drawing/2014/main" id="{292DFC0C-B3D6-1FD3-AF1F-955C8885ED83}"/>
+              </a:ext>
+            </a:extLst>
+          </p:cNvPr>
+          <p:cNvSpPr/>
+          <p:nvPr/>
+        </p:nvSpPr>
+        <p:spPr>
+          <a:xfrm>
+            <a:off x="2028498" y="2151156"/>
+            <a:ext cx="1397873" cy="385096"/>
+          </a:xfrm>
+          <a:prstGeom prst="roundRect">
+            <a:avLst/>
+          </a:prstGeom>
+        </p:spPr>
+        <p:style>
+          <a:lnRef idx="2">
+            <a:schemeClr val="accent1">
+              <a:shade val="50000"/>
+            </a:schemeClr>
+          </a:lnRef>
+          <a:fillRef idx="1">
+            <a:schemeClr val="accent1"/>
+          </a:fillRef>
+          <a:effectRef idx="0">
+            <a:schemeClr val="accent1"/>
+          </a:effectRef>
+          <a:fontRef idx="minor">
+            <a:schemeClr val="lt1"/>
+          </a:fontRef>
+        </p:style>
+        <p:txBody>
+          <a:bodyPr rtlCol="0" anchor="ctr"/>
+          <a:lstStyle/>
+          <a:p>
+            <a:pPr algn="ctr"/>
+            <a:r>
+              <a:rPr lang="en-US" sz="1400" b="1" dirty="0"/>
+              <a:t>External OR Third Party</a:t>
+            </a:r>
+          </a:p>
+        </p:txBody>
+      </p:sp>
+      <p:sp>
+        <p:nvSpPr>
+          <p:cNvPr id="26" name="Rounded Rectangle 25">
+            <a:extLst>
+              <a:ext uri="{FF2B5EF4-FFF2-40B4-BE49-F238E27FC236}">
+                <a16:creationId xmlns:a16="http://schemas.microsoft.com/office/drawing/2014/main" id="{CB495BA0-82BB-8944-94EC-64CF551EAFE8}"/>
+              </a:ext>
+            </a:extLst>
+          </p:cNvPr>
+          <p:cNvSpPr/>
+          <p:nvPr/>
+        </p:nvSpPr>
+        <p:spPr>
+          <a:xfrm>
+            <a:off x="3494688" y="2136975"/>
+            <a:ext cx="2601312" cy="385096"/>
+          </a:xfrm>
+          <a:prstGeom prst="roundRect">
+            <a:avLst/>
+          </a:prstGeom>
+        </p:spPr>
+        <p:style>
+          <a:lnRef idx="2">
+            <a:schemeClr val="accent1">
+              <a:shade val="50000"/>
+            </a:schemeClr>
+          </a:lnRef>
+          <a:fillRef idx="1">
+            <a:schemeClr val="accent1"/>
+          </a:fillRef>
+          <a:effectRef idx="0">
+            <a:schemeClr val="accent1"/>
+          </a:effectRef>
+          <a:fontRef idx="minor">
+            <a:schemeClr val="lt1"/>
+          </a:fontRef>
+        </p:style>
+        <p:txBody>
+          <a:bodyPr rtlCol="0" anchor="ctr"/>
+          <a:lstStyle/>
+          <a:p>
+            <a:pPr algn="ctr"/>
+            <a:r>
+              <a:rPr lang="en-US" sz="1400" b="1" dirty="0"/>
+              <a:t>MVC Controllers with View, API Controllers, Razor Views</a:t>
+            </a:r>
+          </a:p>
+        </p:txBody>
+      </p:sp>
+      <p:sp>
+        <p:nvSpPr>
+          <p:cNvPr id="28" name="Rounded Rectangle 27">
+            <a:extLst>
+              <a:ext uri="{FF2B5EF4-FFF2-40B4-BE49-F238E27FC236}">
+                <a16:creationId xmlns:a16="http://schemas.microsoft.com/office/drawing/2014/main" id="{A4B4C317-411E-46D7-6E22-B97C71DE63AA}"/>
+              </a:ext>
+            </a:extLst>
+          </p:cNvPr>
+          <p:cNvSpPr/>
+          <p:nvPr/>
+        </p:nvSpPr>
+        <p:spPr>
+          <a:xfrm>
+            <a:off x="1996966" y="2660909"/>
+            <a:ext cx="4099034" cy="385096"/>
+          </a:xfrm>
+          <a:prstGeom prst="roundRect">
+            <a:avLst/>
+          </a:prstGeom>
+        </p:spPr>
+        <p:style>
+          <a:lnRef idx="2">
+            <a:schemeClr val="accent1">
+              <a:shade val="50000"/>
+            </a:schemeClr>
+          </a:lnRef>
+          <a:fillRef idx="1">
+            <a:schemeClr val="accent1"/>
+          </a:fillRef>
+          <a:effectRef idx="0">
+            <a:schemeClr val="accent1"/>
+          </a:effectRef>
+          <a:fontRef idx="minor">
+            <a:schemeClr val="lt1"/>
+          </a:fontRef>
+        </p:style>
+        <p:txBody>
+          <a:bodyPr rtlCol="0" anchor="ctr"/>
+          <a:lstStyle/>
+          <a:p>
+            <a:pPr algn="ctr"/>
+            <a:r>
+              <a:rPr lang="en-US" sz="1400" b="1" dirty="0"/>
+              <a:t>…. And many more as per the need</a:t>
+            </a:r>
+          </a:p>
+        </p:txBody>
+      </p:sp>
+      <p:sp>
+        <p:nvSpPr>
+          <p:cNvPr id="35" name="TextBox 34">
+            <a:extLst>
+              <a:ext uri="{FF2B5EF4-FFF2-40B4-BE49-F238E27FC236}">
+                <a16:creationId xmlns:a16="http://schemas.microsoft.com/office/drawing/2014/main" id="{6EDF09F6-FBF3-D87E-52EF-D2376F17AFD5}"/>
+              </a:ext>
+            </a:extLst>
+          </p:cNvPr>
+          <p:cNvSpPr txBox="1"/>
+          <p:nvPr/>
+        </p:nvSpPr>
+        <p:spPr>
+          <a:xfrm>
+            <a:off x="7062951" y="843767"/>
+            <a:ext cx="4477408" cy="261610"/>
+          </a:xfrm>
+          <a:prstGeom prst="rect">
+            <a:avLst/>
+          </a:prstGeom>
+          <a:noFill/>
+        </p:spPr>
+        <p:txBody>
+          <a:bodyPr wrap="square" rtlCol="0">
+            <a:spAutoFit/>
+          </a:bodyPr>
+          <a:lstStyle/>
+          <a:p>
+            <a:pPr algn="ctr"/>
+            <a:r>
+              <a:rPr lang="en-US" sz="1100" b="1" dirty="0"/>
+              <a:t>Middleware’s  HTTP Pipeline Object Models</a:t>
+            </a:r>
+          </a:p>
+        </p:txBody>
+      </p:sp>
+      <p:sp>
+        <p:nvSpPr>
+          <p:cNvPr id="36" name="Rounded Rectangle 35">
+            <a:extLst>
+              <a:ext uri="{FF2B5EF4-FFF2-40B4-BE49-F238E27FC236}">
+                <a16:creationId xmlns:a16="http://schemas.microsoft.com/office/drawing/2014/main" id="{F0F5C811-0D07-FF1F-63ED-5A6586A350A7}"/>
+              </a:ext>
+            </a:extLst>
+          </p:cNvPr>
+          <p:cNvSpPr/>
+          <p:nvPr/>
+        </p:nvSpPr>
+        <p:spPr>
+          <a:xfrm>
+            <a:off x="7062951" y="1058183"/>
+            <a:ext cx="1082566" cy="385096"/>
+          </a:xfrm>
+          <a:prstGeom prst="roundRect">
+            <a:avLst/>
+          </a:prstGeom>
+          <a:solidFill>
+            <a:srgbClr val="FFFF00"/>
+          </a:solidFill>
+        </p:spPr>
+        <p:style>
+          <a:lnRef idx="2">
+            <a:schemeClr val="accent1">
+              <a:shade val="50000"/>
+            </a:schemeClr>
+          </a:lnRef>
+          <a:fillRef idx="1">
+            <a:schemeClr val="accent1"/>
+          </a:fillRef>
+          <a:effectRef idx="0">
+            <a:schemeClr val="accent1"/>
+          </a:effectRef>
+          <a:fontRef idx="minor">
+            <a:schemeClr val="lt1"/>
+          </a:fontRef>
+        </p:style>
+        <p:txBody>
+          <a:bodyPr rtlCol="0" anchor="ctr"/>
+          <a:lstStyle/>
+          <a:p>
+            <a:pPr algn="ctr"/>
+            <a:r>
+              <a:rPr lang="en-US" sz="1400" b="1" dirty="0">
+                <a:solidFill>
+                  <a:srgbClr val="FF0000"/>
+                </a:solidFill>
+              </a:rPr>
+              <a:t>Exception</a:t>
+            </a:r>
+          </a:p>
+        </p:txBody>
+      </p:sp>
+      <p:sp>
+        <p:nvSpPr>
+          <p:cNvPr id="37" name="Rounded Rectangle 36">
+            <a:extLst>
+              <a:ext uri="{FF2B5EF4-FFF2-40B4-BE49-F238E27FC236}">
+                <a16:creationId xmlns:a16="http://schemas.microsoft.com/office/drawing/2014/main" id="{9C3EA190-C33F-708F-E805-DA6C38295D40}"/>
+              </a:ext>
+            </a:extLst>
+          </p:cNvPr>
+          <p:cNvSpPr/>
+          <p:nvPr/>
+        </p:nvSpPr>
+        <p:spPr>
+          <a:xfrm>
+            <a:off x="8240109" y="1058183"/>
+            <a:ext cx="1082566" cy="385096"/>
+          </a:xfrm>
+          <a:prstGeom prst="roundRect">
+            <a:avLst/>
+          </a:prstGeom>
+          <a:solidFill>
+            <a:srgbClr val="FFFF00"/>
+          </a:solidFill>
+        </p:spPr>
+        <p:style>
+          <a:lnRef idx="2">
+            <a:schemeClr val="accent1">
+              <a:shade val="50000"/>
+            </a:schemeClr>
+          </a:lnRef>
+          <a:fillRef idx="1">
+            <a:schemeClr val="accent1"/>
+          </a:fillRef>
+          <a:effectRef idx="0">
+            <a:schemeClr val="accent1"/>
+          </a:effectRef>
+          <a:fontRef idx="minor">
+            <a:schemeClr val="lt1"/>
+          </a:fontRef>
+        </p:style>
+        <p:txBody>
+          <a:bodyPr rtlCol="0" anchor="ctr"/>
+          <a:lstStyle/>
+          <a:p>
+            <a:pPr algn="ctr"/>
+            <a:r>
+              <a:rPr lang="en-US" sz="1400" b="1" dirty="0">
+                <a:solidFill>
+                  <a:srgbClr val="FF0000"/>
+                </a:solidFill>
+              </a:rPr>
+              <a:t>HSTS</a:t>
+            </a:r>
+          </a:p>
+        </p:txBody>
+      </p:sp>
+      <p:sp>
+        <p:nvSpPr>
+          <p:cNvPr id="38" name="Rounded Rectangle 37">
+            <a:extLst>
+              <a:ext uri="{FF2B5EF4-FFF2-40B4-BE49-F238E27FC236}">
+                <a16:creationId xmlns:a16="http://schemas.microsoft.com/office/drawing/2014/main" id="{56C4ADCD-BDDB-0F79-DC66-2558E9A7EE6B}"/>
+              </a:ext>
+            </a:extLst>
+          </p:cNvPr>
+          <p:cNvSpPr/>
+          <p:nvPr/>
+        </p:nvSpPr>
+        <p:spPr>
+          <a:xfrm>
+            <a:off x="9427777" y="1053251"/>
+            <a:ext cx="1618594" cy="385096"/>
+          </a:xfrm>
+          <a:prstGeom prst="roundRect">
+            <a:avLst/>
+          </a:prstGeom>
+          <a:solidFill>
+            <a:srgbClr val="FFFF00"/>
+          </a:solidFill>
+        </p:spPr>
+        <p:style>
+          <a:lnRef idx="2">
+            <a:schemeClr val="accent1">
+              <a:shade val="50000"/>
+            </a:schemeClr>
+          </a:lnRef>
+          <a:fillRef idx="1">
+            <a:schemeClr val="accent1"/>
+          </a:fillRef>
+          <a:effectRef idx="0">
+            <a:schemeClr val="accent1"/>
+          </a:effectRef>
+          <a:fontRef idx="minor">
+            <a:schemeClr val="lt1"/>
+          </a:fontRef>
+        </p:style>
+        <p:txBody>
+          <a:bodyPr rtlCol="0" anchor="ctr"/>
+          <a:lstStyle/>
+          <a:p>
+            <a:pPr algn="ctr"/>
+            <a:r>
+              <a:rPr lang="en-US" sz="1400" b="1" dirty="0" err="1">
+                <a:solidFill>
+                  <a:srgbClr val="FF0000"/>
+                </a:solidFill>
+              </a:rPr>
+              <a:t>HttpsRedirection</a:t>
+            </a:r>
+            <a:endParaRPr lang="en-US" sz="1400" b="1" dirty="0">
+              <a:solidFill>
+                <a:srgbClr val="FF0000"/>
+              </a:solidFill>
+            </a:endParaRPr>
+          </a:p>
+        </p:txBody>
+      </p:sp>
+      <p:sp>
+        <p:nvSpPr>
+          <p:cNvPr id="39" name="Rounded Rectangle 38">
+            <a:extLst>
+              <a:ext uri="{FF2B5EF4-FFF2-40B4-BE49-F238E27FC236}">
+                <a16:creationId xmlns:a16="http://schemas.microsoft.com/office/drawing/2014/main" id="{533A9ED9-DC8B-DC30-6DFF-B6B1C21EB9EE}"/>
+              </a:ext>
+            </a:extLst>
+          </p:cNvPr>
+          <p:cNvSpPr/>
+          <p:nvPr/>
+        </p:nvSpPr>
+        <p:spPr>
+          <a:xfrm>
+            <a:off x="7115500" y="1570874"/>
+            <a:ext cx="1030017" cy="385096"/>
+          </a:xfrm>
+          <a:prstGeom prst="roundRect">
+            <a:avLst/>
+          </a:prstGeom>
+          <a:solidFill>
+            <a:srgbClr val="FFFF00"/>
+          </a:solidFill>
+        </p:spPr>
+        <p:style>
+          <a:lnRef idx="2">
+            <a:schemeClr val="accent1">
+              <a:shade val="50000"/>
+            </a:schemeClr>
+          </a:lnRef>
+          <a:fillRef idx="1">
+            <a:schemeClr val="accent1"/>
+          </a:fillRef>
+          <a:effectRef idx="0">
+            <a:schemeClr val="accent1"/>
+          </a:effectRef>
+          <a:fontRef idx="minor">
+            <a:schemeClr val="lt1"/>
+          </a:fontRef>
+        </p:style>
+        <p:txBody>
+          <a:bodyPr rtlCol="0" anchor="ctr"/>
+          <a:lstStyle/>
+          <a:p>
+            <a:pPr algn="ctr"/>
+            <a:r>
+              <a:rPr lang="en-US" sz="1400" b="1" dirty="0">
+                <a:solidFill>
+                  <a:srgbClr val="FF0000"/>
+                </a:solidFill>
+              </a:rPr>
+              <a:t>CORS **</a:t>
+            </a:r>
+          </a:p>
+        </p:txBody>
+      </p:sp>
+      <p:sp>
+        <p:nvSpPr>
+          <p:cNvPr id="40" name="Rounded Rectangle 39">
+            <a:extLst>
+              <a:ext uri="{FF2B5EF4-FFF2-40B4-BE49-F238E27FC236}">
+                <a16:creationId xmlns:a16="http://schemas.microsoft.com/office/drawing/2014/main" id="{C117D28D-4A1E-FDA3-CABE-6A3EE40A10B5}"/>
+              </a:ext>
+            </a:extLst>
+          </p:cNvPr>
+          <p:cNvSpPr/>
+          <p:nvPr/>
+        </p:nvSpPr>
+        <p:spPr>
+          <a:xfrm>
+            <a:off x="8250621" y="1570874"/>
+            <a:ext cx="1030017" cy="385096"/>
+          </a:xfrm>
+          <a:prstGeom prst="roundRect">
+            <a:avLst/>
+          </a:prstGeom>
+          <a:solidFill>
+            <a:srgbClr val="FFFF00"/>
+          </a:solidFill>
+        </p:spPr>
+        <p:style>
+          <a:lnRef idx="2">
+            <a:schemeClr val="accent1">
+              <a:shade val="50000"/>
+            </a:schemeClr>
+          </a:lnRef>
+          <a:fillRef idx="1">
+            <a:schemeClr val="accent1"/>
+          </a:fillRef>
+          <a:effectRef idx="0">
+            <a:schemeClr val="accent1"/>
+          </a:effectRef>
+          <a:fontRef idx="minor">
+            <a:schemeClr val="lt1"/>
+          </a:fontRef>
+        </p:style>
+        <p:txBody>
+          <a:bodyPr rtlCol="0" anchor="ctr"/>
+          <a:lstStyle/>
+          <a:p>
+            <a:pPr algn="ctr"/>
+            <a:r>
+              <a:rPr lang="en-US" sz="1400" b="1" dirty="0">
+                <a:solidFill>
+                  <a:srgbClr val="FF0000"/>
+                </a:solidFill>
+              </a:rPr>
+              <a:t>Routing</a:t>
+            </a:r>
+          </a:p>
+        </p:txBody>
+      </p:sp>
+      <p:sp>
+        <p:nvSpPr>
+          <p:cNvPr id="41" name="Rounded Rectangle 40">
+            <a:extLst>
+              <a:ext uri="{FF2B5EF4-FFF2-40B4-BE49-F238E27FC236}">
+                <a16:creationId xmlns:a16="http://schemas.microsoft.com/office/drawing/2014/main" id="{49BACB6E-52B5-00B4-8A7A-2813519FED38}"/>
+              </a:ext>
+            </a:extLst>
+          </p:cNvPr>
+          <p:cNvSpPr/>
+          <p:nvPr/>
+        </p:nvSpPr>
+        <p:spPr>
+          <a:xfrm>
+            <a:off x="9427777" y="1530737"/>
+            <a:ext cx="1030017" cy="385096"/>
+          </a:xfrm>
+          <a:prstGeom prst="roundRect">
+            <a:avLst/>
+          </a:prstGeom>
+          <a:solidFill>
+            <a:srgbClr val="FFFF00"/>
+          </a:solidFill>
+        </p:spPr>
+        <p:style>
+          <a:lnRef idx="2">
+            <a:schemeClr val="accent1">
+              <a:shade val="50000"/>
+            </a:schemeClr>
+          </a:lnRef>
+          <a:fillRef idx="1">
+            <a:schemeClr val="accent1"/>
+          </a:fillRef>
+          <a:effectRef idx="0">
+            <a:schemeClr val="accent1"/>
+          </a:effectRef>
+          <a:fontRef idx="minor">
+            <a:schemeClr val="lt1"/>
+          </a:fontRef>
+        </p:style>
+        <p:txBody>
+          <a:bodyPr rtlCol="0" anchor="ctr"/>
+          <a:lstStyle/>
+          <a:p>
+            <a:pPr algn="ctr"/>
+            <a:r>
+              <a:rPr lang="en-US" sz="1400" b="1" dirty="0">
+                <a:solidFill>
+                  <a:srgbClr val="FF0000"/>
+                </a:solidFill>
+              </a:rPr>
+              <a:t>Sessions***</a:t>
+            </a:r>
+          </a:p>
+        </p:txBody>
+      </p:sp>
+      <p:sp>
+        <p:nvSpPr>
+          <p:cNvPr id="42" name="Rounded Rectangle 41">
+            <a:extLst>
+              <a:ext uri="{FF2B5EF4-FFF2-40B4-BE49-F238E27FC236}">
+                <a16:creationId xmlns:a16="http://schemas.microsoft.com/office/drawing/2014/main" id="{C96C9562-71BF-F598-413B-D5E2C60B3259}"/>
+              </a:ext>
+            </a:extLst>
+          </p:cNvPr>
+          <p:cNvSpPr/>
+          <p:nvPr/>
+        </p:nvSpPr>
+        <p:spPr>
+          <a:xfrm>
+            <a:off x="7126010" y="2123425"/>
+            <a:ext cx="1502983" cy="385096"/>
+          </a:xfrm>
+          <a:prstGeom prst="roundRect">
+            <a:avLst/>
+          </a:prstGeom>
+          <a:solidFill>
+            <a:srgbClr val="FFFF00"/>
+          </a:solidFill>
+        </p:spPr>
+        <p:style>
+          <a:lnRef idx="2">
+            <a:schemeClr val="accent1">
+              <a:shade val="50000"/>
+            </a:schemeClr>
+          </a:lnRef>
+          <a:fillRef idx="1">
+            <a:schemeClr val="accent1"/>
+          </a:fillRef>
+          <a:effectRef idx="0">
+            <a:schemeClr val="accent1"/>
+          </a:effectRef>
+          <a:fontRef idx="minor">
+            <a:schemeClr val="lt1"/>
+          </a:fontRef>
+        </p:style>
+        <p:txBody>
+          <a:bodyPr rtlCol="0" anchor="ctr"/>
+          <a:lstStyle/>
+          <a:p>
+            <a:pPr algn="ctr"/>
+            <a:r>
+              <a:rPr lang="en-US" sz="1400" b="1" dirty="0">
+                <a:solidFill>
+                  <a:srgbClr val="FF0000"/>
+                </a:solidFill>
+              </a:rPr>
+              <a:t>Authentication</a:t>
+            </a:r>
+          </a:p>
+        </p:txBody>
+      </p:sp>
+      <p:sp>
+        <p:nvSpPr>
+          <p:cNvPr id="43" name="Rounded Rectangle 42">
+            <a:extLst>
+              <a:ext uri="{FF2B5EF4-FFF2-40B4-BE49-F238E27FC236}">
+                <a16:creationId xmlns:a16="http://schemas.microsoft.com/office/drawing/2014/main" id="{99F05CD6-7E49-576F-16D1-277E9C65F842}"/>
+              </a:ext>
+            </a:extLst>
+          </p:cNvPr>
+          <p:cNvSpPr/>
+          <p:nvPr/>
+        </p:nvSpPr>
+        <p:spPr>
+          <a:xfrm>
+            <a:off x="8723577" y="2123425"/>
+            <a:ext cx="1502983" cy="385096"/>
+          </a:xfrm>
+          <a:prstGeom prst="roundRect">
+            <a:avLst/>
+          </a:prstGeom>
+          <a:solidFill>
+            <a:srgbClr val="FFFF00"/>
+          </a:solidFill>
+        </p:spPr>
+        <p:style>
+          <a:lnRef idx="2">
+            <a:schemeClr val="accent1">
+              <a:shade val="50000"/>
+            </a:schemeClr>
+          </a:lnRef>
+          <a:fillRef idx="1">
+            <a:schemeClr val="accent1"/>
+          </a:fillRef>
+          <a:effectRef idx="0">
+            <a:schemeClr val="accent1"/>
+          </a:effectRef>
+          <a:fontRef idx="minor">
+            <a:schemeClr val="lt1"/>
+          </a:fontRef>
+        </p:style>
+        <p:txBody>
+          <a:bodyPr rtlCol="0" anchor="ctr"/>
+          <a:lstStyle/>
+          <a:p>
+            <a:pPr algn="ctr"/>
+            <a:r>
+              <a:rPr lang="en-US" sz="1400" b="1" dirty="0">
+                <a:solidFill>
+                  <a:srgbClr val="FF0000"/>
+                </a:solidFill>
+              </a:rPr>
+              <a:t>Authorization</a:t>
+            </a:r>
+          </a:p>
+        </p:txBody>
+      </p:sp>
+      <p:sp>
+        <p:nvSpPr>
+          <p:cNvPr id="44" name="Rounded Rectangle 43">
+            <a:extLst>
+              <a:ext uri="{FF2B5EF4-FFF2-40B4-BE49-F238E27FC236}">
+                <a16:creationId xmlns:a16="http://schemas.microsoft.com/office/drawing/2014/main" id="{2967E6B1-0F54-1359-F1EA-3F10314C05A6}"/>
+              </a:ext>
+            </a:extLst>
+          </p:cNvPr>
+          <p:cNvSpPr/>
+          <p:nvPr/>
+        </p:nvSpPr>
+        <p:spPr>
+          <a:xfrm>
+            <a:off x="7136521" y="2664095"/>
+            <a:ext cx="4403838" cy="385096"/>
+          </a:xfrm>
+          <a:prstGeom prst="roundRect">
+            <a:avLst/>
+          </a:prstGeom>
+          <a:solidFill>
+            <a:srgbClr val="FFFF00"/>
+          </a:solidFill>
+        </p:spPr>
+        <p:style>
+          <a:lnRef idx="2">
+            <a:schemeClr val="accent1">
+              <a:shade val="50000"/>
+            </a:schemeClr>
+          </a:lnRef>
+          <a:fillRef idx="1">
+            <a:schemeClr val="accent1"/>
+          </a:fillRef>
+          <a:effectRef idx="0">
+            <a:schemeClr val="accent1"/>
+          </a:effectRef>
+          <a:fontRef idx="minor">
+            <a:schemeClr val="lt1"/>
+          </a:fontRef>
+        </p:style>
+        <p:txBody>
+          <a:bodyPr rtlCol="0" anchor="ctr"/>
+          <a:lstStyle/>
+          <a:p>
+            <a:pPr algn="ctr"/>
+            <a:r>
+              <a:rPr lang="en-US" sz="1400" b="1" dirty="0">
+                <a:solidFill>
+                  <a:srgbClr val="FF0000"/>
+                </a:solidFill>
+              </a:rPr>
+              <a:t>Endpoint Mapping to Execute MVC Controller, API Controller </a:t>
+            </a:r>
+            <a:r>
+              <a:rPr lang="en-US" sz="1400" b="1" dirty="0" err="1">
+                <a:solidFill>
+                  <a:srgbClr val="FF0000"/>
+                </a:solidFill>
+              </a:rPr>
+              <a:t>otr</a:t>
+            </a:r>
+            <a:r>
+              <a:rPr lang="en-US" sz="1400" b="1" dirty="0">
+                <a:solidFill>
+                  <a:srgbClr val="FF0000"/>
+                </a:solidFill>
+              </a:rPr>
+              <a:t> Razor View</a:t>
+            </a:r>
+          </a:p>
+        </p:txBody>
+      </p:sp>
+      <p:sp>
+        <p:nvSpPr>
+          <p:cNvPr id="66" name="TextBox 65">
+            <a:extLst>
+              <a:ext uri="{FF2B5EF4-FFF2-40B4-BE49-F238E27FC236}">
+                <a16:creationId xmlns:a16="http://schemas.microsoft.com/office/drawing/2014/main" id="{B68E1E0A-5146-A16D-C486-D3E507235C97}"/>
+              </a:ext>
+            </a:extLst>
+          </p:cNvPr>
+          <p:cNvSpPr txBox="1"/>
+          <p:nvPr/>
+        </p:nvSpPr>
+        <p:spPr>
+          <a:xfrm>
+            <a:off x="2554014" y="3687237"/>
+            <a:ext cx="8807669" cy="261610"/>
+          </a:xfrm>
+          <a:prstGeom prst="rect">
+            <a:avLst/>
+          </a:prstGeom>
+          <a:noFill/>
+        </p:spPr>
+        <p:txBody>
+          <a:bodyPr wrap="square" rtlCol="0">
+            <a:spAutoFit/>
+          </a:bodyPr>
+          <a:lstStyle/>
+          <a:p>
+            <a:pPr algn="ctr"/>
+            <a:r>
+              <a:rPr lang="en-US" sz="1100" b="1" dirty="0">
+                <a:highlight>
+                  <a:srgbClr val="FFFF00"/>
+                </a:highlight>
+              </a:rPr>
+              <a:t>Controller Execution</a:t>
+            </a:r>
+          </a:p>
+        </p:txBody>
+      </p:sp>
+      <p:sp>
+        <p:nvSpPr>
+          <p:cNvPr id="67" name="Rounded Rectangle 66">
+            <a:extLst>
+              <a:ext uri="{FF2B5EF4-FFF2-40B4-BE49-F238E27FC236}">
+                <a16:creationId xmlns:a16="http://schemas.microsoft.com/office/drawing/2014/main" id="{1B38496C-7A1F-1EB4-C065-B028670EA69F}"/>
+              </a:ext>
+            </a:extLst>
+          </p:cNvPr>
+          <p:cNvSpPr/>
+          <p:nvPr/>
+        </p:nvSpPr>
+        <p:spPr>
+          <a:xfrm>
+            <a:off x="1960182" y="3956951"/>
+            <a:ext cx="1597572" cy="268960"/>
+          </a:xfrm>
+          <a:prstGeom prst="roundRect">
+            <a:avLst/>
+          </a:prstGeom>
+        </p:spPr>
+        <p:style>
+          <a:lnRef idx="0">
+            <a:schemeClr val="accent2"/>
+          </a:lnRef>
+          <a:fillRef idx="3">
+            <a:schemeClr val="accent2"/>
+          </a:fillRef>
+          <a:effectRef idx="3">
+            <a:schemeClr val="accent2"/>
+          </a:effectRef>
+          <a:fontRef idx="minor">
+            <a:schemeClr val="lt1"/>
+          </a:fontRef>
+        </p:style>
+        <p:txBody>
+          <a:bodyPr rtlCol="0" anchor="ctr"/>
+          <a:lstStyle/>
+          <a:p>
+            <a:pPr algn="ctr"/>
+            <a:r>
+              <a:rPr lang="en-US" sz="1100" b="1" dirty="0"/>
+              <a:t>Check for Security</a:t>
+            </a:r>
+          </a:p>
+        </p:txBody>
+      </p:sp>
+      <p:sp>
+        <p:nvSpPr>
+          <p:cNvPr id="70" name="Rounded Rectangle 69">
+            <a:extLst>
+              <a:ext uri="{FF2B5EF4-FFF2-40B4-BE49-F238E27FC236}">
+                <a16:creationId xmlns:a16="http://schemas.microsoft.com/office/drawing/2014/main" id="{A456D1BC-958E-22D7-B1E8-5643F43B64D8}"/>
+              </a:ext>
+            </a:extLst>
+          </p:cNvPr>
+          <p:cNvSpPr/>
+          <p:nvPr/>
+        </p:nvSpPr>
+        <p:spPr>
+          <a:xfrm>
+            <a:off x="1933903" y="4433175"/>
+            <a:ext cx="1760486" cy="919535"/>
+          </a:xfrm>
+          <a:prstGeom prst="roundRect">
+            <a:avLst/>
+          </a:prstGeom>
+        </p:spPr>
+        <p:style>
+          <a:lnRef idx="0">
+            <a:schemeClr val="accent2"/>
+          </a:lnRef>
+          <a:fillRef idx="3">
+            <a:schemeClr val="accent2"/>
+          </a:fillRef>
+          <a:effectRef idx="3">
+            <a:schemeClr val="accent2"/>
+          </a:effectRef>
+          <a:fontRef idx="minor">
+            <a:schemeClr val="lt1"/>
+          </a:fontRef>
+        </p:style>
+        <p:txBody>
+          <a:bodyPr rtlCol="0" anchor="ctr"/>
+          <a:lstStyle/>
+          <a:p>
+            <a:pPr algn="ctr"/>
+            <a:r>
+              <a:rPr lang="en-US" sz="1100" b="1" dirty="0"/>
+              <a:t>Create an Instance of the Controller and Inject Dependencies in it. Load the ActionFilter if applied at Controller Level</a:t>
+            </a:r>
+          </a:p>
+        </p:txBody>
+      </p:sp>
+      <p:sp>
+        <p:nvSpPr>
+          <p:cNvPr id="71" name="Down Arrow 70">
+            <a:extLst>
+              <a:ext uri="{FF2B5EF4-FFF2-40B4-BE49-F238E27FC236}">
+                <a16:creationId xmlns:a16="http://schemas.microsoft.com/office/drawing/2014/main" id="{8EC76D3B-BA69-C8FE-3A59-C501ED52C8F3}"/>
+              </a:ext>
+            </a:extLst>
+          </p:cNvPr>
+          <p:cNvSpPr/>
+          <p:nvPr/>
+        </p:nvSpPr>
+        <p:spPr>
+          <a:xfrm>
+            <a:off x="2653872" y="4225910"/>
+            <a:ext cx="178668" cy="231952"/>
+          </a:xfrm>
+          <a:prstGeom prst="downArrow">
+            <a:avLst/>
+          </a:prstGeom>
+        </p:spPr>
+        <p:style>
+          <a:lnRef idx="2">
+            <a:schemeClr val="accent1">
+              <a:shade val="50000"/>
+            </a:schemeClr>
+          </a:lnRef>
+          <a:fillRef idx="1">
+            <a:schemeClr val="accent1"/>
+          </a:fillRef>
+          <a:effectRef idx="0">
+            <a:schemeClr val="accent1"/>
+          </a:effectRef>
+          <a:fontRef idx="minor">
+            <a:schemeClr val="lt1"/>
+          </a:fontRef>
+        </p:style>
+        <p:txBody>
+          <a:bodyPr rtlCol="0" anchor="ctr"/>
+          <a:lstStyle/>
+          <a:p>
+            <a:pPr algn="ctr"/>
+            <a:endParaRPr lang="en-US"/>
+          </a:p>
+        </p:txBody>
+      </p:sp>
+      <p:sp>
+        <p:nvSpPr>
+          <p:cNvPr id="72" name="Rectangle 71">
+            <a:extLst>
+              <a:ext uri="{FF2B5EF4-FFF2-40B4-BE49-F238E27FC236}">
+                <a16:creationId xmlns:a16="http://schemas.microsoft.com/office/drawing/2014/main" id="{2FBA0697-20B2-8ECB-3470-911B3A0F850F}"/>
+              </a:ext>
+            </a:extLst>
+          </p:cNvPr>
+          <p:cNvSpPr/>
+          <p:nvPr/>
+        </p:nvSpPr>
+        <p:spPr>
+          <a:xfrm>
+            <a:off x="3846786" y="3135020"/>
+            <a:ext cx="4876791" cy="463202"/>
+          </a:xfrm>
+          <a:prstGeom prst="rect">
+            <a:avLst/>
+          </a:prstGeom>
+          <a:solidFill>
+            <a:srgbClr val="FFFF00"/>
+          </a:solidFill>
+        </p:spPr>
+        <p:style>
+          <a:lnRef idx="2">
+            <a:schemeClr val="accent1">
+              <a:shade val="50000"/>
+            </a:schemeClr>
+          </a:lnRef>
+          <a:fillRef idx="1">
+            <a:schemeClr val="accent1"/>
+          </a:fillRef>
+          <a:effectRef idx="0">
+            <a:schemeClr val="accent1"/>
+          </a:effectRef>
+          <a:fontRef idx="minor">
+            <a:schemeClr val="lt1"/>
+          </a:fontRef>
+        </p:style>
+        <p:txBody>
+          <a:bodyPr rtlCol="0" anchor="ctr"/>
+          <a:lstStyle/>
+          <a:p>
+            <a:pPr algn="ctr"/>
+            <a:r>
+              <a:rPr lang="en-US" sz="1100" dirty="0">
+                <a:ln w="0"/>
+                <a:solidFill>
+                  <a:schemeClr val="tx1"/>
+                </a:solidFill>
+                <a:effectLst>
+                  <a:outerShdw blurRad="38100" dist="19050" dir="2700000" algn="tl" rotWithShape="0">
+                    <a:schemeClr val="dk1">
+                      <a:alpha val="40000"/>
+                    </a:schemeClr>
+                  </a:outerShdw>
+                </a:effectLst>
+              </a:rPr>
+              <a:t>Read the URL and Get HTTP Request Type (Get/Post/Put/Delete) and with Controller Name (</a:t>
+            </a:r>
+            <a:r>
+              <a:rPr lang="en-US" sz="1100" dirty="0" err="1">
+                <a:ln w="0"/>
+                <a:solidFill>
+                  <a:schemeClr val="tx1"/>
+                </a:solidFill>
+                <a:effectLst>
+                  <a:outerShdw blurRad="38100" dist="19050" dir="2700000" algn="tl" rotWithShape="0">
+                    <a:schemeClr val="dk1">
+                      <a:alpha val="40000"/>
+                    </a:schemeClr>
+                  </a:outerShdw>
+                </a:effectLst>
+              </a:rPr>
+              <a:t>MyController</a:t>
+            </a:r>
+            <a:r>
+              <a:rPr lang="en-US" sz="1100" dirty="0">
+                <a:ln w="0"/>
+                <a:solidFill>
+                  <a:schemeClr val="tx1"/>
+                </a:solidFill>
+                <a:effectLst>
+                  <a:outerShdw blurRad="38100" dist="19050" dir="2700000" algn="tl" rotWithShape="0">
+                    <a:schemeClr val="dk1">
+                      <a:alpha val="40000"/>
+                    </a:schemeClr>
+                  </a:outerShdw>
+                </a:effectLst>
+              </a:rPr>
+              <a:t>)  and pass the request to Controller by Loading it </a:t>
+            </a:r>
+          </a:p>
+        </p:txBody>
+      </p:sp>
+      <p:sp>
+        <p:nvSpPr>
+          <p:cNvPr id="73" name="TextBox 72">
+            <a:extLst>
+              <a:ext uri="{FF2B5EF4-FFF2-40B4-BE49-F238E27FC236}">
+                <a16:creationId xmlns:a16="http://schemas.microsoft.com/office/drawing/2014/main" id="{D35DBC72-3D6B-B977-3543-DC134F0B3C1A}"/>
+              </a:ext>
+            </a:extLst>
+          </p:cNvPr>
+          <p:cNvSpPr txBox="1"/>
+          <p:nvPr/>
+        </p:nvSpPr>
+        <p:spPr>
+          <a:xfrm>
+            <a:off x="1" y="1534929"/>
+            <a:ext cx="1933902" cy="430887"/>
+          </a:xfrm>
+          <a:prstGeom prst="rect">
+            <a:avLst/>
+          </a:prstGeom>
+          <a:noFill/>
+        </p:spPr>
+        <p:txBody>
+          <a:bodyPr wrap="square" rtlCol="0">
+            <a:spAutoFit/>
+          </a:bodyPr>
+          <a:lstStyle/>
+          <a:p>
+            <a:r>
+              <a:rPr lang="en-US" sz="1100" dirty="0"/>
+              <a:t>http://</a:t>
+            </a:r>
+            <a:r>
+              <a:rPr lang="en-US" sz="1100" dirty="0" err="1"/>
+              <a:t>myserver</a:t>
+            </a:r>
+            <a:r>
+              <a:rPr lang="en-US" sz="1100" dirty="0"/>
+              <a:t>/</a:t>
+            </a:r>
+            <a:r>
+              <a:rPr lang="en-US" sz="1100" dirty="0" err="1"/>
+              <a:t>MyController</a:t>
+            </a:r>
+            <a:r>
+              <a:rPr lang="en-US" sz="1100" dirty="0"/>
+              <a:t>/</a:t>
+            </a:r>
+            <a:r>
+              <a:rPr lang="en-US" sz="1100" dirty="0" err="1"/>
+              <a:t>MyAction</a:t>
+            </a:r>
+            <a:endParaRPr lang="en-US" sz="1100" dirty="0"/>
+          </a:p>
+        </p:txBody>
+      </p:sp>
+      <p:cxnSp>
+        <p:nvCxnSpPr>
+          <p:cNvPr id="75" name="Elbow Connector 74">
+            <a:extLst>
+              <a:ext uri="{FF2B5EF4-FFF2-40B4-BE49-F238E27FC236}">
+                <a16:creationId xmlns:a16="http://schemas.microsoft.com/office/drawing/2014/main" id="{A1BBC45C-9A3C-5813-2232-F9CC748798F6}"/>
+              </a:ext>
+            </a:extLst>
+          </p:cNvPr>
+          <p:cNvCxnSpPr>
+            <a:stCxn id="7" idx="2"/>
+            <a:endCxn id="72" idx="3"/>
+          </p:cNvCxnSpPr>
+          <p:nvPr/>
+        </p:nvCxnSpPr>
+        <p:spPr>
+          <a:xfrm rot="5400000">
+            <a:off x="8915210" y="2943388"/>
+            <a:ext cx="231601" cy="614865"/>
+          </a:xfrm>
+          <a:prstGeom prst="bentConnector2">
+            <a:avLst/>
+          </a:prstGeom>
+          <a:ln w="76200">
+            <a:tailEnd type="triangle"/>
+          </a:ln>
+        </p:spPr>
+        <p:style>
+          <a:lnRef idx="1">
+            <a:schemeClr val="accent1"/>
+          </a:lnRef>
+          <a:fillRef idx="0">
+            <a:schemeClr val="accent1"/>
+          </a:fillRef>
+          <a:effectRef idx="0">
+            <a:schemeClr val="accent1"/>
+          </a:effectRef>
+          <a:fontRef idx="minor">
+            <a:schemeClr val="tx1"/>
+          </a:fontRef>
+        </p:style>
+      </p:cxnSp>
+      <p:cxnSp>
+        <p:nvCxnSpPr>
+          <p:cNvPr id="77" name="Elbow Connector 76">
+            <a:extLst>
+              <a:ext uri="{FF2B5EF4-FFF2-40B4-BE49-F238E27FC236}">
+                <a16:creationId xmlns:a16="http://schemas.microsoft.com/office/drawing/2014/main" id="{90035D19-85CB-D29C-5579-082CD065CC85}"/>
+              </a:ext>
+            </a:extLst>
+          </p:cNvPr>
+          <p:cNvCxnSpPr>
+            <a:stCxn id="72" idx="1"/>
+            <a:endCxn id="70" idx="1"/>
+          </p:cNvCxnSpPr>
+          <p:nvPr/>
+        </p:nvCxnSpPr>
+        <p:spPr>
+          <a:xfrm rot="10800000" flipV="1">
+            <a:off x="1933904" y="3366621"/>
+            <a:ext cx="1912883" cy="1526322"/>
+          </a:xfrm>
+          <a:prstGeom prst="bentConnector3">
+            <a:avLst>
+              <a:gd name="adj1" fmla="val 111951"/>
+            </a:avLst>
+          </a:prstGeom>
+          <a:ln w="57150">
+            <a:solidFill>
+              <a:srgbClr val="C00000"/>
+            </a:solidFill>
+            <a:tailEnd type="triangle"/>
+          </a:ln>
+        </p:spPr>
+        <p:style>
+          <a:lnRef idx="1">
+            <a:schemeClr val="accent1"/>
+          </a:lnRef>
+          <a:fillRef idx="0">
+            <a:schemeClr val="accent1"/>
+          </a:fillRef>
+          <a:effectRef idx="0">
+            <a:schemeClr val="accent1"/>
+          </a:effectRef>
+          <a:fontRef idx="minor">
+            <a:schemeClr val="tx1"/>
+          </a:fontRef>
+        </p:style>
+      </p:cxnSp>
+      <p:sp>
+        <p:nvSpPr>
+          <p:cNvPr id="78" name="Rounded Rectangle 77">
+            <a:extLst>
+              <a:ext uri="{FF2B5EF4-FFF2-40B4-BE49-F238E27FC236}">
+                <a16:creationId xmlns:a16="http://schemas.microsoft.com/office/drawing/2014/main" id="{B4BCB92D-316F-61A8-0DC9-A1636AD34043}"/>
+              </a:ext>
+            </a:extLst>
+          </p:cNvPr>
+          <p:cNvSpPr/>
+          <p:nvPr/>
+        </p:nvSpPr>
+        <p:spPr>
+          <a:xfrm>
+            <a:off x="4177864" y="3854202"/>
+            <a:ext cx="2002217" cy="1262251"/>
+          </a:xfrm>
+          <a:prstGeom prst="roundRect">
+            <a:avLst/>
+          </a:prstGeom>
+        </p:spPr>
+        <p:style>
+          <a:lnRef idx="0">
+            <a:schemeClr val="accent2"/>
+          </a:lnRef>
+          <a:fillRef idx="3">
+            <a:schemeClr val="accent2"/>
+          </a:fillRef>
+          <a:effectRef idx="3">
+            <a:schemeClr val="accent2"/>
+          </a:effectRef>
+          <a:fontRef idx="minor">
+            <a:schemeClr val="lt1"/>
+          </a:fontRef>
+        </p:style>
+        <p:txBody>
+          <a:bodyPr rtlCol="0" anchor="ctr"/>
+          <a:lstStyle/>
+          <a:p>
+            <a:pPr algn="ctr"/>
+            <a:r>
+              <a:rPr lang="en-US" sz="1100" dirty="0"/>
+              <a:t>Check the HTTP Request type with Get/Post/Put and Delete also </a:t>
+            </a:r>
+            <a:r>
+              <a:rPr lang="en-US" sz="1100" b="1" dirty="0"/>
+              <a:t>if the Route has ‘{action}</a:t>
+            </a:r>
+            <a:r>
+              <a:rPr lang="en-US" sz="1100" dirty="0"/>
+              <a:t>’ then Look for the Action Method Matching with HTTP request Type and the Action Name</a:t>
+            </a:r>
+          </a:p>
+        </p:txBody>
+      </p:sp>
+      <p:cxnSp>
+        <p:nvCxnSpPr>
+          <p:cNvPr id="82" name="Elbow Connector 81">
+            <a:extLst>
+              <a:ext uri="{FF2B5EF4-FFF2-40B4-BE49-F238E27FC236}">
+                <a16:creationId xmlns:a16="http://schemas.microsoft.com/office/drawing/2014/main" id="{1451B627-C243-C9B1-0954-DDF053D8027F}"/>
+              </a:ext>
+            </a:extLst>
+          </p:cNvPr>
+          <p:cNvCxnSpPr>
+            <a:cxnSpLocks/>
+            <a:endCxn id="78" idx="1"/>
+          </p:cNvCxnSpPr>
+          <p:nvPr/>
+        </p:nvCxnSpPr>
+        <p:spPr>
+          <a:xfrm flipV="1">
+            <a:off x="3694389" y="4485328"/>
+            <a:ext cx="483475" cy="407617"/>
+          </a:xfrm>
+          <a:prstGeom prst="bentConnector3">
+            <a:avLst>
+              <a:gd name="adj1" fmla="val 50000"/>
+            </a:avLst>
+          </a:prstGeom>
+          <a:ln w="38100">
+            <a:solidFill>
+              <a:srgbClr val="FFFF00"/>
+            </a:solidFill>
+            <a:tailEnd type="triangle"/>
+          </a:ln>
+        </p:spPr>
+        <p:style>
+          <a:lnRef idx="1">
+            <a:schemeClr val="accent1"/>
+          </a:lnRef>
+          <a:fillRef idx="0">
+            <a:schemeClr val="accent1"/>
+          </a:fillRef>
+          <a:effectRef idx="0">
+            <a:schemeClr val="accent1"/>
+          </a:effectRef>
+          <a:fontRef idx="minor">
+            <a:schemeClr val="tx1"/>
+          </a:fontRef>
+        </p:style>
+      </p:cxnSp>
+      <p:sp>
+        <p:nvSpPr>
+          <p:cNvPr id="87" name="Rounded Rectangle 86">
+            <a:extLst>
+              <a:ext uri="{FF2B5EF4-FFF2-40B4-BE49-F238E27FC236}">
+                <a16:creationId xmlns:a16="http://schemas.microsoft.com/office/drawing/2014/main" id="{11C14E57-39EE-E3BE-3340-3ADF293A5F9A}"/>
+              </a:ext>
+            </a:extLst>
+          </p:cNvPr>
+          <p:cNvSpPr/>
+          <p:nvPr/>
+        </p:nvSpPr>
+        <p:spPr>
+          <a:xfrm>
+            <a:off x="7189075" y="3886102"/>
+            <a:ext cx="4351284" cy="1613065"/>
+          </a:xfrm>
+          <a:prstGeom prst="roundRect">
+            <a:avLst/>
+          </a:prstGeom>
+          <a:solidFill>
+            <a:srgbClr val="7030A0"/>
+          </a:solidFill>
+        </p:spPr>
+        <p:style>
+          <a:lnRef idx="0">
+            <a:schemeClr val="accent2"/>
+          </a:lnRef>
+          <a:fillRef idx="3">
+            <a:schemeClr val="accent2"/>
+          </a:fillRef>
+          <a:effectRef idx="3">
+            <a:schemeClr val="accent2"/>
+          </a:effectRef>
+          <a:fontRef idx="minor">
+            <a:schemeClr val="lt1"/>
+          </a:fontRef>
+        </p:style>
+        <p:txBody>
+          <a:bodyPr rtlCol="0" anchor="ctr"/>
+          <a:lstStyle/>
+          <a:p>
+            <a:pPr algn="ctr"/>
+            <a:r>
+              <a:rPr lang="en-US" sz="1100" dirty="0"/>
+              <a:t>The Action will be executed based on HTTP Request Type (Get and Get(id)) will execute the Get Action Method and Generate Response. For POST and PUT Request, the </a:t>
+            </a:r>
+            <a:r>
+              <a:rPr lang="en-US" sz="1100" b="1" dirty="0" err="1"/>
+              <a:t>ApiController</a:t>
+            </a:r>
+            <a:r>
+              <a:rPr lang="en-US" sz="1100" b="1" dirty="0"/>
+              <a:t> </a:t>
+            </a:r>
+            <a:r>
+              <a:rPr lang="en-US" sz="1100" dirty="0"/>
+              <a:t>class will read the HTTP Request Body and Read the JSON data from it and Map with CLR object. If using </a:t>
+            </a:r>
+            <a:r>
+              <a:rPr lang="en-US" sz="1100" dirty="0" err="1"/>
+              <a:t>ParameterBInders</a:t>
+            </a:r>
+            <a:r>
+              <a:rPr lang="en-US" sz="1100" dirty="0"/>
+              <a:t> e.g. </a:t>
+            </a:r>
+            <a:r>
+              <a:rPr lang="en-US" sz="1100" dirty="0" err="1"/>
+              <a:t>FromBody</a:t>
+            </a:r>
+            <a:r>
+              <a:rPr lang="en-US" sz="1100" dirty="0"/>
+              <a:t>, </a:t>
+            </a:r>
+            <a:r>
+              <a:rPr lang="en-US" sz="1100" dirty="0" err="1"/>
+              <a:t>FromQuery</a:t>
+            </a:r>
+            <a:r>
+              <a:rPr lang="en-US" sz="1100" dirty="0"/>
+              <a:t>, </a:t>
+            </a:r>
+            <a:r>
+              <a:rPr lang="en-US" sz="1100" dirty="0" err="1"/>
+              <a:t>FromRoute</a:t>
+            </a:r>
+            <a:r>
+              <a:rPr lang="en-US" sz="1100" dirty="0"/>
+              <a:t>, </a:t>
+            </a:r>
+            <a:r>
+              <a:rPr lang="en-US" sz="1100" dirty="0" err="1"/>
+              <a:t>FromForm</a:t>
+            </a:r>
+            <a:r>
+              <a:rPr lang="en-US" sz="1100" dirty="0"/>
+              <a:t>, etc. Then the </a:t>
+            </a:r>
+            <a:r>
+              <a:rPr lang="en-US" sz="1100" dirty="0" err="1"/>
+              <a:t>ControllerBase</a:t>
+            </a:r>
+            <a:r>
+              <a:rPr lang="en-US" sz="1100" dirty="0"/>
+              <a:t> class will use </a:t>
+            </a:r>
+            <a:r>
+              <a:rPr lang="en-US" sz="1100" dirty="0" err="1"/>
+              <a:t>HttpRequest</a:t>
+            </a:r>
+            <a:r>
+              <a:rPr lang="en-US" sz="1100" dirty="0"/>
+              <a:t> Object to read HTTP Request Message and using Parameter Binding class the Received data will be mapped With CLR Object </a:t>
+            </a:r>
+          </a:p>
+        </p:txBody>
+      </p:sp>
+      <p:cxnSp>
+        <p:nvCxnSpPr>
+          <p:cNvPr id="12" name="Elbow Connector 11">
+            <a:extLst>
+              <a:ext uri="{FF2B5EF4-FFF2-40B4-BE49-F238E27FC236}">
+                <a16:creationId xmlns:a16="http://schemas.microsoft.com/office/drawing/2014/main" id="{1B2AD471-DE2A-AD61-0108-ACBBD4F9CF61}"/>
+              </a:ext>
+            </a:extLst>
+          </p:cNvPr>
+          <p:cNvCxnSpPr>
+            <a:cxnSpLocks/>
+            <a:stCxn id="78" idx="3"/>
+            <a:endCxn id="87" idx="1"/>
+          </p:cNvCxnSpPr>
+          <p:nvPr/>
+        </p:nvCxnSpPr>
+        <p:spPr>
+          <a:xfrm>
+            <a:off x="6180081" y="4485328"/>
+            <a:ext cx="1008994" cy="207307"/>
+          </a:xfrm>
+          <a:prstGeom prst="bentConnector3">
+            <a:avLst/>
+          </a:prstGeom>
+          <a:ln w="57150">
+            <a:solidFill>
+              <a:srgbClr val="FFFF00"/>
+            </a:solidFill>
+            <a:tailEnd type="triangle"/>
+          </a:ln>
+        </p:spPr>
+        <p:style>
+          <a:lnRef idx="1">
+            <a:schemeClr val="accent1"/>
+          </a:lnRef>
+          <a:fillRef idx="0">
+            <a:schemeClr val="accent1"/>
+          </a:fillRef>
+          <a:effectRef idx="0">
+            <a:schemeClr val="accent1"/>
+          </a:effectRef>
+          <a:fontRef idx="minor">
+            <a:schemeClr val="tx1"/>
+          </a:fontRef>
+        </p:style>
+      </p:cxnSp>
+      <p:cxnSp>
+        <p:nvCxnSpPr>
+          <p:cNvPr id="16" name="Elbow Connector 15">
+            <a:extLst>
+              <a:ext uri="{FF2B5EF4-FFF2-40B4-BE49-F238E27FC236}">
+                <a16:creationId xmlns:a16="http://schemas.microsoft.com/office/drawing/2014/main" id="{113EF35E-4B8C-85F2-2A9D-7F45DABC2480}"/>
+              </a:ext>
+            </a:extLst>
+          </p:cNvPr>
+          <p:cNvCxnSpPr>
+            <a:cxnSpLocks/>
+            <a:stCxn id="87" idx="2"/>
+          </p:cNvCxnSpPr>
+          <p:nvPr/>
+        </p:nvCxnSpPr>
+        <p:spPr>
+          <a:xfrm rot="5400000">
+            <a:off x="5356150" y="2076922"/>
+            <a:ext cx="586323" cy="7430812"/>
+          </a:xfrm>
+          <a:prstGeom prst="bentConnector2">
+            <a:avLst/>
+          </a:prstGeom>
+          <a:ln w="57150">
+            <a:solidFill>
+              <a:srgbClr val="FFFF00"/>
+            </a:solidFill>
+            <a:tailEnd type="triangle"/>
+          </a:ln>
+        </p:spPr>
+        <p:style>
+          <a:lnRef idx="1">
+            <a:schemeClr val="accent1"/>
+          </a:lnRef>
+          <a:fillRef idx="0">
+            <a:schemeClr val="accent1"/>
+          </a:fillRef>
+          <a:effectRef idx="0">
+            <a:schemeClr val="accent1"/>
+          </a:effectRef>
+          <a:fontRef idx="minor">
+            <a:schemeClr val="tx1"/>
+          </a:fontRef>
+        </p:style>
+      </p:cxnSp>
+      <p:sp>
+        <p:nvSpPr>
+          <p:cNvPr id="27" name="TextBox 26">
+            <a:extLst>
+              <a:ext uri="{FF2B5EF4-FFF2-40B4-BE49-F238E27FC236}">
+                <a16:creationId xmlns:a16="http://schemas.microsoft.com/office/drawing/2014/main" id="{338CF429-2BA8-BF55-059F-CE9DBF1664A0}"/>
+              </a:ext>
+            </a:extLst>
+          </p:cNvPr>
+          <p:cNvSpPr txBox="1"/>
+          <p:nvPr/>
+        </p:nvSpPr>
+        <p:spPr>
+          <a:xfrm>
+            <a:off x="8628993" y="5608542"/>
+            <a:ext cx="2911366" cy="646331"/>
+          </a:xfrm>
+          <a:prstGeom prst="rect">
+            <a:avLst/>
+          </a:prstGeom>
+          <a:noFill/>
+          <a:ln>
+            <a:solidFill>
+              <a:srgbClr val="FFFF00"/>
+            </a:solidFill>
+          </a:ln>
+        </p:spPr>
+        <p:txBody>
+          <a:bodyPr wrap="square" rtlCol="0">
+            <a:spAutoFit/>
+          </a:bodyPr>
+          <a:lstStyle/>
+          <a:p>
+            <a:r>
+              <a:rPr lang="en-US" dirty="0"/>
+              <a:t>Response Based on Action Execution</a:t>
+            </a:r>
+          </a:p>
+        </p:txBody>
+      </p:sp>
+    </p:spTree>
+    <p:extLst>
+      <p:ext uri="{BB962C8B-B14F-4D97-AF65-F5344CB8AC3E}">
+        <p14:creationId xmlns:p14="http://schemas.microsoft.com/office/powerpoint/2010/main" val="2343172406"/>
+      </p:ext>
+    </p:extLst>
+  </p:cSld>
+  <p:clrMapOvr>
+    <a:masterClrMapping/>
+  </p:clrMapOvr>
+</p:sld>
+</file>
+
+<file path=ppt/slides/slide43.xml><?xml version="1.0" encoding="utf-8"?>
+<p:sld xmlns:a="http://schemas.openxmlformats.org/drawingml/2006/main" xmlns:r="http://schemas.openxmlformats.org/officeDocument/2006/relationships" xmlns:p="http://schemas.openxmlformats.org/presentationml/2006/main">
+  <p:cSld>
+    <p:spTree>
+      <p:nvGrpSpPr>
+        <p:cNvPr id="1" name=""/>
+        <p:cNvGrpSpPr/>
+        <p:nvPr/>
+      </p:nvGrpSpPr>
+      <p:grpSpPr>
+        <a:xfrm>
+          <a:off x="0" y="0"/>
+          <a:ext cx="0" cy="0"/>
+          <a:chOff x="0" y="0"/>
+          <a:chExt cx="0" cy="0"/>
+        </a:xfrm>
+      </p:grpSpPr>
+      <p:pic>
+        <p:nvPicPr>
+          <p:cNvPr id="4" name="Picture 3" descr="A picture containing diagram&#10;&#10;Description automatically generated">
+            <a:extLst>
+              <a:ext uri="{FF2B5EF4-FFF2-40B4-BE49-F238E27FC236}">
+                <a16:creationId xmlns:a16="http://schemas.microsoft.com/office/drawing/2014/main" id="{E591542B-1EB4-6C17-3D30-E2EA9D911096}"/>
+              </a:ext>
+            </a:extLst>
+          </p:cNvPr>
+          <p:cNvPicPr>
+            <a:picLocks noChangeAspect="1"/>
+          </p:cNvPicPr>
+          <p:nvPr/>
+        </p:nvPicPr>
+        <p:blipFill>
+          <a:blip r:embed="rId2">
+            <a:extLst>
+              <a:ext uri="{28A0092B-C50C-407E-A947-70E740481C1C}">
+                <a14:useLocalDpi xmlns:a14="http://schemas.microsoft.com/office/drawing/2010/main" val="0"/>
+              </a:ext>
+            </a:extLst>
+          </a:blip>
+          <a:stretch>
+            <a:fillRect/>
+          </a:stretch>
+        </p:blipFill>
+        <p:spPr>
+          <a:xfrm>
+            <a:off x="440012" y="424070"/>
+            <a:ext cx="11032192" cy="5867939"/>
+          </a:xfrm>
+          <a:prstGeom prst="rect">
+            <a:avLst/>
+          </a:prstGeom>
+        </p:spPr>
+      </p:pic>
+      <p:sp>
+        <p:nvSpPr>
+          <p:cNvPr id="6" name="TextBox 5">
+            <a:extLst>
+              <a:ext uri="{FF2B5EF4-FFF2-40B4-BE49-F238E27FC236}">
+                <a16:creationId xmlns:a16="http://schemas.microsoft.com/office/drawing/2014/main" id="{0FD43706-9970-2502-100D-DF6856CA15A1}"/>
+              </a:ext>
+            </a:extLst>
+          </p:cNvPr>
+          <p:cNvSpPr txBox="1"/>
+          <p:nvPr/>
+        </p:nvSpPr>
+        <p:spPr>
+          <a:xfrm>
+            <a:off x="92149" y="6433930"/>
+            <a:ext cx="6096000" cy="215444"/>
+          </a:xfrm>
+          <a:prstGeom prst="rect">
+            <a:avLst/>
+          </a:prstGeom>
+          <a:noFill/>
+        </p:spPr>
+        <p:txBody>
+          <a:bodyPr wrap="square">
+            <a:spAutoFit/>
+          </a:bodyPr>
+          <a:lstStyle/>
+          <a:p>
+            <a:r>
+              <a:rPr lang="en-IN" sz="800" dirty="0">
+                <a:hlinkClick r:id="rId3"/>
+              </a:rPr>
+              <a:t>ASP.NET Core Middleware | Microsoft Docs</a:t>
+            </a:r>
+            <a:endParaRPr lang="en-US" sz="800" dirty="0"/>
+          </a:p>
+        </p:txBody>
+      </p:sp>
+    </p:spTree>
+    <p:extLst>
+      <p:ext uri="{BB962C8B-B14F-4D97-AF65-F5344CB8AC3E}">
+        <p14:creationId xmlns:p14="http://schemas.microsoft.com/office/powerpoint/2010/main" val="175295729"/>
       </p:ext>
     </p:extLst>
   </p:cSld>

--- a/mbaspnetcore6/MB_Training_Images.pptx
+++ b/mbaspnetcore6/MB_Training_Images.pptx
@@ -48,6 +48,12 @@
     <p:sldId id="296" r:id="rId42"/>
     <p:sldId id="297" r:id="rId43"/>
     <p:sldId id="298" r:id="rId44"/>
+    <p:sldId id="299" r:id="rId45"/>
+    <p:sldId id="300" r:id="rId46"/>
+    <p:sldId id="301" r:id="rId47"/>
+    <p:sldId id="302" r:id="rId48"/>
+    <p:sldId id="303" r:id="rId49"/>
+    <p:sldId id="304" r:id="rId50"/>
   </p:sldIdLst>
   <p:sldSz cx="12192000" cy="6858000"/>
   <p:notesSz cx="6858000" cy="9144000"/>
@@ -301,7 +307,7 @@
           <a:p>
             <a:fld id="{7EAE8DEA-61CA-412C-9D6E-50DA161E193E}" type="datetimeFigureOut">
               <a:rPr lang="en-US" smtClean="0"/>
-              <a:t>8/29/22</a:t>
+              <a:t>9/6/22</a:t>
             </a:fld>
             <a:endParaRPr lang="en-US"/>
           </a:p>
@@ -499,7 +505,7 @@
           <a:p>
             <a:fld id="{7EAE8DEA-61CA-412C-9D6E-50DA161E193E}" type="datetimeFigureOut">
               <a:rPr lang="en-US" smtClean="0"/>
-              <a:t>8/29/22</a:t>
+              <a:t>9/6/22</a:t>
             </a:fld>
             <a:endParaRPr lang="en-US"/>
           </a:p>
@@ -707,7 +713,7 @@
           <a:p>
             <a:fld id="{7EAE8DEA-61CA-412C-9D6E-50DA161E193E}" type="datetimeFigureOut">
               <a:rPr lang="en-US" smtClean="0"/>
-              <a:t>8/29/22</a:t>
+              <a:t>9/6/22</a:t>
             </a:fld>
             <a:endParaRPr lang="en-US"/>
           </a:p>
@@ -905,7 +911,7 @@
           <a:p>
             <a:fld id="{7EAE8DEA-61CA-412C-9D6E-50DA161E193E}" type="datetimeFigureOut">
               <a:rPr lang="en-US" smtClean="0"/>
-              <a:t>8/29/22</a:t>
+              <a:t>9/6/22</a:t>
             </a:fld>
             <a:endParaRPr lang="en-US"/>
           </a:p>
@@ -1180,7 +1186,7 @@
           <a:p>
             <a:fld id="{7EAE8DEA-61CA-412C-9D6E-50DA161E193E}" type="datetimeFigureOut">
               <a:rPr lang="en-US" smtClean="0"/>
-              <a:t>8/29/22</a:t>
+              <a:t>9/6/22</a:t>
             </a:fld>
             <a:endParaRPr lang="en-US"/>
           </a:p>
@@ -1445,7 +1451,7 @@
           <a:p>
             <a:fld id="{7EAE8DEA-61CA-412C-9D6E-50DA161E193E}" type="datetimeFigureOut">
               <a:rPr lang="en-US" smtClean="0"/>
-              <a:t>8/29/22</a:t>
+              <a:t>9/6/22</a:t>
             </a:fld>
             <a:endParaRPr lang="en-US"/>
           </a:p>
@@ -1857,7 +1863,7 @@
           <a:p>
             <a:fld id="{7EAE8DEA-61CA-412C-9D6E-50DA161E193E}" type="datetimeFigureOut">
               <a:rPr lang="en-US" smtClean="0"/>
-              <a:t>8/29/22</a:t>
+              <a:t>9/6/22</a:t>
             </a:fld>
             <a:endParaRPr lang="en-US"/>
           </a:p>
@@ -1998,7 +2004,7 @@
           <a:p>
             <a:fld id="{7EAE8DEA-61CA-412C-9D6E-50DA161E193E}" type="datetimeFigureOut">
               <a:rPr lang="en-US" smtClean="0"/>
-              <a:t>8/29/22</a:t>
+              <a:t>9/6/22</a:t>
             </a:fld>
             <a:endParaRPr lang="en-US"/>
           </a:p>
@@ -2111,7 +2117,7 @@
           <a:p>
             <a:fld id="{7EAE8DEA-61CA-412C-9D6E-50DA161E193E}" type="datetimeFigureOut">
               <a:rPr lang="en-US" smtClean="0"/>
-              <a:t>8/29/22</a:t>
+              <a:t>9/6/22</a:t>
             </a:fld>
             <a:endParaRPr lang="en-US"/>
           </a:p>
@@ -2422,7 +2428,7 @@
           <a:p>
             <a:fld id="{7EAE8DEA-61CA-412C-9D6E-50DA161E193E}" type="datetimeFigureOut">
               <a:rPr lang="en-US" smtClean="0"/>
-              <a:t>8/29/22</a:t>
+              <a:t>9/6/22</a:t>
             </a:fld>
             <a:endParaRPr lang="en-US"/>
           </a:p>
@@ -2710,7 +2716,7 @@
           <a:p>
             <a:fld id="{7EAE8DEA-61CA-412C-9D6E-50DA161E193E}" type="datetimeFigureOut">
               <a:rPr lang="en-US" smtClean="0"/>
-              <a:t>8/29/22</a:t>
+              <a:t>9/6/22</a:t>
             </a:fld>
             <a:endParaRPr lang="en-US"/>
           </a:p>
@@ -2951,7 +2957,7 @@
           <a:p>
             <a:fld id="{7EAE8DEA-61CA-412C-9D6E-50DA161E193E}" type="datetimeFigureOut">
               <a:rPr lang="en-US" smtClean="0"/>
-              <a:t>8/29/22</a:t>
+              <a:t>9/6/22</a:t>
             </a:fld>
             <a:endParaRPr lang="en-US"/>
           </a:p>
@@ -40018,6 +40024,7292 @@
 </p:sld>
 </file>
 
+<file path=ppt/slides/slide44.xml><?xml version="1.0" encoding="utf-8"?>
+<p:sld xmlns:a="http://schemas.openxmlformats.org/drawingml/2006/main" xmlns:r="http://schemas.openxmlformats.org/officeDocument/2006/relationships" xmlns:p="http://schemas.openxmlformats.org/presentationml/2006/main">
+  <p:cSld>
+    <p:spTree>
+      <p:nvGrpSpPr>
+        <p:cNvPr id="1" name=""/>
+        <p:cNvGrpSpPr/>
+        <p:nvPr/>
+      </p:nvGrpSpPr>
+      <p:grpSpPr>
+        <a:xfrm>
+          <a:off x="0" y="0"/>
+          <a:ext cx="0" cy="0"/>
+          <a:chOff x="0" y="0"/>
+          <a:chExt cx="0" cy="0"/>
+        </a:xfrm>
+      </p:grpSpPr>
+      <p:sp>
+        <p:nvSpPr>
+          <p:cNvPr id="2" name="Rectangle 1">
+            <a:extLst>
+              <a:ext uri="{FF2B5EF4-FFF2-40B4-BE49-F238E27FC236}">
+                <a16:creationId xmlns:a16="http://schemas.microsoft.com/office/drawing/2014/main" id="{6D9A80C0-CA12-B34A-517A-FA62DD5B15BB}"/>
+              </a:ext>
+            </a:extLst>
+          </p:cNvPr>
+          <p:cNvSpPr/>
+          <p:nvPr/>
+        </p:nvSpPr>
+        <p:spPr>
+          <a:xfrm>
+            <a:off x="3051545" y="446568"/>
+            <a:ext cx="7102548" cy="5911702"/>
+          </a:xfrm>
+          <a:prstGeom prst="rect">
+            <a:avLst/>
+          </a:prstGeom>
+        </p:spPr>
+        <p:style>
+          <a:lnRef idx="2">
+            <a:schemeClr val="accent6"/>
+          </a:lnRef>
+          <a:fillRef idx="1">
+            <a:schemeClr val="lt1"/>
+          </a:fillRef>
+          <a:effectRef idx="0">
+            <a:schemeClr val="accent6"/>
+          </a:effectRef>
+          <a:fontRef idx="minor">
+            <a:schemeClr val="dk1"/>
+          </a:fontRef>
+        </p:style>
+        <p:txBody>
+          <a:bodyPr rtlCol="0" anchor="ctr"/>
+          <a:lstStyle/>
+          <a:p>
+            <a:pPr algn="ctr"/>
+            <a:endParaRPr lang="en-US"/>
+          </a:p>
+        </p:txBody>
+      </p:sp>
+      <p:sp>
+        <p:nvSpPr>
+          <p:cNvPr id="3" name="Rectangle 2">
+            <a:extLst>
+              <a:ext uri="{FF2B5EF4-FFF2-40B4-BE49-F238E27FC236}">
+                <a16:creationId xmlns:a16="http://schemas.microsoft.com/office/drawing/2014/main" id="{32FE6823-2A3F-4877-3982-E188A084026C}"/>
+              </a:ext>
+            </a:extLst>
+          </p:cNvPr>
+          <p:cNvSpPr/>
+          <p:nvPr/>
+        </p:nvSpPr>
+        <p:spPr>
+          <a:xfrm>
+            <a:off x="3296093" y="723014"/>
+            <a:ext cx="6517758" cy="712381"/>
+          </a:xfrm>
+          <a:prstGeom prst="rect">
+            <a:avLst/>
+          </a:prstGeom>
+        </p:spPr>
+        <p:style>
+          <a:lnRef idx="2">
+            <a:schemeClr val="accent1">
+              <a:shade val="50000"/>
+            </a:schemeClr>
+          </a:lnRef>
+          <a:fillRef idx="1">
+            <a:schemeClr val="accent1"/>
+          </a:fillRef>
+          <a:effectRef idx="0">
+            <a:schemeClr val="accent1"/>
+          </a:effectRef>
+          <a:fontRef idx="minor">
+            <a:schemeClr val="lt1"/>
+          </a:fontRef>
+        </p:style>
+        <p:txBody>
+          <a:bodyPr rtlCol="0" anchor="ctr"/>
+          <a:lstStyle/>
+          <a:p>
+            <a:pPr algn="ctr"/>
+            <a:r>
+              <a:rPr lang="en-US" dirty="0"/>
+              <a:t>Personal Finance App</a:t>
+            </a:r>
+          </a:p>
+        </p:txBody>
+      </p:sp>
+      <p:sp>
+        <p:nvSpPr>
+          <p:cNvPr id="4" name="Rectangle 3">
+            <a:extLst>
+              <a:ext uri="{FF2B5EF4-FFF2-40B4-BE49-F238E27FC236}">
+                <a16:creationId xmlns:a16="http://schemas.microsoft.com/office/drawing/2014/main" id="{156487A7-54C8-1EBA-5328-53AF13B7E14A}"/>
+              </a:ext>
+            </a:extLst>
+          </p:cNvPr>
+          <p:cNvSpPr/>
+          <p:nvPr/>
+        </p:nvSpPr>
+        <p:spPr>
+          <a:xfrm>
+            <a:off x="3296093" y="1711841"/>
+            <a:ext cx="6517758" cy="712381"/>
+          </a:xfrm>
+          <a:prstGeom prst="rect">
+            <a:avLst/>
+          </a:prstGeom>
+        </p:spPr>
+        <p:style>
+          <a:lnRef idx="2">
+            <a:schemeClr val="accent1">
+              <a:shade val="50000"/>
+            </a:schemeClr>
+          </a:lnRef>
+          <a:fillRef idx="1">
+            <a:schemeClr val="accent1"/>
+          </a:fillRef>
+          <a:effectRef idx="0">
+            <a:schemeClr val="accent1"/>
+          </a:effectRef>
+          <a:fontRef idx="minor">
+            <a:schemeClr val="lt1"/>
+          </a:fontRef>
+        </p:style>
+        <p:txBody>
+          <a:bodyPr rtlCol="0" anchor="ctr"/>
+          <a:lstStyle/>
+          <a:p>
+            <a:pPr algn="ctr"/>
+            <a:r>
+              <a:rPr lang="en-US" dirty="0"/>
+              <a:t>Corporate Finance App</a:t>
+            </a:r>
+          </a:p>
+        </p:txBody>
+      </p:sp>
+      <p:sp>
+        <p:nvSpPr>
+          <p:cNvPr id="5" name="Rectangle 4">
+            <a:extLst>
+              <a:ext uri="{FF2B5EF4-FFF2-40B4-BE49-F238E27FC236}">
+                <a16:creationId xmlns:a16="http://schemas.microsoft.com/office/drawing/2014/main" id="{71F431E1-B0DC-351E-8EED-2B75AF85AF87}"/>
+              </a:ext>
+            </a:extLst>
+          </p:cNvPr>
+          <p:cNvSpPr/>
+          <p:nvPr/>
+        </p:nvSpPr>
+        <p:spPr>
+          <a:xfrm>
+            <a:off x="3296093" y="2682063"/>
+            <a:ext cx="6517758" cy="712381"/>
+          </a:xfrm>
+          <a:prstGeom prst="rect">
+            <a:avLst/>
+          </a:prstGeom>
+        </p:spPr>
+        <p:style>
+          <a:lnRef idx="2">
+            <a:schemeClr val="accent1">
+              <a:shade val="50000"/>
+            </a:schemeClr>
+          </a:lnRef>
+          <a:fillRef idx="1">
+            <a:schemeClr val="accent1"/>
+          </a:fillRef>
+          <a:effectRef idx="0">
+            <a:schemeClr val="accent1"/>
+          </a:effectRef>
+          <a:fontRef idx="minor">
+            <a:schemeClr val="lt1"/>
+          </a:fontRef>
+        </p:style>
+        <p:txBody>
+          <a:bodyPr rtlCol="0" anchor="ctr"/>
+          <a:lstStyle/>
+          <a:p>
+            <a:pPr algn="ctr"/>
+            <a:r>
+              <a:rPr lang="en-US" dirty="0"/>
+              <a:t>Small Finance</a:t>
+            </a:r>
+          </a:p>
+        </p:txBody>
+      </p:sp>
+      <p:sp>
+        <p:nvSpPr>
+          <p:cNvPr id="6" name="Rectangle 5">
+            <a:extLst>
+              <a:ext uri="{FF2B5EF4-FFF2-40B4-BE49-F238E27FC236}">
+                <a16:creationId xmlns:a16="http://schemas.microsoft.com/office/drawing/2014/main" id="{746F3708-9913-44D3-380A-BDA434698ACC}"/>
+              </a:ext>
+            </a:extLst>
+          </p:cNvPr>
+          <p:cNvSpPr/>
+          <p:nvPr/>
+        </p:nvSpPr>
+        <p:spPr>
+          <a:xfrm>
+            <a:off x="3296093" y="3540642"/>
+            <a:ext cx="6517758" cy="712381"/>
+          </a:xfrm>
+          <a:prstGeom prst="rect">
+            <a:avLst/>
+          </a:prstGeom>
+        </p:spPr>
+        <p:style>
+          <a:lnRef idx="2">
+            <a:schemeClr val="accent1">
+              <a:shade val="50000"/>
+            </a:schemeClr>
+          </a:lnRef>
+          <a:fillRef idx="1">
+            <a:schemeClr val="accent1"/>
+          </a:fillRef>
+          <a:effectRef idx="0">
+            <a:schemeClr val="accent1"/>
+          </a:effectRef>
+          <a:fontRef idx="minor">
+            <a:schemeClr val="lt1"/>
+          </a:fontRef>
+        </p:style>
+        <p:txBody>
+          <a:bodyPr rtlCol="0" anchor="ctr"/>
+          <a:lstStyle/>
+          <a:p>
+            <a:pPr algn="ctr"/>
+            <a:r>
+              <a:rPr lang="en-US" dirty="0"/>
+              <a:t>Farming Finance</a:t>
+            </a:r>
+          </a:p>
+        </p:txBody>
+      </p:sp>
+      <p:sp>
+        <p:nvSpPr>
+          <p:cNvPr id="7" name="Rectangle 6">
+            <a:extLst>
+              <a:ext uri="{FF2B5EF4-FFF2-40B4-BE49-F238E27FC236}">
+                <a16:creationId xmlns:a16="http://schemas.microsoft.com/office/drawing/2014/main" id="{46A6322E-79CE-8024-D90C-FE042FFF6A4D}"/>
+              </a:ext>
+            </a:extLst>
+          </p:cNvPr>
+          <p:cNvSpPr/>
+          <p:nvPr/>
+        </p:nvSpPr>
+        <p:spPr>
+          <a:xfrm>
+            <a:off x="3296093" y="4545418"/>
+            <a:ext cx="6517758" cy="712381"/>
+          </a:xfrm>
+          <a:prstGeom prst="rect">
+            <a:avLst/>
+          </a:prstGeom>
+        </p:spPr>
+        <p:style>
+          <a:lnRef idx="2">
+            <a:schemeClr val="accent1">
+              <a:shade val="50000"/>
+            </a:schemeClr>
+          </a:lnRef>
+          <a:fillRef idx="1">
+            <a:schemeClr val="accent1"/>
+          </a:fillRef>
+          <a:effectRef idx="0">
+            <a:schemeClr val="accent1"/>
+          </a:effectRef>
+          <a:fontRef idx="minor">
+            <a:schemeClr val="lt1"/>
+          </a:fontRef>
+        </p:style>
+        <p:txBody>
+          <a:bodyPr rtlCol="0" anchor="ctr"/>
+          <a:lstStyle/>
+          <a:p>
+            <a:pPr algn="ctr"/>
+            <a:r>
+              <a:rPr lang="en-US" dirty="0"/>
+              <a:t>Educational Finance</a:t>
+            </a:r>
+          </a:p>
+        </p:txBody>
+      </p:sp>
+      <p:sp>
+        <p:nvSpPr>
+          <p:cNvPr id="8" name="Rectangle 7">
+            <a:extLst>
+              <a:ext uri="{FF2B5EF4-FFF2-40B4-BE49-F238E27FC236}">
+                <a16:creationId xmlns:a16="http://schemas.microsoft.com/office/drawing/2014/main" id="{71978A6B-8192-4E87-8AC9-F9BA18318BCE}"/>
+              </a:ext>
+            </a:extLst>
+          </p:cNvPr>
+          <p:cNvSpPr/>
+          <p:nvPr/>
+        </p:nvSpPr>
+        <p:spPr>
+          <a:xfrm>
+            <a:off x="3296093" y="5369443"/>
+            <a:ext cx="6517758" cy="712381"/>
+          </a:xfrm>
+          <a:prstGeom prst="rect">
+            <a:avLst/>
+          </a:prstGeom>
+        </p:spPr>
+        <p:style>
+          <a:lnRef idx="2">
+            <a:schemeClr val="accent1">
+              <a:shade val="50000"/>
+            </a:schemeClr>
+          </a:lnRef>
+          <a:fillRef idx="1">
+            <a:schemeClr val="accent1"/>
+          </a:fillRef>
+          <a:effectRef idx="0">
+            <a:schemeClr val="accent1"/>
+          </a:effectRef>
+          <a:fontRef idx="minor">
+            <a:schemeClr val="lt1"/>
+          </a:fontRef>
+        </p:style>
+        <p:txBody>
+          <a:bodyPr rtlCol="0" anchor="ctr"/>
+          <a:lstStyle/>
+          <a:p>
+            <a:pPr algn="ctr"/>
+            <a:r>
+              <a:rPr lang="en-US" dirty="0"/>
+              <a:t>Festival Finance</a:t>
+            </a:r>
+          </a:p>
+        </p:txBody>
+      </p:sp>
+      <p:sp>
+        <p:nvSpPr>
+          <p:cNvPr id="9" name="Rectangle 8">
+            <a:extLst>
+              <a:ext uri="{FF2B5EF4-FFF2-40B4-BE49-F238E27FC236}">
+                <a16:creationId xmlns:a16="http://schemas.microsoft.com/office/drawing/2014/main" id="{26BBCEAC-4F5B-8273-133E-D8912D884D59}"/>
+              </a:ext>
+            </a:extLst>
+          </p:cNvPr>
+          <p:cNvSpPr/>
+          <p:nvPr/>
+        </p:nvSpPr>
+        <p:spPr>
+          <a:xfrm>
+            <a:off x="765546" y="486440"/>
+            <a:ext cx="2105246" cy="5911702"/>
+          </a:xfrm>
+          <a:prstGeom prst="rect">
+            <a:avLst/>
+          </a:prstGeom>
+          <a:solidFill>
+            <a:schemeClr val="accent2"/>
+          </a:solidFill>
+        </p:spPr>
+        <p:style>
+          <a:lnRef idx="2">
+            <a:schemeClr val="accent1">
+              <a:shade val="50000"/>
+            </a:schemeClr>
+          </a:lnRef>
+          <a:fillRef idx="1">
+            <a:schemeClr val="accent1"/>
+          </a:fillRef>
+          <a:effectRef idx="0">
+            <a:schemeClr val="accent1"/>
+          </a:effectRef>
+          <a:fontRef idx="minor">
+            <a:schemeClr val="lt1"/>
+          </a:fontRef>
+        </p:style>
+        <p:txBody>
+          <a:bodyPr rtlCol="0" anchor="ctr"/>
+          <a:lstStyle/>
+          <a:p>
+            <a:pPr algn="ctr"/>
+            <a:r>
+              <a:rPr lang="en-US" b="1" dirty="0"/>
+              <a:t>API</a:t>
+            </a:r>
+          </a:p>
+          <a:p>
+            <a:pPr algn="ctr"/>
+            <a:r>
+              <a:rPr lang="en-US" b="1" dirty="0" err="1"/>
+              <a:t>GetPersonalFin</a:t>
+            </a:r>
+            <a:r>
+              <a:rPr lang="en-US" b="1" dirty="0"/>
+              <a:t>()</a:t>
+            </a:r>
+          </a:p>
+          <a:p>
+            <a:pPr algn="ctr"/>
+            <a:r>
+              <a:rPr lang="en-US" b="1" dirty="0" err="1"/>
+              <a:t>GetCorporateFin</a:t>
+            </a:r>
+            <a:r>
+              <a:rPr lang="en-US" b="1" dirty="0"/>
+              <a:t>()</a:t>
+            </a:r>
+          </a:p>
+          <a:p>
+            <a:pPr algn="ctr"/>
+            <a:r>
+              <a:rPr lang="en-US" b="1" dirty="0" err="1"/>
+              <a:t>GetSmallFin</a:t>
+            </a:r>
+            <a:r>
+              <a:rPr lang="en-US" b="1" dirty="0"/>
+              <a:t>()</a:t>
+            </a:r>
+          </a:p>
+          <a:p>
+            <a:pPr algn="ctr"/>
+            <a:r>
+              <a:rPr lang="en-US" b="1" dirty="0" err="1"/>
+              <a:t>GetFarmFin</a:t>
+            </a:r>
+            <a:r>
+              <a:rPr lang="en-US" b="1" dirty="0"/>
+              <a:t>()</a:t>
+            </a:r>
+          </a:p>
+        </p:txBody>
+      </p:sp>
+      <p:cxnSp>
+        <p:nvCxnSpPr>
+          <p:cNvPr id="11" name="Straight Arrow Connector 10">
+            <a:extLst>
+              <a:ext uri="{FF2B5EF4-FFF2-40B4-BE49-F238E27FC236}">
+                <a16:creationId xmlns:a16="http://schemas.microsoft.com/office/drawing/2014/main" id="{C334B1EC-51F1-115B-0550-393D74EF4A53}"/>
+              </a:ext>
+            </a:extLst>
+          </p:cNvPr>
+          <p:cNvCxnSpPr/>
+          <p:nvPr/>
+        </p:nvCxnSpPr>
+        <p:spPr>
+          <a:xfrm flipV="1">
+            <a:off x="2604977" y="1180214"/>
+            <a:ext cx="2796363" cy="1988288"/>
+          </a:xfrm>
+          <a:prstGeom prst="straightConnector1">
+            <a:avLst/>
+          </a:prstGeom>
+          <a:ln>
+            <a:solidFill>
+              <a:srgbClr val="FFFF00"/>
+            </a:solidFill>
+            <a:tailEnd type="triangle"/>
+          </a:ln>
+        </p:spPr>
+        <p:style>
+          <a:lnRef idx="1">
+            <a:schemeClr val="accent1"/>
+          </a:lnRef>
+          <a:fillRef idx="0">
+            <a:schemeClr val="accent1"/>
+          </a:fillRef>
+          <a:effectRef idx="0">
+            <a:schemeClr val="accent1"/>
+          </a:effectRef>
+          <a:fontRef idx="minor">
+            <a:schemeClr val="tx1"/>
+          </a:fontRef>
+        </p:style>
+      </p:cxnSp>
+      <p:cxnSp>
+        <p:nvCxnSpPr>
+          <p:cNvPr id="13" name="Straight Arrow Connector 12">
+            <a:extLst>
+              <a:ext uri="{FF2B5EF4-FFF2-40B4-BE49-F238E27FC236}">
+                <a16:creationId xmlns:a16="http://schemas.microsoft.com/office/drawing/2014/main" id="{326347B1-72F8-7EB8-3BDC-0E9FA07E221E}"/>
+              </a:ext>
+            </a:extLst>
+          </p:cNvPr>
+          <p:cNvCxnSpPr/>
+          <p:nvPr/>
+        </p:nvCxnSpPr>
+        <p:spPr>
+          <a:xfrm flipV="1">
+            <a:off x="2551814" y="2062716"/>
+            <a:ext cx="2945219" cy="1379575"/>
+          </a:xfrm>
+          <a:prstGeom prst="straightConnector1">
+            <a:avLst/>
+          </a:prstGeom>
+          <a:ln>
+            <a:solidFill>
+              <a:srgbClr val="FFFF00"/>
+            </a:solidFill>
+            <a:tailEnd type="triangle"/>
+          </a:ln>
+        </p:spPr>
+        <p:style>
+          <a:lnRef idx="1">
+            <a:schemeClr val="accent1"/>
+          </a:lnRef>
+          <a:fillRef idx="0">
+            <a:schemeClr val="accent1"/>
+          </a:fillRef>
+          <a:effectRef idx="0">
+            <a:schemeClr val="accent1"/>
+          </a:effectRef>
+          <a:fontRef idx="minor">
+            <a:schemeClr val="tx1"/>
+          </a:fontRef>
+        </p:style>
+      </p:cxnSp>
+      <p:sp>
+        <p:nvSpPr>
+          <p:cNvPr id="14" name="Can 13">
+            <a:extLst>
+              <a:ext uri="{FF2B5EF4-FFF2-40B4-BE49-F238E27FC236}">
+                <a16:creationId xmlns:a16="http://schemas.microsoft.com/office/drawing/2014/main" id="{997A7D40-E7F0-256D-7772-E5DB10DAC2E0}"/>
+              </a:ext>
+            </a:extLst>
+          </p:cNvPr>
+          <p:cNvSpPr/>
+          <p:nvPr/>
+        </p:nvSpPr>
+        <p:spPr>
+          <a:xfrm>
+            <a:off x="10373831" y="2105246"/>
+            <a:ext cx="1729563" cy="2190307"/>
+          </a:xfrm>
+          <a:prstGeom prst="can">
+            <a:avLst/>
+          </a:prstGeom>
+        </p:spPr>
+        <p:style>
+          <a:lnRef idx="2">
+            <a:schemeClr val="accent1">
+              <a:shade val="50000"/>
+            </a:schemeClr>
+          </a:lnRef>
+          <a:fillRef idx="1">
+            <a:schemeClr val="accent1"/>
+          </a:fillRef>
+          <a:effectRef idx="0">
+            <a:schemeClr val="accent1"/>
+          </a:effectRef>
+          <a:fontRef idx="minor">
+            <a:schemeClr val="lt1"/>
+          </a:fontRef>
+        </p:style>
+        <p:txBody>
+          <a:bodyPr rtlCol="0" anchor="ctr"/>
+          <a:lstStyle/>
+          <a:p>
+            <a:pPr algn="ctr"/>
+            <a:r>
+              <a:rPr lang="en-US" dirty="0"/>
+              <a:t>Finance</a:t>
+            </a:r>
+          </a:p>
+          <a:p>
+            <a:pPr algn="ctr"/>
+            <a:r>
+              <a:rPr lang="en-US" dirty="0"/>
+              <a:t>Database</a:t>
+            </a:r>
+          </a:p>
+        </p:txBody>
+      </p:sp>
+      <p:cxnSp>
+        <p:nvCxnSpPr>
+          <p:cNvPr id="16" name="Straight Arrow Connector 15">
+            <a:extLst>
+              <a:ext uri="{FF2B5EF4-FFF2-40B4-BE49-F238E27FC236}">
+                <a16:creationId xmlns:a16="http://schemas.microsoft.com/office/drawing/2014/main" id="{CF31A8DA-EC51-C041-F58E-8E8DD9A3556B}"/>
+              </a:ext>
+            </a:extLst>
+          </p:cNvPr>
+          <p:cNvCxnSpPr>
+            <a:cxnSpLocks/>
+            <a:stCxn id="3" idx="3"/>
+            <a:endCxn id="14" idx="2"/>
+          </p:cNvCxnSpPr>
+          <p:nvPr/>
+        </p:nvCxnSpPr>
+        <p:spPr>
+          <a:xfrm>
+            <a:off x="9813851" y="1079205"/>
+            <a:ext cx="559980" cy="2121195"/>
+          </a:xfrm>
+          <a:prstGeom prst="straightConnector1">
+            <a:avLst/>
+          </a:prstGeom>
+          <a:ln>
+            <a:headEnd type="triangle"/>
+            <a:tailEnd type="triangle"/>
+          </a:ln>
+        </p:spPr>
+        <p:style>
+          <a:lnRef idx="1">
+            <a:schemeClr val="accent1"/>
+          </a:lnRef>
+          <a:fillRef idx="0">
+            <a:schemeClr val="accent1"/>
+          </a:fillRef>
+          <a:effectRef idx="0">
+            <a:schemeClr val="accent1"/>
+          </a:effectRef>
+          <a:fontRef idx="minor">
+            <a:schemeClr val="tx1"/>
+          </a:fontRef>
+        </p:style>
+      </p:cxnSp>
+      <p:cxnSp>
+        <p:nvCxnSpPr>
+          <p:cNvPr id="19" name="Straight Arrow Connector 18">
+            <a:extLst>
+              <a:ext uri="{FF2B5EF4-FFF2-40B4-BE49-F238E27FC236}">
+                <a16:creationId xmlns:a16="http://schemas.microsoft.com/office/drawing/2014/main" id="{7ED5EEDF-62E6-910E-8B2A-1A3AE2F9228C}"/>
+              </a:ext>
+            </a:extLst>
+          </p:cNvPr>
+          <p:cNvCxnSpPr>
+            <a:endCxn id="14" idx="2"/>
+          </p:cNvCxnSpPr>
+          <p:nvPr/>
+        </p:nvCxnSpPr>
+        <p:spPr>
+          <a:xfrm>
+            <a:off x="9813851" y="2062716"/>
+            <a:ext cx="559980" cy="1137684"/>
+          </a:xfrm>
+          <a:prstGeom prst="straightConnector1">
+            <a:avLst/>
+          </a:prstGeom>
+          <a:ln>
+            <a:headEnd type="triangle"/>
+            <a:tailEnd type="triangle"/>
+          </a:ln>
+        </p:spPr>
+        <p:style>
+          <a:lnRef idx="1">
+            <a:schemeClr val="accent1"/>
+          </a:lnRef>
+          <a:fillRef idx="0">
+            <a:schemeClr val="accent1"/>
+          </a:fillRef>
+          <a:effectRef idx="0">
+            <a:schemeClr val="accent1"/>
+          </a:effectRef>
+          <a:fontRef idx="minor">
+            <a:schemeClr val="tx1"/>
+          </a:fontRef>
+        </p:style>
+      </p:cxnSp>
+      <p:cxnSp>
+        <p:nvCxnSpPr>
+          <p:cNvPr id="21" name="Straight Arrow Connector 20">
+            <a:extLst>
+              <a:ext uri="{FF2B5EF4-FFF2-40B4-BE49-F238E27FC236}">
+                <a16:creationId xmlns:a16="http://schemas.microsoft.com/office/drawing/2014/main" id="{7D3B729E-A0F5-5FC9-ECB9-7FFDDFB9C58E}"/>
+              </a:ext>
+            </a:extLst>
+          </p:cNvPr>
+          <p:cNvCxnSpPr>
+            <a:endCxn id="14" idx="2"/>
+          </p:cNvCxnSpPr>
+          <p:nvPr/>
+        </p:nvCxnSpPr>
+        <p:spPr>
+          <a:xfrm>
+            <a:off x="9813851" y="3038253"/>
+            <a:ext cx="559980" cy="162147"/>
+          </a:xfrm>
+          <a:prstGeom prst="straightConnector1">
+            <a:avLst/>
+          </a:prstGeom>
+          <a:ln>
+            <a:headEnd type="triangle"/>
+            <a:tailEnd type="triangle"/>
+          </a:ln>
+        </p:spPr>
+        <p:style>
+          <a:lnRef idx="1">
+            <a:schemeClr val="accent1"/>
+          </a:lnRef>
+          <a:fillRef idx="0">
+            <a:schemeClr val="accent1"/>
+          </a:fillRef>
+          <a:effectRef idx="0">
+            <a:schemeClr val="accent1"/>
+          </a:effectRef>
+          <a:fontRef idx="minor">
+            <a:schemeClr val="tx1"/>
+          </a:fontRef>
+        </p:style>
+      </p:cxnSp>
+      <p:cxnSp>
+        <p:nvCxnSpPr>
+          <p:cNvPr id="23" name="Straight Arrow Connector 22">
+            <a:extLst>
+              <a:ext uri="{FF2B5EF4-FFF2-40B4-BE49-F238E27FC236}">
+                <a16:creationId xmlns:a16="http://schemas.microsoft.com/office/drawing/2014/main" id="{A8729BF4-682A-0CEE-9F30-993C400091F6}"/>
+              </a:ext>
+            </a:extLst>
+          </p:cNvPr>
+          <p:cNvCxnSpPr>
+            <a:stCxn id="6" idx="3"/>
+            <a:endCxn id="14" idx="2"/>
+          </p:cNvCxnSpPr>
+          <p:nvPr/>
+        </p:nvCxnSpPr>
+        <p:spPr>
+          <a:xfrm flipV="1">
+            <a:off x="9813851" y="3200400"/>
+            <a:ext cx="559980" cy="696433"/>
+          </a:xfrm>
+          <a:prstGeom prst="straightConnector1">
+            <a:avLst/>
+          </a:prstGeom>
+          <a:ln>
+            <a:headEnd type="triangle"/>
+            <a:tailEnd type="triangle"/>
+          </a:ln>
+        </p:spPr>
+        <p:style>
+          <a:lnRef idx="1">
+            <a:schemeClr val="accent1"/>
+          </a:lnRef>
+          <a:fillRef idx="0">
+            <a:schemeClr val="accent1"/>
+          </a:fillRef>
+          <a:effectRef idx="0">
+            <a:schemeClr val="accent1"/>
+          </a:effectRef>
+          <a:fontRef idx="minor">
+            <a:schemeClr val="tx1"/>
+          </a:fontRef>
+        </p:style>
+      </p:cxnSp>
+      <p:cxnSp>
+        <p:nvCxnSpPr>
+          <p:cNvPr id="25" name="Straight Arrow Connector 24">
+            <a:extLst>
+              <a:ext uri="{FF2B5EF4-FFF2-40B4-BE49-F238E27FC236}">
+                <a16:creationId xmlns:a16="http://schemas.microsoft.com/office/drawing/2014/main" id="{4BE5B71C-1440-915C-6698-D2ADD4BD23EA}"/>
+              </a:ext>
+            </a:extLst>
+          </p:cNvPr>
+          <p:cNvCxnSpPr>
+            <a:stCxn id="7" idx="3"/>
+            <a:endCxn id="14" idx="2"/>
+          </p:cNvCxnSpPr>
+          <p:nvPr/>
+        </p:nvCxnSpPr>
+        <p:spPr>
+          <a:xfrm flipV="1">
+            <a:off x="9813851" y="3200400"/>
+            <a:ext cx="559980" cy="1701209"/>
+          </a:xfrm>
+          <a:prstGeom prst="straightConnector1">
+            <a:avLst/>
+          </a:prstGeom>
+          <a:ln>
+            <a:headEnd type="triangle"/>
+            <a:tailEnd type="triangle"/>
+          </a:ln>
+        </p:spPr>
+        <p:style>
+          <a:lnRef idx="1">
+            <a:schemeClr val="accent1"/>
+          </a:lnRef>
+          <a:fillRef idx="0">
+            <a:schemeClr val="accent1"/>
+          </a:fillRef>
+          <a:effectRef idx="0">
+            <a:schemeClr val="accent1"/>
+          </a:effectRef>
+          <a:fontRef idx="minor">
+            <a:schemeClr val="tx1"/>
+          </a:fontRef>
+        </p:style>
+      </p:cxnSp>
+      <p:cxnSp>
+        <p:nvCxnSpPr>
+          <p:cNvPr id="28" name="Straight Arrow Connector 27">
+            <a:extLst>
+              <a:ext uri="{FF2B5EF4-FFF2-40B4-BE49-F238E27FC236}">
+                <a16:creationId xmlns:a16="http://schemas.microsoft.com/office/drawing/2014/main" id="{80831352-B998-C3FB-1F04-79937A33A225}"/>
+              </a:ext>
+            </a:extLst>
+          </p:cNvPr>
+          <p:cNvCxnSpPr>
+            <a:endCxn id="14" idx="2"/>
+          </p:cNvCxnSpPr>
+          <p:nvPr/>
+        </p:nvCxnSpPr>
+        <p:spPr>
+          <a:xfrm flipV="1">
+            <a:off x="9813851" y="3200400"/>
+            <a:ext cx="559980" cy="2525233"/>
+          </a:xfrm>
+          <a:prstGeom prst="straightConnector1">
+            <a:avLst/>
+          </a:prstGeom>
+          <a:ln>
+            <a:headEnd type="triangle"/>
+            <a:tailEnd type="triangle"/>
+          </a:ln>
+        </p:spPr>
+        <p:style>
+          <a:lnRef idx="1">
+            <a:schemeClr val="accent1"/>
+          </a:lnRef>
+          <a:fillRef idx="0">
+            <a:schemeClr val="accent1"/>
+          </a:fillRef>
+          <a:effectRef idx="0">
+            <a:schemeClr val="accent1"/>
+          </a:effectRef>
+          <a:fontRef idx="minor">
+            <a:schemeClr val="tx1"/>
+          </a:fontRef>
+        </p:style>
+      </p:cxnSp>
+      <p:sp>
+        <p:nvSpPr>
+          <p:cNvPr id="29" name="Rectangle 28">
+            <a:extLst>
+              <a:ext uri="{FF2B5EF4-FFF2-40B4-BE49-F238E27FC236}">
+                <a16:creationId xmlns:a16="http://schemas.microsoft.com/office/drawing/2014/main" id="{C4368CBA-321E-64C3-24C1-585DC30066CD}"/>
+              </a:ext>
+            </a:extLst>
+          </p:cNvPr>
+          <p:cNvSpPr/>
+          <p:nvPr/>
+        </p:nvSpPr>
+        <p:spPr>
+          <a:xfrm>
+            <a:off x="67341" y="1238693"/>
+            <a:ext cx="584790" cy="1472610"/>
+          </a:xfrm>
+          <a:prstGeom prst="rect">
+            <a:avLst/>
+          </a:prstGeom>
+        </p:spPr>
+        <p:style>
+          <a:lnRef idx="2">
+            <a:schemeClr val="accent1">
+              <a:shade val="50000"/>
+            </a:schemeClr>
+          </a:lnRef>
+          <a:fillRef idx="1">
+            <a:schemeClr val="accent1"/>
+          </a:fillRef>
+          <a:effectRef idx="0">
+            <a:schemeClr val="accent1"/>
+          </a:effectRef>
+          <a:fontRef idx="minor">
+            <a:schemeClr val="lt1"/>
+          </a:fontRef>
+        </p:style>
+        <p:txBody>
+          <a:bodyPr rtlCol="0" anchor="ctr"/>
+          <a:lstStyle/>
+          <a:p>
+            <a:pPr algn="ctr"/>
+            <a:r>
+              <a:rPr lang="en-US" b="1" i="1" u="sng" dirty="0"/>
+              <a:t>UI</a:t>
+            </a:r>
+          </a:p>
+          <a:p>
+            <a:pPr algn="ctr"/>
+            <a:r>
+              <a:rPr lang="en-US" b="1" i="1" u="sng" dirty="0"/>
+              <a:t>APP</a:t>
+            </a:r>
+          </a:p>
+        </p:txBody>
+      </p:sp>
+      <p:sp>
+        <p:nvSpPr>
+          <p:cNvPr id="30" name="TextBox 29">
+            <a:extLst>
+              <a:ext uri="{FF2B5EF4-FFF2-40B4-BE49-F238E27FC236}">
+                <a16:creationId xmlns:a16="http://schemas.microsoft.com/office/drawing/2014/main" id="{0D6CF946-3BEE-A118-0360-E46629FEB111}"/>
+              </a:ext>
+            </a:extLst>
+          </p:cNvPr>
+          <p:cNvSpPr txBox="1"/>
+          <p:nvPr/>
+        </p:nvSpPr>
+        <p:spPr>
+          <a:xfrm>
+            <a:off x="3880884" y="0"/>
+            <a:ext cx="4770475" cy="369332"/>
+          </a:xfrm>
+          <a:prstGeom prst="rect">
+            <a:avLst/>
+          </a:prstGeom>
+          <a:noFill/>
+        </p:spPr>
+        <p:txBody>
+          <a:bodyPr wrap="square" rtlCol="0">
+            <a:spAutoFit/>
+          </a:bodyPr>
+          <a:lstStyle/>
+          <a:p>
+            <a:pPr algn="ctr"/>
+            <a:r>
+              <a:rPr lang="en-US" b="1" dirty="0"/>
+              <a:t>BIZ WFs</a:t>
+            </a:r>
+          </a:p>
+        </p:txBody>
+      </p:sp>
+      <p:sp>
+        <p:nvSpPr>
+          <p:cNvPr id="31" name="TextBox 30">
+            <a:extLst>
+              <a:ext uri="{FF2B5EF4-FFF2-40B4-BE49-F238E27FC236}">
+                <a16:creationId xmlns:a16="http://schemas.microsoft.com/office/drawing/2014/main" id="{5EFDA1AE-6C63-9C81-465B-684CD1574D9E}"/>
+              </a:ext>
+            </a:extLst>
+          </p:cNvPr>
+          <p:cNvSpPr txBox="1"/>
+          <p:nvPr/>
+        </p:nvSpPr>
+        <p:spPr>
+          <a:xfrm>
+            <a:off x="10398641" y="4657060"/>
+            <a:ext cx="1708298" cy="646331"/>
+          </a:xfrm>
+          <a:prstGeom prst="rect">
+            <a:avLst/>
+          </a:prstGeom>
+          <a:noFill/>
+        </p:spPr>
+        <p:txBody>
+          <a:bodyPr wrap="square" rtlCol="0">
+            <a:spAutoFit/>
+          </a:bodyPr>
+          <a:lstStyle/>
+          <a:p>
+            <a:r>
+              <a:rPr lang="en-US" b="1" dirty="0"/>
+              <a:t>MONOLITHIC</a:t>
+            </a:r>
+          </a:p>
+          <a:p>
+            <a:r>
+              <a:rPr lang="en-US" b="1" dirty="0"/>
+              <a:t>APPLICATION</a:t>
+            </a:r>
+          </a:p>
+        </p:txBody>
+      </p:sp>
+      <p:cxnSp>
+        <p:nvCxnSpPr>
+          <p:cNvPr id="33" name="Straight Arrow Connector 32">
+            <a:extLst>
+              <a:ext uri="{FF2B5EF4-FFF2-40B4-BE49-F238E27FC236}">
+                <a16:creationId xmlns:a16="http://schemas.microsoft.com/office/drawing/2014/main" id="{03D240D0-A839-BC53-C881-4FC022B0AEFE}"/>
+              </a:ext>
+            </a:extLst>
+          </p:cNvPr>
+          <p:cNvCxnSpPr/>
+          <p:nvPr/>
+        </p:nvCxnSpPr>
+        <p:spPr>
+          <a:xfrm>
+            <a:off x="8261498" y="959589"/>
+            <a:ext cx="0" cy="1842091"/>
+          </a:xfrm>
+          <a:prstGeom prst="straightConnector1">
+            <a:avLst/>
+          </a:prstGeom>
+          <a:ln w="57150">
+            <a:solidFill>
+              <a:srgbClr val="FF0000"/>
+            </a:solidFill>
+            <a:headEnd type="triangle"/>
+            <a:tailEnd type="triangle"/>
+          </a:ln>
+        </p:spPr>
+        <p:style>
+          <a:lnRef idx="1">
+            <a:schemeClr val="accent1"/>
+          </a:lnRef>
+          <a:fillRef idx="0">
+            <a:schemeClr val="accent1"/>
+          </a:fillRef>
+          <a:effectRef idx="0">
+            <a:schemeClr val="accent1"/>
+          </a:effectRef>
+          <a:fontRef idx="minor">
+            <a:schemeClr val="tx1"/>
+          </a:fontRef>
+        </p:style>
+      </p:cxnSp>
+      <p:cxnSp>
+        <p:nvCxnSpPr>
+          <p:cNvPr id="34" name="Straight Arrow Connector 33">
+            <a:extLst>
+              <a:ext uri="{FF2B5EF4-FFF2-40B4-BE49-F238E27FC236}">
+                <a16:creationId xmlns:a16="http://schemas.microsoft.com/office/drawing/2014/main" id="{B28185FC-7010-2982-2D89-5B53B9FEE9FC}"/>
+              </a:ext>
+            </a:extLst>
+          </p:cNvPr>
+          <p:cNvCxnSpPr/>
+          <p:nvPr/>
+        </p:nvCxnSpPr>
+        <p:spPr>
+          <a:xfrm>
+            <a:off x="8796670" y="3119326"/>
+            <a:ext cx="0" cy="1842091"/>
+          </a:xfrm>
+          <a:prstGeom prst="straightConnector1">
+            <a:avLst/>
+          </a:prstGeom>
+          <a:ln w="57150">
+            <a:solidFill>
+              <a:srgbClr val="FF0000"/>
+            </a:solidFill>
+            <a:headEnd type="triangle"/>
+            <a:tailEnd type="triangle"/>
+          </a:ln>
+        </p:spPr>
+        <p:style>
+          <a:lnRef idx="1">
+            <a:schemeClr val="accent1"/>
+          </a:lnRef>
+          <a:fillRef idx="0">
+            <a:schemeClr val="accent1"/>
+          </a:fillRef>
+          <a:effectRef idx="0">
+            <a:schemeClr val="accent1"/>
+          </a:effectRef>
+          <a:fontRef idx="minor">
+            <a:schemeClr val="tx1"/>
+          </a:fontRef>
+        </p:style>
+      </p:cxnSp>
+      <p:cxnSp>
+        <p:nvCxnSpPr>
+          <p:cNvPr id="35" name="Straight Arrow Connector 34">
+            <a:extLst>
+              <a:ext uri="{FF2B5EF4-FFF2-40B4-BE49-F238E27FC236}">
+                <a16:creationId xmlns:a16="http://schemas.microsoft.com/office/drawing/2014/main" id="{6C8185CA-CF54-138C-8A68-44EB4030979F}"/>
+              </a:ext>
+            </a:extLst>
+          </p:cNvPr>
+          <p:cNvCxnSpPr>
+            <a:cxnSpLocks/>
+          </p:cNvCxnSpPr>
+          <p:nvPr/>
+        </p:nvCxnSpPr>
+        <p:spPr>
+          <a:xfrm>
+            <a:off x="4983126" y="2292201"/>
+            <a:ext cx="0" cy="2609407"/>
+          </a:xfrm>
+          <a:prstGeom prst="straightConnector1">
+            <a:avLst/>
+          </a:prstGeom>
+          <a:ln w="57150">
+            <a:solidFill>
+              <a:srgbClr val="FF0000"/>
+            </a:solidFill>
+            <a:headEnd type="triangle"/>
+            <a:tailEnd type="triangle"/>
+          </a:ln>
+        </p:spPr>
+        <p:style>
+          <a:lnRef idx="1">
+            <a:schemeClr val="accent1"/>
+          </a:lnRef>
+          <a:fillRef idx="0">
+            <a:schemeClr val="accent1"/>
+          </a:fillRef>
+          <a:effectRef idx="0">
+            <a:schemeClr val="accent1"/>
+          </a:effectRef>
+          <a:fontRef idx="minor">
+            <a:schemeClr val="tx1"/>
+          </a:fontRef>
+        </p:style>
+      </p:cxnSp>
+      <p:cxnSp>
+        <p:nvCxnSpPr>
+          <p:cNvPr id="37" name="Straight Arrow Connector 36">
+            <a:extLst>
+              <a:ext uri="{FF2B5EF4-FFF2-40B4-BE49-F238E27FC236}">
+                <a16:creationId xmlns:a16="http://schemas.microsoft.com/office/drawing/2014/main" id="{C9F78C50-3D75-3E2D-8541-B322009E32C8}"/>
+              </a:ext>
+            </a:extLst>
+          </p:cNvPr>
+          <p:cNvCxnSpPr>
+            <a:cxnSpLocks/>
+          </p:cNvCxnSpPr>
+          <p:nvPr/>
+        </p:nvCxnSpPr>
+        <p:spPr>
+          <a:xfrm>
+            <a:off x="3880884" y="931235"/>
+            <a:ext cx="0" cy="4794398"/>
+          </a:xfrm>
+          <a:prstGeom prst="straightConnector1">
+            <a:avLst/>
+          </a:prstGeom>
+          <a:ln w="57150">
+            <a:solidFill>
+              <a:srgbClr val="FF0000"/>
+            </a:solidFill>
+            <a:headEnd type="triangle"/>
+            <a:tailEnd type="triangle"/>
+          </a:ln>
+        </p:spPr>
+        <p:style>
+          <a:lnRef idx="1">
+            <a:schemeClr val="accent1"/>
+          </a:lnRef>
+          <a:fillRef idx="0">
+            <a:schemeClr val="accent1"/>
+          </a:fillRef>
+          <a:effectRef idx="0">
+            <a:schemeClr val="accent1"/>
+          </a:effectRef>
+          <a:fontRef idx="minor">
+            <a:schemeClr val="tx1"/>
+          </a:fontRef>
+        </p:style>
+      </p:cxnSp>
+      <p:sp>
+        <p:nvSpPr>
+          <p:cNvPr id="39" name="Rectangle 38">
+            <a:extLst>
+              <a:ext uri="{FF2B5EF4-FFF2-40B4-BE49-F238E27FC236}">
+                <a16:creationId xmlns:a16="http://schemas.microsoft.com/office/drawing/2014/main" id="{F5EDA15A-855B-9CF9-63DC-A90A2619C199}"/>
+              </a:ext>
+            </a:extLst>
+          </p:cNvPr>
+          <p:cNvSpPr/>
+          <p:nvPr/>
+        </p:nvSpPr>
+        <p:spPr>
+          <a:xfrm>
+            <a:off x="67343" y="2990406"/>
+            <a:ext cx="584790" cy="1472610"/>
+          </a:xfrm>
+          <a:prstGeom prst="rect">
+            <a:avLst/>
+          </a:prstGeom>
+        </p:spPr>
+        <p:style>
+          <a:lnRef idx="2">
+            <a:schemeClr val="accent1">
+              <a:shade val="50000"/>
+            </a:schemeClr>
+          </a:lnRef>
+          <a:fillRef idx="1">
+            <a:schemeClr val="accent1"/>
+          </a:fillRef>
+          <a:effectRef idx="0">
+            <a:schemeClr val="accent1"/>
+          </a:effectRef>
+          <a:fontRef idx="minor">
+            <a:schemeClr val="lt1"/>
+          </a:fontRef>
+        </p:style>
+        <p:txBody>
+          <a:bodyPr rtlCol="0" anchor="ctr"/>
+          <a:lstStyle/>
+          <a:p>
+            <a:pPr algn="ctr"/>
+            <a:r>
+              <a:rPr lang="en-US" b="1" i="1" u="sng" dirty="0"/>
+              <a:t>UI</a:t>
+            </a:r>
+          </a:p>
+          <a:p>
+            <a:pPr algn="ctr"/>
+            <a:r>
+              <a:rPr lang="en-US" b="1" i="1" u="sng" dirty="0"/>
+              <a:t>APP</a:t>
+            </a:r>
+          </a:p>
+        </p:txBody>
+      </p:sp>
+      <p:sp>
+        <p:nvSpPr>
+          <p:cNvPr id="40" name="Rectangle 39">
+            <a:extLst>
+              <a:ext uri="{FF2B5EF4-FFF2-40B4-BE49-F238E27FC236}">
+                <a16:creationId xmlns:a16="http://schemas.microsoft.com/office/drawing/2014/main" id="{37096339-291E-61ED-0D34-CE01097582E4}"/>
+              </a:ext>
+            </a:extLst>
+          </p:cNvPr>
+          <p:cNvSpPr/>
+          <p:nvPr/>
+        </p:nvSpPr>
+        <p:spPr>
+          <a:xfrm>
+            <a:off x="81519" y="4657060"/>
+            <a:ext cx="584790" cy="1472610"/>
+          </a:xfrm>
+          <a:prstGeom prst="rect">
+            <a:avLst/>
+          </a:prstGeom>
+        </p:spPr>
+        <p:style>
+          <a:lnRef idx="2">
+            <a:schemeClr val="accent1">
+              <a:shade val="50000"/>
+            </a:schemeClr>
+          </a:lnRef>
+          <a:fillRef idx="1">
+            <a:schemeClr val="accent1"/>
+          </a:fillRef>
+          <a:effectRef idx="0">
+            <a:schemeClr val="accent1"/>
+          </a:effectRef>
+          <a:fontRef idx="minor">
+            <a:schemeClr val="lt1"/>
+          </a:fontRef>
+        </p:style>
+        <p:txBody>
+          <a:bodyPr rtlCol="0" anchor="ctr"/>
+          <a:lstStyle/>
+          <a:p>
+            <a:pPr algn="ctr"/>
+            <a:r>
+              <a:rPr lang="en-US" b="1" i="1" u="sng" dirty="0"/>
+              <a:t>UI</a:t>
+            </a:r>
+          </a:p>
+          <a:p>
+            <a:pPr algn="ctr"/>
+            <a:r>
+              <a:rPr lang="en-US" b="1" i="1" u="sng" dirty="0"/>
+              <a:t>APP</a:t>
+            </a:r>
+          </a:p>
+        </p:txBody>
+      </p:sp>
+    </p:spTree>
+    <p:extLst>
+      <p:ext uri="{BB962C8B-B14F-4D97-AF65-F5344CB8AC3E}">
+        <p14:creationId xmlns:p14="http://schemas.microsoft.com/office/powerpoint/2010/main" val="2013390933"/>
+      </p:ext>
+    </p:extLst>
+  </p:cSld>
+  <p:clrMapOvr>
+    <a:masterClrMapping/>
+  </p:clrMapOvr>
+</p:sld>
+</file>
+
+<file path=ppt/slides/slide45.xml><?xml version="1.0" encoding="utf-8"?>
+<p:sld xmlns:a="http://schemas.openxmlformats.org/drawingml/2006/main" xmlns:r="http://schemas.openxmlformats.org/officeDocument/2006/relationships" xmlns:p="http://schemas.openxmlformats.org/presentationml/2006/main">
+  <p:cSld>
+    <p:spTree>
+      <p:nvGrpSpPr>
+        <p:cNvPr id="1" name=""/>
+        <p:cNvGrpSpPr/>
+        <p:nvPr/>
+      </p:nvGrpSpPr>
+      <p:grpSpPr>
+        <a:xfrm>
+          <a:off x="0" y="0"/>
+          <a:ext cx="0" cy="0"/>
+          <a:chOff x="0" y="0"/>
+          <a:chExt cx="0" cy="0"/>
+        </a:xfrm>
+      </p:grpSpPr>
+      <p:sp>
+        <p:nvSpPr>
+          <p:cNvPr id="2" name="Cube 1">
+            <a:extLst>
+              <a:ext uri="{FF2B5EF4-FFF2-40B4-BE49-F238E27FC236}">
+                <a16:creationId xmlns:a16="http://schemas.microsoft.com/office/drawing/2014/main" id="{7AFCC0BA-4D15-8F4F-5DAA-69BBA4C7C82F}"/>
+              </a:ext>
+            </a:extLst>
+          </p:cNvPr>
+          <p:cNvSpPr/>
+          <p:nvPr/>
+        </p:nvSpPr>
+        <p:spPr>
+          <a:xfrm>
+            <a:off x="265814" y="1143000"/>
+            <a:ext cx="5380074" cy="5449186"/>
+          </a:xfrm>
+          <a:prstGeom prst="cube">
+            <a:avLst>
+              <a:gd name="adj" fmla="val 9419"/>
+            </a:avLst>
+          </a:prstGeom>
+        </p:spPr>
+        <p:style>
+          <a:lnRef idx="2">
+            <a:schemeClr val="accent1">
+              <a:shade val="50000"/>
+            </a:schemeClr>
+          </a:lnRef>
+          <a:fillRef idx="1">
+            <a:schemeClr val="accent1"/>
+          </a:fillRef>
+          <a:effectRef idx="0">
+            <a:schemeClr val="accent1"/>
+          </a:effectRef>
+          <a:fontRef idx="minor">
+            <a:schemeClr val="lt1"/>
+          </a:fontRef>
+        </p:style>
+        <p:txBody>
+          <a:bodyPr rtlCol="0" anchor="ctr"/>
+          <a:lstStyle/>
+          <a:p>
+            <a:pPr algn="ctr"/>
+            <a:endParaRPr lang="en-US"/>
+          </a:p>
+        </p:txBody>
+      </p:sp>
+      <p:sp>
+        <p:nvSpPr>
+          <p:cNvPr id="3" name="TextBox 2">
+            <a:extLst>
+              <a:ext uri="{FF2B5EF4-FFF2-40B4-BE49-F238E27FC236}">
+                <a16:creationId xmlns:a16="http://schemas.microsoft.com/office/drawing/2014/main" id="{C4D2E508-836E-8C4D-50DB-D99577C71A6F}"/>
+              </a:ext>
+            </a:extLst>
+          </p:cNvPr>
+          <p:cNvSpPr txBox="1"/>
+          <p:nvPr/>
+        </p:nvSpPr>
+        <p:spPr>
+          <a:xfrm>
+            <a:off x="616688" y="404037"/>
+            <a:ext cx="4837814" cy="369332"/>
+          </a:xfrm>
+          <a:prstGeom prst="rect">
+            <a:avLst/>
+          </a:prstGeom>
+          <a:noFill/>
+        </p:spPr>
+        <p:txBody>
+          <a:bodyPr wrap="square" rtlCol="0">
+            <a:spAutoFit/>
+          </a:bodyPr>
+          <a:lstStyle/>
+          <a:p>
+            <a:pPr algn="ctr"/>
+            <a:r>
+              <a:rPr lang="en-US" dirty="0"/>
+              <a:t>Data Center Rack 1</a:t>
+            </a:r>
+          </a:p>
+        </p:txBody>
+      </p:sp>
+      <p:sp>
+        <p:nvSpPr>
+          <p:cNvPr id="4" name="Rectangle 3">
+            <a:extLst>
+              <a:ext uri="{FF2B5EF4-FFF2-40B4-BE49-F238E27FC236}">
+                <a16:creationId xmlns:a16="http://schemas.microsoft.com/office/drawing/2014/main" id="{72EACB82-87E8-ED91-C134-872D4C605390}"/>
+              </a:ext>
+            </a:extLst>
+          </p:cNvPr>
+          <p:cNvSpPr/>
+          <p:nvPr/>
+        </p:nvSpPr>
+        <p:spPr>
+          <a:xfrm>
+            <a:off x="318977" y="1828800"/>
+            <a:ext cx="1435395" cy="882502"/>
+          </a:xfrm>
+          <a:prstGeom prst="rect">
+            <a:avLst/>
+          </a:prstGeom>
+          <a:solidFill>
+            <a:srgbClr val="FFFF00"/>
+          </a:solidFill>
+        </p:spPr>
+        <p:style>
+          <a:lnRef idx="2">
+            <a:schemeClr val="accent1">
+              <a:shade val="50000"/>
+            </a:schemeClr>
+          </a:lnRef>
+          <a:fillRef idx="1">
+            <a:schemeClr val="accent1"/>
+          </a:fillRef>
+          <a:effectRef idx="0">
+            <a:schemeClr val="accent1"/>
+          </a:effectRef>
+          <a:fontRef idx="minor">
+            <a:schemeClr val="lt1"/>
+          </a:fontRef>
+        </p:style>
+        <p:txBody>
+          <a:bodyPr rtlCol="0" anchor="ctr"/>
+          <a:lstStyle/>
+          <a:p>
+            <a:pPr algn="ctr"/>
+            <a:r>
+              <a:rPr lang="en-US" b="1" dirty="0">
+                <a:ln>
+                  <a:solidFill>
+                    <a:srgbClr val="FF0000"/>
+                  </a:solidFill>
+                </a:ln>
+              </a:rPr>
+              <a:t>VM 1 with App</a:t>
+            </a:r>
+          </a:p>
+        </p:txBody>
+      </p:sp>
+      <p:sp>
+        <p:nvSpPr>
+          <p:cNvPr id="5" name="Rectangle 4">
+            <a:extLst>
+              <a:ext uri="{FF2B5EF4-FFF2-40B4-BE49-F238E27FC236}">
+                <a16:creationId xmlns:a16="http://schemas.microsoft.com/office/drawing/2014/main" id="{4AB73EBB-A99D-F82C-DA5A-06E79DDFDDC6}"/>
+              </a:ext>
+            </a:extLst>
+          </p:cNvPr>
+          <p:cNvSpPr/>
+          <p:nvPr/>
+        </p:nvSpPr>
+        <p:spPr>
+          <a:xfrm>
+            <a:off x="1937784" y="1828800"/>
+            <a:ext cx="1435395" cy="882502"/>
+          </a:xfrm>
+          <a:prstGeom prst="rect">
+            <a:avLst/>
+          </a:prstGeom>
+          <a:solidFill>
+            <a:srgbClr val="FFFF00"/>
+          </a:solidFill>
+        </p:spPr>
+        <p:style>
+          <a:lnRef idx="2">
+            <a:schemeClr val="accent1">
+              <a:shade val="50000"/>
+            </a:schemeClr>
+          </a:lnRef>
+          <a:fillRef idx="1">
+            <a:schemeClr val="accent1"/>
+          </a:fillRef>
+          <a:effectRef idx="0">
+            <a:schemeClr val="accent1"/>
+          </a:effectRef>
+          <a:fontRef idx="minor">
+            <a:schemeClr val="lt1"/>
+          </a:fontRef>
+        </p:style>
+        <p:txBody>
+          <a:bodyPr rtlCol="0" anchor="ctr"/>
+          <a:lstStyle/>
+          <a:p>
+            <a:pPr algn="ctr"/>
+            <a:r>
+              <a:rPr lang="en-US" b="1" dirty="0">
+                <a:ln>
+                  <a:solidFill>
+                    <a:srgbClr val="FF0000"/>
+                  </a:solidFill>
+                </a:ln>
+              </a:rPr>
+              <a:t>VM 2 with App</a:t>
+            </a:r>
+          </a:p>
+        </p:txBody>
+      </p:sp>
+      <p:sp>
+        <p:nvSpPr>
+          <p:cNvPr id="6" name="Rectangle 5">
+            <a:extLst>
+              <a:ext uri="{FF2B5EF4-FFF2-40B4-BE49-F238E27FC236}">
+                <a16:creationId xmlns:a16="http://schemas.microsoft.com/office/drawing/2014/main" id="{09B42F97-9F85-5D85-1604-20D5CEF0EF74}"/>
+              </a:ext>
+            </a:extLst>
+          </p:cNvPr>
+          <p:cNvSpPr/>
+          <p:nvPr/>
+        </p:nvSpPr>
+        <p:spPr>
+          <a:xfrm>
+            <a:off x="3556592" y="1828800"/>
+            <a:ext cx="1435395" cy="882502"/>
+          </a:xfrm>
+          <a:prstGeom prst="rect">
+            <a:avLst/>
+          </a:prstGeom>
+          <a:solidFill>
+            <a:srgbClr val="FFFF00"/>
+          </a:solidFill>
+        </p:spPr>
+        <p:style>
+          <a:lnRef idx="2">
+            <a:schemeClr val="accent1">
+              <a:shade val="50000"/>
+            </a:schemeClr>
+          </a:lnRef>
+          <a:fillRef idx="1">
+            <a:schemeClr val="accent1"/>
+          </a:fillRef>
+          <a:effectRef idx="0">
+            <a:schemeClr val="accent1"/>
+          </a:effectRef>
+          <a:fontRef idx="minor">
+            <a:schemeClr val="lt1"/>
+          </a:fontRef>
+        </p:style>
+        <p:txBody>
+          <a:bodyPr rtlCol="0" anchor="ctr"/>
+          <a:lstStyle/>
+          <a:p>
+            <a:pPr algn="ctr"/>
+            <a:r>
+              <a:rPr lang="en-US" b="1" dirty="0">
+                <a:ln>
+                  <a:solidFill>
+                    <a:srgbClr val="FF0000"/>
+                  </a:solidFill>
+                </a:ln>
+              </a:rPr>
+              <a:t>VM 1 with App</a:t>
+            </a:r>
+          </a:p>
+        </p:txBody>
+      </p:sp>
+      <p:sp>
+        <p:nvSpPr>
+          <p:cNvPr id="7" name="Rectangle 6">
+            <a:extLst>
+              <a:ext uri="{FF2B5EF4-FFF2-40B4-BE49-F238E27FC236}">
+                <a16:creationId xmlns:a16="http://schemas.microsoft.com/office/drawing/2014/main" id="{DCAB385C-EE17-400C-0013-2B4A0F3DE219}"/>
+              </a:ext>
+            </a:extLst>
+          </p:cNvPr>
+          <p:cNvSpPr/>
+          <p:nvPr/>
+        </p:nvSpPr>
+        <p:spPr>
+          <a:xfrm>
+            <a:off x="318977" y="2853070"/>
+            <a:ext cx="1435395" cy="882502"/>
+          </a:xfrm>
+          <a:prstGeom prst="rect">
+            <a:avLst/>
+          </a:prstGeom>
+          <a:solidFill>
+            <a:srgbClr val="FFFF00"/>
+          </a:solidFill>
+        </p:spPr>
+        <p:style>
+          <a:lnRef idx="2">
+            <a:schemeClr val="accent1">
+              <a:shade val="50000"/>
+            </a:schemeClr>
+          </a:lnRef>
+          <a:fillRef idx="1">
+            <a:schemeClr val="accent1"/>
+          </a:fillRef>
+          <a:effectRef idx="0">
+            <a:schemeClr val="accent1"/>
+          </a:effectRef>
+          <a:fontRef idx="minor">
+            <a:schemeClr val="lt1"/>
+          </a:fontRef>
+        </p:style>
+        <p:txBody>
+          <a:bodyPr rtlCol="0" anchor="ctr"/>
+          <a:lstStyle/>
+          <a:p>
+            <a:pPr algn="ctr"/>
+            <a:r>
+              <a:rPr lang="en-US" b="1" dirty="0">
+                <a:ln>
+                  <a:solidFill>
+                    <a:srgbClr val="FF0000"/>
+                  </a:solidFill>
+                </a:ln>
+              </a:rPr>
+              <a:t>VM 1 with App</a:t>
+            </a:r>
+          </a:p>
+        </p:txBody>
+      </p:sp>
+      <p:sp>
+        <p:nvSpPr>
+          <p:cNvPr id="8" name="Rectangle 7">
+            <a:extLst>
+              <a:ext uri="{FF2B5EF4-FFF2-40B4-BE49-F238E27FC236}">
+                <a16:creationId xmlns:a16="http://schemas.microsoft.com/office/drawing/2014/main" id="{3932A91C-3112-CABC-6F93-0A6D4DF14F54}"/>
+              </a:ext>
+            </a:extLst>
+          </p:cNvPr>
+          <p:cNvSpPr/>
+          <p:nvPr/>
+        </p:nvSpPr>
+        <p:spPr>
+          <a:xfrm>
+            <a:off x="1937784" y="2853070"/>
+            <a:ext cx="1435395" cy="882502"/>
+          </a:xfrm>
+          <a:prstGeom prst="rect">
+            <a:avLst/>
+          </a:prstGeom>
+          <a:solidFill>
+            <a:srgbClr val="FFFF00"/>
+          </a:solidFill>
+        </p:spPr>
+        <p:style>
+          <a:lnRef idx="2">
+            <a:schemeClr val="accent1">
+              <a:shade val="50000"/>
+            </a:schemeClr>
+          </a:lnRef>
+          <a:fillRef idx="1">
+            <a:schemeClr val="accent1"/>
+          </a:fillRef>
+          <a:effectRef idx="0">
+            <a:schemeClr val="accent1"/>
+          </a:effectRef>
+          <a:fontRef idx="minor">
+            <a:schemeClr val="lt1"/>
+          </a:fontRef>
+        </p:style>
+        <p:txBody>
+          <a:bodyPr rtlCol="0" anchor="ctr"/>
+          <a:lstStyle/>
+          <a:p>
+            <a:pPr algn="ctr"/>
+            <a:r>
+              <a:rPr lang="en-US" b="1" dirty="0">
+                <a:ln>
+                  <a:solidFill>
+                    <a:srgbClr val="FF0000"/>
+                  </a:solidFill>
+                </a:ln>
+              </a:rPr>
+              <a:t>VM 1 with App</a:t>
+            </a:r>
+          </a:p>
+        </p:txBody>
+      </p:sp>
+      <p:sp>
+        <p:nvSpPr>
+          <p:cNvPr id="9" name="Rectangle 8">
+            <a:extLst>
+              <a:ext uri="{FF2B5EF4-FFF2-40B4-BE49-F238E27FC236}">
+                <a16:creationId xmlns:a16="http://schemas.microsoft.com/office/drawing/2014/main" id="{D9EB99C7-8F6C-4C84-6A37-7C7603C0C239}"/>
+              </a:ext>
+            </a:extLst>
+          </p:cNvPr>
+          <p:cNvSpPr/>
+          <p:nvPr/>
+        </p:nvSpPr>
+        <p:spPr>
+          <a:xfrm>
+            <a:off x="3556592" y="2853070"/>
+            <a:ext cx="1435395" cy="882502"/>
+          </a:xfrm>
+          <a:prstGeom prst="rect">
+            <a:avLst/>
+          </a:prstGeom>
+          <a:solidFill>
+            <a:srgbClr val="FFFF00"/>
+          </a:solidFill>
+        </p:spPr>
+        <p:style>
+          <a:lnRef idx="2">
+            <a:schemeClr val="accent1">
+              <a:shade val="50000"/>
+            </a:schemeClr>
+          </a:lnRef>
+          <a:fillRef idx="1">
+            <a:schemeClr val="accent1"/>
+          </a:fillRef>
+          <a:effectRef idx="0">
+            <a:schemeClr val="accent1"/>
+          </a:effectRef>
+          <a:fontRef idx="minor">
+            <a:schemeClr val="lt1"/>
+          </a:fontRef>
+        </p:style>
+        <p:txBody>
+          <a:bodyPr rtlCol="0" anchor="ctr"/>
+          <a:lstStyle/>
+          <a:p>
+            <a:pPr algn="ctr"/>
+            <a:r>
+              <a:rPr lang="en-US" b="1" dirty="0">
+                <a:ln>
+                  <a:solidFill>
+                    <a:srgbClr val="FF0000"/>
+                  </a:solidFill>
+                </a:ln>
+              </a:rPr>
+              <a:t>VM 1 with App</a:t>
+            </a:r>
+          </a:p>
+        </p:txBody>
+      </p:sp>
+      <p:sp>
+        <p:nvSpPr>
+          <p:cNvPr id="10" name="Rectangle 9">
+            <a:extLst>
+              <a:ext uri="{FF2B5EF4-FFF2-40B4-BE49-F238E27FC236}">
+                <a16:creationId xmlns:a16="http://schemas.microsoft.com/office/drawing/2014/main" id="{DC646855-1844-F62E-B0F1-A3531CA2C766}"/>
+              </a:ext>
+            </a:extLst>
+          </p:cNvPr>
+          <p:cNvSpPr/>
+          <p:nvPr/>
+        </p:nvSpPr>
+        <p:spPr>
+          <a:xfrm>
+            <a:off x="313662" y="3877340"/>
+            <a:ext cx="1435395" cy="882502"/>
+          </a:xfrm>
+          <a:prstGeom prst="rect">
+            <a:avLst/>
+          </a:prstGeom>
+          <a:solidFill>
+            <a:srgbClr val="FFFF00"/>
+          </a:solidFill>
+        </p:spPr>
+        <p:style>
+          <a:lnRef idx="2">
+            <a:schemeClr val="accent1">
+              <a:shade val="50000"/>
+            </a:schemeClr>
+          </a:lnRef>
+          <a:fillRef idx="1">
+            <a:schemeClr val="accent1"/>
+          </a:fillRef>
+          <a:effectRef idx="0">
+            <a:schemeClr val="accent1"/>
+          </a:effectRef>
+          <a:fontRef idx="minor">
+            <a:schemeClr val="lt1"/>
+          </a:fontRef>
+        </p:style>
+        <p:txBody>
+          <a:bodyPr rtlCol="0" anchor="ctr"/>
+          <a:lstStyle/>
+          <a:p>
+            <a:pPr algn="ctr"/>
+            <a:r>
+              <a:rPr lang="en-US" b="1" dirty="0">
+                <a:ln>
+                  <a:solidFill>
+                    <a:srgbClr val="FF0000"/>
+                  </a:solidFill>
+                </a:ln>
+              </a:rPr>
+              <a:t>VM 1 with App</a:t>
+            </a:r>
+          </a:p>
+        </p:txBody>
+      </p:sp>
+      <p:sp>
+        <p:nvSpPr>
+          <p:cNvPr id="11" name="Rectangle 10">
+            <a:extLst>
+              <a:ext uri="{FF2B5EF4-FFF2-40B4-BE49-F238E27FC236}">
+                <a16:creationId xmlns:a16="http://schemas.microsoft.com/office/drawing/2014/main" id="{75184FF0-9045-EECB-C298-96B1A82E7053}"/>
+              </a:ext>
+            </a:extLst>
+          </p:cNvPr>
+          <p:cNvSpPr/>
+          <p:nvPr/>
+        </p:nvSpPr>
+        <p:spPr>
+          <a:xfrm>
+            <a:off x="1932469" y="3877340"/>
+            <a:ext cx="1435395" cy="882502"/>
+          </a:xfrm>
+          <a:prstGeom prst="rect">
+            <a:avLst/>
+          </a:prstGeom>
+          <a:solidFill>
+            <a:srgbClr val="FFFF00"/>
+          </a:solidFill>
+        </p:spPr>
+        <p:style>
+          <a:lnRef idx="2">
+            <a:schemeClr val="accent1">
+              <a:shade val="50000"/>
+            </a:schemeClr>
+          </a:lnRef>
+          <a:fillRef idx="1">
+            <a:schemeClr val="accent1"/>
+          </a:fillRef>
+          <a:effectRef idx="0">
+            <a:schemeClr val="accent1"/>
+          </a:effectRef>
+          <a:fontRef idx="minor">
+            <a:schemeClr val="lt1"/>
+          </a:fontRef>
+        </p:style>
+        <p:txBody>
+          <a:bodyPr rtlCol="0" anchor="ctr"/>
+          <a:lstStyle/>
+          <a:p>
+            <a:pPr algn="ctr"/>
+            <a:r>
+              <a:rPr lang="en-US" b="1" dirty="0">
+                <a:ln>
+                  <a:solidFill>
+                    <a:srgbClr val="FF0000"/>
+                  </a:solidFill>
+                </a:ln>
+              </a:rPr>
+              <a:t>VM 1 with App</a:t>
+            </a:r>
+          </a:p>
+        </p:txBody>
+      </p:sp>
+      <p:sp>
+        <p:nvSpPr>
+          <p:cNvPr id="12" name="Rectangle 11">
+            <a:extLst>
+              <a:ext uri="{FF2B5EF4-FFF2-40B4-BE49-F238E27FC236}">
+                <a16:creationId xmlns:a16="http://schemas.microsoft.com/office/drawing/2014/main" id="{A1354F06-5821-05A6-DBC5-035D4B54429A}"/>
+              </a:ext>
+            </a:extLst>
+          </p:cNvPr>
+          <p:cNvSpPr/>
+          <p:nvPr/>
+        </p:nvSpPr>
+        <p:spPr>
+          <a:xfrm>
+            <a:off x="3551277" y="3877340"/>
+            <a:ext cx="1435395" cy="882502"/>
+          </a:xfrm>
+          <a:prstGeom prst="rect">
+            <a:avLst/>
+          </a:prstGeom>
+          <a:solidFill>
+            <a:srgbClr val="FFFF00"/>
+          </a:solidFill>
+        </p:spPr>
+        <p:style>
+          <a:lnRef idx="2">
+            <a:schemeClr val="accent1">
+              <a:shade val="50000"/>
+            </a:schemeClr>
+          </a:lnRef>
+          <a:fillRef idx="1">
+            <a:schemeClr val="accent1"/>
+          </a:fillRef>
+          <a:effectRef idx="0">
+            <a:schemeClr val="accent1"/>
+          </a:effectRef>
+          <a:fontRef idx="minor">
+            <a:schemeClr val="lt1"/>
+          </a:fontRef>
+        </p:style>
+        <p:txBody>
+          <a:bodyPr rtlCol="0" anchor="ctr"/>
+          <a:lstStyle/>
+          <a:p>
+            <a:pPr algn="ctr"/>
+            <a:r>
+              <a:rPr lang="en-US" b="1" dirty="0">
+                <a:ln>
+                  <a:solidFill>
+                    <a:srgbClr val="FF0000"/>
+                  </a:solidFill>
+                </a:ln>
+              </a:rPr>
+              <a:t>VM 1 with App</a:t>
+            </a:r>
+          </a:p>
+        </p:txBody>
+      </p:sp>
+      <p:sp>
+        <p:nvSpPr>
+          <p:cNvPr id="13" name="Rectangle 12">
+            <a:extLst>
+              <a:ext uri="{FF2B5EF4-FFF2-40B4-BE49-F238E27FC236}">
+                <a16:creationId xmlns:a16="http://schemas.microsoft.com/office/drawing/2014/main" id="{0B7CD32D-79B0-5D2A-31E7-60983CF80F51}"/>
+              </a:ext>
+            </a:extLst>
+          </p:cNvPr>
+          <p:cNvSpPr/>
+          <p:nvPr/>
+        </p:nvSpPr>
+        <p:spPr>
+          <a:xfrm>
+            <a:off x="313662" y="4793512"/>
+            <a:ext cx="1435395" cy="882502"/>
+          </a:xfrm>
+          <a:prstGeom prst="rect">
+            <a:avLst/>
+          </a:prstGeom>
+          <a:solidFill>
+            <a:srgbClr val="FFFF00"/>
+          </a:solidFill>
+        </p:spPr>
+        <p:style>
+          <a:lnRef idx="2">
+            <a:schemeClr val="accent1">
+              <a:shade val="50000"/>
+            </a:schemeClr>
+          </a:lnRef>
+          <a:fillRef idx="1">
+            <a:schemeClr val="accent1"/>
+          </a:fillRef>
+          <a:effectRef idx="0">
+            <a:schemeClr val="accent1"/>
+          </a:effectRef>
+          <a:fontRef idx="minor">
+            <a:schemeClr val="lt1"/>
+          </a:fontRef>
+        </p:style>
+        <p:txBody>
+          <a:bodyPr rtlCol="0" anchor="ctr"/>
+          <a:lstStyle/>
+          <a:p>
+            <a:pPr algn="ctr"/>
+            <a:r>
+              <a:rPr lang="en-US" b="1" dirty="0">
+                <a:ln>
+                  <a:solidFill>
+                    <a:srgbClr val="FF0000"/>
+                  </a:solidFill>
+                </a:ln>
+              </a:rPr>
+              <a:t>VM 1 with App</a:t>
+            </a:r>
+          </a:p>
+        </p:txBody>
+      </p:sp>
+      <p:sp>
+        <p:nvSpPr>
+          <p:cNvPr id="14" name="Rectangle 13">
+            <a:extLst>
+              <a:ext uri="{FF2B5EF4-FFF2-40B4-BE49-F238E27FC236}">
+                <a16:creationId xmlns:a16="http://schemas.microsoft.com/office/drawing/2014/main" id="{FECDA1DA-5CE7-8EA9-F4B5-1512CBC455AE}"/>
+              </a:ext>
+            </a:extLst>
+          </p:cNvPr>
+          <p:cNvSpPr/>
+          <p:nvPr/>
+        </p:nvSpPr>
+        <p:spPr>
+          <a:xfrm>
+            <a:off x="1932469" y="4793512"/>
+            <a:ext cx="1435395" cy="882502"/>
+          </a:xfrm>
+          <a:prstGeom prst="rect">
+            <a:avLst/>
+          </a:prstGeom>
+          <a:solidFill>
+            <a:srgbClr val="FFFF00"/>
+          </a:solidFill>
+        </p:spPr>
+        <p:style>
+          <a:lnRef idx="2">
+            <a:schemeClr val="accent1">
+              <a:shade val="50000"/>
+            </a:schemeClr>
+          </a:lnRef>
+          <a:fillRef idx="1">
+            <a:schemeClr val="accent1"/>
+          </a:fillRef>
+          <a:effectRef idx="0">
+            <a:schemeClr val="accent1"/>
+          </a:effectRef>
+          <a:fontRef idx="minor">
+            <a:schemeClr val="lt1"/>
+          </a:fontRef>
+        </p:style>
+        <p:txBody>
+          <a:bodyPr rtlCol="0" anchor="ctr"/>
+          <a:lstStyle/>
+          <a:p>
+            <a:pPr algn="ctr"/>
+            <a:r>
+              <a:rPr lang="en-US" b="1" dirty="0">
+                <a:ln>
+                  <a:solidFill>
+                    <a:srgbClr val="FF0000"/>
+                  </a:solidFill>
+                </a:ln>
+              </a:rPr>
+              <a:t>VM 1 with App</a:t>
+            </a:r>
+          </a:p>
+        </p:txBody>
+      </p:sp>
+      <p:sp>
+        <p:nvSpPr>
+          <p:cNvPr id="15" name="Rectangle 14">
+            <a:extLst>
+              <a:ext uri="{FF2B5EF4-FFF2-40B4-BE49-F238E27FC236}">
+                <a16:creationId xmlns:a16="http://schemas.microsoft.com/office/drawing/2014/main" id="{381204DE-3635-4562-CDEB-E8765BC1BF75}"/>
+              </a:ext>
+            </a:extLst>
+          </p:cNvPr>
+          <p:cNvSpPr/>
+          <p:nvPr/>
+        </p:nvSpPr>
+        <p:spPr>
+          <a:xfrm>
+            <a:off x="3551277" y="4793512"/>
+            <a:ext cx="1435395" cy="882502"/>
+          </a:xfrm>
+          <a:prstGeom prst="rect">
+            <a:avLst/>
+          </a:prstGeom>
+          <a:solidFill>
+            <a:srgbClr val="FFFF00"/>
+          </a:solidFill>
+        </p:spPr>
+        <p:style>
+          <a:lnRef idx="2">
+            <a:schemeClr val="accent1">
+              <a:shade val="50000"/>
+            </a:schemeClr>
+          </a:lnRef>
+          <a:fillRef idx="1">
+            <a:schemeClr val="accent1"/>
+          </a:fillRef>
+          <a:effectRef idx="0">
+            <a:schemeClr val="accent1"/>
+          </a:effectRef>
+          <a:fontRef idx="minor">
+            <a:schemeClr val="lt1"/>
+          </a:fontRef>
+        </p:style>
+        <p:txBody>
+          <a:bodyPr rtlCol="0" anchor="ctr"/>
+          <a:lstStyle/>
+          <a:p>
+            <a:pPr algn="ctr"/>
+            <a:r>
+              <a:rPr lang="en-US" b="1" dirty="0">
+                <a:ln>
+                  <a:solidFill>
+                    <a:srgbClr val="FF0000"/>
+                  </a:solidFill>
+                </a:ln>
+              </a:rPr>
+              <a:t>VM 1 with App</a:t>
+            </a:r>
+          </a:p>
+        </p:txBody>
+      </p:sp>
+      <p:sp>
+        <p:nvSpPr>
+          <p:cNvPr id="19" name="Rectangle 18">
+            <a:extLst>
+              <a:ext uri="{FF2B5EF4-FFF2-40B4-BE49-F238E27FC236}">
+                <a16:creationId xmlns:a16="http://schemas.microsoft.com/office/drawing/2014/main" id="{CDF9B46B-618A-777C-0AC0-FA392D56712D}"/>
+              </a:ext>
+            </a:extLst>
+          </p:cNvPr>
+          <p:cNvSpPr/>
+          <p:nvPr/>
+        </p:nvSpPr>
+        <p:spPr>
+          <a:xfrm>
+            <a:off x="313664" y="5645153"/>
+            <a:ext cx="1435395" cy="882502"/>
+          </a:xfrm>
+          <a:prstGeom prst="rect">
+            <a:avLst/>
+          </a:prstGeom>
+          <a:solidFill>
+            <a:srgbClr val="FFFF00"/>
+          </a:solidFill>
+        </p:spPr>
+        <p:style>
+          <a:lnRef idx="2">
+            <a:schemeClr val="accent1">
+              <a:shade val="50000"/>
+            </a:schemeClr>
+          </a:lnRef>
+          <a:fillRef idx="1">
+            <a:schemeClr val="accent1"/>
+          </a:fillRef>
+          <a:effectRef idx="0">
+            <a:schemeClr val="accent1"/>
+          </a:effectRef>
+          <a:fontRef idx="minor">
+            <a:schemeClr val="lt1"/>
+          </a:fontRef>
+        </p:style>
+        <p:txBody>
+          <a:bodyPr rtlCol="0" anchor="ctr"/>
+          <a:lstStyle/>
+          <a:p>
+            <a:pPr algn="ctr"/>
+            <a:r>
+              <a:rPr lang="en-US" b="1" dirty="0">
+                <a:ln>
+                  <a:solidFill>
+                    <a:srgbClr val="FF0000"/>
+                  </a:solidFill>
+                </a:ln>
+              </a:rPr>
+              <a:t>VM 1 with App</a:t>
+            </a:r>
+          </a:p>
+        </p:txBody>
+      </p:sp>
+      <p:sp>
+        <p:nvSpPr>
+          <p:cNvPr id="20" name="Rectangle 19">
+            <a:extLst>
+              <a:ext uri="{FF2B5EF4-FFF2-40B4-BE49-F238E27FC236}">
+                <a16:creationId xmlns:a16="http://schemas.microsoft.com/office/drawing/2014/main" id="{7F028C96-0CFE-4288-A1FB-B65DCDAD6507}"/>
+              </a:ext>
+            </a:extLst>
+          </p:cNvPr>
+          <p:cNvSpPr/>
+          <p:nvPr/>
+        </p:nvSpPr>
+        <p:spPr>
+          <a:xfrm>
+            <a:off x="1932471" y="5645153"/>
+            <a:ext cx="1435395" cy="882502"/>
+          </a:xfrm>
+          <a:prstGeom prst="rect">
+            <a:avLst/>
+          </a:prstGeom>
+          <a:solidFill>
+            <a:srgbClr val="FFFF00"/>
+          </a:solidFill>
+        </p:spPr>
+        <p:style>
+          <a:lnRef idx="2">
+            <a:schemeClr val="accent1">
+              <a:shade val="50000"/>
+            </a:schemeClr>
+          </a:lnRef>
+          <a:fillRef idx="1">
+            <a:schemeClr val="accent1"/>
+          </a:fillRef>
+          <a:effectRef idx="0">
+            <a:schemeClr val="accent1"/>
+          </a:effectRef>
+          <a:fontRef idx="minor">
+            <a:schemeClr val="lt1"/>
+          </a:fontRef>
+        </p:style>
+        <p:txBody>
+          <a:bodyPr rtlCol="0" anchor="ctr"/>
+          <a:lstStyle/>
+          <a:p>
+            <a:pPr algn="ctr"/>
+            <a:r>
+              <a:rPr lang="en-US" b="1" dirty="0">
+                <a:ln>
+                  <a:solidFill>
+                    <a:srgbClr val="FF0000"/>
+                  </a:solidFill>
+                </a:ln>
+              </a:rPr>
+              <a:t>VM 1 with App</a:t>
+            </a:r>
+          </a:p>
+        </p:txBody>
+      </p:sp>
+      <p:sp>
+        <p:nvSpPr>
+          <p:cNvPr id="21" name="Rectangle 20">
+            <a:extLst>
+              <a:ext uri="{FF2B5EF4-FFF2-40B4-BE49-F238E27FC236}">
+                <a16:creationId xmlns:a16="http://schemas.microsoft.com/office/drawing/2014/main" id="{B93880CA-4BC6-D20B-DE6E-75C2E791A3C8}"/>
+              </a:ext>
+            </a:extLst>
+          </p:cNvPr>
+          <p:cNvSpPr/>
+          <p:nvPr/>
+        </p:nvSpPr>
+        <p:spPr>
+          <a:xfrm>
+            <a:off x="3551279" y="5645153"/>
+            <a:ext cx="1435395" cy="882502"/>
+          </a:xfrm>
+          <a:prstGeom prst="rect">
+            <a:avLst/>
+          </a:prstGeom>
+          <a:solidFill>
+            <a:srgbClr val="FFFF00"/>
+          </a:solidFill>
+        </p:spPr>
+        <p:style>
+          <a:lnRef idx="2">
+            <a:schemeClr val="accent1">
+              <a:shade val="50000"/>
+            </a:schemeClr>
+          </a:lnRef>
+          <a:fillRef idx="1">
+            <a:schemeClr val="accent1"/>
+          </a:fillRef>
+          <a:effectRef idx="0">
+            <a:schemeClr val="accent1"/>
+          </a:effectRef>
+          <a:fontRef idx="minor">
+            <a:schemeClr val="lt1"/>
+          </a:fontRef>
+        </p:style>
+        <p:txBody>
+          <a:bodyPr rtlCol="0" anchor="ctr"/>
+          <a:lstStyle/>
+          <a:p>
+            <a:pPr algn="ctr"/>
+            <a:r>
+              <a:rPr lang="en-US" b="1" dirty="0">
+                <a:ln>
+                  <a:solidFill>
+                    <a:srgbClr val="FF0000"/>
+                  </a:solidFill>
+                </a:ln>
+              </a:rPr>
+              <a:t>VM 1 with App</a:t>
+            </a:r>
+          </a:p>
+        </p:txBody>
+      </p:sp>
+      <p:sp>
+        <p:nvSpPr>
+          <p:cNvPr id="22" name="Cube 21">
+            <a:extLst>
+              <a:ext uri="{FF2B5EF4-FFF2-40B4-BE49-F238E27FC236}">
+                <a16:creationId xmlns:a16="http://schemas.microsoft.com/office/drawing/2014/main" id="{4DF918EB-5F15-5AA1-DBF2-99D6A2FFE2D9}"/>
+              </a:ext>
+            </a:extLst>
+          </p:cNvPr>
+          <p:cNvSpPr/>
+          <p:nvPr/>
+        </p:nvSpPr>
+        <p:spPr>
+          <a:xfrm>
+            <a:off x="6492949" y="1010979"/>
+            <a:ext cx="5380074" cy="5449186"/>
+          </a:xfrm>
+          <a:prstGeom prst="cube">
+            <a:avLst>
+              <a:gd name="adj" fmla="val 9419"/>
+            </a:avLst>
+          </a:prstGeom>
+        </p:spPr>
+        <p:style>
+          <a:lnRef idx="2">
+            <a:schemeClr val="accent1">
+              <a:shade val="50000"/>
+            </a:schemeClr>
+          </a:lnRef>
+          <a:fillRef idx="1">
+            <a:schemeClr val="accent1"/>
+          </a:fillRef>
+          <a:effectRef idx="0">
+            <a:schemeClr val="accent1"/>
+          </a:effectRef>
+          <a:fontRef idx="minor">
+            <a:schemeClr val="lt1"/>
+          </a:fontRef>
+        </p:style>
+        <p:txBody>
+          <a:bodyPr rtlCol="0" anchor="ctr"/>
+          <a:lstStyle/>
+          <a:p>
+            <a:pPr algn="ctr"/>
+            <a:endParaRPr lang="en-US"/>
+          </a:p>
+        </p:txBody>
+      </p:sp>
+      <p:sp>
+        <p:nvSpPr>
+          <p:cNvPr id="23" name="TextBox 22">
+            <a:extLst>
+              <a:ext uri="{FF2B5EF4-FFF2-40B4-BE49-F238E27FC236}">
+                <a16:creationId xmlns:a16="http://schemas.microsoft.com/office/drawing/2014/main" id="{7A25C3CC-3989-D050-FE40-2F16690F4336}"/>
+              </a:ext>
+            </a:extLst>
+          </p:cNvPr>
+          <p:cNvSpPr txBox="1"/>
+          <p:nvPr/>
+        </p:nvSpPr>
+        <p:spPr>
+          <a:xfrm>
+            <a:off x="6843823" y="272016"/>
+            <a:ext cx="4837814" cy="369332"/>
+          </a:xfrm>
+          <a:prstGeom prst="rect">
+            <a:avLst/>
+          </a:prstGeom>
+          <a:noFill/>
+        </p:spPr>
+        <p:txBody>
+          <a:bodyPr wrap="square" rtlCol="0">
+            <a:spAutoFit/>
+          </a:bodyPr>
+          <a:lstStyle/>
+          <a:p>
+            <a:pPr algn="ctr"/>
+            <a:r>
+              <a:rPr lang="en-US" dirty="0"/>
+              <a:t>Data Center Rack 2</a:t>
+            </a:r>
+          </a:p>
+        </p:txBody>
+      </p:sp>
+      <p:sp>
+        <p:nvSpPr>
+          <p:cNvPr id="24" name="Rectangle 23">
+            <a:extLst>
+              <a:ext uri="{FF2B5EF4-FFF2-40B4-BE49-F238E27FC236}">
+                <a16:creationId xmlns:a16="http://schemas.microsoft.com/office/drawing/2014/main" id="{91869A8B-6AC5-AA37-4651-140A01444A56}"/>
+              </a:ext>
+            </a:extLst>
+          </p:cNvPr>
+          <p:cNvSpPr/>
+          <p:nvPr/>
+        </p:nvSpPr>
+        <p:spPr>
+          <a:xfrm>
+            <a:off x="6546112" y="1696779"/>
+            <a:ext cx="1435395" cy="882502"/>
+          </a:xfrm>
+          <a:prstGeom prst="rect">
+            <a:avLst/>
+          </a:prstGeom>
+          <a:solidFill>
+            <a:srgbClr val="FFFF00"/>
+          </a:solidFill>
+        </p:spPr>
+        <p:style>
+          <a:lnRef idx="2">
+            <a:schemeClr val="accent1">
+              <a:shade val="50000"/>
+            </a:schemeClr>
+          </a:lnRef>
+          <a:fillRef idx="1">
+            <a:schemeClr val="accent1"/>
+          </a:fillRef>
+          <a:effectRef idx="0">
+            <a:schemeClr val="accent1"/>
+          </a:effectRef>
+          <a:fontRef idx="minor">
+            <a:schemeClr val="lt1"/>
+          </a:fontRef>
+        </p:style>
+        <p:txBody>
+          <a:bodyPr rtlCol="0" anchor="ctr"/>
+          <a:lstStyle/>
+          <a:p>
+            <a:pPr algn="ctr"/>
+            <a:r>
+              <a:rPr lang="en-US" b="1" dirty="0">
+                <a:ln>
+                  <a:solidFill>
+                    <a:srgbClr val="FF0000"/>
+                  </a:solidFill>
+                </a:ln>
+              </a:rPr>
+              <a:t>VM 1 with App</a:t>
+            </a:r>
+          </a:p>
+        </p:txBody>
+      </p:sp>
+      <p:sp>
+        <p:nvSpPr>
+          <p:cNvPr id="25" name="Rectangle 24">
+            <a:extLst>
+              <a:ext uri="{FF2B5EF4-FFF2-40B4-BE49-F238E27FC236}">
+                <a16:creationId xmlns:a16="http://schemas.microsoft.com/office/drawing/2014/main" id="{EBB17D12-08A8-2AB1-1F93-A40A352E8BF5}"/>
+              </a:ext>
+            </a:extLst>
+          </p:cNvPr>
+          <p:cNvSpPr/>
+          <p:nvPr/>
+        </p:nvSpPr>
+        <p:spPr>
+          <a:xfrm>
+            <a:off x="8164919" y="1696779"/>
+            <a:ext cx="1435395" cy="882502"/>
+          </a:xfrm>
+          <a:prstGeom prst="rect">
+            <a:avLst/>
+          </a:prstGeom>
+          <a:solidFill>
+            <a:srgbClr val="FFFF00"/>
+          </a:solidFill>
+        </p:spPr>
+        <p:style>
+          <a:lnRef idx="2">
+            <a:schemeClr val="accent1">
+              <a:shade val="50000"/>
+            </a:schemeClr>
+          </a:lnRef>
+          <a:fillRef idx="1">
+            <a:schemeClr val="accent1"/>
+          </a:fillRef>
+          <a:effectRef idx="0">
+            <a:schemeClr val="accent1"/>
+          </a:effectRef>
+          <a:fontRef idx="minor">
+            <a:schemeClr val="lt1"/>
+          </a:fontRef>
+        </p:style>
+        <p:txBody>
+          <a:bodyPr rtlCol="0" anchor="ctr"/>
+          <a:lstStyle/>
+          <a:p>
+            <a:pPr algn="ctr"/>
+            <a:r>
+              <a:rPr lang="en-US" b="1" dirty="0">
+                <a:ln>
+                  <a:solidFill>
+                    <a:srgbClr val="FF0000"/>
+                  </a:solidFill>
+                </a:ln>
+              </a:rPr>
+              <a:t>VM 2 with App</a:t>
+            </a:r>
+          </a:p>
+        </p:txBody>
+      </p:sp>
+      <p:sp>
+        <p:nvSpPr>
+          <p:cNvPr id="26" name="Rectangle 25">
+            <a:extLst>
+              <a:ext uri="{FF2B5EF4-FFF2-40B4-BE49-F238E27FC236}">
+                <a16:creationId xmlns:a16="http://schemas.microsoft.com/office/drawing/2014/main" id="{640A3627-1214-15AC-F22D-6DFE9D7F79FD}"/>
+              </a:ext>
+            </a:extLst>
+          </p:cNvPr>
+          <p:cNvSpPr/>
+          <p:nvPr/>
+        </p:nvSpPr>
+        <p:spPr>
+          <a:xfrm>
+            <a:off x="9783727" y="1696779"/>
+            <a:ext cx="1435395" cy="882502"/>
+          </a:xfrm>
+          <a:prstGeom prst="rect">
+            <a:avLst/>
+          </a:prstGeom>
+          <a:solidFill>
+            <a:srgbClr val="FFFF00"/>
+          </a:solidFill>
+        </p:spPr>
+        <p:style>
+          <a:lnRef idx="2">
+            <a:schemeClr val="accent1">
+              <a:shade val="50000"/>
+            </a:schemeClr>
+          </a:lnRef>
+          <a:fillRef idx="1">
+            <a:schemeClr val="accent1"/>
+          </a:fillRef>
+          <a:effectRef idx="0">
+            <a:schemeClr val="accent1"/>
+          </a:effectRef>
+          <a:fontRef idx="minor">
+            <a:schemeClr val="lt1"/>
+          </a:fontRef>
+        </p:style>
+        <p:txBody>
+          <a:bodyPr rtlCol="0" anchor="ctr"/>
+          <a:lstStyle/>
+          <a:p>
+            <a:pPr algn="ctr"/>
+            <a:r>
+              <a:rPr lang="en-US" b="1" dirty="0">
+                <a:ln>
+                  <a:solidFill>
+                    <a:srgbClr val="FF0000"/>
+                  </a:solidFill>
+                </a:ln>
+              </a:rPr>
+              <a:t>VM 1 with App</a:t>
+            </a:r>
+          </a:p>
+        </p:txBody>
+      </p:sp>
+      <p:sp>
+        <p:nvSpPr>
+          <p:cNvPr id="27" name="Rectangle 26">
+            <a:extLst>
+              <a:ext uri="{FF2B5EF4-FFF2-40B4-BE49-F238E27FC236}">
+                <a16:creationId xmlns:a16="http://schemas.microsoft.com/office/drawing/2014/main" id="{D1F2DC40-8A96-7EDB-A336-8EA376F1C2C2}"/>
+              </a:ext>
+            </a:extLst>
+          </p:cNvPr>
+          <p:cNvSpPr/>
+          <p:nvPr/>
+        </p:nvSpPr>
+        <p:spPr>
+          <a:xfrm>
+            <a:off x="6546112" y="2721049"/>
+            <a:ext cx="1435395" cy="882502"/>
+          </a:xfrm>
+          <a:prstGeom prst="rect">
+            <a:avLst/>
+          </a:prstGeom>
+          <a:solidFill>
+            <a:srgbClr val="FFFF00"/>
+          </a:solidFill>
+        </p:spPr>
+        <p:style>
+          <a:lnRef idx="2">
+            <a:schemeClr val="accent1">
+              <a:shade val="50000"/>
+            </a:schemeClr>
+          </a:lnRef>
+          <a:fillRef idx="1">
+            <a:schemeClr val="accent1"/>
+          </a:fillRef>
+          <a:effectRef idx="0">
+            <a:schemeClr val="accent1"/>
+          </a:effectRef>
+          <a:fontRef idx="minor">
+            <a:schemeClr val="lt1"/>
+          </a:fontRef>
+        </p:style>
+        <p:txBody>
+          <a:bodyPr rtlCol="0" anchor="ctr"/>
+          <a:lstStyle/>
+          <a:p>
+            <a:pPr algn="ctr"/>
+            <a:r>
+              <a:rPr lang="en-US" b="1" dirty="0">
+                <a:ln>
+                  <a:solidFill>
+                    <a:srgbClr val="FF0000"/>
+                  </a:solidFill>
+                </a:ln>
+              </a:rPr>
+              <a:t>VM 1 with App</a:t>
+            </a:r>
+          </a:p>
+        </p:txBody>
+      </p:sp>
+      <p:sp>
+        <p:nvSpPr>
+          <p:cNvPr id="28" name="Rectangle 27">
+            <a:extLst>
+              <a:ext uri="{FF2B5EF4-FFF2-40B4-BE49-F238E27FC236}">
+                <a16:creationId xmlns:a16="http://schemas.microsoft.com/office/drawing/2014/main" id="{6D620E48-772B-4F79-B02E-E82E9CAD36C9}"/>
+              </a:ext>
+            </a:extLst>
+          </p:cNvPr>
+          <p:cNvSpPr/>
+          <p:nvPr/>
+        </p:nvSpPr>
+        <p:spPr>
+          <a:xfrm>
+            <a:off x="8164919" y="2721049"/>
+            <a:ext cx="1435395" cy="882502"/>
+          </a:xfrm>
+          <a:prstGeom prst="rect">
+            <a:avLst/>
+          </a:prstGeom>
+          <a:solidFill>
+            <a:srgbClr val="FFFF00"/>
+          </a:solidFill>
+        </p:spPr>
+        <p:style>
+          <a:lnRef idx="2">
+            <a:schemeClr val="accent1">
+              <a:shade val="50000"/>
+            </a:schemeClr>
+          </a:lnRef>
+          <a:fillRef idx="1">
+            <a:schemeClr val="accent1"/>
+          </a:fillRef>
+          <a:effectRef idx="0">
+            <a:schemeClr val="accent1"/>
+          </a:effectRef>
+          <a:fontRef idx="minor">
+            <a:schemeClr val="lt1"/>
+          </a:fontRef>
+        </p:style>
+        <p:txBody>
+          <a:bodyPr rtlCol="0" anchor="ctr"/>
+          <a:lstStyle/>
+          <a:p>
+            <a:pPr algn="ctr"/>
+            <a:r>
+              <a:rPr lang="en-US" b="1" dirty="0">
+                <a:ln>
+                  <a:solidFill>
+                    <a:srgbClr val="FF0000"/>
+                  </a:solidFill>
+                </a:ln>
+              </a:rPr>
+              <a:t>VM 1 with App</a:t>
+            </a:r>
+          </a:p>
+        </p:txBody>
+      </p:sp>
+      <p:sp>
+        <p:nvSpPr>
+          <p:cNvPr id="29" name="Rectangle 28">
+            <a:extLst>
+              <a:ext uri="{FF2B5EF4-FFF2-40B4-BE49-F238E27FC236}">
+                <a16:creationId xmlns:a16="http://schemas.microsoft.com/office/drawing/2014/main" id="{D1CE5E38-FAC0-D2A4-327A-C9633537DA3D}"/>
+              </a:ext>
+            </a:extLst>
+          </p:cNvPr>
+          <p:cNvSpPr/>
+          <p:nvPr/>
+        </p:nvSpPr>
+        <p:spPr>
+          <a:xfrm>
+            <a:off x="9783727" y="2721049"/>
+            <a:ext cx="1435395" cy="882502"/>
+          </a:xfrm>
+          <a:prstGeom prst="rect">
+            <a:avLst/>
+          </a:prstGeom>
+          <a:solidFill>
+            <a:srgbClr val="FFFF00"/>
+          </a:solidFill>
+        </p:spPr>
+        <p:style>
+          <a:lnRef idx="2">
+            <a:schemeClr val="accent1">
+              <a:shade val="50000"/>
+            </a:schemeClr>
+          </a:lnRef>
+          <a:fillRef idx="1">
+            <a:schemeClr val="accent1"/>
+          </a:fillRef>
+          <a:effectRef idx="0">
+            <a:schemeClr val="accent1"/>
+          </a:effectRef>
+          <a:fontRef idx="minor">
+            <a:schemeClr val="lt1"/>
+          </a:fontRef>
+        </p:style>
+        <p:txBody>
+          <a:bodyPr rtlCol="0" anchor="ctr"/>
+          <a:lstStyle/>
+          <a:p>
+            <a:pPr algn="ctr"/>
+            <a:r>
+              <a:rPr lang="en-US" b="1" dirty="0">
+                <a:ln>
+                  <a:solidFill>
+                    <a:srgbClr val="FF0000"/>
+                  </a:solidFill>
+                </a:ln>
+              </a:rPr>
+              <a:t>VM 1 with App</a:t>
+            </a:r>
+          </a:p>
+        </p:txBody>
+      </p:sp>
+      <p:sp>
+        <p:nvSpPr>
+          <p:cNvPr id="30" name="Rectangle 29">
+            <a:extLst>
+              <a:ext uri="{FF2B5EF4-FFF2-40B4-BE49-F238E27FC236}">
+                <a16:creationId xmlns:a16="http://schemas.microsoft.com/office/drawing/2014/main" id="{5AB22E9D-E120-DE69-6192-D7E8E7FF2FBA}"/>
+              </a:ext>
+            </a:extLst>
+          </p:cNvPr>
+          <p:cNvSpPr/>
+          <p:nvPr/>
+        </p:nvSpPr>
+        <p:spPr>
+          <a:xfrm>
+            <a:off x="6540797" y="3745319"/>
+            <a:ext cx="1435395" cy="882502"/>
+          </a:xfrm>
+          <a:prstGeom prst="rect">
+            <a:avLst/>
+          </a:prstGeom>
+          <a:solidFill>
+            <a:srgbClr val="FFFF00"/>
+          </a:solidFill>
+        </p:spPr>
+        <p:style>
+          <a:lnRef idx="2">
+            <a:schemeClr val="accent1">
+              <a:shade val="50000"/>
+            </a:schemeClr>
+          </a:lnRef>
+          <a:fillRef idx="1">
+            <a:schemeClr val="accent1"/>
+          </a:fillRef>
+          <a:effectRef idx="0">
+            <a:schemeClr val="accent1"/>
+          </a:effectRef>
+          <a:fontRef idx="minor">
+            <a:schemeClr val="lt1"/>
+          </a:fontRef>
+        </p:style>
+        <p:txBody>
+          <a:bodyPr rtlCol="0" anchor="ctr"/>
+          <a:lstStyle/>
+          <a:p>
+            <a:pPr algn="ctr"/>
+            <a:r>
+              <a:rPr lang="en-US" b="1" dirty="0">
+                <a:ln>
+                  <a:solidFill>
+                    <a:srgbClr val="FF0000"/>
+                  </a:solidFill>
+                </a:ln>
+              </a:rPr>
+              <a:t>VM 1 with App</a:t>
+            </a:r>
+          </a:p>
+        </p:txBody>
+      </p:sp>
+      <p:sp>
+        <p:nvSpPr>
+          <p:cNvPr id="31" name="Rectangle 30">
+            <a:extLst>
+              <a:ext uri="{FF2B5EF4-FFF2-40B4-BE49-F238E27FC236}">
+                <a16:creationId xmlns:a16="http://schemas.microsoft.com/office/drawing/2014/main" id="{3ACB81E1-1F67-8029-9C0C-9E358A036323}"/>
+              </a:ext>
+            </a:extLst>
+          </p:cNvPr>
+          <p:cNvSpPr/>
+          <p:nvPr/>
+        </p:nvSpPr>
+        <p:spPr>
+          <a:xfrm>
+            <a:off x="8159604" y="3745319"/>
+            <a:ext cx="1435395" cy="882502"/>
+          </a:xfrm>
+          <a:prstGeom prst="rect">
+            <a:avLst/>
+          </a:prstGeom>
+          <a:solidFill>
+            <a:srgbClr val="FFFF00"/>
+          </a:solidFill>
+        </p:spPr>
+        <p:style>
+          <a:lnRef idx="2">
+            <a:schemeClr val="accent1">
+              <a:shade val="50000"/>
+            </a:schemeClr>
+          </a:lnRef>
+          <a:fillRef idx="1">
+            <a:schemeClr val="accent1"/>
+          </a:fillRef>
+          <a:effectRef idx="0">
+            <a:schemeClr val="accent1"/>
+          </a:effectRef>
+          <a:fontRef idx="minor">
+            <a:schemeClr val="lt1"/>
+          </a:fontRef>
+        </p:style>
+        <p:txBody>
+          <a:bodyPr rtlCol="0" anchor="ctr"/>
+          <a:lstStyle/>
+          <a:p>
+            <a:pPr algn="ctr"/>
+            <a:r>
+              <a:rPr lang="en-US" b="1" dirty="0">
+                <a:ln>
+                  <a:solidFill>
+                    <a:srgbClr val="FF0000"/>
+                  </a:solidFill>
+                </a:ln>
+              </a:rPr>
+              <a:t>VM 1 with App</a:t>
+            </a:r>
+          </a:p>
+        </p:txBody>
+      </p:sp>
+      <p:sp>
+        <p:nvSpPr>
+          <p:cNvPr id="32" name="Rectangle 31">
+            <a:extLst>
+              <a:ext uri="{FF2B5EF4-FFF2-40B4-BE49-F238E27FC236}">
+                <a16:creationId xmlns:a16="http://schemas.microsoft.com/office/drawing/2014/main" id="{B489ADD1-A0F2-62CF-7CB3-DCE46F3CBE9B}"/>
+              </a:ext>
+            </a:extLst>
+          </p:cNvPr>
+          <p:cNvSpPr/>
+          <p:nvPr/>
+        </p:nvSpPr>
+        <p:spPr>
+          <a:xfrm>
+            <a:off x="9778412" y="3745319"/>
+            <a:ext cx="1435395" cy="882502"/>
+          </a:xfrm>
+          <a:prstGeom prst="rect">
+            <a:avLst/>
+          </a:prstGeom>
+          <a:solidFill>
+            <a:srgbClr val="FFFF00"/>
+          </a:solidFill>
+        </p:spPr>
+        <p:style>
+          <a:lnRef idx="2">
+            <a:schemeClr val="accent1">
+              <a:shade val="50000"/>
+            </a:schemeClr>
+          </a:lnRef>
+          <a:fillRef idx="1">
+            <a:schemeClr val="accent1"/>
+          </a:fillRef>
+          <a:effectRef idx="0">
+            <a:schemeClr val="accent1"/>
+          </a:effectRef>
+          <a:fontRef idx="minor">
+            <a:schemeClr val="lt1"/>
+          </a:fontRef>
+        </p:style>
+        <p:txBody>
+          <a:bodyPr rtlCol="0" anchor="ctr"/>
+          <a:lstStyle/>
+          <a:p>
+            <a:pPr algn="ctr"/>
+            <a:r>
+              <a:rPr lang="en-US" b="1" dirty="0">
+                <a:ln>
+                  <a:solidFill>
+                    <a:srgbClr val="FF0000"/>
+                  </a:solidFill>
+                </a:ln>
+              </a:rPr>
+              <a:t>VM 1 with App</a:t>
+            </a:r>
+          </a:p>
+        </p:txBody>
+      </p:sp>
+      <p:sp>
+        <p:nvSpPr>
+          <p:cNvPr id="33" name="Rectangle 32">
+            <a:extLst>
+              <a:ext uri="{FF2B5EF4-FFF2-40B4-BE49-F238E27FC236}">
+                <a16:creationId xmlns:a16="http://schemas.microsoft.com/office/drawing/2014/main" id="{01B8A43C-8229-C479-1889-E68234A79E0D}"/>
+              </a:ext>
+            </a:extLst>
+          </p:cNvPr>
+          <p:cNvSpPr/>
+          <p:nvPr/>
+        </p:nvSpPr>
+        <p:spPr>
+          <a:xfrm>
+            <a:off x="6540797" y="4661491"/>
+            <a:ext cx="1435395" cy="882502"/>
+          </a:xfrm>
+          <a:prstGeom prst="rect">
+            <a:avLst/>
+          </a:prstGeom>
+          <a:solidFill>
+            <a:srgbClr val="FFFF00"/>
+          </a:solidFill>
+        </p:spPr>
+        <p:style>
+          <a:lnRef idx="2">
+            <a:schemeClr val="accent1">
+              <a:shade val="50000"/>
+            </a:schemeClr>
+          </a:lnRef>
+          <a:fillRef idx="1">
+            <a:schemeClr val="accent1"/>
+          </a:fillRef>
+          <a:effectRef idx="0">
+            <a:schemeClr val="accent1"/>
+          </a:effectRef>
+          <a:fontRef idx="minor">
+            <a:schemeClr val="lt1"/>
+          </a:fontRef>
+        </p:style>
+        <p:txBody>
+          <a:bodyPr rtlCol="0" anchor="ctr"/>
+          <a:lstStyle/>
+          <a:p>
+            <a:pPr algn="ctr"/>
+            <a:r>
+              <a:rPr lang="en-US" b="1" dirty="0">
+                <a:ln>
+                  <a:solidFill>
+                    <a:srgbClr val="FF0000"/>
+                  </a:solidFill>
+                </a:ln>
+              </a:rPr>
+              <a:t>VM 1 with App</a:t>
+            </a:r>
+          </a:p>
+        </p:txBody>
+      </p:sp>
+      <p:sp>
+        <p:nvSpPr>
+          <p:cNvPr id="34" name="Rectangle 33">
+            <a:extLst>
+              <a:ext uri="{FF2B5EF4-FFF2-40B4-BE49-F238E27FC236}">
+                <a16:creationId xmlns:a16="http://schemas.microsoft.com/office/drawing/2014/main" id="{60A72382-89A4-4A6F-09D5-0838C715FD97}"/>
+              </a:ext>
+            </a:extLst>
+          </p:cNvPr>
+          <p:cNvSpPr/>
+          <p:nvPr/>
+        </p:nvSpPr>
+        <p:spPr>
+          <a:xfrm>
+            <a:off x="8159604" y="4661491"/>
+            <a:ext cx="1435395" cy="882502"/>
+          </a:xfrm>
+          <a:prstGeom prst="rect">
+            <a:avLst/>
+          </a:prstGeom>
+          <a:solidFill>
+            <a:srgbClr val="FFFF00"/>
+          </a:solidFill>
+        </p:spPr>
+        <p:style>
+          <a:lnRef idx="2">
+            <a:schemeClr val="accent1">
+              <a:shade val="50000"/>
+            </a:schemeClr>
+          </a:lnRef>
+          <a:fillRef idx="1">
+            <a:schemeClr val="accent1"/>
+          </a:fillRef>
+          <a:effectRef idx="0">
+            <a:schemeClr val="accent1"/>
+          </a:effectRef>
+          <a:fontRef idx="minor">
+            <a:schemeClr val="lt1"/>
+          </a:fontRef>
+        </p:style>
+        <p:txBody>
+          <a:bodyPr rtlCol="0" anchor="ctr"/>
+          <a:lstStyle/>
+          <a:p>
+            <a:pPr algn="ctr"/>
+            <a:r>
+              <a:rPr lang="en-US" b="1" dirty="0">
+                <a:ln>
+                  <a:solidFill>
+                    <a:srgbClr val="FF0000"/>
+                  </a:solidFill>
+                </a:ln>
+              </a:rPr>
+              <a:t>VM 1 with App</a:t>
+            </a:r>
+          </a:p>
+        </p:txBody>
+      </p:sp>
+      <p:sp>
+        <p:nvSpPr>
+          <p:cNvPr id="35" name="Rectangle 34">
+            <a:extLst>
+              <a:ext uri="{FF2B5EF4-FFF2-40B4-BE49-F238E27FC236}">
+                <a16:creationId xmlns:a16="http://schemas.microsoft.com/office/drawing/2014/main" id="{C194565A-0F95-81C1-F89E-24A8A602B36B}"/>
+              </a:ext>
+            </a:extLst>
+          </p:cNvPr>
+          <p:cNvSpPr/>
+          <p:nvPr/>
+        </p:nvSpPr>
+        <p:spPr>
+          <a:xfrm>
+            <a:off x="9778412" y="4661491"/>
+            <a:ext cx="1435395" cy="882502"/>
+          </a:xfrm>
+          <a:prstGeom prst="rect">
+            <a:avLst/>
+          </a:prstGeom>
+          <a:solidFill>
+            <a:srgbClr val="FFFF00"/>
+          </a:solidFill>
+        </p:spPr>
+        <p:style>
+          <a:lnRef idx="2">
+            <a:schemeClr val="accent1">
+              <a:shade val="50000"/>
+            </a:schemeClr>
+          </a:lnRef>
+          <a:fillRef idx="1">
+            <a:schemeClr val="accent1"/>
+          </a:fillRef>
+          <a:effectRef idx="0">
+            <a:schemeClr val="accent1"/>
+          </a:effectRef>
+          <a:fontRef idx="minor">
+            <a:schemeClr val="lt1"/>
+          </a:fontRef>
+        </p:style>
+        <p:txBody>
+          <a:bodyPr rtlCol="0" anchor="ctr"/>
+          <a:lstStyle/>
+          <a:p>
+            <a:pPr algn="ctr"/>
+            <a:r>
+              <a:rPr lang="en-US" b="1" dirty="0">
+                <a:ln>
+                  <a:solidFill>
+                    <a:srgbClr val="FF0000"/>
+                  </a:solidFill>
+                </a:ln>
+              </a:rPr>
+              <a:t>VM 1 with App</a:t>
+            </a:r>
+          </a:p>
+        </p:txBody>
+      </p:sp>
+      <p:sp>
+        <p:nvSpPr>
+          <p:cNvPr id="36" name="Rectangle 35">
+            <a:extLst>
+              <a:ext uri="{FF2B5EF4-FFF2-40B4-BE49-F238E27FC236}">
+                <a16:creationId xmlns:a16="http://schemas.microsoft.com/office/drawing/2014/main" id="{F31573CF-BC32-011D-84F4-C77EE02EF735}"/>
+              </a:ext>
+            </a:extLst>
+          </p:cNvPr>
+          <p:cNvSpPr/>
+          <p:nvPr/>
+        </p:nvSpPr>
+        <p:spPr>
+          <a:xfrm>
+            <a:off x="6540799" y="5513132"/>
+            <a:ext cx="1435395" cy="882502"/>
+          </a:xfrm>
+          <a:prstGeom prst="rect">
+            <a:avLst/>
+          </a:prstGeom>
+          <a:solidFill>
+            <a:srgbClr val="FFFF00"/>
+          </a:solidFill>
+        </p:spPr>
+        <p:style>
+          <a:lnRef idx="2">
+            <a:schemeClr val="accent1">
+              <a:shade val="50000"/>
+            </a:schemeClr>
+          </a:lnRef>
+          <a:fillRef idx="1">
+            <a:schemeClr val="accent1"/>
+          </a:fillRef>
+          <a:effectRef idx="0">
+            <a:schemeClr val="accent1"/>
+          </a:effectRef>
+          <a:fontRef idx="minor">
+            <a:schemeClr val="lt1"/>
+          </a:fontRef>
+        </p:style>
+        <p:txBody>
+          <a:bodyPr rtlCol="0" anchor="ctr"/>
+          <a:lstStyle/>
+          <a:p>
+            <a:pPr algn="ctr"/>
+            <a:r>
+              <a:rPr lang="en-US" b="1" dirty="0">
+                <a:ln>
+                  <a:solidFill>
+                    <a:srgbClr val="FF0000"/>
+                  </a:solidFill>
+                </a:ln>
+              </a:rPr>
+              <a:t>VM 1 with App</a:t>
+            </a:r>
+          </a:p>
+        </p:txBody>
+      </p:sp>
+      <p:sp>
+        <p:nvSpPr>
+          <p:cNvPr id="37" name="Rectangle 36">
+            <a:extLst>
+              <a:ext uri="{FF2B5EF4-FFF2-40B4-BE49-F238E27FC236}">
+                <a16:creationId xmlns:a16="http://schemas.microsoft.com/office/drawing/2014/main" id="{B7115510-4DD8-DF2E-E81A-4015CFFAA62A}"/>
+              </a:ext>
+            </a:extLst>
+          </p:cNvPr>
+          <p:cNvSpPr/>
+          <p:nvPr/>
+        </p:nvSpPr>
+        <p:spPr>
+          <a:xfrm>
+            <a:off x="8159606" y="5513132"/>
+            <a:ext cx="1435395" cy="882502"/>
+          </a:xfrm>
+          <a:prstGeom prst="rect">
+            <a:avLst/>
+          </a:prstGeom>
+          <a:solidFill>
+            <a:srgbClr val="FFFF00"/>
+          </a:solidFill>
+        </p:spPr>
+        <p:style>
+          <a:lnRef idx="2">
+            <a:schemeClr val="accent1">
+              <a:shade val="50000"/>
+            </a:schemeClr>
+          </a:lnRef>
+          <a:fillRef idx="1">
+            <a:schemeClr val="accent1"/>
+          </a:fillRef>
+          <a:effectRef idx="0">
+            <a:schemeClr val="accent1"/>
+          </a:effectRef>
+          <a:fontRef idx="minor">
+            <a:schemeClr val="lt1"/>
+          </a:fontRef>
+        </p:style>
+        <p:txBody>
+          <a:bodyPr rtlCol="0" anchor="ctr"/>
+          <a:lstStyle/>
+          <a:p>
+            <a:pPr algn="ctr"/>
+            <a:r>
+              <a:rPr lang="en-US" b="1" dirty="0">
+                <a:ln>
+                  <a:solidFill>
+                    <a:srgbClr val="FF0000"/>
+                  </a:solidFill>
+                </a:ln>
+              </a:rPr>
+              <a:t>VM 1 with App</a:t>
+            </a:r>
+          </a:p>
+        </p:txBody>
+      </p:sp>
+      <p:sp>
+        <p:nvSpPr>
+          <p:cNvPr id="38" name="Rectangle 37">
+            <a:extLst>
+              <a:ext uri="{FF2B5EF4-FFF2-40B4-BE49-F238E27FC236}">
+                <a16:creationId xmlns:a16="http://schemas.microsoft.com/office/drawing/2014/main" id="{D2B001BF-3E2F-1485-1F79-C40B0E92A9EE}"/>
+              </a:ext>
+            </a:extLst>
+          </p:cNvPr>
+          <p:cNvSpPr/>
+          <p:nvPr/>
+        </p:nvSpPr>
+        <p:spPr>
+          <a:xfrm>
+            <a:off x="9778414" y="5513132"/>
+            <a:ext cx="1435395" cy="882502"/>
+          </a:xfrm>
+          <a:prstGeom prst="rect">
+            <a:avLst/>
+          </a:prstGeom>
+          <a:solidFill>
+            <a:srgbClr val="FFFF00"/>
+          </a:solidFill>
+        </p:spPr>
+        <p:style>
+          <a:lnRef idx="2">
+            <a:schemeClr val="accent1">
+              <a:shade val="50000"/>
+            </a:schemeClr>
+          </a:lnRef>
+          <a:fillRef idx="1">
+            <a:schemeClr val="accent1"/>
+          </a:fillRef>
+          <a:effectRef idx="0">
+            <a:schemeClr val="accent1"/>
+          </a:effectRef>
+          <a:fontRef idx="minor">
+            <a:schemeClr val="lt1"/>
+          </a:fontRef>
+        </p:style>
+        <p:txBody>
+          <a:bodyPr rtlCol="0" anchor="ctr"/>
+          <a:lstStyle/>
+          <a:p>
+            <a:pPr algn="ctr"/>
+            <a:r>
+              <a:rPr lang="en-US" b="1" dirty="0">
+                <a:ln>
+                  <a:solidFill>
+                    <a:srgbClr val="FF0000"/>
+                  </a:solidFill>
+                </a:ln>
+              </a:rPr>
+              <a:t>VM 1 with App</a:t>
+            </a:r>
+          </a:p>
+        </p:txBody>
+      </p:sp>
+      <p:sp>
+        <p:nvSpPr>
+          <p:cNvPr id="39" name="Can 38">
+            <a:extLst>
+              <a:ext uri="{FF2B5EF4-FFF2-40B4-BE49-F238E27FC236}">
+                <a16:creationId xmlns:a16="http://schemas.microsoft.com/office/drawing/2014/main" id="{1837A4BE-76DE-9786-9F89-BEC5AA858723}"/>
+              </a:ext>
+            </a:extLst>
+          </p:cNvPr>
+          <p:cNvSpPr/>
+          <p:nvPr/>
+        </p:nvSpPr>
+        <p:spPr>
+          <a:xfrm rot="16200000">
+            <a:off x="2574484" y="-322153"/>
+            <a:ext cx="361507" cy="3369785"/>
+          </a:xfrm>
+          <a:prstGeom prst="can">
+            <a:avLst>
+              <a:gd name="adj" fmla="val 10294"/>
+            </a:avLst>
+          </a:prstGeom>
+          <a:solidFill>
+            <a:srgbClr val="002060"/>
+          </a:solidFill>
+        </p:spPr>
+        <p:style>
+          <a:lnRef idx="2">
+            <a:schemeClr val="accent1">
+              <a:shade val="50000"/>
+            </a:schemeClr>
+          </a:lnRef>
+          <a:fillRef idx="1">
+            <a:schemeClr val="accent1"/>
+          </a:fillRef>
+          <a:effectRef idx="0">
+            <a:schemeClr val="accent1"/>
+          </a:effectRef>
+          <a:fontRef idx="minor">
+            <a:schemeClr val="lt1"/>
+          </a:fontRef>
+        </p:style>
+        <p:txBody>
+          <a:bodyPr rtlCol="0" anchor="ctr"/>
+          <a:lstStyle/>
+          <a:p>
+            <a:pPr algn="ctr"/>
+            <a:endParaRPr lang="en-US"/>
+          </a:p>
+        </p:txBody>
+      </p:sp>
+      <p:sp>
+        <p:nvSpPr>
+          <p:cNvPr id="40" name="TextBox 39">
+            <a:extLst>
+              <a:ext uri="{FF2B5EF4-FFF2-40B4-BE49-F238E27FC236}">
+                <a16:creationId xmlns:a16="http://schemas.microsoft.com/office/drawing/2014/main" id="{CF676435-197A-A137-5E06-39767EBB4D96}"/>
+              </a:ext>
+            </a:extLst>
+          </p:cNvPr>
+          <p:cNvSpPr txBox="1"/>
+          <p:nvPr/>
+        </p:nvSpPr>
+        <p:spPr>
+          <a:xfrm>
+            <a:off x="1382233" y="1222226"/>
+            <a:ext cx="2886741" cy="369332"/>
+          </a:xfrm>
+          <a:prstGeom prst="rect">
+            <a:avLst/>
+          </a:prstGeom>
+          <a:noFill/>
+        </p:spPr>
+        <p:txBody>
+          <a:bodyPr wrap="square" rtlCol="0">
+            <a:spAutoFit/>
+          </a:bodyPr>
+          <a:lstStyle/>
+          <a:p>
+            <a:r>
+              <a:rPr lang="en-US" b="1" dirty="0">
+                <a:ln w="22225">
+                  <a:solidFill>
+                    <a:schemeClr val="accent2"/>
+                  </a:solidFill>
+                  <a:prstDash val="solid"/>
+                </a:ln>
+                <a:solidFill>
+                  <a:schemeClr val="accent2">
+                    <a:lumMod val="40000"/>
+                    <a:lumOff val="60000"/>
+                  </a:schemeClr>
+                </a:solidFill>
+              </a:rPr>
+              <a:t>Network Topology</a:t>
+            </a:r>
+          </a:p>
+        </p:txBody>
+      </p:sp>
+      <p:cxnSp>
+        <p:nvCxnSpPr>
+          <p:cNvPr id="42" name="Straight Arrow Connector 41">
+            <a:extLst>
+              <a:ext uri="{FF2B5EF4-FFF2-40B4-BE49-F238E27FC236}">
+                <a16:creationId xmlns:a16="http://schemas.microsoft.com/office/drawing/2014/main" id="{81DBC287-9C00-2A0D-0E2C-B58C001F7261}"/>
+              </a:ext>
+            </a:extLst>
+          </p:cNvPr>
+          <p:cNvCxnSpPr>
+            <a:stCxn id="4" idx="0"/>
+            <a:endCxn id="40" idx="2"/>
+          </p:cNvCxnSpPr>
+          <p:nvPr/>
+        </p:nvCxnSpPr>
+        <p:spPr>
+          <a:xfrm flipV="1">
+            <a:off x="1036675" y="1591558"/>
+            <a:ext cx="1788929" cy="237242"/>
+          </a:xfrm>
+          <a:prstGeom prst="straightConnector1">
+            <a:avLst/>
+          </a:prstGeom>
+          <a:ln>
+            <a:solidFill>
+              <a:srgbClr val="FFFF00"/>
+            </a:solidFill>
+            <a:headEnd type="triangle"/>
+            <a:tailEnd type="triangle"/>
+          </a:ln>
+        </p:spPr>
+        <p:style>
+          <a:lnRef idx="1">
+            <a:schemeClr val="accent1"/>
+          </a:lnRef>
+          <a:fillRef idx="0">
+            <a:schemeClr val="accent1"/>
+          </a:fillRef>
+          <a:effectRef idx="0">
+            <a:schemeClr val="accent1"/>
+          </a:effectRef>
+          <a:fontRef idx="minor">
+            <a:schemeClr val="tx1"/>
+          </a:fontRef>
+        </p:style>
+      </p:cxnSp>
+      <p:sp>
+        <p:nvSpPr>
+          <p:cNvPr id="43" name="Left-right Arrow 42">
+            <a:extLst>
+              <a:ext uri="{FF2B5EF4-FFF2-40B4-BE49-F238E27FC236}">
+                <a16:creationId xmlns:a16="http://schemas.microsoft.com/office/drawing/2014/main" id="{00C1C8BD-2427-CB80-5DD1-ACCAEDE93461}"/>
+              </a:ext>
+            </a:extLst>
+          </p:cNvPr>
+          <p:cNvSpPr/>
+          <p:nvPr/>
+        </p:nvSpPr>
+        <p:spPr>
+          <a:xfrm>
+            <a:off x="5385393" y="3603551"/>
+            <a:ext cx="1107556" cy="321636"/>
+          </a:xfrm>
+          <a:prstGeom prst="leftRightArrow">
+            <a:avLst/>
+          </a:prstGeom>
+        </p:spPr>
+        <p:style>
+          <a:lnRef idx="2">
+            <a:schemeClr val="accent1">
+              <a:shade val="50000"/>
+            </a:schemeClr>
+          </a:lnRef>
+          <a:fillRef idx="1">
+            <a:schemeClr val="accent1"/>
+          </a:fillRef>
+          <a:effectRef idx="0">
+            <a:schemeClr val="accent1"/>
+          </a:effectRef>
+          <a:fontRef idx="minor">
+            <a:schemeClr val="lt1"/>
+          </a:fontRef>
+        </p:style>
+        <p:txBody>
+          <a:bodyPr rtlCol="0" anchor="ctr"/>
+          <a:lstStyle/>
+          <a:p>
+            <a:pPr algn="ctr"/>
+            <a:endParaRPr lang="en-US"/>
+          </a:p>
+        </p:txBody>
+      </p:sp>
+    </p:spTree>
+    <p:extLst>
+      <p:ext uri="{BB962C8B-B14F-4D97-AF65-F5344CB8AC3E}">
+        <p14:creationId xmlns:p14="http://schemas.microsoft.com/office/powerpoint/2010/main" val="104084518"/>
+      </p:ext>
+    </p:extLst>
+  </p:cSld>
+  <p:clrMapOvr>
+    <a:masterClrMapping/>
+  </p:clrMapOvr>
+</p:sld>
+</file>
+
+<file path=ppt/slides/slide46.xml><?xml version="1.0" encoding="utf-8"?>
+<p:sld xmlns:a="http://schemas.openxmlformats.org/drawingml/2006/main" xmlns:r="http://schemas.openxmlformats.org/officeDocument/2006/relationships" xmlns:p="http://schemas.openxmlformats.org/presentationml/2006/main">
+  <p:cSld>
+    <p:spTree>
+      <p:nvGrpSpPr>
+        <p:cNvPr id="1" name=""/>
+        <p:cNvGrpSpPr/>
+        <p:nvPr/>
+      </p:nvGrpSpPr>
+      <p:grpSpPr>
+        <a:xfrm>
+          <a:off x="0" y="0"/>
+          <a:ext cx="0" cy="0"/>
+          <a:chOff x="0" y="0"/>
+          <a:chExt cx="0" cy="0"/>
+        </a:xfrm>
+      </p:grpSpPr>
+      <p:sp>
+        <p:nvSpPr>
+          <p:cNvPr id="2" name="Rectangle 1">
+            <a:extLst>
+              <a:ext uri="{FF2B5EF4-FFF2-40B4-BE49-F238E27FC236}">
+                <a16:creationId xmlns:a16="http://schemas.microsoft.com/office/drawing/2014/main" id="{72608829-54E6-6F67-B3B4-7D662263737E}"/>
+              </a:ext>
+            </a:extLst>
+          </p:cNvPr>
+          <p:cNvSpPr/>
+          <p:nvPr/>
+        </p:nvSpPr>
+        <p:spPr>
+          <a:xfrm>
+            <a:off x="606056" y="5507665"/>
+            <a:ext cx="10972800" cy="925033"/>
+          </a:xfrm>
+          <a:prstGeom prst="rect">
+            <a:avLst/>
+          </a:prstGeom>
+        </p:spPr>
+        <p:style>
+          <a:lnRef idx="2">
+            <a:schemeClr val="accent1">
+              <a:shade val="50000"/>
+            </a:schemeClr>
+          </a:lnRef>
+          <a:fillRef idx="1">
+            <a:schemeClr val="accent1"/>
+          </a:fillRef>
+          <a:effectRef idx="0">
+            <a:schemeClr val="accent1"/>
+          </a:effectRef>
+          <a:fontRef idx="minor">
+            <a:schemeClr val="lt1"/>
+          </a:fontRef>
+        </p:style>
+        <p:txBody>
+          <a:bodyPr rtlCol="0" anchor="ctr"/>
+          <a:lstStyle/>
+          <a:p>
+            <a:pPr algn="ctr"/>
+            <a:r>
+              <a:rPr lang="en-US" b="1" dirty="0"/>
+              <a:t>OS with Resources like HDD, RAM, Networking, etc.</a:t>
+            </a:r>
+          </a:p>
+        </p:txBody>
+      </p:sp>
+      <p:sp>
+        <p:nvSpPr>
+          <p:cNvPr id="3" name="Rectangle 2">
+            <a:extLst>
+              <a:ext uri="{FF2B5EF4-FFF2-40B4-BE49-F238E27FC236}">
+                <a16:creationId xmlns:a16="http://schemas.microsoft.com/office/drawing/2014/main" id="{F1250065-3B61-9C75-9F04-00F10A074338}"/>
+              </a:ext>
+            </a:extLst>
+          </p:cNvPr>
+          <p:cNvSpPr/>
+          <p:nvPr/>
+        </p:nvSpPr>
+        <p:spPr>
+          <a:xfrm>
+            <a:off x="1063256" y="4306186"/>
+            <a:ext cx="9388549" cy="1190847"/>
+          </a:xfrm>
+          <a:prstGeom prst="rect">
+            <a:avLst/>
+          </a:prstGeom>
+        </p:spPr>
+        <p:style>
+          <a:lnRef idx="1">
+            <a:schemeClr val="accent3"/>
+          </a:lnRef>
+          <a:fillRef idx="3">
+            <a:schemeClr val="accent3"/>
+          </a:fillRef>
+          <a:effectRef idx="2">
+            <a:schemeClr val="accent3"/>
+          </a:effectRef>
+          <a:fontRef idx="minor">
+            <a:schemeClr val="lt1"/>
+          </a:fontRef>
+        </p:style>
+        <p:txBody>
+          <a:bodyPr rtlCol="0" anchor="ctr"/>
+          <a:lstStyle/>
+          <a:p>
+            <a:pPr algn="ctr"/>
+            <a:endParaRPr lang="en-US" b="1" dirty="0"/>
+          </a:p>
+          <a:p>
+            <a:pPr algn="ctr"/>
+            <a:endParaRPr lang="en-US" b="1" dirty="0"/>
+          </a:p>
+          <a:p>
+            <a:pPr algn="ctr"/>
+            <a:endParaRPr lang="en-US" b="1" dirty="0"/>
+          </a:p>
+          <a:p>
+            <a:pPr algn="ctr"/>
+            <a:r>
+              <a:rPr lang="en-US" b="1" dirty="0"/>
+              <a:t>Docker</a:t>
+            </a:r>
+          </a:p>
+        </p:txBody>
+      </p:sp>
+      <p:sp>
+        <p:nvSpPr>
+          <p:cNvPr id="4" name="Rectangle 3">
+            <a:extLst>
+              <a:ext uri="{FF2B5EF4-FFF2-40B4-BE49-F238E27FC236}">
+                <a16:creationId xmlns:a16="http://schemas.microsoft.com/office/drawing/2014/main" id="{6CE0BE0D-A75C-4399-2832-EBF7A1798A5D}"/>
+              </a:ext>
+            </a:extLst>
+          </p:cNvPr>
+          <p:cNvSpPr/>
+          <p:nvPr/>
+        </p:nvSpPr>
+        <p:spPr>
+          <a:xfrm>
+            <a:off x="1360968" y="1302488"/>
+            <a:ext cx="2732567" cy="3009014"/>
+          </a:xfrm>
+          <a:prstGeom prst="rect">
+            <a:avLst/>
+          </a:prstGeom>
+        </p:spPr>
+        <p:style>
+          <a:lnRef idx="1">
+            <a:schemeClr val="accent4"/>
+          </a:lnRef>
+          <a:fillRef idx="2">
+            <a:schemeClr val="accent4"/>
+          </a:fillRef>
+          <a:effectRef idx="1">
+            <a:schemeClr val="accent4"/>
+          </a:effectRef>
+          <a:fontRef idx="minor">
+            <a:schemeClr val="dk1"/>
+          </a:fontRef>
+        </p:style>
+        <p:txBody>
+          <a:bodyPr rtlCol="0" anchor="ctr"/>
+          <a:lstStyle/>
+          <a:p>
+            <a:pPr algn="ctr"/>
+            <a:endParaRPr lang="en-US"/>
+          </a:p>
+        </p:txBody>
+      </p:sp>
+      <p:sp>
+        <p:nvSpPr>
+          <p:cNvPr id="5" name="TextBox 4">
+            <a:extLst>
+              <a:ext uri="{FF2B5EF4-FFF2-40B4-BE49-F238E27FC236}">
+                <a16:creationId xmlns:a16="http://schemas.microsoft.com/office/drawing/2014/main" id="{39A6F9A7-2B20-AAB4-306A-2FEC2D48252E}"/>
+              </a:ext>
+            </a:extLst>
+          </p:cNvPr>
+          <p:cNvSpPr txBox="1"/>
+          <p:nvPr/>
+        </p:nvSpPr>
+        <p:spPr>
+          <a:xfrm>
+            <a:off x="1499191" y="3870251"/>
+            <a:ext cx="2360428" cy="369332"/>
+          </a:xfrm>
+          <a:prstGeom prst="rect">
+            <a:avLst/>
+          </a:prstGeom>
+          <a:noFill/>
+        </p:spPr>
+        <p:txBody>
+          <a:bodyPr wrap="square" rtlCol="0">
+            <a:spAutoFit/>
+          </a:bodyPr>
+          <a:lstStyle/>
+          <a:p>
+            <a:pPr algn="ctr"/>
+            <a:r>
+              <a:rPr lang="en-US" dirty="0"/>
+              <a:t>Container</a:t>
+            </a:r>
+          </a:p>
+        </p:txBody>
+      </p:sp>
+      <p:sp>
+        <p:nvSpPr>
+          <p:cNvPr id="6" name="Rectangle 5">
+            <a:extLst>
+              <a:ext uri="{FF2B5EF4-FFF2-40B4-BE49-F238E27FC236}">
+                <a16:creationId xmlns:a16="http://schemas.microsoft.com/office/drawing/2014/main" id="{C696C248-BE24-006F-8EDB-443F37B79C36}"/>
+              </a:ext>
+            </a:extLst>
+          </p:cNvPr>
+          <p:cNvSpPr/>
+          <p:nvPr/>
+        </p:nvSpPr>
+        <p:spPr>
+          <a:xfrm>
+            <a:off x="1584251" y="1775637"/>
+            <a:ext cx="2275368" cy="2094614"/>
+          </a:xfrm>
+          <a:prstGeom prst="rect">
+            <a:avLst/>
+          </a:prstGeom>
+        </p:spPr>
+        <p:style>
+          <a:lnRef idx="2">
+            <a:schemeClr val="accent1">
+              <a:shade val="50000"/>
+            </a:schemeClr>
+          </a:lnRef>
+          <a:fillRef idx="1">
+            <a:schemeClr val="accent1"/>
+          </a:fillRef>
+          <a:effectRef idx="0">
+            <a:schemeClr val="accent1"/>
+          </a:effectRef>
+          <a:fontRef idx="minor">
+            <a:schemeClr val="lt1"/>
+          </a:fontRef>
+        </p:style>
+        <p:txBody>
+          <a:bodyPr rtlCol="0" anchor="ctr"/>
+          <a:lstStyle/>
+          <a:p>
+            <a:pPr algn="ctr"/>
+            <a:r>
+              <a:rPr lang="en-US" sz="1400" b="1" dirty="0"/>
+              <a:t>The Image for the Application with Deployable Code (.NET Core App), Application Framework (.NET 5/6 Runtime) and Base Hosting Image (Linux)</a:t>
+            </a:r>
+          </a:p>
+        </p:txBody>
+      </p:sp>
+      <p:sp>
+        <p:nvSpPr>
+          <p:cNvPr id="7" name="Up-down Arrow 6">
+            <a:extLst>
+              <a:ext uri="{FF2B5EF4-FFF2-40B4-BE49-F238E27FC236}">
+                <a16:creationId xmlns:a16="http://schemas.microsoft.com/office/drawing/2014/main" id="{CE346AA9-FCD3-0FA3-C058-00CDC95413BC}"/>
+              </a:ext>
+            </a:extLst>
+          </p:cNvPr>
+          <p:cNvSpPr/>
+          <p:nvPr/>
+        </p:nvSpPr>
+        <p:spPr>
+          <a:xfrm>
+            <a:off x="1701209" y="3668233"/>
+            <a:ext cx="191386" cy="571350"/>
+          </a:xfrm>
+          <a:prstGeom prst="upDownArrow">
+            <a:avLst/>
+          </a:prstGeom>
+          <a:solidFill>
+            <a:srgbClr val="C00000"/>
+          </a:solidFill>
+        </p:spPr>
+        <p:style>
+          <a:lnRef idx="2">
+            <a:schemeClr val="accent1">
+              <a:shade val="50000"/>
+            </a:schemeClr>
+          </a:lnRef>
+          <a:fillRef idx="1">
+            <a:schemeClr val="accent1"/>
+          </a:fillRef>
+          <a:effectRef idx="0">
+            <a:schemeClr val="accent1"/>
+          </a:effectRef>
+          <a:fontRef idx="minor">
+            <a:schemeClr val="lt1"/>
+          </a:fontRef>
+        </p:style>
+        <p:txBody>
+          <a:bodyPr rtlCol="0" anchor="ctr"/>
+          <a:lstStyle/>
+          <a:p>
+            <a:pPr algn="ctr"/>
+            <a:endParaRPr lang="en-US"/>
+          </a:p>
+        </p:txBody>
+      </p:sp>
+      <p:sp>
+        <p:nvSpPr>
+          <p:cNvPr id="8" name="Up-down Arrow 7">
+            <a:extLst>
+              <a:ext uri="{FF2B5EF4-FFF2-40B4-BE49-F238E27FC236}">
+                <a16:creationId xmlns:a16="http://schemas.microsoft.com/office/drawing/2014/main" id="{918C2EA1-3BD1-5613-A0C5-8BE7FB2199DE}"/>
+              </a:ext>
+            </a:extLst>
+          </p:cNvPr>
+          <p:cNvSpPr/>
+          <p:nvPr/>
+        </p:nvSpPr>
+        <p:spPr>
+          <a:xfrm>
+            <a:off x="1913860" y="4092430"/>
+            <a:ext cx="233916" cy="523656"/>
+          </a:xfrm>
+          <a:prstGeom prst="upDownArrow">
+            <a:avLst/>
+          </a:prstGeom>
+          <a:solidFill>
+            <a:srgbClr val="C00000"/>
+          </a:solidFill>
+        </p:spPr>
+        <p:style>
+          <a:lnRef idx="2">
+            <a:schemeClr val="accent1">
+              <a:shade val="50000"/>
+            </a:schemeClr>
+          </a:lnRef>
+          <a:fillRef idx="1">
+            <a:schemeClr val="accent1"/>
+          </a:fillRef>
+          <a:effectRef idx="0">
+            <a:schemeClr val="accent1"/>
+          </a:effectRef>
+          <a:fontRef idx="minor">
+            <a:schemeClr val="lt1"/>
+          </a:fontRef>
+        </p:style>
+        <p:txBody>
+          <a:bodyPr rtlCol="0" anchor="ctr"/>
+          <a:lstStyle/>
+          <a:p>
+            <a:pPr algn="ctr"/>
+            <a:endParaRPr lang="en-US"/>
+          </a:p>
+        </p:txBody>
+      </p:sp>
+      <p:sp>
+        <p:nvSpPr>
+          <p:cNvPr id="9" name="Up-down Arrow 8">
+            <a:extLst>
+              <a:ext uri="{FF2B5EF4-FFF2-40B4-BE49-F238E27FC236}">
+                <a16:creationId xmlns:a16="http://schemas.microsoft.com/office/drawing/2014/main" id="{AD4FA6A2-F6CC-D882-0CA8-2A07029034D0}"/>
+              </a:ext>
+            </a:extLst>
+          </p:cNvPr>
+          <p:cNvSpPr/>
+          <p:nvPr/>
+        </p:nvSpPr>
+        <p:spPr>
+          <a:xfrm>
+            <a:off x="2094613" y="5211358"/>
+            <a:ext cx="191386" cy="571350"/>
+          </a:xfrm>
+          <a:prstGeom prst="upDownArrow">
+            <a:avLst/>
+          </a:prstGeom>
+          <a:solidFill>
+            <a:srgbClr val="C00000"/>
+          </a:solidFill>
+        </p:spPr>
+        <p:style>
+          <a:lnRef idx="2">
+            <a:schemeClr val="accent1">
+              <a:shade val="50000"/>
+            </a:schemeClr>
+          </a:lnRef>
+          <a:fillRef idx="1">
+            <a:schemeClr val="accent1"/>
+          </a:fillRef>
+          <a:effectRef idx="0">
+            <a:schemeClr val="accent1"/>
+          </a:effectRef>
+          <a:fontRef idx="minor">
+            <a:schemeClr val="lt1"/>
+          </a:fontRef>
+        </p:style>
+        <p:txBody>
+          <a:bodyPr rtlCol="0" anchor="ctr"/>
+          <a:lstStyle/>
+          <a:p>
+            <a:pPr algn="ctr"/>
+            <a:endParaRPr lang="en-US"/>
+          </a:p>
+        </p:txBody>
+      </p:sp>
+      <p:sp>
+        <p:nvSpPr>
+          <p:cNvPr id="10" name="Rectangle 9">
+            <a:extLst>
+              <a:ext uri="{FF2B5EF4-FFF2-40B4-BE49-F238E27FC236}">
+                <a16:creationId xmlns:a16="http://schemas.microsoft.com/office/drawing/2014/main" id="{D03695DF-F569-FA41-147B-8A8A9551A299}"/>
+              </a:ext>
+            </a:extLst>
+          </p:cNvPr>
+          <p:cNvSpPr/>
+          <p:nvPr/>
+        </p:nvSpPr>
+        <p:spPr>
+          <a:xfrm>
+            <a:off x="4380614" y="1286540"/>
+            <a:ext cx="2732567" cy="3009014"/>
+          </a:xfrm>
+          <a:prstGeom prst="rect">
+            <a:avLst/>
+          </a:prstGeom>
+        </p:spPr>
+        <p:style>
+          <a:lnRef idx="1">
+            <a:schemeClr val="accent4"/>
+          </a:lnRef>
+          <a:fillRef idx="2">
+            <a:schemeClr val="accent4"/>
+          </a:fillRef>
+          <a:effectRef idx="1">
+            <a:schemeClr val="accent4"/>
+          </a:effectRef>
+          <a:fontRef idx="minor">
+            <a:schemeClr val="dk1"/>
+          </a:fontRef>
+        </p:style>
+        <p:txBody>
+          <a:bodyPr rtlCol="0" anchor="ctr"/>
+          <a:lstStyle/>
+          <a:p>
+            <a:pPr algn="ctr"/>
+            <a:endParaRPr lang="en-US"/>
+          </a:p>
+        </p:txBody>
+      </p:sp>
+      <p:sp>
+        <p:nvSpPr>
+          <p:cNvPr id="11" name="TextBox 10">
+            <a:extLst>
+              <a:ext uri="{FF2B5EF4-FFF2-40B4-BE49-F238E27FC236}">
+                <a16:creationId xmlns:a16="http://schemas.microsoft.com/office/drawing/2014/main" id="{330C677D-DF45-CC99-9E97-EF603A03231C}"/>
+              </a:ext>
+            </a:extLst>
+          </p:cNvPr>
+          <p:cNvSpPr txBox="1"/>
+          <p:nvPr/>
+        </p:nvSpPr>
+        <p:spPr>
+          <a:xfrm>
+            <a:off x="4518837" y="3854303"/>
+            <a:ext cx="2360428" cy="369332"/>
+          </a:xfrm>
+          <a:prstGeom prst="rect">
+            <a:avLst/>
+          </a:prstGeom>
+          <a:noFill/>
+        </p:spPr>
+        <p:txBody>
+          <a:bodyPr wrap="square" rtlCol="0">
+            <a:spAutoFit/>
+          </a:bodyPr>
+          <a:lstStyle/>
+          <a:p>
+            <a:pPr algn="ctr"/>
+            <a:r>
+              <a:rPr lang="en-US" dirty="0"/>
+              <a:t>Container</a:t>
+            </a:r>
+          </a:p>
+        </p:txBody>
+      </p:sp>
+      <p:sp>
+        <p:nvSpPr>
+          <p:cNvPr id="12" name="Rectangle 11">
+            <a:extLst>
+              <a:ext uri="{FF2B5EF4-FFF2-40B4-BE49-F238E27FC236}">
+                <a16:creationId xmlns:a16="http://schemas.microsoft.com/office/drawing/2014/main" id="{A1DBB40F-7C31-9470-B5BD-373AE1224AE8}"/>
+              </a:ext>
+            </a:extLst>
+          </p:cNvPr>
+          <p:cNvSpPr/>
+          <p:nvPr/>
+        </p:nvSpPr>
+        <p:spPr>
+          <a:xfrm>
+            <a:off x="4603897" y="1759689"/>
+            <a:ext cx="2275368" cy="2094614"/>
+          </a:xfrm>
+          <a:prstGeom prst="rect">
+            <a:avLst/>
+          </a:prstGeom>
+        </p:spPr>
+        <p:style>
+          <a:lnRef idx="2">
+            <a:schemeClr val="accent1">
+              <a:shade val="50000"/>
+            </a:schemeClr>
+          </a:lnRef>
+          <a:fillRef idx="1">
+            <a:schemeClr val="accent1"/>
+          </a:fillRef>
+          <a:effectRef idx="0">
+            <a:schemeClr val="accent1"/>
+          </a:effectRef>
+          <a:fontRef idx="minor">
+            <a:schemeClr val="lt1"/>
+          </a:fontRef>
+        </p:style>
+        <p:txBody>
+          <a:bodyPr rtlCol="0" anchor="ctr"/>
+          <a:lstStyle/>
+          <a:p>
+            <a:pPr algn="ctr"/>
+            <a:r>
+              <a:rPr lang="en-US" sz="1400" dirty="0"/>
+              <a:t>The Image for the Application with Deployable Code (.NET Core App), Application Framework (.NET 5/6 Runtime) and Base Hosting Image (Linux)</a:t>
+            </a:r>
+          </a:p>
+        </p:txBody>
+      </p:sp>
+      <p:sp>
+        <p:nvSpPr>
+          <p:cNvPr id="13" name="Rectangle 12">
+            <a:extLst>
+              <a:ext uri="{FF2B5EF4-FFF2-40B4-BE49-F238E27FC236}">
+                <a16:creationId xmlns:a16="http://schemas.microsoft.com/office/drawing/2014/main" id="{809E16E7-ADD8-1A8D-E0AE-52B7BC6FE35B}"/>
+              </a:ext>
+            </a:extLst>
+          </p:cNvPr>
+          <p:cNvSpPr/>
+          <p:nvPr/>
+        </p:nvSpPr>
+        <p:spPr>
+          <a:xfrm>
+            <a:off x="7545573" y="1299830"/>
+            <a:ext cx="2732567" cy="3009014"/>
+          </a:xfrm>
+          <a:prstGeom prst="rect">
+            <a:avLst/>
+          </a:prstGeom>
+        </p:spPr>
+        <p:style>
+          <a:lnRef idx="1">
+            <a:schemeClr val="accent4"/>
+          </a:lnRef>
+          <a:fillRef idx="2">
+            <a:schemeClr val="accent4"/>
+          </a:fillRef>
+          <a:effectRef idx="1">
+            <a:schemeClr val="accent4"/>
+          </a:effectRef>
+          <a:fontRef idx="minor">
+            <a:schemeClr val="dk1"/>
+          </a:fontRef>
+        </p:style>
+        <p:txBody>
+          <a:bodyPr rtlCol="0" anchor="ctr"/>
+          <a:lstStyle/>
+          <a:p>
+            <a:pPr algn="ctr"/>
+            <a:endParaRPr lang="en-US"/>
+          </a:p>
+        </p:txBody>
+      </p:sp>
+      <p:sp>
+        <p:nvSpPr>
+          <p:cNvPr id="14" name="TextBox 13">
+            <a:extLst>
+              <a:ext uri="{FF2B5EF4-FFF2-40B4-BE49-F238E27FC236}">
+                <a16:creationId xmlns:a16="http://schemas.microsoft.com/office/drawing/2014/main" id="{B4D3967F-E1F5-F6E0-6340-D07B284F1EC8}"/>
+              </a:ext>
+            </a:extLst>
+          </p:cNvPr>
+          <p:cNvSpPr txBox="1"/>
+          <p:nvPr/>
+        </p:nvSpPr>
+        <p:spPr>
+          <a:xfrm>
+            <a:off x="7683796" y="3867593"/>
+            <a:ext cx="2360428" cy="369332"/>
+          </a:xfrm>
+          <a:prstGeom prst="rect">
+            <a:avLst/>
+          </a:prstGeom>
+          <a:noFill/>
+        </p:spPr>
+        <p:txBody>
+          <a:bodyPr wrap="square" rtlCol="0">
+            <a:spAutoFit/>
+          </a:bodyPr>
+          <a:lstStyle/>
+          <a:p>
+            <a:pPr algn="ctr"/>
+            <a:r>
+              <a:rPr lang="en-US" dirty="0"/>
+              <a:t>Container</a:t>
+            </a:r>
+          </a:p>
+        </p:txBody>
+      </p:sp>
+      <p:sp>
+        <p:nvSpPr>
+          <p:cNvPr id="15" name="Rectangle 14">
+            <a:extLst>
+              <a:ext uri="{FF2B5EF4-FFF2-40B4-BE49-F238E27FC236}">
+                <a16:creationId xmlns:a16="http://schemas.microsoft.com/office/drawing/2014/main" id="{62EFF5AB-6B99-1BA8-578D-9D304843C01E}"/>
+              </a:ext>
+            </a:extLst>
+          </p:cNvPr>
+          <p:cNvSpPr/>
+          <p:nvPr/>
+        </p:nvSpPr>
+        <p:spPr>
+          <a:xfrm>
+            <a:off x="7768856" y="1772979"/>
+            <a:ext cx="2275368" cy="2094614"/>
+          </a:xfrm>
+          <a:prstGeom prst="rect">
+            <a:avLst/>
+          </a:prstGeom>
+        </p:spPr>
+        <p:style>
+          <a:lnRef idx="2">
+            <a:schemeClr val="accent1">
+              <a:shade val="50000"/>
+            </a:schemeClr>
+          </a:lnRef>
+          <a:fillRef idx="1">
+            <a:schemeClr val="accent1"/>
+          </a:fillRef>
+          <a:effectRef idx="0">
+            <a:schemeClr val="accent1"/>
+          </a:effectRef>
+          <a:fontRef idx="minor">
+            <a:schemeClr val="lt1"/>
+          </a:fontRef>
+        </p:style>
+        <p:txBody>
+          <a:bodyPr rtlCol="0" anchor="ctr"/>
+          <a:lstStyle/>
+          <a:p>
+            <a:pPr algn="ctr"/>
+            <a:r>
+              <a:rPr lang="en-US" sz="1400" b="1" dirty="0"/>
+              <a:t>The Image for the Application with Deployable Code (.NET Core App), Application Framework (.NET 5/6 Runtime) and Base Hosting Image (Linux)</a:t>
+            </a:r>
+          </a:p>
+        </p:txBody>
+      </p:sp>
+      <p:sp>
+        <p:nvSpPr>
+          <p:cNvPr id="16" name="Up-down Arrow 15">
+            <a:extLst>
+              <a:ext uri="{FF2B5EF4-FFF2-40B4-BE49-F238E27FC236}">
+                <a16:creationId xmlns:a16="http://schemas.microsoft.com/office/drawing/2014/main" id="{71DCC9F8-6B14-9AB4-4D1E-4538A35EE6AD}"/>
+              </a:ext>
+            </a:extLst>
+          </p:cNvPr>
+          <p:cNvSpPr/>
+          <p:nvPr/>
+        </p:nvSpPr>
+        <p:spPr>
+          <a:xfrm>
+            <a:off x="4646426" y="3585682"/>
+            <a:ext cx="191386" cy="571350"/>
+          </a:xfrm>
+          <a:prstGeom prst="upDownArrow">
+            <a:avLst/>
+          </a:prstGeom>
+          <a:solidFill>
+            <a:srgbClr val="C00000"/>
+          </a:solidFill>
+        </p:spPr>
+        <p:style>
+          <a:lnRef idx="2">
+            <a:schemeClr val="accent1">
+              <a:shade val="50000"/>
+            </a:schemeClr>
+          </a:lnRef>
+          <a:fillRef idx="1">
+            <a:schemeClr val="accent1"/>
+          </a:fillRef>
+          <a:effectRef idx="0">
+            <a:schemeClr val="accent1"/>
+          </a:effectRef>
+          <a:fontRef idx="minor">
+            <a:schemeClr val="lt1"/>
+          </a:fontRef>
+        </p:style>
+        <p:txBody>
+          <a:bodyPr rtlCol="0" anchor="ctr"/>
+          <a:lstStyle/>
+          <a:p>
+            <a:pPr algn="ctr"/>
+            <a:endParaRPr lang="en-US"/>
+          </a:p>
+        </p:txBody>
+      </p:sp>
+      <p:sp>
+        <p:nvSpPr>
+          <p:cNvPr id="17" name="Up-down Arrow 16">
+            <a:extLst>
+              <a:ext uri="{FF2B5EF4-FFF2-40B4-BE49-F238E27FC236}">
+                <a16:creationId xmlns:a16="http://schemas.microsoft.com/office/drawing/2014/main" id="{84C3D726-B0DA-795C-AFF8-34C83327E8D8}"/>
+              </a:ext>
+            </a:extLst>
+          </p:cNvPr>
+          <p:cNvSpPr/>
+          <p:nvPr/>
+        </p:nvSpPr>
+        <p:spPr>
+          <a:xfrm>
+            <a:off x="4859077" y="4009879"/>
+            <a:ext cx="191386" cy="571350"/>
+          </a:xfrm>
+          <a:prstGeom prst="upDownArrow">
+            <a:avLst/>
+          </a:prstGeom>
+          <a:solidFill>
+            <a:srgbClr val="C00000"/>
+          </a:solidFill>
+        </p:spPr>
+        <p:style>
+          <a:lnRef idx="2">
+            <a:schemeClr val="accent1">
+              <a:shade val="50000"/>
+            </a:schemeClr>
+          </a:lnRef>
+          <a:fillRef idx="1">
+            <a:schemeClr val="accent1"/>
+          </a:fillRef>
+          <a:effectRef idx="0">
+            <a:schemeClr val="accent1"/>
+          </a:effectRef>
+          <a:fontRef idx="minor">
+            <a:schemeClr val="lt1"/>
+          </a:fontRef>
+        </p:style>
+        <p:txBody>
+          <a:bodyPr rtlCol="0" anchor="ctr"/>
+          <a:lstStyle/>
+          <a:p>
+            <a:pPr algn="ctr"/>
+            <a:endParaRPr lang="en-US"/>
+          </a:p>
+        </p:txBody>
+      </p:sp>
+      <p:sp>
+        <p:nvSpPr>
+          <p:cNvPr id="18" name="Up-down Arrow 17">
+            <a:extLst>
+              <a:ext uri="{FF2B5EF4-FFF2-40B4-BE49-F238E27FC236}">
+                <a16:creationId xmlns:a16="http://schemas.microsoft.com/office/drawing/2014/main" id="{2DF96F31-0C8F-4F22-17A4-CA2FBA683314}"/>
+              </a:ext>
+            </a:extLst>
+          </p:cNvPr>
+          <p:cNvSpPr/>
+          <p:nvPr/>
+        </p:nvSpPr>
+        <p:spPr>
+          <a:xfrm>
+            <a:off x="5039830" y="5128807"/>
+            <a:ext cx="191386" cy="571350"/>
+          </a:xfrm>
+          <a:prstGeom prst="upDownArrow">
+            <a:avLst/>
+          </a:prstGeom>
+          <a:solidFill>
+            <a:srgbClr val="C00000"/>
+          </a:solidFill>
+        </p:spPr>
+        <p:style>
+          <a:lnRef idx="2">
+            <a:schemeClr val="accent1">
+              <a:shade val="50000"/>
+            </a:schemeClr>
+          </a:lnRef>
+          <a:fillRef idx="1">
+            <a:schemeClr val="accent1"/>
+          </a:fillRef>
+          <a:effectRef idx="0">
+            <a:schemeClr val="accent1"/>
+          </a:effectRef>
+          <a:fontRef idx="minor">
+            <a:schemeClr val="lt1"/>
+          </a:fontRef>
+        </p:style>
+        <p:txBody>
+          <a:bodyPr rtlCol="0" anchor="ctr"/>
+          <a:lstStyle/>
+          <a:p>
+            <a:pPr algn="ctr"/>
+            <a:endParaRPr lang="en-US"/>
+          </a:p>
+        </p:txBody>
+      </p:sp>
+      <p:sp>
+        <p:nvSpPr>
+          <p:cNvPr id="19" name="Up-down Arrow 18">
+            <a:extLst>
+              <a:ext uri="{FF2B5EF4-FFF2-40B4-BE49-F238E27FC236}">
+                <a16:creationId xmlns:a16="http://schemas.microsoft.com/office/drawing/2014/main" id="{CED460D0-557B-9293-5EE8-AE3DF429A034}"/>
+              </a:ext>
+            </a:extLst>
+          </p:cNvPr>
+          <p:cNvSpPr/>
+          <p:nvPr/>
+        </p:nvSpPr>
+        <p:spPr>
+          <a:xfrm>
+            <a:off x="7899986" y="3609604"/>
+            <a:ext cx="191386" cy="571350"/>
+          </a:xfrm>
+          <a:prstGeom prst="upDownArrow">
+            <a:avLst/>
+          </a:prstGeom>
+          <a:solidFill>
+            <a:srgbClr val="C00000"/>
+          </a:solidFill>
+        </p:spPr>
+        <p:style>
+          <a:lnRef idx="2">
+            <a:schemeClr val="accent1">
+              <a:shade val="50000"/>
+            </a:schemeClr>
+          </a:lnRef>
+          <a:fillRef idx="1">
+            <a:schemeClr val="accent1"/>
+          </a:fillRef>
+          <a:effectRef idx="0">
+            <a:schemeClr val="accent1"/>
+          </a:effectRef>
+          <a:fontRef idx="minor">
+            <a:schemeClr val="lt1"/>
+          </a:fontRef>
+        </p:style>
+        <p:txBody>
+          <a:bodyPr rtlCol="0" anchor="ctr"/>
+          <a:lstStyle/>
+          <a:p>
+            <a:pPr algn="ctr"/>
+            <a:endParaRPr lang="en-US"/>
+          </a:p>
+        </p:txBody>
+      </p:sp>
+      <p:sp>
+        <p:nvSpPr>
+          <p:cNvPr id="20" name="Up-down Arrow 19">
+            <a:extLst>
+              <a:ext uri="{FF2B5EF4-FFF2-40B4-BE49-F238E27FC236}">
+                <a16:creationId xmlns:a16="http://schemas.microsoft.com/office/drawing/2014/main" id="{094B5665-45C7-DD81-B7AD-11F69791C6EC}"/>
+              </a:ext>
+            </a:extLst>
+          </p:cNvPr>
+          <p:cNvSpPr/>
+          <p:nvPr/>
+        </p:nvSpPr>
+        <p:spPr>
+          <a:xfrm>
+            <a:off x="8112637" y="4033801"/>
+            <a:ext cx="191386" cy="571350"/>
+          </a:xfrm>
+          <a:prstGeom prst="upDownArrow">
+            <a:avLst/>
+          </a:prstGeom>
+          <a:solidFill>
+            <a:srgbClr val="C00000"/>
+          </a:solidFill>
+        </p:spPr>
+        <p:style>
+          <a:lnRef idx="2">
+            <a:schemeClr val="accent1">
+              <a:shade val="50000"/>
+            </a:schemeClr>
+          </a:lnRef>
+          <a:fillRef idx="1">
+            <a:schemeClr val="accent1"/>
+          </a:fillRef>
+          <a:effectRef idx="0">
+            <a:schemeClr val="accent1"/>
+          </a:effectRef>
+          <a:fontRef idx="minor">
+            <a:schemeClr val="lt1"/>
+          </a:fontRef>
+        </p:style>
+        <p:txBody>
+          <a:bodyPr rtlCol="0" anchor="ctr"/>
+          <a:lstStyle/>
+          <a:p>
+            <a:pPr algn="ctr"/>
+            <a:endParaRPr lang="en-US"/>
+          </a:p>
+        </p:txBody>
+      </p:sp>
+      <p:sp>
+        <p:nvSpPr>
+          <p:cNvPr id="21" name="Up-down Arrow 20">
+            <a:extLst>
+              <a:ext uri="{FF2B5EF4-FFF2-40B4-BE49-F238E27FC236}">
+                <a16:creationId xmlns:a16="http://schemas.microsoft.com/office/drawing/2014/main" id="{BEC04581-FCE9-0658-4C4E-FEE517D5EC69}"/>
+              </a:ext>
+            </a:extLst>
+          </p:cNvPr>
+          <p:cNvSpPr/>
+          <p:nvPr/>
+        </p:nvSpPr>
+        <p:spPr>
+          <a:xfrm>
+            <a:off x="8293390" y="5152729"/>
+            <a:ext cx="191386" cy="571350"/>
+          </a:xfrm>
+          <a:prstGeom prst="upDownArrow">
+            <a:avLst/>
+          </a:prstGeom>
+          <a:solidFill>
+            <a:srgbClr val="C00000"/>
+          </a:solidFill>
+        </p:spPr>
+        <p:style>
+          <a:lnRef idx="2">
+            <a:schemeClr val="accent1">
+              <a:shade val="50000"/>
+            </a:schemeClr>
+          </a:lnRef>
+          <a:fillRef idx="1">
+            <a:schemeClr val="accent1"/>
+          </a:fillRef>
+          <a:effectRef idx="0">
+            <a:schemeClr val="accent1"/>
+          </a:effectRef>
+          <a:fontRef idx="minor">
+            <a:schemeClr val="lt1"/>
+          </a:fontRef>
+        </p:style>
+        <p:txBody>
+          <a:bodyPr rtlCol="0" anchor="ctr"/>
+          <a:lstStyle/>
+          <a:p>
+            <a:pPr algn="ctr"/>
+            <a:endParaRPr lang="en-US"/>
+          </a:p>
+        </p:txBody>
+      </p:sp>
+      <p:sp>
+        <p:nvSpPr>
+          <p:cNvPr id="23" name="Rectangle 22">
+            <a:extLst>
+              <a:ext uri="{FF2B5EF4-FFF2-40B4-BE49-F238E27FC236}">
+                <a16:creationId xmlns:a16="http://schemas.microsoft.com/office/drawing/2014/main" id="{1465C4A8-AF80-32F9-2333-DA09B2AFA64E}"/>
+              </a:ext>
+            </a:extLst>
+          </p:cNvPr>
+          <p:cNvSpPr/>
+          <p:nvPr/>
+        </p:nvSpPr>
+        <p:spPr>
+          <a:xfrm>
+            <a:off x="1254642" y="4605151"/>
+            <a:ext cx="9197163" cy="523656"/>
+          </a:xfrm>
+          <a:prstGeom prst="rect">
+            <a:avLst/>
+          </a:prstGeom>
+          <a:solidFill>
+            <a:srgbClr val="7030A0"/>
+          </a:solidFill>
+        </p:spPr>
+        <p:style>
+          <a:lnRef idx="2">
+            <a:schemeClr val="accent1">
+              <a:shade val="50000"/>
+            </a:schemeClr>
+          </a:lnRef>
+          <a:fillRef idx="1">
+            <a:schemeClr val="accent1"/>
+          </a:fillRef>
+          <a:effectRef idx="0">
+            <a:schemeClr val="accent1"/>
+          </a:effectRef>
+          <a:fontRef idx="minor">
+            <a:schemeClr val="lt1"/>
+          </a:fontRef>
+        </p:style>
+        <p:txBody>
+          <a:bodyPr rtlCol="0" anchor="ctr"/>
+          <a:lstStyle/>
+          <a:p>
+            <a:pPr algn="ctr"/>
+            <a:r>
+              <a:rPr lang="en-US" b="1" dirty="0"/>
+              <a:t>Docker Networking Resources</a:t>
+            </a:r>
+          </a:p>
+        </p:txBody>
+      </p:sp>
+      <p:sp>
+        <p:nvSpPr>
+          <p:cNvPr id="24" name="Can 23">
+            <a:extLst>
+              <a:ext uri="{FF2B5EF4-FFF2-40B4-BE49-F238E27FC236}">
+                <a16:creationId xmlns:a16="http://schemas.microsoft.com/office/drawing/2014/main" id="{E7AFFFEB-21B7-9762-6159-6C55AC2FA04C}"/>
+              </a:ext>
+            </a:extLst>
+          </p:cNvPr>
+          <p:cNvSpPr/>
+          <p:nvPr/>
+        </p:nvSpPr>
+        <p:spPr>
+          <a:xfrm>
+            <a:off x="3118876" y="4157032"/>
+            <a:ext cx="956933" cy="571350"/>
+          </a:xfrm>
+          <a:prstGeom prst="can">
+            <a:avLst>
+              <a:gd name="adj" fmla="val 11103"/>
+            </a:avLst>
+          </a:prstGeom>
+        </p:spPr>
+        <p:style>
+          <a:lnRef idx="2">
+            <a:schemeClr val="accent1">
+              <a:shade val="50000"/>
+            </a:schemeClr>
+          </a:lnRef>
+          <a:fillRef idx="1">
+            <a:schemeClr val="accent1"/>
+          </a:fillRef>
+          <a:effectRef idx="0">
+            <a:schemeClr val="accent1"/>
+          </a:effectRef>
+          <a:fontRef idx="minor">
+            <a:schemeClr val="lt1"/>
+          </a:fontRef>
+        </p:style>
+        <p:txBody>
+          <a:bodyPr rtlCol="0" anchor="ctr"/>
+          <a:lstStyle/>
+          <a:p>
+            <a:pPr algn="ctr"/>
+            <a:r>
+              <a:rPr lang="en-US" b="1" dirty="0"/>
+              <a:t>PORT</a:t>
+            </a:r>
+          </a:p>
+        </p:txBody>
+      </p:sp>
+      <p:sp>
+        <p:nvSpPr>
+          <p:cNvPr id="25" name="Can 24">
+            <a:extLst>
+              <a:ext uri="{FF2B5EF4-FFF2-40B4-BE49-F238E27FC236}">
+                <a16:creationId xmlns:a16="http://schemas.microsoft.com/office/drawing/2014/main" id="{0A46D296-C847-633F-47AB-77596575A804}"/>
+              </a:ext>
+            </a:extLst>
+          </p:cNvPr>
+          <p:cNvSpPr/>
+          <p:nvPr/>
+        </p:nvSpPr>
+        <p:spPr>
+          <a:xfrm>
+            <a:off x="6138520" y="4215181"/>
+            <a:ext cx="956933" cy="553522"/>
+          </a:xfrm>
+          <a:prstGeom prst="can">
+            <a:avLst>
+              <a:gd name="adj" fmla="val 11103"/>
+            </a:avLst>
+          </a:prstGeom>
+        </p:spPr>
+        <p:style>
+          <a:lnRef idx="2">
+            <a:schemeClr val="accent1">
+              <a:shade val="50000"/>
+            </a:schemeClr>
+          </a:lnRef>
+          <a:fillRef idx="1">
+            <a:schemeClr val="accent1"/>
+          </a:fillRef>
+          <a:effectRef idx="0">
+            <a:schemeClr val="accent1"/>
+          </a:effectRef>
+          <a:fontRef idx="minor">
+            <a:schemeClr val="lt1"/>
+          </a:fontRef>
+        </p:style>
+        <p:txBody>
+          <a:bodyPr rtlCol="0" anchor="ctr"/>
+          <a:lstStyle/>
+          <a:p>
+            <a:pPr algn="ctr"/>
+            <a:r>
+              <a:rPr lang="en-US" b="1" dirty="0"/>
+              <a:t>PORT</a:t>
+            </a:r>
+          </a:p>
+        </p:txBody>
+      </p:sp>
+      <p:sp>
+        <p:nvSpPr>
+          <p:cNvPr id="26" name="Can 25">
+            <a:extLst>
+              <a:ext uri="{FF2B5EF4-FFF2-40B4-BE49-F238E27FC236}">
+                <a16:creationId xmlns:a16="http://schemas.microsoft.com/office/drawing/2014/main" id="{0B25EE4B-8345-79F8-3D93-8F47F8C9D94C}"/>
+              </a:ext>
+            </a:extLst>
+          </p:cNvPr>
+          <p:cNvSpPr/>
+          <p:nvPr/>
+        </p:nvSpPr>
+        <p:spPr>
+          <a:xfrm>
+            <a:off x="9248543" y="4143438"/>
+            <a:ext cx="956933" cy="571349"/>
+          </a:xfrm>
+          <a:prstGeom prst="can">
+            <a:avLst>
+              <a:gd name="adj" fmla="val 11103"/>
+            </a:avLst>
+          </a:prstGeom>
+        </p:spPr>
+        <p:style>
+          <a:lnRef idx="2">
+            <a:schemeClr val="accent1">
+              <a:shade val="50000"/>
+            </a:schemeClr>
+          </a:lnRef>
+          <a:fillRef idx="1">
+            <a:schemeClr val="accent1"/>
+          </a:fillRef>
+          <a:effectRef idx="0">
+            <a:schemeClr val="accent1"/>
+          </a:effectRef>
+          <a:fontRef idx="minor">
+            <a:schemeClr val="lt1"/>
+          </a:fontRef>
+        </p:style>
+        <p:txBody>
+          <a:bodyPr rtlCol="0" anchor="ctr"/>
+          <a:lstStyle/>
+          <a:p>
+            <a:pPr algn="ctr"/>
+            <a:r>
+              <a:rPr lang="en-US" b="1" dirty="0"/>
+              <a:t>PORT</a:t>
+            </a:r>
+          </a:p>
+        </p:txBody>
+      </p:sp>
+      <p:sp>
+        <p:nvSpPr>
+          <p:cNvPr id="27" name="TextBox 26">
+            <a:extLst>
+              <a:ext uri="{FF2B5EF4-FFF2-40B4-BE49-F238E27FC236}">
+                <a16:creationId xmlns:a16="http://schemas.microsoft.com/office/drawing/2014/main" id="{88F716A1-0D36-7124-EE7F-8A21144FE546}"/>
+              </a:ext>
+            </a:extLst>
+          </p:cNvPr>
+          <p:cNvSpPr txBox="1"/>
+          <p:nvPr/>
+        </p:nvSpPr>
+        <p:spPr>
+          <a:xfrm>
+            <a:off x="202019" y="127591"/>
+            <a:ext cx="11717079" cy="646331"/>
+          </a:xfrm>
+          <a:prstGeom prst="rect">
+            <a:avLst/>
+          </a:prstGeom>
+          <a:noFill/>
+        </p:spPr>
+        <p:txBody>
+          <a:bodyPr wrap="square" rtlCol="0">
+            <a:spAutoFit/>
+          </a:bodyPr>
+          <a:lstStyle/>
+          <a:p>
+            <a:r>
+              <a:rPr lang="en-US" b="1" dirty="0"/>
+              <a:t>Each Container Host an Image, this Image is “Configured” to expose a PORT, the Container Exposes this port so that the Container can accept network Requests (Massages) from Other Containers</a:t>
+            </a:r>
+          </a:p>
+        </p:txBody>
+      </p:sp>
+    </p:spTree>
+    <p:extLst>
+      <p:ext uri="{BB962C8B-B14F-4D97-AF65-F5344CB8AC3E}">
+        <p14:creationId xmlns:p14="http://schemas.microsoft.com/office/powerpoint/2010/main" val="4138346420"/>
+      </p:ext>
+    </p:extLst>
+  </p:cSld>
+  <p:clrMapOvr>
+    <a:masterClrMapping/>
+  </p:clrMapOvr>
+</p:sld>
+</file>
+
+<file path=ppt/slides/slide47.xml><?xml version="1.0" encoding="utf-8"?>
+<p:sld xmlns:a="http://schemas.openxmlformats.org/drawingml/2006/main" xmlns:r="http://schemas.openxmlformats.org/officeDocument/2006/relationships" xmlns:p="http://schemas.openxmlformats.org/presentationml/2006/main">
+  <p:cSld>
+    <p:spTree>
+      <p:nvGrpSpPr>
+        <p:cNvPr id="1" name=""/>
+        <p:cNvGrpSpPr/>
+        <p:nvPr/>
+      </p:nvGrpSpPr>
+      <p:grpSpPr>
+        <a:xfrm>
+          <a:off x="0" y="0"/>
+          <a:ext cx="0" cy="0"/>
+          <a:chOff x="0" y="0"/>
+          <a:chExt cx="0" cy="0"/>
+        </a:xfrm>
+      </p:grpSpPr>
+      <p:sp>
+        <p:nvSpPr>
+          <p:cNvPr id="2" name="Rectangle 1">
+            <a:extLst>
+              <a:ext uri="{FF2B5EF4-FFF2-40B4-BE49-F238E27FC236}">
+                <a16:creationId xmlns:a16="http://schemas.microsoft.com/office/drawing/2014/main" id="{4A059C79-C55B-7D65-3B2C-25BB49FEF433}"/>
+              </a:ext>
+            </a:extLst>
+          </p:cNvPr>
+          <p:cNvSpPr/>
+          <p:nvPr/>
+        </p:nvSpPr>
+        <p:spPr>
+          <a:xfrm>
+            <a:off x="233917" y="1722474"/>
+            <a:ext cx="3402419" cy="2998382"/>
+          </a:xfrm>
+          <a:prstGeom prst="rect">
+            <a:avLst/>
+          </a:prstGeom>
+        </p:spPr>
+        <p:style>
+          <a:lnRef idx="2">
+            <a:schemeClr val="accent1">
+              <a:shade val="50000"/>
+            </a:schemeClr>
+          </a:lnRef>
+          <a:fillRef idx="1">
+            <a:schemeClr val="accent1"/>
+          </a:fillRef>
+          <a:effectRef idx="0">
+            <a:schemeClr val="accent1"/>
+          </a:effectRef>
+          <a:fontRef idx="minor">
+            <a:schemeClr val="lt1"/>
+          </a:fontRef>
+        </p:style>
+        <p:txBody>
+          <a:bodyPr rtlCol="0" anchor="ctr"/>
+          <a:lstStyle/>
+          <a:p>
+            <a:pPr algn="ctr"/>
+            <a:r>
+              <a:rPr lang="en-US" b="1" dirty="0"/>
+              <a:t>Sender App</a:t>
+            </a:r>
+          </a:p>
+        </p:txBody>
+      </p:sp>
+      <p:sp>
+        <p:nvSpPr>
+          <p:cNvPr id="3" name="Rectangle 2">
+            <a:extLst>
+              <a:ext uri="{FF2B5EF4-FFF2-40B4-BE49-F238E27FC236}">
+                <a16:creationId xmlns:a16="http://schemas.microsoft.com/office/drawing/2014/main" id="{62B9C60F-4B01-15F8-37E0-2C7CB9029287}"/>
+              </a:ext>
+            </a:extLst>
+          </p:cNvPr>
+          <p:cNvSpPr/>
+          <p:nvPr/>
+        </p:nvSpPr>
+        <p:spPr>
+          <a:xfrm>
+            <a:off x="8413898" y="1722474"/>
+            <a:ext cx="3402419" cy="2998382"/>
+          </a:xfrm>
+          <a:prstGeom prst="rect">
+            <a:avLst/>
+          </a:prstGeom>
+        </p:spPr>
+        <p:style>
+          <a:lnRef idx="2">
+            <a:schemeClr val="accent1">
+              <a:shade val="50000"/>
+            </a:schemeClr>
+          </a:lnRef>
+          <a:fillRef idx="1">
+            <a:schemeClr val="accent1"/>
+          </a:fillRef>
+          <a:effectRef idx="0">
+            <a:schemeClr val="accent1"/>
+          </a:effectRef>
+          <a:fontRef idx="minor">
+            <a:schemeClr val="lt1"/>
+          </a:fontRef>
+        </p:style>
+        <p:txBody>
+          <a:bodyPr rtlCol="0" anchor="ctr"/>
+          <a:lstStyle/>
+          <a:p>
+            <a:pPr algn="ctr"/>
+            <a:r>
+              <a:rPr lang="en-US" b="1" dirty="0"/>
+              <a:t>Receiver App</a:t>
+            </a:r>
+          </a:p>
+        </p:txBody>
+      </p:sp>
+      <p:sp>
+        <p:nvSpPr>
+          <p:cNvPr id="4" name="Cube 3">
+            <a:extLst>
+              <a:ext uri="{FF2B5EF4-FFF2-40B4-BE49-F238E27FC236}">
+                <a16:creationId xmlns:a16="http://schemas.microsoft.com/office/drawing/2014/main" id="{D26D74FC-3169-9D69-694C-4E875B1FE108}"/>
+              </a:ext>
+            </a:extLst>
+          </p:cNvPr>
+          <p:cNvSpPr/>
+          <p:nvPr/>
+        </p:nvSpPr>
+        <p:spPr>
+          <a:xfrm>
+            <a:off x="4479851" y="733646"/>
+            <a:ext cx="3232298" cy="4763386"/>
+          </a:xfrm>
+          <a:prstGeom prst="cube">
+            <a:avLst/>
+          </a:prstGeom>
+          <a:solidFill>
+            <a:srgbClr val="7030A0"/>
+          </a:solidFill>
+        </p:spPr>
+        <p:style>
+          <a:lnRef idx="2">
+            <a:schemeClr val="accent1">
+              <a:shade val="50000"/>
+            </a:schemeClr>
+          </a:lnRef>
+          <a:fillRef idx="1">
+            <a:schemeClr val="accent1"/>
+          </a:fillRef>
+          <a:effectRef idx="0">
+            <a:schemeClr val="accent1"/>
+          </a:effectRef>
+          <a:fontRef idx="minor">
+            <a:schemeClr val="lt1"/>
+          </a:fontRef>
+        </p:style>
+        <p:txBody>
+          <a:bodyPr rtlCol="0" anchor="ctr"/>
+          <a:lstStyle/>
+          <a:p>
+            <a:pPr algn="ctr"/>
+            <a:endParaRPr lang="en-US"/>
+          </a:p>
+        </p:txBody>
+      </p:sp>
+      <p:sp>
+        <p:nvSpPr>
+          <p:cNvPr id="5" name="TextBox 4">
+            <a:extLst>
+              <a:ext uri="{FF2B5EF4-FFF2-40B4-BE49-F238E27FC236}">
+                <a16:creationId xmlns:a16="http://schemas.microsoft.com/office/drawing/2014/main" id="{E6B482BB-E840-EB9C-8A8D-E302610D505C}"/>
+              </a:ext>
+            </a:extLst>
+          </p:cNvPr>
+          <p:cNvSpPr txBox="1"/>
+          <p:nvPr/>
+        </p:nvSpPr>
+        <p:spPr>
+          <a:xfrm>
+            <a:off x="4997302" y="148856"/>
+            <a:ext cx="2860158" cy="646331"/>
+          </a:xfrm>
+          <a:prstGeom prst="rect">
+            <a:avLst/>
+          </a:prstGeom>
+          <a:noFill/>
+        </p:spPr>
+        <p:txBody>
+          <a:bodyPr wrap="square" rtlCol="0">
+            <a:spAutoFit/>
+          </a:bodyPr>
+          <a:lstStyle/>
+          <a:p>
+            <a:pPr algn="ctr"/>
+            <a:r>
+              <a:rPr lang="en-US" dirty="0"/>
+              <a:t>RabbitMQ for Message Transit</a:t>
+            </a:r>
+          </a:p>
+        </p:txBody>
+      </p:sp>
+      <p:sp>
+        <p:nvSpPr>
+          <p:cNvPr id="6" name="Right Arrow 5">
+            <a:extLst>
+              <a:ext uri="{FF2B5EF4-FFF2-40B4-BE49-F238E27FC236}">
+                <a16:creationId xmlns:a16="http://schemas.microsoft.com/office/drawing/2014/main" id="{BCD61356-7576-EF3E-FA5B-D931E33915DE}"/>
+              </a:ext>
+            </a:extLst>
+          </p:cNvPr>
+          <p:cNvSpPr/>
+          <p:nvPr/>
+        </p:nvSpPr>
+        <p:spPr>
+          <a:xfrm>
+            <a:off x="3200399" y="2604977"/>
+            <a:ext cx="1704755" cy="510362"/>
+          </a:xfrm>
+          <a:prstGeom prst="rightArrow">
+            <a:avLst/>
+          </a:prstGeom>
+        </p:spPr>
+        <p:style>
+          <a:lnRef idx="2">
+            <a:schemeClr val="accent1">
+              <a:shade val="50000"/>
+            </a:schemeClr>
+          </a:lnRef>
+          <a:fillRef idx="1">
+            <a:schemeClr val="accent1"/>
+          </a:fillRef>
+          <a:effectRef idx="0">
+            <a:schemeClr val="accent1"/>
+          </a:effectRef>
+          <a:fontRef idx="minor">
+            <a:schemeClr val="lt1"/>
+          </a:fontRef>
+        </p:style>
+        <p:txBody>
+          <a:bodyPr rtlCol="0" anchor="ctr"/>
+          <a:lstStyle/>
+          <a:p>
+            <a:pPr algn="ctr"/>
+            <a:r>
+              <a:rPr lang="en-US" dirty="0"/>
+              <a:t>Send</a:t>
+            </a:r>
+          </a:p>
+        </p:txBody>
+      </p:sp>
+      <p:sp>
+        <p:nvSpPr>
+          <p:cNvPr id="7" name="Left Arrow 6">
+            <a:extLst>
+              <a:ext uri="{FF2B5EF4-FFF2-40B4-BE49-F238E27FC236}">
+                <a16:creationId xmlns:a16="http://schemas.microsoft.com/office/drawing/2014/main" id="{779EA9E0-DFAD-DFC6-F791-C856B61B271A}"/>
+              </a:ext>
+            </a:extLst>
+          </p:cNvPr>
+          <p:cNvSpPr/>
+          <p:nvPr/>
+        </p:nvSpPr>
+        <p:spPr>
+          <a:xfrm>
+            <a:off x="7123814" y="3646967"/>
+            <a:ext cx="1552353" cy="489098"/>
+          </a:xfrm>
+          <a:prstGeom prst="leftArrow">
+            <a:avLst/>
+          </a:prstGeom>
+        </p:spPr>
+        <p:style>
+          <a:lnRef idx="2">
+            <a:schemeClr val="accent1">
+              <a:shade val="50000"/>
+            </a:schemeClr>
+          </a:lnRef>
+          <a:fillRef idx="1">
+            <a:schemeClr val="accent1"/>
+          </a:fillRef>
+          <a:effectRef idx="0">
+            <a:schemeClr val="accent1"/>
+          </a:effectRef>
+          <a:fontRef idx="minor">
+            <a:schemeClr val="lt1"/>
+          </a:fontRef>
+        </p:style>
+        <p:txBody>
+          <a:bodyPr rtlCol="0" anchor="ctr"/>
+          <a:lstStyle/>
+          <a:p>
+            <a:pPr algn="ctr"/>
+            <a:r>
+              <a:rPr lang="en-US" dirty="0"/>
+              <a:t>Subscription</a:t>
+            </a:r>
+          </a:p>
+        </p:txBody>
+      </p:sp>
+      <p:sp>
+        <p:nvSpPr>
+          <p:cNvPr id="8" name="Right Arrow 7">
+            <a:extLst>
+              <a:ext uri="{FF2B5EF4-FFF2-40B4-BE49-F238E27FC236}">
+                <a16:creationId xmlns:a16="http://schemas.microsoft.com/office/drawing/2014/main" id="{38792C7B-1BE3-CEF9-429C-FD2354832F57}"/>
+              </a:ext>
+            </a:extLst>
+          </p:cNvPr>
+          <p:cNvSpPr/>
+          <p:nvPr/>
+        </p:nvSpPr>
+        <p:spPr>
+          <a:xfrm>
+            <a:off x="7079511" y="2333847"/>
+            <a:ext cx="2860157" cy="489097"/>
+          </a:xfrm>
+          <a:prstGeom prst="rightArrow">
+            <a:avLst/>
+          </a:prstGeom>
+        </p:spPr>
+        <p:style>
+          <a:lnRef idx="2">
+            <a:schemeClr val="accent1">
+              <a:shade val="50000"/>
+            </a:schemeClr>
+          </a:lnRef>
+          <a:fillRef idx="1">
+            <a:schemeClr val="accent1"/>
+          </a:fillRef>
+          <a:effectRef idx="0">
+            <a:schemeClr val="accent1"/>
+          </a:effectRef>
+          <a:fontRef idx="minor">
+            <a:schemeClr val="lt1"/>
+          </a:fontRef>
+        </p:style>
+        <p:txBody>
+          <a:bodyPr rtlCol="0" anchor="ctr"/>
+          <a:lstStyle/>
+          <a:p>
+            <a:pPr algn="ctr"/>
+            <a:r>
+              <a:rPr lang="en-US" dirty="0"/>
+              <a:t>Deliver Message</a:t>
+            </a:r>
+          </a:p>
+        </p:txBody>
+      </p:sp>
+      <p:sp>
+        <p:nvSpPr>
+          <p:cNvPr id="9" name="Rounded Rectangle 8">
+            <a:extLst>
+              <a:ext uri="{FF2B5EF4-FFF2-40B4-BE49-F238E27FC236}">
+                <a16:creationId xmlns:a16="http://schemas.microsoft.com/office/drawing/2014/main" id="{93D6C85F-6125-BAEA-2F09-3634BC370BD8}"/>
+              </a:ext>
+            </a:extLst>
+          </p:cNvPr>
+          <p:cNvSpPr/>
+          <p:nvPr/>
+        </p:nvSpPr>
+        <p:spPr>
+          <a:xfrm>
+            <a:off x="4805916" y="2166384"/>
+            <a:ext cx="2009553" cy="1313120"/>
+          </a:xfrm>
+          <a:prstGeom prst="roundRect">
+            <a:avLst/>
+          </a:prstGeom>
+        </p:spPr>
+        <p:style>
+          <a:lnRef idx="2">
+            <a:schemeClr val="accent1">
+              <a:shade val="50000"/>
+            </a:schemeClr>
+          </a:lnRef>
+          <a:fillRef idx="1">
+            <a:schemeClr val="accent1"/>
+          </a:fillRef>
+          <a:effectRef idx="0">
+            <a:schemeClr val="accent1"/>
+          </a:effectRef>
+          <a:fontRef idx="minor">
+            <a:schemeClr val="lt1"/>
+          </a:fontRef>
+        </p:style>
+        <p:txBody>
+          <a:bodyPr rtlCol="0" anchor="ctr"/>
+          <a:lstStyle/>
+          <a:p>
+            <a:pPr algn="ctr"/>
+            <a:r>
+              <a:rPr lang="en-US" b="1" dirty="0"/>
+              <a:t>Message</a:t>
+            </a:r>
+          </a:p>
+          <a:p>
+            <a:pPr algn="ctr"/>
+            <a:r>
+              <a:rPr lang="en-US" b="1" dirty="0"/>
+              <a:t>Exchange</a:t>
+            </a:r>
+          </a:p>
+        </p:txBody>
+      </p:sp>
+      <p:sp>
+        <p:nvSpPr>
+          <p:cNvPr id="10" name="Rounded Rectangle 9">
+            <a:extLst>
+              <a:ext uri="{FF2B5EF4-FFF2-40B4-BE49-F238E27FC236}">
+                <a16:creationId xmlns:a16="http://schemas.microsoft.com/office/drawing/2014/main" id="{49493885-5A8A-1BC0-621F-DCC9F3DAB19A}"/>
+              </a:ext>
+            </a:extLst>
+          </p:cNvPr>
+          <p:cNvSpPr/>
+          <p:nvPr/>
+        </p:nvSpPr>
+        <p:spPr>
+          <a:xfrm>
+            <a:off x="4786423" y="3615070"/>
+            <a:ext cx="2009553" cy="1313120"/>
+          </a:xfrm>
+          <a:prstGeom prst="roundRect">
+            <a:avLst/>
+          </a:prstGeom>
+        </p:spPr>
+        <p:style>
+          <a:lnRef idx="2">
+            <a:schemeClr val="accent1">
+              <a:shade val="50000"/>
+            </a:schemeClr>
+          </a:lnRef>
+          <a:fillRef idx="1">
+            <a:schemeClr val="accent1"/>
+          </a:fillRef>
+          <a:effectRef idx="0">
+            <a:schemeClr val="accent1"/>
+          </a:effectRef>
+          <a:fontRef idx="minor">
+            <a:schemeClr val="lt1"/>
+          </a:fontRef>
+        </p:style>
+        <p:txBody>
+          <a:bodyPr rtlCol="0" anchor="ctr"/>
+          <a:lstStyle/>
+          <a:p>
+            <a:pPr algn="ctr"/>
+            <a:r>
+              <a:rPr lang="en-US" b="1" dirty="0"/>
+              <a:t>Message</a:t>
+            </a:r>
+          </a:p>
+          <a:p>
+            <a:pPr algn="ctr"/>
+            <a:r>
+              <a:rPr lang="en-US" b="1" dirty="0"/>
+              <a:t>Exchange</a:t>
+            </a:r>
+          </a:p>
+        </p:txBody>
+      </p:sp>
+      <p:sp>
+        <p:nvSpPr>
+          <p:cNvPr id="11" name="Rectangle 10">
+            <a:extLst>
+              <a:ext uri="{FF2B5EF4-FFF2-40B4-BE49-F238E27FC236}">
+                <a16:creationId xmlns:a16="http://schemas.microsoft.com/office/drawing/2014/main" id="{57C60630-C9D0-7C6D-11A9-8DD191520636}"/>
+              </a:ext>
+            </a:extLst>
+          </p:cNvPr>
+          <p:cNvSpPr/>
+          <p:nvPr/>
+        </p:nvSpPr>
+        <p:spPr>
+          <a:xfrm>
+            <a:off x="8867553" y="3646967"/>
+            <a:ext cx="2764466" cy="786810"/>
+          </a:xfrm>
+          <a:prstGeom prst="rect">
+            <a:avLst/>
+          </a:prstGeom>
+          <a:solidFill>
+            <a:srgbClr val="00B050"/>
+          </a:solidFill>
+        </p:spPr>
+        <p:style>
+          <a:lnRef idx="2">
+            <a:schemeClr val="accent1">
+              <a:shade val="50000"/>
+            </a:schemeClr>
+          </a:lnRef>
+          <a:fillRef idx="1">
+            <a:schemeClr val="accent1"/>
+          </a:fillRef>
+          <a:effectRef idx="0">
+            <a:schemeClr val="accent1"/>
+          </a:effectRef>
+          <a:fontRef idx="minor">
+            <a:schemeClr val="lt1"/>
+          </a:fontRef>
+        </p:style>
+        <p:txBody>
+          <a:bodyPr rtlCol="0" anchor="ctr"/>
+          <a:lstStyle/>
+          <a:p>
+            <a:pPr algn="ctr"/>
+            <a:r>
+              <a:rPr lang="en-US" sz="1200" b="1" dirty="0"/>
+              <a:t>Background Service that will be running Continuously to read message from Queue</a:t>
+            </a:r>
+          </a:p>
+        </p:txBody>
+      </p:sp>
+    </p:spTree>
+    <p:extLst>
+      <p:ext uri="{BB962C8B-B14F-4D97-AF65-F5344CB8AC3E}">
+        <p14:creationId xmlns:p14="http://schemas.microsoft.com/office/powerpoint/2010/main" val="1333914093"/>
+      </p:ext>
+    </p:extLst>
+  </p:cSld>
+  <p:clrMapOvr>
+    <a:masterClrMapping/>
+  </p:clrMapOvr>
+</p:sld>
+</file>
+
+<file path=ppt/slides/slide48.xml><?xml version="1.0" encoding="utf-8"?>
+<p:sld xmlns:a="http://schemas.openxmlformats.org/drawingml/2006/main" xmlns:r="http://schemas.openxmlformats.org/officeDocument/2006/relationships" xmlns:p="http://schemas.openxmlformats.org/presentationml/2006/main">
+  <p:cSld>
+    <p:spTree>
+      <p:nvGrpSpPr>
+        <p:cNvPr id="1" name=""/>
+        <p:cNvGrpSpPr/>
+        <p:nvPr/>
+      </p:nvGrpSpPr>
+      <p:grpSpPr>
+        <a:xfrm>
+          <a:off x="0" y="0"/>
+          <a:ext cx="0" cy="0"/>
+          <a:chOff x="0" y="0"/>
+          <a:chExt cx="0" cy="0"/>
+        </a:xfrm>
+      </p:grpSpPr>
+      <p:sp>
+        <p:nvSpPr>
+          <p:cNvPr id="2" name="Oval 1">
+            <a:extLst>
+              <a:ext uri="{FF2B5EF4-FFF2-40B4-BE49-F238E27FC236}">
+                <a16:creationId xmlns:a16="http://schemas.microsoft.com/office/drawing/2014/main" id="{50FAB7DF-AF0F-ADA0-44DA-E6C1ADF645E8}"/>
+              </a:ext>
+            </a:extLst>
+          </p:cNvPr>
+          <p:cNvSpPr/>
+          <p:nvPr/>
+        </p:nvSpPr>
+        <p:spPr>
+          <a:xfrm>
+            <a:off x="4263656" y="1116419"/>
+            <a:ext cx="3455581" cy="2158409"/>
+          </a:xfrm>
+          <a:prstGeom prst="ellipse">
+            <a:avLst/>
+          </a:prstGeom>
+        </p:spPr>
+        <p:style>
+          <a:lnRef idx="2">
+            <a:schemeClr val="accent1">
+              <a:shade val="50000"/>
+            </a:schemeClr>
+          </a:lnRef>
+          <a:fillRef idx="1">
+            <a:schemeClr val="accent1"/>
+          </a:fillRef>
+          <a:effectRef idx="0">
+            <a:schemeClr val="accent1"/>
+          </a:effectRef>
+          <a:fontRef idx="minor">
+            <a:schemeClr val="lt1"/>
+          </a:fontRef>
+        </p:style>
+        <p:txBody>
+          <a:bodyPr rtlCol="0" anchor="ctr"/>
+          <a:lstStyle/>
+          <a:p>
+            <a:pPr algn="ctr"/>
+            <a:r>
+              <a:rPr lang="en-US" b="1" dirty="0"/>
+              <a:t>Micro-Architecture</a:t>
+            </a:r>
+          </a:p>
+        </p:txBody>
+      </p:sp>
+      <p:sp>
+        <p:nvSpPr>
+          <p:cNvPr id="3" name="Oval 2">
+            <a:extLst>
+              <a:ext uri="{FF2B5EF4-FFF2-40B4-BE49-F238E27FC236}">
+                <a16:creationId xmlns:a16="http://schemas.microsoft.com/office/drawing/2014/main" id="{CCB2EF8B-DEF6-D7F4-34C6-F02F7B0EBA43}"/>
+              </a:ext>
+            </a:extLst>
+          </p:cNvPr>
+          <p:cNvSpPr/>
+          <p:nvPr/>
+        </p:nvSpPr>
+        <p:spPr>
+          <a:xfrm>
+            <a:off x="1173125" y="3746205"/>
+            <a:ext cx="3455581" cy="2158409"/>
+          </a:xfrm>
+          <a:prstGeom prst="ellipse">
+            <a:avLst/>
+          </a:prstGeom>
+        </p:spPr>
+        <p:style>
+          <a:lnRef idx="2">
+            <a:schemeClr val="accent1">
+              <a:shade val="50000"/>
+            </a:schemeClr>
+          </a:lnRef>
+          <a:fillRef idx="1">
+            <a:schemeClr val="accent1"/>
+          </a:fillRef>
+          <a:effectRef idx="0">
+            <a:schemeClr val="accent1"/>
+          </a:effectRef>
+          <a:fontRef idx="minor">
+            <a:schemeClr val="lt1"/>
+          </a:fontRef>
+        </p:style>
+        <p:txBody>
+          <a:bodyPr rtlCol="0" anchor="ctr"/>
+          <a:lstStyle/>
+          <a:p>
+            <a:pPr algn="ctr"/>
+            <a:r>
+              <a:rPr lang="en-US" b="1" dirty="0"/>
+              <a:t>Microservices on Server-Side</a:t>
+            </a:r>
+          </a:p>
+        </p:txBody>
+      </p:sp>
+      <p:sp>
+        <p:nvSpPr>
+          <p:cNvPr id="4" name="Oval 3">
+            <a:extLst>
+              <a:ext uri="{FF2B5EF4-FFF2-40B4-BE49-F238E27FC236}">
+                <a16:creationId xmlns:a16="http://schemas.microsoft.com/office/drawing/2014/main" id="{FD20502C-E386-92C0-EFE1-552E944D6F56}"/>
+              </a:ext>
+            </a:extLst>
+          </p:cNvPr>
+          <p:cNvSpPr/>
+          <p:nvPr/>
+        </p:nvSpPr>
+        <p:spPr>
+          <a:xfrm>
+            <a:off x="7949609" y="3746205"/>
+            <a:ext cx="3455581" cy="2158409"/>
+          </a:xfrm>
+          <a:prstGeom prst="ellipse">
+            <a:avLst/>
+          </a:prstGeom>
+        </p:spPr>
+        <p:style>
+          <a:lnRef idx="2">
+            <a:schemeClr val="accent1">
+              <a:shade val="50000"/>
+            </a:schemeClr>
+          </a:lnRef>
+          <a:fillRef idx="1">
+            <a:schemeClr val="accent1"/>
+          </a:fillRef>
+          <a:effectRef idx="0">
+            <a:schemeClr val="accent1"/>
+          </a:effectRef>
+          <a:fontRef idx="minor">
+            <a:schemeClr val="lt1"/>
+          </a:fontRef>
+        </p:style>
+        <p:txBody>
+          <a:bodyPr rtlCol="0" anchor="ctr"/>
+          <a:lstStyle/>
+          <a:p>
+            <a:pPr algn="ctr"/>
+            <a:r>
+              <a:rPr lang="en-US" b="1" dirty="0"/>
+              <a:t>Micro-</a:t>
+            </a:r>
+            <a:r>
+              <a:rPr lang="en-US" b="1" dirty="0" err="1"/>
+              <a:t>FrontEnd</a:t>
+            </a:r>
+            <a:endParaRPr lang="en-US" b="1" dirty="0"/>
+          </a:p>
+        </p:txBody>
+      </p:sp>
+      <p:cxnSp>
+        <p:nvCxnSpPr>
+          <p:cNvPr id="6" name="Elbow Connector 5">
+            <a:extLst>
+              <a:ext uri="{FF2B5EF4-FFF2-40B4-BE49-F238E27FC236}">
+                <a16:creationId xmlns:a16="http://schemas.microsoft.com/office/drawing/2014/main" id="{320E9014-70EB-95C1-A28C-192D5C12CF55}"/>
+              </a:ext>
+            </a:extLst>
+          </p:cNvPr>
+          <p:cNvCxnSpPr>
+            <a:stCxn id="2" idx="2"/>
+            <a:endCxn id="3" idx="0"/>
+          </p:cNvCxnSpPr>
+          <p:nvPr/>
+        </p:nvCxnSpPr>
+        <p:spPr>
+          <a:xfrm rot="10800000" flipV="1">
+            <a:off x="2900916" y="2195623"/>
+            <a:ext cx="1362740" cy="1550581"/>
+          </a:xfrm>
+          <a:prstGeom prst="bentConnector2">
+            <a:avLst/>
+          </a:prstGeom>
+          <a:ln w="57150">
+            <a:tailEnd type="triangle"/>
+          </a:ln>
+        </p:spPr>
+        <p:style>
+          <a:lnRef idx="1">
+            <a:schemeClr val="accent1"/>
+          </a:lnRef>
+          <a:fillRef idx="0">
+            <a:schemeClr val="accent1"/>
+          </a:fillRef>
+          <a:effectRef idx="0">
+            <a:schemeClr val="accent1"/>
+          </a:effectRef>
+          <a:fontRef idx="minor">
+            <a:schemeClr val="tx1"/>
+          </a:fontRef>
+        </p:style>
+      </p:cxnSp>
+      <p:cxnSp>
+        <p:nvCxnSpPr>
+          <p:cNvPr id="8" name="Elbow Connector 7">
+            <a:extLst>
+              <a:ext uri="{FF2B5EF4-FFF2-40B4-BE49-F238E27FC236}">
+                <a16:creationId xmlns:a16="http://schemas.microsoft.com/office/drawing/2014/main" id="{E4B78ACF-FF0F-2226-90AE-FDF5D22DA8C7}"/>
+              </a:ext>
+            </a:extLst>
+          </p:cNvPr>
+          <p:cNvCxnSpPr>
+            <a:stCxn id="2" idx="6"/>
+            <a:endCxn id="4" idx="0"/>
+          </p:cNvCxnSpPr>
+          <p:nvPr/>
+        </p:nvCxnSpPr>
+        <p:spPr>
+          <a:xfrm>
+            <a:off x="7719237" y="2195624"/>
+            <a:ext cx="1958163" cy="1550581"/>
+          </a:xfrm>
+          <a:prstGeom prst="bentConnector2">
+            <a:avLst/>
+          </a:prstGeom>
+          <a:ln w="57150">
+            <a:tailEnd type="triangle"/>
+          </a:ln>
+        </p:spPr>
+        <p:style>
+          <a:lnRef idx="1">
+            <a:schemeClr val="accent1"/>
+          </a:lnRef>
+          <a:fillRef idx="0">
+            <a:schemeClr val="accent1"/>
+          </a:fillRef>
+          <a:effectRef idx="0">
+            <a:schemeClr val="accent1"/>
+          </a:effectRef>
+          <a:fontRef idx="minor">
+            <a:schemeClr val="tx1"/>
+          </a:fontRef>
+        </p:style>
+      </p:cxnSp>
+    </p:spTree>
+    <p:extLst>
+      <p:ext uri="{BB962C8B-B14F-4D97-AF65-F5344CB8AC3E}">
+        <p14:creationId xmlns:p14="http://schemas.microsoft.com/office/powerpoint/2010/main" val="1682260748"/>
+      </p:ext>
+    </p:extLst>
+  </p:cSld>
+  <p:clrMapOvr>
+    <a:masterClrMapping/>
+  </p:clrMapOvr>
+</p:sld>
+</file>
+
+<file path=ppt/slides/slide49.xml><?xml version="1.0" encoding="utf-8"?>
+<p:sld xmlns:a="http://schemas.openxmlformats.org/drawingml/2006/main" xmlns:r="http://schemas.openxmlformats.org/officeDocument/2006/relationships" xmlns:p="http://schemas.openxmlformats.org/presentationml/2006/main">
+  <p:cSld>
+    <p:spTree>
+      <p:nvGrpSpPr>
+        <p:cNvPr id="1" name=""/>
+        <p:cNvGrpSpPr/>
+        <p:nvPr/>
+      </p:nvGrpSpPr>
+      <p:grpSpPr>
+        <a:xfrm>
+          <a:off x="0" y="0"/>
+          <a:ext cx="0" cy="0"/>
+          <a:chOff x="0" y="0"/>
+          <a:chExt cx="0" cy="0"/>
+        </a:xfrm>
+      </p:grpSpPr>
+      <p:sp>
+        <p:nvSpPr>
+          <p:cNvPr id="2" name="Rectangle 1">
+            <a:extLst>
+              <a:ext uri="{FF2B5EF4-FFF2-40B4-BE49-F238E27FC236}">
+                <a16:creationId xmlns:a16="http://schemas.microsoft.com/office/drawing/2014/main" id="{BC5B85D4-7956-9B43-54E9-3A4FCB3B044E}"/>
+              </a:ext>
+            </a:extLst>
+          </p:cNvPr>
+          <p:cNvSpPr/>
+          <p:nvPr/>
+        </p:nvSpPr>
+        <p:spPr>
+          <a:xfrm>
+            <a:off x="3466212" y="215458"/>
+            <a:ext cx="8165804" cy="6177516"/>
+          </a:xfrm>
+          <a:prstGeom prst="rect">
+            <a:avLst/>
+          </a:prstGeom>
+        </p:spPr>
+        <p:style>
+          <a:lnRef idx="2">
+            <a:schemeClr val="accent6"/>
+          </a:lnRef>
+          <a:fillRef idx="1">
+            <a:schemeClr val="lt1"/>
+          </a:fillRef>
+          <a:effectRef idx="0">
+            <a:schemeClr val="accent6"/>
+          </a:effectRef>
+          <a:fontRef idx="minor">
+            <a:schemeClr val="dk1"/>
+          </a:fontRef>
+        </p:style>
+        <p:txBody>
+          <a:bodyPr rtlCol="0" anchor="ctr"/>
+          <a:lstStyle/>
+          <a:p>
+            <a:pPr algn="ctr"/>
+            <a:endParaRPr lang="en-US"/>
+          </a:p>
+        </p:txBody>
+      </p:sp>
+      <p:sp>
+        <p:nvSpPr>
+          <p:cNvPr id="3" name="TextBox 2">
+            <a:extLst>
+              <a:ext uri="{FF2B5EF4-FFF2-40B4-BE49-F238E27FC236}">
+                <a16:creationId xmlns:a16="http://schemas.microsoft.com/office/drawing/2014/main" id="{CCE9A158-44A0-582E-6325-1C43DDA1E963}"/>
+              </a:ext>
+            </a:extLst>
+          </p:cNvPr>
+          <p:cNvSpPr txBox="1"/>
+          <p:nvPr/>
+        </p:nvSpPr>
+        <p:spPr>
+          <a:xfrm>
+            <a:off x="2849526" y="148856"/>
+            <a:ext cx="1669311" cy="369332"/>
+          </a:xfrm>
+          <a:prstGeom prst="rect">
+            <a:avLst/>
+          </a:prstGeom>
+          <a:noFill/>
+        </p:spPr>
+        <p:txBody>
+          <a:bodyPr wrap="square" rtlCol="0">
+            <a:spAutoFit/>
+          </a:bodyPr>
+          <a:lstStyle/>
+          <a:p>
+            <a:r>
+              <a:rPr lang="en-US" dirty="0"/>
+              <a:t>Cluster</a:t>
+            </a:r>
+          </a:p>
+        </p:txBody>
+      </p:sp>
+      <p:sp>
+        <p:nvSpPr>
+          <p:cNvPr id="4" name="Cube 3">
+            <a:extLst>
+              <a:ext uri="{FF2B5EF4-FFF2-40B4-BE49-F238E27FC236}">
+                <a16:creationId xmlns:a16="http://schemas.microsoft.com/office/drawing/2014/main" id="{E3026E89-863A-7768-04AD-3380DD2AE99D}"/>
+              </a:ext>
+            </a:extLst>
+          </p:cNvPr>
+          <p:cNvSpPr/>
+          <p:nvPr/>
+        </p:nvSpPr>
+        <p:spPr>
+          <a:xfrm>
+            <a:off x="3785192" y="595423"/>
+            <a:ext cx="2310808" cy="2243469"/>
+          </a:xfrm>
+          <a:prstGeom prst="cube">
+            <a:avLst>
+              <a:gd name="adj" fmla="val 14417"/>
+            </a:avLst>
+          </a:prstGeom>
+        </p:spPr>
+        <p:style>
+          <a:lnRef idx="2">
+            <a:schemeClr val="accent1">
+              <a:shade val="50000"/>
+            </a:schemeClr>
+          </a:lnRef>
+          <a:fillRef idx="1">
+            <a:schemeClr val="accent1"/>
+          </a:fillRef>
+          <a:effectRef idx="0">
+            <a:schemeClr val="accent1"/>
+          </a:effectRef>
+          <a:fontRef idx="minor">
+            <a:schemeClr val="lt1"/>
+          </a:fontRef>
+        </p:style>
+        <p:txBody>
+          <a:bodyPr rtlCol="0" anchor="ctr"/>
+          <a:lstStyle/>
+          <a:p>
+            <a:pPr algn="ctr"/>
+            <a:endParaRPr lang="en-US"/>
+          </a:p>
+        </p:txBody>
+      </p:sp>
+      <p:sp>
+        <p:nvSpPr>
+          <p:cNvPr id="5" name="TextBox 4">
+            <a:extLst>
+              <a:ext uri="{FF2B5EF4-FFF2-40B4-BE49-F238E27FC236}">
+                <a16:creationId xmlns:a16="http://schemas.microsoft.com/office/drawing/2014/main" id="{FF0801FD-F05C-25DE-FA6C-67B04FDDBBA8}"/>
+              </a:ext>
+            </a:extLst>
+          </p:cNvPr>
+          <p:cNvSpPr txBox="1"/>
+          <p:nvPr/>
+        </p:nvSpPr>
+        <p:spPr>
+          <a:xfrm>
+            <a:off x="4082902" y="627321"/>
+            <a:ext cx="1626782" cy="369332"/>
+          </a:xfrm>
+          <a:prstGeom prst="rect">
+            <a:avLst/>
+          </a:prstGeom>
+          <a:noFill/>
+        </p:spPr>
+        <p:txBody>
+          <a:bodyPr wrap="square" rtlCol="0">
+            <a:spAutoFit/>
+          </a:bodyPr>
+          <a:lstStyle/>
+          <a:p>
+            <a:pPr algn="ctr"/>
+            <a:r>
+              <a:rPr lang="en-US" dirty="0"/>
+              <a:t>Node 1</a:t>
+            </a:r>
+          </a:p>
+        </p:txBody>
+      </p:sp>
+      <p:sp>
+        <p:nvSpPr>
+          <p:cNvPr id="6" name="Cube 5">
+            <a:extLst>
+              <a:ext uri="{FF2B5EF4-FFF2-40B4-BE49-F238E27FC236}">
+                <a16:creationId xmlns:a16="http://schemas.microsoft.com/office/drawing/2014/main" id="{FC82F893-5064-F732-BAD6-ED31DEAFF41C}"/>
+              </a:ext>
+            </a:extLst>
+          </p:cNvPr>
+          <p:cNvSpPr/>
+          <p:nvPr/>
+        </p:nvSpPr>
+        <p:spPr>
+          <a:xfrm>
+            <a:off x="6491178" y="550086"/>
+            <a:ext cx="2310808" cy="2243469"/>
+          </a:xfrm>
+          <a:prstGeom prst="cube">
+            <a:avLst>
+              <a:gd name="adj" fmla="val 14417"/>
+            </a:avLst>
+          </a:prstGeom>
+        </p:spPr>
+        <p:style>
+          <a:lnRef idx="2">
+            <a:schemeClr val="accent1">
+              <a:shade val="50000"/>
+            </a:schemeClr>
+          </a:lnRef>
+          <a:fillRef idx="1">
+            <a:schemeClr val="accent1"/>
+          </a:fillRef>
+          <a:effectRef idx="0">
+            <a:schemeClr val="accent1"/>
+          </a:effectRef>
+          <a:fontRef idx="minor">
+            <a:schemeClr val="lt1"/>
+          </a:fontRef>
+        </p:style>
+        <p:txBody>
+          <a:bodyPr rtlCol="0" anchor="ctr"/>
+          <a:lstStyle/>
+          <a:p>
+            <a:pPr algn="ctr"/>
+            <a:endParaRPr lang="en-US"/>
+          </a:p>
+        </p:txBody>
+      </p:sp>
+      <p:sp>
+        <p:nvSpPr>
+          <p:cNvPr id="7" name="TextBox 6">
+            <a:extLst>
+              <a:ext uri="{FF2B5EF4-FFF2-40B4-BE49-F238E27FC236}">
+                <a16:creationId xmlns:a16="http://schemas.microsoft.com/office/drawing/2014/main" id="{0E37EDD0-EA74-FD74-6959-44882F98578A}"/>
+              </a:ext>
+            </a:extLst>
+          </p:cNvPr>
+          <p:cNvSpPr txBox="1"/>
+          <p:nvPr/>
+        </p:nvSpPr>
+        <p:spPr>
+          <a:xfrm>
+            <a:off x="6788002" y="550086"/>
+            <a:ext cx="1626782" cy="369332"/>
+          </a:xfrm>
+          <a:prstGeom prst="rect">
+            <a:avLst/>
+          </a:prstGeom>
+          <a:noFill/>
+        </p:spPr>
+        <p:txBody>
+          <a:bodyPr wrap="square" rtlCol="0">
+            <a:spAutoFit/>
+          </a:bodyPr>
+          <a:lstStyle/>
+          <a:p>
+            <a:pPr algn="ctr"/>
+            <a:r>
+              <a:rPr lang="en-US" dirty="0"/>
+              <a:t>Node 2</a:t>
+            </a:r>
+          </a:p>
+        </p:txBody>
+      </p:sp>
+      <p:sp>
+        <p:nvSpPr>
+          <p:cNvPr id="8" name="Cube 7">
+            <a:extLst>
+              <a:ext uri="{FF2B5EF4-FFF2-40B4-BE49-F238E27FC236}">
+                <a16:creationId xmlns:a16="http://schemas.microsoft.com/office/drawing/2014/main" id="{0551A85B-35F9-B891-EBF7-0E99097FEE25}"/>
+              </a:ext>
+            </a:extLst>
+          </p:cNvPr>
+          <p:cNvSpPr/>
+          <p:nvPr/>
+        </p:nvSpPr>
+        <p:spPr>
+          <a:xfrm>
+            <a:off x="9098810" y="518188"/>
+            <a:ext cx="2310808" cy="2243469"/>
+          </a:xfrm>
+          <a:prstGeom prst="cube">
+            <a:avLst>
+              <a:gd name="adj" fmla="val 14417"/>
+            </a:avLst>
+          </a:prstGeom>
+        </p:spPr>
+        <p:style>
+          <a:lnRef idx="2">
+            <a:schemeClr val="accent1">
+              <a:shade val="50000"/>
+            </a:schemeClr>
+          </a:lnRef>
+          <a:fillRef idx="1">
+            <a:schemeClr val="accent1"/>
+          </a:fillRef>
+          <a:effectRef idx="0">
+            <a:schemeClr val="accent1"/>
+          </a:effectRef>
+          <a:fontRef idx="minor">
+            <a:schemeClr val="lt1"/>
+          </a:fontRef>
+        </p:style>
+        <p:txBody>
+          <a:bodyPr rtlCol="0" anchor="ctr"/>
+          <a:lstStyle/>
+          <a:p>
+            <a:pPr algn="ctr"/>
+            <a:endParaRPr lang="en-US"/>
+          </a:p>
+        </p:txBody>
+      </p:sp>
+      <p:sp>
+        <p:nvSpPr>
+          <p:cNvPr id="9" name="TextBox 8">
+            <a:extLst>
+              <a:ext uri="{FF2B5EF4-FFF2-40B4-BE49-F238E27FC236}">
+                <a16:creationId xmlns:a16="http://schemas.microsoft.com/office/drawing/2014/main" id="{0829EC0E-AFAB-86B5-4D06-F20766004A76}"/>
+              </a:ext>
+            </a:extLst>
+          </p:cNvPr>
+          <p:cNvSpPr txBox="1"/>
+          <p:nvPr/>
+        </p:nvSpPr>
+        <p:spPr>
+          <a:xfrm>
+            <a:off x="9396520" y="550086"/>
+            <a:ext cx="1626782" cy="369332"/>
+          </a:xfrm>
+          <a:prstGeom prst="rect">
+            <a:avLst/>
+          </a:prstGeom>
+          <a:noFill/>
+        </p:spPr>
+        <p:txBody>
+          <a:bodyPr wrap="square" rtlCol="0">
+            <a:spAutoFit/>
+          </a:bodyPr>
+          <a:lstStyle/>
+          <a:p>
+            <a:pPr algn="ctr"/>
+            <a:r>
+              <a:rPr lang="en-US" dirty="0"/>
+              <a:t>Node 3</a:t>
+            </a:r>
+          </a:p>
+        </p:txBody>
+      </p:sp>
+      <p:sp>
+        <p:nvSpPr>
+          <p:cNvPr id="10" name="Cube 9">
+            <a:extLst>
+              <a:ext uri="{FF2B5EF4-FFF2-40B4-BE49-F238E27FC236}">
+                <a16:creationId xmlns:a16="http://schemas.microsoft.com/office/drawing/2014/main" id="{9D28B0AD-636A-65C5-8122-81FC212F82E2}"/>
+              </a:ext>
+            </a:extLst>
+          </p:cNvPr>
+          <p:cNvSpPr/>
+          <p:nvPr/>
+        </p:nvSpPr>
+        <p:spPr>
+          <a:xfrm>
+            <a:off x="3793168" y="4189229"/>
+            <a:ext cx="2310808" cy="2296631"/>
+          </a:xfrm>
+          <a:prstGeom prst="cube">
+            <a:avLst>
+              <a:gd name="adj" fmla="val 14417"/>
+            </a:avLst>
+          </a:prstGeom>
+        </p:spPr>
+        <p:style>
+          <a:lnRef idx="2">
+            <a:schemeClr val="accent1">
+              <a:shade val="50000"/>
+            </a:schemeClr>
+          </a:lnRef>
+          <a:fillRef idx="1">
+            <a:schemeClr val="accent1"/>
+          </a:fillRef>
+          <a:effectRef idx="0">
+            <a:schemeClr val="accent1"/>
+          </a:effectRef>
+          <a:fontRef idx="minor">
+            <a:schemeClr val="lt1"/>
+          </a:fontRef>
+        </p:style>
+        <p:txBody>
+          <a:bodyPr rtlCol="0" anchor="ctr"/>
+          <a:lstStyle/>
+          <a:p>
+            <a:pPr algn="ctr"/>
+            <a:endParaRPr lang="en-US"/>
+          </a:p>
+        </p:txBody>
+      </p:sp>
+      <p:sp>
+        <p:nvSpPr>
+          <p:cNvPr id="11" name="TextBox 10">
+            <a:extLst>
+              <a:ext uri="{FF2B5EF4-FFF2-40B4-BE49-F238E27FC236}">
+                <a16:creationId xmlns:a16="http://schemas.microsoft.com/office/drawing/2014/main" id="{FF2A54D3-4B08-D655-64DD-D34CE2249D0E}"/>
+              </a:ext>
+            </a:extLst>
+          </p:cNvPr>
+          <p:cNvSpPr txBox="1"/>
+          <p:nvPr/>
+        </p:nvSpPr>
+        <p:spPr>
+          <a:xfrm>
+            <a:off x="4082902" y="4122626"/>
+            <a:ext cx="1626782" cy="369332"/>
+          </a:xfrm>
+          <a:prstGeom prst="rect">
+            <a:avLst/>
+          </a:prstGeom>
+          <a:noFill/>
+        </p:spPr>
+        <p:txBody>
+          <a:bodyPr wrap="square" rtlCol="0">
+            <a:spAutoFit/>
+          </a:bodyPr>
+          <a:lstStyle/>
+          <a:p>
+            <a:pPr algn="ctr"/>
+            <a:r>
+              <a:rPr lang="en-US" dirty="0"/>
+              <a:t>Node 4</a:t>
+            </a:r>
+          </a:p>
+        </p:txBody>
+      </p:sp>
+      <p:sp>
+        <p:nvSpPr>
+          <p:cNvPr id="16" name="Cube 15">
+            <a:extLst>
+              <a:ext uri="{FF2B5EF4-FFF2-40B4-BE49-F238E27FC236}">
+                <a16:creationId xmlns:a16="http://schemas.microsoft.com/office/drawing/2014/main" id="{61B61898-6699-C4DA-BD75-02128C462421}"/>
+              </a:ext>
+            </a:extLst>
+          </p:cNvPr>
+          <p:cNvSpPr/>
+          <p:nvPr/>
+        </p:nvSpPr>
+        <p:spPr>
+          <a:xfrm>
+            <a:off x="6393710" y="4189229"/>
+            <a:ext cx="2310808" cy="2296631"/>
+          </a:xfrm>
+          <a:prstGeom prst="cube">
+            <a:avLst>
+              <a:gd name="adj" fmla="val 14417"/>
+            </a:avLst>
+          </a:prstGeom>
+        </p:spPr>
+        <p:style>
+          <a:lnRef idx="2">
+            <a:schemeClr val="accent1">
+              <a:shade val="50000"/>
+            </a:schemeClr>
+          </a:lnRef>
+          <a:fillRef idx="1">
+            <a:schemeClr val="accent1"/>
+          </a:fillRef>
+          <a:effectRef idx="0">
+            <a:schemeClr val="accent1"/>
+          </a:effectRef>
+          <a:fontRef idx="minor">
+            <a:schemeClr val="lt1"/>
+          </a:fontRef>
+        </p:style>
+        <p:txBody>
+          <a:bodyPr rtlCol="0" anchor="ctr"/>
+          <a:lstStyle/>
+          <a:p>
+            <a:pPr algn="ctr"/>
+            <a:endParaRPr lang="en-US"/>
+          </a:p>
+        </p:txBody>
+      </p:sp>
+      <p:sp>
+        <p:nvSpPr>
+          <p:cNvPr id="17" name="TextBox 16">
+            <a:extLst>
+              <a:ext uri="{FF2B5EF4-FFF2-40B4-BE49-F238E27FC236}">
+                <a16:creationId xmlns:a16="http://schemas.microsoft.com/office/drawing/2014/main" id="{3A35274D-3643-6B00-2D31-7DADD48A607B}"/>
+              </a:ext>
+            </a:extLst>
+          </p:cNvPr>
+          <p:cNvSpPr txBox="1"/>
+          <p:nvPr/>
+        </p:nvSpPr>
+        <p:spPr>
+          <a:xfrm>
+            <a:off x="6683444" y="4122626"/>
+            <a:ext cx="1626782" cy="369332"/>
+          </a:xfrm>
+          <a:prstGeom prst="rect">
+            <a:avLst/>
+          </a:prstGeom>
+          <a:noFill/>
+        </p:spPr>
+        <p:txBody>
+          <a:bodyPr wrap="square" rtlCol="0">
+            <a:spAutoFit/>
+          </a:bodyPr>
+          <a:lstStyle/>
+          <a:p>
+            <a:pPr algn="ctr"/>
+            <a:r>
+              <a:rPr lang="en-US" dirty="0"/>
+              <a:t>Node 5</a:t>
+            </a:r>
+          </a:p>
+        </p:txBody>
+      </p:sp>
+      <p:sp>
+        <p:nvSpPr>
+          <p:cNvPr id="18" name="Cube 17">
+            <a:extLst>
+              <a:ext uri="{FF2B5EF4-FFF2-40B4-BE49-F238E27FC236}">
+                <a16:creationId xmlns:a16="http://schemas.microsoft.com/office/drawing/2014/main" id="{59660E9E-FE8E-F75C-D370-F6F2DABEF6FE}"/>
+              </a:ext>
+            </a:extLst>
+          </p:cNvPr>
+          <p:cNvSpPr/>
+          <p:nvPr/>
+        </p:nvSpPr>
+        <p:spPr>
+          <a:xfrm>
+            <a:off x="8994252" y="4096343"/>
+            <a:ext cx="2310808" cy="2296631"/>
+          </a:xfrm>
+          <a:prstGeom prst="cube">
+            <a:avLst>
+              <a:gd name="adj" fmla="val 14417"/>
+            </a:avLst>
+          </a:prstGeom>
+        </p:spPr>
+        <p:style>
+          <a:lnRef idx="2">
+            <a:schemeClr val="accent1">
+              <a:shade val="50000"/>
+            </a:schemeClr>
+          </a:lnRef>
+          <a:fillRef idx="1">
+            <a:schemeClr val="accent1"/>
+          </a:fillRef>
+          <a:effectRef idx="0">
+            <a:schemeClr val="accent1"/>
+          </a:effectRef>
+          <a:fontRef idx="minor">
+            <a:schemeClr val="lt1"/>
+          </a:fontRef>
+        </p:style>
+        <p:txBody>
+          <a:bodyPr rtlCol="0" anchor="ctr"/>
+          <a:lstStyle/>
+          <a:p>
+            <a:pPr algn="ctr"/>
+            <a:endParaRPr lang="en-US"/>
+          </a:p>
+        </p:txBody>
+      </p:sp>
+      <p:sp>
+        <p:nvSpPr>
+          <p:cNvPr id="19" name="TextBox 18">
+            <a:extLst>
+              <a:ext uri="{FF2B5EF4-FFF2-40B4-BE49-F238E27FC236}">
+                <a16:creationId xmlns:a16="http://schemas.microsoft.com/office/drawing/2014/main" id="{2052BF01-417B-59CB-983C-EA17A6FA1C1D}"/>
+              </a:ext>
+            </a:extLst>
+          </p:cNvPr>
+          <p:cNvSpPr txBox="1"/>
+          <p:nvPr/>
+        </p:nvSpPr>
+        <p:spPr>
+          <a:xfrm>
+            <a:off x="9283986" y="4029740"/>
+            <a:ext cx="1626782" cy="369332"/>
+          </a:xfrm>
+          <a:prstGeom prst="rect">
+            <a:avLst/>
+          </a:prstGeom>
+          <a:noFill/>
+        </p:spPr>
+        <p:txBody>
+          <a:bodyPr wrap="square" rtlCol="0">
+            <a:spAutoFit/>
+          </a:bodyPr>
+          <a:lstStyle/>
+          <a:p>
+            <a:pPr algn="ctr"/>
+            <a:r>
+              <a:rPr lang="en-US" dirty="0"/>
+              <a:t>Node 6</a:t>
+            </a:r>
+          </a:p>
+        </p:txBody>
+      </p:sp>
+      <p:sp>
+        <p:nvSpPr>
+          <p:cNvPr id="20" name="Can 19">
+            <a:extLst>
+              <a:ext uri="{FF2B5EF4-FFF2-40B4-BE49-F238E27FC236}">
+                <a16:creationId xmlns:a16="http://schemas.microsoft.com/office/drawing/2014/main" id="{7F031CF6-CB4F-1609-1071-0F02A7B76C1F}"/>
+              </a:ext>
+            </a:extLst>
+          </p:cNvPr>
+          <p:cNvSpPr/>
+          <p:nvPr/>
+        </p:nvSpPr>
+        <p:spPr>
+          <a:xfrm rot="16200000">
+            <a:off x="7271305" y="-365458"/>
+            <a:ext cx="595423" cy="7681203"/>
+          </a:xfrm>
+          <a:prstGeom prst="can">
+            <a:avLst>
+              <a:gd name="adj" fmla="val 10714"/>
+            </a:avLst>
+          </a:prstGeom>
+          <a:solidFill>
+            <a:schemeClr val="accent2"/>
+          </a:solidFill>
+        </p:spPr>
+        <p:style>
+          <a:lnRef idx="2">
+            <a:schemeClr val="accent1">
+              <a:shade val="50000"/>
+            </a:schemeClr>
+          </a:lnRef>
+          <a:fillRef idx="1">
+            <a:schemeClr val="accent1"/>
+          </a:fillRef>
+          <a:effectRef idx="0">
+            <a:schemeClr val="accent1"/>
+          </a:effectRef>
+          <a:fontRef idx="minor">
+            <a:schemeClr val="lt1"/>
+          </a:fontRef>
+        </p:style>
+        <p:txBody>
+          <a:bodyPr rtlCol="0" anchor="ctr"/>
+          <a:lstStyle/>
+          <a:p>
+            <a:pPr algn="ctr"/>
+            <a:endParaRPr lang="en-US"/>
+          </a:p>
+        </p:txBody>
+      </p:sp>
+      <p:sp>
+        <p:nvSpPr>
+          <p:cNvPr id="21" name="TextBox 20">
+            <a:extLst>
+              <a:ext uri="{FF2B5EF4-FFF2-40B4-BE49-F238E27FC236}">
+                <a16:creationId xmlns:a16="http://schemas.microsoft.com/office/drawing/2014/main" id="{82BB32E4-EE27-28FA-1874-40B7E14C54E3}"/>
+              </a:ext>
+            </a:extLst>
+          </p:cNvPr>
+          <p:cNvSpPr txBox="1"/>
+          <p:nvPr/>
+        </p:nvSpPr>
+        <p:spPr>
+          <a:xfrm>
+            <a:off x="4210493" y="3274828"/>
+            <a:ext cx="6996223" cy="382772"/>
+          </a:xfrm>
+          <a:prstGeom prst="rect">
+            <a:avLst/>
+          </a:prstGeom>
+          <a:noFill/>
+        </p:spPr>
+        <p:txBody>
+          <a:bodyPr wrap="square" rtlCol="0">
+            <a:spAutoFit/>
+          </a:bodyPr>
+          <a:lstStyle/>
+          <a:p>
+            <a:pPr algn="ctr"/>
+            <a:r>
+              <a:rPr lang="en-US" b="1" dirty="0"/>
+              <a:t>API Server FOR MANAGING THE NETWOTK</a:t>
+            </a:r>
+          </a:p>
+        </p:txBody>
+      </p:sp>
+      <p:sp>
+        <p:nvSpPr>
+          <p:cNvPr id="22" name="Rounded Rectangle 21">
+            <a:extLst>
+              <a:ext uri="{FF2B5EF4-FFF2-40B4-BE49-F238E27FC236}">
+                <a16:creationId xmlns:a16="http://schemas.microsoft.com/office/drawing/2014/main" id="{51751BB6-76D1-CDC5-7828-C5B070E6E65E}"/>
+              </a:ext>
+            </a:extLst>
+          </p:cNvPr>
+          <p:cNvSpPr/>
+          <p:nvPr/>
+        </p:nvSpPr>
+        <p:spPr>
+          <a:xfrm>
+            <a:off x="4082902" y="1371600"/>
+            <a:ext cx="893135" cy="648586"/>
+          </a:xfrm>
+          <a:prstGeom prst="roundRect">
+            <a:avLst/>
+          </a:prstGeom>
+          <a:solidFill>
+            <a:srgbClr val="00B050"/>
+          </a:solidFill>
+        </p:spPr>
+        <p:style>
+          <a:lnRef idx="2">
+            <a:schemeClr val="accent1">
+              <a:shade val="50000"/>
+            </a:schemeClr>
+          </a:lnRef>
+          <a:fillRef idx="1">
+            <a:schemeClr val="accent1"/>
+          </a:fillRef>
+          <a:effectRef idx="0">
+            <a:schemeClr val="accent1"/>
+          </a:effectRef>
+          <a:fontRef idx="minor">
+            <a:schemeClr val="lt1"/>
+          </a:fontRef>
+        </p:style>
+        <p:txBody>
+          <a:bodyPr rtlCol="0" anchor="ctr"/>
+          <a:lstStyle/>
+          <a:p>
+            <a:pPr algn="ctr"/>
+            <a:endParaRPr lang="en-US"/>
+          </a:p>
+        </p:txBody>
+      </p:sp>
+      <p:sp>
+        <p:nvSpPr>
+          <p:cNvPr id="23" name="Rounded Rectangle 22">
+            <a:extLst>
+              <a:ext uri="{FF2B5EF4-FFF2-40B4-BE49-F238E27FC236}">
+                <a16:creationId xmlns:a16="http://schemas.microsoft.com/office/drawing/2014/main" id="{438D4608-2A86-3BA0-F7BB-1572B23CCCDA}"/>
+              </a:ext>
+            </a:extLst>
+          </p:cNvPr>
+          <p:cNvSpPr/>
+          <p:nvPr/>
+        </p:nvSpPr>
+        <p:spPr>
+          <a:xfrm>
+            <a:off x="4235302" y="1524000"/>
+            <a:ext cx="893135" cy="648586"/>
+          </a:xfrm>
+          <a:prstGeom prst="roundRect">
+            <a:avLst/>
+          </a:prstGeom>
+          <a:solidFill>
+            <a:srgbClr val="00B050"/>
+          </a:solidFill>
+        </p:spPr>
+        <p:style>
+          <a:lnRef idx="2">
+            <a:schemeClr val="accent1">
+              <a:shade val="50000"/>
+            </a:schemeClr>
+          </a:lnRef>
+          <a:fillRef idx="1">
+            <a:schemeClr val="accent1"/>
+          </a:fillRef>
+          <a:effectRef idx="0">
+            <a:schemeClr val="accent1"/>
+          </a:effectRef>
+          <a:fontRef idx="minor">
+            <a:schemeClr val="lt1"/>
+          </a:fontRef>
+        </p:style>
+        <p:txBody>
+          <a:bodyPr rtlCol="0" anchor="ctr"/>
+          <a:lstStyle/>
+          <a:p>
+            <a:pPr algn="ctr"/>
+            <a:endParaRPr lang="en-US"/>
+          </a:p>
+        </p:txBody>
+      </p:sp>
+      <p:sp>
+        <p:nvSpPr>
+          <p:cNvPr id="24" name="Rounded Rectangle 23">
+            <a:extLst>
+              <a:ext uri="{FF2B5EF4-FFF2-40B4-BE49-F238E27FC236}">
+                <a16:creationId xmlns:a16="http://schemas.microsoft.com/office/drawing/2014/main" id="{F7DC2A27-D1B8-3F72-D2FC-8D6E7E65DA0D}"/>
+              </a:ext>
+            </a:extLst>
+          </p:cNvPr>
+          <p:cNvSpPr/>
+          <p:nvPr/>
+        </p:nvSpPr>
+        <p:spPr>
+          <a:xfrm>
+            <a:off x="4387702" y="1676400"/>
+            <a:ext cx="893135" cy="648586"/>
+          </a:xfrm>
+          <a:prstGeom prst="roundRect">
+            <a:avLst/>
+          </a:prstGeom>
+          <a:solidFill>
+            <a:srgbClr val="00B050"/>
+          </a:solidFill>
+        </p:spPr>
+        <p:style>
+          <a:lnRef idx="2">
+            <a:schemeClr val="accent1">
+              <a:shade val="50000"/>
+            </a:schemeClr>
+          </a:lnRef>
+          <a:fillRef idx="1">
+            <a:schemeClr val="accent1"/>
+          </a:fillRef>
+          <a:effectRef idx="0">
+            <a:schemeClr val="accent1"/>
+          </a:effectRef>
+          <a:fontRef idx="minor">
+            <a:schemeClr val="lt1"/>
+          </a:fontRef>
+        </p:style>
+        <p:txBody>
+          <a:bodyPr rtlCol="0" anchor="ctr"/>
+          <a:lstStyle/>
+          <a:p>
+            <a:pPr algn="ctr"/>
+            <a:r>
+              <a:rPr lang="en-US" sz="1000" dirty="0"/>
+              <a:t>Container with Images</a:t>
+            </a:r>
+          </a:p>
+          <a:p>
+            <a:pPr algn="ctr"/>
+            <a:r>
+              <a:rPr lang="en-US" sz="1000" dirty="0"/>
+              <a:t>31106 port</a:t>
+            </a:r>
+          </a:p>
+        </p:txBody>
+      </p:sp>
+      <p:sp>
+        <p:nvSpPr>
+          <p:cNvPr id="25" name="Rounded Rectangle 24">
+            <a:extLst>
+              <a:ext uri="{FF2B5EF4-FFF2-40B4-BE49-F238E27FC236}">
+                <a16:creationId xmlns:a16="http://schemas.microsoft.com/office/drawing/2014/main" id="{B37B9F84-4285-C748-53CD-135DF3ED6C6D}"/>
+              </a:ext>
+            </a:extLst>
+          </p:cNvPr>
+          <p:cNvSpPr/>
+          <p:nvPr/>
+        </p:nvSpPr>
+        <p:spPr>
+          <a:xfrm>
+            <a:off x="6747239" y="1313927"/>
+            <a:ext cx="893135" cy="648586"/>
+          </a:xfrm>
+          <a:prstGeom prst="roundRect">
+            <a:avLst/>
+          </a:prstGeom>
+          <a:solidFill>
+            <a:srgbClr val="00B050"/>
+          </a:solidFill>
+        </p:spPr>
+        <p:style>
+          <a:lnRef idx="2">
+            <a:schemeClr val="accent1">
+              <a:shade val="50000"/>
+            </a:schemeClr>
+          </a:lnRef>
+          <a:fillRef idx="1">
+            <a:schemeClr val="accent1"/>
+          </a:fillRef>
+          <a:effectRef idx="0">
+            <a:schemeClr val="accent1"/>
+          </a:effectRef>
+          <a:fontRef idx="minor">
+            <a:schemeClr val="lt1"/>
+          </a:fontRef>
+        </p:style>
+        <p:txBody>
+          <a:bodyPr rtlCol="0" anchor="ctr"/>
+          <a:lstStyle/>
+          <a:p>
+            <a:pPr algn="ctr"/>
+            <a:endParaRPr lang="en-US"/>
+          </a:p>
+        </p:txBody>
+      </p:sp>
+      <p:sp>
+        <p:nvSpPr>
+          <p:cNvPr id="26" name="Rounded Rectangle 25">
+            <a:extLst>
+              <a:ext uri="{FF2B5EF4-FFF2-40B4-BE49-F238E27FC236}">
+                <a16:creationId xmlns:a16="http://schemas.microsoft.com/office/drawing/2014/main" id="{513D439B-6729-227B-A243-39F707A7039C}"/>
+              </a:ext>
+            </a:extLst>
+          </p:cNvPr>
+          <p:cNvSpPr/>
+          <p:nvPr/>
+        </p:nvSpPr>
+        <p:spPr>
+          <a:xfrm>
+            <a:off x="6899639" y="1466327"/>
+            <a:ext cx="893135" cy="648586"/>
+          </a:xfrm>
+          <a:prstGeom prst="roundRect">
+            <a:avLst/>
+          </a:prstGeom>
+          <a:solidFill>
+            <a:srgbClr val="00B050"/>
+          </a:solidFill>
+        </p:spPr>
+        <p:style>
+          <a:lnRef idx="2">
+            <a:schemeClr val="accent1">
+              <a:shade val="50000"/>
+            </a:schemeClr>
+          </a:lnRef>
+          <a:fillRef idx="1">
+            <a:schemeClr val="accent1"/>
+          </a:fillRef>
+          <a:effectRef idx="0">
+            <a:schemeClr val="accent1"/>
+          </a:effectRef>
+          <a:fontRef idx="minor">
+            <a:schemeClr val="lt1"/>
+          </a:fontRef>
+        </p:style>
+        <p:txBody>
+          <a:bodyPr rtlCol="0" anchor="ctr"/>
+          <a:lstStyle/>
+          <a:p>
+            <a:pPr algn="ctr"/>
+            <a:endParaRPr lang="en-US"/>
+          </a:p>
+        </p:txBody>
+      </p:sp>
+      <p:sp>
+        <p:nvSpPr>
+          <p:cNvPr id="27" name="Rounded Rectangle 26">
+            <a:extLst>
+              <a:ext uri="{FF2B5EF4-FFF2-40B4-BE49-F238E27FC236}">
+                <a16:creationId xmlns:a16="http://schemas.microsoft.com/office/drawing/2014/main" id="{93D08255-5518-E22F-1F27-E1FD96F32084}"/>
+              </a:ext>
+            </a:extLst>
+          </p:cNvPr>
+          <p:cNvSpPr/>
+          <p:nvPr/>
+        </p:nvSpPr>
+        <p:spPr>
+          <a:xfrm>
+            <a:off x="7052039" y="1618727"/>
+            <a:ext cx="893135" cy="648586"/>
+          </a:xfrm>
+          <a:prstGeom prst="roundRect">
+            <a:avLst/>
+          </a:prstGeom>
+          <a:solidFill>
+            <a:srgbClr val="00B050"/>
+          </a:solidFill>
+        </p:spPr>
+        <p:style>
+          <a:lnRef idx="2">
+            <a:schemeClr val="accent1">
+              <a:shade val="50000"/>
+            </a:schemeClr>
+          </a:lnRef>
+          <a:fillRef idx="1">
+            <a:schemeClr val="accent1"/>
+          </a:fillRef>
+          <a:effectRef idx="0">
+            <a:schemeClr val="accent1"/>
+          </a:effectRef>
+          <a:fontRef idx="minor">
+            <a:schemeClr val="lt1"/>
+          </a:fontRef>
+        </p:style>
+        <p:txBody>
+          <a:bodyPr rtlCol="0" anchor="ctr"/>
+          <a:lstStyle/>
+          <a:p>
+            <a:pPr algn="ctr"/>
+            <a:endParaRPr lang="en-US" b="1" dirty="0"/>
+          </a:p>
+        </p:txBody>
+      </p:sp>
+      <p:sp>
+        <p:nvSpPr>
+          <p:cNvPr id="28" name="Rounded Rectangle 27">
+            <a:extLst>
+              <a:ext uri="{FF2B5EF4-FFF2-40B4-BE49-F238E27FC236}">
+                <a16:creationId xmlns:a16="http://schemas.microsoft.com/office/drawing/2014/main" id="{1BF8E957-FA57-D780-DBFE-1EB56F467944}"/>
+              </a:ext>
+            </a:extLst>
+          </p:cNvPr>
+          <p:cNvSpPr/>
+          <p:nvPr/>
+        </p:nvSpPr>
+        <p:spPr>
+          <a:xfrm>
+            <a:off x="9403610" y="1285344"/>
+            <a:ext cx="893135" cy="648586"/>
+          </a:xfrm>
+          <a:prstGeom prst="roundRect">
+            <a:avLst/>
+          </a:prstGeom>
+          <a:solidFill>
+            <a:srgbClr val="00B050"/>
+          </a:solidFill>
+        </p:spPr>
+        <p:style>
+          <a:lnRef idx="2">
+            <a:schemeClr val="accent1">
+              <a:shade val="50000"/>
+            </a:schemeClr>
+          </a:lnRef>
+          <a:fillRef idx="1">
+            <a:schemeClr val="accent1"/>
+          </a:fillRef>
+          <a:effectRef idx="0">
+            <a:schemeClr val="accent1"/>
+          </a:effectRef>
+          <a:fontRef idx="minor">
+            <a:schemeClr val="lt1"/>
+          </a:fontRef>
+        </p:style>
+        <p:txBody>
+          <a:bodyPr rtlCol="0" anchor="ctr"/>
+          <a:lstStyle/>
+          <a:p>
+            <a:pPr algn="ctr"/>
+            <a:endParaRPr lang="en-US"/>
+          </a:p>
+        </p:txBody>
+      </p:sp>
+      <p:sp>
+        <p:nvSpPr>
+          <p:cNvPr id="29" name="Rounded Rectangle 28">
+            <a:extLst>
+              <a:ext uri="{FF2B5EF4-FFF2-40B4-BE49-F238E27FC236}">
+                <a16:creationId xmlns:a16="http://schemas.microsoft.com/office/drawing/2014/main" id="{6C9A63D7-41AC-3137-BECB-C1AD4809B497}"/>
+              </a:ext>
+            </a:extLst>
+          </p:cNvPr>
+          <p:cNvSpPr/>
+          <p:nvPr/>
+        </p:nvSpPr>
+        <p:spPr>
+          <a:xfrm>
+            <a:off x="9556010" y="1437744"/>
+            <a:ext cx="893135" cy="648586"/>
+          </a:xfrm>
+          <a:prstGeom prst="roundRect">
+            <a:avLst/>
+          </a:prstGeom>
+          <a:solidFill>
+            <a:srgbClr val="00B050"/>
+          </a:solidFill>
+        </p:spPr>
+        <p:style>
+          <a:lnRef idx="2">
+            <a:schemeClr val="accent1">
+              <a:shade val="50000"/>
+            </a:schemeClr>
+          </a:lnRef>
+          <a:fillRef idx="1">
+            <a:schemeClr val="accent1"/>
+          </a:fillRef>
+          <a:effectRef idx="0">
+            <a:schemeClr val="accent1"/>
+          </a:effectRef>
+          <a:fontRef idx="minor">
+            <a:schemeClr val="lt1"/>
+          </a:fontRef>
+        </p:style>
+        <p:txBody>
+          <a:bodyPr rtlCol="0" anchor="ctr"/>
+          <a:lstStyle/>
+          <a:p>
+            <a:pPr algn="ctr"/>
+            <a:endParaRPr lang="en-US"/>
+          </a:p>
+        </p:txBody>
+      </p:sp>
+      <p:sp>
+        <p:nvSpPr>
+          <p:cNvPr id="30" name="Rounded Rectangle 29">
+            <a:extLst>
+              <a:ext uri="{FF2B5EF4-FFF2-40B4-BE49-F238E27FC236}">
+                <a16:creationId xmlns:a16="http://schemas.microsoft.com/office/drawing/2014/main" id="{BE0A2374-EE65-DC11-A6D4-555E5CE43747}"/>
+              </a:ext>
+            </a:extLst>
+          </p:cNvPr>
+          <p:cNvSpPr/>
+          <p:nvPr/>
+        </p:nvSpPr>
+        <p:spPr>
+          <a:xfrm>
+            <a:off x="9708410" y="1590144"/>
+            <a:ext cx="893135" cy="648586"/>
+          </a:xfrm>
+          <a:prstGeom prst="roundRect">
+            <a:avLst/>
+          </a:prstGeom>
+          <a:solidFill>
+            <a:srgbClr val="00B050"/>
+          </a:solidFill>
+        </p:spPr>
+        <p:style>
+          <a:lnRef idx="2">
+            <a:schemeClr val="accent1">
+              <a:shade val="50000"/>
+            </a:schemeClr>
+          </a:lnRef>
+          <a:fillRef idx="1">
+            <a:schemeClr val="accent1"/>
+          </a:fillRef>
+          <a:effectRef idx="0">
+            <a:schemeClr val="accent1"/>
+          </a:effectRef>
+          <a:fontRef idx="minor">
+            <a:schemeClr val="lt1"/>
+          </a:fontRef>
+        </p:style>
+        <p:txBody>
+          <a:bodyPr rtlCol="0" anchor="ctr"/>
+          <a:lstStyle/>
+          <a:p>
+            <a:pPr algn="ctr"/>
+            <a:endParaRPr lang="en-US" b="1" dirty="0"/>
+          </a:p>
+        </p:txBody>
+      </p:sp>
+      <p:sp>
+        <p:nvSpPr>
+          <p:cNvPr id="31" name="Rounded Rectangle 30">
+            <a:extLst>
+              <a:ext uri="{FF2B5EF4-FFF2-40B4-BE49-F238E27FC236}">
+                <a16:creationId xmlns:a16="http://schemas.microsoft.com/office/drawing/2014/main" id="{58E5BA68-47A2-E05F-305B-08E0E66ECBD3}"/>
+              </a:ext>
+            </a:extLst>
+          </p:cNvPr>
+          <p:cNvSpPr/>
+          <p:nvPr/>
+        </p:nvSpPr>
+        <p:spPr>
+          <a:xfrm>
+            <a:off x="9571071" y="4852795"/>
+            <a:ext cx="893135" cy="648586"/>
+          </a:xfrm>
+          <a:prstGeom prst="roundRect">
+            <a:avLst/>
+          </a:prstGeom>
+          <a:solidFill>
+            <a:srgbClr val="00B050"/>
+          </a:solidFill>
+        </p:spPr>
+        <p:style>
+          <a:lnRef idx="2">
+            <a:schemeClr val="accent1">
+              <a:shade val="50000"/>
+            </a:schemeClr>
+          </a:lnRef>
+          <a:fillRef idx="1">
+            <a:schemeClr val="accent1"/>
+          </a:fillRef>
+          <a:effectRef idx="0">
+            <a:schemeClr val="accent1"/>
+          </a:effectRef>
+          <a:fontRef idx="minor">
+            <a:schemeClr val="lt1"/>
+          </a:fontRef>
+        </p:style>
+        <p:txBody>
+          <a:bodyPr rtlCol="0" anchor="ctr"/>
+          <a:lstStyle/>
+          <a:p>
+            <a:pPr algn="ctr"/>
+            <a:endParaRPr lang="en-US"/>
+          </a:p>
+        </p:txBody>
+      </p:sp>
+      <p:sp>
+        <p:nvSpPr>
+          <p:cNvPr id="32" name="Rounded Rectangle 31">
+            <a:extLst>
+              <a:ext uri="{FF2B5EF4-FFF2-40B4-BE49-F238E27FC236}">
+                <a16:creationId xmlns:a16="http://schemas.microsoft.com/office/drawing/2014/main" id="{8390E5AA-7D8C-D36C-6DD8-D6D8DC40E229}"/>
+              </a:ext>
+            </a:extLst>
+          </p:cNvPr>
+          <p:cNvSpPr/>
+          <p:nvPr/>
+        </p:nvSpPr>
+        <p:spPr>
+          <a:xfrm>
+            <a:off x="9723471" y="5005195"/>
+            <a:ext cx="893135" cy="648586"/>
+          </a:xfrm>
+          <a:prstGeom prst="roundRect">
+            <a:avLst/>
+          </a:prstGeom>
+          <a:solidFill>
+            <a:srgbClr val="00B050"/>
+          </a:solidFill>
+        </p:spPr>
+        <p:style>
+          <a:lnRef idx="2">
+            <a:schemeClr val="accent1">
+              <a:shade val="50000"/>
+            </a:schemeClr>
+          </a:lnRef>
+          <a:fillRef idx="1">
+            <a:schemeClr val="accent1"/>
+          </a:fillRef>
+          <a:effectRef idx="0">
+            <a:schemeClr val="accent1"/>
+          </a:effectRef>
+          <a:fontRef idx="minor">
+            <a:schemeClr val="lt1"/>
+          </a:fontRef>
+        </p:style>
+        <p:txBody>
+          <a:bodyPr rtlCol="0" anchor="ctr"/>
+          <a:lstStyle/>
+          <a:p>
+            <a:pPr algn="ctr"/>
+            <a:endParaRPr lang="en-US"/>
+          </a:p>
+        </p:txBody>
+      </p:sp>
+      <p:sp>
+        <p:nvSpPr>
+          <p:cNvPr id="33" name="Rounded Rectangle 32">
+            <a:extLst>
+              <a:ext uri="{FF2B5EF4-FFF2-40B4-BE49-F238E27FC236}">
+                <a16:creationId xmlns:a16="http://schemas.microsoft.com/office/drawing/2014/main" id="{96334A1B-857F-9E92-7220-6503ECA75D59}"/>
+              </a:ext>
+            </a:extLst>
+          </p:cNvPr>
+          <p:cNvSpPr/>
+          <p:nvPr/>
+        </p:nvSpPr>
+        <p:spPr>
+          <a:xfrm>
+            <a:off x="9875871" y="5157595"/>
+            <a:ext cx="893135" cy="648586"/>
+          </a:xfrm>
+          <a:prstGeom prst="roundRect">
+            <a:avLst/>
+          </a:prstGeom>
+          <a:solidFill>
+            <a:srgbClr val="00B050"/>
+          </a:solidFill>
+        </p:spPr>
+        <p:style>
+          <a:lnRef idx="2">
+            <a:schemeClr val="accent1">
+              <a:shade val="50000"/>
+            </a:schemeClr>
+          </a:lnRef>
+          <a:fillRef idx="1">
+            <a:schemeClr val="accent1"/>
+          </a:fillRef>
+          <a:effectRef idx="0">
+            <a:schemeClr val="accent1"/>
+          </a:effectRef>
+          <a:fontRef idx="minor">
+            <a:schemeClr val="lt1"/>
+          </a:fontRef>
+        </p:style>
+        <p:txBody>
+          <a:bodyPr rtlCol="0" anchor="ctr"/>
+          <a:lstStyle/>
+          <a:p>
+            <a:pPr algn="ctr"/>
+            <a:endParaRPr lang="en-US" b="1" dirty="0"/>
+          </a:p>
+        </p:txBody>
+      </p:sp>
+      <p:sp>
+        <p:nvSpPr>
+          <p:cNvPr id="34" name="Rounded Rectangle 33">
+            <a:extLst>
+              <a:ext uri="{FF2B5EF4-FFF2-40B4-BE49-F238E27FC236}">
+                <a16:creationId xmlns:a16="http://schemas.microsoft.com/office/drawing/2014/main" id="{26CC060C-F150-BC37-7F37-F4DC1C667433}"/>
+              </a:ext>
+            </a:extLst>
+          </p:cNvPr>
+          <p:cNvSpPr/>
+          <p:nvPr/>
+        </p:nvSpPr>
+        <p:spPr>
+          <a:xfrm>
+            <a:off x="6990024" y="5006460"/>
+            <a:ext cx="893135" cy="648586"/>
+          </a:xfrm>
+          <a:prstGeom prst="roundRect">
+            <a:avLst/>
+          </a:prstGeom>
+          <a:solidFill>
+            <a:srgbClr val="00B050"/>
+          </a:solidFill>
+        </p:spPr>
+        <p:style>
+          <a:lnRef idx="2">
+            <a:schemeClr val="accent1">
+              <a:shade val="50000"/>
+            </a:schemeClr>
+          </a:lnRef>
+          <a:fillRef idx="1">
+            <a:schemeClr val="accent1"/>
+          </a:fillRef>
+          <a:effectRef idx="0">
+            <a:schemeClr val="accent1"/>
+          </a:effectRef>
+          <a:fontRef idx="minor">
+            <a:schemeClr val="lt1"/>
+          </a:fontRef>
+        </p:style>
+        <p:txBody>
+          <a:bodyPr rtlCol="0" anchor="ctr"/>
+          <a:lstStyle/>
+          <a:p>
+            <a:pPr algn="ctr"/>
+            <a:endParaRPr lang="en-US"/>
+          </a:p>
+        </p:txBody>
+      </p:sp>
+      <p:sp>
+        <p:nvSpPr>
+          <p:cNvPr id="35" name="Rounded Rectangle 34">
+            <a:extLst>
+              <a:ext uri="{FF2B5EF4-FFF2-40B4-BE49-F238E27FC236}">
+                <a16:creationId xmlns:a16="http://schemas.microsoft.com/office/drawing/2014/main" id="{CCE8E757-B1FE-6C41-6201-67283D07D6EF}"/>
+              </a:ext>
+            </a:extLst>
+          </p:cNvPr>
+          <p:cNvSpPr/>
+          <p:nvPr/>
+        </p:nvSpPr>
+        <p:spPr>
+          <a:xfrm>
+            <a:off x="7142424" y="5158860"/>
+            <a:ext cx="893135" cy="648586"/>
+          </a:xfrm>
+          <a:prstGeom prst="roundRect">
+            <a:avLst/>
+          </a:prstGeom>
+          <a:solidFill>
+            <a:srgbClr val="00B050"/>
+          </a:solidFill>
+        </p:spPr>
+        <p:style>
+          <a:lnRef idx="2">
+            <a:schemeClr val="accent1">
+              <a:shade val="50000"/>
+            </a:schemeClr>
+          </a:lnRef>
+          <a:fillRef idx="1">
+            <a:schemeClr val="accent1"/>
+          </a:fillRef>
+          <a:effectRef idx="0">
+            <a:schemeClr val="accent1"/>
+          </a:effectRef>
+          <a:fontRef idx="minor">
+            <a:schemeClr val="lt1"/>
+          </a:fontRef>
+        </p:style>
+        <p:txBody>
+          <a:bodyPr rtlCol="0" anchor="ctr"/>
+          <a:lstStyle/>
+          <a:p>
+            <a:pPr algn="ctr"/>
+            <a:endParaRPr lang="en-US"/>
+          </a:p>
+        </p:txBody>
+      </p:sp>
+      <p:sp>
+        <p:nvSpPr>
+          <p:cNvPr id="36" name="Rounded Rectangle 35">
+            <a:extLst>
+              <a:ext uri="{FF2B5EF4-FFF2-40B4-BE49-F238E27FC236}">
+                <a16:creationId xmlns:a16="http://schemas.microsoft.com/office/drawing/2014/main" id="{5F5FDA5B-75FF-82F7-A493-D3750EFC4807}"/>
+              </a:ext>
+            </a:extLst>
+          </p:cNvPr>
+          <p:cNvSpPr/>
+          <p:nvPr/>
+        </p:nvSpPr>
+        <p:spPr>
+          <a:xfrm>
+            <a:off x="7294824" y="5311260"/>
+            <a:ext cx="893135" cy="648586"/>
+          </a:xfrm>
+          <a:prstGeom prst="roundRect">
+            <a:avLst/>
+          </a:prstGeom>
+          <a:solidFill>
+            <a:srgbClr val="00B050"/>
+          </a:solidFill>
+        </p:spPr>
+        <p:style>
+          <a:lnRef idx="2">
+            <a:schemeClr val="accent1">
+              <a:shade val="50000"/>
+            </a:schemeClr>
+          </a:lnRef>
+          <a:fillRef idx="1">
+            <a:schemeClr val="accent1"/>
+          </a:fillRef>
+          <a:effectRef idx="0">
+            <a:schemeClr val="accent1"/>
+          </a:effectRef>
+          <a:fontRef idx="minor">
+            <a:schemeClr val="lt1"/>
+          </a:fontRef>
+        </p:style>
+        <p:txBody>
+          <a:bodyPr rtlCol="0" anchor="ctr"/>
+          <a:lstStyle/>
+          <a:p>
+            <a:pPr algn="ctr"/>
+            <a:endParaRPr lang="en-US" b="1" dirty="0"/>
+          </a:p>
+        </p:txBody>
+      </p:sp>
+      <p:sp>
+        <p:nvSpPr>
+          <p:cNvPr id="37" name="Rounded Rectangle 36">
+            <a:extLst>
+              <a:ext uri="{FF2B5EF4-FFF2-40B4-BE49-F238E27FC236}">
+                <a16:creationId xmlns:a16="http://schemas.microsoft.com/office/drawing/2014/main" id="{D6CFEEB6-EEF9-CB48-DA21-ADE88AC6A7C3}"/>
+              </a:ext>
+            </a:extLst>
+          </p:cNvPr>
+          <p:cNvSpPr/>
+          <p:nvPr/>
+        </p:nvSpPr>
+        <p:spPr>
+          <a:xfrm>
+            <a:off x="4308398" y="4999073"/>
+            <a:ext cx="893135" cy="648586"/>
+          </a:xfrm>
+          <a:prstGeom prst="roundRect">
+            <a:avLst/>
+          </a:prstGeom>
+          <a:solidFill>
+            <a:srgbClr val="00B050"/>
+          </a:solidFill>
+        </p:spPr>
+        <p:style>
+          <a:lnRef idx="2">
+            <a:schemeClr val="accent1">
+              <a:shade val="50000"/>
+            </a:schemeClr>
+          </a:lnRef>
+          <a:fillRef idx="1">
+            <a:schemeClr val="accent1"/>
+          </a:fillRef>
+          <a:effectRef idx="0">
+            <a:schemeClr val="accent1"/>
+          </a:effectRef>
+          <a:fontRef idx="minor">
+            <a:schemeClr val="lt1"/>
+          </a:fontRef>
+        </p:style>
+        <p:txBody>
+          <a:bodyPr rtlCol="0" anchor="ctr"/>
+          <a:lstStyle/>
+          <a:p>
+            <a:pPr algn="ctr"/>
+            <a:endParaRPr lang="en-US"/>
+          </a:p>
+        </p:txBody>
+      </p:sp>
+      <p:sp>
+        <p:nvSpPr>
+          <p:cNvPr id="38" name="Rounded Rectangle 37">
+            <a:extLst>
+              <a:ext uri="{FF2B5EF4-FFF2-40B4-BE49-F238E27FC236}">
+                <a16:creationId xmlns:a16="http://schemas.microsoft.com/office/drawing/2014/main" id="{7B3594D7-7AC4-CCAF-6EC9-6131B3EDA1B1}"/>
+              </a:ext>
+            </a:extLst>
+          </p:cNvPr>
+          <p:cNvSpPr/>
+          <p:nvPr/>
+        </p:nvSpPr>
+        <p:spPr>
+          <a:xfrm>
+            <a:off x="4460798" y="5151473"/>
+            <a:ext cx="893135" cy="648586"/>
+          </a:xfrm>
+          <a:prstGeom prst="roundRect">
+            <a:avLst/>
+          </a:prstGeom>
+          <a:solidFill>
+            <a:srgbClr val="00B050"/>
+          </a:solidFill>
+        </p:spPr>
+        <p:style>
+          <a:lnRef idx="2">
+            <a:schemeClr val="accent1">
+              <a:shade val="50000"/>
+            </a:schemeClr>
+          </a:lnRef>
+          <a:fillRef idx="1">
+            <a:schemeClr val="accent1"/>
+          </a:fillRef>
+          <a:effectRef idx="0">
+            <a:schemeClr val="accent1"/>
+          </a:effectRef>
+          <a:fontRef idx="minor">
+            <a:schemeClr val="lt1"/>
+          </a:fontRef>
+        </p:style>
+        <p:txBody>
+          <a:bodyPr rtlCol="0" anchor="ctr"/>
+          <a:lstStyle/>
+          <a:p>
+            <a:pPr algn="ctr"/>
+            <a:endParaRPr lang="en-US"/>
+          </a:p>
+        </p:txBody>
+      </p:sp>
+      <p:sp>
+        <p:nvSpPr>
+          <p:cNvPr id="39" name="Rounded Rectangle 38">
+            <a:extLst>
+              <a:ext uri="{FF2B5EF4-FFF2-40B4-BE49-F238E27FC236}">
+                <a16:creationId xmlns:a16="http://schemas.microsoft.com/office/drawing/2014/main" id="{1D65FAE9-D138-33A1-9716-D57EE7E57D94}"/>
+              </a:ext>
+            </a:extLst>
+          </p:cNvPr>
+          <p:cNvSpPr/>
+          <p:nvPr/>
+        </p:nvSpPr>
+        <p:spPr>
+          <a:xfrm>
+            <a:off x="4613198" y="5303873"/>
+            <a:ext cx="893135" cy="648586"/>
+          </a:xfrm>
+          <a:prstGeom prst="roundRect">
+            <a:avLst/>
+          </a:prstGeom>
+          <a:solidFill>
+            <a:srgbClr val="00B050"/>
+          </a:solidFill>
+        </p:spPr>
+        <p:style>
+          <a:lnRef idx="2">
+            <a:schemeClr val="accent1">
+              <a:shade val="50000"/>
+            </a:schemeClr>
+          </a:lnRef>
+          <a:fillRef idx="1">
+            <a:schemeClr val="accent1"/>
+          </a:fillRef>
+          <a:effectRef idx="0">
+            <a:schemeClr val="accent1"/>
+          </a:effectRef>
+          <a:fontRef idx="minor">
+            <a:schemeClr val="lt1"/>
+          </a:fontRef>
+        </p:style>
+        <p:txBody>
+          <a:bodyPr rtlCol="0" anchor="ctr"/>
+          <a:lstStyle/>
+          <a:p>
+            <a:pPr algn="ctr"/>
+            <a:endParaRPr lang="en-US" b="1" dirty="0"/>
+          </a:p>
+        </p:txBody>
+      </p:sp>
+      <p:sp>
+        <p:nvSpPr>
+          <p:cNvPr id="40" name="TextBox 39">
+            <a:extLst>
+              <a:ext uri="{FF2B5EF4-FFF2-40B4-BE49-F238E27FC236}">
+                <a16:creationId xmlns:a16="http://schemas.microsoft.com/office/drawing/2014/main" id="{D39F88B7-D74F-744B-A998-98263F198029}"/>
+              </a:ext>
+            </a:extLst>
+          </p:cNvPr>
+          <p:cNvSpPr txBox="1"/>
+          <p:nvPr/>
+        </p:nvSpPr>
+        <p:spPr>
+          <a:xfrm>
+            <a:off x="4010685" y="1081713"/>
+            <a:ext cx="1574942" cy="246221"/>
+          </a:xfrm>
+          <a:prstGeom prst="rect">
+            <a:avLst/>
+          </a:prstGeom>
+          <a:noFill/>
+        </p:spPr>
+        <p:txBody>
+          <a:bodyPr wrap="square" rtlCol="0">
+            <a:spAutoFit/>
+          </a:bodyPr>
+          <a:lstStyle/>
+          <a:p>
+            <a:r>
+              <a:rPr lang="en-US" sz="1000" dirty="0">
+                <a:solidFill>
+                  <a:srgbClr val="FFFF00"/>
+                </a:solidFill>
+              </a:rPr>
+              <a:t>10.4.20.60 is a Custer IP</a:t>
+            </a:r>
+          </a:p>
+        </p:txBody>
+      </p:sp>
+      <p:sp>
+        <p:nvSpPr>
+          <p:cNvPr id="41" name="TextBox 40">
+            <a:extLst>
+              <a:ext uri="{FF2B5EF4-FFF2-40B4-BE49-F238E27FC236}">
+                <a16:creationId xmlns:a16="http://schemas.microsoft.com/office/drawing/2014/main" id="{FB1A1B7E-41BD-D6DD-A095-A10B67BF60BF}"/>
+              </a:ext>
+            </a:extLst>
+          </p:cNvPr>
+          <p:cNvSpPr txBox="1"/>
+          <p:nvPr/>
+        </p:nvSpPr>
+        <p:spPr>
+          <a:xfrm>
+            <a:off x="3793168" y="2361434"/>
+            <a:ext cx="1574942" cy="246221"/>
+          </a:xfrm>
+          <a:prstGeom prst="rect">
+            <a:avLst/>
+          </a:prstGeom>
+          <a:noFill/>
+        </p:spPr>
+        <p:txBody>
+          <a:bodyPr wrap="square" rtlCol="0">
+            <a:spAutoFit/>
+          </a:bodyPr>
+          <a:lstStyle/>
+          <a:p>
+            <a:r>
+              <a:rPr lang="en-US" sz="1000" dirty="0">
+                <a:solidFill>
+                  <a:srgbClr val="FFFF00"/>
+                </a:solidFill>
+              </a:rPr>
+              <a:t>3.40.20.60 is a </a:t>
+            </a:r>
+            <a:r>
+              <a:rPr lang="en-US" sz="1000" dirty="0" err="1">
+                <a:solidFill>
+                  <a:srgbClr val="FFFF00"/>
+                </a:solidFill>
+              </a:rPr>
+              <a:t>NodeIP</a:t>
+            </a:r>
+            <a:endParaRPr lang="en-US" sz="1000" dirty="0">
+              <a:solidFill>
+                <a:srgbClr val="FFFF00"/>
+              </a:solidFill>
+            </a:endParaRPr>
+          </a:p>
+        </p:txBody>
+      </p:sp>
+      <p:sp>
+        <p:nvSpPr>
+          <p:cNvPr id="42" name="Right Arrow 41">
+            <a:extLst>
+              <a:ext uri="{FF2B5EF4-FFF2-40B4-BE49-F238E27FC236}">
+                <a16:creationId xmlns:a16="http://schemas.microsoft.com/office/drawing/2014/main" id="{DBDC1BE6-6B40-6729-6D48-712E69CF83BF}"/>
+              </a:ext>
+            </a:extLst>
+          </p:cNvPr>
+          <p:cNvSpPr/>
+          <p:nvPr/>
+        </p:nvSpPr>
+        <p:spPr>
+          <a:xfrm>
+            <a:off x="228601" y="2020186"/>
+            <a:ext cx="3499814" cy="1042836"/>
+          </a:xfrm>
+          <a:prstGeom prst="rightArrow">
+            <a:avLst/>
+          </a:prstGeom>
+        </p:spPr>
+        <p:style>
+          <a:lnRef idx="2">
+            <a:schemeClr val="accent1">
+              <a:shade val="50000"/>
+            </a:schemeClr>
+          </a:lnRef>
+          <a:fillRef idx="1">
+            <a:schemeClr val="accent1"/>
+          </a:fillRef>
+          <a:effectRef idx="0">
+            <a:schemeClr val="accent1"/>
+          </a:effectRef>
+          <a:fontRef idx="minor">
+            <a:schemeClr val="lt1"/>
+          </a:fontRef>
+        </p:style>
+        <p:txBody>
+          <a:bodyPr rtlCol="0" anchor="ctr"/>
+          <a:lstStyle/>
+          <a:p>
+            <a:pPr algn="ctr"/>
+            <a:r>
+              <a:rPr lang="en-US" dirty="0"/>
+              <a:t>http://3.40.20.60:31106/</a:t>
+            </a:r>
+            <a:r>
+              <a:rPr lang="en-US" dirty="0" err="1"/>
+              <a:t>api</a:t>
+            </a:r>
+            <a:r>
+              <a:rPr lang="en-US" dirty="0"/>
+              <a:t>/ctrl</a:t>
+            </a:r>
+          </a:p>
+        </p:txBody>
+      </p:sp>
+      <p:cxnSp>
+        <p:nvCxnSpPr>
+          <p:cNvPr id="44" name="Elbow Connector 43">
+            <a:extLst>
+              <a:ext uri="{FF2B5EF4-FFF2-40B4-BE49-F238E27FC236}">
+                <a16:creationId xmlns:a16="http://schemas.microsoft.com/office/drawing/2014/main" id="{C7013394-356E-0087-30B0-84C7685AC257}"/>
+              </a:ext>
+            </a:extLst>
+          </p:cNvPr>
+          <p:cNvCxnSpPr>
+            <a:cxnSpLocks/>
+            <a:stCxn id="42" idx="3"/>
+            <a:endCxn id="4" idx="2"/>
+          </p:cNvCxnSpPr>
+          <p:nvPr/>
+        </p:nvCxnSpPr>
+        <p:spPr>
+          <a:xfrm flipV="1">
+            <a:off x="3728415" y="1878878"/>
+            <a:ext cx="56777" cy="662726"/>
+          </a:xfrm>
+          <a:prstGeom prst="bentConnector3">
+            <a:avLst>
+              <a:gd name="adj1" fmla="val 50000"/>
+            </a:avLst>
+          </a:prstGeom>
+          <a:ln w="76200">
+            <a:solidFill>
+              <a:srgbClr val="FF0000"/>
+            </a:solidFill>
+            <a:tailEnd type="triangle"/>
+          </a:ln>
+        </p:spPr>
+        <p:style>
+          <a:lnRef idx="1">
+            <a:schemeClr val="accent1"/>
+          </a:lnRef>
+          <a:fillRef idx="0">
+            <a:schemeClr val="accent1"/>
+          </a:fillRef>
+          <a:effectRef idx="0">
+            <a:schemeClr val="accent1"/>
+          </a:effectRef>
+          <a:fontRef idx="minor">
+            <a:schemeClr val="tx1"/>
+          </a:fontRef>
+        </p:style>
+      </p:cxnSp>
+      <p:cxnSp>
+        <p:nvCxnSpPr>
+          <p:cNvPr id="46" name="Elbow Connector 45">
+            <a:extLst>
+              <a:ext uri="{FF2B5EF4-FFF2-40B4-BE49-F238E27FC236}">
+                <a16:creationId xmlns:a16="http://schemas.microsoft.com/office/drawing/2014/main" id="{50182A08-014F-98BE-DE82-80773EA5281C}"/>
+              </a:ext>
+            </a:extLst>
+          </p:cNvPr>
+          <p:cNvCxnSpPr>
+            <a:stCxn id="4" idx="2"/>
+            <a:endCxn id="40" idx="1"/>
+          </p:cNvCxnSpPr>
+          <p:nvPr/>
+        </p:nvCxnSpPr>
+        <p:spPr>
+          <a:xfrm rot="10800000" flipH="1">
+            <a:off x="3785191" y="1204824"/>
+            <a:ext cx="225493" cy="674054"/>
+          </a:xfrm>
+          <a:prstGeom prst="bentConnector3">
+            <a:avLst>
+              <a:gd name="adj1" fmla="val -101378"/>
+            </a:avLst>
+          </a:prstGeom>
+          <a:ln w="38100">
+            <a:solidFill>
+              <a:srgbClr val="FF0000"/>
+            </a:solidFill>
+            <a:tailEnd type="triangle"/>
+          </a:ln>
+        </p:spPr>
+        <p:style>
+          <a:lnRef idx="1">
+            <a:schemeClr val="accent1"/>
+          </a:lnRef>
+          <a:fillRef idx="0">
+            <a:schemeClr val="accent1"/>
+          </a:fillRef>
+          <a:effectRef idx="0">
+            <a:schemeClr val="accent1"/>
+          </a:effectRef>
+          <a:fontRef idx="minor">
+            <a:schemeClr val="tx1"/>
+          </a:fontRef>
+        </p:style>
+      </p:cxnSp>
+      <p:cxnSp>
+        <p:nvCxnSpPr>
+          <p:cNvPr id="48" name="Elbow Connector 47">
+            <a:extLst>
+              <a:ext uri="{FF2B5EF4-FFF2-40B4-BE49-F238E27FC236}">
+                <a16:creationId xmlns:a16="http://schemas.microsoft.com/office/drawing/2014/main" id="{94D61D94-C7CF-416F-7BC0-E6D67B9FF519}"/>
+              </a:ext>
+            </a:extLst>
+          </p:cNvPr>
+          <p:cNvCxnSpPr>
+            <a:cxnSpLocks/>
+            <a:endCxn id="24" idx="1"/>
+          </p:cNvCxnSpPr>
+          <p:nvPr/>
+        </p:nvCxnSpPr>
+        <p:spPr>
+          <a:xfrm rot="16200000" flipH="1">
+            <a:off x="3789312" y="1402303"/>
+            <a:ext cx="801600" cy="395180"/>
+          </a:xfrm>
+          <a:prstGeom prst="bentConnector2">
+            <a:avLst/>
+          </a:prstGeom>
+          <a:ln w="57150">
+            <a:solidFill>
+              <a:srgbClr val="FFFF00"/>
+            </a:solidFill>
+            <a:tailEnd type="triangle"/>
+          </a:ln>
+        </p:spPr>
+        <p:style>
+          <a:lnRef idx="1">
+            <a:schemeClr val="accent1"/>
+          </a:lnRef>
+          <a:fillRef idx="0">
+            <a:schemeClr val="accent1"/>
+          </a:fillRef>
+          <a:effectRef idx="0">
+            <a:schemeClr val="accent1"/>
+          </a:effectRef>
+          <a:fontRef idx="minor">
+            <a:schemeClr val="tx1"/>
+          </a:fontRef>
+        </p:style>
+      </p:cxnSp>
+    </p:spTree>
+    <p:extLst>
+      <p:ext uri="{BB962C8B-B14F-4D97-AF65-F5344CB8AC3E}">
+        <p14:creationId xmlns:p14="http://schemas.microsoft.com/office/powerpoint/2010/main" val="1923827827"/>
+      </p:ext>
+    </p:extLst>
+  </p:cSld>
+  <p:clrMapOvr>
+    <a:masterClrMapping/>
+  </p:clrMapOvr>
+</p:sld>
+</file>
+
 <file path=ppt/slides/slide5.xml><?xml version="1.0" encoding="utf-8"?>
 <p:sld xmlns:a="http://schemas.openxmlformats.org/drawingml/2006/main" xmlns:r="http://schemas.openxmlformats.org/officeDocument/2006/relationships" xmlns:p="http://schemas.openxmlformats.org/presentationml/2006/main">
   <p:cSld>

--- a/mbaspnetcore6/MB_Training_Images.pptx
+++ b/mbaspnetcore6/MB_Training_Images.pptx
@@ -54,6 +54,7 @@
     <p:sldId id="302" r:id="rId48"/>
     <p:sldId id="303" r:id="rId49"/>
     <p:sldId id="304" r:id="rId50"/>
+    <p:sldId id="305" r:id="rId51"/>
   </p:sldIdLst>
   <p:sldSz cx="12192000" cy="6858000"/>
   <p:notesSz cx="6858000" cy="9144000"/>
@@ -48073,6 +48074,741 @@
 </p:sld>
 </file>
 
+<file path=ppt/slides/slide50.xml><?xml version="1.0" encoding="utf-8"?>
+<p:sld xmlns:a="http://schemas.openxmlformats.org/drawingml/2006/main" xmlns:r="http://schemas.openxmlformats.org/officeDocument/2006/relationships" xmlns:p="http://schemas.openxmlformats.org/presentationml/2006/main">
+  <p:cSld>
+    <p:spTree>
+      <p:nvGrpSpPr>
+        <p:cNvPr id="1" name=""/>
+        <p:cNvGrpSpPr/>
+        <p:nvPr/>
+      </p:nvGrpSpPr>
+      <p:grpSpPr>
+        <a:xfrm>
+          <a:off x="0" y="0"/>
+          <a:ext cx="0" cy="0"/>
+          <a:chOff x="0" y="0"/>
+          <a:chExt cx="0" cy="0"/>
+        </a:xfrm>
+      </p:grpSpPr>
+      <p:sp>
+        <p:nvSpPr>
+          <p:cNvPr id="2" name="TextBox 1">
+            <a:extLst>
+              <a:ext uri="{FF2B5EF4-FFF2-40B4-BE49-F238E27FC236}">
+                <a16:creationId xmlns:a16="http://schemas.microsoft.com/office/drawing/2014/main" id="{C4B5F34A-9326-5B95-7DBC-753E10180DE5}"/>
+              </a:ext>
+            </a:extLst>
+          </p:cNvPr>
+          <p:cNvSpPr txBox="1"/>
+          <p:nvPr/>
+        </p:nvSpPr>
+        <p:spPr>
+          <a:xfrm>
+            <a:off x="308344" y="127591"/>
+            <a:ext cx="11504428" cy="369332"/>
+          </a:xfrm>
+          <a:prstGeom prst="rect">
+            <a:avLst/>
+          </a:prstGeom>
+          <a:noFill/>
+        </p:spPr>
+        <p:txBody>
+          <a:bodyPr wrap="square" rtlCol="0">
+            <a:spAutoFit/>
+          </a:bodyPr>
+          <a:lstStyle/>
+          <a:p>
+            <a:pPr algn="ctr"/>
+            <a:r>
+              <a:rPr lang="en-US" b="1" dirty="0"/>
+              <a:t>K8s Service Deployment for Accepting Requests From External Service on NodePort </a:t>
+            </a:r>
+          </a:p>
+        </p:txBody>
+      </p:sp>
+      <p:sp>
+        <p:nvSpPr>
+          <p:cNvPr id="3" name="Cube 2">
+            <a:extLst>
+              <a:ext uri="{FF2B5EF4-FFF2-40B4-BE49-F238E27FC236}">
+                <a16:creationId xmlns:a16="http://schemas.microsoft.com/office/drawing/2014/main" id="{416881A1-2A5B-76F0-AA93-6BF09B74D1F0}"/>
+              </a:ext>
+            </a:extLst>
+          </p:cNvPr>
+          <p:cNvSpPr/>
+          <p:nvPr/>
+        </p:nvSpPr>
+        <p:spPr>
+          <a:xfrm>
+            <a:off x="3678865" y="1222744"/>
+            <a:ext cx="8311116" cy="5305647"/>
+          </a:xfrm>
+          <a:prstGeom prst="cube">
+            <a:avLst>
+              <a:gd name="adj" fmla="val 7565"/>
+            </a:avLst>
+          </a:prstGeom>
+        </p:spPr>
+        <p:style>
+          <a:lnRef idx="2">
+            <a:schemeClr val="accent1">
+              <a:shade val="50000"/>
+            </a:schemeClr>
+          </a:lnRef>
+          <a:fillRef idx="1">
+            <a:schemeClr val="accent1"/>
+          </a:fillRef>
+          <a:effectRef idx="0">
+            <a:schemeClr val="accent1"/>
+          </a:effectRef>
+          <a:fontRef idx="minor">
+            <a:schemeClr val="lt1"/>
+          </a:fontRef>
+        </p:style>
+        <p:txBody>
+          <a:bodyPr rtlCol="0" anchor="ctr"/>
+          <a:lstStyle/>
+          <a:p>
+            <a:pPr algn="ctr"/>
+            <a:endParaRPr lang="en-US"/>
+          </a:p>
+        </p:txBody>
+      </p:sp>
+      <p:sp>
+        <p:nvSpPr>
+          <p:cNvPr id="4" name="TextBox 3">
+            <a:extLst>
+              <a:ext uri="{FF2B5EF4-FFF2-40B4-BE49-F238E27FC236}">
+                <a16:creationId xmlns:a16="http://schemas.microsoft.com/office/drawing/2014/main" id="{AD62B41D-F915-74AE-7EF3-73CAAEA9FF96}"/>
+              </a:ext>
+            </a:extLst>
+          </p:cNvPr>
+          <p:cNvSpPr txBox="1"/>
+          <p:nvPr/>
+        </p:nvSpPr>
+        <p:spPr>
+          <a:xfrm>
+            <a:off x="4572000" y="680484"/>
+            <a:ext cx="5071730" cy="369332"/>
+          </a:xfrm>
+          <a:prstGeom prst="rect">
+            <a:avLst/>
+          </a:prstGeom>
+          <a:noFill/>
+        </p:spPr>
+        <p:txBody>
+          <a:bodyPr wrap="square" rtlCol="0">
+            <a:spAutoFit/>
+          </a:bodyPr>
+          <a:lstStyle/>
+          <a:p>
+            <a:pPr algn="ctr"/>
+            <a:r>
+              <a:rPr lang="en-US" b="1" dirty="0"/>
+              <a:t>Node Inside Cluster</a:t>
+            </a:r>
+          </a:p>
+        </p:txBody>
+      </p:sp>
+      <p:sp>
+        <p:nvSpPr>
+          <p:cNvPr id="5" name="Rounded Rectangle 4">
+            <a:extLst>
+              <a:ext uri="{FF2B5EF4-FFF2-40B4-BE49-F238E27FC236}">
+                <a16:creationId xmlns:a16="http://schemas.microsoft.com/office/drawing/2014/main" id="{C0F005CB-1A9B-2701-31BC-FBEF9778191D}"/>
+              </a:ext>
+            </a:extLst>
+          </p:cNvPr>
+          <p:cNvSpPr/>
+          <p:nvPr/>
+        </p:nvSpPr>
+        <p:spPr>
+          <a:xfrm>
+            <a:off x="3976577" y="2073350"/>
+            <a:ext cx="5528930" cy="3211032"/>
+          </a:xfrm>
+          <a:prstGeom prst="roundRect">
+            <a:avLst/>
+          </a:prstGeom>
+          <a:solidFill>
+            <a:srgbClr val="FFFF00"/>
+          </a:solidFill>
+        </p:spPr>
+        <p:style>
+          <a:lnRef idx="2">
+            <a:schemeClr val="accent1">
+              <a:shade val="50000"/>
+            </a:schemeClr>
+          </a:lnRef>
+          <a:fillRef idx="1">
+            <a:schemeClr val="accent1"/>
+          </a:fillRef>
+          <a:effectRef idx="0">
+            <a:schemeClr val="accent1"/>
+          </a:effectRef>
+          <a:fontRef idx="minor">
+            <a:schemeClr val="lt1"/>
+          </a:fontRef>
+        </p:style>
+        <p:txBody>
+          <a:bodyPr rtlCol="0" anchor="ctr"/>
+          <a:lstStyle/>
+          <a:p>
+            <a:pPr algn="ctr"/>
+            <a:endParaRPr lang="en-US"/>
+          </a:p>
+        </p:txBody>
+      </p:sp>
+      <p:sp>
+        <p:nvSpPr>
+          <p:cNvPr id="6" name="TextBox 5">
+            <a:extLst>
+              <a:ext uri="{FF2B5EF4-FFF2-40B4-BE49-F238E27FC236}">
+                <a16:creationId xmlns:a16="http://schemas.microsoft.com/office/drawing/2014/main" id="{854A752C-989F-275C-BEA1-99CB8E182907}"/>
+              </a:ext>
+            </a:extLst>
+          </p:cNvPr>
+          <p:cNvSpPr txBox="1"/>
+          <p:nvPr/>
+        </p:nvSpPr>
+        <p:spPr>
+          <a:xfrm>
+            <a:off x="4497572" y="2264735"/>
+            <a:ext cx="4635795" cy="369332"/>
+          </a:xfrm>
+          <a:prstGeom prst="rect">
+            <a:avLst/>
+          </a:prstGeom>
+          <a:noFill/>
+        </p:spPr>
+        <p:txBody>
+          <a:bodyPr wrap="square" rtlCol="0">
+            <a:spAutoFit/>
+          </a:bodyPr>
+          <a:lstStyle/>
+          <a:p>
+            <a:pPr algn="ctr"/>
+            <a:r>
+              <a:rPr lang="en-US" b="1" dirty="0"/>
+              <a:t>POD 1 in the Node</a:t>
+            </a:r>
+          </a:p>
+        </p:txBody>
+      </p:sp>
+      <p:sp>
+        <p:nvSpPr>
+          <p:cNvPr id="7" name="Cube 6">
+            <a:extLst>
+              <a:ext uri="{FF2B5EF4-FFF2-40B4-BE49-F238E27FC236}">
+                <a16:creationId xmlns:a16="http://schemas.microsoft.com/office/drawing/2014/main" id="{66278F4F-1428-5DC7-FA4C-A3F0270E68F6}"/>
+              </a:ext>
+            </a:extLst>
+          </p:cNvPr>
+          <p:cNvSpPr/>
+          <p:nvPr/>
+        </p:nvSpPr>
+        <p:spPr>
+          <a:xfrm>
+            <a:off x="4274287" y="2806995"/>
+            <a:ext cx="2030819" cy="1531088"/>
+          </a:xfrm>
+          <a:prstGeom prst="cube">
+            <a:avLst/>
+          </a:prstGeom>
+          <a:solidFill>
+            <a:srgbClr val="7030A0"/>
+          </a:solidFill>
+        </p:spPr>
+        <p:style>
+          <a:lnRef idx="2">
+            <a:schemeClr val="accent1">
+              <a:shade val="50000"/>
+            </a:schemeClr>
+          </a:lnRef>
+          <a:fillRef idx="1">
+            <a:schemeClr val="accent1"/>
+          </a:fillRef>
+          <a:effectRef idx="0">
+            <a:schemeClr val="accent1"/>
+          </a:effectRef>
+          <a:fontRef idx="minor">
+            <a:schemeClr val="lt1"/>
+          </a:fontRef>
+        </p:style>
+        <p:txBody>
+          <a:bodyPr rtlCol="0" anchor="ctr"/>
+          <a:lstStyle/>
+          <a:p>
+            <a:pPr algn="ctr"/>
+            <a:endParaRPr lang="en-US"/>
+          </a:p>
+        </p:txBody>
+      </p:sp>
+      <p:sp>
+        <p:nvSpPr>
+          <p:cNvPr id="8" name="TextBox 7">
+            <a:extLst>
+              <a:ext uri="{FF2B5EF4-FFF2-40B4-BE49-F238E27FC236}">
+                <a16:creationId xmlns:a16="http://schemas.microsoft.com/office/drawing/2014/main" id="{0CF73A6E-B06F-DA23-E89A-486F1D871437}"/>
+              </a:ext>
+            </a:extLst>
+          </p:cNvPr>
+          <p:cNvSpPr txBox="1"/>
+          <p:nvPr/>
+        </p:nvSpPr>
+        <p:spPr>
+          <a:xfrm>
+            <a:off x="4572000" y="2825453"/>
+            <a:ext cx="1339702" cy="430887"/>
+          </a:xfrm>
+          <a:prstGeom prst="rect">
+            <a:avLst/>
+          </a:prstGeom>
+          <a:noFill/>
+        </p:spPr>
+        <p:txBody>
+          <a:bodyPr wrap="square" rtlCol="0">
+            <a:spAutoFit/>
+          </a:bodyPr>
+          <a:lstStyle/>
+          <a:p>
+            <a:pPr algn="ctr"/>
+            <a:r>
+              <a:rPr lang="en-US" sz="1100" b="1" dirty="0">
+                <a:ln>
+                  <a:solidFill>
+                    <a:srgbClr val="FFFF00"/>
+                  </a:solidFill>
+                </a:ln>
+                <a:solidFill>
+                  <a:srgbClr val="FFFF00"/>
+                </a:solidFill>
+              </a:rPr>
+              <a:t>Container 1</a:t>
+            </a:r>
+          </a:p>
+          <a:p>
+            <a:pPr algn="ctr"/>
+            <a:r>
+              <a:rPr lang="en-US" sz="1100" b="1" dirty="0">
+                <a:ln>
+                  <a:solidFill>
+                    <a:srgbClr val="FFFF00"/>
+                  </a:solidFill>
+                </a:ln>
+                <a:solidFill>
+                  <a:srgbClr val="FFFF00"/>
+                </a:solidFill>
+              </a:rPr>
+              <a:t>Port 6004</a:t>
+            </a:r>
+          </a:p>
+        </p:txBody>
+      </p:sp>
+      <p:sp>
+        <p:nvSpPr>
+          <p:cNvPr id="9" name="Cube 8">
+            <a:extLst>
+              <a:ext uri="{FF2B5EF4-FFF2-40B4-BE49-F238E27FC236}">
+                <a16:creationId xmlns:a16="http://schemas.microsoft.com/office/drawing/2014/main" id="{CA3D2052-610D-C8FE-6B07-7E550F182612}"/>
+              </a:ext>
+            </a:extLst>
+          </p:cNvPr>
+          <p:cNvSpPr/>
+          <p:nvPr/>
+        </p:nvSpPr>
+        <p:spPr>
+          <a:xfrm>
+            <a:off x="7038752" y="3359888"/>
+            <a:ext cx="2030819" cy="1531088"/>
+          </a:xfrm>
+          <a:prstGeom prst="cube">
+            <a:avLst/>
+          </a:prstGeom>
+          <a:solidFill>
+            <a:srgbClr val="7030A0"/>
+          </a:solidFill>
+        </p:spPr>
+        <p:style>
+          <a:lnRef idx="2">
+            <a:schemeClr val="accent1">
+              <a:shade val="50000"/>
+            </a:schemeClr>
+          </a:lnRef>
+          <a:fillRef idx="1">
+            <a:schemeClr val="accent1"/>
+          </a:fillRef>
+          <a:effectRef idx="0">
+            <a:schemeClr val="accent1"/>
+          </a:effectRef>
+          <a:fontRef idx="minor">
+            <a:schemeClr val="lt1"/>
+          </a:fontRef>
+        </p:style>
+        <p:txBody>
+          <a:bodyPr rtlCol="0" anchor="ctr"/>
+          <a:lstStyle/>
+          <a:p>
+            <a:pPr algn="ctr"/>
+            <a:endParaRPr lang="en-US"/>
+          </a:p>
+        </p:txBody>
+      </p:sp>
+      <p:sp>
+        <p:nvSpPr>
+          <p:cNvPr id="10" name="TextBox 9">
+            <a:extLst>
+              <a:ext uri="{FF2B5EF4-FFF2-40B4-BE49-F238E27FC236}">
+                <a16:creationId xmlns:a16="http://schemas.microsoft.com/office/drawing/2014/main" id="{8DF9B321-0F15-7C3D-6FA6-C480E3373125}"/>
+              </a:ext>
+            </a:extLst>
+          </p:cNvPr>
+          <p:cNvSpPr txBox="1"/>
+          <p:nvPr/>
+        </p:nvSpPr>
+        <p:spPr>
+          <a:xfrm>
+            <a:off x="7336465" y="3378346"/>
+            <a:ext cx="1339702" cy="430887"/>
+          </a:xfrm>
+          <a:prstGeom prst="rect">
+            <a:avLst/>
+          </a:prstGeom>
+          <a:noFill/>
+        </p:spPr>
+        <p:txBody>
+          <a:bodyPr wrap="square" rtlCol="0">
+            <a:spAutoFit/>
+          </a:bodyPr>
+          <a:lstStyle/>
+          <a:p>
+            <a:pPr algn="ctr"/>
+            <a:r>
+              <a:rPr lang="en-US" sz="1100" b="1" dirty="0">
+                <a:ln>
+                  <a:solidFill>
+                    <a:srgbClr val="FFFF00"/>
+                  </a:solidFill>
+                </a:ln>
+                <a:solidFill>
+                  <a:srgbClr val="FFFF00"/>
+                </a:solidFill>
+              </a:rPr>
+              <a:t>Container 2 Port 6005</a:t>
+            </a:r>
+          </a:p>
+        </p:txBody>
+      </p:sp>
+      <p:sp>
+        <p:nvSpPr>
+          <p:cNvPr id="11" name="Snip Single Corner of Rectangle 10">
+            <a:extLst>
+              <a:ext uri="{FF2B5EF4-FFF2-40B4-BE49-F238E27FC236}">
+                <a16:creationId xmlns:a16="http://schemas.microsoft.com/office/drawing/2014/main" id="{81908474-4D25-888A-AB72-FB3BA680839E}"/>
+              </a:ext>
+            </a:extLst>
+          </p:cNvPr>
+          <p:cNvSpPr/>
+          <p:nvPr/>
+        </p:nvSpPr>
+        <p:spPr>
+          <a:xfrm>
+            <a:off x="4572000" y="3429000"/>
+            <a:ext cx="988828" cy="728330"/>
+          </a:xfrm>
+          <a:prstGeom prst="snip1Rect">
+            <a:avLst/>
+          </a:prstGeom>
+        </p:spPr>
+        <p:style>
+          <a:lnRef idx="2">
+            <a:schemeClr val="accent1">
+              <a:shade val="50000"/>
+            </a:schemeClr>
+          </a:lnRef>
+          <a:fillRef idx="1">
+            <a:schemeClr val="accent1"/>
+          </a:fillRef>
+          <a:effectRef idx="0">
+            <a:schemeClr val="accent1"/>
+          </a:effectRef>
+          <a:fontRef idx="minor">
+            <a:schemeClr val="lt1"/>
+          </a:fontRef>
+        </p:style>
+        <p:txBody>
+          <a:bodyPr rtlCol="0" anchor="ctr"/>
+          <a:lstStyle/>
+          <a:p>
+            <a:pPr algn="ctr"/>
+            <a:r>
+              <a:rPr lang="en-US" dirty="0"/>
+              <a:t>Serv Image</a:t>
+            </a:r>
+          </a:p>
+        </p:txBody>
+      </p:sp>
+      <p:sp>
+        <p:nvSpPr>
+          <p:cNvPr id="12" name="Snip Single Corner of Rectangle 11">
+            <a:extLst>
+              <a:ext uri="{FF2B5EF4-FFF2-40B4-BE49-F238E27FC236}">
+                <a16:creationId xmlns:a16="http://schemas.microsoft.com/office/drawing/2014/main" id="{32B2D8CB-A510-9A59-7895-3A9FAB83BBD5}"/>
+              </a:ext>
+            </a:extLst>
+          </p:cNvPr>
+          <p:cNvSpPr/>
+          <p:nvPr/>
+        </p:nvSpPr>
+        <p:spPr>
+          <a:xfrm>
+            <a:off x="7410892" y="3970961"/>
+            <a:ext cx="988828" cy="728330"/>
+          </a:xfrm>
+          <a:prstGeom prst="snip1Rect">
+            <a:avLst/>
+          </a:prstGeom>
+        </p:spPr>
+        <p:style>
+          <a:lnRef idx="2">
+            <a:schemeClr val="accent1">
+              <a:shade val="50000"/>
+            </a:schemeClr>
+          </a:lnRef>
+          <a:fillRef idx="1">
+            <a:schemeClr val="accent1"/>
+          </a:fillRef>
+          <a:effectRef idx="0">
+            <a:schemeClr val="accent1"/>
+          </a:effectRef>
+          <a:fontRef idx="minor">
+            <a:schemeClr val="lt1"/>
+          </a:fontRef>
+        </p:style>
+        <p:txBody>
+          <a:bodyPr rtlCol="0" anchor="ctr"/>
+          <a:lstStyle/>
+          <a:p>
+            <a:pPr algn="ctr"/>
+            <a:r>
+              <a:rPr lang="en-US" dirty="0"/>
+              <a:t>Serv Image</a:t>
+            </a:r>
+          </a:p>
+        </p:txBody>
+      </p:sp>
+      <p:sp>
+        <p:nvSpPr>
+          <p:cNvPr id="13" name="TextBox 12">
+            <a:extLst>
+              <a:ext uri="{FF2B5EF4-FFF2-40B4-BE49-F238E27FC236}">
+                <a16:creationId xmlns:a16="http://schemas.microsoft.com/office/drawing/2014/main" id="{07CC546C-656D-ED34-DE97-9309AE694B1D}"/>
+              </a:ext>
+            </a:extLst>
+          </p:cNvPr>
+          <p:cNvSpPr txBox="1"/>
+          <p:nvPr/>
+        </p:nvSpPr>
+        <p:spPr>
+          <a:xfrm>
+            <a:off x="3987209" y="5486400"/>
+            <a:ext cx="5656521" cy="923330"/>
+          </a:xfrm>
+          <a:prstGeom prst="rect">
+            <a:avLst/>
+          </a:prstGeom>
+          <a:noFill/>
+        </p:spPr>
+        <p:txBody>
+          <a:bodyPr wrap="square" rtlCol="0">
+            <a:spAutoFit/>
+          </a:bodyPr>
+          <a:lstStyle/>
+          <a:p>
+            <a:pPr algn="ctr"/>
+            <a:r>
+              <a:rPr lang="en-US" b="1" dirty="0">
+                <a:solidFill>
+                  <a:srgbClr val="FFFF00"/>
+                </a:solidFill>
+              </a:rPr>
+              <a:t>The Cluster is Locally Deployed on-premises so using the NodePort</a:t>
+            </a:r>
+          </a:p>
+          <a:p>
+            <a:pPr algn="ctr"/>
+            <a:r>
+              <a:rPr lang="en-US" b="1" dirty="0">
+                <a:solidFill>
+                  <a:srgbClr val="FFFF00"/>
+                </a:solidFill>
+              </a:rPr>
+              <a:t>e.g. IP of Node is 192.168.10.20</a:t>
+            </a:r>
+          </a:p>
+        </p:txBody>
+      </p:sp>
+      <p:sp>
+        <p:nvSpPr>
+          <p:cNvPr id="14" name="TextBox 13">
+            <a:extLst>
+              <a:ext uri="{FF2B5EF4-FFF2-40B4-BE49-F238E27FC236}">
+                <a16:creationId xmlns:a16="http://schemas.microsoft.com/office/drawing/2014/main" id="{7BF1CDDF-92F1-F162-6A2E-7074EB70BAC6}"/>
+              </a:ext>
+            </a:extLst>
+          </p:cNvPr>
+          <p:cNvSpPr txBox="1"/>
+          <p:nvPr/>
+        </p:nvSpPr>
+        <p:spPr>
+          <a:xfrm>
+            <a:off x="4199858" y="4521076"/>
+            <a:ext cx="2402958" cy="646331"/>
+          </a:xfrm>
+          <a:prstGeom prst="rect">
+            <a:avLst/>
+          </a:prstGeom>
+          <a:noFill/>
+        </p:spPr>
+        <p:txBody>
+          <a:bodyPr wrap="square" rtlCol="0">
+            <a:spAutoFit/>
+          </a:bodyPr>
+          <a:lstStyle/>
+          <a:p>
+            <a:r>
+              <a:rPr lang="en-US" dirty="0"/>
+              <a:t>POD is accepting requests on Port 80 </a:t>
+            </a:r>
+          </a:p>
+        </p:txBody>
+      </p:sp>
+      <p:sp>
+        <p:nvSpPr>
+          <p:cNvPr id="15" name="TextBox 14">
+            <a:extLst>
+              <a:ext uri="{FF2B5EF4-FFF2-40B4-BE49-F238E27FC236}">
+                <a16:creationId xmlns:a16="http://schemas.microsoft.com/office/drawing/2014/main" id="{D9AE93CB-836B-29E5-006C-8A5A7353AE4B}"/>
+              </a:ext>
+            </a:extLst>
+          </p:cNvPr>
+          <p:cNvSpPr txBox="1"/>
+          <p:nvPr/>
+        </p:nvSpPr>
+        <p:spPr>
+          <a:xfrm>
+            <a:off x="202019" y="803886"/>
+            <a:ext cx="3168502" cy="4524315"/>
+          </a:xfrm>
+          <a:prstGeom prst="rect">
+            <a:avLst/>
+          </a:prstGeom>
+          <a:noFill/>
+        </p:spPr>
+        <p:txBody>
+          <a:bodyPr wrap="square" rtlCol="0">
+            <a:spAutoFit/>
+          </a:bodyPr>
+          <a:lstStyle/>
+          <a:p>
+            <a:r>
+              <a:rPr lang="en-US" dirty="0"/>
+              <a:t>1. Ideally the Access of Services on POD 1 on NodePort will be 192.168.10.20:80, so if multiple PODs having services then NodePort exposed on Port 80 will confuse the networking, so in that case, the K8s will create a Port 80 mapping for NodePort in Production for On-Premises apps by providing a Different Port, e.g. port range starts from 311XXX e.g. 31102, the URL will be </a:t>
+            </a:r>
+            <a:r>
+              <a:rPr lang="en-US" dirty="0">
+                <a:hlinkClick r:id="rId2"/>
+              </a:rPr>
+              <a:t>http://192.168.10.20:31102</a:t>
+            </a:r>
+            <a:r>
+              <a:rPr lang="en-US" dirty="0"/>
+              <a:t> to access </a:t>
+            </a:r>
+            <a:r>
+              <a:rPr lang="en-US"/>
+              <a:t>the Service </a:t>
+            </a:r>
+            <a:endParaRPr lang="en-US" dirty="0"/>
+          </a:p>
+          <a:p>
+            <a:endParaRPr lang="en-US" dirty="0"/>
+          </a:p>
+          <a:p>
+            <a:endParaRPr lang="en-US" dirty="0"/>
+          </a:p>
+        </p:txBody>
+      </p:sp>
+      <p:sp>
+        <p:nvSpPr>
+          <p:cNvPr id="16" name="Rounded Rectangle 15">
+            <a:extLst>
+              <a:ext uri="{FF2B5EF4-FFF2-40B4-BE49-F238E27FC236}">
+                <a16:creationId xmlns:a16="http://schemas.microsoft.com/office/drawing/2014/main" id="{0F6F4A5E-09A6-6D0A-2B98-82E360133CA2}"/>
+              </a:ext>
+            </a:extLst>
+          </p:cNvPr>
+          <p:cNvSpPr/>
+          <p:nvPr/>
+        </p:nvSpPr>
+        <p:spPr>
+          <a:xfrm>
+            <a:off x="9813851" y="2806995"/>
+            <a:ext cx="1573619" cy="1350335"/>
+          </a:xfrm>
+          <a:prstGeom prst="roundRect">
+            <a:avLst/>
+          </a:prstGeom>
+          <a:solidFill>
+            <a:srgbClr val="FFFF00"/>
+          </a:solidFill>
+        </p:spPr>
+        <p:style>
+          <a:lnRef idx="2">
+            <a:schemeClr val="accent1">
+              <a:shade val="50000"/>
+            </a:schemeClr>
+          </a:lnRef>
+          <a:fillRef idx="1">
+            <a:schemeClr val="accent1"/>
+          </a:fillRef>
+          <a:effectRef idx="0">
+            <a:schemeClr val="accent1"/>
+          </a:effectRef>
+          <a:fontRef idx="minor">
+            <a:schemeClr val="lt1"/>
+          </a:fontRef>
+        </p:style>
+        <p:txBody>
+          <a:bodyPr rtlCol="0" anchor="ctr"/>
+          <a:lstStyle/>
+          <a:p>
+            <a:pPr algn="ctr"/>
+            <a:r>
+              <a:rPr lang="en-US" sz="1100" b="1" dirty="0">
+                <a:solidFill>
+                  <a:srgbClr val="C00000"/>
+                </a:solidFill>
+              </a:rPr>
+              <a:t>POD 2 with its own Container s with Images and separate Ports exposed by Containers</a:t>
+            </a:r>
+          </a:p>
+        </p:txBody>
+      </p:sp>
+    </p:spTree>
+    <p:extLst>
+      <p:ext uri="{BB962C8B-B14F-4D97-AF65-F5344CB8AC3E}">
+        <p14:creationId xmlns:p14="http://schemas.microsoft.com/office/powerpoint/2010/main" val="3682360392"/>
+      </p:ext>
+    </p:extLst>
+  </p:cSld>
+  <p:clrMapOvr>
+    <a:masterClrMapping/>
+  </p:clrMapOvr>
+</p:sld>
+</file>
+
 <file path=ppt/slides/slide6.xml><?xml version="1.0" encoding="utf-8"?>
 <p:sld xmlns:a="http://schemas.openxmlformats.org/drawingml/2006/main" xmlns:r="http://schemas.openxmlformats.org/officeDocument/2006/relationships" xmlns:p="http://schemas.openxmlformats.org/presentationml/2006/main">
   <p:cSld>
